--- a/Gooit自绘图标.pptx
+++ b/Gooit自绘图标.pptx
@@ -154,10 +154,9 @@
           </a:lstStyle>
           <a:p>
             <a:r>
-              <a:rPr lang="zh-CN" altLang="en-US" smtClean="0"/>
+              <a:rPr lang="zh-CN" altLang="en-US"/>
               <a:t>单击此处编辑母版标题样式</a:t>
             </a:r>
-            <a:endParaRPr lang="zh-CN" altLang="en-US"/>
           </a:p>
         </p:txBody>
       </p:sp>
@@ -219,10 +218,9 @@
           </a:lstStyle>
           <a:p>
             <a:r>
-              <a:rPr lang="zh-CN" altLang="en-US" smtClean="0"/>
+              <a:rPr lang="zh-CN" altLang="en-US"/>
               <a:t>单击以编辑母版副标题样式</a:t>
             </a:r>
-            <a:endParaRPr lang="zh-CN" altLang="en-US"/>
           </a:p>
         </p:txBody>
       </p:sp>
@@ -243,7 +241,7 @@
           <a:p>
             <a:fld id="{422CCFCB-3385-4999-8F10-4D582A939C16}" type="datetimeFigureOut">
               <a:rPr lang="zh-CN" altLang="en-US" smtClean="0"/>
-              <a:t>2019/1/5</a:t>
+              <a:t>2019/1/12</a:t>
             </a:fld>
             <a:endParaRPr lang="zh-CN" altLang="en-US"/>
           </a:p>
@@ -337,10 +335,9 @@
           <a:lstStyle/>
           <a:p>
             <a:r>
-              <a:rPr lang="zh-CN" altLang="en-US" smtClean="0"/>
+              <a:rPr lang="zh-CN" altLang="en-US"/>
               <a:t>单击此处编辑母版标题样式</a:t>
             </a:r>
-            <a:endParaRPr lang="zh-CN" altLang="en-US"/>
           </a:p>
         </p:txBody>
       </p:sp>
@@ -361,38 +358,37 @@
           <a:p>
             <a:pPr lvl="0"/>
             <a:r>
-              <a:rPr lang="zh-CN" altLang="en-US" smtClean="0"/>
+              <a:rPr lang="zh-CN" altLang="en-US"/>
               <a:t>编辑母版文本样式</a:t>
             </a:r>
           </a:p>
           <a:p>
             <a:pPr lvl="1"/>
             <a:r>
-              <a:rPr lang="zh-CN" altLang="en-US" smtClean="0"/>
+              <a:rPr lang="zh-CN" altLang="en-US"/>
               <a:t>第二级</a:t>
             </a:r>
           </a:p>
           <a:p>
             <a:pPr lvl="2"/>
             <a:r>
-              <a:rPr lang="zh-CN" altLang="en-US" smtClean="0"/>
+              <a:rPr lang="zh-CN" altLang="en-US"/>
               <a:t>第三级</a:t>
             </a:r>
           </a:p>
           <a:p>
             <a:pPr lvl="3"/>
             <a:r>
-              <a:rPr lang="zh-CN" altLang="en-US" smtClean="0"/>
+              <a:rPr lang="zh-CN" altLang="en-US"/>
               <a:t>第四级</a:t>
             </a:r>
           </a:p>
           <a:p>
             <a:pPr lvl="4"/>
             <a:r>
-              <a:rPr lang="zh-CN" altLang="en-US" smtClean="0"/>
+              <a:rPr lang="zh-CN" altLang="en-US"/>
               <a:t>第五级</a:t>
             </a:r>
-            <a:endParaRPr lang="zh-CN" altLang="en-US"/>
           </a:p>
         </p:txBody>
       </p:sp>
@@ -413,7 +409,7 @@
           <a:p>
             <a:fld id="{422CCFCB-3385-4999-8F10-4D582A939C16}" type="datetimeFigureOut">
               <a:rPr lang="zh-CN" altLang="en-US" smtClean="0"/>
-              <a:t>2019/1/5</a:t>
+              <a:t>2019/1/12</a:t>
             </a:fld>
             <a:endParaRPr lang="zh-CN" altLang="en-US"/>
           </a:p>
@@ -512,10 +508,9 @@
           <a:lstStyle/>
           <a:p>
             <a:r>
-              <a:rPr lang="zh-CN" altLang="en-US" smtClean="0"/>
+              <a:rPr lang="zh-CN" altLang="en-US"/>
               <a:t>单击此处编辑母版标题样式</a:t>
             </a:r>
-            <a:endParaRPr lang="zh-CN" altLang="en-US"/>
           </a:p>
         </p:txBody>
       </p:sp>
@@ -541,38 +536,37 @@
           <a:p>
             <a:pPr lvl="0"/>
             <a:r>
-              <a:rPr lang="zh-CN" altLang="en-US" smtClean="0"/>
+              <a:rPr lang="zh-CN" altLang="en-US"/>
               <a:t>编辑母版文本样式</a:t>
             </a:r>
           </a:p>
           <a:p>
             <a:pPr lvl="1"/>
             <a:r>
-              <a:rPr lang="zh-CN" altLang="en-US" smtClean="0"/>
+              <a:rPr lang="zh-CN" altLang="en-US"/>
               <a:t>第二级</a:t>
             </a:r>
           </a:p>
           <a:p>
             <a:pPr lvl="2"/>
             <a:r>
-              <a:rPr lang="zh-CN" altLang="en-US" smtClean="0"/>
+              <a:rPr lang="zh-CN" altLang="en-US"/>
               <a:t>第三级</a:t>
             </a:r>
           </a:p>
           <a:p>
             <a:pPr lvl="3"/>
             <a:r>
-              <a:rPr lang="zh-CN" altLang="en-US" smtClean="0"/>
+              <a:rPr lang="zh-CN" altLang="en-US"/>
               <a:t>第四级</a:t>
             </a:r>
           </a:p>
           <a:p>
             <a:pPr lvl="4"/>
             <a:r>
-              <a:rPr lang="zh-CN" altLang="en-US" smtClean="0"/>
+              <a:rPr lang="zh-CN" altLang="en-US"/>
               <a:t>第五级</a:t>
             </a:r>
-            <a:endParaRPr lang="zh-CN" altLang="en-US"/>
           </a:p>
         </p:txBody>
       </p:sp>
@@ -593,7 +587,7 @@
           <a:p>
             <a:fld id="{422CCFCB-3385-4999-8F10-4D582A939C16}" type="datetimeFigureOut">
               <a:rPr lang="zh-CN" altLang="en-US" smtClean="0"/>
-              <a:t>2019/1/5</a:t>
+              <a:t>2019/1/12</a:t>
             </a:fld>
             <a:endParaRPr lang="zh-CN" altLang="en-US"/>
           </a:p>
@@ -687,10 +681,9 @@
           <a:lstStyle/>
           <a:p>
             <a:r>
-              <a:rPr lang="zh-CN" altLang="en-US" smtClean="0"/>
+              <a:rPr lang="zh-CN" altLang="en-US"/>
               <a:t>单击此处编辑母版标题样式</a:t>
             </a:r>
-            <a:endParaRPr lang="zh-CN" altLang="en-US"/>
           </a:p>
         </p:txBody>
       </p:sp>
@@ -711,38 +704,37 @@
           <a:p>
             <a:pPr lvl="0"/>
             <a:r>
-              <a:rPr lang="zh-CN" altLang="en-US" smtClean="0"/>
+              <a:rPr lang="zh-CN" altLang="en-US"/>
               <a:t>编辑母版文本样式</a:t>
             </a:r>
           </a:p>
           <a:p>
             <a:pPr lvl="1"/>
             <a:r>
-              <a:rPr lang="zh-CN" altLang="en-US" smtClean="0"/>
+              <a:rPr lang="zh-CN" altLang="en-US"/>
               <a:t>第二级</a:t>
             </a:r>
           </a:p>
           <a:p>
             <a:pPr lvl="2"/>
             <a:r>
-              <a:rPr lang="zh-CN" altLang="en-US" smtClean="0"/>
+              <a:rPr lang="zh-CN" altLang="en-US"/>
               <a:t>第三级</a:t>
             </a:r>
           </a:p>
           <a:p>
             <a:pPr lvl="3"/>
             <a:r>
-              <a:rPr lang="zh-CN" altLang="en-US" smtClean="0"/>
+              <a:rPr lang="zh-CN" altLang="en-US"/>
               <a:t>第四级</a:t>
             </a:r>
           </a:p>
           <a:p>
             <a:pPr lvl="4"/>
             <a:r>
-              <a:rPr lang="zh-CN" altLang="en-US" smtClean="0"/>
+              <a:rPr lang="zh-CN" altLang="en-US"/>
               <a:t>第五级</a:t>
             </a:r>
-            <a:endParaRPr lang="zh-CN" altLang="en-US"/>
           </a:p>
         </p:txBody>
       </p:sp>
@@ -763,7 +755,7 @@
           <a:p>
             <a:fld id="{422CCFCB-3385-4999-8F10-4D582A939C16}" type="datetimeFigureOut">
               <a:rPr lang="zh-CN" altLang="en-US" smtClean="0"/>
-              <a:t>2019/1/5</a:t>
+              <a:t>2019/1/12</a:t>
             </a:fld>
             <a:endParaRPr lang="zh-CN" altLang="en-US"/>
           </a:p>
@@ -866,10 +858,9 @@
           </a:lstStyle>
           <a:p>
             <a:r>
-              <a:rPr lang="zh-CN" altLang="en-US" smtClean="0"/>
+              <a:rPr lang="zh-CN" altLang="en-US"/>
               <a:t>单击此处编辑母版标题样式</a:t>
             </a:r>
-            <a:endParaRPr lang="zh-CN" altLang="en-US"/>
           </a:p>
         </p:txBody>
       </p:sp>
@@ -986,7 +977,7 @@
           <a:p>
             <a:pPr lvl="0"/>
             <a:r>
-              <a:rPr lang="zh-CN" altLang="en-US" smtClean="0"/>
+              <a:rPr lang="zh-CN" altLang="en-US"/>
               <a:t>编辑母版文本样式</a:t>
             </a:r>
           </a:p>
@@ -1009,7 +1000,7 @@
           <a:p>
             <a:fld id="{422CCFCB-3385-4999-8F10-4D582A939C16}" type="datetimeFigureOut">
               <a:rPr lang="zh-CN" altLang="en-US" smtClean="0"/>
-              <a:t>2019/1/5</a:t>
+              <a:t>2019/1/12</a:t>
             </a:fld>
             <a:endParaRPr lang="zh-CN" altLang="en-US"/>
           </a:p>
@@ -1103,10 +1094,9 @@
           <a:lstStyle/>
           <a:p>
             <a:r>
-              <a:rPr lang="zh-CN" altLang="en-US" smtClean="0"/>
+              <a:rPr lang="zh-CN" altLang="en-US"/>
               <a:t>单击此处编辑母版标题样式</a:t>
             </a:r>
-            <a:endParaRPr lang="zh-CN" altLang="en-US"/>
           </a:p>
         </p:txBody>
       </p:sp>
@@ -1132,38 +1122,37 @@
           <a:p>
             <a:pPr lvl="0"/>
             <a:r>
-              <a:rPr lang="zh-CN" altLang="en-US" smtClean="0"/>
+              <a:rPr lang="zh-CN" altLang="en-US"/>
               <a:t>编辑母版文本样式</a:t>
             </a:r>
           </a:p>
           <a:p>
             <a:pPr lvl="1"/>
             <a:r>
-              <a:rPr lang="zh-CN" altLang="en-US" smtClean="0"/>
+              <a:rPr lang="zh-CN" altLang="en-US"/>
               <a:t>第二级</a:t>
             </a:r>
           </a:p>
           <a:p>
             <a:pPr lvl="2"/>
             <a:r>
-              <a:rPr lang="zh-CN" altLang="en-US" smtClean="0"/>
+              <a:rPr lang="zh-CN" altLang="en-US"/>
               <a:t>第三级</a:t>
             </a:r>
           </a:p>
           <a:p>
             <a:pPr lvl="3"/>
             <a:r>
-              <a:rPr lang="zh-CN" altLang="en-US" smtClean="0"/>
+              <a:rPr lang="zh-CN" altLang="en-US"/>
               <a:t>第四级</a:t>
             </a:r>
           </a:p>
           <a:p>
             <a:pPr lvl="4"/>
             <a:r>
-              <a:rPr lang="zh-CN" altLang="en-US" smtClean="0"/>
+              <a:rPr lang="zh-CN" altLang="en-US"/>
               <a:t>第五级</a:t>
             </a:r>
-            <a:endParaRPr lang="zh-CN" altLang="en-US"/>
           </a:p>
         </p:txBody>
       </p:sp>
@@ -1189,38 +1178,37 @@
           <a:p>
             <a:pPr lvl="0"/>
             <a:r>
-              <a:rPr lang="zh-CN" altLang="en-US" smtClean="0"/>
+              <a:rPr lang="zh-CN" altLang="en-US"/>
               <a:t>编辑母版文本样式</a:t>
             </a:r>
           </a:p>
           <a:p>
             <a:pPr lvl="1"/>
             <a:r>
-              <a:rPr lang="zh-CN" altLang="en-US" smtClean="0"/>
+              <a:rPr lang="zh-CN" altLang="en-US"/>
               <a:t>第二级</a:t>
             </a:r>
           </a:p>
           <a:p>
             <a:pPr lvl="2"/>
             <a:r>
-              <a:rPr lang="zh-CN" altLang="en-US" smtClean="0"/>
+              <a:rPr lang="zh-CN" altLang="en-US"/>
               <a:t>第三级</a:t>
             </a:r>
           </a:p>
           <a:p>
             <a:pPr lvl="3"/>
             <a:r>
-              <a:rPr lang="zh-CN" altLang="en-US" smtClean="0"/>
+              <a:rPr lang="zh-CN" altLang="en-US"/>
               <a:t>第四级</a:t>
             </a:r>
           </a:p>
           <a:p>
             <a:pPr lvl="4"/>
             <a:r>
-              <a:rPr lang="zh-CN" altLang="en-US" smtClean="0"/>
+              <a:rPr lang="zh-CN" altLang="en-US"/>
               <a:t>第五级</a:t>
             </a:r>
-            <a:endParaRPr lang="zh-CN" altLang="en-US"/>
           </a:p>
         </p:txBody>
       </p:sp>
@@ -1241,7 +1229,7 @@
           <a:p>
             <a:fld id="{422CCFCB-3385-4999-8F10-4D582A939C16}" type="datetimeFigureOut">
               <a:rPr lang="zh-CN" altLang="en-US" smtClean="0"/>
-              <a:t>2019/1/5</a:t>
+              <a:t>2019/1/12</a:t>
             </a:fld>
             <a:endParaRPr lang="zh-CN" altLang="en-US"/>
           </a:p>
@@ -1340,10 +1328,9 @@
           <a:lstStyle/>
           <a:p>
             <a:r>
-              <a:rPr lang="zh-CN" altLang="en-US" smtClean="0"/>
+              <a:rPr lang="zh-CN" altLang="en-US"/>
               <a:t>单击此处编辑母版标题样式</a:t>
             </a:r>
-            <a:endParaRPr lang="zh-CN" altLang="en-US"/>
           </a:p>
         </p:txBody>
       </p:sp>
@@ -1406,7 +1393,7 @@
           <a:p>
             <a:pPr lvl="0"/>
             <a:r>
-              <a:rPr lang="zh-CN" altLang="en-US" smtClean="0"/>
+              <a:rPr lang="zh-CN" altLang="en-US"/>
               <a:t>编辑母版文本样式</a:t>
             </a:r>
           </a:p>
@@ -1434,38 +1421,37 @@
           <a:p>
             <a:pPr lvl="0"/>
             <a:r>
-              <a:rPr lang="zh-CN" altLang="en-US" smtClean="0"/>
+              <a:rPr lang="zh-CN" altLang="en-US"/>
               <a:t>编辑母版文本样式</a:t>
             </a:r>
           </a:p>
           <a:p>
             <a:pPr lvl="1"/>
             <a:r>
-              <a:rPr lang="zh-CN" altLang="en-US" smtClean="0"/>
+              <a:rPr lang="zh-CN" altLang="en-US"/>
               <a:t>第二级</a:t>
             </a:r>
           </a:p>
           <a:p>
             <a:pPr lvl="2"/>
             <a:r>
-              <a:rPr lang="zh-CN" altLang="en-US" smtClean="0"/>
+              <a:rPr lang="zh-CN" altLang="en-US"/>
               <a:t>第三级</a:t>
             </a:r>
           </a:p>
           <a:p>
             <a:pPr lvl="3"/>
             <a:r>
-              <a:rPr lang="zh-CN" altLang="en-US" smtClean="0"/>
+              <a:rPr lang="zh-CN" altLang="en-US"/>
               <a:t>第四级</a:t>
             </a:r>
           </a:p>
           <a:p>
             <a:pPr lvl="4"/>
             <a:r>
-              <a:rPr lang="zh-CN" altLang="en-US" smtClean="0"/>
+              <a:rPr lang="zh-CN" altLang="en-US"/>
               <a:t>第五级</a:t>
             </a:r>
-            <a:endParaRPr lang="zh-CN" altLang="en-US"/>
           </a:p>
         </p:txBody>
       </p:sp>
@@ -1528,7 +1514,7 @@
           <a:p>
             <a:pPr lvl="0"/>
             <a:r>
-              <a:rPr lang="zh-CN" altLang="en-US" smtClean="0"/>
+              <a:rPr lang="zh-CN" altLang="en-US"/>
               <a:t>编辑母版文本样式</a:t>
             </a:r>
           </a:p>
@@ -1556,38 +1542,37 @@
           <a:p>
             <a:pPr lvl="0"/>
             <a:r>
-              <a:rPr lang="zh-CN" altLang="en-US" smtClean="0"/>
+              <a:rPr lang="zh-CN" altLang="en-US"/>
               <a:t>编辑母版文本样式</a:t>
             </a:r>
           </a:p>
           <a:p>
             <a:pPr lvl="1"/>
             <a:r>
-              <a:rPr lang="zh-CN" altLang="en-US" smtClean="0"/>
+              <a:rPr lang="zh-CN" altLang="en-US"/>
               <a:t>第二级</a:t>
             </a:r>
           </a:p>
           <a:p>
             <a:pPr lvl="2"/>
             <a:r>
-              <a:rPr lang="zh-CN" altLang="en-US" smtClean="0"/>
+              <a:rPr lang="zh-CN" altLang="en-US"/>
               <a:t>第三级</a:t>
             </a:r>
           </a:p>
           <a:p>
             <a:pPr lvl="3"/>
             <a:r>
-              <a:rPr lang="zh-CN" altLang="en-US" smtClean="0"/>
+              <a:rPr lang="zh-CN" altLang="en-US"/>
               <a:t>第四级</a:t>
             </a:r>
           </a:p>
           <a:p>
             <a:pPr lvl="4"/>
             <a:r>
-              <a:rPr lang="zh-CN" altLang="en-US" smtClean="0"/>
+              <a:rPr lang="zh-CN" altLang="en-US"/>
               <a:t>第五级</a:t>
             </a:r>
-            <a:endParaRPr lang="zh-CN" altLang="en-US"/>
           </a:p>
         </p:txBody>
       </p:sp>
@@ -1608,7 +1593,7 @@
           <a:p>
             <a:fld id="{422CCFCB-3385-4999-8F10-4D582A939C16}" type="datetimeFigureOut">
               <a:rPr lang="zh-CN" altLang="en-US" smtClean="0"/>
-              <a:t>2019/1/5</a:t>
+              <a:t>2019/1/12</a:t>
             </a:fld>
             <a:endParaRPr lang="zh-CN" altLang="en-US"/>
           </a:p>
@@ -1702,10 +1687,9 @@
           <a:lstStyle/>
           <a:p>
             <a:r>
-              <a:rPr lang="zh-CN" altLang="en-US" smtClean="0"/>
+              <a:rPr lang="zh-CN" altLang="en-US"/>
               <a:t>单击此处编辑母版标题样式</a:t>
             </a:r>
-            <a:endParaRPr lang="zh-CN" altLang="en-US"/>
           </a:p>
         </p:txBody>
       </p:sp>
@@ -1726,7 +1710,7 @@
           <a:p>
             <a:fld id="{422CCFCB-3385-4999-8F10-4D582A939C16}" type="datetimeFigureOut">
               <a:rPr lang="zh-CN" altLang="en-US" smtClean="0"/>
-              <a:t>2019/1/5</a:t>
+              <a:t>2019/1/12</a:t>
             </a:fld>
             <a:endParaRPr lang="zh-CN" altLang="en-US"/>
           </a:p>
@@ -1821,7 +1805,7 @@
           <a:p>
             <a:fld id="{422CCFCB-3385-4999-8F10-4D582A939C16}" type="datetimeFigureOut">
               <a:rPr lang="zh-CN" altLang="en-US" smtClean="0"/>
-              <a:t>2019/1/5</a:t>
+              <a:t>2019/1/12</a:t>
             </a:fld>
             <a:endParaRPr lang="zh-CN" altLang="en-US"/>
           </a:p>
@@ -1924,10 +1908,9 @@
           </a:lstStyle>
           <a:p>
             <a:r>
-              <a:rPr lang="zh-CN" altLang="en-US" smtClean="0"/>
+              <a:rPr lang="zh-CN" altLang="en-US"/>
               <a:t>单击此处编辑母版标题样式</a:t>
             </a:r>
-            <a:endParaRPr lang="zh-CN" altLang="en-US"/>
           </a:p>
         </p:txBody>
       </p:sp>
@@ -1981,38 +1964,37 @@
           <a:p>
             <a:pPr lvl="0"/>
             <a:r>
-              <a:rPr lang="zh-CN" altLang="en-US" smtClean="0"/>
+              <a:rPr lang="zh-CN" altLang="en-US"/>
               <a:t>编辑母版文本样式</a:t>
             </a:r>
           </a:p>
           <a:p>
             <a:pPr lvl="1"/>
             <a:r>
-              <a:rPr lang="zh-CN" altLang="en-US" smtClean="0"/>
+              <a:rPr lang="zh-CN" altLang="en-US"/>
               <a:t>第二级</a:t>
             </a:r>
           </a:p>
           <a:p>
             <a:pPr lvl="2"/>
             <a:r>
-              <a:rPr lang="zh-CN" altLang="en-US" smtClean="0"/>
+              <a:rPr lang="zh-CN" altLang="en-US"/>
               <a:t>第三级</a:t>
             </a:r>
           </a:p>
           <a:p>
             <a:pPr lvl="3"/>
             <a:r>
-              <a:rPr lang="zh-CN" altLang="en-US" smtClean="0"/>
+              <a:rPr lang="zh-CN" altLang="en-US"/>
               <a:t>第四级</a:t>
             </a:r>
           </a:p>
           <a:p>
             <a:pPr lvl="4"/>
             <a:r>
-              <a:rPr lang="zh-CN" altLang="en-US" smtClean="0"/>
+              <a:rPr lang="zh-CN" altLang="en-US"/>
               <a:t>第五级</a:t>
             </a:r>
-            <a:endParaRPr lang="zh-CN" altLang="en-US"/>
           </a:p>
         </p:txBody>
       </p:sp>
@@ -2075,7 +2057,7 @@
           <a:p>
             <a:pPr lvl="0"/>
             <a:r>
-              <a:rPr lang="zh-CN" altLang="en-US" smtClean="0"/>
+              <a:rPr lang="zh-CN" altLang="en-US"/>
               <a:t>编辑母版文本样式</a:t>
             </a:r>
           </a:p>
@@ -2098,7 +2080,7 @@
           <a:p>
             <a:fld id="{422CCFCB-3385-4999-8F10-4D582A939C16}" type="datetimeFigureOut">
               <a:rPr lang="zh-CN" altLang="en-US" smtClean="0"/>
-              <a:t>2019/1/5</a:t>
+              <a:t>2019/1/12</a:t>
             </a:fld>
             <a:endParaRPr lang="zh-CN" altLang="en-US"/>
           </a:p>
@@ -2201,10 +2183,9 @@
           </a:lstStyle>
           <a:p>
             <a:r>
-              <a:rPr lang="zh-CN" altLang="en-US" smtClean="0"/>
+              <a:rPr lang="zh-CN" altLang="en-US"/>
               <a:t>单击此处编辑母版标题样式</a:t>
             </a:r>
-            <a:endParaRPr lang="zh-CN" altLang="en-US"/>
           </a:p>
         </p:txBody>
       </p:sp>
@@ -2328,7 +2309,7 @@
           <a:p>
             <a:pPr lvl="0"/>
             <a:r>
-              <a:rPr lang="zh-CN" altLang="en-US" smtClean="0"/>
+              <a:rPr lang="zh-CN" altLang="en-US"/>
               <a:t>编辑母版文本样式</a:t>
             </a:r>
           </a:p>
@@ -2351,7 +2332,7 @@
           <a:p>
             <a:fld id="{422CCFCB-3385-4999-8F10-4D582A939C16}" type="datetimeFigureOut">
               <a:rPr lang="zh-CN" altLang="en-US" smtClean="0"/>
-              <a:t>2019/1/5</a:t>
+              <a:t>2019/1/12</a:t>
             </a:fld>
             <a:endParaRPr lang="zh-CN" altLang="en-US"/>
           </a:p>
@@ -2460,10 +2441,9 @@
           <a:lstStyle/>
           <a:p>
             <a:r>
-              <a:rPr lang="zh-CN" altLang="en-US" smtClean="0"/>
+              <a:rPr lang="zh-CN" altLang="en-US"/>
               <a:t>单击此处编辑母版标题样式</a:t>
             </a:r>
-            <a:endParaRPr lang="zh-CN" altLang="en-US"/>
           </a:p>
         </p:txBody>
       </p:sp>
@@ -2494,38 +2474,37 @@
           <a:p>
             <a:pPr lvl="0"/>
             <a:r>
-              <a:rPr lang="zh-CN" altLang="en-US" smtClean="0"/>
+              <a:rPr lang="zh-CN" altLang="en-US"/>
               <a:t>编辑母版文本样式</a:t>
             </a:r>
           </a:p>
           <a:p>
             <a:pPr lvl="1"/>
             <a:r>
-              <a:rPr lang="zh-CN" altLang="en-US" smtClean="0"/>
+              <a:rPr lang="zh-CN" altLang="en-US"/>
               <a:t>第二级</a:t>
             </a:r>
           </a:p>
           <a:p>
             <a:pPr lvl="2"/>
             <a:r>
-              <a:rPr lang="zh-CN" altLang="en-US" smtClean="0"/>
+              <a:rPr lang="zh-CN" altLang="en-US"/>
               <a:t>第三级</a:t>
             </a:r>
           </a:p>
           <a:p>
             <a:pPr lvl="3"/>
             <a:r>
-              <a:rPr lang="zh-CN" altLang="en-US" smtClean="0"/>
+              <a:rPr lang="zh-CN" altLang="en-US"/>
               <a:t>第四级</a:t>
             </a:r>
           </a:p>
           <a:p>
             <a:pPr lvl="4"/>
             <a:r>
-              <a:rPr lang="zh-CN" altLang="en-US" smtClean="0"/>
+              <a:rPr lang="zh-CN" altLang="en-US"/>
               <a:t>第五级</a:t>
             </a:r>
-            <a:endParaRPr lang="zh-CN" altLang="en-US"/>
           </a:p>
         </p:txBody>
       </p:sp>
@@ -2564,7 +2543,7 @@
           <a:p>
             <a:fld id="{422CCFCB-3385-4999-8F10-4D582A939C16}" type="datetimeFigureOut">
               <a:rPr lang="zh-CN" altLang="en-US" smtClean="0"/>
-              <a:t>2019/1/5</a:t>
+              <a:t>2019/1/12</a:t>
             </a:fld>
             <a:endParaRPr lang="zh-CN" altLang="en-US"/>
           </a:p>
@@ -2969,40 +2948,6 @@
           <a:chExt cx="0" cy="0"/>
         </a:xfrm>
       </p:grpSpPr>
-      <p:sp>
-        <p:nvSpPr>
-          <p:cNvPr id="2" name="文本框 1"/>
-          <p:cNvSpPr txBox="1"/>
-          <p:nvPr/>
-        </p:nvSpPr>
-        <p:spPr>
-          <a:xfrm>
-            <a:off x="487680" y="383177"/>
-            <a:ext cx="1436914" cy="369332"/>
-          </a:xfrm>
-          <a:prstGeom prst="rect">
-            <a:avLst/>
-          </a:prstGeom>
-          <a:noFill/>
-        </p:spPr>
-        <p:txBody>
-          <a:bodyPr wrap="square" rtlCol="0">
-            <a:spAutoFit/>
-          </a:bodyPr>
-          <a:lstStyle/>
-          <a:p>
-            <a:r>
-              <a:rPr lang="zh-CN" altLang="en-US"/>
-              <a:t>电</a:t>
-            </a:r>
-            <a:r>
-              <a:rPr lang="zh-CN" altLang="en-US" smtClean="0"/>
-              <a:t>阻底图</a:t>
-            </a:r>
-            <a:endParaRPr lang="zh-CN" altLang="en-US"/>
-          </a:p>
-        </p:txBody>
-      </p:sp>
       <p:grpSp>
         <p:nvGrpSpPr>
           <p:cNvPr id="3" name="组合 2"/>
@@ -3011,31 +2956,84 @@
         </p:nvGrpSpPr>
         <p:grpSpPr>
           <a:xfrm>
-            <a:off x="1149531" y="1759130"/>
-            <a:ext cx="7663543" cy="1576252"/>
-            <a:chOff x="1149531" y="1759130"/>
-            <a:chExt cx="7663543" cy="1576252"/>
+            <a:off x="1045423" y="3774197"/>
+            <a:ext cx="7653894" cy="1576252"/>
+            <a:chOff x="1215241" y="1759130"/>
+            <a:chExt cx="7653894" cy="1576252"/>
           </a:xfrm>
+          <a:gradFill flip="none" rotWithShape="1">
+            <a:gsLst>
+              <a:gs pos="0">
+                <a:schemeClr val="accent1">
+                  <a:shade val="30000"/>
+                  <a:satMod val="115000"/>
+                </a:schemeClr>
+              </a:gs>
+              <a:gs pos="50000">
+                <a:schemeClr val="accent1">
+                  <a:shade val="67500"/>
+                  <a:satMod val="115000"/>
+                </a:schemeClr>
+              </a:gs>
+              <a:gs pos="100000">
+                <a:schemeClr val="accent1">
+                  <a:shade val="100000"/>
+                  <a:satMod val="115000"/>
+                </a:schemeClr>
+              </a:gs>
+            </a:gsLst>
+            <a:path path="circle">
+              <a:fillToRect l="50000" t="50000" r="50000" b="50000"/>
+            </a:path>
+            <a:tileRect/>
+          </a:gradFill>
         </p:grpSpPr>
         <p:sp>
           <p:nvSpPr>
-            <p:cNvPr id="6" name="矩形 5"/>
+            <p:cNvPr id="13" name="矩形 12"/>
             <p:cNvSpPr/>
             <p:nvPr/>
           </p:nvSpPr>
           <p:spPr>
             <a:xfrm>
-              <a:off x="3204754" y="1968137"/>
-              <a:ext cx="3553097" cy="1210492"/>
+              <a:off x="1215241" y="2450055"/>
+              <a:ext cx="1550125" cy="194400"/>
             </a:xfrm>
             <a:prstGeom prst="rect">
               <a:avLst/>
             </a:prstGeom>
-            <a:solidFill>
-              <a:schemeClr val="bg1">
-                <a:lumMod val="85000"/>
-              </a:schemeClr>
-            </a:solidFill>
+            <a:gradFill flip="none" rotWithShape="1">
+              <a:gsLst>
+                <a:gs pos="0">
+                  <a:schemeClr val="accent3">
+                    <a:lumMod val="40000"/>
+                    <a:lumOff val="60000"/>
+                    <a:shade val="30000"/>
+                    <a:satMod val="115000"/>
+                  </a:schemeClr>
+                </a:gs>
+                <a:gs pos="50000">
+                  <a:schemeClr val="accent3">
+                    <a:lumMod val="40000"/>
+                    <a:lumOff val="60000"/>
+                    <a:shade val="67500"/>
+                    <a:satMod val="115000"/>
+                  </a:schemeClr>
+                </a:gs>
+                <a:gs pos="100000">
+                  <a:schemeClr val="accent3">
+                    <a:lumMod val="40000"/>
+                    <a:lumOff val="60000"/>
+                    <a:shade val="100000"/>
+                    <a:satMod val="115000"/>
+                  </a:schemeClr>
+                </a:gs>
+              </a:gsLst>
+              <a:path path="circle">
+                <a:fillToRect l="100000" t="100000"/>
+              </a:path>
+              <a:tileRect r="-100000" b="-100000"/>
+            </a:gradFill>
             <a:ln>
               <a:noFill/>
             </a:ln>
@@ -3067,6 +3065,75 @@
         </p:sp>
         <p:sp>
           <p:nvSpPr>
+            <p:cNvPr id="14" name="矩形 13"/>
+            <p:cNvSpPr/>
+            <p:nvPr/>
+          </p:nvSpPr>
+          <p:spPr>
+            <a:xfrm>
+              <a:off x="7319010" y="2449967"/>
+              <a:ext cx="1550125" cy="194488"/>
+            </a:xfrm>
+            <a:prstGeom prst="rect">
+              <a:avLst/>
+            </a:prstGeom>
+            <a:gradFill flip="none" rotWithShape="1">
+              <a:gsLst>
+                <a:gs pos="0">
+                  <a:srgbClr val="DBDBDB">
+                    <a:shade val="30000"/>
+                    <a:satMod val="115000"/>
+                  </a:srgbClr>
+                </a:gs>
+                <a:gs pos="50000">
+                  <a:srgbClr val="DBDBDB">
+                    <a:shade val="67500"/>
+                    <a:satMod val="115000"/>
+                  </a:srgbClr>
+                </a:gs>
+                <a:gs pos="100000">
+                  <a:srgbClr val="DBDBDB">
+                    <a:shade val="100000"/>
+                    <a:satMod val="115000"/>
+                  </a:srgbClr>
+                </a:gs>
+              </a:gsLst>
+              <a:path path="circle">
+                <a:fillToRect t="100000" r="100000"/>
+              </a:path>
+              <a:tileRect l="-100000" b="-100000"/>
+            </a:gradFill>
+            <a:ln>
+              <a:noFill/>
+            </a:ln>
+          </p:spPr>
+          <p:style>
+            <a:lnRef idx="2">
+              <a:schemeClr val="accent1">
+                <a:shade val="50000"/>
+              </a:schemeClr>
+            </a:lnRef>
+            <a:fillRef idx="1">
+              <a:schemeClr val="accent1"/>
+            </a:fillRef>
+            <a:effectRef idx="0">
+              <a:schemeClr val="accent1"/>
+            </a:effectRef>
+            <a:fontRef idx="minor">
+              <a:schemeClr val="lt1"/>
+            </a:fontRef>
+          </p:style>
+          <p:txBody>
+            <a:bodyPr rtlCol="0" anchor="ctr"/>
+            <a:lstStyle/>
+            <a:p>
+              <a:pPr algn="ctr"/>
+              <a:endParaRPr lang="zh-CN" altLang="en-US" dirty="0"/>
+            </a:p>
+          </p:txBody>
+        </p:sp>
+        <p:sp>
+          <p:nvSpPr>
             <p:cNvPr id="11" name="椭圆 10"/>
             <p:cNvSpPr/>
             <p:nvPr/>
@@ -3079,11 +3146,7 @@
             <a:prstGeom prst="ellipse">
               <a:avLst/>
             </a:prstGeom>
-            <a:solidFill>
-              <a:schemeClr val="bg1">
-                <a:lumMod val="85000"/>
-              </a:schemeClr>
-            </a:solidFill>
+            <a:grpFill/>
             <a:ln>
               <a:noFill/>
             </a:ln>
@@ -3127,11 +3190,7 @@
             <a:prstGeom prst="ellipse">
               <a:avLst/>
             </a:prstGeom>
-            <a:solidFill>
-              <a:schemeClr val="bg1">
-                <a:lumMod val="85000"/>
-              </a:schemeClr>
-            </a:solidFill>
+            <a:grpFill/>
             <a:ln>
               <a:noFill/>
             </a:ln>
@@ -3163,71 +3222,19 @@
         </p:sp>
         <p:sp>
           <p:nvSpPr>
-            <p:cNvPr id="13" name="矩形 12"/>
+            <p:cNvPr id="6" name="矩形 5"/>
             <p:cNvSpPr/>
             <p:nvPr/>
           </p:nvSpPr>
           <p:spPr>
             <a:xfrm>
-              <a:off x="1149531" y="2403563"/>
-              <a:ext cx="1550125" cy="296091"/>
+              <a:off x="3605745" y="1968137"/>
+              <a:ext cx="2946399" cy="1210492"/>
             </a:xfrm>
             <a:prstGeom prst="rect">
               <a:avLst/>
             </a:prstGeom>
-            <a:solidFill>
-              <a:schemeClr val="bg1">
-                <a:lumMod val="85000"/>
-              </a:schemeClr>
-            </a:solidFill>
-            <a:ln>
-              <a:noFill/>
-            </a:ln>
-          </p:spPr>
-          <p:style>
-            <a:lnRef idx="2">
-              <a:schemeClr val="accent1">
-                <a:shade val="50000"/>
-              </a:schemeClr>
-            </a:lnRef>
-            <a:fillRef idx="1">
-              <a:schemeClr val="accent1"/>
-            </a:fillRef>
-            <a:effectRef idx="0">
-              <a:schemeClr val="accent1"/>
-            </a:effectRef>
-            <a:fontRef idx="minor">
-              <a:schemeClr val="lt1"/>
-            </a:fontRef>
-          </p:style>
-          <p:txBody>
-            <a:bodyPr rtlCol="0" anchor="ctr"/>
-            <a:lstStyle/>
-            <a:p>
-              <a:pPr algn="ctr"/>
-              <a:endParaRPr lang="zh-CN" altLang="en-US"/>
-            </a:p>
-          </p:txBody>
-        </p:sp>
-        <p:sp>
-          <p:nvSpPr>
-            <p:cNvPr id="14" name="矩形 13"/>
-            <p:cNvSpPr/>
-            <p:nvPr/>
-          </p:nvSpPr>
-          <p:spPr>
-            <a:xfrm>
-              <a:off x="7262949" y="2429691"/>
-              <a:ext cx="1550125" cy="296091"/>
-            </a:xfrm>
-            <a:prstGeom prst="rect">
-              <a:avLst/>
-            </a:prstGeom>
-            <a:solidFill>
-              <a:schemeClr val="bg1">
-                <a:lumMod val="85000"/>
-              </a:schemeClr>
-            </a:solidFill>
+            <a:grpFill/>
             <a:ln>
               <a:noFill/>
             </a:ln>
@@ -3258,6 +3265,35 @@
           </p:txBody>
         </p:sp>
       </p:grpSp>
+      <p:sp>
+        <p:nvSpPr>
+          <p:cNvPr id="2" name="文本框 1"/>
+          <p:cNvSpPr txBox="1"/>
+          <p:nvPr/>
+        </p:nvSpPr>
+        <p:spPr>
+          <a:xfrm>
+            <a:off x="487680" y="383177"/>
+            <a:ext cx="1436914" cy="369332"/>
+          </a:xfrm>
+          <a:prstGeom prst="rect">
+            <a:avLst/>
+          </a:prstGeom>
+          <a:noFill/>
+        </p:spPr>
+        <p:txBody>
+          <a:bodyPr wrap="square" rtlCol="0">
+            <a:spAutoFit/>
+          </a:bodyPr>
+          <a:lstStyle/>
+          <a:p>
+            <a:r>
+              <a:rPr lang="zh-CN" altLang="en-US"/>
+              <a:t>电阻底图</a:t>
+            </a:r>
+          </a:p>
+        </p:txBody>
+      </p:sp>
       <p:sp>
         <p:nvSpPr>
           <p:cNvPr id="16" name="矩形 15"/>
@@ -3544,13 +3580,6 @@
   <p:clrMapOvr>
     <a:masterClrMapping/>
   </p:clrMapOvr>
-  <p:timing>
-    <p:tnLst>
-      <p:par>
-        <p:cTn id="1" dur="indefinite" restart="never" nodeType="tmRoot"/>
-      </p:par>
-    </p:tnLst>
-  </p:timing>
 </p:sld>
 </file>
 

--- a/Gooit自绘图标.pptx
+++ b/Gooit自绘图标.pptx
@@ -241,7 +241,7 @@
           <a:p>
             <a:fld id="{422CCFCB-3385-4999-8F10-4D582A939C16}" type="datetimeFigureOut">
               <a:rPr lang="zh-CN" altLang="en-US" smtClean="0"/>
-              <a:t>2019/1/12</a:t>
+              <a:t>2019/1/23</a:t>
             </a:fld>
             <a:endParaRPr lang="zh-CN" altLang="en-US"/>
           </a:p>
@@ -409,7 +409,7 @@
           <a:p>
             <a:fld id="{422CCFCB-3385-4999-8F10-4D582A939C16}" type="datetimeFigureOut">
               <a:rPr lang="zh-CN" altLang="en-US" smtClean="0"/>
-              <a:t>2019/1/12</a:t>
+              <a:t>2019/1/23</a:t>
             </a:fld>
             <a:endParaRPr lang="zh-CN" altLang="en-US"/>
           </a:p>
@@ -587,7 +587,7 @@
           <a:p>
             <a:fld id="{422CCFCB-3385-4999-8F10-4D582A939C16}" type="datetimeFigureOut">
               <a:rPr lang="zh-CN" altLang="en-US" smtClean="0"/>
-              <a:t>2019/1/12</a:t>
+              <a:t>2019/1/23</a:t>
             </a:fld>
             <a:endParaRPr lang="zh-CN" altLang="en-US"/>
           </a:p>
@@ -755,7 +755,7 @@
           <a:p>
             <a:fld id="{422CCFCB-3385-4999-8F10-4D582A939C16}" type="datetimeFigureOut">
               <a:rPr lang="zh-CN" altLang="en-US" smtClean="0"/>
-              <a:t>2019/1/12</a:t>
+              <a:t>2019/1/23</a:t>
             </a:fld>
             <a:endParaRPr lang="zh-CN" altLang="en-US"/>
           </a:p>
@@ -1000,7 +1000,7 @@
           <a:p>
             <a:fld id="{422CCFCB-3385-4999-8F10-4D582A939C16}" type="datetimeFigureOut">
               <a:rPr lang="zh-CN" altLang="en-US" smtClean="0"/>
-              <a:t>2019/1/12</a:t>
+              <a:t>2019/1/23</a:t>
             </a:fld>
             <a:endParaRPr lang="zh-CN" altLang="en-US"/>
           </a:p>
@@ -1229,7 +1229,7 @@
           <a:p>
             <a:fld id="{422CCFCB-3385-4999-8F10-4D582A939C16}" type="datetimeFigureOut">
               <a:rPr lang="zh-CN" altLang="en-US" smtClean="0"/>
-              <a:t>2019/1/12</a:t>
+              <a:t>2019/1/23</a:t>
             </a:fld>
             <a:endParaRPr lang="zh-CN" altLang="en-US"/>
           </a:p>
@@ -1593,7 +1593,7 @@
           <a:p>
             <a:fld id="{422CCFCB-3385-4999-8F10-4D582A939C16}" type="datetimeFigureOut">
               <a:rPr lang="zh-CN" altLang="en-US" smtClean="0"/>
-              <a:t>2019/1/12</a:t>
+              <a:t>2019/1/23</a:t>
             </a:fld>
             <a:endParaRPr lang="zh-CN" altLang="en-US"/>
           </a:p>
@@ -1710,7 +1710,7 @@
           <a:p>
             <a:fld id="{422CCFCB-3385-4999-8F10-4D582A939C16}" type="datetimeFigureOut">
               <a:rPr lang="zh-CN" altLang="en-US" smtClean="0"/>
-              <a:t>2019/1/12</a:t>
+              <a:t>2019/1/23</a:t>
             </a:fld>
             <a:endParaRPr lang="zh-CN" altLang="en-US"/>
           </a:p>
@@ -1805,7 +1805,7 @@
           <a:p>
             <a:fld id="{422CCFCB-3385-4999-8F10-4D582A939C16}" type="datetimeFigureOut">
               <a:rPr lang="zh-CN" altLang="en-US" smtClean="0"/>
-              <a:t>2019/1/12</a:t>
+              <a:t>2019/1/23</a:t>
             </a:fld>
             <a:endParaRPr lang="zh-CN" altLang="en-US"/>
           </a:p>
@@ -2080,7 +2080,7 @@
           <a:p>
             <a:fld id="{422CCFCB-3385-4999-8F10-4D582A939C16}" type="datetimeFigureOut">
               <a:rPr lang="zh-CN" altLang="en-US" smtClean="0"/>
-              <a:t>2019/1/12</a:t>
+              <a:t>2019/1/23</a:t>
             </a:fld>
             <a:endParaRPr lang="zh-CN" altLang="en-US"/>
           </a:p>
@@ -2332,7 +2332,7 @@
           <a:p>
             <a:fld id="{422CCFCB-3385-4999-8F10-4D582A939C16}" type="datetimeFigureOut">
               <a:rPr lang="zh-CN" altLang="en-US" smtClean="0"/>
-              <a:t>2019/1/12</a:t>
+              <a:t>2019/1/23</a:t>
             </a:fld>
             <a:endParaRPr lang="zh-CN" altLang="en-US"/>
           </a:p>
@@ -2543,7 +2543,7 @@
           <a:p>
             <a:fld id="{422CCFCB-3385-4999-8F10-4D582A939C16}" type="datetimeFigureOut">
               <a:rPr lang="zh-CN" altLang="en-US" smtClean="0"/>
-              <a:t>2019/1/12</a:t>
+              <a:t>2019/1/23</a:t>
             </a:fld>
             <a:endParaRPr lang="zh-CN" altLang="en-US"/>
           </a:p>
@@ -3006,33 +3006,24 @@
               <a:gsLst>
                 <a:gs pos="0">
                   <a:schemeClr val="accent3">
-                    <a:lumMod val="40000"/>
-                    <a:lumOff val="60000"/>
-                    <a:shade val="30000"/>
-                    <a:satMod val="115000"/>
+                    <a:lumMod val="67000"/>
                   </a:schemeClr>
                 </a:gs>
-                <a:gs pos="50000">
+                <a:gs pos="48000">
                   <a:schemeClr val="accent3">
-                    <a:lumMod val="40000"/>
-                    <a:lumOff val="60000"/>
-                    <a:shade val="67500"/>
-                    <a:satMod val="115000"/>
+                    <a:lumMod val="97000"/>
+                    <a:lumOff val="3000"/>
                   </a:schemeClr>
                 </a:gs>
                 <a:gs pos="100000">
                   <a:schemeClr val="accent3">
-                    <a:lumMod val="40000"/>
-                    <a:lumOff val="60000"/>
-                    <a:shade val="100000"/>
-                    <a:satMod val="115000"/>
+                    <a:lumMod val="60000"/>
+                    <a:lumOff val="40000"/>
                   </a:schemeClr>
                 </a:gs>
               </a:gsLst>
-              <a:path path="circle">
-                <a:fillToRect l="100000" t="100000"/>
-              </a:path>
-              <a:tileRect r="-100000" b="-100000"/>
+              <a:lin ang="16200000" scaled="1"/>
+              <a:tileRect/>
             </a:gradFill>
             <a:ln>
               <a:noFill/>
@@ -3080,28 +3071,25 @@
             <a:gradFill flip="none" rotWithShape="1">
               <a:gsLst>
                 <a:gs pos="0">
-                  <a:srgbClr val="DBDBDB">
-                    <a:shade val="30000"/>
-                    <a:satMod val="115000"/>
-                  </a:srgbClr>
+                  <a:schemeClr val="accent3">
+                    <a:lumMod val="67000"/>
+                  </a:schemeClr>
                 </a:gs>
-                <a:gs pos="50000">
-                  <a:srgbClr val="DBDBDB">
-                    <a:shade val="67500"/>
-                    <a:satMod val="115000"/>
-                  </a:srgbClr>
+                <a:gs pos="48000">
+                  <a:schemeClr val="accent3">
+                    <a:lumMod val="97000"/>
+                    <a:lumOff val="3000"/>
+                  </a:schemeClr>
                 </a:gs>
                 <a:gs pos="100000">
-                  <a:srgbClr val="DBDBDB">
-                    <a:shade val="100000"/>
-                    <a:satMod val="115000"/>
-                  </a:srgbClr>
+                  <a:schemeClr val="accent3">
+                    <a:lumMod val="60000"/>
+                    <a:lumOff val="40000"/>
+                  </a:schemeClr>
                 </a:gs>
               </a:gsLst>
-              <a:path path="circle">
-                <a:fillToRect t="100000" r="100000"/>
-              </a:path>
-              <a:tileRect l="-100000" b="-100000"/>
+              <a:lin ang="16200000" scaled="1"/>
+              <a:tileRect/>
             </a:gradFill>
             <a:ln>
               <a:noFill/>
@@ -3146,7 +3134,36 @@
             <a:prstGeom prst="ellipse">
               <a:avLst/>
             </a:prstGeom>
-            <a:grpFill/>
+            <a:gradFill flip="none" rotWithShape="1">
+              <a:gsLst>
+                <a:gs pos="0">
+                  <a:schemeClr val="accent1">
+                    <a:lumMod val="5000"/>
+                    <a:lumOff val="95000"/>
+                  </a:schemeClr>
+                </a:gs>
+                <a:gs pos="74000">
+                  <a:schemeClr val="accent1">
+                    <a:lumMod val="45000"/>
+                    <a:lumOff val="55000"/>
+                  </a:schemeClr>
+                </a:gs>
+                <a:gs pos="83000">
+                  <a:schemeClr val="accent1">
+                    <a:lumMod val="45000"/>
+                    <a:lumOff val="55000"/>
+                  </a:schemeClr>
+                </a:gs>
+                <a:gs pos="100000">
+                  <a:schemeClr val="accent1">
+                    <a:lumMod val="30000"/>
+                    <a:lumOff val="70000"/>
+                  </a:schemeClr>
+                </a:gs>
+              </a:gsLst>
+              <a:lin ang="5400000" scaled="1"/>
+              <a:tileRect/>
+            </a:gradFill>
             <a:ln>
               <a:noFill/>
             </a:ln>
@@ -3190,7 +3207,36 @@
             <a:prstGeom prst="ellipse">
               <a:avLst/>
             </a:prstGeom>
-            <a:grpFill/>
+            <a:gradFill flip="none" rotWithShape="1">
+              <a:gsLst>
+                <a:gs pos="0">
+                  <a:schemeClr val="accent1">
+                    <a:lumMod val="5000"/>
+                    <a:lumOff val="95000"/>
+                  </a:schemeClr>
+                </a:gs>
+                <a:gs pos="74000">
+                  <a:schemeClr val="accent1">
+                    <a:lumMod val="45000"/>
+                    <a:lumOff val="55000"/>
+                  </a:schemeClr>
+                </a:gs>
+                <a:gs pos="83000">
+                  <a:schemeClr val="accent1">
+                    <a:lumMod val="45000"/>
+                    <a:lumOff val="55000"/>
+                  </a:schemeClr>
+                </a:gs>
+                <a:gs pos="100000">
+                  <a:schemeClr val="accent1">
+                    <a:lumMod val="30000"/>
+                    <a:lumOff val="70000"/>
+                  </a:schemeClr>
+                </a:gs>
+              </a:gsLst>
+              <a:lin ang="5400000" scaled="1"/>
+              <a:tileRect/>
+            </a:gradFill>
             <a:ln>
               <a:noFill/>
             </a:ln>
@@ -3234,7 +3280,36 @@
             <a:prstGeom prst="rect">
               <a:avLst/>
             </a:prstGeom>
-            <a:grpFill/>
+            <a:gradFill flip="none" rotWithShape="1">
+              <a:gsLst>
+                <a:gs pos="0">
+                  <a:schemeClr val="accent1">
+                    <a:lumMod val="5000"/>
+                    <a:lumOff val="95000"/>
+                  </a:schemeClr>
+                </a:gs>
+                <a:gs pos="74000">
+                  <a:schemeClr val="accent1">
+                    <a:lumMod val="45000"/>
+                    <a:lumOff val="55000"/>
+                  </a:schemeClr>
+                </a:gs>
+                <a:gs pos="83000">
+                  <a:schemeClr val="accent1">
+                    <a:lumMod val="45000"/>
+                    <a:lumOff val="55000"/>
+                  </a:schemeClr>
+                </a:gs>
+                <a:gs pos="100000">
+                  <a:schemeClr val="accent1">
+                    <a:lumMod val="30000"/>
+                    <a:lumOff val="70000"/>
+                  </a:schemeClr>
+                </a:gs>
+              </a:gsLst>
+              <a:lin ang="5400000" scaled="1"/>
+              <a:tileRect/>
+            </a:gradFill>
             <a:ln>
               <a:noFill/>
             </a:ln>

--- a/Gooit自绘图标.pptx
+++ b/Gooit自绘图标.pptx
@@ -6,6 +6,9 @@
   </p:sldMasterIdLst>
   <p:sldIdLst>
     <p:sldId id="257" r:id="rId2"/>
+    <p:sldId id="258" r:id="rId3"/>
+    <p:sldId id="260" r:id="rId4"/>
+    <p:sldId id="261" r:id="rId5"/>
   </p:sldIdLst>
   <p:sldSz cx="12192000" cy="6858000"/>
   <p:notesSz cx="6858000" cy="9144000"/>
@@ -241,7 +244,7 @@
           <a:p>
             <a:fld id="{422CCFCB-3385-4999-8F10-4D582A939C16}" type="datetimeFigureOut">
               <a:rPr lang="zh-CN" altLang="en-US" smtClean="0"/>
-              <a:t>2019/1/23</a:t>
+              <a:t>2019/1/24</a:t>
             </a:fld>
             <a:endParaRPr lang="zh-CN" altLang="en-US"/>
           </a:p>
@@ -409,7 +412,7 @@
           <a:p>
             <a:fld id="{422CCFCB-3385-4999-8F10-4D582A939C16}" type="datetimeFigureOut">
               <a:rPr lang="zh-CN" altLang="en-US" smtClean="0"/>
-              <a:t>2019/1/23</a:t>
+              <a:t>2019/1/24</a:t>
             </a:fld>
             <a:endParaRPr lang="zh-CN" altLang="en-US"/>
           </a:p>
@@ -587,7 +590,7 @@
           <a:p>
             <a:fld id="{422CCFCB-3385-4999-8F10-4D582A939C16}" type="datetimeFigureOut">
               <a:rPr lang="zh-CN" altLang="en-US" smtClean="0"/>
-              <a:t>2019/1/23</a:t>
+              <a:t>2019/1/24</a:t>
             </a:fld>
             <a:endParaRPr lang="zh-CN" altLang="en-US"/>
           </a:p>
@@ -755,7 +758,7 @@
           <a:p>
             <a:fld id="{422CCFCB-3385-4999-8F10-4D582A939C16}" type="datetimeFigureOut">
               <a:rPr lang="zh-CN" altLang="en-US" smtClean="0"/>
-              <a:t>2019/1/23</a:t>
+              <a:t>2019/1/24</a:t>
             </a:fld>
             <a:endParaRPr lang="zh-CN" altLang="en-US"/>
           </a:p>
@@ -1000,7 +1003,7 @@
           <a:p>
             <a:fld id="{422CCFCB-3385-4999-8F10-4D582A939C16}" type="datetimeFigureOut">
               <a:rPr lang="zh-CN" altLang="en-US" smtClean="0"/>
-              <a:t>2019/1/23</a:t>
+              <a:t>2019/1/24</a:t>
             </a:fld>
             <a:endParaRPr lang="zh-CN" altLang="en-US"/>
           </a:p>
@@ -1229,7 +1232,7 @@
           <a:p>
             <a:fld id="{422CCFCB-3385-4999-8F10-4D582A939C16}" type="datetimeFigureOut">
               <a:rPr lang="zh-CN" altLang="en-US" smtClean="0"/>
-              <a:t>2019/1/23</a:t>
+              <a:t>2019/1/24</a:t>
             </a:fld>
             <a:endParaRPr lang="zh-CN" altLang="en-US"/>
           </a:p>
@@ -1593,7 +1596,7 @@
           <a:p>
             <a:fld id="{422CCFCB-3385-4999-8F10-4D582A939C16}" type="datetimeFigureOut">
               <a:rPr lang="zh-CN" altLang="en-US" smtClean="0"/>
-              <a:t>2019/1/23</a:t>
+              <a:t>2019/1/24</a:t>
             </a:fld>
             <a:endParaRPr lang="zh-CN" altLang="en-US"/>
           </a:p>
@@ -1710,7 +1713,7 @@
           <a:p>
             <a:fld id="{422CCFCB-3385-4999-8F10-4D582A939C16}" type="datetimeFigureOut">
               <a:rPr lang="zh-CN" altLang="en-US" smtClean="0"/>
-              <a:t>2019/1/23</a:t>
+              <a:t>2019/1/24</a:t>
             </a:fld>
             <a:endParaRPr lang="zh-CN" altLang="en-US"/>
           </a:p>
@@ -1805,7 +1808,7 @@
           <a:p>
             <a:fld id="{422CCFCB-3385-4999-8F10-4D582A939C16}" type="datetimeFigureOut">
               <a:rPr lang="zh-CN" altLang="en-US" smtClean="0"/>
-              <a:t>2019/1/23</a:t>
+              <a:t>2019/1/24</a:t>
             </a:fld>
             <a:endParaRPr lang="zh-CN" altLang="en-US"/>
           </a:p>
@@ -2080,7 +2083,7 @@
           <a:p>
             <a:fld id="{422CCFCB-3385-4999-8F10-4D582A939C16}" type="datetimeFigureOut">
               <a:rPr lang="zh-CN" altLang="en-US" smtClean="0"/>
-              <a:t>2019/1/23</a:t>
+              <a:t>2019/1/24</a:t>
             </a:fld>
             <a:endParaRPr lang="zh-CN" altLang="en-US"/>
           </a:p>
@@ -2332,7 +2335,7 @@
           <a:p>
             <a:fld id="{422CCFCB-3385-4999-8F10-4D582A939C16}" type="datetimeFigureOut">
               <a:rPr lang="zh-CN" altLang="en-US" smtClean="0"/>
-              <a:t>2019/1/23</a:t>
+              <a:t>2019/1/24</a:t>
             </a:fld>
             <a:endParaRPr lang="zh-CN" altLang="en-US"/>
           </a:p>
@@ -2543,7 +2546,7 @@
           <a:p>
             <a:fld id="{422CCFCB-3385-4999-8F10-4D582A939C16}" type="datetimeFigureOut">
               <a:rPr lang="zh-CN" altLang="en-US" smtClean="0"/>
-              <a:t>2019/1/23</a:t>
+              <a:t>2019/1/24</a:t>
             </a:fld>
             <a:endParaRPr lang="zh-CN" altLang="en-US"/>
           </a:p>
@@ -3658,6 +3661,196 @@
 </p:sld>
 </file>
 
+<file path=ppt/slides/slide2.xml><?xml version="1.0" encoding="utf-8"?>
+<p:sld xmlns:a="http://schemas.openxmlformats.org/drawingml/2006/main" xmlns:r="http://schemas.openxmlformats.org/officeDocument/2006/relationships" xmlns:p="http://schemas.openxmlformats.org/presentationml/2006/main">
+  <p:cSld>
+    <p:spTree>
+      <p:nvGrpSpPr>
+        <p:cNvPr id="1" name=""/>
+        <p:cNvGrpSpPr/>
+        <p:nvPr/>
+      </p:nvGrpSpPr>
+      <p:grpSpPr>
+        <a:xfrm>
+          <a:off x="0" y="0"/>
+          <a:ext cx="0" cy="0"/>
+          <a:chOff x="0" y="0"/>
+          <a:chExt cx="0" cy="0"/>
+        </a:xfrm>
+      </p:grpSpPr>
+      <p:grpSp>
+        <p:nvGrpSpPr>
+          <p:cNvPr id="4" name="组合 3"/>
+          <p:cNvGrpSpPr/>
+          <p:nvPr/>
+        </p:nvGrpSpPr>
+        <p:grpSpPr>
+          <a:xfrm>
+            <a:off x="3181611" y="1929008"/>
+            <a:ext cx="3582444" cy="2204581"/>
+            <a:chOff x="3181611" y="1929008"/>
+            <a:chExt cx="3582444" cy="2204581"/>
+          </a:xfrm>
+          <a:solidFill>
+            <a:schemeClr val="bg2"/>
+          </a:solidFill>
+        </p:grpSpPr>
+        <p:sp>
+          <p:nvSpPr>
+            <p:cNvPr id="2" name="矩形 1"/>
+            <p:cNvSpPr/>
+            <p:nvPr/>
+          </p:nvSpPr>
+          <p:spPr>
+            <a:xfrm>
+              <a:off x="3181611" y="1929008"/>
+              <a:ext cx="3582444" cy="2204581"/>
+            </a:xfrm>
+            <a:prstGeom prst="rect">
+              <a:avLst/>
+            </a:prstGeom>
+            <a:grpFill/>
+            <a:ln>
+              <a:noFill/>
+            </a:ln>
+          </p:spPr>
+          <p:style>
+            <a:lnRef idx="2">
+              <a:schemeClr val="accent1">
+                <a:shade val="50000"/>
+              </a:schemeClr>
+            </a:lnRef>
+            <a:fillRef idx="1">
+              <a:schemeClr val="accent1"/>
+            </a:fillRef>
+            <a:effectRef idx="0">
+              <a:schemeClr val="accent1"/>
+            </a:effectRef>
+            <a:fontRef idx="minor">
+              <a:schemeClr val="lt1"/>
+            </a:fontRef>
+          </p:style>
+          <p:txBody>
+            <a:bodyPr rtlCol="0" anchor="ctr"/>
+            <a:lstStyle/>
+            <a:p>
+              <a:pPr algn="ctr"/>
+              <a:endParaRPr lang="zh-CN" altLang="en-US"/>
+            </a:p>
+          </p:txBody>
+        </p:sp>
+        <p:sp>
+          <p:nvSpPr>
+            <p:cNvPr id="3" name="文本框 2"/>
+            <p:cNvSpPr txBox="1"/>
+            <p:nvPr/>
+          </p:nvSpPr>
+          <p:spPr>
+            <a:xfrm>
+              <a:off x="3956659" y="2769688"/>
+              <a:ext cx="2032348" cy="523220"/>
+            </a:xfrm>
+            <a:prstGeom prst="rect">
+              <a:avLst/>
+            </a:prstGeom>
+            <a:grpFill/>
+          </p:spPr>
+          <p:txBody>
+            <a:bodyPr wrap="square" rtlCol="0">
+              <a:spAutoFit/>
+            </a:bodyPr>
+            <a:lstStyle/>
+            <a:p>
+              <a:pPr algn="ctr"/>
+              <a:r>
+                <a:rPr lang="zh-CN" altLang="en-US" sz="2800">
+                  <a:solidFill>
+                    <a:schemeClr val="bg2">
+                      <a:lumMod val="75000"/>
+                    </a:schemeClr>
+                  </a:solidFill>
+                  <a:latin typeface="微软雅黑" panose="020B0503020204020204" pitchFamily="34" charset="-122"/>
+                  <a:ea typeface="微软雅黑" panose="020B0503020204020204" pitchFamily="34" charset="-122"/>
+                </a:rPr>
+                <a:t>查看更多</a:t>
+              </a:r>
+            </a:p>
+          </p:txBody>
+        </p:sp>
+      </p:grpSp>
+    </p:spTree>
+    <p:extLst>
+      <p:ext uri="{BB962C8B-B14F-4D97-AF65-F5344CB8AC3E}">
+        <p14:creationId xmlns:p14="http://schemas.microsoft.com/office/powerpoint/2010/main" val="2879390430"/>
+      </p:ext>
+    </p:extLst>
+  </p:cSld>
+  <p:clrMapOvr>
+    <a:masterClrMapping/>
+  </p:clrMapOvr>
+</p:sld>
+</file>
+
+<file path=ppt/slides/slide3.xml><?xml version="1.0" encoding="utf-8"?>
+<p:sld xmlns:a="http://schemas.openxmlformats.org/drawingml/2006/main" xmlns:r="http://schemas.openxmlformats.org/officeDocument/2006/relationships" xmlns:p="http://schemas.openxmlformats.org/presentationml/2006/main">
+  <p:cSld>
+    <p:spTree>
+      <p:nvGrpSpPr>
+        <p:cNvPr id="1" name=""/>
+        <p:cNvGrpSpPr/>
+        <p:nvPr/>
+      </p:nvGrpSpPr>
+      <p:grpSpPr>
+        <a:xfrm>
+          <a:off x="0" y="0"/>
+          <a:ext cx="0" cy="0"/>
+          <a:chOff x="0" y="0"/>
+          <a:chExt cx="0" cy="0"/>
+        </a:xfrm>
+      </p:grpSpPr>
+    </p:spTree>
+    <p:extLst>
+      <p:ext uri="{BB962C8B-B14F-4D97-AF65-F5344CB8AC3E}">
+        <p14:creationId xmlns:p14="http://schemas.microsoft.com/office/powerpoint/2010/main" val="3817797394"/>
+      </p:ext>
+    </p:extLst>
+  </p:cSld>
+  <p:clrMapOvr>
+    <a:masterClrMapping/>
+  </p:clrMapOvr>
+</p:sld>
+</file>
+
+<file path=ppt/slides/slide4.xml><?xml version="1.0" encoding="utf-8"?>
+<p:sld xmlns:a="http://schemas.openxmlformats.org/drawingml/2006/main" xmlns:r="http://schemas.openxmlformats.org/officeDocument/2006/relationships" xmlns:p="http://schemas.openxmlformats.org/presentationml/2006/main">
+  <p:cSld>
+    <p:spTree>
+      <p:nvGrpSpPr>
+        <p:cNvPr id="1" name=""/>
+        <p:cNvGrpSpPr/>
+        <p:nvPr/>
+      </p:nvGrpSpPr>
+      <p:grpSpPr>
+        <a:xfrm>
+          <a:off x="0" y="0"/>
+          <a:ext cx="0" cy="0"/>
+          <a:chOff x="0" y="0"/>
+          <a:chExt cx="0" cy="0"/>
+        </a:xfrm>
+      </p:grpSpPr>
+    </p:spTree>
+    <p:extLst>
+      <p:ext uri="{BB962C8B-B14F-4D97-AF65-F5344CB8AC3E}">
+        <p14:creationId xmlns:p14="http://schemas.microsoft.com/office/powerpoint/2010/main" val="3120038040"/>
+      </p:ext>
+    </p:extLst>
+  </p:cSld>
+  <p:clrMapOvr>
+    <a:masterClrMapping/>
+  </p:clrMapOvr>
+</p:sld>
+</file>
+
 <file path=ppt/theme/theme1.xml><?xml version="1.0" encoding="utf-8"?>
 <a:theme xmlns:a="http://schemas.openxmlformats.org/drawingml/2006/main" name="Office 主题​​">
   <a:themeElements>

--- a/Gooit自绘图标.pptx
+++ b/Gooit自绘图标.pptx
@@ -244,7 +244,7 @@
           <a:p>
             <a:fld id="{422CCFCB-3385-4999-8F10-4D582A939C16}" type="datetimeFigureOut">
               <a:rPr lang="zh-CN" altLang="en-US" smtClean="0"/>
-              <a:t>2019/1/24</a:t>
+              <a:t>2019/3/27</a:t>
             </a:fld>
             <a:endParaRPr lang="zh-CN" altLang="en-US"/>
           </a:p>
@@ -412,7 +412,7 @@
           <a:p>
             <a:fld id="{422CCFCB-3385-4999-8F10-4D582A939C16}" type="datetimeFigureOut">
               <a:rPr lang="zh-CN" altLang="en-US" smtClean="0"/>
-              <a:t>2019/1/24</a:t>
+              <a:t>2019/3/27</a:t>
             </a:fld>
             <a:endParaRPr lang="zh-CN" altLang="en-US"/>
           </a:p>
@@ -590,7 +590,7 @@
           <a:p>
             <a:fld id="{422CCFCB-3385-4999-8F10-4D582A939C16}" type="datetimeFigureOut">
               <a:rPr lang="zh-CN" altLang="en-US" smtClean="0"/>
-              <a:t>2019/1/24</a:t>
+              <a:t>2019/3/27</a:t>
             </a:fld>
             <a:endParaRPr lang="zh-CN" altLang="en-US"/>
           </a:p>
@@ -758,7 +758,7 @@
           <a:p>
             <a:fld id="{422CCFCB-3385-4999-8F10-4D582A939C16}" type="datetimeFigureOut">
               <a:rPr lang="zh-CN" altLang="en-US" smtClean="0"/>
-              <a:t>2019/1/24</a:t>
+              <a:t>2019/3/27</a:t>
             </a:fld>
             <a:endParaRPr lang="zh-CN" altLang="en-US"/>
           </a:p>
@@ -1003,7 +1003,7 @@
           <a:p>
             <a:fld id="{422CCFCB-3385-4999-8F10-4D582A939C16}" type="datetimeFigureOut">
               <a:rPr lang="zh-CN" altLang="en-US" smtClean="0"/>
-              <a:t>2019/1/24</a:t>
+              <a:t>2019/3/27</a:t>
             </a:fld>
             <a:endParaRPr lang="zh-CN" altLang="en-US"/>
           </a:p>
@@ -1232,7 +1232,7 @@
           <a:p>
             <a:fld id="{422CCFCB-3385-4999-8F10-4D582A939C16}" type="datetimeFigureOut">
               <a:rPr lang="zh-CN" altLang="en-US" smtClean="0"/>
-              <a:t>2019/1/24</a:t>
+              <a:t>2019/3/27</a:t>
             </a:fld>
             <a:endParaRPr lang="zh-CN" altLang="en-US"/>
           </a:p>
@@ -1596,7 +1596,7 @@
           <a:p>
             <a:fld id="{422CCFCB-3385-4999-8F10-4D582A939C16}" type="datetimeFigureOut">
               <a:rPr lang="zh-CN" altLang="en-US" smtClean="0"/>
-              <a:t>2019/1/24</a:t>
+              <a:t>2019/3/27</a:t>
             </a:fld>
             <a:endParaRPr lang="zh-CN" altLang="en-US"/>
           </a:p>
@@ -1713,7 +1713,7 @@
           <a:p>
             <a:fld id="{422CCFCB-3385-4999-8F10-4D582A939C16}" type="datetimeFigureOut">
               <a:rPr lang="zh-CN" altLang="en-US" smtClean="0"/>
-              <a:t>2019/1/24</a:t>
+              <a:t>2019/3/27</a:t>
             </a:fld>
             <a:endParaRPr lang="zh-CN" altLang="en-US"/>
           </a:p>
@@ -1808,7 +1808,7 @@
           <a:p>
             <a:fld id="{422CCFCB-3385-4999-8F10-4D582A939C16}" type="datetimeFigureOut">
               <a:rPr lang="zh-CN" altLang="en-US" smtClean="0"/>
-              <a:t>2019/1/24</a:t>
+              <a:t>2019/3/27</a:t>
             </a:fld>
             <a:endParaRPr lang="zh-CN" altLang="en-US"/>
           </a:p>
@@ -2083,7 +2083,7 @@
           <a:p>
             <a:fld id="{422CCFCB-3385-4999-8F10-4D582A939C16}" type="datetimeFigureOut">
               <a:rPr lang="zh-CN" altLang="en-US" smtClean="0"/>
-              <a:t>2019/1/24</a:t>
+              <a:t>2019/3/27</a:t>
             </a:fld>
             <a:endParaRPr lang="zh-CN" altLang="en-US"/>
           </a:p>
@@ -2335,7 +2335,7 @@
           <a:p>
             <a:fld id="{422CCFCB-3385-4999-8F10-4D582A939C16}" type="datetimeFigureOut">
               <a:rPr lang="zh-CN" altLang="en-US" smtClean="0"/>
-              <a:t>2019/1/24</a:t>
+              <a:t>2019/3/27</a:t>
             </a:fld>
             <a:endParaRPr lang="zh-CN" altLang="en-US"/>
           </a:p>
@@ -2546,7 +2546,7 @@
           <a:p>
             <a:fld id="{422CCFCB-3385-4999-8F10-4D582A939C16}" type="datetimeFigureOut">
               <a:rPr lang="zh-CN" altLang="en-US" smtClean="0"/>
-              <a:t>2019/1/24</a:t>
+              <a:t>2019/3/27</a:t>
             </a:fld>
             <a:endParaRPr lang="zh-CN" altLang="en-US"/>
           </a:p>
@@ -3808,6 +3808,1344 @@
           <a:chExt cx="0" cy="0"/>
         </a:xfrm>
       </p:grpSpPr>
+      <p:grpSp>
+        <p:nvGrpSpPr>
+          <p:cNvPr id="7" name="组合 6"/>
+          <p:cNvGrpSpPr/>
+          <p:nvPr/>
+        </p:nvGrpSpPr>
+        <p:grpSpPr>
+          <a:xfrm>
+            <a:off x="323569" y="1255541"/>
+            <a:ext cx="652744" cy="652744"/>
+            <a:chOff x="323569" y="1255541"/>
+            <a:chExt cx="652744" cy="652744"/>
+          </a:xfrm>
+        </p:grpSpPr>
+        <p:sp>
+          <p:nvSpPr>
+            <p:cNvPr id="3" name="椭圆 2"/>
+            <p:cNvSpPr/>
+            <p:nvPr/>
+          </p:nvSpPr>
+          <p:spPr>
+            <a:xfrm>
+              <a:off x="323569" y="1255541"/>
+              <a:ext cx="652744" cy="652744"/>
+            </a:xfrm>
+            <a:prstGeom prst="ellipse">
+              <a:avLst/>
+            </a:prstGeom>
+            <a:solidFill>
+              <a:srgbClr val="FFC000"/>
+            </a:solidFill>
+            <a:ln>
+              <a:solidFill>
+                <a:schemeClr val="bg1"/>
+              </a:solidFill>
+            </a:ln>
+          </p:spPr>
+          <p:style>
+            <a:lnRef idx="2">
+              <a:schemeClr val="accent1">
+                <a:shade val="50000"/>
+              </a:schemeClr>
+            </a:lnRef>
+            <a:fillRef idx="1">
+              <a:schemeClr val="accent1"/>
+            </a:fillRef>
+            <a:effectRef idx="0">
+              <a:schemeClr val="accent1"/>
+            </a:effectRef>
+            <a:fontRef idx="minor">
+              <a:schemeClr val="lt1"/>
+            </a:fontRef>
+          </p:style>
+          <p:txBody>
+            <a:bodyPr rtlCol="0" anchor="ctr"/>
+            <a:lstStyle/>
+            <a:p>
+              <a:pPr algn="ctr"/>
+              <a:endParaRPr lang="zh-CN" altLang="en-US"/>
+            </a:p>
+          </p:txBody>
+        </p:sp>
+        <p:sp>
+          <p:nvSpPr>
+            <p:cNvPr id="2" name="integrated-circuit_17787"/>
+            <p:cNvSpPr>
+              <a:spLocks noChangeAspect="1"/>
+            </p:cNvSpPr>
+            <p:nvPr/>
+          </p:nvSpPr>
+          <p:spPr bwMode="auto">
+            <a:xfrm>
+              <a:off x="345098" y="1300567"/>
+              <a:ext cx="609685" cy="562692"/>
+            </a:xfrm>
+            <a:custGeom>
+              <a:avLst/>
+              <a:gdLst>
+                <a:gd name="T0" fmla="*/ 4184 w 4830"/>
+                <a:gd name="T1" fmla="*/ 1355 h 4464"/>
+                <a:gd name="T2" fmla="*/ 4830 w 4830"/>
+                <a:gd name="T3" fmla="*/ 1001 h 4464"/>
+                <a:gd name="T4" fmla="*/ 4184 w 4830"/>
+                <a:gd name="T5" fmla="*/ 836 h 4464"/>
+                <a:gd name="T6" fmla="*/ 3679 w 4830"/>
+                <a:gd name="T7" fmla="*/ 244 h 4464"/>
+                <a:gd name="T8" fmla="*/ 1394 w 4830"/>
+                <a:gd name="T9" fmla="*/ 0 h 4464"/>
+                <a:gd name="T10" fmla="*/ 1150 w 4830"/>
+                <a:gd name="T11" fmla="*/ 836 h 4464"/>
+                <a:gd name="T12" fmla="*/ 646 w 4830"/>
+                <a:gd name="T13" fmla="*/ 971 h 4464"/>
+                <a:gd name="T14" fmla="*/ 0 w 4830"/>
+                <a:gd name="T15" fmla="*/ 1325 h 4464"/>
+                <a:gd name="T16" fmla="*/ 646 w 4830"/>
+                <a:gd name="T17" fmla="*/ 1529 h 4464"/>
+                <a:gd name="T18" fmla="*/ 1150 w 4830"/>
+                <a:gd name="T19" fmla="*/ 1906 h 4464"/>
+                <a:gd name="T20" fmla="*/ 646 w 4830"/>
+                <a:gd name="T21" fmla="*/ 2040 h 4464"/>
+                <a:gd name="T22" fmla="*/ 0 w 4830"/>
+                <a:gd name="T23" fmla="*/ 2394 h 4464"/>
+                <a:gd name="T24" fmla="*/ 646 w 4830"/>
+                <a:gd name="T25" fmla="*/ 2599 h 4464"/>
+                <a:gd name="T26" fmla="*/ 1150 w 4830"/>
+                <a:gd name="T27" fmla="*/ 3016 h 4464"/>
+                <a:gd name="T28" fmla="*/ 646 w 4830"/>
+                <a:gd name="T29" fmla="*/ 3150 h 4464"/>
+                <a:gd name="T30" fmla="*/ 0 w 4830"/>
+                <a:gd name="T31" fmla="*/ 3504 h 4464"/>
+                <a:gd name="T32" fmla="*/ 646 w 4830"/>
+                <a:gd name="T33" fmla="*/ 3709 h 4464"/>
+                <a:gd name="T34" fmla="*/ 1150 w 4830"/>
+                <a:gd name="T35" fmla="*/ 4221 h 4464"/>
+                <a:gd name="T36" fmla="*/ 3436 w 4830"/>
+                <a:gd name="T37" fmla="*/ 4464 h 4464"/>
+                <a:gd name="T38" fmla="*/ 3679 w 4830"/>
+                <a:gd name="T39" fmla="*/ 3709 h 4464"/>
+                <a:gd name="T40" fmla="*/ 4184 w 4830"/>
+                <a:gd name="T41" fmla="*/ 3534 h 4464"/>
+                <a:gd name="T42" fmla="*/ 4830 w 4830"/>
+                <a:gd name="T43" fmla="*/ 3180 h 4464"/>
+                <a:gd name="T44" fmla="*/ 4184 w 4830"/>
+                <a:gd name="T45" fmla="*/ 3016 h 4464"/>
+                <a:gd name="T46" fmla="*/ 3679 w 4830"/>
+                <a:gd name="T47" fmla="*/ 2599 h 4464"/>
+                <a:gd name="T48" fmla="*/ 4184 w 4830"/>
+                <a:gd name="T49" fmla="*/ 2424 h 4464"/>
+                <a:gd name="T50" fmla="*/ 4830 w 4830"/>
+                <a:gd name="T51" fmla="*/ 2070 h 4464"/>
+                <a:gd name="T52" fmla="*/ 4184 w 4830"/>
+                <a:gd name="T53" fmla="*/ 1906 h 4464"/>
+                <a:gd name="T54" fmla="*/ 3679 w 4830"/>
+                <a:gd name="T55" fmla="*/ 1529 h 4464"/>
+                <a:gd name="T56" fmla="*/ 3700 w 4830"/>
+                <a:gd name="T57" fmla="*/ 964 h 4464"/>
+                <a:gd name="T58" fmla="*/ 4056 w 4830"/>
+                <a:gd name="T59" fmla="*/ 1093 h 4464"/>
+                <a:gd name="T60" fmla="*/ 4702 w 4830"/>
+                <a:gd name="T61" fmla="*/ 1202 h 4464"/>
+                <a:gd name="T62" fmla="*/ 4056 w 4830"/>
+                <a:gd name="T63" fmla="*/ 1401 h 4464"/>
+                <a:gd name="T64" fmla="*/ 3700 w 4830"/>
+                <a:gd name="T65" fmla="*/ 964 h 4464"/>
+                <a:gd name="T66" fmla="*/ 774 w 4830"/>
+                <a:gd name="T67" fmla="*/ 1401 h 4464"/>
+                <a:gd name="T68" fmla="*/ 128 w 4830"/>
+                <a:gd name="T69" fmla="*/ 1202 h 4464"/>
+                <a:gd name="T70" fmla="*/ 774 w 4830"/>
+                <a:gd name="T71" fmla="*/ 1093 h 4464"/>
+                <a:gd name="T72" fmla="*/ 1130 w 4830"/>
+                <a:gd name="T73" fmla="*/ 964 h 4464"/>
+                <a:gd name="T74" fmla="*/ 1131 w 4830"/>
+                <a:gd name="T75" fmla="*/ 1401 h 4464"/>
+                <a:gd name="T76" fmla="*/ 774 w 4830"/>
+                <a:gd name="T77" fmla="*/ 2471 h 4464"/>
+                <a:gd name="T78" fmla="*/ 128 w 4830"/>
+                <a:gd name="T79" fmla="*/ 2272 h 4464"/>
+                <a:gd name="T80" fmla="*/ 774 w 4830"/>
+                <a:gd name="T81" fmla="*/ 2162 h 4464"/>
+                <a:gd name="T82" fmla="*/ 1130 w 4830"/>
+                <a:gd name="T83" fmla="*/ 2034 h 4464"/>
+                <a:gd name="T84" fmla="*/ 1131 w 4830"/>
+                <a:gd name="T85" fmla="*/ 2471 h 4464"/>
+                <a:gd name="T86" fmla="*/ 774 w 4830"/>
+                <a:gd name="T87" fmla="*/ 3580 h 4464"/>
+                <a:gd name="T88" fmla="*/ 128 w 4830"/>
+                <a:gd name="T89" fmla="*/ 3381 h 4464"/>
+                <a:gd name="T90" fmla="*/ 774 w 4830"/>
+                <a:gd name="T91" fmla="*/ 3272 h 4464"/>
+                <a:gd name="T92" fmla="*/ 1130 w 4830"/>
+                <a:gd name="T93" fmla="*/ 3143 h 4464"/>
+                <a:gd name="T94" fmla="*/ 1131 w 4830"/>
+                <a:gd name="T95" fmla="*/ 3580 h 4464"/>
+                <a:gd name="T96" fmla="*/ 1440 w 4830"/>
+                <a:gd name="T97" fmla="*/ 476 h 4464"/>
+                <a:gd name="T98" fmla="*/ 1756 w 4830"/>
+                <a:gd name="T99" fmla="*/ 476 h 4464"/>
+                <a:gd name="T100" fmla="*/ 3700 w 4830"/>
+                <a:gd name="T101" fmla="*/ 3143 h 4464"/>
+                <a:gd name="T102" fmla="*/ 4056 w 4830"/>
+                <a:gd name="T103" fmla="*/ 3272 h 4464"/>
+                <a:gd name="T104" fmla="*/ 4702 w 4830"/>
+                <a:gd name="T105" fmla="*/ 3381 h 4464"/>
+                <a:gd name="T106" fmla="*/ 4056 w 4830"/>
+                <a:gd name="T107" fmla="*/ 3580 h 4464"/>
+                <a:gd name="T108" fmla="*/ 3700 w 4830"/>
+                <a:gd name="T109" fmla="*/ 3143 h 4464"/>
+                <a:gd name="T110" fmla="*/ 4056 w 4830"/>
+                <a:gd name="T111" fmla="*/ 2034 h 4464"/>
+                <a:gd name="T112" fmla="*/ 4702 w 4830"/>
+                <a:gd name="T113" fmla="*/ 2192 h 4464"/>
+                <a:gd name="T114" fmla="*/ 4056 w 4830"/>
+                <a:gd name="T115" fmla="*/ 2302 h 4464"/>
+                <a:gd name="T116" fmla="*/ 3700 w 4830"/>
+                <a:gd name="T117" fmla="*/ 2471 h 4464"/>
+              </a:gdLst>
+              <a:ahLst/>
+              <a:cxnLst>
+                <a:cxn ang="0">
+                  <a:pos x="T0" y="T1"/>
+                </a:cxn>
+                <a:cxn ang="0">
+                  <a:pos x="T2" y="T3"/>
+                </a:cxn>
+                <a:cxn ang="0">
+                  <a:pos x="T4" y="T5"/>
+                </a:cxn>
+                <a:cxn ang="0">
+                  <a:pos x="T6" y="T7"/>
+                </a:cxn>
+                <a:cxn ang="0">
+                  <a:pos x="T8" y="T9"/>
+                </a:cxn>
+                <a:cxn ang="0">
+                  <a:pos x="T10" y="T11"/>
+                </a:cxn>
+                <a:cxn ang="0">
+                  <a:pos x="T12" y="T13"/>
+                </a:cxn>
+                <a:cxn ang="0">
+                  <a:pos x="T14" y="T15"/>
+                </a:cxn>
+                <a:cxn ang="0">
+                  <a:pos x="T16" y="T17"/>
+                </a:cxn>
+                <a:cxn ang="0">
+                  <a:pos x="T18" y="T19"/>
+                </a:cxn>
+                <a:cxn ang="0">
+                  <a:pos x="T20" y="T21"/>
+                </a:cxn>
+                <a:cxn ang="0">
+                  <a:pos x="T22" y="T23"/>
+                </a:cxn>
+                <a:cxn ang="0">
+                  <a:pos x="T24" y="T25"/>
+                </a:cxn>
+                <a:cxn ang="0">
+                  <a:pos x="T26" y="T27"/>
+                </a:cxn>
+                <a:cxn ang="0">
+                  <a:pos x="T28" y="T29"/>
+                </a:cxn>
+                <a:cxn ang="0">
+                  <a:pos x="T30" y="T31"/>
+                </a:cxn>
+                <a:cxn ang="0">
+                  <a:pos x="T32" y="T33"/>
+                </a:cxn>
+                <a:cxn ang="0">
+                  <a:pos x="T34" y="T35"/>
+                </a:cxn>
+                <a:cxn ang="0">
+                  <a:pos x="T36" y="T37"/>
+                </a:cxn>
+                <a:cxn ang="0">
+                  <a:pos x="T38" y="T39"/>
+                </a:cxn>
+                <a:cxn ang="0">
+                  <a:pos x="T40" y="T41"/>
+                </a:cxn>
+                <a:cxn ang="0">
+                  <a:pos x="T42" y="T43"/>
+                </a:cxn>
+                <a:cxn ang="0">
+                  <a:pos x="T44" y="T45"/>
+                </a:cxn>
+                <a:cxn ang="0">
+                  <a:pos x="T46" y="T47"/>
+                </a:cxn>
+                <a:cxn ang="0">
+                  <a:pos x="T48" y="T49"/>
+                </a:cxn>
+                <a:cxn ang="0">
+                  <a:pos x="T50" y="T51"/>
+                </a:cxn>
+                <a:cxn ang="0">
+                  <a:pos x="T52" y="T53"/>
+                </a:cxn>
+                <a:cxn ang="0">
+                  <a:pos x="T54" y="T55"/>
+                </a:cxn>
+                <a:cxn ang="0">
+                  <a:pos x="T56" y="T57"/>
+                </a:cxn>
+                <a:cxn ang="0">
+                  <a:pos x="T58" y="T59"/>
+                </a:cxn>
+                <a:cxn ang="0">
+                  <a:pos x="T60" y="T61"/>
+                </a:cxn>
+                <a:cxn ang="0">
+                  <a:pos x="T62" y="T63"/>
+                </a:cxn>
+                <a:cxn ang="0">
+                  <a:pos x="T64" y="T65"/>
+                </a:cxn>
+                <a:cxn ang="0">
+                  <a:pos x="T66" y="T67"/>
+                </a:cxn>
+                <a:cxn ang="0">
+                  <a:pos x="T68" y="T69"/>
+                </a:cxn>
+                <a:cxn ang="0">
+                  <a:pos x="T70" y="T71"/>
+                </a:cxn>
+                <a:cxn ang="0">
+                  <a:pos x="T72" y="T73"/>
+                </a:cxn>
+                <a:cxn ang="0">
+                  <a:pos x="T74" y="T75"/>
+                </a:cxn>
+                <a:cxn ang="0">
+                  <a:pos x="T76" y="T77"/>
+                </a:cxn>
+                <a:cxn ang="0">
+                  <a:pos x="T78" y="T79"/>
+                </a:cxn>
+                <a:cxn ang="0">
+                  <a:pos x="T80" y="T81"/>
+                </a:cxn>
+                <a:cxn ang="0">
+                  <a:pos x="T82" y="T83"/>
+                </a:cxn>
+                <a:cxn ang="0">
+                  <a:pos x="T84" y="T85"/>
+                </a:cxn>
+                <a:cxn ang="0">
+                  <a:pos x="T86" y="T87"/>
+                </a:cxn>
+                <a:cxn ang="0">
+                  <a:pos x="T88" y="T89"/>
+                </a:cxn>
+                <a:cxn ang="0">
+                  <a:pos x="T90" y="T91"/>
+                </a:cxn>
+                <a:cxn ang="0">
+                  <a:pos x="T92" y="T93"/>
+                </a:cxn>
+                <a:cxn ang="0">
+                  <a:pos x="T94" y="T95"/>
+                </a:cxn>
+                <a:cxn ang="0">
+                  <a:pos x="T96" y="T97"/>
+                </a:cxn>
+                <a:cxn ang="0">
+                  <a:pos x="T98" y="T99"/>
+                </a:cxn>
+                <a:cxn ang="0">
+                  <a:pos x="T100" y="T101"/>
+                </a:cxn>
+                <a:cxn ang="0">
+                  <a:pos x="T102" y="T103"/>
+                </a:cxn>
+                <a:cxn ang="0">
+                  <a:pos x="T104" y="T105"/>
+                </a:cxn>
+                <a:cxn ang="0">
+                  <a:pos x="T106" y="T107"/>
+                </a:cxn>
+                <a:cxn ang="0">
+                  <a:pos x="T108" y="T109"/>
+                </a:cxn>
+                <a:cxn ang="0">
+                  <a:pos x="T110" y="T111"/>
+                </a:cxn>
+                <a:cxn ang="0">
+                  <a:pos x="T112" y="T113"/>
+                </a:cxn>
+                <a:cxn ang="0">
+                  <a:pos x="T114" y="T115"/>
+                </a:cxn>
+                <a:cxn ang="0">
+                  <a:pos x="T116" y="T117"/>
+                </a:cxn>
+              </a:cxnLst>
+              <a:rect l="0" t="0" r="r" b="b"/>
+              <a:pathLst>
+                <a:path w="4830" h="4464">
+                  <a:moveTo>
+                    <a:pt x="4184" y="1529"/>
+                  </a:moveTo>
+                  <a:lnTo>
+                    <a:pt x="4184" y="1355"/>
+                  </a:lnTo>
+                  <a:lnTo>
+                    <a:pt x="4830" y="1325"/>
+                  </a:lnTo>
+                  <a:lnTo>
+                    <a:pt x="4830" y="1001"/>
+                  </a:lnTo>
+                  <a:lnTo>
+                    <a:pt x="4184" y="971"/>
+                  </a:lnTo>
+                  <a:lnTo>
+                    <a:pt x="4184" y="836"/>
+                  </a:lnTo>
+                  <a:lnTo>
+                    <a:pt x="3679" y="836"/>
+                  </a:lnTo>
+                  <a:lnTo>
+                    <a:pt x="3679" y="244"/>
+                  </a:lnTo>
+                  <a:cubicBezTo>
+                    <a:pt x="3679" y="109"/>
+                    <a:pt x="3570" y="0"/>
+                    <a:pt x="3436" y="0"/>
+                  </a:cubicBezTo>
+                  <a:lnTo>
+                    <a:pt x="1394" y="0"/>
+                  </a:lnTo>
+                  <a:cubicBezTo>
+                    <a:pt x="1260" y="0"/>
+                    <a:pt x="1150" y="109"/>
+                    <a:pt x="1150" y="244"/>
+                  </a:cubicBezTo>
+                  <a:lnTo>
+                    <a:pt x="1150" y="836"/>
+                  </a:lnTo>
+                  <a:lnTo>
+                    <a:pt x="646" y="836"/>
+                  </a:lnTo>
+                  <a:lnTo>
+                    <a:pt x="646" y="971"/>
+                  </a:lnTo>
+                  <a:lnTo>
+                    <a:pt x="0" y="1001"/>
+                  </a:lnTo>
+                  <a:lnTo>
+                    <a:pt x="0" y="1325"/>
+                  </a:lnTo>
+                  <a:lnTo>
+                    <a:pt x="646" y="1355"/>
+                  </a:lnTo>
+                  <a:lnTo>
+                    <a:pt x="646" y="1529"/>
+                  </a:lnTo>
+                  <a:lnTo>
+                    <a:pt x="1150" y="1529"/>
+                  </a:lnTo>
+                  <a:lnTo>
+                    <a:pt x="1150" y="1906"/>
+                  </a:lnTo>
+                  <a:lnTo>
+                    <a:pt x="646" y="1906"/>
+                  </a:lnTo>
+                  <a:lnTo>
+                    <a:pt x="646" y="2040"/>
+                  </a:lnTo>
+                  <a:lnTo>
+                    <a:pt x="0" y="2070"/>
+                  </a:lnTo>
+                  <a:lnTo>
+                    <a:pt x="0" y="2394"/>
+                  </a:lnTo>
+                  <a:lnTo>
+                    <a:pt x="646" y="2424"/>
+                  </a:lnTo>
+                  <a:lnTo>
+                    <a:pt x="646" y="2599"/>
+                  </a:lnTo>
+                  <a:lnTo>
+                    <a:pt x="1150" y="2599"/>
+                  </a:lnTo>
+                  <a:lnTo>
+                    <a:pt x="1150" y="3016"/>
+                  </a:lnTo>
+                  <a:lnTo>
+                    <a:pt x="646" y="3016"/>
+                  </a:lnTo>
+                  <a:lnTo>
+                    <a:pt x="646" y="3150"/>
+                  </a:lnTo>
+                  <a:lnTo>
+                    <a:pt x="0" y="3180"/>
+                  </a:lnTo>
+                  <a:lnTo>
+                    <a:pt x="0" y="3504"/>
+                  </a:lnTo>
+                  <a:lnTo>
+                    <a:pt x="646" y="3534"/>
+                  </a:lnTo>
+                  <a:lnTo>
+                    <a:pt x="646" y="3709"/>
+                  </a:lnTo>
+                  <a:lnTo>
+                    <a:pt x="1150" y="3709"/>
+                  </a:lnTo>
+                  <a:lnTo>
+                    <a:pt x="1150" y="4221"/>
+                  </a:lnTo>
+                  <a:cubicBezTo>
+                    <a:pt x="1150" y="4355"/>
+                    <a:pt x="1260" y="4464"/>
+                    <a:pt x="1394" y="4464"/>
+                  </a:cubicBezTo>
+                  <a:lnTo>
+                    <a:pt x="3436" y="4464"/>
+                  </a:lnTo>
+                  <a:cubicBezTo>
+                    <a:pt x="3570" y="4464"/>
+                    <a:pt x="3679" y="4355"/>
+                    <a:pt x="3679" y="4221"/>
+                  </a:cubicBezTo>
+                  <a:lnTo>
+                    <a:pt x="3679" y="3709"/>
+                  </a:lnTo>
+                  <a:lnTo>
+                    <a:pt x="4184" y="3709"/>
+                  </a:lnTo>
+                  <a:lnTo>
+                    <a:pt x="4184" y="3534"/>
+                  </a:lnTo>
+                  <a:lnTo>
+                    <a:pt x="4830" y="3504"/>
+                  </a:lnTo>
+                  <a:lnTo>
+                    <a:pt x="4830" y="3180"/>
+                  </a:lnTo>
+                  <a:lnTo>
+                    <a:pt x="4184" y="3150"/>
+                  </a:lnTo>
+                  <a:lnTo>
+                    <a:pt x="4184" y="3016"/>
+                  </a:lnTo>
+                  <a:lnTo>
+                    <a:pt x="3679" y="3016"/>
+                  </a:lnTo>
+                  <a:lnTo>
+                    <a:pt x="3679" y="2599"/>
+                  </a:lnTo>
+                  <a:lnTo>
+                    <a:pt x="4184" y="2599"/>
+                  </a:lnTo>
+                  <a:lnTo>
+                    <a:pt x="4184" y="2424"/>
+                  </a:lnTo>
+                  <a:lnTo>
+                    <a:pt x="4830" y="2394"/>
+                  </a:lnTo>
+                  <a:lnTo>
+                    <a:pt x="4830" y="2070"/>
+                  </a:lnTo>
+                  <a:lnTo>
+                    <a:pt x="4184" y="2040"/>
+                  </a:lnTo>
+                  <a:lnTo>
+                    <a:pt x="4184" y="1906"/>
+                  </a:lnTo>
+                  <a:lnTo>
+                    <a:pt x="3679" y="1906"/>
+                  </a:lnTo>
+                  <a:lnTo>
+                    <a:pt x="3679" y="1529"/>
+                  </a:lnTo>
+                  <a:lnTo>
+                    <a:pt x="4184" y="1529"/>
+                  </a:lnTo>
+                  <a:close/>
+                  <a:moveTo>
+                    <a:pt x="3700" y="964"/>
+                  </a:moveTo>
+                  <a:lnTo>
+                    <a:pt x="4056" y="964"/>
+                  </a:lnTo>
+                  <a:lnTo>
+                    <a:pt x="4056" y="1093"/>
+                  </a:lnTo>
+                  <a:lnTo>
+                    <a:pt x="4702" y="1123"/>
+                  </a:lnTo>
+                  <a:lnTo>
+                    <a:pt x="4702" y="1202"/>
+                  </a:lnTo>
+                  <a:lnTo>
+                    <a:pt x="4056" y="1232"/>
+                  </a:lnTo>
+                  <a:lnTo>
+                    <a:pt x="4056" y="1401"/>
+                  </a:lnTo>
+                  <a:lnTo>
+                    <a:pt x="3700" y="1401"/>
+                  </a:lnTo>
+                  <a:lnTo>
+                    <a:pt x="3700" y="964"/>
+                  </a:lnTo>
+                  <a:close/>
+                  <a:moveTo>
+                    <a:pt x="1131" y="1401"/>
+                  </a:moveTo>
+                  <a:lnTo>
+                    <a:pt x="774" y="1401"/>
+                  </a:lnTo>
+                  <a:lnTo>
+                    <a:pt x="774" y="1233"/>
+                  </a:lnTo>
+                  <a:lnTo>
+                    <a:pt x="128" y="1202"/>
+                  </a:lnTo>
+                  <a:lnTo>
+                    <a:pt x="128" y="1123"/>
+                  </a:lnTo>
+                  <a:lnTo>
+                    <a:pt x="774" y="1093"/>
+                  </a:lnTo>
+                  <a:lnTo>
+                    <a:pt x="774" y="964"/>
+                  </a:lnTo>
+                  <a:lnTo>
+                    <a:pt x="1130" y="964"/>
+                  </a:lnTo>
+                  <a:lnTo>
+                    <a:pt x="1130" y="1401"/>
+                  </a:lnTo>
+                  <a:lnTo>
+                    <a:pt x="1131" y="1401"/>
+                  </a:lnTo>
+                  <a:close/>
+                  <a:moveTo>
+                    <a:pt x="1131" y="2471"/>
+                  </a:moveTo>
+                  <a:lnTo>
+                    <a:pt x="774" y="2471"/>
+                  </a:lnTo>
+                  <a:lnTo>
+                    <a:pt x="774" y="2302"/>
+                  </a:lnTo>
+                  <a:lnTo>
+                    <a:pt x="128" y="2272"/>
+                  </a:lnTo>
+                  <a:lnTo>
+                    <a:pt x="128" y="2192"/>
+                  </a:lnTo>
+                  <a:lnTo>
+                    <a:pt x="774" y="2162"/>
+                  </a:lnTo>
+                  <a:lnTo>
+                    <a:pt x="774" y="2034"/>
+                  </a:lnTo>
+                  <a:lnTo>
+                    <a:pt x="1130" y="2034"/>
+                  </a:lnTo>
+                  <a:lnTo>
+                    <a:pt x="1130" y="2471"/>
+                  </a:lnTo>
+                  <a:lnTo>
+                    <a:pt x="1131" y="2471"/>
+                  </a:lnTo>
+                  <a:close/>
+                  <a:moveTo>
+                    <a:pt x="1131" y="3580"/>
+                  </a:moveTo>
+                  <a:lnTo>
+                    <a:pt x="774" y="3580"/>
+                  </a:lnTo>
+                  <a:lnTo>
+                    <a:pt x="774" y="3412"/>
+                  </a:lnTo>
+                  <a:lnTo>
+                    <a:pt x="128" y="3381"/>
+                  </a:lnTo>
+                  <a:lnTo>
+                    <a:pt x="128" y="3302"/>
+                  </a:lnTo>
+                  <a:lnTo>
+                    <a:pt x="774" y="3272"/>
+                  </a:lnTo>
+                  <a:lnTo>
+                    <a:pt x="774" y="3143"/>
+                  </a:lnTo>
+                  <a:lnTo>
+                    <a:pt x="1130" y="3143"/>
+                  </a:lnTo>
+                  <a:lnTo>
+                    <a:pt x="1130" y="3580"/>
+                  </a:lnTo>
+                  <a:lnTo>
+                    <a:pt x="1131" y="3580"/>
+                  </a:lnTo>
+                  <a:close/>
+                  <a:moveTo>
+                    <a:pt x="1598" y="635"/>
+                  </a:moveTo>
+                  <a:cubicBezTo>
+                    <a:pt x="1511" y="635"/>
+                    <a:pt x="1440" y="564"/>
+                    <a:pt x="1440" y="476"/>
+                  </a:cubicBezTo>
+                  <a:cubicBezTo>
+                    <a:pt x="1440" y="389"/>
+                    <a:pt x="1511" y="318"/>
+                    <a:pt x="1598" y="318"/>
+                  </a:cubicBezTo>
+                  <a:cubicBezTo>
+                    <a:pt x="1685" y="318"/>
+                    <a:pt x="1756" y="389"/>
+                    <a:pt x="1756" y="476"/>
+                  </a:cubicBezTo>
+                  <a:cubicBezTo>
+                    <a:pt x="1756" y="564"/>
+                    <a:pt x="1685" y="635"/>
+                    <a:pt x="1598" y="635"/>
+                  </a:cubicBezTo>
+                  <a:close/>
+                  <a:moveTo>
+                    <a:pt x="3700" y="3143"/>
+                  </a:moveTo>
+                  <a:lnTo>
+                    <a:pt x="4056" y="3143"/>
+                  </a:lnTo>
+                  <a:lnTo>
+                    <a:pt x="4056" y="3272"/>
+                  </a:lnTo>
+                  <a:lnTo>
+                    <a:pt x="4702" y="3302"/>
+                  </a:lnTo>
+                  <a:lnTo>
+                    <a:pt x="4702" y="3381"/>
+                  </a:lnTo>
+                  <a:lnTo>
+                    <a:pt x="4056" y="3412"/>
+                  </a:lnTo>
+                  <a:lnTo>
+                    <a:pt x="4056" y="3580"/>
+                  </a:lnTo>
+                  <a:lnTo>
+                    <a:pt x="3700" y="3580"/>
+                  </a:lnTo>
+                  <a:lnTo>
+                    <a:pt x="3700" y="3143"/>
+                  </a:lnTo>
+                  <a:close/>
+                  <a:moveTo>
+                    <a:pt x="3700" y="2034"/>
+                  </a:moveTo>
+                  <a:lnTo>
+                    <a:pt x="4056" y="2034"/>
+                  </a:lnTo>
+                  <a:lnTo>
+                    <a:pt x="4056" y="2162"/>
+                  </a:lnTo>
+                  <a:lnTo>
+                    <a:pt x="4702" y="2192"/>
+                  </a:lnTo>
+                  <a:lnTo>
+                    <a:pt x="4702" y="2272"/>
+                  </a:lnTo>
+                  <a:lnTo>
+                    <a:pt x="4056" y="2302"/>
+                  </a:lnTo>
+                  <a:lnTo>
+                    <a:pt x="4056" y="2471"/>
+                  </a:lnTo>
+                  <a:lnTo>
+                    <a:pt x="3700" y="2471"/>
+                  </a:lnTo>
+                  <a:lnTo>
+                    <a:pt x="3700" y="2034"/>
+                  </a:lnTo>
+                  <a:close/>
+                </a:path>
+              </a:pathLst>
+            </a:custGeom>
+            <a:solidFill>
+              <a:schemeClr val="tx1">
+                <a:lumMod val="75000"/>
+                <a:lumOff val="25000"/>
+              </a:schemeClr>
+            </a:solidFill>
+            <a:ln>
+              <a:noFill/>
+            </a:ln>
+          </p:spPr>
+        </p:sp>
+      </p:grpSp>
+      <p:grpSp>
+        <p:nvGrpSpPr>
+          <p:cNvPr id="8" name="组合 7"/>
+          <p:cNvGrpSpPr/>
+          <p:nvPr/>
+        </p:nvGrpSpPr>
+        <p:grpSpPr>
+          <a:xfrm>
+            <a:off x="1333219" y="1255541"/>
+            <a:ext cx="652744" cy="652744"/>
+            <a:chOff x="1333219" y="1255541"/>
+            <a:chExt cx="652744" cy="652744"/>
+          </a:xfrm>
+        </p:grpSpPr>
+        <p:sp>
+          <p:nvSpPr>
+            <p:cNvPr id="4" name="椭圆 3"/>
+            <p:cNvSpPr/>
+            <p:nvPr/>
+          </p:nvSpPr>
+          <p:spPr>
+            <a:xfrm>
+              <a:off x="1333219" y="1255541"/>
+              <a:ext cx="652744" cy="652744"/>
+            </a:xfrm>
+            <a:prstGeom prst="ellipse">
+              <a:avLst/>
+            </a:prstGeom>
+            <a:solidFill>
+              <a:srgbClr val="FFC000"/>
+            </a:solidFill>
+            <a:ln>
+              <a:solidFill>
+                <a:schemeClr val="bg1"/>
+              </a:solidFill>
+            </a:ln>
+          </p:spPr>
+          <p:style>
+            <a:lnRef idx="2">
+              <a:schemeClr val="accent1">
+                <a:shade val="50000"/>
+              </a:schemeClr>
+            </a:lnRef>
+            <a:fillRef idx="1">
+              <a:schemeClr val="accent1"/>
+            </a:fillRef>
+            <a:effectRef idx="0">
+              <a:schemeClr val="accent1"/>
+            </a:effectRef>
+            <a:fontRef idx="minor">
+              <a:schemeClr val="lt1"/>
+            </a:fontRef>
+          </p:style>
+          <p:txBody>
+            <a:bodyPr rtlCol="0" anchor="ctr"/>
+            <a:lstStyle/>
+            <a:p>
+              <a:pPr algn="ctr"/>
+              <a:endParaRPr lang="zh-CN" altLang="en-US"/>
+            </a:p>
+          </p:txBody>
+        </p:sp>
+        <p:sp>
+          <p:nvSpPr>
+            <p:cNvPr id="6" name="element_228141"/>
+            <p:cNvSpPr>
+              <a:spLocks noChangeAspect="1"/>
+            </p:cNvSpPr>
+            <p:nvPr/>
+          </p:nvSpPr>
+          <p:spPr bwMode="auto">
+            <a:xfrm>
+              <a:off x="1429488" y="1277070"/>
+              <a:ext cx="460205" cy="609685"/>
+            </a:xfrm>
+            <a:custGeom>
+              <a:avLst/>
+              <a:gdLst>
+                <a:gd name="connsiteX0" fmla="*/ 168871 w 457969"/>
+                <a:gd name="connsiteY0" fmla="*/ 455924 h 606722"/>
+                <a:gd name="connsiteX1" fmla="*/ 293685 w 457969"/>
+                <a:gd name="connsiteY1" fmla="*/ 455924 h 606722"/>
+                <a:gd name="connsiteX2" fmla="*/ 317544 w 457969"/>
+                <a:gd name="connsiteY2" fmla="*/ 479740 h 606722"/>
+                <a:gd name="connsiteX3" fmla="*/ 293685 w 457969"/>
+                <a:gd name="connsiteY3" fmla="*/ 503556 h 606722"/>
+                <a:gd name="connsiteX4" fmla="*/ 168871 w 457969"/>
+                <a:gd name="connsiteY4" fmla="*/ 503556 h 606722"/>
+                <a:gd name="connsiteX5" fmla="*/ 145012 w 457969"/>
+                <a:gd name="connsiteY5" fmla="*/ 479740 h 606722"/>
+                <a:gd name="connsiteX6" fmla="*/ 168871 w 457969"/>
+                <a:gd name="connsiteY6" fmla="*/ 455924 h 606722"/>
+                <a:gd name="connsiteX7" fmla="*/ 168874 w 457969"/>
+                <a:gd name="connsiteY7" fmla="*/ 388040 h 606722"/>
+                <a:gd name="connsiteX8" fmla="*/ 228974 w 457969"/>
+                <a:gd name="connsiteY8" fmla="*/ 388040 h 606722"/>
+                <a:gd name="connsiteX9" fmla="*/ 252836 w 457969"/>
+                <a:gd name="connsiteY9" fmla="*/ 411856 h 606722"/>
+                <a:gd name="connsiteX10" fmla="*/ 228974 w 457969"/>
+                <a:gd name="connsiteY10" fmla="*/ 435672 h 606722"/>
+                <a:gd name="connsiteX11" fmla="*/ 168874 w 457969"/>
+                <a:gd name="connsiteY11" fmla="*/ 435672 h 606722"/>
+                <a:gd name="connsiteX12" fmla="*/ 145012 w 457969"/>
+                <a:gd name="connsiteY12" fmla="*/ 411856 h 606722"/>
+                <a:gd name="connsiteX13" fmla="*/ 168874 w 457969"/>
+                <a:gd name="connsiteY13" fmla="*/ 388040 h 606722"/>
+                <a:gd name="connsiteX14" fmla="*/ 168864 w 457969"/>
+                <a:gd name="connsiteY14" fmla="*/ 143954 h 606722"/>
+                <a:gd name="connsiteX15" fmla="*/ 192717 w 457969"/>
+                <a:gd name="connsiteY15" fmla="*/ 167771 h 606722"/>
+                <a:gd name="connsiteX16" fmla="*/ 192717 w 457969"/>
+                <a:gd name="connsiteY16" fmla="*/ 229090 h 606722"/>
+                <a:gd name="connsiteX17" fmla="*/ 265252 w 457969"/>
+                <a:gd name="connsiteY17" fmla="*/ 229090 h 606722"/>
+                <a:gd name="connsiteX18" fmla="*/ 265252 w 457969"/>
+                <a:gd name="connsiteY18" fmla="*/ 167771 h 606722"/>
+                <a:gd name="connsiteX19" fmla="*/ 289105 w 457969"/>
+                <a:gd name="connsiteY19" fmla="*/ 143954 h 606722"/>
+                <a:gd name="connsiteX20" fmla="*/ 312957 w 457969"/>
+                <a:gd name="connsiteY20" fmla="*/ 167771 h 606722"/>
+                <a:gd name="connsiteX21" fmla="*/ 312957 w 457969"/>
+                <a:gd name="connsiteY21" fmla="*/ 338043 h 606722"/>
+                <a:gd name="connsiteX22" fmla="*/ 289105 w 457969"/>
+                <a:gd name="connsiteY22" fmla="*/ 361860 h 606722"/>
+                <a:gd name="connsiteX23" fmla="*/ 265252 w 457969"/>
+                <a:gd name="connsiteY23" fmla="*/ 338043 h 606722"/>
+                <a:gd name="connsiteX24" fmla="*/ 265252 w 457969"/>
+                <a:gd name="connsiteY24" fmla="*/ 276724 h 606722"/>
+                <a:gd name="connsiteX25" fmla="*/ 192717 w 457969"/>
+                <a:gd name="connsiteY25" fmla="*/ 276724 h 606722"/>
+                <a:gd name="connsiteX26" fmla="*/ 192717 w 457969"/>
+                <a:gd name="connsiteY26" fmla="*/ 338043 h 606722"/>
+                <a:gd name="connsiteX27" fmla="*/ 168864 w 457969"/>
+                <a:gd name="connsiteY27" fmla="*/ 361860 h 606722"/>
+                <a:gd name="connsiteX28" fmla="*/ 145012 w 457969"/>
+                <a:gd name="connsiteY28" fmla="*/ 338043 h 606722"/>
+                <a:gd name="connsiteX29" fmla="*/ 145012 w 457969"/>
+                <a:gd name="connsiteY29" fmla="*/ 167771 h 606722"/>
+                <a:gd name="connsiteX30" fmla="*/ 168864 w 457969"/>
+                <a:gd name="connsiteY30" fmla="*/ 143954 h 606722"/>
+                <a:gd name="connsiteX31" fmla="*/ 97098 w 457969"/>
+                <a:gd name="connsiteY31" fmla="*/ 73035 h 606722"/>
+                <a:gd name="connsiteX32" fmla="*/ 120949 w 457969"/>
+                <a:gd name="connsiteY32" fmla="*/ 96864 h 606722"/>
+                <a:gd name="connsiteX33" fmla="*/ 120949 w 457969"/>
+                <a:gd name="connsiteY33" fmla="*/ 133320 h 606722"/>
+                <a:gd name="connsiteX34" fmla="*/ 97098 w 457969"/>
+                <a:gd name="connsiteY34" fmla="*/ 157149 h 606722"/>
+                <a:gd name="connsiteX35" fmla="*/ 73247 w 457969"/>
+                <a:gd name="connsiteY35" fmla="*/ 133320 h 606722"/>
+                <a:gd name="connsiteX36" fmla="*/ 73247 w 457969"/>
+                <a:gd name="connsiteY36" fmla="*/ 96864 h 606722"/>
+                <a:gd name="connsiteX37" fmla="*/ 97098 w 457969"/>
+                <a:gd name="connsiteY37" fmla="*/ 73035 h 606722"/>
+                <a:gd name="connsiteX38" fmla="*/ 47790 w 457969"/>
+                <a:gd name="connsiteY38" fmla="*/ 47635 h 606722"/>
+                <a:gd name="connsiteX39" fmla="*/ 47790 w 457969"/>
+                <a:gd name="connsiteY39" fmla="*/ 558998 h 606722"/>
+                <a:gd name="connsiteX40" fmla="*/ 410268 w 457969"/>
+                <a:gd name="connsiteY40" fmla="*/ 558998 h 606722"/>
+                <a:gd name="connsiteX41" fmla="*/ 410268 w 457969"/>
+                <a:gd name="connsiteY41" fmla="*/ 47635 h 606722"/>
+                <a:gd name="connsiteX42" fmla="*/ 23851 w 457969"/>
+                <a:gd name="connsiteY42" fmla="*/ 0 h 606722"/>
+                <a:gd name="connsiteX43" fmla="*/ 434118 w 457969"/>
+                <a:gd name="connsiteY43" fmla="*/ 0 h 606722"/>
+                <a:gd name="connsiteX44" fmla="*/ 457969 w 457969"/>
+                <a:gd name="connsiteY44" fmla="*/ 23817 h 606722"/>
+                <a:gd name="connsiteX45" fmla="*/ 457969 w 457969"/>
+                <a:gd name="connsiteY45" fmla="*/ 582905 h 606722"/>
+                <a:gd name="connsiteX46" fmla="*/ 434118 w 457969"/>
+                <a:gd name="connsiteY46" fmla="*/ 606722 h 606722"/>
+                <a:gd name="connsiteX47" fmla="*/ 23851 w 457969"/>
+                <a:gd name="connsiteY47" fmla="*/ 606722 h 606722"/>
+                <a:gd name="connsiteX48" fmla="*/ 0 w 457969"/>
+                <a:gd name="connsiteY48" fmla="*/ 582905 h 606722"/>
+                <a:gd name="connsiteX49" fmla="*/ 0 w 457969"/>
+                <a:gd name="connsiteY49" fmla="*/ 23817 h 606722"/>
+                <a:gd name="connsiteX50" fmla="*/ 23851 w 457969"/>
+                <a:gd name="connsiteY50" fmla="*/ 0 h 606722"/>
+              </a:gdLst>
+              <a:ahLst/>
+              <a:cxnLst>
+                <a:cxn ang="0">
+                  <a:pos x="connsiteX0" y="connsiteY0"/>
+                </a:cxn>
+                <a:cxn ang="0">
+                  <a:pos x="connsiteX1" y="connsiteY1"/>
+                </a:cxn>
+                <a:cxn ang="0">
+                  <a:pos x="connsiteX2" y="connsiteY2"/>
+                </a:cxn>
+                <a:cxn ang="0">
+                  <a:pos x="connsiteX3" y="connsiteY3"/>
+                </a:cxn>
+                <a:cxn ang="0">
+                  <a:pos x="connsiteX4" y="connsiteY4"/>
+                </a:cxn>
+                <a:cxn ang="0">
+                  <a:pos x="connsiteX5" y="connsiteY5"/>
+                </a:cxn>
+                <a:cxn ang="0">
+                  <a:pos x="connsiteX6" y="connsiteY6"/>
+                </a:cxn>
+                <a:cxn ang="0">
+                  <a:pos x="connsiteX7" y="connsiteY7"/>
+                </a:cxn>
+                <a:cxn ang="0">
+                  <a:pos x="connsiteX8" y="connsiteY8"/>
+                </a:cxn>
+                <a:cxn ang="0">
+                  <a:pos x="connsiteX9" y="connsiteY9"/>
+                </a:cxn>
+                <a:cxn ang="0">
+                  <a:pos x="connsiteX10" y="connsiteY10"/>
+                </a:cxn>
+                <a:cxn ang="0">
+                  <a:pos x="connsiteX11" y="connsiteY11"/>
+                </a:cxn>
+                <a:cxn ang="0">
+                  <a:pos x="connsiteX12" y="connsiteY12"/>
+                </a:cxn>
+                <a:cxn ang="0">
+                  <a:pos x="connsiteX13" y="connsiteY13"/>
+                </a:cxn>
+                <a:cxn ang="0">
+                  <a:pos x="connsiteX14" y="connsiteY14"/>
+                </a:cxn>
+                <a:cxn ang="0">
+                  <a:pos x="connsiteX15" y="connsiteY15"/>
+                </a:cxn>
+                <a:cxn ang="0">
+                  <a:pos x="connsiteX16" y="connsiteY16"/>
+                </a:cxn>
+                <a:cxn ang="0">
+                  <a:pos x="connsiteX17" y="connsiteY17"/>
+                </a:cxn>
+                <a:cxn ang="0">
+                  <a:pos x="connsiteX18" y="connsiteY18"/>
+                </a:cxn>
+                <a:cxn ang="0">
+                  <a:pos x="connsiteX19" y="connsiteY19"/>
+                </a:cxn>
+                <a:cxn ang="0">
+                  <a:pos x="connsiteX20" y="connsiteY20"/>
+                </a:cxn>
+                <a:cxn ang="0">
+                  <a:pos x="connsiteX21" y="connsiteY21"/>
+                </a:cxn>
+                <a:cxn ang="0">
+                  <a:pos x="connsiteX22" y="connsiteY22"/>
+                </a:cxn>
+                <a:cxn ang="0">
+                  <a:pos x="connsiteX23" y="connsiteY23"/>
+                </a:cxn>
+                <a:cxn ang="0">
+                  <a:pos x="connsiteX24" y="connsiteY24"/>
+                </a:cxn>
+                <a:cxn ang="0">
+                  <a:pos x="connsiteX25" y="connsiteY25"/>
+                </a:cxn>
+                <a:cxn ang="0">
+                  <a:pos x="connsiteX26" y="connsiteY26"/>
+                </a:cxn>
+                <a:cxn ang="0">
+                  <a:pos x="connsiteX27" y="connsiteY27"/>
+                </a:cxn>
+                <a:cxn ang="0">
+                  <a:pos x="connsiteX28" y="connsiteY28"/>
+                </a:cxn>
+                <a:cxn ang="0">
+                  <a:pos x="connsiteX29" y="connsiteY29"/>
+                </a:cxn>
+                <a:cxn ang="0">
+                  <a:pos x="connsiteX30" y="connsiteY30"/>
+                </a:cxn>
+                <a:cxn ang="0">
+                  <a:pos x="connsiteX31" y="connsiteY31"/>
+                </a:cxn>
+                <a:cxn ang="0">
+                  <a:pos x="connsiteX32" y="connsiteY32"/>
+                </a:cxn>
+                <a:cxn ang="0">
+                  <a:pos x="connsiteX33" y="connsiteY33"/>
+                </a:cxn>
+                <a:cxn ang="0">
+                  <a:pos x="connsiteX34" y="connsiteY34"/>
+                </a:cxn>
+                <a:cxn ang="0">
+                  <a:pos x="connsiteX35" y="connsiteY35"/>
+                </a:cxn>
+                <a:cxn ang="0">
+                  <a:pos x="connsiteX36" y="connsiteY36"/>
+                </a:cxn>
+                <a:cxn ang="0">
+                  <a:pos x="connsiteX37" y="connsiteY37"/>
+                </a:cxn>
+                <a:cxn ang="0">
+                  <a:pos x="connsiteX38" y="connsiteY38"/>
+                </a:cxn>
+                <a:cxn ang="0">
+                  <a:pos x="connsiteX39" y="connsiteY39"/>
+                </a:cxn>
+                <a:cxn ang="0">
+                  <a:pos x="connsiteX40" y="connsiteY40"/>
+                </a:cxn>
+                <a:cxn ang="0">
+                  <a:pos x="connsiteX41" y="connsiteY41"/>
+                </a:cxn>
+                <a:cxn ang="0">
+                  <a:pos x="connsiteX42" y="connsiteY42"/>
+                </a:cxn>
+                <a:cxn ang="0">
+                  <a:pos x="connsiteX43" y="connsiteY43"/>
+                </a:cxn>
+                <a:cxn ang="0">
+                  <a:pos x="connsiteX44" y="connsiteY44"/>
+                </a:cxn>
+                <a:cxn ang="0">
+                  <a:pos x="connsiteX45" y="connsiteY45"/>
+                </a:cxn>
+                <a:cxn ang="0">
+                  <a:pos x="connsiteX46" y="connsiteY46"/>
+                </a:cxn>
+                <a:cxn ang="0">
+                  <a:pos x="connsiteX47" y="connsiteY47"/>
+                </a:cxn>
+                <a:cxn ang="0">
+                  <a:pos x="connsiteX48" y="connsiteY48"/>
+                </a:cxn>
+                <a:cxn ang="0">
+                  <a:pos x="connsiteX49" y="connsiteY49"/>
+                </a:cxn>
+                <a:cxn ang="0">
+                  <a:pos x="connsiteX50" y="connsiteY50"/>
+                </a:cxn>
+              </a:cxnLst>
+              <a:rect l="l" t="t" r="r" b="b"/>
+              <a:pathLst>
+                <a:path w="457969" h="606722">
+                  <a:moveTo>
+                    <a:pt x="168871" y="455924"/>
+                  </a:moveTo>
+                  <a:lnTo>
+                    <a:pt x="293685" y="455924"/>
+                  </a:lnTo>
+                  <a:cubicBezTo>
+                    <a:pt x="306861" y="455924"/>
+                    <a:pt x="317544" y="466588"/>
+                    <a:pt x="317544" y="479740"/>
+                  </a:cubicBezTo>
+                  <a:cubicBezTo>
+                    <a:pt x="317544" y="492892"/>
+                    <a:pt x="306861" y="503556"/>
+                    <a:pt x="293685" y="503556"/>
+                  </a:cubicBezTo>
+                  <a:lnTo>
+                    <a:pt x="168871" y="503556"/>
+                  </a:lnTo>
+                  <a:cubicBezTo>
+                    <a:pt x="155695" y="503556"/>
+                    <a:pt x="145012" y="492892"/>
+                    <a:pt x="145012" y="479740"/>
+                  </a:cubicBezTo>
+                  <a:cubicBezTo>
+                    <a:pt x="145012" y="466588"/>
+                    <a:pt x="155695" y="455924"/>
+                    <a:pt x="168871" y="455924"/>
+                  </a:cubicBezTo>
+                  <a:close/>
+                  <a:moveTo>
+                    <a:pt x="168874" y="388040"/>
+                  </a:moveTo>
+                  <a:lnTo>
+                    <a:pt x="228974" y="388040"/>
+                  </a:lnTo>
+                  <a:cubicBezTo>
+                    <a:pt x="242152" y="388040"/>
+                    <a:pt x="252836" y="398704"/>
+                    <a:pt x="252836" y="411856"/>
+                  </a:cubicBezTo>
+                  <a:cubicBezTo>
+                    <a:pt x="252836" y="425008"/>
+                    <a:pt x="242152" y="435672"/>
+                    <a:pt x="228974" y="435672"/>
+                  </a:cubicBezTo>
+                  <a:lnTo>
+                    <a:pt x="168874" y="435672"/>
+                  </a:lnTo>
+                  <a:cubicBezTo>
+                    <a:pt x="155697" y="435672"/>
+                    <a:pt x="145012" y="425008"/>
+                    <a:pt x="145012" y="411856"/>
+                  </a:cubicBezTo>
+                  <a:cubicBezTo>
+                    <a:pt x="145012" y="398704"/>
+                    <a:pt x="155697" y="388040"/>
+                    <a:pt x="168874" y="388040"/>
+                  </a:cubicBezTo>
+                  <a:close/>
+                  <a:moveTo>
+                    <a:pt x="168864" y="143954"/>
+                  </a:moveTo>
+                  <a:cubicBezTo>
+                    <a:pt x="182037" y="143954"/>
+                    <a:pt x="192717" y="154618"/>
+                    <a:pt x="192717" y="167771"/>
+                  </a:cubicBezTo>
+                  <a:lnTo>
+                    <a:pt x="192717" y="229090"/>
+                  </a:lnTo>
+                  <a:lnTo>
+                    <a:pt x="265252" y="229090"/>
+                  </a:lnTo>
+                  <a:lnTo>
+                    <a:pt x="265252" y="167771"/>
+                  </a:lnTo>
+                  <a:cubicBezTo>
+                    <a:pt x="265252" y="154618"/>
+                    <a:pt x="275933" y="143954"/>
+                    <a:pt x="289105" y="143954"/>
+                  </a:cubicBezTo>
+                  <a:cubicBezTo>
+                    <a:pt x="302277" y="143954"/>
+                    <a:pt x="312957" y="154618"/>
+                    <a:pt x="312957" y="167771"/>
+                  </a:cubicBezTo>
+                  <a:lnTo>
+                    <a:pt x="312957" y="338043"/>
+                  </a:lnTo>
+                  <a:cubicBezTo>
+                    <a:pt x="312957" y="351196"/>
+                    <a:pt x="302277" y="361860"/>
+                    <a:pt x="289105" y="361860"/>
+                  </a:cubicBezTo>
+                  <a:cubicBezTo>
+                    <a:pt x="275933" y="361860"/>
+                    <a:pt x="265252" y="351196"/>
+                    <a:pt x="265252" y="338043"/>
+                  </a:cubicBezTo>
+                  <a:lnTo>
+                    <a:pt x="265252" y="276724"/>
+                  </a:lnTo>
+                  <a:lnTo>
+                    <a:pt x="192717" y="276724"/>
+                  </a:lnTo>
+                  <a:lnTo>
+                    <a:pt x="192717" y="338043"/>
+                  </a:lnTo>
+                  <a:cubicBezTo>
+                    <a:pt x="192717" y="351196"/>
+                    <a:pt x="182037" y="361860"/>
+                    <a:pt x="168864" y="361860"/>
+                  </a:cubicBezTo>
+                  <a:cubicBezTo>
+                    <a:pt x="155692" y="361860"/>
+                    <a:pt x="145012" y="351196"/>
+                    <a:pt x="145012" y="338043"/>
+                  </a:cubicBezTo>
+                  <a:lnTo>
+                    <a:pt x="145012" y="167771"/>
+                  </a:lnTo>
+                  <a:cubicBezTo>
+                    <a:pt x="145012" y="154618"/>
+                    <a:pt x="155692" y="143954"/>
+                    <a:pt x="168864" y="143954"/>
+                  </a:cubicBezTo>
+                  <a:close/>
+                  <a:moveTo>
+                    <a:pt x="97098" y="73035"/>
+                  </a:moveTo>
+                  <a:cubicBezTo>
+                    <a:pt x="110269" y="73035"/>
+                    <a:pt x="120949" y="83705"/>
+                    <a:pt x="120949" y="96864"/>
+                  </a:cubicBezTo>
+                  <a:lnTo>
+                    <a:pt x="120949" y="133320"/>
+                  </a:lnTo>
+                  <a:cubicBezTo>
+                    <a:pt x="120949" y="146479"/>
+                    <a:pt x="110269" y="157149"/>
+                    <a:pt x="97098" y="157149"/>
+                  </a:cubicBezTo>
+                  <a:cubicBezTo>
+                    <a:pt x="83926" y="157149"/>
+                    <a:pt x="73247" y="146479"/>
+                    <a:pt x="73247" y="133320"/>
+                  </a:cubicBezTo>
+                  <a:lnTo>
+                    <a:pt x="73247" y="96864"/>
+                  </a:lnTo>
+                  <a:cubicBezTo>
+                    <a:pt x="73247" y="83705"/>
+                    <a:pt x="83926" y="73035"/>
+                    <a:pt x="97098" y="73035"/>
+                  </a:cubicBezTo>
+                  <a:close/>
+                  <a:moveTo>
+                    <a:pt x="47790" y="47635"/>
+                  </a:moveTo>
+                  <a:lnTo>
+                    <a:pt x="47790" y="558998"/>
+                  </a:lnTo>
+                  <a:lnTo>
+                    <a:pt x="410268" y="558998"/>
+                  </a:lnTo>
+                  <a:lnTo>
+                    <a:pt x="410268" y="47635"/>
+                  </a:lnTo>
+                  <a:close/>
+                  <a:moveTo>
+                    <a:pt x="23851" y="0"/>
+                  </a:moveTo>
+                  <a:lnTo>
+                    <a:pt x="434118" y="0"/>
+                  </a:lnTo>
+                  <a:cubicBezTo>
+                    <a:pt x="447290" y="0"/>
+                    <a:pt x="457969" y="10664"/>
+                    <a:pt x="457969" y="23817"/>
+                  </a:cubicBezTo>
+                  <a:lnTo>
+                    <a:pt x="457969" y="582905"/>
+                  </a:lnTo>
+                  <a:cubicBezTo>
+                    <a:pt x="457969" y="596058"/>
+                    <a:pt x="447290" y="606722"/>
+                    <a:pt x="434118" y="606722"/>
+                  </a:cubicBezTo>
+                  <a:lnTo>
+                    <a:pt x="23851" y="606722"/>
+                  </a:lnTo>
+                  <a:cubicBezTo>
+                    <a:pt x="10679" y="606722"/>
+                    <a:pt x="0" y="596058"/>
+                    <a:pt x="0" y="582905"/>
+                  </a:cubicBezTo>
+                  <a:lnTo>
+                    <a:pt x="0" y="23817"/>
+                  </a:lnTo>
+                  <a:cubicBezTo>
+                    <a:pt x="0" y="10664"/>
+                    <a:pt x="10679" y="0"/>
+                    <a:pt x="23851" y="0"/>
+                  </a:cubicBezTo>
+                  <a:close/>
+                </a:path>
+              </a:pathLst>
+            </a:custGeom>
+            <a:solidFill>
+              <a:schemeClr val="tx1">
+                <a:lumMod val="75000"/>
+                <a:lumOff val="25000"/>
+              </a:schemeClr>
+            </a:solidFill>
+            <a:ln>
+              <a:noFill/>
+            </a:ln>
+          </p:spPr>
+        </p:sp>
+      </p:grpSp>
     </p:spTree>
     <p:extLst>
       <p:ext uri="{BB962C8B-B14F-4D97-AF65-F5344CB8AC3E}">

--- a/Gooit自绘图标.pptx
+++ b/Gooit自绘图标.pptx
@@ -244,7 +244,7 @@
           <a:p>
             <a:fld id="{422CCFCB-3385-4999-8F10-4D582A939C16}" type="datetimeFigureOut">
               <a:rPr lang="zh-CN" altLang="en-US" smtClean="0"/>
-              <a:t>2019/3/27</a:t>
+              <a:t>2019/4/8</a:t>
             </a:fld>
             <a:endParaRPr lang="zh-CN" altLang="en-US"/>
           </a:p>
@@ -412,7 +412,7 @@
           <a:p>
             <a:fld id="{422CCFCB-3385-4999-8F10-4D582A939C16}" type="datetimeFigureOut">
               <a:rPr lang="zh-CN" altLang="en-US" smtClean="0"/>
-              <a:t>2019/3/27</a:t>
+              <a:t>2019/4/8</a:t>
             </a:fld>
             <a:endParaRPr lang="zh-CN" altLang="en-US"/>
           </a:p>
@@ -590,7 +590,7 @@
           <a:p>
             <a:fld id="{422CCFCB-3385-4999-8F10-4D582A939C16}" type="datetimeFigureOut">
               <a:rPr lang="zh-CN" altLang="en-US" smtClean="0"/>
-              <a:t>2019/3/27</a:t>
+              <a:t>2019/4/8</a:t>
             </a:fld>
             <a:endParaRPr lang="zh-CN" altLang="en-US"/>
           </a:p>
@@ -758,7 +758,7 @@
           <a:p>
             <a:fld id="{422CCFCB-3385-4999-8F10-4D582A939C16}" type="datetimeFigureOut">
               <a:rPr lang="zh-CN" altLang="en-US" smtClean="0"/>
-              <a:t>2019/3/27</a:t>
+              <a:t>2019/4/8</a:t>
             </a:fld>
             <a:endParaRPr lang="zh-CN" altLang="en-US"/>
           </a:p>
@@ -1003,7 +1003,7 @@
           <a:p>
             <a:fld id="{422CCFCB-3385-4999-8F10-4D582A939C16}" type="datetimeFigureOut">
               <a:rPr lang="zh-CN" altLang="en-US" smtClean="0"/>
-              <a:t>2019/3/27</a:t>
+              <a:t>2019/4/8</a:t>
             </a:fld>
             <a:endParaRPr lang="zh-CN" altLang="en-US"/>
           </a:p>
@@ -1232,7 +1232,7 @@
           <a:p>
             <a:fld id="{422CCFCB-3385-4999-8F10-4D582A939C16}" type="datetimeFigureOut">
               <a:rPr lang="zh-CN" altLang="en-US" smtClean="0"/>
-              <a:t>2019/3/27</a:t>
+              <a:t>2019/4/8</a:t>
             </a:fld>
             <a:endParaRPr lang="zh-CN" altLang="en-US"/>
           </a:p>
@@ -1596,7 +1596,7 @@
           <a:p>
             <a:fld id="{422CCFCB-3385-4999-8F10-4D582A939C16}" type="datetimeFigureOut">
               <a:rPr lang="zh-CN" altLang="en-US" smtClean="0"/>
-              <a:t>2019/3/27</a:t>
+              <a:t>2019/4/8</a:t>
             </a:fld>
             <a:endParaRPr lang="zh-CN" altLang="en-US"/>
           </a:p>
@@ -1713,7 +1713,7 @@
           <a:p>
             <a:fld id="{422CCFCB-3385-4999-8F10-4D582A939C16}" type="datetimeFigureOut">
               <a:rPr lang="zh-CN" altLang="en-US" smtClean="0"/>
-              <a:t>2019/3/27</a:t>
+              <a:t>2019/4/8</a:t>
             </a:fld>
             <a:endParaRPr lang="zh-CN" altLang="en-US"/>
           </a:p>
@@ -1808,7 +1808,7 @@
           <a:p>
             <a:fld id="{422CCFCB-3385-4999-8F10-4D582A939C16}" type="datetimeFigureOut">
               <a:rPr lang="zh-CN" altLang="en-US" smtClean="0"/>
-              <a:t>2019/3/27</a:t>
+              <a:t>2019/4/8</a:t>
             </a:fld>
             <a:endParaRPr lang="zh-CN" altLang="en-US"/>
           </a:p>
@@ -2083,7 +2083,7 @@
           <a:p>
             <a:fld id="{422CCFCB-3385-4999-8F10-4D582A939C16}" type="datetimeFigureOut">
               <a:rPr lang="zh-CN" altLang="en-US" smtClean="0"/>
-              <a:t>2019/3/27</a:t>
+              <a:t>2019/4/8</a:t>
             </a:fld>
             <a:endParaRPr lang="zh-CN" altLang="en-US"/>
           </a:p>
@@ -2335,7 +2335,7 @@
           <a:p>
             <a:fld id="{422CCFCB-3385-4999-8F10-4D582A939C16}" type="datetimeFigureOut">
               <a:rPr lang="zh-CN" altLang="en-US" smtClean="0"/>
-              <a:t>2019/3/27</a:t>
+              <a:t>2019/4/8</a:t>
             </a:fld>
             <a:endParaRPr lang="zh-CN" altLang="en-US"/>
           </a:p>
@@ -2546,7 +2546,7 @@
           <a:p>
             <a:fld id="{422CCFCB-3385-4999-8F10-4D582A939C16}" type="datetimeFigureOut">
               <a:rPr lang="zh-CN" altLang="en-US" smtClean="0"/>
-              <a:t>2019/3/27</a:t>
+              <a:t>2019/4/8</a:t>
             </a:fld>
             <a:endParaRPr lang="zh-CN" altLang="en-US"/>
           </a:p>

--- a/Gooit自绘图标.pptx
+++ b/Gooit自绘图标.pptx
@@ -5156,6 +5156,13 @@
   <p:clrMapOvr>
     <a:masterClrMapping/>
   </p:clrMapOvr>
+  <p:timing>
+    <p:tnLst>
+      <p:par>
+        <p:cTn id="1" dur="indefinite" restart="never" nodeType="tmRoot"/>
+      </p:par>
+    </p:tnLst>
+  </p:timing>
 </p:sld>
 </file>
 
@@ -5176,6 +5183,211 @@
           <a:chExt cx="0" cy="0"/>
         </a:xfrm>
       </p:grpSpPr>
+      <p:pic>
+        <p:nvPicPr>
+          <p:cNvPr id="2" name="图片 1"/>
+          <p:cNvPicPr>
+            <a:picLocks noChangeAspect="1"/>
+          </p:cNvPicPr>
+          <p:nvPr/>
+        </p:nvPicPr>
+        <p:blipFill>
+          <a:blip r:embed="rId2"/>
+          <a:stretch>
+            <a:fillRect/>
+          </a:stretch>
+        </p:blipFill>
+        <p:spPr>
+          <a:xfrm>
+            <a:off x="414338" y="190088"/>
+            <a:ext cx="3260724" cy="5791611"/>
+          </a:xfrm>
+          <a:prstGeom prst="rect">
+            <a:avLst/>
+          </a:prstGeom>
+          <a:ln>
+            <a:noFill/>
+          </a:ln>
+          <a:effectLst>
+            <a:outerShdw blurRad="190500" algn="tl" rotWithShape="0">
+              <a:srgbClr val="000000">
+                <a:alpha val="70000"/>
+              </a:srgbClr>
+            </a:outerShdw>
+          </a:effectLst>
+        </p:spPr>
+      </p:pic>
+      <p:pic>
+        <p:nvPicPr>
+          <p:cNvPr id="3" name="图片 2"/>
+          <p:cNvPicPr>
+            <a:picLocks noChangeAspect="1"/>
+          </p:cNvPicPr>
+          <p:nvPr/>
+        </p:nvPicPr>
+        <p:blipFill>
+          <a:blip r:embed="rId3"/>
+          <a:stretch>
+            <a:fillRect/>
+          </a:stretch>
+        </p:blipFill>
+        <p:spPr>
+          <a:xfrm>
+            <a:off x="4583318" y="190088"/>
+            <a:ext cx="3260724" cy="5791611"/>
+          </a:xfrm>
+          <a:prstGeom prst="rect">
+            <a:avLst/>
+          </a:prstGeom>
+          <a:ln>
+            <a:noFill/>
+          </a:ln>
+          <a:effectLst>
+            <a:outerShdw blurRad="190500" algn="tl" rotWithShape="0">
+              <a:srgbClr val="000000">
+                <a:alpha val="70000"/>
+              </a:srgbClr>
+            </a:outerShdw>
+          </a:effectLst>
+        </p:spPr>
+      </p:pic>
+      <p:pic>
+        <p:nvPicPr>
+          <p:cNvPr id="4" name="图片 3"/>
+          <p:cNvPicPr>
+            <a:picLocks noChangeAspect="1"/>
+          </p:cNvPicPr>
+          <p:nvPr/>
+        </p:nvPicPr>
+        <p:blipFill>
+          <a:blip r:embed="rId4"/>
+          <a:stretch>
+            <a:fillRect/>
+          </a:stretch>
+        </p:blipFill>
+        <p:spPr>
+          <a:xfrm>
+            <a:off x="8609218" y="190088"/>
+            <a:ext cx="3260724" cy="5791611"/>
+          </a:xfrm>
+          <a:prstGeom prst="rect">
+            <a:avLst/>
+          </a:prstGeom>
+          <a:ln>
+            <a:noFill/>
+          </a:ln>
+          <a:effectLst>
+            <a:outerShdw blurRad="190500" algn="tl" rotWithShape="0">
+              <a:srgbClr val="000000">
+                <a:alpha val="70000"/>
+              </a:srgbClr>
+            </a:outerShdw>
+          </a:effectLst>
+        </p:spPr>
+      </p:pic>
+      <p:sp>
+        <p:nvSpPr>
+          <p:cNvPr id="5" name="文本框 4"/>
+          <p:cNvSpPr txBox="1"/>
+          <p:nvPr/>
+        </p:nvSpPr>
+        <p:spPr>
+          <a:xfrm>
+            <a:off x="1435100" y="6324600"/>
+            <a:ext cx="1219200" cy="369332"/>
+          </a:xfrm>
+          <a:prstGeom prst="rect">
+            <a:avLst/>
+          </a:prstGeom>
+          <a:noFill/>
+        </p:spPr>
+        <p:txBody>
+          <a:bodyPr wrap="square" rtlCol="0">
+            <a:spAutoFit/>
+          </a:bodyPr>
+          <a:lstStyle/>
+          <a:p>
+            <a:pPr algn="ctr"/>
+            <a:r>
+              <a:rPr lang="zh-CN" altLang="en-US">
+                <a:latin typeface="微软雅黑" panose="020B0503020204020204" pitchFamily="34" charset="-122"/>
+                <a:ea typeface="微软雅黑" panose="020B0503020204020204" pitchFamily="34" charset="-122"/>
+              </a:rPr>
+              <a:t>首页</a:t>
+            </a:r>
+          </a:p>
+        </p:txBody>
+      </p:sp>
+      <p:sp>
+        <p:nvSpPr>
+          <p:cNvPr id="6" name="文本框 5"/>
+          <p:cNvSpPr txBox="1"/>
+          <p:nvPr/>
+        </p:nvSpPr>
+        <p:spPr>
+          <a:xfrm>
+            <a:off x="5604080" y="6324600"/>
+            <a:ext cx="1219200" cy="369332"/>
+          </a:xfrm>
+          <a:prstGeom prst="rect">
+            <a:avLst/>
+          </a:prstGeom>
+          <a:noFill/>
+        </p:spPr>
+        <p:txBody>
+          <a:bodyPr wrap="square" rtlCol="0">
+            <a:spAutoFit/>
+          </a:bodyPr>
+          <a:lstStyle/>
+          <a:p>
+            <a:pPr algn="ctr"/>
+            <a:r>
+              <a:rPr lang="zh-CN" altLang="en-US">
+                <a:latin typeface="微软雅黑" panose="020B0503020204020204" pitchFamily="34" charset="-122"/>
+                <a:ea typeface="微软雅黑" panose="020B0503020204020204" pitchFamily="34" charset="-122"/>
+              </a:rPr>
+              <a:t>任务</a:t>
+            </a:r>
+          </a:p>
+        </p:txBody>
+      </p:sp>
+      <p:sp>
+        <p:nvSpPr>
+          <p:cNvPr id="7" name="文本框 6"/>
+          <p:cNvSpPr txBox="1"/>
+          <p:nvPr/>
+        </p:nvSpPr>
+        <p:spPr>
+          <a:xfrm>
+            <a:off x="9629980" y="6318766"/>
+            <a:ext cx="1219200" cy="369332"/>
+          </a:xfrm>
+          <a:prstGeom prst="rect">
+            <a:avLst/>
+          </a:prstGeom>
+          <a:noFill/>
+        </p:spPr>
+        <p:txBody>
+          <a:bodyPr wrap="square" rtlCol="0">
+            <a:spAutoFit/>
+          </a:bodyPr>
+          <a:lstStyle/>
+          <a:p>
+            <a:pPr algn="ctr"/>
+            <a:r>
+              <a:rPr lang="zh-CN" altLang="en-US" smtClean="0">
+                <a:latin typeface="微软雅黑" panose="020B0503020204020204" pitchFamily="34" charset="-122"/>
+                <a:ea typeface="微软雅黑" panose="020B0503020204020204" pitchFamily="34" charset="-122"/>
+              </a:rPr>
+              <a:t>我的</a:t>
+            </a:r>
+            <a:endParaRPr lang="zh-CN" altLang="en-US">
+              <a:latin typeface="微软雅黑" panose="020B0503020204020204" pitchFamily="34" charset="-122"/>
+              <a:ea typeface="微软雅黑" panose="020B0503020204020204" pitchFamily="34" charset="-122"/>
+            </a:endParaRPr>
+          </a:p>
+        </p:txBody>
+      </p:sp>
     </p:spTree>
     <p:extLst>
       <p:ext uri="{BB962C8B-B14F-4D97-AF65-F5344CB8AC3E}">
@@ -5186,6 +5398,13 @@
   <p:clrMapOvr>
     <a:masterClrMapping/>
   </p:clrMapOvr>
+  <p:timing>
+    <p:tnLst>
+      <p:par>
+        <p:cTn id="1" dur="indefinite" restart="never" nodeType="tmRoot"/>
+      </p:par>
+    </p:tnLst>
+  </p:timing>
 </p:sld>
 </file>
 

--- a/Gooit自绘图标.pptx
+++ b/Gooit自绘图标.pptx
@@ -6,9 +6,10 @@
   </p:sldMasterIdLst>
   <p:sldIdLst>
     <p:sldId id="257" r:id="rId2"/>
-    <p:sldId id="258" r:id="rId3"/>
-    <p:sldId id="260" r:id="rId4"/>
-    <p:sldId id="261" r:id="rId5"/>
+    <p:sldId id="262" r:id="rId3"/>
+    <p:sldId id="263" r:id="rId4"/>
+    <p:sldId id="260" r:id="rId5"/>
+    <p:sldId id="261" r:id="rId6"/>
   </p:sldIdLst>
   <p:sldSz cx="12192000" cy="6858000"/>
   <p:notesSz cx="6858000" cy="9144000"/>
@@ -244,7 +245,7 @@
           <a:p>
             <a:fld id="{422CCFCB-3385-4999-8F10-4D582A939C16}" type="datetimeFigureOut">
               <a:rPr lang="zh-CN" altLang="en-US" smtClean="0"/>
-              <a:t>2019/4/8</a:t>
+              <a:t>2019/4/11</a:t>
             </a:fld>
             <a:endParaRPr lang="zh-CN" altLang="en-US"/>
           </a:p>
@@ -412,7 +413,7 @@
           <a:p>
             <a:fld id="{422CCFCB-3385-4999-8F10-4D582A939C16}" type="datetimeFigureOut">
               <a:rPr lang="zh-CN" altLang="en-US" smtClean="0"/>
-              <a:t>2019/4/8</a:t>
+              <a:t>2019/4/11</a:t>
             </a:fld>
             <a:endParaRPr lang="zh-CN" altLang="en-US"/>
           </a:p>
@@ -590,7 +591,7 @@
           <a:p>
             <a:fld id="{422CCFCB-3385-4999-8F10-4D582A939C16}" type="datetimeFigureOut">
               <a:rPr lang="zh-CN" altLang="en-US" smtClean="0"/>
-              <a:t>2019/4/8</a:t>
+              <a:t>2019/4/11</a:t>
             </a:fld>
             <a:endParaRPr lang="zh-CN" altLang="en-US"/>
           </a:p>
@@ -758,7 +759,7 @@
           <a:p>
             <a:fld id="{422CCFCB-3385-4999-8F10-4D582A939C16}" type="datetimeFigureOut">
               <a:rPr lang="zh-CN" altLang="en-US" smtClean="0"/>
-              <a:t>2019/4/8</a:t>
+              <a:t>2019/4/11</a:t>
             </a:fld>
             <a:endParaRPr lang="zh-CN" altLang="en-US"/>
           </a:p>
@@ -1003,7 +1004,7 @@
           <a:p>
             <a:fld id="{422CCFCB-3385-4999-8F10-4D582A939C16}" type="datetimeFigureOut">
               <a:rPr lang="zh-CN" altLang="en-US" smtClean="0"/>
-              <a:t>2019/4/8</a:t>
+              <a:t>2019/4/11</a:t>
             </a:fld>
             <a:endParaRPr lang="zh-CN" altLang="en-US"/>
           </a:p>
@@ -1232,7 +1233,7 @@
           <a:p>
             <a:fld id="{422CCFCB-3385-4999-8F10-4D582A939C16}" type="datetimeFigureOut">
               <a:rPr lang="zh-CN" altLang="en-US" smtClean="0"/>
-              <a:t>2019/4/8</a:t>
+              <a:t>2019/4/11</a:t>
             </a:fld>
             <a:endParaRPr lang="zh-CN" altLang="en-US"/>
           </a:p>
@@ -1596,7 +1597,7 @@
           <a:p>
             <a:fld id="{422CCFCB-3385-4999-8F10-4D582A939C16}" type="datetimeFigureOut">
               <a:rPr lang="zh-CN" altLang="en-US" smtClean="0"/>
-              <a:t>2019/4/8</a:t>
+              <a:t>2019/4/11</a:t>
             </a:fld>
             <a:endParaRPr lang="zh-CN" altLang="en-US"/>
           </a:p>
@@ -1713,7 +1714,7 @@
           <a:p>
             <a:fld id="{422CCFCB-3385-4999-8F10-4D582A939C16}" type="datetimeFigureOut">
               <a:rPr lang="zh-CN" altLang="en-US" smtClean="0"/>
-              <a:t>2019/4/8</a:t>
+              <a:t>2019/4/11</a:t>
             </a:fld>
             <a:endParaRPr lang="zh-CN" altLang="en-US"/>
           </a:p>
@@ -1808,7 +1809,7 @@
           <a:p>
             <a:fld id="{422CCFCB-3385-4999-8F10-4D582A939C16}" type="datetimeFigureOut">
               <a:rPr lang="zh-CN" altLang="en-US" smtClean="0"/>
-              <a:t>2019/4/8</a:t>
+              <a:t>2019/4/11</a:t>
             </a:fld>
             <a:endParaRPr lang="zh-CN" altLang="en-US"/>
           </a:p>
@@ -2083,7 +2084,7 @@
           <a:p>
             <a:fld id="{422CCFCB-3385-4999-8F10-4D582A939C16}" type="datetimeFigureOut">
               <a:rPr lang="zh-CN" altLang="en-US" smtClean="0"/>
-              <a:t>2019/4/8</a:t>
+              <a:t>2019/4/11</a:t>
             </a:fld>
             <a:endParaRPr lang="zh-CN" altLang="en-US"/>
           </a:p>
@@ -2335,7 +2336,7 @@
           <a:p>
             <a:fld id="{422CCFCB-3385-4999-8F10-4D582A939C16}" type="datetimeFigureOut">
               <a:rPr lang="zh-CN" altLang="en-US" smtClean="0"/>
-              <a:t>2019/4/8</a:t>
+              <a:t>2019/4/11</a:t>
             </a:fld>
             <a:endParaRPr lang="zh-CN" altLang="en-US"/>
           </a:p>
@@ -2546,7 +2547,7 @@
           <a:p>
             <a:fld id="{422CCFCB-3385-4999-8F10-4D582A939C16}" type="datetimeFigureOut">
               <a:rPr lang="zh-CN" altLang="en-US" smtClean="0"/>
-              <a:t>2019/4/8</a:t>
+              <a:t>2019/4/11</a:t>
             </a:fld>
             <a:endParaRPr lang="zh-CN" altLang="en-US"/>
           </a:p>
@@ -3658,6 +3659,13 @@
   <p:clrMapOvr>
     <a:masterClrMapping/>
   </p:clrMapOvr>
+  <p:timing>
+    <p:tnLst>
+      <p:par>
+        <p:cTn id="1" dur="indefinite" restart="never" nodeType="tmRoot"/>
+      </p:par>
+    </p:tnLst>
+  </p:timing>
 </p:sld>
 </file>
 
@@ -3680,100 +3688,1761 @@
       </p:grpSpPr>
       <p:grpSp>
         <p:nvGrpSpPr>
-          <p:cNvPr id="4" name="组合 3"/>
+          <p:cNvPr id="174" name="组合 173"/>
           <p:cNvGrpSpPr/>
           <p:nvPr/>
         </p:nvGrpSpPr>
         <p:grpSpPr>
           <a:xfrm>
-            <a:off x="3181611" y="1929008"/>
-            <a:ext cx="3582444" cy="2204581"/>
-            <a:chOff x="3181611" y="1929008"/>
-            <a:chExt cx="3582444" cy="2204581"/>
+            <a:off x="755009" y="649768"/>
+            <a:ext cx="9454409" cy="5837379"/>
+            <a:chOff x="755009" y="649768"/>
+            <a:chExt cx="9454409" cy="5837379"/>
           </a:xfrm>
-          <a:solidFill>
-            <a:schemeClr val="bg2"/>
-          </a:solidFill>
         </p:grpSpPr>
+        <p:grpSp>
+          <p:nvGrpSpPr>
+            <p:cNvPr id="167" name="组合 166"/>
+            <p:cNvGrpSpPr/>
+            <p:nvPr/>
+          </p:nvGrpSpPr>
+          <p:grpSpPr>
+            <a:xfrm>
+              <a:off x="755009" y="649768"/>
+              <a:ext cx="9454409" cy="5126429"/>
+              <a:chOff x="402671" y="515545"/>
+              <a:chExt cx="9454409" cy="5126429"/>
+            </a:xfrm>
+          </p:grpSpPr>
+          <p:sp>
+            <p:nvSpPr>
+              <p:cNvPr id="66" name="流程图: 过程 65"/>
+              <p:cNvSpPr/>
+              <p:nvPr/>
+            </p:nvSpPr>
+            <p:spPr>
+              <a:xfrm>
+                <a:off x="2374083" y="515545"/>
+                <a:ext cx="1140901" cy="612648"/>
+              </a:xfrm>
+              <a:prstGeom prst="flowChartProcess">
+                <a:avLst/>
+              </a:prstGeom>
+              <a:solidFill>
+                <a:schemeClr val="bg1"/>
+              </a:solidFill>
+              <a:ln w="28575">
+                <a:solidFill>
+                  <a:schemeClr val="tx1"/>
+                </a:solidFill>
+              </a:ln>
+            </p:spPr>
+            <p:style>
+              <a:lnRef idx="2">
+                <a:schemeClr val="accent1">
+                  <a:shade val="50000"/>
+                </a:schemeClr>
+              </a:lnRef>
+              <a:fillRef idx="1">
+                <a:schemeClr val="accent1"/>
+              </a:fillRef>
+              <a:effectRef idx="0">
+                <a:schemeClr val="accent1"/>
+              </a:effectRef>
+              <a:fontRef idx="minor">
+                <a:schemeClr val="lt1"/>
+              </a:fontRef>
+            </p:style>
+            <p:txBody>
+              <a:bodyPr rtlCol="0" anchor="ctr"/>
+              <a:lstStyle/>
+              <a:p>
+                <a:pPr algn="ctr"/>
+                <a:r>
+                  <a:rPr lang="zh-CN" altLang="en-US" sz="1400" smtClean="0">
+                    <a:solidFill>
+                      <a:schemeClr val="tx1"/>
+                    </a:solidFill>
+                  </a:rPr>
+                  <a:t>搜索元器件</a:t>
+                </a:r>
+                <a:endParaRPr lang="zh-CN" altLang="en-US" sz="1400">
+                  <a:solidFill>
+                    <a:schemeClr val="tx1"/>
+                  </a:solidFill>
+                </a:endParaRPr>
+              </a:p>
+            </p:txBody>
+          </p:sp>
+          <p:sp>
+            <p:nvSpPr>
+              <p:cNvPr id="67" name="流程图: 过程 66"/>
+              <p:cNvSpPr/>
+              <p:nvPr/>
+            </p:nvSpPr>
+            <p:spPr>
+              <a:xfrm>
+                <a:off x="4458747" y="515545"/>
+                <a:ext cx="914400" cy="612648"/>
+              </a:xfrm>
+              <a:prstGeom prst="flowChartProcess">
+                <a:avLst/>
+              </a:prstGeom>
+              <a:solidFill>
+                <a:schemeClr val="bg1"/>
+              </a:solidFill>
+              <a:ln w="28575">
+                <a:solidFill>
+                  <a:schemeClr val="tx1"/>
+                </a:solidFill>
+              </a:ln>
+            </p:spPr>
+            <p:style>
+              <a:lnRef idx="2">
+                <a:schemeClr val="accent1">
+                  <a:shade val="50000"/>
+                </a:schemeClr>
+              </a:lnRef>
+              <a:fillRef idx="1">
+                <a:schemeClr val="accent1"/>
+              </a:fillRef>
+              <a:effectRef idx="0">
+                <a:schemeClr val="accent1"/>
+              </a:effectRef>
+              <a:fontRef idx="minor">
+                <a:schemeClr val="lt1"/>
+              </a:fontRef>
+            </p:style>
+            <p:txBody>
+              <a:bodyPr rtlCol="0" anchor="ctr"/>
+              <a:lstStyle/>
+              <a:p>
+                <a:pPr algn="ctr"/>
+                <a:r>
+                  <a:rPr lang="zh-CN" altLang="en-US" sz="1400" smtClean="0">
+                    <a:solidFill>
+                      <a:schemeClr val="tx1"/>
+                    </a:solidFill>
+                  </a:rPr>
+                  <a:t>浏览列表</a:t>
+                </a:r>
+                <a:endParaRPr lang="zh-CN" altLang="en-US" sz="1400">
+                  <a:solidFill>
+                    <a:schemeClr val="tx1"/>
+                  </a:solidFill>
+                </a:endParaRPr>
+              </a:p>
+            </p:txBody>
+          </p:sp>
+          <p:sp>
+            <p:nvSpPr>
+              <p:cNvPr id="68" name="流程图: 过程 67"/>
+              <p:cNvSpPr/>
+              <p:nvPr/>
+            </p:nvSpPr>
+            <p:spPr>
+              <a:xfrm>
+                <a:off x="6321104" y="515545"/>
+                <a:ext cx="1300292" cy="612648"/>
+              </a:xfrm>
+              <a:prstGeom prst="flowChartProcess">
+                <a:avLst/>
+              </a:prstGeom>
+              <a:solidFill>
+                <a:schemeClr val="bg1"/>
+              </a:solidFill>
+              <a:ln w="28575">
+                <a:solidFill>
+                  <a:schemeClr val="tx1"/>
+                </a:solidFill>
+              </a:ln>
+            </p:spPr>
+            <p:style>
+              <a:lnRef idx="2">
+                <a:schemeClr val="accent1">
+                  <a:shade val="50000"/>
+                </a:schemeClr>
+              </a:lnRef>
+              <a:fillRef idx="1">
+                <a:schemeClr val="accent1"/>
+              </a:fillRef>
+              <a:effectRef idx="0">
+                <a:schemeClr val="accent1"/>
+              </a:effectRef>
+              <a:fontRef idx="minor">
+                <a:schemeClr val="lt1"/>
+              </a:fontRef>
+            </p:style>
+            <p:txBody>
+              <a:bodyPr rtlCol="0" anchor="ctr"/>
+              <a:lstStyle/>
+              <a:p>
+                <a:pPr algn="ctr"/>
+                <a:r>
+                  <a:rPr lang="zh-CN" altLang="en-US" sz="1400" smtClean="0">
+                    <a:solidFill>
+                      <a:schemeClr val="tx1"/>
+                    </a:solidFill>
+                  </a:rPr>
+                  <a:t>查看具体信息</a:t>
+                </a:r>
+                <a:endParaRPr lang="zh-CN" altLang="en-US" sz="1400">
+                  <a:solidFill>
+                    <a:schemeClr val="tx1"/>
+                  </a:solidFill>
+                </a:endParaRPr>
+              </a:p>
+            </p:txBody>
+          </p:sp>
+          <p:sp>
+            <p:nvSpPr>
+              <p:cNvPr id="69" name="流程图: 过程 68"/>
+              <p:cNvSpPr/>
+              <p:nvPr/>
+            </p:nvSpPr>
+            <p:spPr>
+              <a:xfrm>
+                <a:off x="2378273" y="2773715"/>
+                <a:ext cx="1266739" cy="612648"/>
+              </a:xfrm>
+              <a:prstGeom prst="flowChartProcess">
+                <a:avLst/>
+              </a:prstGeom>
+              <a:solidFill>
+                <a:schemeClr val="bg1"/>
+              </a:solidFill>
+              <a:ln w="28575">
+                <a:solidFill>
+                  <a:schemeClr val="tx1"/>
+                </a:solidFill>
+              </a:ln>
+            </p:spPr>
+            <p:style>
+              <a:lnRef idx="2">
+                <a:schemeClr val="accent1">
+                  <a:shade val="50000"/>
+                </a:schemeClr>
+              </a:lnRef>
+              <a:fillRef idx="1">
+                <a:schemeClr val="accent1"/>
+              </a:fillRef>
+              <a:effectRef idx="0">
+                <a:schemeClr val="accent1"/>
+              </a:effectRef>
+              <a:fontRef idx="minor">
+                <a:schemeClr val="lt1"/>
+              </a:fontRef>
+            </p:style>
+            <p:txBody>
+              <a:bodyPr rtlCol="0" anchor="ctr"/>
+              <a:lstStyle/>
+              <a:p>
+                <a:pPr algn="ctr"/>
+                <a:r>
+                  <a:rPr lang="zh-CN" altLang="en-US" sz="1400" smtClean="0">
+                    <a:solidFill>
+                      <a:schemeClr val="tx1"/>
+                    </a:solidFill>
+                  </a:rPr>
+                  <a:t>进入项目中心</a:t>
+                </a:r>
+                <a:endParaRPr lang="zh-CN" altLang="en-US" sz="1400">
+                  <a:solidFill>
+                    <a:schemeClr val="tx1"/>
+                  </a:solidFill>
+                </a:endParaRPr>
+              </a:p>
+            </p:txBody>
+          </p:sp>
+          <p:sp>
+            <p:nvSpPr>
+              <p:cNvPr id="71" name="流程图: 决策 70"/>
+              <p:cNvSpPr/>
+              <p:nvPr/>
+            </p:nvSpPr>
+            <p:spPr>
+              <a:xfrm>
+                <a:off x="4355978" y="2772436"/>
+                <a:ext cx="1291908" cy="612648"/>
+              </a:xfrm>
+              <a:prstGeom prst="flowChartDecision">
+                <a:avLst/>
+              </a:prstGeom>
+              <a:solidFill>
+                <a:schemeClr val="bg1"/>
+              </a:solidFill>
+              <a:ln w="28575">
+                <a:solidFill>
+                  <a:schemeClr val="tx1"/>
+                </a:solidFill>
+              </a:ln>
+            </p:spPr>
+            <p:style>
+              <a:lnRef idx="2">
+                <a:schemeClr val="accent1">
+                  <a:shade val="50000"/>
+                </a:schemeClr>
+              </a:lnRef>
+              <a:fillRef idx="1">
+                <a:schemeClr val="accent1"/>
+              </a:fillRef>
+              <a:effectRef idx="0">
+                <a:schemeClr val="accent1"/>
+              </a:effectRef>
+              <a:fontRef idx="minor">
+                <a:schemeClr val="lt1"/>
+              </a:fontRef>
+            </p:style>
+            <p:txBody>
+              <a:bodyPr rtlCol="0" anchor="ctr"/>
+              <a:lstStyle/>
+              <a:p>
+                <a:pPr algn="ctr"/>
+                <a:r>
+                  <a:rPr lang="zh-CN" altLang="en-US" sz="1400" smtClean="0">
+                    <a:solidFill>
+                      <a:schemeClr val="tx1"/>
+                    </a:solidFill>
+                  </a:rPr>
+                  <a:t>是否登录</a:t>
+                </a:r>
+                <a:endParaRPr lang="zh-CN" altLang="en-US" sz="1400">
+                  <a:solidFill>
+                    <a:schemeClr val="tx1"/>
+                  </a:solidFill>
+                </a:endParaRPr>
+              </a:p>
+            </p:txBody>
+          </p:sp>
+          <p:sp>
+            <p:nvSpPr>
+              <p:cNvPr id="72" name="流程图: 过程 71"/>
+              <p:cNvSpPr/>
+              <p:nvPr/>
+            </p:nvSpPr>
+            <p:spPr>
+              <a:xfrm>
+                <a:off x="6480498" y="2772436"/>
+                <a:ext cx="1107347" cy="612648"/>
+              </a:xfrm>
+              <a:prstGeom prst="flowChartProcess">
+                <a:avLst/>
+              </a:prstGeom>
+              <a:solidFill>
+                <a:schemeClr val="bg1"/>
+              </a:solidFill>
+              <a:ln w="28575">
+                <a:solidFill>
+                  <a:schemeClr val="tx1"/>
+                </a:solidFill>
+              </a:ln>
+            </p:spPr>
+            <p:style>
+              <a:lnRef idx="2">
+                <a:schemeClr val="accent1">
+                  <a:shade val="50000"/>
+                </a:schemeClr>
+              </a:lnRef>
+              <a:fillRef idx="1">
+                <a:schemeClr val="accent1"/>
+              </a:fillRef>
+              <a:effectRef idx="0">
+                <a:schemeClr val="accent1"/>
+              </a:effectRef>
+              <a:fontRef idx="minor">
+                <a:schemeClr val="lt1"/>
+              </a:fontRef>
+            </p:style>
+            <p:txBody>
+              <a:bodyPr rtlCol="0" anchor="ctr"/>
+              <a:lstStyle/>
+              <a:p>
+                <a:pPr algn="ctr"/>
+                <a:r>
+                  <a:rPr lang="zh-CN" altLang="en-US" sz="1400" smtClean="0">
+                    <a:solidFill>
+                      <a:schemeClr val="tx1"/>
+                    </a:solidFill>
+                  </a:rPr>
+                  <a:t>登录</a:t>
+                </a:r>
+                <a:r>
+                  <a:rPr lang="en-US" altLang="zh-CN" sz="1400" smtClean="0">
+                    <a:solidFill>
+                      <a:schemeClr val="tx1"/>
+                    </a:solidFill>
+                  </a:rPr>
+                  <a:t>/</a:t>
+                </a:r>
+                <a:r>
+                  <a:rPr lang="zh-CN" altLang="en-US" sz="1400" smtClean="0">
+                    <a:solidFill>
+                      <a:schemeClr val="tx1"/>
+                    </a:solidFill>
+                  </a:rPr>
+                  <a:t>注册</a:t>
+                </a:r>
+                <a:endParaRPr lang="zh-CN" altLang="en-US" sz="1400">
+                  <a:solidFill>
+                    <a:schemeClr val="tx1"/>
+                  </a:solidFill>
+                </a:endParaRPr>
+              </a:p>
+            </p:txBody>
+          </p:sp>
+          <p:sp>
+            <p:nvSpPr>
+              <p:cNvPr id="73" name="流程图: 决策 72"/>
+              <p:cNvSpPr/>
+              <p:nvPr/>
+            </p:nvSpPr>
+            <p:spPr>
+              <a:xfrm>
+                <a:off x="4341293" y="4013504"/>
+                <a:ext cx="1291908" cy="612648"/>
+              </a:xfrm>
+              <a:prstGeom prst="flowChartDecision">
+                <a:avLst/>
+              </a:prstGeom>
+              <a:solidFill>
+                <a:schemeClr val="bg1"/>
+              </a:solidFill>
+              <a:ln w="28575">
+                <a:solidFill>
+                  <a:schemeClr val="tx1"/>
+                </a:solidFill>
+              </a:ln>
+            </p:spPr>
+            <p:style>
+              <a:lnRef idx="2">
+                <a:schemeClr val="accent1">
+                  <a:shade val="50000"/>
+                </a:schemeClr>
+              </a:lnRef>
+              <a:fillRef idx="1">
+                <a:schemeClr val="accent1"/>
+              </a:fillRef>
+              <a:effectRef idx="0">
+                <a:schemeClr val="accent1"/>
+              </a:effectRef>
+              <a:fontRef idx="minor">
+                <a:schemeClr val="lt1"/>
+              </a:fontRef>
+            </p:style>
+            <p:txBody>
+              <a:bodyPr rtlCol="0" anchor="ctr"/>
+              <a:lstStyle/>
+              <a:p>
+                <a:pPr algn="ctr"/>
+                <a:r>
+                  <a:rPr lang="zh-CN" altLang="en-US" sz="1400">
+                    <a:solidFill>
+                      <a:schemeClr val="tx1"/>
+                    </a:solidFill>
+                  </a:rPr>
+                  <a:t>是否老师</a:t>
+                </a:r>
+              </a:p>
+            </p:txBody>
+          </p:sp>
+          <p:sp>
+            <p:nvSpPr>
+              <p:cNvPr id="74" name="流程图: 过程 73"/>
+              <p:cNvSpPr/>
+              <p:nvPr/>
+            </p:nvSpPr>
+            <p:spPr>
+              <a:xfrm>
+                <a:off x="2499914" y="4032191"/>
+                <a:ext cx="914400" cy="612648"/>
+              </a:xfrm>
+              <a:prstGeom prst="flowChartProcess">
+                <a:avLst/>
+              </a:prstGeom>
+              <a:solidFill>
+                <a:schemeClr val="bg1"/>
+              </a:solidFill>
+              <a:ln w="28575">
+                <a:solidFill>
+                  <a:schemeClr val="tx1"/>
+                </a:solidFill>
+              </a:ln>
+            </p:spPr>
+            <p:style>
+              <a:lnRef idx="2">
+                <a:schemeClr val="accent1">
+                  <a:shade val="50000"/>
+                </a:schemeClr>
+              </a:lnRef>
+              <a:fillRef idx="1">
+                <a:schemeClr val="accent1"/>
+              </a:fillRef>
+              <a:effectRef idx="0">
+                <a:schemeClr val="accent1"/>
+              </a:effectRef>
+              <a:fontRef idx="minor">
+                <a:schemeClr val="lt1"/>
+              </a:fontRef>
+            </p:style>
+            <p:txBody>
+              <a:bodyPr rtlCol="0" anchor="ctr"/>
+              <a:lstStyle/>
+              <a:p>
+                <a:pPr algn="ctr"/>
+                <a:r>
+                  <a:rPr lang="zh-CN" altLang="en-US" sz="1400" smtClean="0">
+                    <a:solidFill>
+                      <a:schemeClr val="tx1"/>
+                    </a:solidFill>
+                  </a:rPr>
+                  <a:t>发布项目</a:t>
+                </a:r>
+                <a:endParaRPr lang="zh-CN" altLang="en-US" sz="1400">
+                  <a:solidFill>
+                    <a:schemeClr val="tx1"/>
+                  </a:solidFill>
+                </a:endParaRPr>
+              </a:p>
+            </p:txBody>
+          </p:sp>
+          <p:sp>
+            <p:nvSpPr>
+              <p:cNvPr id="75" name="流程图: 过程 74"/>
+              <p:cNvSpPr/>
+              <p:nvPr/>
+            </p:nvSpPr>
+            <p:spPr>
+              <a:xfrm>
+                <a:off x="4541601" y="5029326"/>
+                <a:ext cx="914400" cy="612648"/>
+              </a:xfrm>
+              <a:prstGeom prst="flowChartProcess">
+                <a:avLst/>
+              </a:prstGeom>
+              <a:solidFill>
+                <a:schemeClr val="bg1"/>
+              </a:solidFill>
+              <a:ln w="28575">
+                <a:solidFill>
+                  <a:schemeClr val="tx1"/>
+                </a:solidFill>
+              </a:ln>
+            </p:spPr>
+            <p:style>
+              <a:lnRef idx="2">
+                <a:schemeClr val="accent1">
+                  <a:shade val="50000"/>
+                </a:schemeClr>
+              </a:lnRef>
+              <a:fillRef idx="1">
+                <a:schemeClr val="accent1"/>
+              </a:fillRef>
+              <a:effectRef idx="0">
+                <a:schemeClr val="accent1"/>
+              </a:effectRef>
+              <a:fontRef idx="minor">
+                <a:schemeClr val="lt1"/>
+              </a:fontRef>
+            </p:style>
+            <p:txBody>
+              <a:bodyPr rtlCol="0" anchor="ctr"/>
+              <a:lstStyle/>
+              <a:p>
+                <a:pPr algn="ctr"/>
+                <a:r>
+                  <a:rPr lang="zh-CN" altLang="en-US" sz="1400" smtClean="0">
+                    <a:solidFill>
+                      <a:schemeClr val="tx1"/>
+                    </a:solidFill>
+                  </a:rPr>
+                  <a:t>项目列表</a:t>
+                </a:r>
+                <a:endParaRPr lang="zh-CN" altLang="en-US" sz="1400">
+                  <a:solidFill>
+                    <a:schemeClr val="tx1"/>
+                  </a:solidFill>
+                </a:endParaRPr>
+              </a:p>
+            </p:txBody>
+          </p:sp>
+          <p:sp>
+            <p:nvSpPr>
+              <p:cNvPr id="76" name="流程图: 过程 75"/>
+              <p:cNvSpPr/>
+              <p:nvPr/>
+            </p:nvSpPr>
+            <p:spPr>
+              <a:xfrm>
+                <a:off x="6156484" y="5029326"/>
+                <a:ext cx="914400" cy="612648"/>
+              </a:xfrm>
+              <a:prstGeom prst="flowChartProcess">
+                <a:avLst/>
+              </a:prstGeom>
+              <a:solidFill>
+                <a:schemeClr val="bg1"/>
+              </a:solidFill>
+              <a:ln w="28575">
+                <a:solidFill>
+                  <a:schemeClr val="tx1"/>
+                </a:solidFill>
+              </a:ln>
+            </p:spPr>
+            <p:style>
+              <a:lnRef idx="2">
+                <a:schemeClr val="accent1">
+                  <a:shade val="50000"/>
+                </a:schemeClr>
+              </a:lnRef>
+              <a:fillRef idx="1">
+                <a:schemeClr val="accent1"/>
+              </a:fillRef>
+              <a:effectRef idx="0">
+                <a:schemeClr val="accent1"/>
+              </a:effectRef>
+              <a:fontRef idx="minor">
+                <a:schemeClr val="lt1"/>
+              </a:fontRef>
+            </p:style>
+            <p:txBody>
+              <a:bodyPr rtlCol="0" anchor="ctr"/>
+              <a:lstStyle/>
+              <a:p>
+                <a:pPr algn="ctr"/>
+                <a:r>
+                  <a:rPr lang="zh-CN" altLang="en-US" sz="1400" smtClean="0">
+                    <a:solidFill>
+                      <a:schemeClr val="tx1"/>
+                    </a:solidFill>
+                  </a:rPr>
+                  <a:t>项目详情</a:t>
+                </a:r>
+                <a:endParaRPr lang="zh-CN" altLang="en-US" sz="1400">
+                  <a:solidFill>
+                    <a:schemeClr val="tx1"/>
+                  </a:solidFill>
+                </a:endParaRPr>
+              </a:p>
+            </p:txBody>
+          </p:sp>
+          <p:sp>
+            <p:nvSpPr>
+              <p:cNvPr id="77" name="流程图: 可选过程 76"/>
+              <p:cNvSpPr/>
+              <p:nvPr/>
+            </p:nvSpPr>
+            <p:spPr>
+              <a:xfrm>
+                <a:off x="8942680" y="1591245"/>
+                <a:ext cx="914400" cy="612648"/>
+              </a:xfrm>
+              <a:prstGeom prst="flowChartAlternateProcess">
+                <a:avLst/>
+              </a:prstGeom>
+              <a:solidFill>
+                <a:schemeClr val="bg1"/>
+              </a:solidFill>
+              <a:ln w="28575">
+                <a:solidFill>
+                  <a:schemeClr val="tx1"/>
+                </a:solidFill>
+              </a:ln>
+            </p:spPr>
+            <p:style>
+              <a:lnRef idx="2">
+                <a:schemeClr val="accent1">
+                  <a:shade val="50000"/>
+                </a:schemeClr>
+              </a:lnRef>
+              <a:fillRef idx="1">
+                <a:schemeClr val="accent1"/>
+              </a:fillRef>
+              <a:effectRef idx="0">
+                <a:schemeClr val="accent1"/>
+              </a:effectRef>
+              <a:fontRef idx="minor">
+                <a:schemeClr val="lt1"/>
+              </a:fontRef>
+            </p:style>
+            <p:txBody>
+              <a:bodyPr rtlCol="0" anchor="ctr"/>
+              <a:lstStyle/>
+              <a:p>
+                <a:pPr algn="ctr"/>
+                <a:r>
+                  <a:rPr lang="zh-CN" altLang="en-US" sz="1400" smtClean="0">
+                    <a:solidFill>
+                      <a:schemeClr val="tx1"/>
+                    </a:solidFill>
+                  </a:rPr>
+                  <a:t>结束</a:t>
+                </a:r>
+                <a:endParaRPr lang="zh-CN" altLang="en-US" sz="1400">
+                  <a:solidFill>
+                    <a:schemeClr val="tx1"/>
+                  </a:solidFill>
+                </a:endParaRPr>
+              </a:p>
+            </p:txBody>
+          </p:sp>
+          <p:sp>
+            <p:nvSpPr>
+              <p:cNvPr id="79" name="流程图: 过程 78"/>
+              <p:cNvSpPr/>
+              <p:nvPr/>
+            </p:nvSpPr>
+            <p:spPr>
+              <a:xfrm>
+                <a:off x="7671747" y="5029326"/>
+                <a:ext cx="1270933" cy="612648"/>
+              </a:xfrm>
+              <a:prstGeom prst="flowChartProcess">
+                <a:avLst/>
+              </a:prstGeom>
+              <a:solidFill>
+                <a:schemeClr val="bg1"/>
+              </a:solidFill>
+              <a:ln w="28575">
+                <a:solidFill>
+                  <a:schemeClr val="tx1"/>
+                </a:solidFill>
+              </a:ln>
+            </p:spPr>
+            <p:style>
+              <a:lnRef idx="2">
+                <a:schemeClr val="accent1">
+                  <a:shade val="50000"/>
+                </a:schemeClr>
+              </a:lnRef>
+              <a:fillRef idx="1">
+                <a:schemeClr val="accent1"/>
+              </a:fillRef>
+              <a:effectRef idx="0">
+                <a:schemeClr val="accent1"/>
+              </a:effectRef>
+              <a:fontRef idx="minor">
+                <a:schemeClr val="lt1"/>
+              </a:fontRef>
+            </p:style>
+            <p:txBody>
+              <a:bodyPr rtlCol="0" anchor="ctr"/>
+              <a:lstStyle/>
+              <a:p>
+                <a:pPr algn="ctr"/>
+                <a:r>
+                  <a:rPr lang="zh-CN" altLang="en-US" sz="1400" smtClean="0">
+                    <a:solidFill>
+                      <a:schemeClr val="tx1"/>
+                    </a:solidFill>
+                  </a:rPr>
+                  <a:t>更新项目状态</a:t>
+                </a:r>
+                <a:endParaRPr lang="zh-CN" altLang="en-US" sz="1400">
+                  <a:solidFill>
+                    <a:schemeClr val="tx1"/>
+                  </a:solidFill>
+                </a:endParaRPr>
+              </a:p>
+            </p:txBody>
+          </p:sp>
+          <p:sp>
+            <p:nvSpPr>
+              <p:cNvPr id="80" name="流程图: 可选过程 79"/>
+              <p:cNvSpPr/>
+              <p:nvPr/>
+            </p:nvSpPr>
+            <p:spPr>
+              <a:xfrm>
+                <a:off x="402671" y="1547140"/>
+                <a:ext cx="1048623" cy="612648"/>
+              </a:xfrm>
+              <a:prstGeom prst="flowChartAlternateProcess">
+                <a:avLst/>
+              </a:prstGeom>
+              <a:solidFill>
+                <a:schemeClr val="bg1"/>
+              </a:solidFill>
+              <a:ln w="28575">
+                <a:solidFill>
+                  <a:schemeClr val="tx1"/>
+                </a:solidFill>
+              </a:ln>
+            </p:spPr>
+            <p:style>
+              <a:lnRef idx="2">
+                <a:schemeClr val="accent1">
+                  <a:shade val="50000"/>
+                </a:schemeClr>
+              </a:lnRef>
+              <a:fillRef idx="1">
+                <a:schemeClr val="accent1"/>
+              </a:fillRef>
+              <a:effectRef idx="0">
+                <a:schemeClr val="accent1"/>
+              </a:effectRef>
+              <a:fontRef idx="minor">
+                <a:schemeClr val="lt1"/>
+              </a:fontRef>
+            </p:style>
+            <p:txBody>
+              <a:bodyPr rtlCol="0" anchor="ctr"/>
+              <a:lstStyle/>
+              <a:p>
+                <a:pPr algn="ctr"/>
+                <a:r>
+                  <a:rPr lang="zh-CN" altLang="en-US" sz="1400" smtClean="0">
+                    <a:solidFill>
+                      <a:schemeClr val="tx1"/>
+                    </a:solidFill>
+                  </a:rPr>
+                  <a:t>进入程序</a:t>
+                </a:r>
+                <a:endParaRPr lang="zh-CN" altLang="en-US" sz="1400">
+                  <a:solidFill>
+                    <a:schemeClr val="tx1"/>
+                  </a:solidFill>
+                </a:endParaRPr>
+              </a:p>
+            </p:txBody>
+          </p:sp>
+          <p:cxnSp>
+            <p:nvCxnSpPr>
+              <p:cNvPr id="84" name="肘形连接符 83"/>
+              <p:cNvCxnSpPr>
+                <a:stCxn id="80" idx="3"/>
+                <a:endCxn id="69" idx="1"/>
+              </p:cNvCxnSpPr>
+              <p:nvPr/>
+            </p:nvCxnSpPr>
+            <p:spPr>
+              <a:xfrm>
+                <a:off x="1451294" y="1853464"/>
+                <a:ext cx="926979" cy="1226575"/>
+              </a:xfrm>
+              <a:prstGeom prst="bentConnector3">
+                <a:avLst/>
+              </a:prstGeom>
+              <a:ln w="28575">
+                <a:solidFill>
+                  <a:schemeClr val="tx1"/>
+                </a:solidFill>
+                <a:tailEnd type="triangle"/>
+              </a:ln>
+            </p:spPr>
+            <p:style>
+              <a:lnRef idx="1">
+                <a:schemeClr val="accent1"/>
+              </a:lnRef>
+              <a:fillRef idx="0">
+                <a:schemeClr val="accent1"/>
+              </a:fillRef>
+              <a:effectRef idx="0">
+                <a:schemeClr val="accent1"/>
+              </a:effectRef>
+              <a:fontRef idx="minor">
+                <a:schemeClr val="tx1"/>
+              </a:fontRef>
+            </p:style>
+          </p:cxnSp>
+          <p:cxnSp>
+            <p:nvCxnSpPr>
+              <p:cNvPr id="86" name="肘形连接符 85"/>
+              <p:cNvCxnSpPr>
+                <a:stCxn id="80" idx="3"/>
+                <a:endCxn id="66" idx="1"/>
+              </p:cNvCxnSpPr>
+              <p:nvPr/>
+            </p:nvCxnSpPr>
+            <p:spPr>
+              <a:xfrm flipV="1">
+                <a:off x="1451294" y="821869"/>
+                <a:ext cx="922789" cy="1031595"/>
+              </a:xfrm>
+              <a:prstGeom prst="bentConnector3">
+                <a:avLst/>
+              </a:prstGeom>
+              <a:ln w="28575">
+                <a:solidFill>
+                  <a:schemeClr val="tx1"/>
+                </a:solidFill>
+                <a:tailEnd type="triangle"/>
+              </a:ln>
+            </p:spPr>
+            <p:style>
+              <a:lnRef idx="1">
+                <a:schemeClr val="accent1"/>
+              </a:lnRef>
+              <a:fillRef idx="0">
+                <a:schemeClr val="accent1"/>
+              </a:fillRef>
+              <a:effectRef idx="0">
+                <a:schemeClr val="accent1"/>
+              </a:effectRef>
+              <a:fontRef idx="minor">
+                <a:schemeClr val="tx1"/>
+              </a:fontRef>
+            </p:style>
+          </p:cxnSp>
+          <p:cxnSp>
+            <p:nvCxnSpPr>
+              <p:cNvPr id="88" name="直接箭头连接符 87"/>
+              <p:cNvCxnSpPr>
+                <a:stCxn id="66" idx="3"/>
+                <a:endCxn id="67" idx="1"/>
+              </p:cNvCxnSpPr>
+              <p:nvPr/>
+            </p:nvCxnSpPr>
+            <p:spPr>
+              <a:xfrm>
+                <a:off x="3514984" y="821869"/>
+                <a:ext cx="943763" cy="0"/>
+              </a:xfrm>
+              <a:prstGeom prst="straightConnector1">
+                <a:avLst/>
+              </a:prstGeom>
+              <a:ln w="28575">
+                <a:solidFill>
+                  <a:schemeClr val="tx1"/>
+                </a:solidFill>
+                <a:tailEnd type="triangle"/>
+              </a:ln>
+            </p:spPr>
+            <p:style>
+              <a:lnRef idx="1">
+                <a:schemeClr val="accent1"/>
+              </a:lnRef>
+              <a:fillRef idx="0">
+                <a:schemeClr val="accent1"/>
+              </a:fillRef>
+              <a:effectRef idx="0">
+                <a:schemeClr val="accent1"/>
+              </a:effectRef>
+              <a:fontRef idx="minor">
+                <a:schemeClr val="tx1"/>
+              </a:fontRef>
+            </p:style>
+          </p:cxnSp>
+          <p:cxnSp>
+            <p:nvCxnSpPr>
+              <p:cNvPr id="90" name="直接箭头连接符 89"/>
+              <p:cNvCxnSpPr>
+                <a:stCxn id="67" idx="3"/>
+                <a:endCxn id="68" idx="1"/>
+              </p:cNvCxnSpPr>
+              <p:nvPr/>
+            </p:nvCxnSpPr>
+            <p:spPr>
+              <a:xfrm>
+                <a:off x="5373147" y="821869"/>
+                <a:ext cx="947957" cy="0"/>
+              </a:xfrm>
+              <a:prstGeom prst="straightConnector1">
+                <a:avLst/>
+              </a:prstGeom>
+              <a:ln w="28575">
+                <a:solidFill>
+                  <a:schemeClr val="tx1"/>
+                </a:solidFill>
+                <a:tailEnd type="triangle"/>
+              </a:ln>
+            </p:spPr>
+            <p:style>
+              <a:lnRef idx="1">
+                <a:schemeClr val="accent1"/>
+              </a:lnRef>
+              <a:fillRef idx="0">
+                <a:schemeClr val="accent1"/>
+              </a:fillRef>
+              <a:effectRef idx="0">
+                <a:schemeClr val="accent1"/>
+              </a:effectRef>
+              <a:fontRef idx="minor">
+                <a:schemeClr val="tx1"/>
+              </a:fontRef>
+            </p:style>
+          </p:cxnSp>
+          <p:cxnSp>
+            <p:nvCxnSpPr>
+              <p:cNvPr id="92" name="肘形连接符 91"/>
+              <p:cNvCxnSpPr>
+                <a:stCxn id="68" idx="3"/>
+                <a:endCxn id="77" idx="0"/>
+              </p:cNvCxnSpPr>
+              <p:nvPr/>
+            </p:nvCxnSpPr>
+            <p:spPr>
+              <a:xfrm>
+                <a:off x="7621396" y="821869"/>
+                <a:ext cx="1778484" cy="769376"/>
+              </a:xfrm>
+              <a:prstGeom prst="bentConnector2">
+                <a:avLst/>
+              </a:prstGeom>
+              <a:ln w="28575">
+                <a:solidFill>
+                  <a:schemeClr val="tx1"/>
+                </a:solidFill>
+                <a:tailEnd type="triangle"/>
+              </a:ln>
+            </p:spPr>
+            <p:style>
+              <a:lnRef idx="1">
+                <a:schemeClr val="accent1"/>
+              </a:lnRef>
+              <a:fillRef idx="0">
+                <a:schemeClr val="accent1"/>
+              </a:fillRef>
+              <a:effectRef idx="0">
+                <a:schemeClr val="accent1"/>
+              </a:effectRef>
+              <a:fontRef idx="minor">
+                <a:schemeClr val="tx1"/>
+              </a:fontRef>
+            </p:style>
+          </p:cxnSp>
+          <p:cxnSp>
+            <p:nvCxnSpPr>
+              <p:cNvPr id="96" name="肘形连接符 95"/>
+              <p:cNvCxnSpPr>
+                <a:stCxn id="79" idx="3"/>
+                <a:endCxn id="77" idx="2"/>
+              </p:cNvCxnSpPr>
+              <p:nvPr/>
+            </p:nvCxnSpPr>
+            <p:spPr>
+              <a:xfrm flipV="1">
+                <a:off x="8942680" y="2203893"/>
+                <a:ext cx="457200" cy="3131757"/>
+              </a:xfrm>
+              <a:prstGeom prst="bentConnector2">
+                <a:avLst/>
+              </a:prstGeom>
+              <a:ln w="28575">
+                <a:solidFill>
+                  <a:schemeClr val="tx1"/>
+                </a:solidFill>
+                <a:tailEnd type="triangle"/>
+              </a:ln>
+            </p:spPr>
+            <p:style>
+              <a:lnRef idx="1">
+                <a:schemeClr val="accent1"/>
+              </a:lnRef>
+              <a:fillRef idx="0">
+                <a:schemeClr val="accent1"/>
+              </a:fillRef>
+              <a:effectRef idx="0">
+                <a:schemeClr val="accent1"/>
+              </a:effectRef>
+              <a:fontRef idx="minor">
+                <a:schemeClr val="tx1"/>
+              </a:fontRef>
+            </p:style>
+          </p:cxnSp>
+          <p:sp>
+            <p:nvSpPr>
+              <p:cNvPr id="106" name="流程图: 过程 105"/>
+              <p:cNvSpPr/>
+              <p:nvPr/>
+            </p:nvSpPr>
+            <p:spPr>
+              <a:xfrm>
+                <a:off x="2386664" y="1547140"/>
+                <a:ext cx="1140901" cy="612648"/>
+              </a:xfrm>
+              <a:prstGeom prst="flowChartProcess">
+                <a:avLst/>
+              </a:prstGeom>
+              <a:solidFill>
+                <a:schemeClr val="bg1"/>
+              </a:solidFill>
+              <a:ln w="28575">
+                <a:solidFill>
+                  <a:schemeClr val="tx1"/>
+                </a:solidFill>
+              </a:ln>
+            </p:spPr>
+            <p:style>
+              <a:lnRef idx="2">
+                <a:schemeClr val="accent1">
+                  <a:shade val="50000"/>
+                </a:schemeClr>
+              </a:lnRef>
+              <a:fillRef idx="1">
+                <a:schemeClr val="accent1"/>
+              </a:fillRef>
+              <a:effectRef idx="0">
+                <a:schemeClr val="accent1"/>
+              </a:effectRef>
+              <a:fontRef idx="minor">
+                <a:schemeClr val="lt1"/>
+              </a:fontRef>
+            </p:style>
+            <p:txBody>
+              <a:bodyPr rtlCol="0" anchor="ctr"/>
+              <a:lstStyle/>
+              <a:p>
+                <a:pPr algn="ctr"/>
+                <a:r>
+                  <a:rPr lang="zh-CN" altLang="en-US" sz="1400" smtClean="0">
+                    <a:solidFill>
+                      <a:schemeClr val="tx1"/>
+                    </a:solidFill>
+                  </a:rPr>
+                  <a:t>进入我的</a:t>
+                </a:r>
+                <a:endParaRPr lang="zh-CN" altLang="en-US" sz="1400">
+                  <a:solidFill>
+                    <a:schemeClr val="tx1"/>
+                  </a:solidFill>
+                </a:endParaRPr>
+              </a:p>
+            </p:txBody>
+          </p:sp>
+          <p:sp>
+            <p:nvSpPr>
+              <p:cNvPr id="107" name="流程图: 过程 106"/>
+              <p:cNvSpPr/>
+              <p:nvPr/>
+            </p:nvSpPr>
+            <p:spPr>
+              <a:xfrm>
+                <a:off x="6463722" y="1591245"/>
+                <a:ext cx="1140901" cy="612648"/>
+              </a:xfrm>
+              <a:prstGeom prst="flowChartProcess">
+                <a:avLst/>
+              </a:prstGeom>
+              <a:solidFill>
+                <a:schemeClr val="bg1"/>
+              </a:solidFill>
+              <a:ln w="28575">
+                <a:solidFill>
+                  <a:schemeClr val="tx1"/>
+                </a:solidFill>
+              </a:ln>
+            </p:spPr>
+            <p:style>
+              <a:lnRef idx="2">
+                <a:schemeClr val="accent1">
+                  <a:shade val="50000"/>
+                </a:schemeClr>
+              </a:lnRef>
+              <a:fillRef idx="1">
+                <a:schemeClr val="accent1"/>
+              </a:fillRef>
+              <a:effectRef idx="0">
+                <a:schemeClr val="accent1"/>
+              </a:effectRef>
+              <a:fontRef idx="minor">
+                <a:schemeClr val="lt1"/>
+              </a:fontRef>
+            </p:style>
+            <p:txBody>
+              <a:bodyPr rtlCol="0" anchor="ctr"/>
+              <a:lstStyle/>
+              <a:p>
+                <a:pPr algn="ctr"/>
+                <a:r>
+                  <a:rPr lang="zh-CN" altLang="en-US" sz="1400" smtClean="0">
+                    <a:solidFill>
+                      <a:schemeClr val="tx1"/>
+                    </a:solidFill>
+                  </a:rPr>
+                  <a:t>多彩主题</a:t>
+                </a:r>
+                <a:endParaRPr lang="zh-CN" altLang="en-US" sz="1400">
+                  <a:solidFill>
+                    <a:schemeClr val="tx1"/>
+                  </a:solidFill>
+                </a:endParaRPr>
+              </a:p>
+            </p:txBody>
+          </p:sp>
+          <p:cxnSp>
+            <p:nvCxnSpPr>
+              <p:cNvPr id="111" name="直接箭头连接符 110"/>
+              <p:cNvCxnSpPr>
+                <a:endCxn id="106" idx="1"/>
+              </p:cNvCxnSpPr>
+              <p:nvPr/>
+            </p:nvCxnSpPr>
+            <p:spPr>
+              <a:xfrm>
+                <a:off x="1912688" y="1853464"/>
+                <a:ext cx="473976" cy="0"/>
+              </a:xfrm>
+              <a:prstGeom prst="straightConnector1">
+                <a:avLst/>
+              </a:prstGeom>
+              <a:ln w="28575">
+                <a:solidFill>
+                  <a:schemeClr val="tx1"/>
+                </a:solidFill>
+                <a:tailEnd type="triangle"/>
+              </a:ln>
+            </p:spPr>
+            <p:style>
+              <a:lnRef idx="1">
+                <a:schemeClr val="accent1"/>
+              </a:lnRef>
+              <a:fillRef idx="0">
+                <a:schemeClr val="accent1"/>
+              </a:fillRef>
+              <a:effectRef idx="0">
+                <a:schemeClr val="accent1"/>
+              </a:effectRef>
+              <a:fontRef idx="minor">
+                <a:schemeClr val="tx1"/>
+              </a:fontRef>
+            </p:style>
+          </p:cxnSp>
+          <p:cxnSp>
+            <p:nvCxnSpPr>
+              <p:cNvPr id="113" name="肘形连接符 112"/>
+              <p:cNvCxnSpPr>
+                <a:stCxn id="106" idx="3"/>
+                <a:endCxn id="71" idx="1"/>
+              </p:cNvCxnSpPr>
+              <p:nvPr/>
+            </p:nvCxnSpPr>
+            <p:spPr>
+              <a:xfrm>
+                <a:off x="3527565" y="1853464"/>
+                <a:ext cx="828413" cy="1225296"/>
+              </a:xfrm>
+              <a:prstGeom prst="bentConnector3">
+                <a:avLst/>
+              </a:prstGeom>
+              <a:ln w="28575">
+                <a:solidFill>
+                  <a:schemeClr val="tx1"/>
+                </a:solidFill>
+                <a:tailEnd type="triangle"/>
+              </a:ln>
+            </p:spPr>
+            <p:style>
+              <a:lnRef idx="1">
+                <a:schemeClr val="accent1"/>
+              </a:lnRef>
+              <a:fillRef idx="0">
+                <a:schemeClr val="accent1"/>
+              </a:fillRef>
+              <a:effectRef idx="0">
+                <a:schemeClr val="accent1"/>
+              </a:effectRef>
+              <a:fontRef idx="minor">
+                <a:schemeClr val="tx1"/>
+              </a:fontRef>
+            </p:style>
+          </p:cxnSp>
+          <p:cxnSp>
+            <p:nvCxnSpPr>
+              <p:cNvPr id="115" name="直接连接符 114"/>
+              <p:cNvCxnSpPr>
+                <a:stCxn id="69" idx="3"/>
+              </p:cNvCxnSpPr>
+              <p:nvPr/>
+            </p:nvCxnSpPr>
+            <p:spPr>
+              <a:xfrm flipV="1">
+                <a:off x="3645012" y="3078760"/>
+                <a:ext cx="348142" cy="1279"/>
+              </a:xfrm>
+              <a:prstGeom prst="line">
+                <a:avLst/>
+              </a:prstGeom>
+              <a:ln w="28575">
+                <a:solidFill>
+                  <a:schemeClr val="tx1"/>
+                </a:solidFill>
+              </a:ln>
+            </p:spPr>
+            <p:style>
+              <a:lnRef idx="1">
+                <a:schemeClr val="accent1"/>
+              </a:lnRef>
+              <a:fillRef idx="0">
+                <a:schemeClr val="accent1"/>
+              </a:fillRef>
+              <a:effectRef idx="0">
+                <a:schemeClr val="accent1"/>
+              </a:effectRef>
+              <a:fontRef idx="minor">
+                <a:schemeClr val="tx1"/>
+              </a:fontRef>
+            </p:style>
+          </p:cxnSp>
+          <p:cxnSp>
+            <p:nvCxnSpPr>
+              <p:cNvPr id="133" name="直接箭头连接符 132"/>
+              <p:cNvCxnSpPr>
+                <a:stCxn id="71" idx="3"/>
+                <a:endCxn id="72" idx="1"/>
+              </p:cNvCxnSpPr>
+              <p:nvPr/>
+            </p:nvCxnSpPr>
+            <p:spPr>
+              <a:xfrm>
+                <a:off x="5647886" y="3078760"/>
+                <a:ext cx="832612" cy="0"/>
+              </a:xfrm>
+              <a:prstGeom prst="straightConnector1">
+                <a:avLst/>
+              </a:prstGeom>
+              <a:ln w="28575">
+                <a:solidFill>
+                  <a:schemeClr val="tx1"/>
+                </a:solidFill>
+                <a:tailEnd type="triangle"/>
+              </a:ln>
+            </p:spPr>
+            <p:style>
+              <a:lnRef idx="1">
+                <a:schemeClr val="accent1"/>
+              </a:lnRef>
+              <a:fillRef idx="0">
+                <a:schemeClr val="accent1"/>
+              </a:fillRef>
+              <a:effectRef idx="0">
+                <a:schemeClr val="accent1"/>
+              </a:effectRef>
+              <a:fontRef idx="minor">
+                <a:schemeClr val="tx1"/>
+              </a:fontRef>
+            </p:style>
+          </p:cxnSp>
+          <p:cxnSp>
+            <p:nvCxnSpPr>
+              <p:cNvPr id="135" name="直接箭头连接符 134"/>
+              <p:cNvCxnSpPr>
+                <a:stCxn id="71" idx="2"/>
+                <a:endCxn id="73" idx="0"/>
+              </p:cNvCxnSpPr>
+              <p:nvPr/>
+            </p:nvCxnSpPr>
+            <p:spPr>
+              <a:xfrm flipH="1">
+                <a:off x="4987247" y="3385084"/>
+                <a:ext cx="14685" cy="628420"/>
+              </a:xfrm>
+              <a:prstGeom prst="straightConnector1">
+                <a:avLst/>
+              </a:prstGeom>
+              <a:ln w="28575">
+                <a:solidFill>
+                  <a:schemeClr val="tx1"/>
+                </a:solidFill>
+                <a:tailEnd type="triangle"/>
+              </a:ln>
+            </p:spPr>
+            <p:style>
+              <a:lnRef idx="1">
+                <a:schemeClr val="accent1"/>
+              </a:lnRef>
+              <a:fillRef idx="0">
+                <a:schemeClr val="accent1"/>
+              </a:fillRef>
+              <a:effectRef idx="0">
+                <a:schemeClr val="accent1"/>
+              </a:effectRef>
+              <a:fontRef idx="minor">
+                <a:schemeClr val="tx1"/>
+              </a:fontRef>
+            </p:style>
+          </p:cxnSp>
+          <p:cxnSp>
+            <p:nvCxnSpPr>
+              <p:cNvPr id="139" name="肘形连接符 138"/>
+              <p:cNvCxnSpPr>
+                <a:stCxn id="72" idx="2"/>
+                <a:endCxn id="73" idx="3"/>
+              </p:cNvCxnSpPr>
+              <p:nvPr/>
+            </p:nvCxnSpPr>
+            <p:spPr>
+              <a:xfrm rot="5400000">
+                <a:off x="5866315" y="3151971"/>
+                <a:ext cx="934744" cy="1400971"/>
+              </a:xfrm>
+              <a:prstGeom prst="bentConnector2">
+                <a:avLst/>
+              </a:prstGeom>
+              <a:ln w="28575">
+                <a:solidFill>
+                  <a:schemeClr val="tx1"/>
+                </a:solidFill>
+                <a:tailEnd type="triangle"/>
+              </a:ln>
+            </p:spPr>
+            <p:style>
+              <a:lnRef idx="1">
+                <a:schemeClr val="accent1"/>
+              </a:lnRef>
+              <a:fillRef idx="0">
+                <a:schemeClr val="accent1"/>
+              </a:fillRef>
+              <a:effectRef idx="0">
+                <a:schemeClr val="accent1"/>
+              </a:effectRef>
+              <a:fontRef idx="minor">
+                <a:schemeClr val="tx1"/>
+              </a:fontRef>
+            </p:style>
+          </p:cxnSp>
+          <p:cxnSp>
+            <p:nvCxnSpPr>
+              <p:cNvPr id="141" name="肘形连接符 140"/>
+              <p:cNvCxnSpPr>
+                <a:stCxn id="71" idx="0"/>
+                <a:endCxn id="107" idx="1"/>
+              </p:cNvCxnSpPr>
+              <p:nvPr/>
+            </p:nvCxnSpPr>
+            <p:spPr>
+              <a:xfrm rot="5400000" flipH="1" flipV="1">
+                <a:off x="5295394" y="1604108"/>
+                <a:ext cx="874867" cy="1461790"/>
+              </a:xfrm>
+              <a:prstGeom prst="bentConnector2">
+                <a:avLst/>
+              </a:prstGeom>
+              <a:ln w="28575">
+                <a:solidFill>
+                  <a:schemeClr val="tx1"/>
+                </a:solidFill>
+                <a:tailEnd type="triangle"/>
+              </a:ln>
+            </p:spPr>
+            <p:style>
+              <a:lnRef idx="1">
+                <a:schemeClr val="accent1"/>
+              </a:lnRef>
+              <a:fillRef idx="0">
+                <a:schemeClr val="accent1"/>
+              </a:fillRef>
+              <a:effectRef idx="0">
+                <a:schemeClr val="accent1"/>
+              </a:effectRef>
+              <a:fontRef idx="minor">
+                <a:schemeClr val="tx1"/>
+              </a:fontRef>
+            </p:style>
+          </p:cxnSp>
+          <p:cxnSp>
+            <p:nvCxnSpPr>
+              <p:cNvPr id="143" name="肘形连接符 142"/>
+              <p:cNvCxnSpPr>
+                <a:stCxn id="74" idx="2"/>
+                <a:endCxn id="75" idx="1"/>
+              </p:cNvCxnSpPr>
+              <p:nvPr/>
+            </p:nvCxnSpPr>
+            <p:spPr>
+              <a:xfrm rot="16200000" flipH="1">
+                <a:off x="3403952" y="4198000"/>
+                <a:ext cx="690811" cy="1584487"/>
+              </a:xfrm>
+              <a:prstGeom prst="bentConnector2">
+                <a:avLst/>
+              </a:prstGeom>
+              <a:ln w="28575">
+                <a:solidFill>
+                  <a:schemeClr val="tx1"/>
+                </a:solidFill>
+                <a:tailEnd type="triangle"/>
+              </a:ln>
+            </p:spPr>
+            <p:style>
+              <a:lnRef idx="1">
+                <a:schemeClr val="accent1"/>
+              </a:lnRef>
+              <a:fillRef idx="0">
+                <a:schemeClr val="accent1"/>
+              </a:fillRef>
+              <a:effectRef idx="0">
+                <a:schemeClr val="accent1"/>
+              </a:effectRef>
+              <a:fontRef idx="minor">
+                <a:schemeClr val="tx1"/>
+              </a:fontRef>
+            </p:style>
+          </p:cxnSp>
+          <p:cxnSp>
+            <p:nvCxnSpPr>
+              <p:cNvPr id="145" name="直接箭头连接符 144"/>
+              <p:cNvCxnSpPr>
+                <a:stCxn id="75" idx="3"/>
+                <a:endCxn id="76" idx="1"/>
+              </p:cNvCxnSpPr>
+              <p:nvPr/>
+            </p:nvCxnSpPr>
+            <p:spPr>
+              <a:xfrm>
+                <a:off x="5456001" y="5335650"/>
+                <a:ext cx="700483" cy="0"/>
+              </a:xfrm>
+              <a:prstGeom prst="straightConnector1">
+                <a:avLst/>
+              </a:prstGeom>
+              <a:ln w="28575">
+                <a:solidFill>
+                  <a:schemeClr val="tx1"/>
+                </a:solidFill>
+                <a:tailEnd type="triangle"/>
+              </a:ln>
+            </p:spPr>
+            <p:style>
+              <a:lnRef idx="1">
+                <a:schemeClr val="accent1"/>
+              </a:lnRef>
+              <a:fillRef idx="0">
+                <a:schemeClr val="accent1"/>
+              </a:fillRef>
+              <a:effectRef idx="0">
+                <a:schemeClr val="accent1"/>
+              </a:effectRef>
+              <a:fontRef idx="minor">
+                <a:schemeClr val="tx1"/>
+              </a:fontRef>
+            </p:style>
+          </p:cxnSp>
+          <p:cxnSp>
+            <p:nvCxnSpPr>
+              <p:cNvPr id="147" name="直接箭头连接符 146"/>
+              <p:cNvCxnSpPr>
+                <a:stCxn id="76" idx="3"/>
+                <a:endCxn id="79" idx="1"/>
+              </p:cNvCxnSpPr>
+              <p:nvPr/>
+            </p:nvCxnSpPr>
+            <p:spPr>
+              <a:xfrm>
+                <a:off x="7070884" y="5335650"/>
+                <a:ext cx="600863" cy="0"/>
+              </a:xfrm>
+              <a:prstGeom prst="straightConnector1">
+                <a:avLst/>
+              </a:prstGeom>
+              <a:ln w="28575">
+                <a:solidFill>
+                  <a:schemeClr val="tx1"/>
+                </a:solidFill>
+                <a:tailEnd type="triangle"/>
+              </a:ln>
+            </p:spPr>
+            <p:style>
+              <a:lnRef idx="1">
+                <a:schemeClr val="accent1"/>
+              </a:lnRef>
+              <a:fillRef idx="0">
+                <a:schemeClr val="accent1"/>
+              </a:fillRef>
+              <a:effectRef idx="0">
+                <a:schemeClr val="accent1"/>
+              </a:effectRef>
+              <a:fontRef idx="minor">
+                <a:schemeClr val="tx1"/>
+              </a:fontRef>
+            </p:style>
+          </p:cxnSp>
+          <p:cxnSp>
+            <p:nvCxnSpPr>
+              <p:cNvPr id="151" name="直接箭头连接符 150"/>
+              <p:cNvCxnSpPr>
+                <a:stCxn id="73" idx="1"/>
+                <a:endCxn id="74" idx="3"/>
+              </p:cNvCxnSpPr>
+              <p:nvPr/>
+            </p:nvCxnSpPr>
+            <p:spPr>
+              <a:xfrm flipH="1">
+                <a:off x="3414314" y="4319828"/>
+                <a:ext cx="926979" cy="18687"/>
+              </a:xfrm>
+              <a:prstGeom prst="straightConnector1">
+                <a:avLst/>
+              </a:prstGeom>
+              <a:ln w="28575">
+                <a:solidFill>
+                  <a:schemeClr val="tx1"/>
+                </a:solidFill>
+                <a:tailEnd type="triangle"/>
+              </a:ln>
+            </p:spPr>
+            <p:style>
+              <a:lnRef idx="1">
+                <a:schemeClr val="accent1"/>
+              </a:lnRef>
+              <a:fillRef idx="0">
+                <a:schemeClr val="accent1"/>
+              </a:fillRef>
+              <a:effectRef idx="0">
+                <a:schemeClr val="accent1"/>
+              </a:effectRef>
+              <a:fontRef idx="minor">
+                <a:schemeClr val="tx1"/>
+              </a:fontRef>
+            </p:style>
+          </p:cxnSp>
+          <p:cxnSp>
+            <p:nvCxnSpPr>
+              <p:cNvPr id="155" name="直接箭头连接符 154"/>
+              <p:cNvCxnSpPr>
+                <a:stCxn id="107" idx="3"/>
+                <a:endCxn id="77" idx="1"/>
+              </p:cNvCxnSpPr>
+              <p:nvPr/>
+            </p:nvCxnSpPr>
+            <p:spPr>
+              <a:xfrm>
+                <a:off x="7604623" y="1897569"/>
+                <a:ext cx="1338057" cy="0"/>
+              </a:xfrm>
+              <a:prstGeom prst="straightConnector1">
+                <a:avLst/>
+              </a:prstGeom>
+              <a:ln w="28575">
+                <a:solidFill>
+                  <a:schemeClr val="tx1"/>
+                </a:solidFill>
+                <a:tailEnd type="triangle"/>
+              </a:ln>
+            </p:spPr>
+            <p:style>
+              <a:lnRef idx="1">
+                <a:schemeClr val="accent1"/>
+              </a:lnRef>
+              <a:fillRef idx="0">
+                <a:schemeClr val="accent1"/>
+              </a:fillRef>
+              <a:effectRef idx="0">
+                <a:schemeClr val="accent1"/>
+              </a:effectRef>
+              <a:fontRef idx="minor">
+                <a:schemeClr val="tx1"/>
+              </a:fontRef>
+            </p:style>
+          </p:cxnSp>
+        </p:grpSp>
         <p:sp>
           <p:nvSpPr>
-            <p:cNvPr id="2" name="矩形 1"/>
-            <p:cNvSpPr/>
+            <p:cNvPr id="166" name="文本框 165"/>
+            <p:cNvSpPr txBox="1"/>
             <p:nvPr/>
           </p:nvSpPr>
           <p:spPr>
             <a:xfrm>
-              <a:off x="3181611" y="1929008"/>
-              <a:ext cx="3582444" cy="2204581"/>
+              <a:off x="4798411" y="6179370"/>
+              <a:ext cx="1441420" cy="307777"/>
             </a:xfrm>
             <a:prstGeom prst="rect">
               <a:avLst/>
             </a:prstGeom>
-            <a:grpFill/>
-            <a:ln>
+            <a:noFill/>
+            <a:ln w="28575">
               <a:noFill/>
             </a:ln>
           </p:spPr>
-          <p:style>
-            <a:lnRef idx="2">
-              <a:schemeClr val="accent1">
-                <a:shade val="50000"/>
-              </a:schemeClr>
-            </a:lnRef>
-            <a:fillRef idx="1">
-              <a:schemeClr val="accent1"/>
-            </a:fillRef>
-            <a:effectRef idx="0">
-              <a:schemeClr val="accent1"/>
-            </a:effectRef>
-            <a:fontRef idx="minor">
-              <a:schemeClr val="lt1"/>
-            </a:fontRef>
-          </p:style>
           <p:txBody>
-            <a:bodyPr rtlCol="0" anchor="ctr"/>
+            <a:bodyPr wrap="none" rtlCol="0">
+              <a:spAutoFit/>
+            </a:bodyPr>
             <a:lstStyle/>
             <a:p>
-              <a:pPr algn="ctr"/>
-              <a:endParaRPr lang="zh-CN" altLang="en-US"/>
+              <a:r>
+                <a:rPr lang="zh-CN" altLang="en-US" sz="1400" smtClean="0"/>
+                <a:t>程序的逻辑结构</a:t>
+              </a:r>
+              <a:endParaRPr lang="zh-CN" altLang="en-US" sz="1400"/>
             </a:p>
           </p:txBody>
         </p:sp>
         <p:sp>
           <p:nvSpPr>
-            <p:cNvPr id="3" name="文本框 2"/>
+            <p:cNvPr id="171" name="文本框 170"/>
             <p:cNvSpPr txBox="1"/>
             <p:nvPr/>
           </p:nvSpPr>
           <p:spPr>
             <a:xfrm>
-              <a:off x="3956659" y="2769688"/>
-              <a:ext cx="2032348" cy="523220"/>
+              <a:off x="5394481" y="2338115"/>
+              <a:ext cx="364202" cy="307777"/>
             </a:xfrm>
             <a:prstGeom prst="rect">
               <a:avLst/>
             </a:prstGeom>
-            <a:grpFill/>
+            <a:noFill/>
           </p:spPr>
           <p:txBody>
-            <a:bodyPr wrap="square" rtlCol="0">
+            <a:bodyPr wrap="none" rtlCol="0">
               <a:spAutoFit/>
             </a:bodyPr>
             <a:lstStyle/>
             <a:p>
-              <a:pPr algn="ctr"/>
               <a:r>
-                <a:rPr lang="zh-CN" altLang="en-US" sz="2800">
-                  <a:solidFill>
-                    <a:schemeClr val="bg2">
-                      <a:lumMod val="75000"/>
-                    </a:schemeClr>
-                  </a:solidFill>
-                  <a:latin typeface="微软雅黑" panose="020B0503020204020204" pitchFamily="34" charset="-122"/>
-                  <a:ea typeface="微软雅黑" panose="020B0503020204020204" pitchFamily="34" charset="-122"/>
-                </a:rPr>
-                <a:t>查看更多</a:t>
+                <a:rPr lang="zh-CN" altLang="en-US" sz="1400"/>
+                <a:t>是</a:t>
               </a:r>
+            </a:p>
+          </p:txBody>
+        </p:sp>
+        <p:sp>
+          <p:nvSpPr>
+            <p:cNvPr id="172" name="文本框 171"/>
+            <p:cNvSpPr txBox="1"/>
+            <p:nvPr/>
+          </p:nvSpPr>
+          <p:spPr>
+            <a:xfrm>
+              <a:off x="5394481" y="3690051"/>
+              <a:ext cx="364202" cy="307777"/>
+            </a:xfrm>
+            <a:prstGeom prst="rect">
+              <a:avLst/>
+            </a:prstGeom>
+            <a:noFill/>
+          </p:spPr>
+          <p:txBody>
+            <a:bodyPr wrap="none" rtlCol="0">
+              <a:spAutoFit/>
+            </a:bodyPr>
+            <a:lstStyle/>
+            <a:p>
+              <a:r>
+                <a:rPr lang="zh-CN" altLang="en-US" sz="1400"/>
+                <a:t>是</a:t>
+              </a:r>
+            </a:p>
+          </p:txBody>
+        </p:sp>
+        <p:sp>
+          <p:nvSpPr>
+            <p:cNvPr id="173" name="文本框 172"/>
+            <p:cNvSpPr txBox="1"/>
+            <p:nvPr/>
+          </p:nvSpPr>
+          <p:spPr>
+            <a:xfrm>
+              <a:off x="6215910" y="2811891"/>
+              <a:ext cx="364202" cy="307777"/>
+            </a:xfrm>
+            <a:prstGeom prst="rect">
+              <a:avLst/>
+            </a:prstGeom>
+            <a:noFill/>
+          </p:spPr>
+          <p:txBody>
+            <a:bodyPr wrap="none" rtlCol="0">
+              <a:spAutoFit/>
+            </a:bodyPr>
+            <a:lstStyle/>
+            <a:p>
+              <a:r>
+                <a:rPr lang="zh-CN" altLang="en-US" sz="1400" smtClean="0"/>
+                <a:t>否</a:t>
+              </a:r>
+              <a:endParaRPr lang="zh-CN" altLang="en-US" sz="1400"/>
             </a:p>
           </p:txBody>
         </p:sp>
@@ -3781,13 +5450,20 @@
     </p:spTree>
     <p:extLst>
       <p:ext uri="{BB962C8B-B14F-4D97-AF65-F5344CB8AC3E}">
-        <p14:creationId xmlns:p14="http://schemas.microsoft.com/office/powerpoint/2010/main" val="2879390430"/>
+        <p14:creationId xmlns:p14="http://schemas.microsoft.com/office/powerpoint/2010/main" val="2623659621"/>
       </p:ext>
     </p:extLst>
   </p:cSld>
   <p:clrMapOvr>
     <a:masterClrMapping/>
   </p:clrMapOvr>
+  <p:timing>
+    <p:tnLst>
+      <p:par>
+        <p:cTn id="1" dur="indefinite" restart="never" nodeType="tmRoot"/>
+      </p:par>
+    </p:tnLst>
+  </p:timing>
 </p:sld>
 </file>
 
@@ -3810,38 +5486,38 @@
       </p:grpSpPr>
       <p:grpSp>
         <p:nvGrpSpPr>
-          <p:cNvPr id="7" name="组合 6"/>
+          <p:cNvPr id="5" name="组合 4"/>
           <p:cNvGrpSpPr/>
           <p:nvPr/>
         </p:nvGrpSpPr>
         <p:grpSpPr>
           <a:xfrm>
-            <a:off x="323569" y="1255541"/>
-            <a:ext cx="652744" cy="652744"/>
-            <a:chOff x="323569" y="1255541"/>
-            <a:chExt cx="652744" cy="652744"/>
+            <a:off x="1191236" y="2122416"/>
+            <a:ext cx="2625756" cy="2043505"/>
+            <a:chOff x="2617365" y="2306973"/>
+            <a:chExt cx="2625756" cy="2043505"/>
           </a:xfrm>
         </p:grpSpPr>
         <p:sp>
           <p:nvSpPr>
-            <p:cNvPr id="3" name="椭圆 2"/>
+            <p:cNvPr id="32" name="圆角矩形 31"/>
             <p:cNvSpPr/>
             <p:nvPr/>
           </p:nvSpPr>
           <p:spPr>
             <a:xfrm>
-              <a:off x="323569" y="1255541"/>
-              <a:ext cx="652744" cy="652744"/>
+              <a:off x="2617365" y="2306973"/>
+              <a:ext cx="2625756" cy="1669408"/>
             </a:xfrm>
-            <a:prstGeom prst="ellipse">
+            <a:prstGeom prst="roundRect">
               <a:avLst/>
             </a:prstGeom>
             <a:solidFill>
-              <a:srgbClr val="FFC000"/>
+              <a:schemeClr val="bg1"/>
             </a:solidFill>
-            <a:ln>
+            <a:ln w="28575">
               <a:solidFill>
-                <a:schemeClr val="bg1"/>
+                <a:schemeClr val="tx1"/>
               </a:solidFill>
             </a:ln>
           </p:spPr>
@@ -3872,752 +5548,24 @@
         </p:sp>
         <p:sp>
           <p:nvSpPr>
-            <p:cNvPr id="2" name="integrated-circuit_17787"/>
-            <p:cNvSpPr>
-              <a:spLocks noChangeAspect="1"/>
-            </p:cNvSpPr>
-            <p:nvPr/>
-          </p:nvSpPr>
-          <p:spPr bwMode="auto">
-            <a:xfrm>
-              <a:off x="345098" y="1300567"/>
-              <a:ext cx="609685" cy="562692"/>
-            </a:xfrm>
-            <a:custGeom>
-              <a:avLst/>
-              <a:gdLst>
-                <a:gd name="T0" fmla="*/ 4184 w 4830"/>
-                <a:gd name="T1" fmla="*/ 1355 h 4464"/>
-                <a:gd name="T2" fmla="*/ 4830 w 4830"/>
-                <a:gd name="T3" fmla="*/ 1001 h 4464"/>
-                <a:gd name="T4" fmla="*/ 4184 w 4830"/>
-                <a:gd name="T5" fmla="*/ 836 h 4464"/>
-                <a:gd name="T6" fmla="*/ 3679 w 4830"/>
-                <a:gd name="T7" fmla="*/ 244 h 4464"/>
-                <a:gd name="T8" fmla="*/ 1394 w 4830"/>
-                <a:gd name="T9" fmla="*/ 0 h 4464"/>
-                <a:gd name="T10" fmla="*/ 1150 w 4830"/>
-                <a:gd name="T11" fmla="*/ 836 h 4464"/>
-                <a:gd name="T12" fmla="*/ 646 w 4830"/>
-                <a:gd name="T13" fmla="*/ 971 h 4464"/>
-                <a:gd name="T14" fmla="*/ 0 w 4830"/>
-                <a:gd name="T15" fmla="*/ 1325 h 4464"/>
-                <a:gd name="T16" fmla="*/ 646 w 4830"/>
-                <a:gd name="T17" fmla="*/ 1529 h 4464"/>
-                <a:gd name="T18" fmla="*/ 1150 w 4830"/>
-                <a:gd name="T19" fmla="*/ 1906 h 4464"/>
-                <a:gd name="T20" fmla="*/ 646 w 4830"/>
-                <a:gd name="T21" fmla="*/ 2040 h 4464"/>
-                <a:gd name="T22" fmla="*/ 0 w 4830"/>
-                <a:gd name="T23" fmla="*/ 2394 h 4464"/>
-                <a:gd name="T24" fmla="*/ 646 w 4830"/>
-                <a:gd name="T25" fmla="*/ 2599 h 4464"/>
-                <a:gd name="T26" fmla="*/ 1150 w 4830"/>
-                <a:gd name="T27" fmla="*/ 3016 h 4464"/>
-                <a:gd name="T28" fmla="*/ 646 w 4830"/>
-                <a:gd name="T29" fmla="*/ 3150 h 4464"/>
-                <a:gd name="T30" fmla="*/ 0 w 4830"/>
-                <a:gd name="T31" fmla="*/ 3504 h 4464"/>
-                <a:gd name="T32" fmla="*/ 646 w 4830"/>
-                <a:gd name="T33" fmla="*/ 3709 h 4464"/>
-                <a:gd name="T34" fmla="*/ 1150 w 4830"/>
-                <a:gd name="T35" fmla="*/ 4221 h 4464"/>
-                <a:gd name="T36" fmla="*/ 3436 w 4830"/>
-                <a:gd name="T37" fmla="*/ 4464 h 4464"/>
-                <a:gd name="T38" fmla="*/ 3679 w 4830"/>
-                <a:gd name="T39" fmla="*/ 3709 h 4464"/>
-                <a:gd name="T40" fmla="*/ 4184 w 4830"/>
-                <a:gd name="T41" fmla="*/ 3534 h 4464"/>
-                <a:gd name="T42" fmla="*/ 4830 w 4830"/>
-                <a:gd name="T43" fmla="*/ 3180 h 4464"/>
-                <a:gd name="T44" fmla="*/ 4184 w 4830"/>
-                <a:gd name="T45" fmla="*/ 3016 h 4464"/>
-                <a:gd name="T46" fmla="*/ 3679 w 4830"/>
-                <a:gd name="T47" fmla="*/ 2599 h 4464"/>
-                <a:gd name="T48" fmla="*/ 4184 w 4830"/>
-                <a:gd name="T49" fmla="*/ 2424 h 4464"/>
-                <a:gd name="T50" fmla="*/ 4830 w 4830"/>
-                <a:gd name="T51" fmla="*/ 2070 h 4464"/>
-                <a:gd name="T52" fmla="*/ 4184 w 4830"/>
-                <a:gd name="T53" fmla="*/ 1906 h 4464"/>
-                <a:gd name="T54" fmla="*/ 3679 w 4830"/>
-                <a:gd name="T55" fmla="*/ 1529 h 4464"/>
-                <a:gd name="T56" fmla="*/ 3700 w 4830"/>
-                <a:gd name="T57" fmla="*/ 964 h 4464"/>
-                <a:gd name="T58" fmla="*/ 4056 w 4830"/>
-                <a:gd name="T59" fmla="*/ 1093 h 4464"/>
-                <a:gd name="T60" fmla="*/ 4702 w 4830"/>
-                <a:gd name="T61" fmla="*/ 1202 h 4464"/>
-                <a:gd name="T62" fmla="*/ 4056 w 4830"/>
-                <a:gd name="T63" fmla="*/ 1401 h 4464"/>
-                <a:gd name="T64" fmla="*/ 3700 w 4830"/>
-                <a:gd name="T65" fmla="*/ 964 h 4464"/>
-                <a:gd name="T66" fmla="*/ 774 w 4830"/>
-                <a:gd name="T67" fmla="*/ 1401 h 4464"/>
-                <a:gd name="T68" fmla="*/ 128 w 4830"/>
-                <a:gd name="T69" fmla="*/ 1202 h 4464"/>
-                <a:gd name="T70" fmla="*/ 774 w 4830"/>
-                <a:gd name="T71" fmla="*/ 1093 h 4464"/>
-                <a:gd name="T72" fmla="*/ 1130 w 4830"/>
-                <a:gd name="T73" fmla="*/ 964 h 4464"/>
-                <a:gd name="T74" fmla="*/ 1131 w 4830"/>
-                <a:gd name="T75" fmla="*/ 1401 h 4464"/>
-                <a:gd name="T76" fmla="*/ 774 w 4830"/>
-                <a:gd name="T77" fmla="*/ 2471 h 4464"/>
-                <a:gd name="T78" fmla="*/ 128 w 4830"/>
-                <a:gd name="T79" fmla="*/ 2272 h 4464"/>
-                <a:gd name="T80" fmla="*/ 774 w 4830"/>
-                <a:gd name="T81" fmla="*/ 2162 h 4464"/>
-                <a:gd name="T82" fmla="*/ 1130 w 4830"/>
-                <a:gd name="T83" fmla="*/ 2034 h 4464"/>
-                <a:gd name="T84" fmla="*/ 1131 w 4830"/>
-                <a:gd name="T85" fmla="*/ 2471 h 4464"/>
-                <a:gd name="T86" fmla="*/ 774 w 4830"/>
-                <a:gd name="T87" fmla="*/ 3580 h 4464"/>
-                <a:gd name="T88" fmla="*/ 128 w 4830"/>
-                <a:gd name="T89" fmla="*/ 3381 h 4464"/>
-                <a:gd name="T90" fmla="*/ 774 w 4830"/>
-                <a:gd name="T91" fmla="*/ 3272 h 4464"/>
-                <a:gd name="T92" fmla="*/ 1130 w 4830"/>
-                <a:gd name="T93" fmla="*/ 3143 h 4464"/>
-                <a:gd name="T94" fmla="*/ 1131 w 4830"/>
-                <a:gd name="T95" fmla="*/ 3580 h 4464"/>
-                <a:gd name="T96" fmla="*/ 1440 w 4830"/>
-                <a:gd name="T97" fmla="*/ 476 h 4464"/>
-                <a:gd name="T98" fmla="*/ 1756 w 4830"/>
-                <a:gd name="T99" fmla="*/ 476 h 4464"/>
-                <a:gd name="T100" fmla="*/ 3700 w 4830"/>
-                <a:gd name="T101" fmla="*/ 3143 h 4464"/>
-                <a:gd name="T102" fmla="*/ 4056 w 4830"/>
-                <a:gd name="T103" fmla="*/ 3272 h 4464"/>
-                <a:gd name="T104" fmla="*/ 4702 w 4830"/>
-                <a:gd name="T105" fmla="*/ 3381 h 4464"/>
-                <a:gd name="T106" fmla="*/ 4056 w 4830"/>
-                <a:gd name="T107" fmla="*/ 3580 h 4464"/>
-                <a:gd name="T108" fmla="*/ 3700 w 4830"/>
-                <a:gd name="T109" fmla="*/ 3143 h 4464"/>
-                <a:gd name="T110" fmla="*/ 4056 w 4830"/>
-                <a:gd name="T111" fmla="*/ 2034 h 4464"/>
-                <a:gd name="T112" fmla="*/ 4702 w 4830"/>
-                <a:gd name="T113" fmla="*/ 2192 h 4464"/>
-                <a:gd name="T114" fmla="*/ 4056 w 4830"/>
-                <a:gd name="T115" fmla="*/ 2302 h 4464"/>
-                <a:gd name="T116" fmla="*/ 3700 w 4830"/>
-                <a:gd name="T117" fmla="*/ 2471 h 4464"/>
-              </a:gdLst>
-              <a:ahLst/>
-              <a:cxnLst>
-                <a:cxn ang="0">
-                  <a:pos x="T0" y="T1"/>
-                </a:cxn>
-                <a:cxn ang="0">
-                  <a:pos x="T2" y="T3"/>
-                </a:cxn>
-                <a:cxn ang="0">
-                  <a:pos x="T4" y="T5"/>
-                </a:cxn>
-                <a:cxn ang="0">
-                  <a:pos x="T6" y="T7"/>
-                </a:cxn>
-                <a:cxn ang="0">
-                  <a:pos x="T8" y="T9"/>
-                </a:cxn>
-                <a:cxn ang="0">
-                  <a:pos x="T10" y="T11"/>
-                </a:cxn>
-                <a:cxn ang="0">
-                  <a:pos x="T12" y="T13"/>
-                </a:cxn>
-                <a:cxn ang="0">
-                  <a:pos x="T14" y="T15"/>
-                </a:cxn>
-                <a:cxn ang="0">
-                  <a:pos x="T16" y="T17"/>
-                </a:cxn>
-                <a:cxn ang="0">
-                  <a:pos x="T18" y="T19"/>
-                </a:cxn>
-                <a:cxn ang="0">
-                  <a:pos x="T20" y="T21"/>
-                </a:cxn>
-                <a:cxn ang="0">
-                  <a:pos x="T22" y="T23"/>
-                </a:cxn>
-                <a:cxn ang="0">
-                  <a:pos x="T24" y="T25"/>
-                </a:cxn>
-                <a:cxn ang="0">
-                  <a:pos x="T26" y="T27"/>
-                </a:cxn>
-                <a:cxn ang="0">
-                  <a:pos x="T28" y="T29"/>
-                </a:cxn>
-                <a:cxn ang="0">
-                  <a:pos x="T30" y="T31"/>
-                </a:cxn>
-                <a:cxn ang="0">
-                  <a:pos x="T32" y="T33"/>
-                </a:cxn>
-                <a:cxn ang="0">
-                  <a:pos x="T34" y="T35"/>
-                </a:cxn>
-                <a:cxn ang="0">
-                  <a:pos x="T36" y="T37"/>
-                </a:cxn>
-                <a:cxn ang="0">
-                  <a:pos x="T38" y="T39"/>
-                </a:cxn>
-                <a:cxn ang="0">
-                  <a:pos x="T40" y="T41"/>
-                </a:cxn>
-                <a:cxn ang="0">
-                  <a:pos x="T42" y="T43"/>
-                </a:cxn>
-                <a:cxn ang="0">
-                  <a:pos x="T44" y="T45"/>
-                </a:cxn>
-                <a:cxn ang="0">
-                  <a:pos x="T46" y="T47"/>
-                </a:cxn>
-                <a:cxn ang="0">
-                  <a:pos x="T48" y="T49"/>
-                </a:cxn>
-                <a:cxn ang="0">
-                  <a:pos x="T50" y="T51"/>
-                </a:cxn>
-                <a:cxn ang="0">
-                  <a:pos x="T52" y="T53"/>
-                </a:cxn>
-                <a:cxn ang="0">
-                  <a:pos x="T54" y="T55"/>
-                </a:cxn>
-                <a:cxn ang="0">
-                  <a:pos x="T56" y="T57"/>
-                </a:cxn>
-                <a:cxn ang="0">
-                  <a:pos x="T58" y="T59"/>
-                </a:cxn>
-                <a:cxn ang="0">
-                  <a:pos x="T60" y="T61"/>
-                </a:cxn>
-                <a:cxn ang="0">
-                  <a:pos x="T62" y="T63"/>
-                </a:cxn>
-                <a:cxn ang="0">
-                  <a:pos x="T64" y="T65"/>
-                </a:cxn>
-                <a:cxn ang="0">
-                  <a:pos x="T66" y="T67"/>
-                </a:cxn>
-                <a:cxn ang="0">
-                  <a:pos x="T68" y="T69"/>
-                </a:cxn>
-                <a:cxn ang="0">
-                  <a:pos x="T70" y="T71"/>
-                </a:cxn>
-                <a:cxn ang="0">
-                  <a:pos x="T72" y="T73"/>
-                </a:cxn>
-                <a:cxn ang="0">
-                  <a:pos x="T74" y="T75"/>
-                </a:cxn>
-                <a:cxn ang="0">
-                  <a:pos x="T76" y="T77"/>
-                </a:cxn>
-                <a:cxn ang="0">
-                  <a:pos x="T78" y="T79"/>
-                </a:cxn>
-                <a:cxn ang="0">
-                  <a:pos x="T80" y="T81"/>
-                </a:cxn>
-                <a:cxn ang="0">
-                  <a:pos x="T82" y="T83"/>
-                </a:cxn>
-                <a:cxn ang="0">
-                  <a:pos x="T84" y="T85"/>
-                </a:cxn>
-                <a:cxn ang="0">
-                  <a:pos x="T86" y="T87"/>
-                </a:cxn>
-                <a:cxn ang="0">
-                  <a:pos x="T88" y="T89"/>
-                </a:cxn>
-                <a:cxn ang="0">
-                  <a:pos x="T90" y="T91"/>
-                </a:cxn>
-                <a:cxn ang="0">
-                  <a:pos x="T92" y="T93"/>
-                </a:cxn>
-                <a:cxn ang="0">
-                  <a:pos x="T94" y="T95"/>
-                </a:cxn>
-                <a:cxn ang="0">
-                  <a:pos x="T96" y="T97"/>
-                </a:cxn>
-                <a:cxn ang="0">
-                  <a:pos x="T98" y="T99"/>
-                </a:cxn>
-                <a:cxn ang="0">
-                  <a:pos x="T100" y="T101"/>
-                </a:cxn>
-                <a:cxn ang="0">
-                  <a:pos x="T102" y="T103"/>
-                </a:cxn>
-                <a:cxn ang="0">
-                  <a:pos x="T104" y="T105"/>
-                </a:cxn>
-                <a:cxn ang="0">
-                  <a:pos x="T106" y="T107"/>
-                </a:cxn>
-                <a:cxn ang="0">
-                  <a:pos x="T108" y="T109"/>
-                </a:cxn>
-                <a:cxn ang="0">
-                  <a:pos x="T110" y="T111"/>
-                </a:cxn>
-                <a:cxn ang="0">
-                  <a:pos x="T112" y="T113"/>
-                </a:cxn>
-                <a:cxn ang="0">
-                  <a:pos x="T114" y="T115"/>
-                </a:cxn>
-                <a:cxn ang="0">
-                  <a:pos x="T116" y="T117"/>
-                </a:cxn>
-              </a:cxnLst>
-              <a:rect l="0" t="0" r="r" b="b"/>
-              <a:pathLst>
-                <a:path w="4830" h="4464">
-                  <a:moveTo>
-                    <a:pt x="4184" y="1529"/>
-                  </a:moveTo>
-                  <a:lnTo>
-                    <a:pt x="4184" y="1355"/>
-                  </a:lnTo>
-                  <a:lnTo>
-                    <a:pt x="4830" y="1325"/>
-                  </a:lnTo>
-                  <a:lnTo>
-                    <a:pt x="4830" y="1001"/>
-                  </a:lnTo>
-                  <a:lnTo>
-                    <a:pt x="4184" y="971"/>
-                  </a:lnTo>
-                  <a:lnTo>
-                    <a:pt x="4184" y="836"/>
-                  </a:lnTo>
-                  <a:lnTo>
-                    <a:pt x="3679" y="836"/>
-                  </a:lnTo>
-                  <a:lnTo>
-                    <a:pt x="3679" y="244"/>
-                  </a:lnTo>
-                  <a:cubicBezTo>
-                    <a:pt x="3679" y="109"/>
-                    <a:pt x="3570" y="0"/>
-                    <a:pt x="3436" y="0"/>
-                  </a:cubicBezTo>
-                  <a:lnTo>
-                    <a:pt x="1394" y="0"/>
-                  </a:lnTo>
-                  <a:cubicBezTo>
-                    <a:pt x="1260" y="0"/>
-                    <a:pt x="1150" y="109"/>
-                    <a:pt x="1150" y="244"/>
-                  </a:cubicBezTo>
-                  <a:lnTo>
-                    <a:pt x="1150" y="836"/>
-                  </a:lnTo>
-                  <a:lnTo>
-                    <a:pt x="646" y="836"/>
-                  </a:lnTo>
-                  <a:lnTo>
-                    <a:pt x="646" y="971"/>
-                  </a:lnTo>
-                  <a:lnTo>
-                    <a:pt x="0" y="1001"/>
-                  </a:lnTo>
-                  <a:lnTo>
-                    <a:pt x="0" y="1325"/>
-                  </a:lnTo>
-                  <a:lnTo>
-                    <a:pt x="646" y="1355"/>
-                  </a:lnTo>
-                  <a:lnTo>
-                    <a:pt x="646" y="1529"/>
-                  </a:lnTo>
-                  <a:lnTo>
-                    <a:pt x="1150" y="1529"/>
-                  </a:lnTo>
-                  <a:lnTo>
-                    <a:pt x="1150" y="1906"/>
-                  </a:lnTo>
-                  <a:lnTo>
-                    <a:pt x="646" y="1906"/>
-                  </a:lnTo>
-                  <a:lnTo>
-                    <a:pt x="646" y="2040"/>
-                  </a:lnTo>
-                  <a:lnTo>
-                    <a:pt x="0" y="2070"/>
-                  </a:lnTo>
-                  <a:lnTo>
-                    <a:pt x="0" y="2394"/>
-                  </a:lnTo>
-                  <a:lnTo>
-                    <a:pt x="646" y="2424"/>
-                  </a:lnTo>
-                  <a:lnTo>
-                    <a:pt x="646" y="2599"/>
-                  </a:lnTo>
-                  <a:lnTo>
-                    <a:pt x="1150" y="2599"/>
-                  </a:lnTo>
-                  <a:lnTo>
-                    <a:pt x="1150" y="3016"/>
-                  </a:lnTo>
-                  <a:lnTo>
-                    <a:pt x="646" y="3016"/>
-                  </a:lnTo>
-                  <a:lnTo>
-                    <a:pt x="646" y="3150"/>
-                  </a:lnTo>
-                  <a:lnTo>
-                    <a:pt x="0" y="3180"/>
-                  </a:lnTo>
-                  <a:lnTo>
-                    <a:pt x="0" y="3504"/>
-                  </a:lnTo>
-                  <a:lnTo>
-                    <a:pt x="646" y="3534"/>
-                  </a:lnTo>
-                  <a:lnTo>
-                    <a:pt x="646" y="3709"/>
-                  </a:lnTo>
-                  <a:lnTo>
-                    <a:pt x="1150" y="3709"/>
-                  </a:lnTo>
-                  <a:lnTo>
-                    <a:pt x="1150" y="4221"/>
-                  </a:lnTo>
-                  <a:cubicBezTo>
-                    <a:pt x="1150" y="4355"/>
-                    <a:pt x="1260" y="4464"/>
-                    <a:pt x="1394" y="4464"/>
-                  </a:cubicBezTo>
-                  <a:lnTo>
-                    <a:pt x="3436" y="4464"/>
-                  </a:lnTo>
-                  <a:cubicBezTo>
-                    <a:pt x="3570" y="4464"/>
-                    <a:pt x="3679" y="4355"/>
-                    <a:pt x="3679" y="4221"/>
-                  </a:cubicBezTo>
-                  <a:lnTo>
-                    <a:pt x="3679" y="3709"/>
-                  </a:lnTo>
-                  <a:lnTo>
-                    <a:pt x="4184" y="3709"/>
-                  </a:lnTo>
-                  <a:lnTo>
-                    <a:pt x="4184" y="3534"/>
-                  </a:lnTo>
-                  <a:lnTo>
-                    <a:pt x="4830" y="3504"/>
-                  </a:lnTo>
-                  <a:lnTo>
-                    <a:pt x="4830" y="3180"/>
-                  </a:lnTo>
-                  <a:lnTo>
-                    <a:pt x="4184" y="3150"/>
-                  </a:lnTo>
-                  <a:lnTo>
-                    <a:pt x="4184" y="3016"/>
-                  </a:lnTo>
-                  <a:lnTo>
-                    <a:pt x="3679" y="3016"/>
-                  </a:lnTo>
-                  <a:lnTo>
-                    <a:pt x="3679" y="2599"/>
-                  </a:lnTo>
-                  <a:lnTo>
-                    <a:pt x="4184" y="2599"/>
-                  </a:lnTo>
-                  <a:lnTo>
-                    <a:pt x="4184" y="2424"/>
-                  </a:lnTo>
-                  <a:lnTo>
-                    <a:pt x="4830" y="2394"/>
-                  </a:lnTo>
-                  <a:lnTo>
-                    <a:pt x="4830" y="2070"/>
-                  </a:lnTo>
-                  <a:lnTo>
-                    <a:pt x="4184" y="2040"/>
-                  </a:lnTo>
-                  <a:lnTo>
-                    <a:pt x="4184" y="1906"/>
-                  </a:lnTo>
-                  <a:lnTo>
-                    <a:pt x="3679" y="1906"/>
-                  </a:lnTo>
-                  <a:lnTo>
-                    <a:pt x="3679" y="1529"/>
-                  </a:lnTo>
-                  <a:lnTo>
-                    <a:pt x="4184" y="1529"/>
-                  </a:lnTo>
-                  <a:close/>
-                  <a:moveTo>
-                    <a:pt x="3700" y="964"/>
-                  </a:moveTo>
-                  <a:lnTo>
-                    <a:pt x="4056" y="964"/>
-                  </a:lnTo>
-                  <a:lnTo>
-                    <a:pt x="4056" y="1093"/>
-                  </a:lnTo>
-                  <a:lnTo>
-                    <a:pt x="4702" y="1123"/>
-                  </a:lnTo>
-                  <a:lnTo>
-                    <a:pt x="4702" y="1202"/>
-                  </a:lnTo>
-                  <a:lnTo>
-                    <a:pt x="4056" y="1232"/>
-                  </a:lnTo>
-                  <a:lnTo>
-                    <a:pt x="4056" y="1401"/>
-                  </a:lnTo>
-                  <a:lnTo>
-                    <a:pt x="3700" y="1401"/>
-                  </a:lnTo>
-                  <a:lnTo>
-                    <a:pt x="3700" y="964"/>
-                  </a:lnTo>
-                  <a:close/>
-                  <a:moveTo>
-                    <a:pt x="1131" y="1401"/>
-                  </a:moveTo>
-                  <a:lnTo>
-                    <a:pt x="774" y="1401"/>
-                  </a:lnTo>
-                  <a:lnTo>
-                    <a:pt x="774" y="1233"/>
-                  </a:lnTo>
-                  <a:lnTo>
-                    <a:pt x="128" y="1202"/>
-                  </a:lnTo>
-                  <a:lnTo>
-                    <a:pt x="128" y="1123"/>
-                  </a:lnTo>
-                  <a:lnTo>
-                    <a:pt x="774" y="1093"/>
-                  </a:lnTo>
-                  <a:lnTo>
-                    <a:pt x="774" y="964"/>
-                  </a:lnTo>
-                  <a:lnTo>
-                    <a:pt x="1130" y="964"/>
-                  </a:lnTo>
-                  <a:lnTo>
-                    <a:pt x="1130" y="1401"/>
-                  </a:lnTo>
-                  <a:lnTo>
-                    <a:pt x="1131" y="1401"/>
-                  </a:lnTo>
-                  <a:close/>
-                  <a:moveTo>
-                    <a:pt x="1131" y="2471"/>
-                  </a:moveTo>
-                  <a:lnTo>
-                    <a:pt x="774" y="2471"/>
-                  </a:lnTo>
-                  <a:lnTo>
-                    <a:pt x="774" y="2302"/>
-                  </a:lnTo>
-                  <a:lnTo>
-                    <a:pt x="128" y="2272"/>
-                  </a:lnTo>
-                  <a:lnTo>
-                    <a:pt x="128" y="2192"/>
-                  </a:lnTo>
-                  <a:lnTo>
-                    <a:pt x="774" y="2162"/>
-                  </a:lnTo>
-                  <a:lnTo>
-                    <a:pt x="774" y="2034"/>
-                  </a:lnTo>
-                  <a:lnTo>
-                    <a:pt x="1130" y="2034"/>
-                  </a:lnTo>
-                  <a:lnTo>
-                    <a:pt x="1130" y="2471"/>
-                  </a:lnTo>
-                  <a:lnTo>
-                    <a:pt x="1131" y="2471"/>
-                  </a:lnTo>
-                  <a:close/>
-                  <a:moveTo>
-                    <a:pt x="1131" y="3580"/>
-                  </a:moveTo>
-                  <a:lnTo>
-                    <a:pt x="774" y="3580"/>
-                  </a:lnTo>
-                  <a:lnTo>
-                    <a:pt x="774" y="3412"/>
-                  </a:lnTo>
-                  <a:lnTo>
-                    <a:pt x="128" y="3381"/>
-                  </a:lnTo>
-                  <a:lnTo>
-                    <a:pt x="128" y="3302"/>
-                  </a:lnTo>
-                  <a:lnTo>
-                    <a:pt x="774" y="3272"/>
-                  </a:lnTo>
-                  <a:lnTo>
-                    <a:pt x="774" y="3143"/>
-                  </a:lnTo>
-                  <a:lnTo>
-                    <a:pt x="1130" y="3143"/>
-                  </a:lnTo>
-                  <a:lnTo>
-                    <a:pt x="1130" y="3580"/>
-                  </a:lnTo>
-                  <a:lnTo>
-                    <a:pt x="1131" y="3580"/>
-                  </a:lnTo>
-                  <a:close/>
-                  <a:moveTo>
-                    <a:pt x="1598" y="635"/>
-                  </a:moveTo>
-                  <a:cubicBezTo>
-                    <a:pt x="1511" y="635"/>
-                    <a:pt x="1440" y="564"/>
-                    <a:pt x="1440" y="476"/>
-                  </a:cubicBezTo>
-                  <a:cubicBezTo>
-                    <a:pt x="1440" y="389"/>
-                    <a:pt x="1511" y="318"/>
-                    <a:pt x="1598" y="318"/>
-                  </a:cubicBezTo>
-                  <a:cubicBezTo>
-                    <a:pt x="1685" y="318"/>
-                    <a:pt x="1756" y="389"/>
-                    <a:pt x="1756" y="476"/>
-                  </a:cubicBezTo>
-                  <a:cubicBezTo>
-                    <a:pt x="1756" y="564"/>
-                    <a:pt x="1685" y="635"/>
-                    <a:pt x="1598" y="635"/>
-                  </a:cubicBezTo>
-                  <a:close/>
-                  <a:moveTo>
-                    <a:pt x="3700" y="3143"/>
-                  </a:moveTo>
-                  <a:lnTo>
-                    <a:pt x="4056" y="3143"/>
-                  </a:lnTo>
-                  <a:lnTo>
-                    <a:pt x="4056" y="3272"/>
-                  </a:lnTo>
-                  <a:lnTo>
-                    <a:pt x="4702" y="3302"/>
-                  </a:lnTo>
-                  <a:lnTo>
-                    <a:pt x="4702" y="3381"/>
-                  </a:lnTo>
-                  <a:lnTo>
-                    <a:pt x="4056" y="3412"/>
-                  </a:lnTo>
-                  <a:lnTo>
-                    <a:pt x="4056" y="3580"/>
-                  </a:lnTo>
-                  <a:lnTo>
-                    <a:pt x="3700" y="3580"/>
-                  </a:lnTo>
-                  <a:lnTo>
-                    <a:pt x="3700" y="3143"/>
-                  </a:lnTo>
-                  <a:close/>
-                  <a:moveTo>
-                    <a:pt x="3700" y="2034"/>
-                  </a:moveTo>
-                  <a:lnTo>
-                    <a:pt x="4056" y="2034"/>
-                  </a:lnTo>
-                  <a:lnTo>
-                    <a:pt x="4056" y="2162"/>
-                  </a:lnTo>
-                  <a:lnTo>
-                    <a:pt x="4702" y="2192"/>
-                  </a:lnTo>
-                  <a:lnTo>
-                    <a:pt x="4702" y="2272"/>
-                  </a:lnTo>
-                  <a:lnTo>
-                    <a:pt x="4056" y="2302"/>
-                  </a:lnTo>
-                  <a:lnTo>
-                    <a:pt x="4056" y="2471"/>
-                  </a:lnTo>
-                  <a:lnTo>
-                    <a:pt x="3700" y="2471"/>
-                  </a:lnTo>
-                  <a:lnTo>
-                    <a:pt x="3700" y="2034"/>
-                  </a:lnTo>
-                  <a:close/>
-                </a:path>
-              </a:pathLst>
-            </a:custGeom>
-            <a:solidFill>
-              <a:schemeClr val="tx1">
-                <a:lumMod val="75000"/>
-                <a:lumOff val="25000"/>
-              </a:schemeClr>
-            </a:solidFill>
-            <a:ln>
-              <a:noFill/>
-            </a:ln>
-          </p:spPr>
-        </p:sp>
-      </p:grpSp>
-      <p:grpSp>
-        <p:nvGrpSpPr>
-          <p:cNvPr id="8" name="组合 7"/>
-          <p:cNvGrpSpPr/>
-          <p:nvPr/>
-        </p:nvGrpSpPr>
-        <p:grpSpPr>
-          <a:xfrm>
-            <a:off x="1333219" y="1255541"/>
-            <a:ext cx="652744" cy="652744"/>
-            <a:chOff x="1333219" y="1255541"/>
-            <a:chExt cx="652744" cy="652744"/>
-          </a:xfrm>
-        </p:grpSpPr>
-        <p:sp>
-          <p:nvSpPr>
-            <p:cNvPr id="4" name="椭圆 3"/>
+            <p:cNvPr id="34" name="圆角矩形 33"/>
             <p:cNvSpPr/>
             <p:nvPr/>
           </p:nvSpPr>
           <p:spPr>
             <a:xfrm>
-              <a:off x="1333219" y="1255541"/>
-              <a:ext cx="652744" cy="652744"/>
+              <a:off x="3055691" y="2527182"/>
+              <a:ext cx="1749103" cy="478173"/>
             </a:xfrm>
-            <a:prstGeom prst="ellipse">
+            <a:prstGeom prst="roundRect">
               <a:avLst/>
             </a:prstGeom>
             <a:solidFill>
-              <a:srgbClr val="FFC000"/>
+              <a:schemeClr val="bg1"/>
             </a:solidFill>
-            <a:ln>
+            <a:ln w="28575">
               <a:solidFill>
-                <a:schemeClr val="bg1"/>
+                <a:schemeClr val="tx1"/>
               </a:solidFill>
             </a:ln>
           </p:spPr>
@@ -4642,514 +5590,522 @@
             <a:lstStyle/>
             <a:p>
               <a:pPr algn="ctr"/>
-              <a:endParaRPr lang="zh-CN" altLang="en-US"/>
+              <a:r>
+                <a:rPr lang="zh-CN" altLang="en-US" sz="1400" smtClean="0">
+                  <a:solidFill>
+                    <a:schemeClr val="tx1"/>
+                  </a:solidFill>
+                </a:rPr>
+                <a:t>页面显示与布局</a:t>
+              </a:r>
+              <a:endParaRPr lang="zh-CN" altLang="en-US" sz="1400">
+                <a:solidFill>
+                  <a:schemeClr val="tx1"/>
+                </a:solidFill>
+              </a:endParaRPr>
             </a:p>
           </p:txBody>
         </p:sp>
         <p:sp>
           <p:nvSpPr>
-            <p:cNvPr id="6" name="element_228141"/>
-            <p:cNvSpPr>
-              <a:spLocks noChangeAspect="1"/>
-            </p:cNvSpPr>
+            <p:cNvPr id="36" name="圆角矩形 35"/>
+            <p:cNvSpPr/>
             <p:nvPr/>
           </p:nvSpPr>
-          <p:spPr bwMode="auto">
+          <p:spPr>
             <a:xfrm>
-              <a:off x="1429488" y="1277070"/>
-              <a:ext cx="460205" cy="609685"/>
+              <a:off x="2745821" y="3225565"/>
+              <a:ext cx="1126223" cy="478173"/>
             </a:xfrm>
-            <a:custGeom>
+            <a:prstGeom prst="roundRect">
               <a:avLst/>
-              <a:gdLst>
-                <a:gd name="connsiteX0" fmla="*/ 168871 w 457969"/>
-                <a:gd name="connsiteY0" fmla="*/ 455924 h 606722"/>
-                <a:gd name="connsiteX1" fmla="*/ 293685 w 457969"/>
-                <a:gd name="connsiteY1" fmla="*/ 455924 h 606722"/>
-                <a:gd name="connsiteX2" fmla="*/ 317544 w 457969"/>
-                <a:gd name="connsiteY2" fmla="*/ 479740 h 606722"/>
-                <a:gd name="connsiteX3" fmla="*/ 293685 w 457969"/>
-                <a:gd name="connsiteY3" fmla="*/ 503556 h 606722"/>
-                <a:gd name="connsiteX4" fmla="*/ 168871 w 457969"/>
-                <a:gd name="connsiteY4" fmla="*/ 503556 h 606722"/>
-                <a:gd name="connsiteX5" fmla="*/ 145012 w 457969"/>
-                <a:gd name="connsiteY5" fmla="*/ 479740 h 606722"/>
-                <a:gd name="connsiteX6" fmla="*/ 168871 w 457969"/>
-                <a:gd name="connsiteY6" fmla="*/ 455924 h 606722"/>
-                <a:gd name="connsiteX7" fmla="*/ 168874 w 457969"/>
-                <a:gd name="connsiteY7" fmla="*/ 388040 h 606722"/>
-                <a:gd name="connsiteX8" fmla="*/ 228974 w 457969"/>
-                <a:gd name="connsiteY8" fmla="*/ 388040 h 606722"/>
-                <a:gd name="connsiteX9" fmla="*/ 252836 w 457969"/>
-                <a:gd name="connsiteY9" fmla="*/ 411856 h 606722"/>
-                <a:gd name="connsiteX10" fmla="*/ 228974 w 457969"/>
-                <a:gd name="connsiteY10" fmla="*/ 435672 h 606722"/>
-                <a:gd name="connsiteX11" fmla="*/ 168874 w 457969"/>
-                <a:gd name="connsiteY11" fmla="*/ 435672 h 606722"/>
-                <a:gd name="connsiteX12" fmla="*/ 145012 w 457969"/>
-                <a:gd name="connsiteY12" fmla="*/ 411856 h 606722"/>
-                <a:gd name="connsiteX13" fmla="*/ 168874 w 457969"/>
-                <a:gd name="connsiteY13" fmla="*/ 388040 h 606722"/>
-                <a:gd name="connsiteX14" fmla="*/ 168864 w 457969"/>
-                <a:gd name="connsiteY14" fmla="*/ 143954 h 606722"/>
-                <a:gd name="connsiteX15" fmla="*/ 192717 w 457969"/>
-                <a:gd name="connsiteY15" fmla="*/ 167771 h 606722"/>
-                <a:gd name="connsiteX16" fmla="*/ 192717 w 457969"/>
-                <a:gd name="connsiteY16" fmla="*/ 229090 h 606722"/>
-                <a:gd name="connsiteX17" fmla="*/ 265252 w 457969"/>
-                <a:gd name="connsiteY17" fmla="*/ 229090 h 606722"/>
-                <a:gd name="connsiteX18" fmla="*/ 265252 w 457969"/>
-                <a:gd name="connsiteY18" fmla="*/ 167771 h 606722"/>
-                <a:gd name="connsiteX19" fmla="*/ 289105 w 457969"/>
-                <a:gd name="connsiteY19" fmla="*/ 143954 h 606722"/>
-                <a:gd name="connsiteX20" fmla="*/ 312957 w 457969"/>
-                <a:gd name="connsiteY20" fmla="*/ 167771 h 606722"/>
-                <a:gd name="connsiteX21" fmla="*/ 312957 w 457969"/>
-                <a:gd name="connsiteY21" fmla="*/ 338043 h 606722"/>
-                <a:gd name="connsiteX22" fmla="*/ 289105 w 457969"/>
-                <a:gd name="connsiteY22" fmla="*/ 361860 h 606722"/>
-                <a:gd name="connsiteX23" fmla="*/ 265252 w 457969"/>
-                <a:gd name="connsiteY23" fmla="*/ 338043 h 606722"/>
-                <a:gd name="connsiteX24" fmla="*/ 265252 w 457969"/>
-                <a:gd name="connsiteY24" fmla="*/ 276724 h 606722"/>
-                <a:gd name="connsiteX25" fmla="*/ 192717 w 457969"/>
-                <a:gd name="connsiteY25" fmla="*/ 276724 h 606722"/>
-                <a:gd name="connsiteX26" fmla="*/ 192717 w 457969"/>
-                <a:gd name="connsiteY26" fmla="*/ 338043 h 606722"/>
-                <a:gd name="connsiteX27" fmla="*/ 168864 w 457969"/>
-                <a:gd name="connsiteY27" fmla="*/ 361860 h 606722"/>
-                <a:gd name="connsiteX28" fmla="*/ 145012 w 457969"/>
-                <a:gd name="connsiteY28" fmla="*/ 338043 h 606722"/>
-                <a:gd name="connsiteX29" fmla="*/ 145012 w 457969"/>
-                <a:gd name="connsiteY29" fmla="*/ 167771 h 606722"/>
-                <a:gd name="connsiteX30" fmla="*/ 168864 w 457969"/>
-                <a:gd name="connsiteY30" fmla="*/ 143954 h 606722"/>
-                <a:gd name="connsiteX31" fmla="*/ 97098 w 457969"/>
-                <a:gd name="connsiteY31" fmla="*/ 73035 h 606722"/>
-                <a:gd name="connsiteX32" fmla="*/ 120949 w 457969"/>
-                <a:gd name="connsiteY32" fmla="*/ 96864 h 606722"/>
-                <a:gd name="connsiteX33" fmla="*/ 120949 w 457969"/>
-                <a:gd name="connsiteY33" fmla="*/ 133320 h 606722"/>
-                <a:gd name="connsiteX34" fmla="*/ 97098 w 457969"/>
-                <a:gd name="connsiteY34" fmla="*/ 157149 h 606722"/>
-                <a:gd name="connsiteX35" fmla="*/ 73247 w 457969"/>
-                <a:gd name="connsiteY35" fmla="*/ 133320 h 606722"/>
-                <a:gd name="connsiteX36" fmla="*/ 73247 w 457969"/>
-                <a:gd name="connsiteY36" fmla="*/ 96864 h 606722"/>
-                <a:gd name="connsiteX37" fmla="*/ 97098 w 457969"/>
-                <a:gd name="connsiteY37" fmla="*/ 73035 h 606722"/>
-                <a:gd name="connsiteX38" fmla="*/ 47790 w 457969"/>
-                <a:gd name="connsiteY38" fmla="*/ 47635 h 606722"/>
-                <a:gd name="connsiteX39" fmla="*/ 47790 w 457969"/>
-                <a:gd name="connsiteY39" fmla="*/ 558998 h 606722"/>
-                <a:gd name="connsiteX40" fmla="*/ 410268 w 457969"/>
-                <a:gd name="connsiteY40" fmla="*/ 558998 h 606722"/>
-                <a:gd name="connsiteX41" fmla="*/ 410268 w 457969"/>
-                <a:gd name="connsiteY41" fmla="*/ 47635 h 606722"/>
-                <a:gd name="connsiteX42" fmla="*/ 23851 w 457969"/>
-                <a:gd name="connsiteY42" fmla="*/ 0 h 606722"/>
-                <a:gd name="connsiteX43" fmla="*/ 434118 w 457969"/>
-                <a:gd name="connsiteY43" fmla="*/ 0 h 606722"/>
-                <a:gd name="connsiteX44" fmla="*/ 457969 w 457969"/>
-                <a:gd name="connsiteY44" fmla="*/ 23817 h 606722"/>
-                <a:gd name="connsiteX45" fmla="*/ 457969 w 457969"/>
-                <a:gd name="connsiteY45" fmla="*/ 582905 h 606722"/>
-                <a:gd name="connsiteX46" fmla="*/ 434118 w 457969"/>
-                <a:gd name="connsiteY46" fmla="*/ 606722 h 606722"/>
-                <a:gd name="connsiteX47" fmla="*/ 23851 w 457969"/>
-                <a:gd name="connsiteY47" fmla="*/ 606722 h 606722"/>
-                <a:gd name="connsiteX48" fmla="*/ 0 w 457969"/>
-                <a:gd name="connsiteY48" fmla="*/ 582905 h 606722"/>
-                <a:gd name="connsiteX49" fmla="*/ 0 w 457969"/>
-                <a:gd name="connsiteY49" fmla="*/ 23817 h 606722"/>
-                <a:gd name="connsiteX50" fmla="*/ 23851 w 457969"/>
-                <a:gd name="connsiteY50" fmla="*/ 0 h 606722"/>
-              </a:gdLst>
-              <a:ahLst/>
-              <a:cxnLst>
-                <a:cxn ang="0">
-                  <a:pos x="connsiteX0" y="connsiteY0"/>
-                </a:cxn>
-                <a:cxn ang="0">
-                  <a:pos x="connsiteX1" y="connsiteY1"/>
-                </a:cxn>
-                <a:cxn ang="0">
-                  <a:pos x="connsiteX2" y="connsiteY2"/>
-                </a:cxn>
-                <a:cxn ang="0">
-                  <a:pos x="connsiteX3" y="connsiteY3"/>
-                </a:cxn>
-                <a:cxn ang="0">
-                  <a:pos x="connsiteX4" y="connsiteY4"/>
-                </a:cxn>
-                <a:cxn ang="0">
-                  <a:pos x="connsiteX5" y="connsiteY5"/>
-                </a:cxn>
-                <a:cxn ang="0">
-                  <a:pos x="connsiteX6" y="connsiteY6"/>
-                </a:cxn>
-                <a:cxn ang="0">
-                  <a:pos x="connsiteX7" y="connsiteY7"/>
-                </a:cxn>
-                <a:cxn ang="0">
-                  <a:pos x="connsiteX8" y="connsiteY8"/>
-                </a:cxn>
-                <a:cxn ang="0">
-                  <a:pos x="connsiteX9" y="connsiteY9"/>
-                </a:cxn>
-                <a:cxn ang="0">
-                  <a:pos x="connsiteX10" y="connsiteY10"/>
-                </a:cxn>
-                <a:cxn ang="0">
-                  <a:pos x="connsiteX11" y="connsiteY11"/>
-                </a:cxn>
-                <a:cxn ang="0">
-                  <a:pos x="connsiteX12" y="connsiteY12"/>
-                </a:cxn>
-                <a:cxn ang="0">
-                  <a:pos x="connsiteX13" y="connsiteY13"/>
-                </a:cxn>
-                <a:cxn ang="0">
-                  <a:pos x="connsiteX14" y="connsiteY14"/>
-                </a:cxn>
-                <a:cxn ang="0">
-                  <a:pos x="connsiteX15" y="connsiteY15"/>
-                </a:cxn>
-                <a:cxn ang="0">
-                  <a:pos x="connsiteX16" y="connsiteY16"/>
-                </a:cxn>
-                <a:cxn ang="0">
-                  <a:pos x="connsiteX17" y="connsiteY17"/>
-                </a:cxn>
-                <a:cxn ang="0">
-                  <a:pos x="connsiteX18" y="connsiteY18"/>
-                </a:cxn>
-                <a:cxn ang="0">
-                  <a:pos x="connsiteX19" y="connsiteY19"/>
-                </a:cxn>
-                <a:cxn ang="0">
-                  <a:pos x="connsiteX20" y="connsiteY20"/>
-                </a:cxn>
-                <a:cxn ang="0">
-                  <a:pos x="connsiteX21" y="connsiteY21"/>
-                </a:cxn>
-                <a:cxn ang="0">
-                  <a:pos x="connsiteX22" y="connsiteY22"/>
-                </a:cxn>
-                <a:cxn ang="0">
-                  <a:pos x="connsiteX23" y="connsiteY23"/>
-                </a:cxn>
-                <a:cxn ang="0">
-                  <a:pos x="connsiteX24" y="connsiteY24"/>
-                </a:cxn>
-                <a:cxn ang="0">
-                  <a:pos x="connsiteX25" y="connsiteY25"/>
-                </a:cxn>
-                <a:cxn ang="0">
-                  <a:pos x="connsiteX26" y="connsiteY26"/>
-                </a:cxn>
-                <a:cxn ang="0">
-                  <a:pos x="connsiteX27" y="connsiteY27"/>
-                </a:cxn>
-                <a:cxn ang="0">
-                  <a:pos x="connsiteX28" y="connsiteY28"/>
-                </a:cxn>
-                <a:cxn ang="0">
-                  <a:pos x="connsiteX29" y="connsiteY29"/>
-                </a:cxn>
-                <a:cxn ang="0">
-                  <a:pos x="connsiteX30" y="connsiteY30"/>
-                </a:cxn>
-                <a:cxn ang="0">
-                  <a:pos x="connsiteX31" y="connsiteY31"/>
-                </a:cxn>
-                <a:cxn ang="0">
-                  <a:pos x="connsiteX32" y="connsiteY32"/>
-                </a:cxn>
-                <a:cxn ang="0">
-                  <a:pos x="connsiteX33" y="connsiteY33"/>
-                </a:cxn>
-                <a:cxn ang="0">
-                  <a:pos x="connsiteX34" y="connsiteY34"/>
-                </a:cxn>
-                <a:cxn ang="0">
-                  <a:pos x="connsiteX35" y="connsiteY35"/>
-                </a:cxn>
-                <a:cxn ang="0">
-                  <a:pos x="connsiteX36" y="connsiteY36"/>
-                </a:cxn>
-                <a:cxn ang="0">
-                  <a:pos x="connsiteX37" y="connsiteY37"/>
-                </a:cxn>
-                <a:cxn ang="0">
-                  <a:pos x="connsiteX38" y="connsiteY38"/>
-                </a:cxn>
-                <a:cxn ang="0">
-                  <a:pos x="connsiteX39" y="connsiteY39"/>
-                </a:cxn>
-                <a:cxn ang="0">
-                  <a:pos x="connsiteX40" y="connsiteY40"/>
-                </a:cxn>
-                <a:cxn ang="0">
-                  <a:pos x="connsiteX41" y="connsiteY41"/>
-                </a:cxn>
-                <a:cxn ang="0">
-                  <a:pos x="connsiteX42" y="connsiteY42"/>
-                </a:cxn>
-                <a:cxn ang="0">
-                  <a:pos x="connsiteX43" y="connsiteY43"/>
-                </a:cxn>
-                <a:cxn ang="0">
-                  <a:pos x="connsiteX44" y="connsiteY44"/>
-                </a:cxn>
-                <a:cxn ang="0">
-                  <a:pos x="connsiteX45" y="connsiteY45"/>
-                </a:cxn>
-                <a:cxn ang="0">
-                  <a:pos x="connsiteX46" y="connsiteY46"/>
-                </a:cxn>
-                <a:cxn ang="0">
-                  <a:pos x="connsiteX47" y="connsiteY47"/>
-                </a:cxn>
-                <a:cxn ang="0">
-                  <a:pos x="connsiteX48" y="connsiteY48"/>
-                </a:cxn>
-                <a:cxn ang="0">
-                  <a:pos x="connsiteX49" y="connsiteY49"/>
-                </a:cxn>
-                <a:cxn ang="0">
-                  <a:pos x="connsiteX50" y="connsiteY50"/>
-                </a:cxn>
-              </a:cxnLst>
-              <a:rect l="l" t="t" r="r" b="b"/>
-              <a:pathLst>
-                <a:path w="457969" h="606722">
-                  <a:moveTo>
-                    <a:pt x="168871" y="455924"/>
-                  </a:moveTo>
-                  <a:lnTo>
-                    <a:pt x="293685" y="455924"/>
-                  </a:lnTo>
-                  <a:cubicBezTo>
-                    <a:pt x="306861" y="455924"/>
-                    <a:pt x="317544" y="466588"/>
-                    <a:pt x="317544" y="479740"/>
-                  </a:cubicBezTo>
-                  <a:cubicBezTo>
-                    <a:pt x="317544" y="492892"/>
-                    <a:pt x="306861" y="503556"/>
-                    <a:pt x="293685" y="503556"/>
-                  </a:cubicBezTo>
-                  <a:lnTo>
-                    <a:pt x="168871" y="503556"/>
-                  </a:lnTo>
-                  <a:cubicBezTo>
-                    <a:pt x="155695" y="503556"/>
-                    <a:pt x="145012" y="492892"/>
-                    <a:pt x="145012" y="479740"/>
-                  </a:cubicBezTo>
-                  <a:cubicBezTo>
-                    <a:pt x="145012" y="466588"/>
-                    <a:pt x="155695" y="455924"/>
-                    <a:pt x="168871" y="455924"/>
-                  </a:cubicBezTo>
-                  <a:close/>
-                  <a:moveTo>
-                    <a:pt x="168874" y="388040"/>
-                  </a:moveTo>
-                  <a:lnTo>
-                    <a:pt x="228974" y="388040"/>
-                  </a:lnTo>
-                  <a:cubicBezTo>
-                    <a:pt x="242152" y="388040"/>
-                    <a:pt x="252836" y="398704"/>
-                    <a:pt x="252836" y="411856"/>
-                  </a:cubicBezTo>
-                  <a:cubicBezTo>
-                    <a:pt x="252836" y="425008"/>
-                    <a:pt x="242152" y="435672"/>
-                    <a:pt x="228974" y="435672"/>
-                  </a:cubicBezTo>
-                  <a:lnTo>
-                    <a:pt x="168874" y="435672"/>
-                  </a:lnTo>
-                  <a:cubicBezTo>
-                    <a:pt x="155697" y="435672"/>
-                    <a:pt x="145012" y="425008"/>
-                    <a:pt x="145012" y="411856"/>
-                  </a:cubicBezTo>
-                  <a:cubicBezTo>
-                    <a:pt x="145012" y="398704"/>
-                    <a:pt x="155697" y="388040"/>
-                    <a:pt x="168874" y="388040"/>
-                  </a:cubicBezTo>
-                  <a:close/>
-                  <a:moveTo>
-                    <a:pt x="168864" y="143954"/>
-                  </a:moveTo>
-                  <a:cubicBezTo>
-                    <a:pt x="182037" y="143954"/>
-                    <a:pt x="192717" y="154618"/>
-                    <a:pt x="192717" y="167771"/>
-                  </a:cubicBezTo>
-                  <a:lnTo>
-                    <a:pt x="192717" y="229090"/>
-                  </a:lnTo>
-                  <a:lnTo>
-                    <a:pt x="265252" y="229090"/>
-                  </a:lnTo>
-                  <a:lnTo>
-                    <a:pt x="265252" y="167771"/>
-                  </a:lnTo>
-                  <a:cubicBezTo>
-                    <a:pt x="265252" y="154618"/>
-                    <a:pt x="275933" y="143954"/>
-                    <a:pt x="289105" y="143954"/>
-                  </a:cubicBezTo>
-                  <a:cubicBezTo>
-                    <a:pt x="302277" y="143954"/>
-                    <a:pt x="312957" y="154618"/>
-                    <a:pt x="312957" y="167771"/>
-                  </a:cubicBezTo>
-                  <a:lnTo>
-                    <a:pt x="312957" y="338043"/>
-                  </a:lnTo>
-                  <a:cubicBezTo>
-                    <a:pt x="312957" y="351196"/>
-                    <a:pt x="302277" y="361860"/>
-                    <a:pt x="289105" y="361860"/>
-                  </a:cubicBezTo>
-                  <a:cubicBezTo>
-                    <a:pt x="275933" y="361860"/>
-                    <a:pt x="265252" y="351196"/>
-                    <a:pt x="265252" y="338043"/>
-                  </a:cubicBezTo>
-                  <a:lnTo>
-                    <a:pt x="265252" y="276724"/>
-                  </a:lnTo>
-                  <a:lnTo>
-                    <a:pt x="192717" y="276724"/>
-                  </a:lnTo>
-                  <a:lnTo>
-                    <a:pt x="192717" y="338043"/>
-                  </a:lnTo>
-                  <a:cubicBezTo>
-                    <a:pt x="192717" y="351196"/>
-                    <a:pt x="182037" y="361860"/>
-                    <a:pt x="168864" y="361860"/>
-                  </a:cubicBezTo>
-                  <a:cubicBezTo>
-                    <a:pt x="155692" y="361860"/>
-                    <a:pt x="145012" y="351196"/>
-                    <a:pt x="145012" y="338043"/>
-                  </a:cubicBezTo>
-                  <a:lnTo>
-                    <a:pt x="145012" y="167771"/>
-                  </a:lnTo>
-                  <a:cubicBezTo>
-                    <a:pt x="145012" y="154618"/>
-                    <a:pt x="155692" y="143954"/>
-                    <a:pt x="168864" y="143954"/>
-                  </a:cubicBezTo>
-                  <a:close/>
-                  <a:moveTo>
-                    <a:pt x="97098" y="73035"/>
-                  </a:moveTo>
-                  <a:cubicBezTo>
-                    <a:pt x="110269" y="73035"/>
-                    <a:pt x="120949" y="83705"/>
-                    <a:pt x="120949" y="96864"/>
-                  </a:cubicBezTo>
-                  <a:lnTo>
-                    <a:pt x="120949" y="133320"/>
-                  </a:lnTo>
-                  <a:cubicBezTo>
-                    <a:pt x="120949" y="146479"/>
-                    <a:pt x="110269" y="157149"/>
-                    <a:pt x="97098" y="157149"/>
-                  </a:cubicBezTo>
-                  <a:cubicBezTo>
-                    <a:pt x="83926" y="157149"/>
-                    <a:pt x="73247" y="146479"/>
-                    <a:pt x="73247" y="133320"/>
-                  </a:cubicBezTo>
-                  <a:lnTo>
-                    <a:pt x="73247" y="96864"/>
-                  </a:lnTo>
-                  <a:cubicBezTo>
-                    <a:pt x="73247" y="83705"/>
-                    <a:pt x="83926" y="73035"/>
-                    <a:pt x="97098" y="73035"/>
-                  </a:cubicBezTo>
-                  <a:close/>
-                  <a:moveTo>
-                    <a:pt x="47790" y="47635"/>
-                  </a:moveTo>
-                  <a:lnTo>
-                    <a:pt x="47790" y="558998"/>
-                  </a:lnTo>
-                  <a:lnTo>
-                    <a:pt x="410268" y="558998"/>
-                  </a:lnTo>
-                  <a:lnTo>
-                    <a:pt x="410268" y="47635"/>
-                  </a:lnTo>
-                  <a:close/>
-                  <a:moveTo>
-                    <a:pt x="23851" y="0"/>
-                  </a:moveTo>
-                  <a:lnTo>
-                    <a:pt x="434118" y="0"/>
-                  </a:lnTo>
-                  <a:cubicBezTo>
-                    <a:pt x="447290" y="0"/>
-                    <a:pt x="457969" y="10664"/>
-                    <a:pt x="457969" y="23817"/>
-                  </a:cubicBezTo>
-                  <a:lnTo>
-                    <a:pt x="457969" y="582905"/>
-                  </a:lnTo>
-                  <a:cubicBezTo>
-                    <a:pt x="457969" y="596058"/>
-                    <a:pt x="447290" y="606722"/>
-                    <a:pt x="434118" y="606722"/>
-                  </a:cubicBezTo>
-                  <a:lnTo>
-                    <a:pt x="23851" y="606722"/>
-                  </a:lnTo>
-                  <a:cubicBezTo>
-                    <a:pt x="10679" y="606722"/>
-                    <a:pt x="0" y="596058"/>
-                    <a:pt x="0" y="582905"/>
-                  </a:cubicBezTo>
-                  <a:lnTo>
-                    <a:pt x="0" y="23817"/>
-                  </a:lnTo>
-                  <a:cubicBezTo>
-                    <a:pt x="0" y="10664"/>
-                    <a:pt x="10679" y="0"/>
-                    <a:pt x="23851" y="0"/>
-                  </a:cubicBezTo>
-                  <a:close/>
-                </a:path>
-              </a:pathLst>
-            </a:custGeom>
+            </a:prstGeom>
             <a:solidFill>
-              <a:schemeClr val="tx1">
-                <a:lumMod val="75000"/>
-                <a:lumOff val="25000"/>
+              <a:schemeClr val="bg1"/>
+            </a:solidFill>
+            <a:ln w="28575">
+              <a:solidFill>
+                <a:schemeClr val="tx1"/>
+              </a:solidFill>
+            </a:ln>
+          </p:spPr>
+          <p:style>
+            <a:lnRef idx="2">
+              <a:schemeClr val="accent1">
+                <a:shade val="50000"/>
               </a:schemeClr>
+            </a:lnRef>
+            <a:fillRef idx="1">
+              <a:schemeClr val="accent1"/>
+            </a:fillRef>
+            <a:effectRef idx="0">
+              <a:schemeClr val="accent1"/>
+            </a:effectRef>
+            <a:fontRef idx="minor">
+              <a:schemeClr val="lt1"/>
+            </a:fontRef>
+          </p:style>
+          <p:txBody>
+            <a:bodyPr rtlCol="0" anchor="ctr"/>
+            <a:lstStyle/>
+            <a:p>
+              <a:pPr algn="ctr"/>
+              <a:r>
+                <a:rPr lang="zh-CN" altLang="en-US" sz="1400">
+                  <a:solidFill>
+                    <a:schemeClr val="tx1"/>
+                  </a:solidFill>
+                </a:rPr>
+                <a:t>数据与网络</a:t>
+              </a:r>
+            </a:p>
+          </p:txBody>
+        </p:sp>
+        <p:sp>
+          <p:nvSpPr>
+            <p:cNvPr id="47" name="圆角矩形 46"/>
+            <p:cNvSpPr/>
+            <p:nvPr/>
+          </p:nvSpPr>
+          <p:spPr>
+            <a:xfrm>
+              <a:off x="3994471" y="3225564"/>
+              <a:ext cx="1126223" cy="478173"/>
+            </a:xfrm>
+            <a:prstGeom prst="roundRect">
+              <a:avLst/>
+            </a:prstGeom>
+            <a:solidFill>
+              <a:schemeClr val="bg1"/>
             </a:solidFill>
-            <a:ln>
+            <a:ln w="28575">
+              <a:solidFill>
+                <a:schemeClr val="tx1"/>
+              </a:solidFill>
+            </a:ln>
+          </p:spPr>
+          <p:style>
+            <a:lnRef idx="2">
+              <a:schemeClr val="accent1">
+                <a:shade val="50000"/>
+              </a:schemeClr>
+            </a:lnRef>
+            <a:fillRef idx="1">
+              <a:schemeClr val="accent1"/>
+            </a:fillRef>
+            <a:effectRef idx="0">
+              <a:schemeClr val="accent1"/>
+            </a:effectRef>
+            <a:fontRef idx="minor">
+              <a:schemeClr val="lt1"/>
+            </a:fontRef>
+          </p:style>
+          <p:txBody>
+            <a:bodyPr rtlCol="0" anchor="ctr"/>
+            <a:lstStyle/>
+            <a:p>
+              <a:pPr algn="ctr"/>
+              <a:r>
+                <a:rPr lang="zh-CN" altLang="en-US" sz="1400" smtClean="0">
+                  <a:solidFill>
+                    <a:schemeClr val="tx1"/>
+                  </a:solidFill>
+                </a:rPr>
+                <a:t>逻辑控制</a:t>
+              </a:r>
+              <a:endParaRPr lang="zh-CN" altLang="en-US" sz="1400">
+                <a:solidFill>
+                  <a:schemeClr val="tx1"/>
+                </a:solidFill>
+              </a:endParaRPr>
+            </a:p>
+          </p:txBody>
+        </p:sp>
+        <p:sp>
+          <p:nvSpPr>
+            <p:cNvPr id="4" name="文本框 3"/>
+            <p:cNvSpPr txBox="1"/>
+            <p:nvPr/>
+          </p:nvSpPr>
+          <p:spPr>
+            <a:xfrm>
+              <a:off x="3389068" y="4042701"/>
+              <a:ext cx="1441420" cy="307777"/>
+            </a:xfrm>
+            <a:prstGeom prst="rect">
+              <a:avLst/>
+            </a:prstGeom>
+            <a:noFill/>
+            <a:ln w="28575">
               <a:noFill/>
             </a:ln>
           </p:spPr>
+          <p:txBody>
+            <a:bodyPr wrap="none" rtlCol="0">
+              <a:spAutoFit/>
+            </a:bodyPr>
+            <a:lstStyle/>
+            <a:p>
+              <a:r>
+                <a:rPr lang="zh-CN" altLang="en-US" sz="1400" smtClean="0"/>
+                <a:t>程序的总体结构</a:t>
+              </a:r>
+              <a:endParaRPr lang="zh-CN" altLang="en-US" sz="1400"/>
+            </a:p>
+          </p:txBody>
+        </p:sp>
+      </p:grpSp>
+      <p:grpSp>
+        <p:nvGrpSpPr>
+          <p:cNvPr id="19" name="组合 18"/>
+          <p:cNvGrpSpPr/>
+          <p:nvPr/>
+        </p:nvGrpSpPr>
+        <p:grpSpPr>
+          <a:xfrm>
+            <a:off x="5194098" y="1993782"/>
+            <a:ext cx="4811085" cy="2172139"/>
+            <a:chOff x="5194098" y="2168596"/>
+            <a:chExt cx="4811085" cy="2172139"/>
+          </a:xfrm>
+        </p:grpSpPr>
+        <p:grpSp>
+          <p:nvGrpSpPr>
+            <p:cNvPr id="17" name="组合 16"/>
+            <p:cNvGrpSpPr/>
+            <p:nvPr/>
+          </p:nvGrpSpPr>
+          <p:grpSpPr>
+            <a:xfrm>
+              <a:off x="5194098" y="2168596"/>
+              <a:ext cx="4811085" cy="1744822"/>
+              <a:chOff x="5194098" y="2297578"/>
+              <a:chExt cx="4811085" cy="1744822"/>
+            </a:xfrm>
+          </p:grpSpPr>
+          <p:sp>
+            <p:nvSpPr>
+              <p:cNvPr id="48" name="圆角矩形 47"/>
+              <p:cNvSpPr/>
+              <p:nvPr/>
+            </p:nvSpPr>
+            <p:spPr>
+              <a:xfrm>
+                <a:off x="5194098" y="2581711"/>
+                <a:ext cx="1749103" cy="1073791"/>
+              </a:xfrm>
+              <a:prstGeom prst="roundRect">
+                <a:avLst/>
+              </a:prstGeom>
+              <a:solidFill>
+                <a:schemeClr val="bg1"/>
+              </a:solidFill>
+              <a:ln w="28575">
+                <a:solidFill>
+                  <a:schemeClr val="tx1"/>
+                </a:solidFill>
+              </a:ln>
+            </p:spPr>
+            <p:style>
+              <a:lnRef idx="2">
+                <a:schemeClr val="accent1">
+                  <a:shade val="50000"/>
+                </a:schemeClr>
+              </a:lnRef>
+              <a:fillRef idx="1">
+                <a:schemeClr val="accent1"/>
+              </a:fillRef>
+              <a:effectRef idx="0">
+                <a:schemeClr val="accent1"/>
+              </a:effectRef>
+              <a:fontRef idx="minor">
+                <a:schemeClr val="lt1"/>
+              </a:fontRef>
+            </p:style>
+            <p:txBody>
+              <a:bodyPr rtlCol="0" anchor="ctr"/>
+              <a:lstStyle/>
+              <a:p>
+                <a:pPr algn="ctr"/>
+                <a:r>
+                  <a:rPr lang="zh-CN" altLang="en-US" sz="1400" smtClean="0">
+                    <a:solidFill>
+                      <a:schemeClr val="tx1"/>
+                    </a:solidFill>
+                  </a:rPr>
+                  <a:t>上一级页面</a:t>
+                </a:r>
+                <a:endParaRPr lang="zh-CN" altLang="en-US" sz="1400">
+                  <a:solidFill>
+                    <a:schemeClr val="tx1"/>
+                  </a:solidFill>
+                </a:endParaRPr>
+              </a:p>
+            </p:txBody>
+          </p:sp>
+          <p:sp>
+            <p:nvSpPr>
+              <p:cNvPr id="49" name="圆角矩形 48"/>
+              <p:cNvSpPr/>
+              <p:nvPr/>
+            </p:nvSpPr>
+            <p:spPr>
+              <a:xfrm>
+                <a:off x="8256080" y="2581711"/>
+                <a:ext cx="1749103" cy="1073791"/>
+              </a:xfrm>
+              <a:prstGeom prst="roundRect">
+                <a:avLst/>
+              </a:prstGeom>
+              <a:solidFill>
+                <a:schemeClr val="bg1"/>
+              </a:solidFill>
+              <a:ln w="28575">
+                <a:solidFill>
+                  <a:schemeClr val="tx1"/>
+                </a:solidFill>
+              </a:ln>
+            </p:spPr>
+            <p:style>
+              <a:lnRef idx="2">
+                <a:schemeClr val="accent1">
+                  <a:shade val="50000"/>
+                </a:schemeClr>
+              </a:lnRef>
+              <a:fillRef idx="1">
+                <a:schemeClr val="accent1"/>
+              </a:fillRef>
+              <a:effectRef idx="0">
+                <a:schemeClr val="accent1"/>
+              </a:effectRef>
+              <a:fontRef idx="minor">
+                <a:schemeClr val="lt1"/>
+              </a:fontRef>
+            </p:style>
+            <p:txBody>
+              <a:bodyPr rtlCol="0" anchor="ctr"/>
+              <a:lstStyle/>
+              <a:p>
+                <a:pPr algn="ctr"/>
+                <a:r>
+                  <a:rPr lang="zh-CN" altLang="en-US" sz="1400" smtClean="0">
+                    <a:solidFill>
+                      <a:schemeClr val="tx1"/>
+                    </a:solidFill>
+                  </a:rPr>
+                  <a:t>下一级页面</a:t>
+                </a:r>
+                <a:endParaRPr lang="zh-CN" altLang="en-US" sz="1400">
+                  <a:solidFill>
+                    <a:schemeClr val="tx1"/>
+                  </a:solidFill>
+                </a:endParaRPr>
+              </a:p>
+            </p:txBody>
+          </p:sp>
+          <p:cxnSp>
+            <p:nvCxnSpPr>
+              <p:cNvPr id="50" name="直接箭头连接符 49"/>
+              <p:cNvCxnSpPr/>
+              <p:nvPr/>
+            </p:nvCxnSpPr>
+            <p:spPr>
+              <a:xfrm flipV="1">
+                <a:off x="6943201" y="2833382"/>
+                <a:ext cx="1312879" cy="1"/>
+              </a:xfrm>
+              <a:prstGeom prst="straightConnector1">
+                <a:avLst/>
+              </a:prstGeom>
+              <a:ln w="28575">
+                <a:solidFill>
+                  <a:schemeClr val="tx1"/>
+                </a:solidFill>
+                <a:tailEnd type="triangle"/>
+              </a:ln>
+            </p:spPr>
+            <p:style>
+              <a:lnRef idx="1">
+                <a:schemeClr val="accent1"/>
+              </a:lnRef>
+              <a:fillRef idx="0">
+                <a:schemeClr val="accent1"/>
+              </a:fillRef>
+              <a:effectRef idx="0">
+                <a:schemeClr val="accent1"/>
+              </a:effectRef>
+              <a:fontRef idx="minor">
+                <a:schemeClr val="tx1"/>
+              </a:fontRef>
+            </p:style>
+          </p:cxnSp>
+          <p:cxnSp>
+            <p:nvCxnSpPr>
+              <p:cNvPr id="51" name="直接箭头连接符 50"/>
+              <p:cNvCxnSpPr/>
+              <p:nvPr/>
+            </p:nvCxnSpPr>
+            <p:spPr>
+              <a:xfrm flipH="1" flipV="1">
+                <a:off x="6943201" y="3397541"/>
+                <a:ext cx="1312880" cy="2099"/>
+              </a:xfrm>
+              <a:prstGeom prst="straightConnector1">
+                <a:avLst/>
+              </a:prstGeom>
+              <a:ln w="28575">
+                <a:solidFill>
+                  <a:schemeClr val="tx1"/>
+                </a:solidFill>
+                <a:tailEnd type="triangle"/>
+              </a:ln>
+            </p:spPr>
+            <p:style>
+              <a:lnRef idx="1">
+                <a:schemeClr val="accent1"/>
+              </a:lnRef>
+              <a:fillRef idx="0">
+                <a:schemeClr val="accent1"/>
+              </a:fillRef>
+              <a:effectRef idx="0">
+                <a:schemeClr val="accent1"/>
+              </a:effectRef>
+              <a:fontRef idx="minor">
+                <a:schemeClr val="tx1"/>
+              </a:fontRef>
+            </p:style>
+          </p:cxnSp>
+          <p:sp>
+            <p:nvSpPr>
+              <p:cNvPr id="10" name="文本框 9"/>
+              <p:cNvSpPr txBox="1"/>
+              <p:nvPr/>
+            </p:nvSpPr>
+            <p:spPr>
+              <a:xfrm>
+                <a:off x="7148235" y="2297578"/>
+                <a:ext cx="902811" cy="523220"/>
+              </a:xfrm>
+              <a:prstGeom prst="rect">
+                <a:avLst/>
+              </a:prstGeom>
+              <a:noFill/>
+              <a:ln w="28575">
+                <a:noFill/>
+              </a:ln>
+            </p:spPr>
+            <p:txBody>
+              <a:bodyPr wrap="none" rtlCol="0">
+                <a:spAutoFit/>
+              </a:bodyPr>
+              <a:lstStyle/>
+              <a:p>
+                <a:pPr algn="ctr"/>
+                <a:r>
+                  <a:rPr lang="zh-CN" altLang="en-US" sz="1400" smtClean="0"/>
+                  <a:t>传递</a:t>
+                </a:r>
+                <a:r>
+                  <a:rPr lang="zh-CN" altLang="en-US" sz="1400"/>
+                  <a:t>数</a:t>
+                </a:r>
+                <a:r>
+                  <a:rPr lang="zh-CN" altLang="en-US" sz="1400" smtClean="0"/>
+                  <a:t>据</a:t>
+                </a:r>
+                <a:endParaRPr lang="en-US" altLang="zh-CN" sz="1400" smtClean="0"/>
+              </a:p>
+              <a:p>
+                <a:pPr algn="ctr"/>
+                <a:r>
+                  <a:rPr lang="en-US" altLang="zh-CN" sz="1400" smtClean="0"/>
+                  <a:t>props</a:t>
+                </a:r>
+                <a:endParaRPr lang="zh-CN" altLang="en-US" sz="1400"/>
+              </a:p>
+            </p:txBody>
+          </p:sp>
+          <p:sp>
+            <p:nvSpPr>
+              <p:cNvPr id="52" name="文本框 51"/>
+              <p:cNvSpPr txBox="1"/>
+              <p:nvPr/>
+            </p:nvSpPr>
+            <p:spPr>
+              <a:xfrm>
+                <a:off x="7148235" y="3519180"/>
+                <a:ext cx="902811" cy="523220"/>
+              </a:xfrm>
+              <a:prstGeom prst="rect">
+                <a:avLst/>
+              </a:prstGeom>
+              <a:noFill/>
+              <a:ln w="28575">
+                <a:noFill/>
+              </a:ln>
+            </p:spPr>
+            <p:txBody>
+              <a:bodyPr wrap="none" rtlCol="0">
+                <a:spAutoFit/>
+              </a:bodyPr>
+              <a:lstStyle/>
+              <a:p>
+                <a:pPr algn="ctr"/>
+                <a:r>
+                  <a:rPr lang="zh-CN" altLang="en-US" sz="1400" smtClean="0"/>
+                  <a:t>返回数据</a:t>
+                </a:r>
+                <a:endParaRPr lang="en-US" altLang="zh-CN" sz="1400" smtClean="0"/>
+              </a:p>
+              <a:p>
+                <a:pPr algn="ctr"/>
+                <a:r>
+                  <a:rPr lang="en-US" altLang="zh-CN" sz="1400"/>
+                  <a:t>callback</a:t>
+                </a:r>
+                <a:endParaRPr lang="zh-CN" altLang="en-US" sz="1400"/>
+              </a:p>
+            </p:txBody>
+          </p:sp>
+        </p:grpSp>
+        <p:sp>
+          <p:nvSpPr>
+            <p:cNvPr id="18" name="文本框 17"/>
+            <p:cNvSpPr txBox="1"/>
+            <p:nvPr/>
+          </p:nvSpPr>
+          <p:spPr>
+            <a:xfrm>
+              <a:off x="6789161" y="4032958"/>
+              <a:ext cx="1441420" cy="307777"/>
+            </a:xfrm>
+            <a:prstGeom prst="rect">
+              <a:avLst/>
+            </a:prstGeom>
+            <a:noFill/>
+            <a:ln w="28575">
+              <a:noFill/>
+            </a:ln>
+          </p:spPr>
+          <p:txBody>
+            <a:bodyPr wrap="none" rtlCol="0">
+              <a:spAutoFit/>
+            </a:bodyPr>
+            <a:lstStyle/>
+            <a:p>
+              <a:r>
+                <a:rPr lang="zh-CN" altLang="en-US" sz="1400" smtClean="0"/>
+                <a:t>程序页面间通信</a:t>
+              </a:r>
+              <a:endParaRPr lang="zh-CN" altLang="en-US" sz="1400"/>
+            </a:p>
+          </p:txBody>
         </p:sp>
       </p:grpSp>
     </p:spTree>
     <p:extLst>
       <p:ext uri="{BB962C8B-B14F-4D97-AF65-F5344CB8AC3E}">
-        <p14:creationId xmlns:p14="http://schemas.microsoft.com/office/powerpoint/2010/main" val="3817797394"/>
+        <p14:creationId xmlns:p14="http://schemas.microsoft.com/office/powerpoint/2010/main" val="1498417820"/>
       </p:ext>
     </p:extLst>
   </p:cSld>
@@ -5183,211 +6139,1472 @@
           <a:chExt cx="0" cy="0"/>
         </a:xfrm>
       </p:grpSpPr>
-      <p:pic>
-        <p:nvPicPr>
-          <p:cNvPr id="2" name="图片 1"/>
-          <p:cNvPicPr>
-            <a:picLocks noChangeAspect="1"/>
-          </p:cNvPicPr>
+      <p:grpSp>
+        <p:nvGrpSpPr>
+          <p:cNvPr id="50" name="组合 49"/>
+          <p:cNvGrpSpPr/>
           <p:nvPr/>
-        </p:nvPicPr>
-        <p:blipFill>
-          <a:blip r:embed="rId2"/>
-          <a:stretch>
-            <a:fillRect/>
-          </a:stretch>
-        </p:blipFill>
-        <p:spPr>
+        </p:nvGrpSpPr>
+        <p:grpSpPr>
+          <a:xfrm>
+            <a:off x="58722" y="2348916"/>
+            <a:ext cx="5301843" cy="2689731"/>
+            <a:chOff x="58722" y="2348916"/>
+            <a:chExt cx="5301843" cy="2689731"/>
+          </a:xfrm>
+        </p:grpSpPr>
+        <p:grpSp>
+          <p:nvGrpSpPr>
+            <p:cNvPr id="27" name="组合 26"/>
+            <p:cNvGrpSpPr/>
+            <p:nvPr/>
+          </p:nvGrpSpPr>
+          <p:grpSpPr>
+            <a:xfrm>
+              <a:off x="58722" y="2348916"/>
+              <a:ext cx="5301843" cy="2209188"/>
+              <a:chOff x="58722" y="2348916"/>
+              <a:chExt cx="5301843" cy="2209188"/>
+            </a:xfrm>
+          </p:grpSpPr>
+          <p:sp>
+            <p:nvSpPr>
+              <p:cNvPr id="7" name="圆角矩形 6"/>
+              <p:cNvSpPr/>
+              <p:nvPr/>
+            </p:nvSpPr>
+            <p:spPr>
+              <a:xfrm>
+                <a:off x="58722" y="2348916"/>
+                <a:ext cx="2055303" cy="1795245"/>
+              </a:xfrm>
+              <a:prstGeom prst="roundRect">
+                <a:avLst/>
+              </a:prstGeom>
+              <a:solidFill>
+                <a:schemeClr val="bg1"/>
+              </a:solidFill>
+              <a:ln w="28575">
+                <a:solidFill>
+                  <a:schemeClr val="tx1"/>
+                </a:solidFill>
+              </a:ln>
+            </p:spPr>
+            <p:style>
+              <a:lnRef idx="2">
+                <a:schemeClr val="accent1">
+                  <a:shade val="50000"/>
+                </a:schemeClr>
+              </a:lnRef>
+              <a:fillRef idx="1">
+                <a:schemeClr val="accent1"/>
+              </a:fillRef>
+              <a:effectRef idx="0">
+                <a:schemeClr val="accent1"/>
+              </a:effectRef>
+              <a:fontRef idx="minor">
+                <a:schemeClr val="lt1"/>
+              </a:fontRef>
+            </p:style>
+            <p:txBody>
+              <a:bodyPr rtlCol="0" anchor="ctr"/>
+              <a:lstStyle/>
+              <a:p>
+                <a:pPr algn="ctr"/>
+                <a:endParaRPr lang="zh-CN" altLang="en-US"/>
+              </a:p>
+            </p:txBody>
+          </p:sp>
+          <p:sp>
+            <p:nvSpPr>
+              <p:cNvPr id="11" name="圆角矩形 10"/>
+              <p:cNvSpPr/>
+              <p:nvPr/>
+            </p:nvSpPr>
+            <p:spPr>
+              <a:xfrm>
+                <a:off x="3305262" y="2348916"/>
+                <a:ext cx="2055303" cy="1795245"/>
+              </a:xfrm>
+              <a:prstGeom prst="roundRect">
+                <a:avLst/>
+              </a:prstGeom>
+              <a:solidFill>
+                <a:schemeClr val="bg1"/>
+              </a:solidFill>
+              <a:ln w="28575">
+                <a:solidFill>
+                  <a:schemeClr val="tx1"/>
+                </a:solidFill>
+              </a:ln>
+            </p:spPr>
+            <p:style>
+              <a:lnRef idx="2">
+                <a:schemeClr val="accent1">
+                  <a:shade val="50000"/>
+                </a:schemeClr>
+              </a:lnRef>
+              <a:fillRef idx="1">
+                <a:schemeClr val="accent1"/>
+              </a:fillRef>
+              <a:effectRef idx="0">
+                <a:schemeClr val="accent1"/>
+              </a:effectRef>
+              <a:fontRef idx="minor">
+                <a:schemeClr val="lt1"/>
+              </a:fontRef>
+            </p:style>
+            <p:txBody>
+              <a:bodyPr rtlCol="0" anchor="ctr"/>
+              <a:lstStyle/>
+              <a:p>
+                <a:pPr algn="ctr"/>
+                <a:endParaRPr lang="zh-CN" altLang="en-US"/>
+              </a:p>
+            </p:txBody>
+          </p:sp>
+          <p:sp>
+            <p:nvSpPr>
+              <p:cNvPr id="12" name="圆角矩形 11"/>
+              <p:cNvSpPr/>
+              <p:nvPr/>
+            </p:nvSpPr>
+            <p:spPr>
+              <a:xfrm>
+                <a:off x="327171" y="2659310"/>
+                <a:ext cx="1518407" cy="478173"/>
+              </a:xfrm>
+              <a:prstGeom prst="roundRect">
+                <a:avLst/>
+              </a:prstGeom>
+              <a:solidFill>
+                <a:schemeClr val="bg1"/>
+              </a:solidFill>
+              <a:ln w="28575">
+                <a:solidFill>
+                  <a:schemeClr val="tx1"/>
+                </a:solidFill>
+              </a:ln>
+            </p:spPr>
+            <p:style>
+              <a:lnRef idx="2">
+                <a:schemeClr val="accent1">
+                  <a:shade val="50000"/>
+                </a:schemeClr>
+              </a:lnRef>
+              <a:fillRef idx="1">
+                <a:schemeClr val="accent1"/>
+              </a:fillRef>
+              <a:effectRef idx="0">
+                <a:schemeClr val="accent1"/>
+              </a:effectRef>
+              <a:fontRef idx="minor">
+                <a:schemeClr val="lt1"/>
+              </a:fontRef>
+            </p:style>
+            <p:txBody>
+              <a:bodyPr rtlCol="0" anchor="ctr"/>
+              <a:lstStyle/>
+              <a:p>
+                <a:pPr algn="ctr"/>
+                <a:r>
+                  <a:rPr lang="zh-CN" altLang="en-US" sz="1400">
+                    <a:solidFill>
+                      <a:schemeClr val="tx1"/>
+                    </a:solidFill>
+                  </a:rPr>
+                  <a:t>页</a:t>
+                </a:r>
+                <a:r>
+                  <a:rPr lang="zh-CN" altLang="en-US" sz="1400" smtClean="0">
+                    <a:solidFill>
+                      <a:schemeClr val="tx1"/>
+                    </a:solidFill>
+                  </a:rPr>
+                  <a:t>面显示与布局</a:t>
+                </a:r>
+                <a:endParaRPr lang="zh-CN" altLang="en-US" sz="1400">
+                  <a:solidFill>
+                    <a:schemeClr val="tx1"/>
+                  </a:solidFill>
+                </a:endParaRPr>
+              </a:p>
+            </p:txBody>
+          </p:sp>
+          <p:sp>
+            <p:nvSpPr>
+              <p:cNvPr id="13" name="圆角矩形 12"/>
+              <p:cNvSpPr/>
+              <p:nvPr/>
+            </p:nvSpPr>
+            <p:spPr>
+              <a:xfrm>
+                <a:off x="327171" y="3447877"/>
+                <a:ext cx="1518407" cy="478173"/>
+              </a:xfrm>
+              <a:prstGeom prst="roundRect">
+                <a:avLst/>
+              </a:prstGeom>
+              <a:solidFill>
+                <a:schemeClr val="bg1"/>
+              </a:solidFill>
+              <a:ln w="28575">
+                <a:solidFill>
+                  <a:schemeClr val="tx1"/>
+                </a:solidFill>
+              </a:ln>
+            </p:spPr>
+            <p:style>
+              <a:lnRef idx="2">
+                <a:schemeClr val="accent1">
+                  <a:shade val="50000"/>
+                </a:schemeClr>
+              </a:lnRef>
+              <a:fillRef idx="1">
+                <a:schemeClr val="accent1"/>
+              </a:fillRef>
+              <a:effectRef idx="0">
+                <a:schemeClr val="accent1"/>
+              </a:effectRef>
+              <a:fontRef idx="minor">
+                <a:schemeClr val="lt1"/>
+              </a:fontRef>
+            </p:style>
+            <p:txBody>
+              <a:bodyPr rtlCol="0" anchor="ctr"/>
+              <a:lstStyle/>
+              <a:p>
+                <a:pPr algn="ctr"/>
+                <a:r>
+                  <a:rPr lang="en-US" altLang="zh-CN" sz="1400">
+                    <a:solidFill>
+                      <a:schemeClr val="tx1"/>
+                    </a:solidFill>
+                  </a:rPr>
+                  <a:t>f</a:t>
+                </a:r>
+                <a:r>
+                  <a:rPr lang="en-US" altLang="zh-CN" sz="1400" smtClean="0">
+                    <a:solidFill>
+                      <a:schemeClr val="tx1"/>
+                    </a:solidFill>
+                  </a:rPr>
+                  <a:t>etch API</a:t>
+                </a:r>
+                <a:endParaRPr lang="zh-CN" altLang="en-US" sz="1400">
+                  <a:solidFill>
+                    <a:schemeClr val="tx1"/>
+                  </a:solidFill>
+                </a:endParaRPr>
+              </a:p>
+            </p:txBody>
+          </p:sp>
+          <p:sp>
+            <p:nvSpPr>
+              <p:cNvPr id="14" name="圆角矩形 13"/>
+              <p:cNvSpPr/>
+              <p:nvPr/>
+            </p:nvSpPr>
+            <p:spPr>
+              <a:xfrm>
+                <a:off x="3573709" y="2420223"/>
+                <a:ext cx="1518407" cy="478173"/>
+              </a:xfrm>
+              <a:prstGeom prst="roundRect">
+                <a:avLst/>
+              </a:prstGeom>
+              <a:solidFill>
+                <a:schemeClr val="bg1"/>
+              </a:solidFill>
+              <a:ln w="28575">
+                <a:solidFill>
+                  <a:schemeClr val="tx1"/>
+                </a:solidFill>
+              </a:ln>
+            </p:spPr>
+            <p:style>
+              <a:lnRef idx="2">
+                <a:schemeClr val="accent1">
+                  <a:shade val="50000"/>
+                </a:schemeClr>
+              </a:lnRef>
+              <a:fillRef idx="1">
+                <a:schemeClr val="accent1"/>
+              </a:fillRef>
+              <a:effectRef idx="0">
+                <a:schemeClr val="accent1"/>
+              </a:effectRef>
+              <a:fontRef idx="minor">
+                <a:schemeClr val="lt1"/>
+              </a:fontRef>
+            </p:style>
+            <p:txBody>
+              <a:bodyPr rtlCol="0" anchor="ctr"/>
+              <a:lstStyle/>
+              <a:p>
+                <a:pPr algn="ctr"/>
+                <a:r>
+                  <a:rPr lang="en-US" altLang="zh-CN" sz="1400" smtClean="0">
+                    <a:solidFill>
+                      <a:schemeClr val="tx1"/>
+                    </a:solidFill>
+                  </a:rPr>
+                  <a:t>HTTP</a:t>
+                </a:r>
+                <a:r>
+                  <a:rPr lang="zh-CN" altLang="en-US" sz="1400" smtClean="0">
+                    <a:solidFill>
+                      <a:schemeClr val="tx1"/>
+                    </a:solidFill>
+                  </a:rPr>
+                  <a:t>响应</a:t>
+                </a:r>
+                <a:endParaRPr lang="zh-CN" altLang="en-US" sz="1400">
+                  <a:solidFill>
+                    <a:schemeClr val="tx1"/>
+                  </a:solidFill>
+                </a:endParaRPr>
+              </a:p>
+            </p:txBody>
+          </p:sp>
+          <p:sp>
+            <p:nvSpPr>
+              <p:cNvPr id="15" name="圆角矩形 14"/>
+              <p:cNvSpPr/>
+              <p:nvPr/>
+            </p:nvSpPr>
+            <p:spPr>
+              <a:xfrm>
+                <a:off x="3573708" y="2998016"/>
+                <a:ext cx="1518407" cy="478173"/>
+              </a:xfrm>
+              <a:prstGeom prst="roundRect">
+                <a:avLst/>
+              </a:prstGeom>
+              <a:solidFill>
+                <a:schemeClr val="bg1"/>
+              </a:solidFill>
+              <a:ln w="28575">
+                <a:solidFill>
+                  <a:schemeClr val="tx1"/>
+                </a:solidFill>
+              </a:ln>
+            </p:spPr>
+            <p:style>
+              <a:lnRef idx="2">
+                <a:schemeClr val="accent1">
+                  <a:shade val="50000"/>
+                </a:schemeClr>
+              </a:lnRef>
+              <a:fillRef idx="1">
+                <a:schemeClr val="accent1"/>
+              </a:fillRef>
+              <a:effectRef idx="0">
+                <a:schemeClr val="accent1"/>
+              </a:effectRef>
+              <a:fontRef idx="minor">
+                <a:schemeClr val="lt1"/>
+              </a:fontRef>
+            </p:style>
+            <p:txBody>
+              <a:bodyPr rtlCol="0" anchor="ctr"/>
+              <a:lstStyle/>
+              <a:p>
+                <a:pPr algn="ctr"/>
+                <a:r>
+                  <a:rPr lang="en-US" altLang="zh-CN" sz="1400" smtClean="0">
+                    <a:solidFill>
+                      <a:schemeClr val="tx1"/>
+                    </a:solidFill>
+                  </a:rPr>
+                  <a:t>Node</a:t>
+                </a:r>
+                <a:r>
+                  <a:rPr lang="zh-CN" altLang="en-US" sz="1400" smtClean="0">
+                    <a:solidFill>
+                      <a:schemeClr val="tx1"/>
+                    </a:solidFill>
+                  </a:rPr>
+                  <a:t>服务</a:t>
+                </a:r>
+                <a:endParaRPr lang="zh-CN" altLang="en-US" sz="1400">
+                  <a:solidFill>
+                    <a:schemeClr val="tx1"/>
+                  </a:solidFill>
+                </a:endParaRPr>
+              </a:p>
+            </p:txBody>
+          </p:sp>
+          <p:sp>
+            <p:nvSpPr>
+              <p:cNvPr id="16" name="圆角矩形 15"/>
+              <p:cNvSpPr/>
+              <p:nvPr/>
+            </p:nvSpPr>
+            <p:spPr>
+              <a:xfrm>
+                <a:off x="3573708" y="3575809"/>
+                <a:ext cx="1518407" cy="478173"/>
+              </a:xfrm>
+              <a:prstGeom prst="roundRect">
+                <a:avLst/>
+              </a:prstGeom>
+              <a:solidFill>
+                <a:schemeClr val="bg1"/>
+              </a:solidFill>
+              <a:ln w="28575">
+                <a:solidFill>
+                  <a:schemeClr val="tx1"/>
+                </a:solidFill>
+              </a:ln>
+            </p:spPr>
+            <p:style>
+              <a:lnRef idx="2">
+                <a:schemeClr val="accent1">
+                  <a:shade val="50000"/>
+                </a:schemeClr>
+              </a:lnRef>
+              <a:fillRef idx="1">
+                <a:schemeClr val="accent1"/>
+              </a:fillRef>
+              <a:effectRef idx="0">
+                <a:schemeClr val="accent1"/>
+              </a:effectRef>
+              <a:fontRef idx="minor">
+                <a:schemeClr val="lt1"/>
+              </a:fontRef>
+            </p:style>
+            <p:txBody>
+              <a:bodyPr rtlCol="0" anchor="ctr"/>
+              <a:lstStyle/>
+              <a:p>
+                <a:pPr algn="ctr"/>
+                <a:r>
+                  <a:rPr lang="en-US" altLang="zh-CN" sz="1400" smtClean="0">
+                    <a:solidFill>
+                      <a:schemeClr val="tx1"/>
+                    </a:solidFill>
+                  </a:rPr>
+                  <a:t>JSON </a:t>
+                </a:r>
+                <a:r>
+                  <a:rPr lang="zh-CN" altLang="en-US" sz="1400" smtClean="0">
+                    <a:solidFill>
+                      <a:schemeClr val="tx1"/>
+                    </a:solidFill>
+                  </a:rPr>
+                  <a:t>数据</a:t>
+                </a:r>
+                <a:endParaRPr lang="zh-CN" altLang="en-US" sz="1400">
+                  <a:solidFill>
+                    <a:schemeClr val="tx1"/>
+                  </a:solidFill>
+                </a:endParaRPr>
+              </a:p>
+            </p:txBody>
+          </p:sp>
+          <p:cxnSp>
+            <p:nvCxnSpPr>
+              <p:cNvPr id="20" name="直接箭头连接符 19"/>
+              <p:cNvCxnSpPr/>
+              <p:nvPr/>
+            </p:nvCxnSpPr>
+            <p:spPr>
+              <a:xfrm flipH="1">
+                <a:off x="2114025" y="3547230"/>
+                <a:ext cx="1191237" cy="0"/>
+              </a:xfrm>
+              <a:prstGeom prst="straightConnector1">
+                <a:avLst/>
+              </a:prstGeom>
+              <a:ln w="28575">
+                <a:solidFill>
+                  <a:schemeClr val="tx1"/>
+                </a:solidFill>
+                <a:tailEnd type="triangle"/>
+              </a:ln>
+            </p:spPr>
+            <p:style>
+              <a:lnRef idx="1">
+                <a:schemeClr val="accent1"/>
+              </a:lnRef>
+              <a:fillRef idx="0">
+                <a:schemeClr val="accent1"/>
+              </a:fillRef>
+              <a:effectRef idx="0">
+                <a:schemeClr val="accent1"/>
+              </a:effectRef>
+              <a:fontRef idx="minor">
+                <a:schemeClr val="tx1"/>
+              </a:fontRef>
+            </p:style>
+          </p:cxnSp>
+          <p:cxnSp>
+            <p:nvCxnSpPr>
+              <p:cNvPr id="22" name="直接箭头连接符 21"/>
+              <p:cNvCxnSpPr/>
+              <p:nvPr/>
+            </p:nvCxnSpPr>
+            <p:spPr>
+              <a:xfrm>
+                <a:off x="2114025" y="2835479"/>
+                <a:ext cx="1191237" cy="0"/>
+              </a:xfrm>
+              <a:prstGeom prst="straightConnector1">
+                <a:avLst/>
+              </a:prstGeom>
+              <a:ln w="28575">
+                <a:solidFill>
+                  <a:schemeClr val="tx1"/>
+                </a:solidFill>
+                <a:tailEnd type="triangle"/>
+              </a:ln>
+            </p:spPr>
+            <p:style>
+              <a:lnRef idx="1">
+                <a:schemeClr val="accent1"/>
+              </a:lnRef>
+              <a:fillRef idx="0">
+                <a:schemeClr val="accent1"/>
+              </a:fillRef>
+              <a:effectRef idx="0">
+                <a:schemeClr val="accent1"/>
+              </a:effectRef>
+              <a:fontRef idx="minor">
+                <a:schemeClr val="tx1"/>
+              </a:fontRef>
+            </p:style>
+          </p:cxnSp>
+          <p:sp>
+            <p:nvSpPr>
+              <p:cNvPr id="23" name="文本框 22"/>
+              <p:cNvSpPr txBox="1"/>
+              <p:nvPr/>
+            </p:nvSpPr>
+            <p:spPr>
+              <a:xfrm>
+                <a:off x="2442739" y="2446172"/>
+                <a:ext cx="543739" cy="307777"/>
+              </a:xfrm>
+              <a:prstGeom prst="rect">
+                <a:avLst/>
+              </a:prstGeom>
+              <a:noFill/>
+              <a:ln w="28575">
+                <a:noFill/>
+              </a:ln>
+            </p:spPr>
+            <p:txBody>
+              <a:bodyPr wrap="none" rtlCol="0">
+                <a:spAutoFit/>
+              </a:bodyPr>
+              <a:lstStyle/>
+              <a:p>
+                <a:r>
+                  <a:rPr lang="zh-CN" altLang="en-US" sz="1400" smtClean="0"/>
+                  <a:t>请求</a:t>
+                </a:r>
+                <a:endParaRPr lang="zh-CN" altLang="en-US" sz="1400"/>
+              </a:p>
+            </p:txBody>
+          </p:sp>
+          <p:sp>
+            <p:nvSpPr>
+              <p:cNvPr id="24" name="文本框 23"/>
+              <p:cNvSpPr txBox="1"/>
+              <p:nvPr/>
+            </p:nvSpPr>
+            <p:spPr>
+              <a:xfrm>
+                <a:off x="2442739" y="3168412"/>
+                <a:ext cx="543739" cy="307777"/>
+              </a:xfrm>
+              <a:prstGeom prst="rect">
+                <a:avLst/>
+              </a:prstGeom>
+              <a:noFill/>
+              <a:ln w="28575">
+                <a:noFill/>
+              </a:ln>
+            </p:spPr>
+            <p:txBody>
+              <a:bodyPr wrap="none" rtlCol="0">
+                <a:spAutoFit/>
+              </a:bodyPr>
+              <a:lstStyle/>
+              <a:p>
+                <a:r>
+                  <a:rPr lang="zh-CN" altLang="en-US" sz="1400" smtClean="0"/>
+                  <a:t>响应</a:t>
+                </a:r>
+                <a:endParaRPr lang="zh-CN" altLang="en-US" sz="1400"/>
+              </a:p>
+            </p:txBody>
+          </p:sp>
+          <p:sp>
+            <p:nvSpPr>
+              <p:cNvPr id="25" name="文本框 24"/>
+              <p:cNvSpPr txBox="1"/>
+              <p:nvPr/>
+            </p:nvSpPr>
+            <p:spPr>
+              <a:xfrm>
+                <a:off x="330420" y="4250327"/>
+                <a:ext cx="1515158" cy="307777"/>
+              </a:xfrm>
+              <a:prstGeom prst="rect">
+                <a:avLst/>
+              </a:prstGeom>
+              <a:noFill/>
+              <a:ln w="28575">
+                <a:noFill/>
+              </a:ln>
+            </p:spPr>
+            <p:txBody>
+              <a:bodyPr wrap="none" rtlCol="0">
+                <a:spAutoFit/>
+              </a:bodyPr>
+              <a:lstStyle/>
+              <a:p>
+                <a:r>
+                  <a:rPr lang="en-US" altLang="zh-CN" sz="1400" smtClean="0"/>
+                  <a:t>ReactNative </a:t>
+                </a:r>
+                <a:r>
+                  <a:rPr lang="zh-CN" altLang="en-US" sz="1400" smtClean="0"/>
+                  <a:t>应用</a:t>
+                </a:r>
+                <a:endParaRPr lang="zh-CN" altLang="en-US" sz="1400"/>
+              </a:p>
+            </p:txBody>
+          </p:sp>
+          <p:sp>
+            <p:nvSpPr>
+              <p:cNvPr id="26" name="文本框 25"/>
+              <p:cNvSpPr txBox="1"/>
+              <p:nvPr/>
+            </p:nvSpPr>
+            <p:spPr>
+              <a:xfrm>
+                <a:off x="3960854" y="4250327"/>
+                <a:ext cx="744114" cy="307777"/>
+              </a:xfrm>
+              <a:prstGeom prst="rect">
+                <a:avLst/>
+              </a:prstGeom>
+              <a:noFill/>
+              <a:ln w="28575">
+                <a:noFill/>
+              </a:ln>
+            </p:spPr>
+            <p:txBody>
+              <a:bodyPr wrap="none" rtlCol="0">
+                <a:spAutoFit/>
+              </a:bodyPr>
+              <a:lstStyle/>
+              <a:p>
+                <a:r>
+                  <a:rPr lang="zh-CN" altLang="en-US" sz="1400" smtClean="0"/>
+                  <a:t>服务器</a:t>
+                </a:r>
+                <a:endParaRPr lang="zh-CN" altLang="en-US" sz="1400"/>
+              </a:p>
+            </p:txBody>
+          </p:sp>
+        </p:grpSp>
+        <p:sp>
+          <p:nvSpPr>
+            <p:cNvPr id="47" name="文本框 46"/>
+            <p:cNvSpPr txBox="1"/>
+            <p:nvPr/>
+          </p:nvSpPr>
+          <p:spPr>
+            <a:xfrm>
+              <a:off x="1988933" y="4730870"/>
+              <a:ext cx="1441420" cy="307777"/>
+            </a:xfrm>
+            <a:prstGeom prst="rect">
+              <a:avLst/>
+            </a:prstGeom>
+            <a:noFill/>
+            <a:ln w="28575">
+              <a:noFill/>
+            </a:ln>
+          </p:spPr>
+          <p:txBody>
+            <a:bodyPr wrap="none" rtlCol="0">
+              <a:spAutoFit/>
+            </a:bodyPr>
+            <a:lstStyle/>
+            <a:p>
+              <a:r>
+                <a:rPr lang="zh-CN" altLang="en-US" sz="1400"/>
+                <a:t>程序</a:t>
+              </a:r>
+              <a:r>
+                <a:rPr lang="zh-CN" altLang="en-US" sz="1400" smtClean="0"/>
+                <a:t>的网络通信</a:t>
+              </a:r>
+              <a:endParaRPr lang="zh-CN" altLang="en-US" sz="1400"/>
+            </a:p>
+          </p:txBody>
+        </p:sp>
+      </p:grpSp>
+      <p:grpSp>
+        <p:nvGrpSpPr>
+          <p:cNvPr id="51" name="组合 50"/>
+          <p:cNvGrpSpPr/>
+          <p:nvPr/>
+        </p:nvGrpSpPr>
+        <p:grpSpPr>
+          <a:xfrm>
+            <a:off x="5834544" y="2365824"/>
+            <a:ext cx="5805181" cy="2500057"/>
+            <a:chOff x="5834544" y="2365824"/>
+            <a:chExt cx="5805181" cy="2500057"/>
+          </a:xfrm>
+        </p:grpSpPr>
+        <p:grpSp>
+          <p:nvGrpSpPr>
+            <p:cNvPr id="45" name="组合 44"/>
+            <p:cNvGrpSpPr/>
+            <p:nvPr/>
+          </p:nvGrpSpPr>
+          <p:grpSpPr>
+            <a:xfrm>
+              <a:off x="5834544" y="2365824"/>
+              <a:ext cx="5805181" cy="1751595"/>
+              <a:chOff x="5834544" y="2365824"/>
+              <a:chExt cx="5805181" cy="1751595"/>
+            </a:xfrm>
+          </p:grpSpPr>
+          <p:sp>
+            <p:nvSpPr>
+              <p:cNvPr id="28" name="矩形 27"/>
+              <p:cNvSpPr/>
+              <p:nvPr/>
+            </p:nvSpPr>
+            <p:spPr>
+              <a:xfrm>
+                <a:off x="5834544" y="3097369"/>
+                <a:ext cx="1333849" cy="449861"/>
+              </a:xfrm>
+              <a:prstGeom prst="rect">
+                <a:avLst/>
+              </a:prstGeom>
+              <a:solidFill>
+                <a:schemeClr val="bg1"/>
+              </a:solidFill>
+              <a:ln w="28575">
+                <a:solidFill>
+                  <a:schemeClr val="tx1"/>
+                </a:solidFill>
+              </a:ln>
+            </p:spPr>
+            <p:style>
+              <a:lnRef idx="2">
+                <a:schemeClr val="accent1">
+                  <a:shade val="50000"/>
+                </a:schemeClr>
+              </a:lnRef>
+              <a:fillRef idx="1">
+                <a:schemeClr val="accent1"/>
+              </a:fillRef>
+              <a:effectRef idx="0">
+                <a:schemeClr val="accent1"/>
+              </a:effectRef>
+              <a:fontRef idx="minor">
+                <a:schemeClr val="lt1"/>
+              </a:fontRef>
+            </p:style>
+            <p:txBody>
+              <a:bodyPr rtlCol="0" anchor="ctr"/>
+              <a:lstStyle/>
+              <a:p>
+                <a:pPr algn="ctr"/>
+                <a:r>
+                  <a:rPr lang="zh-CN" altLang="en-US" sz="1400">
+                    <a:solidFill>
+                      <a:schemeClr val="tx1"/>
+                    </a:solidFill>
+                  </a:rPr>
+                  <a:t>读</a:t>
+                </a:r>
+                <a:r>
+                  <a:rPr lang="zh-CN" altLang="en-US" sz="1400" smtClean="0">
+                    <a:solidFill>
+                      <a:schemeClr val="tx1"/>
+                    </a:solidFill>
+                  </a:rPr>
+                  <a:t>取本地数据</a:t>
+                </a:r>
+                <a:endParaRPr lang="zh-CN" altLang="en-US" sz="1400">
+                  <a:solidFill>
+                    <a:schemeClr val="tx1"/>
+                  </a:solidFill>
+                </a:endParaRPr>
+              </a:p>
+            </p:txBody>
+          </p:sp>
+          <p:cxnSp>
+            <p:nvCxnSpPr>
+              <p:cNvPr id="33" name="直接箭头连接符 32"/>
+              <p:cNvCxnSpPr>
+                <a:stCxn id="28" idx="3"/>
+              </p:cNvCxnSpPr>
+              <p:nvPr/>
+            </p:nvCxnSpPr>
+            <p:spPr>
+              <a:xfrm flipV="1">
+                <a:off x="7168393" y="3322299"/>
+                <a:ext cx="947956" cy="1"/>
+              </a:xfrm>
+              <a:prstGeom prst="straightConnector1">
+                <a:avLst/>
+              </a:prstGeom>
+              <a:ln w="28575">
+                <a:solidFill>
+                  <a:schemeClr val="tx1"/>
+                </a:solidFill>
+                <a:tailEnd type="triangle"/>
+              </a:ln>
+            </p:spPr>
+            <p:style>
+              <a:lnRef idx="1">
+                <a:schemeClr val="accent1"/>
+              </a:lnRef>
+              <a:fillRef idx="0">
+                <a:schemeClr val="accent1"/>
+              </a:fillRef>
+              <a:effectRef idx="0">
+                <a:schemeClr val="accent1"/>
+              </a:effectRef>
+              <a:fontRef idx="minor">
+                <a:schemeClr val="tx1"/>
+              </a:fontRef>
+            </p:style>
+          </p:cxnSp>
+          <p:cxnSp>
+            <p:nvCxnSpPr>
+              <p:cNvPr id="35" name="直接箭头连接符 34"/>
+              <p:cNvCxnSpPr/>
+              <p:nvPr/>
+            </p:nvCxnSpPr>
+            <p:spPr>
+              <a:xfrm flipV="1">
+                <a:off x="9349531" y="2573847"/>
+                <a:ext cx="956345" cy="748452"/>
+              </a:xfrm>
+              <a:prstGeom prst="straightConnector1">
+                <a:avLst/>
+              </a:prstGeom>
+              <a:ln w="28575">
+                <a:solidFill>
+                  <a:schemeClr val="tx1"/>
+                </a:solidFill>
+                <a:tailEnd type="triangle"/>
+              </a:ln>
+            </p:spPr>
+            <p:style>
+              <a:lnRef idx="1">
+                <a:schemeClr val="accent1"/>
+              </a:lnRef>
+              <a:fillRef idx="0">
+                <a:schemeClr val="accent1"/>
+              </a:fillRef>
+              <a:effectRef idx="0">
+                <a:schemeClr val="accent1"/>
+              </a:effectRef>
+              <a:fontRef idx="minor">
+                <a:schemeClr val="tx1"/>
+              </a:fontRef>
+            </p:style>
+          </p:cxnSp>
+          <p:cxnSp>
+            <p:nvCxnSpPr>
+              <p:cNvPr id="37" name="直接箭头连接符 36"/>
+              <p:cNvCxnSpPr/>
+              <p:nvPr/>
+            </p:nvCxnSpPr>
+            <p:spPr>
+              <a:xfrm>
+                <a:off x="9349531" y="3322299"/>
+                <a:ext cx="956345" cy="595358"/>
+              </a:xfrm>
+              <a:prstGeom prst="straightConnector1">
+                <a:avLst/>
+              </a:prstGeom>
+              <a:ln w="28575">
+                <a:solidFill>
+                  <a:schemeClr val="tx1"/>
+                </a:solidFill>
+                <a:tailEnd type="triangle"/>
+              </a:ln>
+            </p:spPr>
+            <p:style>
+              <a:lnRef idx="1">
+                <a:schemeClr val="accent1"/>
+              </a:lnRef>
+              <a:fillRef idx="0">
+                <a:schemeClr val="accent1"/>
+              </a:fillRef>
+              <a:effectRef idx="0">
+                <a:schemeClr val="accent1"/>
+              </a:effectRef>
+              <a:fontRef idx="minor">
+                <a:schemeClr val="tx1"/>
+              </a:fontRef>
+            </p:style>
+          </p:cxnSp>
+          <p:sp>
+            <p:nvSpPr>
+              <p:cNvPr id="39" name="矩形 38"/>
+              <p:cNvSpPr/>
+              <p:nvPr/>
+            </p:nvSpPr>
+            <p:spPr>
+              <a:xfrm>
+                <a:off x="8103765" y="3097369"/>
+                <a:ext cx="1333849" cy="449861"/>
+              </a:xfrm>
+              <a:prstGeom prst="rect">
+                <a:avLst/>
+              </a:prstGeom>
+              <a:solidFill>
+                <a:schemeClr val="bg1"/>
+              </a:solidFill>
+              <a:ln w="28575">
+                <a:solidFill>
+                  <a:schemeClr val="tx1"/>
+                </a:solidFill>
+              </a:ln>
+            </p:spPr>
+            <p:style>
+              <a:lnRef idx="2">
+                <a:schemeClr val="accent1">
+                  <a:shade val="50000"/>
+                </a:schemeClr>
+              </a:lnRef>
+              <a:fillRef idx="1">
+                <a:schemeClr val="accent1"/>
+              </a:fillRef>
+              <a:effectRef idx="0">
+                <a:schemeClr val="accent1"/>
+              </a:effectRef>
+              <a:fontRef idx="minor">
+                <a:schemeClr val="lt1"/>
+              </a:fontRef>
+            </p:style>
+            <p:txBody>
+              <a:bodyPr rtlCol="0" anchor="ctr"/>
+              <a:lstStyle/>
+              <a:p>
+                <a:pPr algn="ctr"/>
+                <a:r>
+                  <a:rPr lang="zh-CN" altLang="en-US" sz="1400" smtClean="0">
+                    <a:solidFill>
+                      <a:schemeClr val="tx1"/>
+                    </a:solidFill>
+                  </a:rPr>
+                  <a:t>请求网络数据</a:t>
+                </a:r>
+                <a:endParaRPr lang="zh-CN" altLang="en-US" sz="1400">
+                  <a:solidFill>
+                    <a:schemeClr val="tx1"/>
+                  </a:solidFill>
+                </a:endParaRPr>
+              </a:p>
+            </p:txBody>
+          </p:sp>
+          <p:sp>
+            <p:nvSpPr>
+              <p:cNvPr id="40" name="矩形 39"/>
+              <p:cNvSpPr/>
+              <p:nvPr/>
+            </p:nvSpPr>
+            <p:spPr>
+              <a:xfrm>
+                <a:off x="10305876" y="2365824"/>
+                <a:ext cx="1333849" cy="449861"/>
+              </a:xfrm>
+              <a:prstGeom prst="rect">
+                <a:avLst/>
+              </a:prstGeom>
+              <a:solidFill>
+                <a:schemeClr val="bg1"/>
+              </a:solidFill>
+              <a:ln w="28575">
+                <a:solidFill>
+                  <a:schemeClr val="tx1"/>
+                </a:solidFill>
+              </a:ln>
+            </p:spPr>
+            <p:style>
+              <a:lnRef idx="2">
+                <a:schemeClr val="accent1">
+                  <a:shade val="50000"/>
+                </a:schemeClr>
+              </a:lnRef>
+              <a:fillRef idx="1">
+                <a:schemeClr val="accent1"/>
+              </a:fillRef>
+              <a:effectRef idx="0">
+                <a:schemeClr val="accent1"/>
+              </a:effectRef>
+              <a:fontRef idx="minor">
+                <a:schemeClr val="lt1"/>
+              </a:fontRef>
+            </p:style>
+            <p:txBody>
+              <a:bodyPr rtlCol="0" anchor="ctr"/>
+              <a:lstStyle/>
+              <a:p>
+                <a:pPr algn="ctr"/>
+                <a:r>
+                  <a:rPr lang="zh-CN" altLang="en-US" sz="1400" smtClean="0">
+                    <a:solidFill>
+                      <a:schemeClr val="tx1"/>
+                    </a:solidFill>
+                  </a:rPr>
+                  <a:t>存储到本地</a:t>
+                </a:r>
+                <a:endParaRPr lang="zh-CN" altLang="en-US" sz="1400">
+                  <a:solidFill>
+                    <a:schemeClr val="tx1"/>
+                  </a:solidFill>
+                </a:endParaRPr>
+              </a:p>
+            </p:txBody>
+          </p:sp>
+          <p:sp>
+            <p:nvSpPr>
+              <p:cNvPr id="41" name="矩形 40"/>
+              <p:cNvSpPr/>
+              <p:nvPr/>
+            </p:nvSpPr>
+            <p:spPr>
+              <a:xfrm>
+                <a:off x="10305875" y="3667558"/>
+                <a:ext cx="1333849" cy="449861"/>
+              </a:xfrm>
+              <a:prstGeom prst="rect">
+                <a:avLst/>
+              </a:prstGeom>
+              <a:solidFill>
+                <a:schemeClr val="bg1"/>
+              </a:solidFill>
+              <a:ln w="28575">
+                <a:solidFill>
+                  <a:schemeClr val="tx1"/>
+                </a:solidFill>
+              </a:ln>
+            </p:spPr>
+            <p:style>
+              <a:lnRef idx="2">
+                <a:schemeClr val="accent1">
+                  <a:shade val="50000"/>
+                </a:schemeClr>
+              </a:lnRef>
+              <a:fillRef idx="1">
+                <a:schemeClr val="accent1"/>
+              </a:fillRef>
+              <a:effectRef idx="0">
+                <a:schemeClr val="accent1"/>
+              </a:effectRef>
+              <a:fontRef idx="minor">
+                <a:schemeClr val="lt1"/>
+              </a:fontRef>
+            </p:style>
+            <p:txBody>
+              <a:bodyPr rtlCol="0" anchor="ctr"/>
+              <a:lstStyle/>
+              <a:p>
+                <a:pPr algn="ctr"/>
+                <a:r>
+                  <a:rPr lang="zh-CN" altLang="en-US" sz="1400" smtClean="0">
+                    <a:solidFill>
+                      <a:schemeClr val="tx1"/>
+                    </a:solidFill>
+                  </a:rPr>
+                  <a:t>读取本地数据</a:t>
+                </a:r>
+                <a:endParaRPr lang="zh-CN" altLang="en-US" sz="1400">
+                  <a:solidFill>
+                    <a:schemeClr val="tx1"/>
+                  </a:solidFill>
+                </a:endParaRPr>
+              </a:p>
+            </p:txBody>
+          </p:sp>
+          <p:sp>
+            <p:nvSpPr>
+              <p:cNvPr id="42" name="文本框 41"/>
+              <p:cNvSpPr txBox="1"/>
+              <p:nvPr/>
+            </p:nvSpPr>
+            <p:spPr>
+              <a:xfrm>
+                <a:off x="9493688" y="2573845"/>
+                <a:ext cx="543739" cy="307777"/>
+              </a:xfrm>
+              <a:prstGeom prst="rect">
+                <a:avLst/>
+              </a:prstGeom>
+              <a:noFill/>
+              <a:ln w="28575">
+                <a:noFill/>
+              </a:ln>
+            </p:spPr>
+            <p:txBody>
+              <a:bodyPr wrap="none" rtlCol="0">
+                <a:spAutoFit/>
+              </a:bodyPr>
+              <a:lstStyle/>
+              <a:p>
+                <a:r>
+                  <a:rPr lang="zh-CN" altLang="en-US" sz="1400" smtClean="0"/>
+                  <a:t>成功</a:t>
+                </a:r>
+                <a:endParaRPr lang="zh-CN" altLang="en-US" sz="1400"/>
+              </a:p>
+            </p:txBody>
+          </p:sp>
+          <p:sp>
+            <p:nvSpPr>
+              <p:cNvPr id="43" name="文本框 42"/>
+              <p:cNvSpPr txBox="1"/>
+              <p:nvPr/>
+            </p:nvSpPr>
+            <p:spPr>
+              <a:xfrm>
+                <a:off x="9493688" y="3732960"/>
+                <a:ext cx="540533" cy="307777"/>
+              </a:xfrm>
+              <a:prstGeom prst="rect">
+                <a:avLst/>
+              </a:prstGeom>
+              <a:noFill/>
+              <a:ln w="28575">
+                <a:noFill/>
+              </a:ln>
+            </p:spPr>
+            <p:txBody>
+              <a:bodyPr wrap="none" rtlCol="0">
+                <a:spAutoFit/>
+              </a:bodyPr>
+              <a:lstStyle/>
+              <a:p>
+                <a:r>
+                  <a:rPr lang="zh-CN" altLang="en-US" sz="1400"/>
+                  <a:t>失败</a:t>
+                </a:r>
+              </a:p>
+            </p:txBody>
+          </p:sp>
+        </p:grpSp>
+        <p:sp>
+          <p:nvSpPr>
+            <p:cNvPr id="49" name="文本框 48"/>
+            <p:cNvSpPr txBox="1"/>
+            <p:nvPr/>
+          </p:nvSpPr>
+          <p:spPr>
+            <a:xfrm>
+              <a:off x="8103765" y="4558104"/>
+              <a:ext cx="1441420" cy="307777"/>
+            </a:xfrm>
+            <a:prstGeom prst="rect">
+              <a:avLst/>
+            </a:prstGeom>
+            <a:noFill/>
+            <a:ln w="28575">
+              <a:noFill/>
+            </a:ln>
+          </p:spPr>
+          <p:txBody>
+            <a:bodyPr wrap="none" rtlCol="0">
+              <a:spAutoFit/>
+            </a:bodyPr>
+            <a:lstStyle/>
+            <a:p>
+              <a:r>
+                <a:rPr lang="zh-CN" altLang="en-US" sz="1400" smtClean="0"/>
+                <a:t>程序的</a:t>
+              </a:r>
+              <a:r>
+                <a:rPr lang="zh-CN" altLang="en-US" sz="1400"/>
+                <a:t>数据</a:t>
+              </a:r>
+              <a:r>
+                <a:rPr lang="zh-CN" altLang="en-US" sz="1400"/>
+                <a:t>流</a:t>
+              </a:r>
+              <a:r>
+                <a:rPr lang="zh-CN" altLang="en-US" sz="1400" smtClean="0"/>
+                <a:t>程</a:t>
+              </a:r>
+              <a:endParaRPr lang="zh-CN" altLang="en-US" sz="1400"/>
+            </a:p>
+          </p:txBody>
+        </p:sp>
+      </p:grpSp>
+    </p:spTree>
+    <p:extLst>
+      <p:ext uri="{BB962C8B-B14F-4D97-AF65-F5344CB8AC3E}">
+        <p14:creationId xmlns:p14="http://schemas.microsoft.com/office/powerpoint/2010/main" val="3817797394"/>
+      </p:ext>
+    </p:extLst>
+  </p:cSld>
+  <p:clrMapOvr>
+    <a:masterClrMapping/>
+  </p:clrMapOvr>
+  <p:timing>
+    <p:tnLst>
+      <p:par>
+        <p:cTn id="1" dur="indefinite" restart="never" nodeType="tmRoot"/>
+      </p:par>
+    </p:tnLst>
+  </p:timing>
+</p:sld>
+</file>
+
+<file path=ppt/slides/slide5.xml><?xml version="1.0" encoding="utf-8"?>
+<p:sld xmlns:a="http://schemas.openxmlformats.org/drawingml/2006/main" xmlns:r="http://schemas.openxmlformats.org/officeDocument/2006/relationships" xmlns:p="http://schemas.openxmlformats.org/presentationml/2006/main">
+  <p:cSld>
+    <p:spTree>
+      <p:nvGrpSpPr>
+        <p:cNvPr id="1" name=""/>
+        <p:cNvGrpSpPr/>
+        <p:nvPr/>
+      </p:nvGrpSpPr>
+      <p:grpSpPr>
+        <a:xfrm>
+          <a:off x="0" y="0"/>
+          <a:ext cx="0" cy="0"/>
+          <a:chOff x="0" y="0"/>
+          <a:chExt cx="0" cy="0"/>
+        </a:xfrm>
+      </p:grpSpPr>
+      <p:grpSp>
+        <p:nvGrpSpPr>
+          <p:cNvPr id="10" name="组合 9"/>
+          <p:cNvGrpSpPr/>
+          <p:nvPr/>
+        </p:nvGrpSpPr>
+        <p:grpSpPr>
           <a:xfrm>
             <a:off x="414338" y="190088"/>
-            <a:ext cx="3260724" cy="5791611"/>
+            <a:ext cx="11598684" cy="6503844"/>
+            <a:chOff x="414338" y="190088"/>
+            <a:chExt cx="11598684" cy="6503844"/>
           </a:xfrm>
-          <a:prstGeom prst="rect">
-            <a:avLst/>
-          </a:prstGeom>
-          <a:ln>
+        </p:grpSpPr>
+        <p:pic>
+          <p:nvPicPr>
+            <p:cNvPr id="3" name="图片 2"/>
+            <p:cNvPicPr>
+              <a:picLocks noChangeAspect="1"/>
+            </p:cNvPicPr>
+            <p:nvPr/>
+          </p:nvPicPr>
+          <p:blipFill>
+            <a:blip r:embed="rId2"/>
+            <a:stretch>
+              <a:fillRect/>
+            </a:stretch>
+          </p:blipFill>
+          <p:spPr>
+            <a:xfrm>
+              <a:off x="4583318" y="190088"/>
+              <a:ext cx="3260724" cy="5791611"/>
+            </a:xfrm>
+            <a:prstGeom prst="rect">
+              <a:avLst/>
+            </a:prstGeom>
+            <a:ln>
+              <a:noFill/>
+            </a:ln>
+            <a:effectLst>
+              <a:outerShdw blurRad="190500" algn="tl" rotWithShape="0">
+                <a:srgbClr val="000000">
+                  <a:alpha val="70000"/>
+                </a:srgbClr>
+              </a:outerShdw>
+            </a:effectLst>
+          </p:spPr>
+        </p:pic>
+        <p:sp>
+          <p:nvSpPr>
+            <p:cNvPr id="5" name="文本框 4"/>
+            <p:cNvSpPr txBox="1"/>
+            <p:nvPr/>
+          </p:nvSpPr>
+          <p:spPr>
+            <a:xfrm>
+              <a:off x="1435100" y="6324600"/>
+              <a:ext cx="1219200" cy="369332"/>
+            </a:xfrm>
+            <a:prstGeom prst="rect">
+              <a:avLst/>
+            </a:prstGeom>
             <a:noFill/>
-          </a:ln>
-          <a:effectLst>
-            <a:outerShdw blurRad="190500" algn="tl" rotWithShape="0">
-              <a:srgbClr val="000000">
-                <a:alpha val="70000"/>
-              </a:srgbClr>
-            </a:outerShdw>
-          </a:effectLst>
-        </p:spPr>
-      </p:pic>
-      <p:pic>
-        <p:nvPicPr>
-          <p:cNvPr id="3" name="图片 2"/>
-          <p:cNvPicPr>
-            <a:picLocks noChangeAspect="1"/>
-          </p:cNvPicPr>
-          <p:nvPr/>
-        </p:nvPicPr>
-        <p:blipFill>
-          <a:blip r:embed="rId3"/>
-          <a:stretch>
-            <a:fillRect/>
-          </a:stretch>
-        </p:blipFill>
-        <p:spPr>
-          <a:xfrm>
-            <a:off x="4583318" y="190088"/>
-            <a:ext cx="3260724" cy="5791611"/>
-          </a:xfrm>
-          <a:prstGeom prst="rect">
-            <a:avLst/>
-          </a:prstGeom>
-          <a:ln>
+          </p:spPr>
+          <p:txBody>
+            <a:bodyPr wrap="square" rtlCol="0">
+              <a:spAutoFit/>
+            </a:bodyPr>
+            <a:lstStyle/>
+            <a:p>
+              <a:pPr algn="ctr"/>
+              <a:r>
+                <a:rPr lang="zh-CN" altLang="en-US">
+                  <a:latin typeface="微软雅黑" panose="020B0503020204020204" pitchFamily="34" charset="-122"/>
+                  <a:ea typeface="微软雅黑" panose="020B0503020204020204" pitchFamily="34" charset="-122"/>
+                </a:rPr>
+                <a:t>首页</a:t>
+              </a:r>
+            </a:p>
+          </p:txBody>
+        </p:sp>
+        <p:sp>
+          <p:nvSpPr>
+            <p:cNvPr id="6" name="文本框 5"/>
+            <p:cNvSpPr txBox="1"/>
+            <p:nvPr/>
+          </p:nvSpPr>
+          <p:spPr>
+            <a:xfrm>
+              <a:off x="5604080" y="6324600"/>
+              <a:ext cx="1219200" cy="369332"/>
+            </a:xfrm>
+            <a:prstGeom prst="rect">
+              <a:avLst/>
+            </a:prstGeom>
             <a:noFill/>
-          </a:ln>
-          <a:effectLst>
-            <a:outerShdw blurRad="190500" algn="tl" rotWithShape="0">
-              <a:srgbClr val="000000">
-                <a:alpha val="70000"/>
-              </a:srgbClr>
-            </a:outerShdw>
-          </a:effectLst>
-        </p:spPr>
-      </p:pic>
-      <p:pic>
-        <p:nvPicPr>
-          <p:cNvPr id="4" name="图片 3"/>
-          <p:cNvPicPr>
-            <a:picLocks noChangeAspect="1"/>
-          </p:cNvPicPr>
-          <p:nvPr/>
-        </p:nvPicPr>
-        <p:blipFill>
-          <a:blip r:embed="rId4"/>
-          <a:stretch>
-            <a:fillRect/>
-          </a:stretch>
-        </p:blipFill>
-        <p:spPr>
-          <a:xfrm>
-            <a:off x="8609218" y="190088"/>
-            <a:ext cx="3260724" cy="5791611"/>
-          </a:xfrm>
-          <a:prstGeom prst="rect">
-            <a:avLst/>
-          </a:prstGeom>
-          <a:ln>
+          </p:spPr>
+          <p:txBody>
+            <a:bodyPr wrap="square" rtlCol="0">
+              <a:spAutoFit/>
+            </a:bodyPr>
+            <a:lstStyle/>
+            <a:p>
+              <a:pPr algn="ctr"/>
+              <a:r>
+                <a:rPr lang="zh-CN" altLang="en-US">
+                  <a:latin typeface="微软雅黑" panose="020B0503020204020204" pitchFamily="34" charset="-122"/>
+                  <a:ea typeface="微软雅黑" panose="020B0503020204020204" pitchFamily="34" charset="-122"/>
+                </a:rPr>
+                <a:t>任务</a:t>
+              </a:r>
+            </a:p>
+          </p:txBody>
+        </p:sp>
+        <p:sp>
+          <p:nvSpPr>
+            <p:cNvPr id="7" name="文本框 6"/>
+            <p:cNvSpPr txBox="1"/>
+            <p:nvPr/>
+          </p:nvSpPr>
+          <p:spPr>
+            <a:xfrm>
+              <a:off x="9629980" y="6318766"/>
+              <a:ext cx="1219200" cy="369332"/>
+            </a:xfrm>
+            <a:prstGeom prst="rect">
+              <a:avLst/>
+            </a:prstGeom>
             <a:noFill/>
-          </a:ln>
-          <a:effectLst>
-            <a:outerShdw blurRad="190500" algn="tl" rotWithShape="0">
-              <a:srgbClr val="000000">
-                <a:alpha val="70000"/>
-              </a:srgbClr>
-            </a:outerShdw>
-          </a:effectLst>
-        </p:spPr>
-      </p:pic>
-      <p:sp>
-        <p:nvSpPr>
-          <p:cNvPr id="5" name="文本框 4"/>
-          <p:cNvSpPr txBox="1"/>
-          <p:nvPr/>
-        </p:nvSpPr>
-        <p:spPr>
-          <a:xfrm>
-            <a:off x="1435100" y="6324600"/>
-            <a:ext cx="1219200" cy="369332"/>
-          </a:xfrm>
-          <a:prstGeom prst="rect">
-            <a:avLst/>
-          </a:prstGeom>
-          <a:noFill/>
-        </p:spPr>
-        <p:txBody>
-          <a:bodyPr wrap="square" rtlCol="0">
-            <a:spAutoFit/>
-          </a:bodyPr>
-          <a:lstStyle/>
-          <a:p>
-            <a:pPr algn="ctr"/>
-            <a:r>
-              <a:rPr lang="zh-CN" altLang="en-US">
+          </p:spPr>
+          <p:txBody>
+            <a:bodyPr wrap="square" rtlCol="0">
+              <a:spAutoFit/>
+            </a:bodyPr>
+            <a:lstStyle/>
+            <a:p>
+              <a:pPr algn="ctr"/>
+              <a:r>
+                <a:rPr lang="zh-CN" altLang="en-US" smtClean="0">
+                  <a:latin typeface="微软雅黑" panose="020B0503020204020204" pitchFamily="34" charset="-122"/>
+                  <a:ea typeface="微软雅黑" panose="020B0503020204020204" pitchFamily="34" charset="-122"/>
+                </a:rPr>
+                <a:t>我的</a:t>
+              </a:r>
+              <a:endParaRPr lang="zh-CN" altLang="en-US">
                 <a:latin typeface="微软雅黑" panose="020B0503020204020204" pitchFamily="34" charset="-122"/>
                 <a:ea typeface="微软雅黑" panose="020B0503020204020204" pitchFamily="34" charset="-122"/>
-              </a:rPr>
-              <a:t>首页</a:t>
-            </a:r>
-          </a:p>
-        </p:txBody>
-      </p:sp>
-      <p:sp>
-        <p:nvSpPr>
-          <p:cNvPr id="6" name="文本框 5"/>
-          <p:cNvSpPr txBox="1"/>
-          <p:nvPr/>
-        </p:nvSpPr>
-        <p:spPr>
-          <a:xfrm>
-            <a:off x="5604080" y="6324600"/>
-            <a:ext cx="1219200" cy="369332"/>
-          </a:xfrm>
-          <a:prstGeom prst="rect">
-            <a:avLst/>
-          </a:prstGeom>
-          <a:noFill/>
-        </p:spPr>
-        <p:txBody>
-          <a:bodyPr wrap="square" rtlCol="0">
-            <a:spAutoFit/>
-          </a:bodyPr>
-          <a:lstStyle/>
-          <a:p>
-            <a:pPr algn="ctr"/>
-            <a:r>
-              <a:rPr lang="zh-CN" altLang="en-US">
-                <a:latin typeface="微软雅黑" panose="020B0503020204020204" pitchFamily="34" charset="-122"/>
-                <a:ea typeface="微软雅黑" panose="020B0503020204020204" pitchFamily="34" charset="-122"/>
-              </a:rPr>
-              <a:t>任务</a:t>
-            </a:r>
-          </a:p>
-        </p:txBody>
-      </p:sp>
-      <p:sp>
-        <p:nvSpPr>
-          <p:cNvPr id="7" name="文本框 6"/>
-          <p:cNvSpPr txBox="1"/>
-          <p:nvPr/>
-        </p:nvSpPr>
-        <p:spPr>
-          <a:xfrm>
-            <a:off x="9629980" y="6318766"/>
-            <a:ext cx="1219200" cy="369332"/>
-          </a:xfrm>
-          <a:prstGeom prst="rect">
-            <a:avLst/>
-          </a:prstGeom>
-          <a:noFill/>
-        </p:spPr>
-        <p:txBody>
-          <a:bodyPr wrap="square" rtlCol="0">
-            <a:spAutoFit/>
-          </a:bodyPr>
-          <a:lstStyle/>
-          <a:p>
-            <a:pPr algn="ctr"/>
-            <a:r>
-              <a:rPr lang="zh-CN" altLang="en-US" smtClean="0">
-                <a:latin typeface="微软雅黑" panose="020B0503020204020204" pitchFamily="34" charset="-122"/>
-                <a:ea typeface="微软雅黑" panose="020B0503020204020204" pitchFamily="34" charset="-122"/>
-              </a:rPr>
-              <a:t>我的</a:t>
-            </a:r>
-            <a:endParaRPr lang="zh-CN" altLang="en-US">
-              <a:latin typeface="微软雅黑" panose="020B0503020204020204" pitchFamily="34" charset="-122"/>
-              <a:ea typeface="微软雅黑" panose="020B0503020204020204" pitchFamily="34" charset="-122"/>
-            </a:endParaRPr>
-          </a:p>
-        </p:txBody>
-      </p:sp>
+              </a:endParaRPr>
+            </a:p>
+          </p:txBody>
+        </p:sp>
+        <p:pic>
+          <p:nvPicPr>
+            <p:cNvPr id="8" name="图片 7"/>
+            <p:cNvPicPr>
+              <a:picLocks noChangeAspect="1"/>
+            </p:cNvPicPr>
+            <p:nvPr/>
+          </p:nvPicPr>
+          <p:blipFill>
+            <a:blip r:embed="rId3"/>
+            <a:stretch>
+              <a:fillRect/>
+            </a:stretch>
+          </p:blipFill>
+          <p:spPr>
+            <a:xfrm>
+              <a:off x="8752298" y="190088"/>
+              <a:ext cx="3260724" cy="5791611"/>
+            </a:xfrm>
+            <a:prstGeom prst="rect">
+              <a:avLst/>
+            </a:prstGeom>
+            <a:ln>
+              <a:noFill/>
+            </a:ln>
+            <a:effectLst>
+              <a:outerShdw blurRad="292100" dist="139700" dir="2700000" algn="tl" rotWithShape="0">
+                <a:srgbClr val="333333">
+                  <a:alpha val="65000"/>
+                </a:srgbClr>
+              </a:outerShdw>
+            </a:effectLst>
+          </p:spPr>
+        </p:pic>
+        <p:pic>
+          <p:nvPicPr>
+            <p:cNvPr id="9" name="图片 8"/>
+            <p:cNvPicPr>
+              <a:picLocks noChangeAspect="1"/>
+            </p:cNvPicPr>
+            <p:nvPr/>
+          </p:nvPicPr>
+          <p:blipFill>
+            <a:blip r:embed="rId4"/>
+            <a:stretch>
+              <a:fillRect/>
+            </a:stretch>
+          </p:blipFill>
+          <p:spPr>
+            <a:xfrm>
+              <a:off x="414338" y="190088"/>
+              <a:ext cx="3260724" cy="5791611"/>
+            </a:xfrm>
+            <a:prstGeom prst="rect">
+              <a:avLst/>
+            </a:prstGeom>
+            <a:ln>
+              <a:noFill/>
+            </a:ln>
+            <a:effectLst>
+              <a:outerShdw blurRad="292100" dist="139700" dir="2700000" algn="tl" rotWithShape="0">
+                <a:srgbClr val="333333">
+                  <a:alpha val="65000"/>
+                </a:srgbClr>
+              </a:outerShdw>
+            </a:effectLst>
+          </p:spPr>
+        </p:pic>
+      </p:grpSp>
     </p:spTree>
     <p:extLst>
       <p:ext uri="{BB962C8B-B14F-4D97-AF65-F5344CB8AC3E}">

--- a/Gooit自绘图标.pptx
+++ b/Gooit自绘图标.pptx
@@ -9,7 +9,8 @@
     <p:sldId id="262" r:id="rId3"/>
     <p:sldId id="263" r:id="rId4"/>
     <p:sldId id="260" r:id="rId5"/>
-    <p:sldId id="261" r:id="rId6"/>
+    <p:sldId id="264" r:id="rId6"/>
+    <p:sldId id="261" r:id="rId7"/>
   </p:sldIdLst>
   <p:sldSz cx="12192000" cy="6858000"/>
   <p:notesSz cx="6858000" cy="9144000"/>
@@ -245,7 +246,7 @@
           <a:p>
             <a:fld id="{422CCFCB-3385-4999-8F10-4D582A939C16}" type="datetimeFigureOut">
               <a:rPr lang="zh-CN" altLang="en-US" smtClean="0"/>
-              <a:t>2019/4/11</a:t>
+              <a:t>2019/4/12</a:t>
             </a:fld>
             <a:endParaRPr lang="zh-CN" altLang="en-US"/>
           </a:p>
@@ -413,7 +414,7 @@
           <a:p>
             <a:fld id="{422CCFCB-3385-4999-8F10-4D582A939C16}" type="datetimeFigureOut">
               <a:rPr lang="zh-CN" altLang="en-US" smtClean="0"/>
-              <a:t>2019/4/11</a:t>
+              <a:t>2019/4/12</a:t>
             </a:fld>
             <a:endParaRPr lang="zh-CN" altLang="en-US"/>
           </a:p>
@@ -591,7 +592,7 @@
           <a:p>
             <a:fld id="{422CCFCB-3385-4999-8F10-4D582A939C16}" type="datetimeFigureOut">
               <a:rPr lang="zh-CN" altLang="en-US" smtClean="0"/>
-              <a:t>2019/4/11</a:t>
+              <a:t>2019/4/12</a:t>
             </a:fld>
             <a:endParaRPr lang="zh-CN" altLang="en-US"/>
           </a:p>
@@ -759,7 +760,7 @@
           <a:p>
             <a:fld id="{422CCFCB-3385-4999-8F10-4D582A939C16}" type="datetimeFigureOut">
               <a:rPr lang="zh-CN" altLang="en-US" smtClean="0"/>
-              <a:t>2019/4/11</a:t>
+              <a:t>2019/4/12</a:t>
             </a:fld>
             <a:endParaRPr lang="zh-CN" altLang="en-US"/>
           </a:p>
@@ -1004,7 +1005,7 @@
           <a:p>
             <a:fld id="{422CCFCB-3385-4999-8F10-4D582A939C16}" type="datetimeFigureOut">
               <a:rPr lang="zh-CN" altLang="en-US" smtClean="0"/>
-              <a:t>2019/4/11</a:t>
+              <a:t>2019/4/12</a:t>
             </a:fld>
             <a:endParaRPr lang="zh-CN" altLang="en-US"/>
           </a:p>
@@ -1233,7 +1234,7 @@
           <a:p>
             <a:fld id="{422CCFCB-3385-4999-8F10-4D582A939C16}" type="datetimeFigureOut">
               <a:rPr lang="zh-CN" altLang="en-US" smtClean="0"/>
-              <a:t>2019/4/11</a:t>
+              <a:t>2019/4/12</a:t>
             </a:fld>
             <a:endParaRPr lang="zh-CN" altLang="en-US"/>
           </a:p>
@@ -1597,7 +1598,7 @@
           <a:p>
             <a:fld id="{422CCFCB-3385-4999-8F10-4D582A939C16}" type="datetimeFigureOut">
               <a:rPr lang="zh-CN" altLang="en-US" smtClean="0"/>
-              <a:t>2019/4/11</a:t>
+              <a:t>2019/4/12</a:t>
             </a:fld>
             <a:endParaRPr lang="zh-CN" altLang="en-US"/>
           </a:p>
@@ -1714,7 +1715,7 @@
           <a:p>
             <a:fld id="{422CCFCB-3385-4999-8F10-4D582A939C16}" type="datetimeFigureOut">
               <a:rPr lang="zh-CN" altLang="en-US" smtClean="0"/>
-              <a:t>2019/4/11</a:t>
+              <a:t>2019/4/12</a:t>
             </a:fld>
             <a:endParaRPr lang="zh-CN" altLang="en-US"/>
           </a:p>
@@ -1809,7 +1810,7 @@
           <a:p>
             <a:fld id="{422CCFCB-3385-4999-8F10-4D582A939C16}" type="datetimeFigureOut">
               <a:rPr lang="zh-CN" altLang="en-US" smtClean="0"/>
-              <a:t>2019/4/11</a:t>
+              <a:t>2019/4/12</a:t>
             </a:fld>
             <a:endParaRPr lang="zh-CN" altLang="en-US"/>
           </a:p>
@@ -2084,7 +2085,7 @@
           <a:p>
             <a:fld id="{422CCFCB-3385-4999-8F10-4D582A939C16}" type="datetimeFigureOut">
               <a:rPr lang="zh-CN" altLang="en-US" smtClean="0"/>
-              <a:t>2019/4/11</a:t>
+              <a:t>2019/4/12</a:t>
             </a:fld>
             <a:endParaRPr lang="zh-CN" altLang="en-US"/>
           </a:p>
@@ -2336,7 +2337,7 @@
           <a:p>
             <a:fld id="{422CCFCB-3385-4999-8F10-4D582A939C16}" type="datetimeFigureOut">
               <a:rPr lang="zh-CN" altLang="en-US" smtClean="0"/>
-              <a:t>2019/4/11</a:t>
+              <a:t>2019/4/12</a:t>
             </a:fld>
             <a:endParaRPr lang="zh-CN" altLang="en-US"/>
           </a:p>
@@ -2547,7 +2548,7 @@
           <a:p>
             <a:fld id="{422CCFCB-3385-4999-8F10-4D582A939C16}" type="datetimeFigureOut">
               <a:rPr lang="zh-CN" altLang="en-US" smtClean="0"/>
-              <a:t>2019/4/11</a:t>
+              <a:t>2019/4/12</a:t>
             </a:fld>
             <a:endParaRPr lang="zh-CN" altLang="en-US"/>
           </a:p>
@@ -7333,11 +7334,7 @@
               </a:r>
               <a:r>
                 <a:rPr lang="zh-CN" altLang="en-US" sz="1400"/>
-                <a:t>数据</a:t>
-              </a:r>
-              <a:r>
-                <a:rPr lang="zh-CN" altLang="en-US" sz="1400"/>
-                <a:t>流</a:t>
+                <a:t>数据流</a:t>
               </a:r>
               <a:r>
                 <a:rPr lang="zh-CN" altLang="en-US" sz="1400" smtClean="0"/>
@@ -7369,6 +7366,233 @@
 </file>
 
 <file path=ppt/slides/slide5.xml><?xml version="1.0" encoding="utf-8"?>
+<p:sld xmlns:a="http://schemas.openxmlformats.org/drawingml/2006/main" xmlns:r="http://schemas.openxmlformats.org/officeDocument/2006/relationships" xmlns:p="http://schemas.openxmlformats.org/presentationml/2006/main">
+  <p:cSld>
+    <p:spTree>
+      <p:nvGrpSpPr>
+        <p:cNvPr id="1" name=""/>
+        <p:cNvGrpSpPr/>
+        <p:nvPr/>
+      </p:nvGrpSpPr>
+      <p:grpSpPr>
+        <a:xfrm>
+          <a:off x="0" y="0"/>
+          <a:ext cx="0" cy="0"/>
+          <a:chOff x="0" y="0"/>
+          <a:chExt cx="0" cy="0"/>
+        </a:xfrm>
+      </p:grpSpPr>
+      <p:grpSp>
+        <p:nvGrpSpPr>
+          <p:cNvPr id="8" name="组合 7"/>
+          <p:cNvGrpSpPr/>
+          <p:nvPr/>
+        </p:nvGrpSpPr>
+        <p:grpSpPr>
+          <a:xfrm>
+            <a:off x="886923" y="751961"/>
+            <a:ext cx="9944197" cy="5104290"/>
+            <a:chOff x="886923" y="751961"/>
+            <a:chExt cx="9944197" cy="5104290"/>
+          </a:xfrm>
+        </p:grpSpPr>
+        <p:grpSp>
+          <p:nvGrpSpPr>
+            <p:cNvPr id="6" name="组合 5"/>
+            <p:cNvGrpSpPr/>
+            <p:nvPr/>
+          </p:nvGrpSpPr>
+          <p:grpSpPr>
+            <a:xfrm>
+              <a:off x="886923" y="751961"/>
+              <a:ext cx="9944197" cy="4334850"/>
+              <a:chOff x="886923" y="751961"/>
+              <a:chExt cx="9944197" cy="4334850"/>
+            </a:xfrm>
+          </p:grpSpPr>
+          <p:pic>
+            <p:nvPicPr>
+              <p:cNvPr id="2" name="图片 1"/>
+              <p:cNvPicPr>
+                <a:picLocks noChangeAspect="1"/>
+              </p:cNvPicPr>
+              <p:nvPr/>
+            </p:nvPicPr>
+            <p:blipFill rotWithShape="1">
+              <a:blip r:embed="rId2">
+                <a:extLst>
+                  <a:ext uri="{28A0092B-C50C-407E-A947-70E740481C1C}">
+                    <a14:useLocalDpi xmlns:a14="http://schemas.microsoft.com/office/drawing/2010/main" val="0"/>
+                  </a:ext>
+                </a:extLst>
+              </a:blip>
+              <a:srcRect r="37951" b="4575"/>
+              <a:stretch/>
+            </p:blipFill>
+            <p:spPr>
+              <a:xfrm>
+                <a:off x="6232417" y="751961"/>
+                <a:ext cx="4598703" cy="4027073"/>
+              </a:xfrm>
+              <a:prstGeom prst="rect">
+                <a:avLst/>
+              </a:prstGeom>
+            </p:spPr>
+          </p:pic>
+          <p:pic>
+            <p:nvPicPr>
+              <p:cNvPr id="3" name="图片 2"/>
+              <p:cNvPicPr>
+                <a:picLocks noChangeAspect="1"/>
+              </p:cNvPicPr>
+              <p:nvPr/>
+            </p:nvPicPr>
+            <p:blipFill rotWithShape="1">
+              <a:blip r:embed="rId3">
+                <a:extLst>
+                  <a:ext uri="{28A0092B-C50C-407E-A947-70E740481C1C}">
+                    <a14:useLocalDpi xmlns:a14="http://schemas.microsoft.com/office/drawing/2010/main" val="0"/>
+                  </a:ext>
+                </a:extLst>
+              </a:blip>
+              <a:srcRect r="36149" b="5222"/>
+              <a:stretch/>
+            </p:blipFill>
+            <p:spPr>
+              <a:xfrm>
+                <a:off x="886923" y="751961"/>
+                <a:ext cx="4531584" cy="3476090"/>
+              </a:xfrm>
+              <a:prstGeom prst="rect">
+                <a:avLst/>
+              </a:prstGeom>
+            </p:spPr>
+          </p:pic>
+          <p:sp>
+            <p:nvSpPr>
+              <p:cNvPr id="4" name="文本框 3"/>
+              <p:cNvSpPr txBox="1"/>
+              <p:nvPr/>
+            </p:nvSpPr>
+            <p:spPr>
+              <a:xfrm>
+                <a:off x="2342236" y="4779033"/>
+                <a:ext cx="1620957" cy="307777"/>
+              </a:xfrm>
+              <a:prstGeom prst="rect">
+                <a:avLst/>
+              </a:prstGeom>
+              <a:noFill/>
+            </p:spPr>
+            <p:txBody>
+              <a:bodyPr wrap="none" rtlCol="0">
+                <a:spAutoFit/>
+              </a:bodyPr>
+              <a:lstStyle/>
+              <a:p>
+                <a:r>
+                  <a:rPr lang="zh-CN" altLang="en-US" sz="1400" smtClean="0"/>
+                  <a:t>注册成功返回信息</a:t>
+                </a:r>
+                <a:endParaRPr lang="zh-CN" altLang="en-US" sz="1400"/>
+              </a:p>
+            </p:txBody>
+          </p:sp>
+          <p:sp>
+            <p:nvSpPr>
+              <p:cNvPr id="34" name="文本框 33"/>
+              <p:cNvSpPr txBox="1"/>
+              <p:nvPr/>
+            </p:nvSpPr>
+            <p:spPr>
+              <a:xfrm>
+                <a:off x="7721289" y="4779034"/>
+                <a:ext cx="1620957" cy="307777"/>
+              </a:xfrm>
+              <a:prstGeom prst="rect">
+                <a:avLst/>
+              </a:prstGeom>
+              <a:noFill/>
+            </p:spPr>
+            <p:txBody>
+              <a:bodyPr wrap="none" rtlCol="0">
+                <a:spAutoFit/>
+              </a:bodyPr>
+              <a:lstStyle/>
+              <a:p>
+                <a:r>
+                  <a:rPr lang="zh-CN" altLang="en-US" sz="1400" smtClean="0"/>
+                  <a:t>登录成功返回信息</a:t>
+                </a:r>
+                <a:endParaRPr lang="zh-CN" altLang="en-US" sz="1400"/>
+              </a:p>
+            </p:txBody>
+          </p:sp>
+        </p:grpSp>
+        <p:sp>
+          <p:nvSpPr>
+            <p:cNvPr id="36" name="文本框 35"/>
+            <p:cNvSpPr txBox="1"/>
+            <p:nvPr/>
+          </p:nvSpPr>
+          <p:spPr>
+            <a:xfrm>
+              <a:off x="4481931" y="5548474"/>
+              <a:ext cx="2720617" cy="307777"/>
+            </a:xfrm>
+            <a:prstGeom prst="rect">
+              <a:avLst/>
+            </a:prstGeom>
+            <a:noFill/>
+          </p:spPr>
+          <p:txBody>
+            <a:bodyPr wrap="none" rtlCol="0">
+              <a:spAutoFit/>
+            </a:bodyPr>
+            <a:lstStyle/>
+            <a:p>
+              <a:r>
+                <a:rPr lang="en-US" altLang="zh-CN" sz="1400" smtClean="0"/>
+                <a:t>Postman</a:t>
+              </a:r>
+              <a:r>
+                <a:rPr lang="zh-CN" altLang="en-US" sz="1400" smtClean="0"/>
+                <a:t>上的注册</a:t>
+              </a:r>
+              <a:r>
+                <a:rPr lang="en-US" altLang="zh-CN" sz="1400" smtClean="0"/>
+                <a:t>/</a:t>
+              </a:r>
+              <a:r>
+                <a:rPr lang="zh-CN" altLang="en-US" sz="1400" smtClean="0"/>
+                <a:t>登录返回信息</a:t>
+              </a:r>
+              <a:endParaRPr lang="zh-CN" altLang="en-US" sz="1400"/>
+            </a:p>
+          </p:txBody>
+        </p:sp>
+      </p:grpSp>
+    </p:spTree>
+    <p:extLst>
+      <p:ext uri="{BB962C8B-B14F-4D97-AF65-F5344CB8AC3E}">
+        <p14:creationId xmlns:p14="http://schemas.microsoft.com/office/powerpoint/2010/main" val="422255635"/>
+      </p:ext>
+    </p:extLst>
+  </p:cSld>
+  <p:clrMapOvr>
+    <a:masterClrMapping/>
+  </p:clrMapOvr>
+  <p:timing>
+    <p:tnLst>
+      <p:par>
+        <p:cTn id="1" dur="indefinite" restart="never" nodeType="tmRoot"/>
+      </p:par>
+    </p:tnLst>
+  </p:timing>
+</p:sld>
+</file>
+
+<file path=ppt/slides/slide6.xml><?xml version="1.0" encoding="utf-8"?>
 <p:sld xmlns:a="http://schemas.openxmlformats.org/drawingml/2006/main" xmlns:r="http://schemas.openxmlformats.org/officeDocument/2006/relationships" xmlns:p="http://schemas.openxmlformats.org/presentationml/2006/main">
   <p:cSld>
     <p:spTree>

--- a/Gooit自绘图标.pptx
+++ b/Gooit自绘图标.pptx
@@ -11,6 +11,8 @@
     <p:sldId id="260" r:id="rId5"/>
     <p:sldId id="264" r:id="rId6"/>
     <p:sldId id="261" r:id="rId7"/>
+    <p:sldId id="265" r:id="rId8"/>
+    <p:sldId id="266" r:id="rId9"/>
   </p:sldIdLst>
   <p:sldSz cx="12192000" cy="6858000"/>
   <p:notesSz cx="6858000" cy="9144000"/>
@@ -246,7 +248,7 @@
           <a:p>
             <a:fld id="{422CCFCB-3385-4999-8F10-4D582A939C16}" type="datetimeFigureOut">
               <a:rPr lang="zh-CN" altLang="en-US" smtClean="0"/>
-              <a:t>2019/4/12</a:t>
+              <a:t>2019/4/13</a:t>
             </a:fld>
             <a:endParaRPr lang="zh-CN" altLang="en-US"/>
           </a:p>
@@ -414,7 +416,7 @@
           <a:p>
             <a:fld id="{422CCFCB-3385-4999-8F10-4D582A939C16}" type="datetimeFigureOut">
               <a:rPr lang="zh-CN" altLang="en-US" smtClean="0"/>
-              <a:t>2019/4/12</a:t>
+              <a:t>2019/4/13</a:t>
             </a:fld>
             <a:endParaRPr lang="zh-CN" altLang="en-US"/>
           </a:p>
@@ -592,7 +594,7 @@
           <a:p>
             <a:fld id="{422CCFCB-3385-4999-8F10-4D582A939C16}" type="datetimeFigureOut">
               <a:rPr lang="zh-CN" altLang="en-US" smtClean="0"/>
-              <a:t>2019/4/12</a:t>
+              <a:t>2019/4/13</a:t>
             </a:fld>
             <a:endParaRPr lang="zh-CN" altLang="en-US"/>
           </a:p>
@@ -760,7 +762,7 @@
           <a:p>
             <a:fld id="{422CCFCB-3385-4999-8F10-4D582A939C16}" type="datetimeFigureOut">
               <a:rPr lang="zh-CN" altLang="en-US" smtClean="0"/>
-              <a:t>2019/4/12</a:t>
+              <a:t>2019/4/13</a:t>
             </a:fld>
             <a:endParaRPr lang="zh-CN" altLang="en-US"/>
           </a:p>
@@ -1005,7 +1007,7 @@
           <a:p>
             <a:fld id="{422CCFCB-3385-4999-8F10-4D582A939C16}" type="datetimeFigureOut">
               <a:rPr lang="zh-CN" altLang="en-US" smtClean="0"/>
-              <a:t>2019/4/12</a:t>
+              <a:t>2019/4/13</a:t>
             </a:fld>
             <a:endParaRPr lang="zh-CN" altLang="en-US"/>
           </a:p>
@@ -1234,7 +1236,7 @@
           <a:p>
             <a:fld id="{422CCFCB-3385-4999-8F10-4D582A939C16}" type="datetimeFigureOut">
               <a:rPr lang="zh-CN" altLang="en-US" smtClean="0"/>
-              <a:t>2019/4/12</a:t>
+              <a:t>2019/4/13</a:t>
             </a:fld>
             <a:endParaRPr lang="zh-CN" altLang="en-US"/>
           </a:p>
@@ -1598,7 +1600,7 @@
           <a:p>
             <a:fld id="{422CCFCB-3385-4999-8F10-4D582A939C16}" type="datetimeFigureOut">
               <a:rPr lang="zh-CN" altLang="en-US" smtClean="0"/>
-              <a:t>2019/4/12</a:t>
+              <a:t>2019/4/13</a:t>
             </a:fld>
             <a:endParaRPr lang="zh-CN" altLang="en-US"/>
           </a:p>
@@ -1715,7 +1717,7 @@
           <a:p>
             <a:fld id="{422CCFCB-3385-4999-8F10-4D582A939C16}" type="datetimeFigureOut">
               <a:rPr lang="zh-CN" altLang="en-US" smtClean="0"/>
-              <a:t>2019/4/12</a:t>
+              <a:t>2019/4/13</a:t>
             </a:fld>
             <a:endParaRPr lang="zh-CN" altLang="en-US"/>
           </a:p>
@@ -1810,7 +1812,7 @@
           <a:p>
             <a:fld id="{422CCFCB-3385-4999-8F10-4D582A939C16}" type="datetimeFigureOut">
               <a:rPr lang="zh-CN" altLang="en-US" smtClean="0"/>
-              <a:t>2019/4/12</a:t>
+              <a:t>2019/4/13</a:t>
             </a:fld>
             <a:endParaRPr lang="zh-CN" altLang="en-US"/>
           </a:p>
@@ -2085,7 +2087,7 @@
           <a:p>
             <a:fld id="{422CCFCB-3385-4999-8F10-4D582A939C16}" type="datetimeFigureOut">
               <a:rPr lang="zh-CN" altLang="en-US" smtClean="0"/>
-              <a:t>2019/4/12</a:t>
+              <a:t>2019/4/13</a:t>
             </a:fld>
             <a:endParaRPr lang="zh-CN" altLang="en-US"/>
           </a:p>
@@ -2337,7 +2339,7 @@
           <a:p>
             <a:fld id="{422CCFCB-3385-4999-8F10-4D582A939C16}" type="datetimeFigureOut">
               <a:rPr lang="zh-CN" altLang="en-US" smtClean="0"/>
-              <a:t>2019/4/12</a:t>
+              <a:t>2019/4/13</a:t>
             </a:fld>
             <a:endParaRPr lang="zh-CN" altLang="en-US"/>
           </a:p>
@@ -2548,7 +2550,7 @@
           <a:p>
             <a:fld id="{422CCFCB-3385-4999-8F10-4D582A939C16}" type="datetimeFigureOut">
               <a:rPr lang="zh-CN" altLang="en-US" smtClean="0"/>
-              <a:t>2019/4/12</a:t>
+              <a:t>2019/4/13</a:t>
             </a:fld>
             <a:endParaRPr lang="zh-CN" altLang="en-US"/>
           </a:p>
@@ -7849,6 +7851,381 @@
 </p:sld>
 </file>
 
+<file path=ppt/slides/slide7.xml><?xml version="1.0" encoding="utf-8"?>
+<p:sld xmlns:a="http://schemas.openxmlformats.org/drawingml/2006/main" xmlns:r="http://schemas.openxmlformats.org/officeDocument/2006/relationships" xmlns:p="http://schemas.openxmlformats.org/presentationml/2006/main">
+  <p:cSld>
+    <p:spTree>
+      <p:nvGrpSpPr>
+        <p:cNvPr id="1" name=""/>
+        <p:cNvGrpSpPr/>
+        <p:nvPr/>
+      </p:nvGrpSpPr>
+      <p:grpSpPr>
+        <a:xfrm>
+          <a:off x="0" y="0"/>
+          <a:ext cx="0" cy="0"/>
+          <a:chOff x="0" y="0"/>
+          <a:chExt cx="0" cy="0"/>
+        </a:xfrm>
+      </p:grpSpPr>
+      <p:grpSp>
+        <p:nvGrpSpPr>
+          <p:cNvPr id="19" name="组合 18"/>
+          <p:cNvGrpSpPr/>
+          <p:nvPr/>
+        </p:nvGrpSpPr>
+        <p:grpSpPr>
+          <a:xfrm>
+            <a:off x="2996942" y="375729"/>
+            <a:ext cx="5667006" cy="5041984"/>
+            <a:chOff x="2996942" y="375729"/>
+            <a:chExt cx="5667006" cy="5041984"/>
+          </a:xfrm>
+        </p:grpSpPr>
+        <p:sp>
+          <p:nvSpPr>
+            <p:cNvPr id="13" name="文本框 12"/>
+            <p:cNvSpPr txBox="1"/>
+            <p:nvPr/>
+          </p:nvSpPr>
+          <p:spPr>
+            <a:xfrm>
+              <a:off x="3871532" y="5109936"/>
+              <a:ext cx="723275" cy="307777"/>
+            </a:xfrm>
+            <a:prstGeom prst="rect">
+              <a:avLst/>
+            </a:prstGeom>
+            <a:noFill/>
+          </p:spPr>
+          <p:txBody>
+            <a:bodyPr wrap="none" rtlCol="0">
+              <a:spAutoFit/>
+            </a:bodyPr>
+            <a:lstStyle/>
+            <a:p>
+              <a:r>
+                <a:rPr lang="zh-CN" altLang="en-US" sz="1400"/>
+                <a:t>搜</a:t>
+              </a:r>
+              <a:r>
+                <a:rPr lang="zh-CN" altLang="en-US" sz="1400" smtClean="0"/>
+                <a:t>索框</a:t>
+              </a:r>
+              <a:endParaRPr lang="zh-CN" altLang="en-US" sz="1400"/>
+            </a:p>
+          </p:txBody>
+        </p:sp>
+        <p:sp>
+          <p:nvSpPr>
+            <p:cNvPr id="14" name="文本框 13"/>
+            <p:cNvSpPr txBox="1"/>
+            <p:nvPr/>
+          </p:nvSpPr>
+          <p:spPr>
+            <a:xfrm>
+              <a:off x="6976316" y="5109936"/>
+              <a:ext cx="902811" cy="307777"/>
+            </a:xfrm>
+            <a:prstGeom prst="rect">
+              <a:avLst/>
+            </a:prstGeom>
+            <a:noFill/>
+          </p:spPr>
+          <p:txBody>
+            <a:bodyPr wrap="none" rtlCol="0">
+              <a:spAutoFit/>
+            </a:bodyPr>
+            <a:lstStyle/>
+            <a:p>
+              <a:r>
+                <a:rPr lang="zh-CN" altLang="en-US" sz="1400"/>
+                <a:t>结果</a:t>
+              </a:r>
+              <a:r>
+                <a:rPr lang="zh-CN" altLang="en-US" sz="1400" smtClean="0"/>
+                <a:t>列表</a:t>
+              </a:r>
+              <a:endParaRPr lang="zh-CN" altLang="en-US" sz="1400"/>
+            </a:p>
+          </p:txBody>
+        </p:sp>
+        <p:pic>
+          <p:nvPicPr>
+            <p:cNvPr id="16" name="图片 15"/>
+            <p:cNvPicPr>
+              <a:picLocks noChangeAspect="1"/>
+            </p:cNvPicPr>
+            <p:nvPr/>
+          </p:nvPicPr>
+          <p:blipFill>
+            <a:blip r:embed="rId2"/>
+            <a:stretch>
+              <a:fillRect/>
+            </a:stretch>
+          </p:blipFill>
+          <p:spPr>
+            <a:xfrm>
+              <a:off x="6191494" y="375730"/>
+              <a:ext cx="2472454" cy="4391507"/>
+            </a:xfrm>
+            <a:prstGeom prst="rect">
+              <a:avLst/>
+            </a:prstGeom>
+            <a:ln>
+              <a:noFill/>
+            </a:ln>
+            <a:effectLst>
+              <a:outerShdw blurRad="292100" dist="139700" dir="2700000" algn="tl" rotWithShape="0">
+                <a:srgbClr val="333333">
+                  <a:alpha val="65000"/>
+                </a:srgbClr>
+              </a:outerShdw>
+            </a:effectLst>
+          </p:spPr>
+        </p:pic>
+        <p:pic>
+          <p:nvPicPr>
+            <p:cNvPr id="18" name="图片 17"/>
+            <p:cNvPicPr>
+              <a:picLocks noChangeAspect="1"/>
+            </p:cNvPicPr>
+            <p:nvPr/>
+          </p:nvPicPr>
+          <p:blipFill>
+            <a:blip r:embed="rId3"/>
+            <a:stretch>
+              <a:fillRect/>
+            </a:stretch>
+          </p:blipFill>
+          <p:spPr>
+            <a:xfrm>
+              <a:off x="2996942" y="375729"/>
+              <a:ext cx="2472454" cy="4391507"/>
+            </a:xfrm>
+            <a:prstGeom prst="rect">
+              <a:avLst/>
+            </a:prstGeom>
+            <a:ln>
+              <a:noFill/>
+            </a:ln>
+            <a:effectLst>
+              <a:outerShdw blurRad="292100" dist="139700" dir="2700000" algn="tl" rotWithShape="0">
+                <a:srgbClr val="333333">
+                  <a:alpha val="65000"/>
+                </a:srgbClr>
+              </a:outerShdw>
+            </a:effectLst>
+          </p:spPr>
+        </p:pic>
+      </p:grpSp>
+    </p:spTree>
+    <p:extLst>
+      <p:ext uri="{BB962C8B-B14F-4D97-AF65-F5344CB8AC3E}">
+        <p14:creationId xmlns:p14="http://schemas.microsoft.com/office/powerpoint/2010/main" val="3086250818"/>
+      </p:ext>
+    </p:extLst>
+  </p:cSld>
+  <p:clrMapOvr>
+    <a:masterClrMapping/>
+  </p:clrMapOvr>
+  <p:timing>
+    <p:tnLst>
+      <p:par>
+        <p:cTn id="1" dur="indefinite" restart="never" nodeType="tmRoot"/>
+      </p:par>
+    </p:tnLst>
+  </p:timing>
+</p:sld>
+</file>
+
+<file path=ppt/slides/slide8.xml><?xml version="1.0" encoding="utf-8"?>
+<p:sld xmlns:a="http://schemas.openxmlformats.org/drawingml/2006/main" xmlns:r="http://schemas.openxmlformats.org/officeDocument/2006/relationships" xmlns:p="http://schemas.openxmlformats.org/presentationml/2006/main">
+  <p:cSld>
+    <p:spTree>
+      <p:nvGrpSpPr>
+        <p:cNvPr id="1" name=""/>
+        <p:cNvGrpSpPr/>
+        <p:nvPr/>
+      </p:nvGrpSpPr>
+      <p:grpSpPr>
+        <a:xfrm>
+          <a:off x="0" y="0"/>
+          <a:ext cx="0" cy="0"/>
+          <a:chOff x="0" y="0"/>
+          <a:chExt cx="0" cy="0"/>
+        </a:xfrm>
+      </p:grpSpPr>
+      <p:grpSp>
+        <p:nvGrpSpPr>
+          <p:cNvPr id="9" name="组合 8"/>
+          <p:cNvGrpSpPr/>
+          <p:nvPr/>
+        </p:nvGrpSpPr>
+        <p:grpSpPr>
+          <a:xfrm>
+            <a:off x="2996942" y="532211"/>
+            <a:ext cx="5667006" cy="4885501"/>
+            <a:chOff x="2996942" y="532211"/>
+            <a:chExt cx="5667006" cy="4885501"/>
+          </a:xfrm>
+        </p:grpSpPr>
+        <p:pic>
+          <p:nvPicPr>
+            <p:cNvPr id="11" name="图片 10"/>
+            <p:cNvPicPr>
+              <a:picLocks noChangeAspect="1"/>
+            </p:cNvPicPr>
+            <p:nvPr/>
+          </p:nvPicPr>
+          <p:blipFill>
+            <a:blip r:embed="rId2"/>
+            <a:stretch>
+              <a:fillRect/>
+            </a:stretch>
+          </p:blipFill>
+          <p:spPr>
+            <a:xfrm>
+              <a:off x="2996942" y="532211"/>
+              <a:ext cx="2472454" cy="4391507"/>
+            </a:xfrm>
+            <a:prstGeom prst="rect">
+              <a:avLst/>
+            </a:prstGeom>
+            <a:ln>
+              <a:noFill/>
+            </a:ln>
+            <a:effectLst>
+              <a:outerShdw blurRad="292100" dist="139700" dir="2700000" algn="tl" rotWithShape="0">
+                <a:srgbClr val="333333">
+                  <a:alpha val="65000"/>
+                </a:srgbClr>
+              </a:outerShdw>
+            </a:effectLst>
+          </p:spPr>
+        </p:pic>
+        <p:pic>
+          <p:nvPicPr>
+            <p:cNvPr id="12" name="图片 11"/>
+            <p:cNvPicPr>
+              <a:picLocks noChangeAspect="1"/>
+            </p:cNvPicPr>
+            <p:nvPr/>
+          </p:nvPicPr>
+          <p:blipFill>
+            <a:blip r:embed="rId3"/>
+            <a:stretch>
+              <a:fillRect/>
+            </a:stretch>
+          </p:blipFill>
+          <p:spPr>
+            <a:xfrm>
+              <a:off x="6191494" y="532211"/>
+              <a:ext cx="2472454" cy="4391507"/>
+            </a:xfrm>
+            <a:prstGeom prst="rect">
+              <a:avLst/>
+            </a:prstGeom>
+            <a:ln>
+              <a:noFill/>
+            </a:ln>
+            <a:effectLst>
+              <a:outerShdw blurRad="292100" dist="139700" dir="2700000" algn="tl" rotWithShape="0">
+                <a:srgbClr val="333333">
+                  <a:alpha val="65000"/>
+                </a:srgbClr>
+              </a:outerShdw>
+            </a:effectLst>
+          </p:spPr>
+        </p:pic>
+        <p:sp>
+          <p:nvSpPr>
+            <p:cNvPr id="7" name="文本框 6"/>
+            <p:cNvSpPr txBox="1"/>
+            <p:nvPr/>
+          </p:nvSpPr>
+          <p:spPr>
+            <a:xfrm>
+              <a:off x="3781763" y="5109935"/>
+              <a:ext cx="902811" cy="307777"/>
+            </a:xfrm>
+            <a:prstGeom prst="rect">
+              <a:avLst/>
+            </a:prstGeom>
+            <a:noFill/>
+          </p:spPr>
+          <p:txBody>
+            <a:bodyPr wrap="none" rtlCol="0">
+              <a:spAutoFit/>
+            </a:bodyPr>
+            <a:lstStyle/>
+            <a:p>
+              <a:r>
+                <a:rPr lang="zh-CN" altLang="en-US" sz="1400" smtClean="0"/>
+                <a:t>参数</a:t>
+              </a:r>
+              <a:r>
+                <a:rPr lang="zh-CN" altLang="en-US" sz="1400"/>
+                <a:t>列表</a:t>
+              </a:r>
+            </a:p>
+          </p:txBody>
+        </p:sp>
+        <p:sp>
+          <p:nvSpPr>
+            <p:cNvPr id="8" name="文本框 7"/>
+            <p:cNvSpPr txBox="1"/>
+            <p:nvPr/>
+          </p:nvSpPr>
+          <p:spPr>
+            <a:xfrm>
+              <a:off x="7001963" y="5109935"/>
+              <a:ext cx="851515" cy="307777"/>
+            </a:xfrm>
+            <a:prstGeom prst="rect">
+              <a:avLst/>
+            </a:prstGeom>
+            <a:noFill/>
+          </p:spPr>
+          <p:txBody>
+            <a:bodyPr wrap="none" rtlCol="0">
+              <a:spAutoFit/>
+            </a:bodyPr>
+            <a:lstStyle/>
+            <a:p>
+              <a:r>
+                <a:rPr lang="zh-CN" altLang="en-US" sz="1400" smtClean="0"/>
+                <a:t>详情</a:t>
+              </a:r>
+              <a:r>
+                <a:rPr lang="en-US" altLang="zh-CN" sz="1400" smtClean="0"/>
+                <a:t>PDF</a:t>
+              </a:r>
+              <a:endParaRPr lang="zh-CN" altLang="en-US" sz="1400"/>
+            </a:p>
+          </p:txBody>
+        </p:sp>
+      </p:grpSp>
+    </p:spTree>
+    <p:extLst>
+      <p:ext uri="{BB962C8B-B14F-4D97-AF65-F5344CB8AC3E}">
+        <p14:creationId xmlns:p14="http://schemas.microsoft.com/office/powerpoint/2010/main" val="3667975101"/>
+      </p:ext>
+    </p:extLst>
+  </p:cSld>
+  <p:clrMapOvr>
+    <a:masterClrMapping/>
+  </p:clrMapOvr>
+  <p:timing>
+    <p:tnLst>
+      <p:par>
+        <p:cTn id="1" dur="indefinite" restart="never" nodeType="tmRoot"/>
+      </p:par>
+    </p:tnLst>
+  </p:timing>
+</p:sld>
+</file>
+
 <file path=ppt/theme/theme1.xml><?xml version="1.0" encoding="utf-8"?>
 <a:theme xmlns:a="http://schemas.openxmlformats.org/drawingml/2006/main" name="Office 主题​​">
   <a:themeElements>

--- a/Gooit自绘图标.pptx
+++ b/Gooit自绘图标.pptx
@@ -13,6 +13,8 @@
     <p:sldId id="261" r:id="rId7"/>
     <p:sldId id="265" r:id="rId8"/>
     <p:sldId id="266" r:id="rId9"/>
+    <p:sldId id="267" r:id="rId10"/>
+    <p:sldId id="268" r:id="rId11"/>
   </p:sldIdLst>
   <p:sldSz cx="12192000" cy="6858000"/>
   <p:notesSz cx="6858000" cy="9144000"/>
@@ -3672,6 +3674,254 @@
 </p:sld>
 </file>
 
+<file path=ppt/slides/slide10.xml><?xml version="1.0" encoding="utf-8"?>
+<p:sld xmlns:a="http://schemas.openxmlformats.org/drawingml/2006/main" xmlns:r="http://schemas.openxmlformats.org/officeDocument/2006/relationships" xmlns:p="http://schemas.openxmlformats.org/presentationml/2006/main">
+  <p:cSld>
+    <p:spTree>
+      <p:nvGrpSpPr>
+        <p:cNvPr id="1" name=""/>
+        <p:cNvGrpSpPr/>
+        <p:nvPr/>
+      </p:nvGrpSpPr>
+      <p:grpSpPr>
+        <a:xfrm>
+          <a:off x="0" y="0"/>
+          <a:ext cx="0" cy="0"/>
+          <a:chOff x="0" y="0"/>
+          <a:chExt cx="0" cy="0"/>
+        </a:xfrm>
+      </p:grpSpPr>
+      <p:grpSp>
+        <p:nvGrpSpPr>
+          <p:cNvPr id="10" name="组合 9"/>
+          <p:cNvGrpSpPr/>
+          <p:nvPr/>
+        </p:nvGrpSpPr>
+        <p:grpSpPr>
+          <a:xfrm>
+            <a:off x="2873450" y="1236693"/>
+            <a:ext cx="6652558" cy="4203691"/>
+            <a:chOff x="2873450" y="1236693"/>
+            <a:chExt cx="6652558" cy="4203691"/>
+          </a:xfrm>
+        </p:grpSpPr>
+        <p:pic>
+          <p:nvPicPr>
+            <p:cNvPr id="2" name="图片 1"/>
+            <p:cNvPicPr>
+              <a:picLocks noChangeAspect="1"/>
+            </p:cNvPicPr>
+            <p:nvPr/>
+          </p:nvPicPr>
+          <p:blipFill>
+            <a:blip r:embed="rId2"/>
+            <a:stretch>
+              <a:fillRect/>
+            </a:stretch>
+          </p:blipFill>
+          <p:spPr>
+            <a:xfrm>
+              <a:off x="2873450" y="1236693"/>
+              <a:ext cx="1750768" cy="3109667"/>
+            </a:xfrm>
+            <a:prstGeom prst="rect">
+              <a:avLst/>
+            </a:prstGeom>
+          </p:spPr>
+        </p:pic>
+        <p:pic>
+          <p:nvPicPr>
+            <p:cNvPr id="5" name="图片 4"/>
+            <p:cNvPicPr>
+              <a:picLocks noChangeAspect="1"/>
+            </p:cNvPicPr>
+            <p:nvPr/>
+          </p:nvPicPr>
+          <p:blipFill>
+            <a:blip r:embed="rId3"/>
+            <a:stretch>
+              <a:fillRect/>
+            </a:stretch>
+          </p:blipFill>
+          <p:spPr>
+            <a:xfrm>
+              <a:off x="5323429" y="1236693"/>
+              <a:ext cx="1752600" cy="3112921"/>
+            </a:xfrm>
+            <a:prstGeom prst="rect">
+              <a:avLst/>
+            </a:prstGeom>
+          </p:spPr>
+        </p:pic>
+        <p:pic>
+          <p:nvPicPr>
+            <p:cNvPr id="6" name="图片 5"/>
+            <p:cNvPicPr>
+              <a:picLocks noChangeAspect="1"/>
+            </p:cNvPicPr>
+            <p:nvPr/>
+          </p:nvPicPr>
+          <p:blipFill>
+            <a:blip r:embed="rId4"/>
+            <a:stretch>
+              <a:fillRect/>
+            </a:stretch>
+          </p:blipFill>
+          <p:spPr>
+            <a:xfrm>
+              <a:off x="7775240" y="1236693"/>
+              <a:ext cx="1750768" cy="3109668"/>
+            </a:xfrm>
+            <a:prstGeom prst="rect">
+              <a:avLst/>
+            </a:prstGeom>
+          </p:spPr>
+        </p:pic>
+        <p:sp>
+          <p:nvSpPr>
+            <p:cNvPr id="27" name="文本框 26"/>
+            <p:cNvSpPr txBox="1"/>
+            <p:nvPr/>
+          </p:nvSpPr>
+          <p:spPr>
+            <a:xfrm>
+              <a:off x="3387196" y="4587223"/>
+              <a:ext cx="902811" cy="307777"/>
+            </a:xfrm>
+            <a:prstGeom prst="rect">
+              <a:avLst/>
+            </a:prstGeom>
+            <a:noFill/>
+          </p:spPr>
+          <p:txBody>
+            <a:bodyPr wrap="none" rtlCol="0">
+              <a:spAutoFit/>
+            </a:bodyPr>
+            <a:lstStyle/>
+            <a:p>
+              <a:r>
+                <a:rPr lang="zh-CN" altLang="en-US" sz="1400" smtClean="0"/>
+                <a:t>查看限制</a:t>
+              </a:r>
+              <a:endParaRPr lang="zh-CN" altLang="en-US" sz="1400"/>
+            </a:p>
+          </p:txBody>
+        </p:sp>
+        <p:sp>
+          <p:nvSpPr>
+            <p:cNvPr id="28" name="文本框 27"/>
+            <p:cNvSpPr txBox="1"/>
+            <p:nvPr/>
+          </p:nvSpPr>
+          <p:spPr>
+            <a:xfrm>
+              <a:off x="5748324" y="4587222"/>
+              <a:ext cx="902811" cy="307777"/>
+            </a:xfrm>
+            <a:prstGeom prst="rect">
+              <a:avLst/>
+            </a:prstGeom>
+            <a:noFill/>
+          </p:spPr>
+          <p:txBody>
+            <a:bodyPr wrap="none" rtlCol="0">
+              <a:spAutoFit/>
+            </a:bodyPr>
+            <a:lstStyle/>
+            <a:p>
+              <a:r>
+                <a:rPr lang="zh-CN" altLang="en-US" sz="1400" smtClean="0"/>
+                <a:t>修改限制</a:t>
+              </a:r>
+              <a:endParaRPr lang="zh-CN" altLang="en-US" sz="1400"/>
+            </a:p>
+          </p:txBody>
+        </p:sp>
+        <p:sp>
+          <p:nvSpPr>
+            <p:cNvPr id="29" name="文本框 28"/>
+            <p:cNvSpPr txBox="1"/>
+            <p:nvPr/>
+          </p:nvSpPr>
+          <p:spPr>
+            <a:xfrm>
+              <a:off x="8109452" y="4587221"/>
+              <a:ext cx="1082348" cy="307777"/>
+            </a:xfrm>
+            <a:prstGeom prst="rect">
+              <a:avLst/>
+            </a:prstGeom>
+            <a:noFill/>
+          </p:spPr>
+          <p:txBody>
+            <a:bodyPr wrap="none" rtlCol="0">
+              <a:spAutoFit/>
+            </a:bodyPr>
+            <a:lstStyle/>
+            <a:p>
+              <a:r>
+                <a:rPr lang="zh-CN" altLang="en-US" sz="1400" smtClean="0"/>
+                <a:t>发布与删除</a:t>
+              </a:r>
+              <a:endParaRPr lang="zh-CN" altLang="en-US" sz="1400"/>
+            </a:p>
+          </p:txBody>
+        </p:sp>
+        <p:sp>
+          <p:nvSpPr>
+            <p:cNvPr id="30" name="文本框 29"/>
+            <p:cNvSpPr txBox="1"/>
+            <p:nvPr/>
+          </p:nvSpPr>
+          <p:spPr>
+            <a:xfrm>
+              <a:off x="5748323" y="5132607"/>
+              <a:ext cx="902811" cy="307777"/>
+            </a:xfrm>
+            <a:prstGeom prst="rect">
+              <a:avLst/>
+            </a:prstGeom>
+            <a:noFill/>
+          </p:spPr>
+          <p:txBody>
+            <a:bodyPr wrap="none" rtlCol="0">
+              <a:spAutoFit/>
+            </a:bodyPr>
+            <a:lstStyle/>
+            <a:p>
+              <a:r>
+                <a:rPr lang="zh-CN" altLang="en-US" sz="1400"/>
+                <a:t>权</a:t>
+              </a:r>
+              <a:r>
+                <a:rPr lang="zh-CN" altLang="en-US" sz="1400" smtClean="0"/>
+                <a:t>限设置</a:t>
+              </a:r>
+              <a:endParaRPr lang="zh-CN" altLang="en-US" sz="1400"/>
+            </a:p>
+          </p:txBody>
+        </p:sp>
+      </p:grpSp>
+    </p:spTree>
+    <p:extLst>
+      <p:ext uri="{BB962C8B-B14F-4D97-AF65-F5344CB8AC3E}">
+        <p14:creationId xmlns:p14="http://schemas.microsoft.com/office/powerpoint/2010/main" val="713936061"/>
+      </p:ext>
+    </p:extLst>
+  </p:cSld>
+  <p:clrMapOvr>
+    <a:masterClrMapping/>
+  </p:clrMapOvr>
+  <p:timing>
+    <p:tnLst>
+      <p:par>
+        <p:cTn id="1" dur="indefinite" restart="never" nodeType="tmRoot"/>
+      </p:par>
+    </p:tnLst>
+  </p:timing>
+</p:sld>
+</file>
+
 <file path=ppt/slides/slide2.xml><?xml version="1.0" encoding="utf-8"?>
 <p:sld xmlns:a="http://schemas.openxmlformats.org/drawingml/2006/main" xmlns:r="http://schemas.openxmlformats.org/officeDocument/2006/relationships" xmlns:p="http://schemas.openxmlformats.org/presentationml/2006/main">
   <p:cSld>
@@ -3691,1686 +3941,1789 @@
       </p:grpSpPr>
       <p:grpSp>
         <p:nvGrpSpPr>
-          <p:cNvPr id="174" name="组合 173"/>
+          <p:cNvPr id="10" name="组合 9"/>
           <p:cNvGrpSpPr/>
           <p:nvPr/>
         </p:nvGrpSpPr>
         <p:grpSpPr>
           <a:xfrm>
             <a:off x="755009" y="649768"/>
-            <a:ext cx="9454409" cy="5837379"/>
+            <a:ext cx="9911609" cy="5837379"/>
             <a:chOff x="755009" y="649768"/>
-            <a:chExt cx="9454409" cy="5837379"/>
+            <a:chExt cx="9911609" cy="5837379"/>
           </a:xfrm>
         </p:grpSpPr>
         <p:grpSp>
           <p:nvGrpSpPr>
-            <p:cNvPr id="167" name="组合 166"/>
+            <p:cNvPr id="174" name="组合 173"/>
             <p:cNvGrpSpPr/>
             <p:nvPr/>
           </p:nvGrpSpPr>
           <p:grpSpPr>
             <a:xfrm>
               <a:off x="755009" y="649768"/>
-              <a:ext cx="9454409" cy="5126429"/>
-              <a:chOff x="402671" y="515545"/>
-              <a:chExt cx="9454409" cy="5126429"/>
+              <a:ext cx="9911609" cy="5837379"/>
+              <a:chOff x="755009" y="649768"/>
+              <a:chExt cx="9911609" cy="5837379"/>
             </a:xfrm>
           </p:grpSpPr>
+          <p:grpSp>
+            <p:nvGrpSpPr>
+              <p:cNvPr id="167" name="组合 166"/>
+              <p:cNvGrpSpPr/>
+              <p:nvPr/>
+            </p:nvGrpSpPr>
+            <p:grpSpPr>
+              <a:xfrm>
+                <a:off x="755009" y="649768"/>
+                <a:ext cx="9911609" cy="5126429"/>
+                <a:chOff x="402671" y="515545"/>
+                <a:chExt cx="9911609" cy="5126429"/>
+              </a:xfrm>
+            </p:grpSpPr>
+            <p:sp>
+              <p:nvSpPr>
+                <p:cNvPr id="66" name="流程图: 过程 65"/>
+                <p:cNvSpPr/>
+                <p:nvPr/>
+              </p:nvSpPr>
+              <p:spPr>
+                <a:xfrm>
+                  <a:off x="2374083" y="515545"/>
+                  <a:ext cx="1140901" cy="612648"/>
+                </a:xfrm>
+                <a:prstGeom prst="flowChartProcess">
+                  <a:avLst/>
+                </a:prstGeom>
+                <a:solidFill>
+                  <a:schemeClr val="bg1"/>
+                </a:solidFill>
+                <a:ln w="28575">
+                  <a:solidFill>
+                    <a:schemeClr val="tx1"/>
+                  </a:solidFill>
+                </a:ln>
+              </p:spPr>
+              <p:style>
+                <a:lnRef idx="2">
+                  <a:schemeClr val="accent1">
+                    <a:shade val="50000"/>
+                  </a:schemeClr>
+                </a:lnRef>
+                <a:fillRef idx="1">
+                  <a:schemeClr val="accent1"/>
+                </a:fillRef>
+                <a:effectRef idx="0">
+                  <a:schemeClr val="accent1"/>
+                </a:effectRef>
+                <a:fontRef idx="minor">
+                  <a:schemeClr val="lt1"/>
+                </a:fontRef>
+              </p:style>
+              <p:txBody>
+                <a:bodyPr rtlCol="0" anchor="ctr"/>
+                <a:lstStyle/>
+                <a:p>
+                  <a:pPr algn="ctr"/>
+                  <a:r>
+                    <a:rPr lang="zh-CN" altLang="en-US" sz="1400" smtClean="0">
+                      <a:solidFill>
+                        <a:schemeClr val="tx1"/>
+                      </a:solidFill>
+                    </a:rPr>
+                    <a:t>搜索元器件</a:t>
+                  </a:r>
+                  <a:endParaRPr lang="zh-CN" altLang="en-US" sz="1400">
+                    <a:solidFill>
+                      <a:schemeClr val="tx1"/>
+                    </a:solidFill>
+                  </a:endParaRPr>
+                </a:p>
+              </p:txBody>
+            </p:sp>
+            <p:sp>
+              <p:nvSpPr>
+                <p:cNvPr id="67" name="流程图: 过程 66"/>
+                <p:cNvSpPr/>
+                <p:nvPr/>
+              </p:nvSpPr>
+              <p:spPr>
+                <a:xfrm>
+                  <a:off x="4458747" y="515545"/>
+                  <a:ext cx="914400" cy="612648"/>
+                </a:xfrm>
+                <a:prstGeom prst="flowChartProcess">
+                  <a:avLst/>
+                </a:prstGeom>
+                <a:solidFill>
+                  <a:schemeClr val="bg1"/>
+                </a:solidFill>
+                <a:ln w="28575">
+                  <a:solidFill>
+                    <a:schemeClr val="tx1"/>
+                  </a:solidFill>
+                </a:ln>
+              </p:spPr>
+              <p:style>
+                <a:lnRef idx="2">
+                  <a:schemeClr val="accent1">
+                    <a:shade val="50000"/>
+                  </a:schemeClr>
+                </a:lnRef>
+                <a:fillRef idx="1">
+                  <a:schemeClr val="accent1"/>
+                </a:fillRef>
+                <a:effectRef idx="0">
+                  <a:schemeClr val="accent1"/>
+                </a:effectRef>
+                <a:fontRef idx="minor">
+                  <a:schemeClr val="lt1"/>
+                </a:fontRef>
+              </p:style>
+              <p:txBody>
+                <a:bodyPr rtlCol="0" anchor="ctr"/>
+                <a:lstStyle/>
+                <a:p>
+                  <a:pPr algn="ctr"/>
+                  <a:r>
+                    <a:rPr lang="zh-CN" altLang="en-US" sz="1400" smtClean="0">
+                      <a:solidFill>
+                        <a:schemeClr val="tx1"/>
+                      </a:solidFill>
+                    </a:rPr>
+                    <a:t>浏览列表</a:t>
+                  </a:r>
+                  <a:endParaRPr lang="zh-CN" altLang="en-US" sz="1400">
+                    <a:solidFill>
+                      <a:schemeClr val="tx1"/>
+                    </a:solidFill>
+                  </a:endParaRPr>
+                </a:p>
+              </p:txBody>
+            </p:sp>
+            <p:sp>
+              <p:nvSpPr>
+                <p:cNvPr id="68" name="流程图: 过程 67"/>
+                <p:cNvSpPr/>
+                <p:nvPr/>
+              </p:nvSpPr>
+              <p:spPr>
+                <a:xfrm>
+                  <a:off x="6321104" y="515545"/>
+                  <a:ext cx="1300292" cy="612648"/>
+                </a:xfrm>
+                <a:prstGeom prst="flowChartProcess">
+                  <a:avLst/>
+                </a:prstGeom>
+                <a:solidFill>
+                  <a:schemeClr val="bg1"/>
+                </a:solidFill>
+                <a:ln w="28575">
+                  <a:solidFill>
+                    <a:schemeClr val="tx1"/>
+                  </a:solidFill>
+                </a:ln>
+              </p:spPr>
+              <p:style>
+                <a:lnRef idx="2">
+                  <a:schemeClr val="accent1">
+                    <a:shade val="50000"/>
+                  </a:schemeClr>
+                </a:lnRef>
+                <a:fillRef idx="1">
+                  <a:schemeClr val="accent1"/>
+                </a:fillRef>
+                <a:effectRef idx="0">
+                  <a:schemeClr val="accent1"/>
+                </a:effectRef>
+                <a:fontRef idx="minor">
+                  <a:schemeClr val="lt1"/>
+                </a:fontRef>
+              </p:style>
+              <p:txBody>
+                <a:bodyPr rtlCol="0" anchor="ctr"/>
+                <a:lstStyle/>
+                <a:p>
+                  <a:pPr algn="ctr"/>
+                  <a:r>
+                    <a:rPr lang="zh-CN" altLang="en-US" sz="1400" smtClean="0">
+                      <a:solidFill>
+                        <a:schemeClr val="tx1"/>
+                      </a:solidFill>
+                    </a:rPr>
+                    <a:t>查看具体信息</a:t>
+                  </a:r>
+                  <a:endParaRPr lang="zh-CN" altLang="en-US" sz="1400">
+                    <a:solidFill>
+                      <a:schemeClr val="tx1"/>
+                    </a:solidFill>
+                  </a:endParaRPr>
+                </a:p>
+              </p:txBody>
+            </p:sp>
+            <p:sp>
+              <p:nvSpPr>
+                <p:cNvPr id="69" name="流程图: 过程 68"/>
+                <p:cNvSpPr/>
+                <p:nvPr/>
+              </p:nvSpPr>
+              <p:spPr>
+                <a:xfrm>
+                  <a:off x="2378273" y="2773715"/>
+                  <a:ext cx="1266739" cy="612648"/>
+                </a:xfrm>
+                <a:prstGeom prst="flowChartProcess">
+                  <a:avLst/>
+                </a:prstGeom>
+                <a:solidFill>
+                  <a:schemeClr val="bg1"/>
+                </a:solidFill>
+                <a:ln w="28575">
+                  <a:solidFill>
+                    <a:schemeClr val="tx1"/>
+                  </a:solidFill>
+                </a:ln>
+              </p:spPr>
+              <p:style>
+                <a:lnRef idx="2">
+                  <a:schemeClr val="accent1">
+                    <a:shade val="50000"/>
+                  </a:schemeClr>
+                </a:lnRef>
+                <a:fillRef idx="1">
+                  <a:schemeClr val="accent1"/>
+                </a:fillRef>
+                <a:effectRef idx="0">
+                  <a:schemeClr val="accent1"/>
+                </a:effectRef>
+                <a:fontRef idx="minor">
+                  <a:schemeClr val="lt1"/>
+                </a:fontRef>
+              </p:style>
+              <p:txBody>
+                <a:bodyPr rtlCol="0" anchor="ctr"/>
+                <a:lstStyle/>
+                <a:p>
+                  <a:pPr algn="ctr"/>
+                  <a:r>
+                    <a:rPr lang="zh-CN" altLang="en-US" sz="1400" smtClean="0">
+                      <a:solidFill>
+                        <a:schemeClr val="tx1"/>
+                      </a:solidFill>
+                    </a:rPr>
+                    <a:t>进入项目中心</a:t>
+                  </a:r>
+                  <a:endParaRPr lang="zh-CN" altLang="en-US" sz="1400">
+                    <a:solidFill>
+                      <a:schemeClr val="tx1"/>
+                    </a:solidFill>
+                  </a:endParaRPr>
+                </a:p>
+              </p:txBody>
+            </p:sp>
+            <p:sp>
+              <p:nvSpPr>
+                <p:cNvPr id="71" name="流程图: 决策 70"/>
+                <p:cNvSpPr/>
+                <p:nvPr/>
+              </p:nvSpPr>
+              <p:spPr>
+                <a:xfrm>
+                  <a:off x="4355978" y="2772436"/>
+                  <a:ext cx="1291908" cy="612648"/>
+                </a:xfrm>
+                <a:prstGeom prst="flowChartDecision">
+                  <a:avLst/>
+                </a:prstGeom>
+                <a:solidFill>
+                  <a:schemeClr val="bg1"/>
+                </a:solidFill>
+                <a:ln w="28575">
+                  <a:solidFill>
+                    <a:schemeClr val="tx1"/>
+                  </a:solidFill>
+                </a:ln>
+              </p:spPr>
+              <p:style>
+                <a:lnRef idx="2">
+                  <a:schemeClr val="accent1">
+                    <a:shade val="50000"/>
+                  </a:schemeClr>
+                </a:lnRef>
+                <a:fillRef idx="1">
+                  <a:schemeClr val="accent1"/>
+                </a:fillRef>
+                <a:effectRef idx="0">
+                  <a:schemeClr val="accent1"/>
+                </a:effectRef>
+                <a:fontRef idx="minor">
+                  <a:schemeClr val="lt1"/>
+                </a:fontRef>
+              </p:style>
+              <p:txBody>
+                <a:bodyPr rtlCol="0" anchor="ctr"/>
+                <a:lstStyle/>
+                <a:p>
+                  <a:pPr algn="ctr"/>
+                  <a:r>
+                    <a:rPr lang="zh-CN" altLang="en-US" sz="1400" smtClean="0">
+                      <a:solidFill>
+                        <a:schemeClr val="tx1"/>
+                      </a:solidFill>
+                    </a:rPr>
+                    <a:t>是否登录</a:t>
+                  </a:r>
+                  <a:endParaRPr lang="zh-CN" altLang="en-US" sz="1400">
+                    <a:solidFill>
+                      <a:schemeClr val="tx1"/>
+                    </a:solidFill>
+                  </a:endParaRPr>
+                </a:p>
+              </p:txBody>
+            </p:sp>
+            <p:sp>
+              <p:nvSpPr>
+                <p:cNvPr id="72" name="流程图: 过程 71"/>
+                <p:cNvSpPr/>
+                <p:nvPr/>
+              </p:nvSpPr>
+              <p:spPr>
+                <a:xfrm>
+                  <a:off x="6480498" y="2772436"/>
+                  <a:ext cx="1107347" cy="612648"/>
+                </a:xfrm>
+                <a:prstGeom prst="flowChartProcess">
+                  <a:avLst/>
+                </a:prstGeom>
+                <a:solidFill>
+                  <a:schemeClr val="bg1"/>
+                </a:solidFill>
+                <a:ln w="28575">
+                  <a:solidFill>
+                    <a:schemeClr val="tx1"/>
+                  </a:solidFill>
+                </a:ln>
+              </p:spPr>
+              <p:style>
+                <a:lnRef idx="2">
+                  <a:schemeClr val="accent1">
+                    <a:shade val="50000"/>
+                  </a:schemeClr>
+                </a:lnRef>
+                <a:fillRef idx="1">
+                  <a:schemeClr val="accent1"/>
+                </a:fillRef>
+                <a:effectRef idx="0">
+                  <a:schemeClr val="accent1"/>
+                </a:effectRef>
+                <a:fontRef idx="minor">
+                  <a:schemeClr val="lt1"/>
+                </a:fontRef>
+              </p:style>
+              <p:txBody>
+                <a:bodyPr rtlCol="0" anchor="ctr"/>
+                <a:lstStyle/>
+                <a:p>
+                  <a:pPr algn="ctr"/>
+                  <a:r>
+                    <a:rPr lang="zh-CN" altLang="en-US" sz="1400" smtClean="0">
+                      <a:solidFill>
+                        <a:schemeClr val="tx1"/>
+                      </a:solidFill>
+                    </a:rPr>
+                    <a:t>登录</a:t>
+                  </a:r>
+                  <a:r>
+                    <a:rPr lang="en-US" altLang="zh-CN" sz="1400" smtClean="0">
+                      <a:solidFill>
+                        <a:schemeClr val="tx1"/>
+                      </a:solidFill>
+                    </a:rPr>
+                    <a:t>/</a:t>
+                  </a:r>
+                  <a:r>
+                    <a:rPr lang="zh-CN" altLang="en-US" sz="1400" smtClean="0">
+                      <a:solidFill>
+                        <a:schemeClr val="tx1"/>
+                      </a:solidFill>
+                    </a:rPr>
+                    <a:t>注册</a:t>
+                  </a:r>
+                  <a:endParaRPr lang="zh-CN" altLang="en-US" sz="1400">
+                    <a:solidFill>
+                      <a:schemeClr val="tx1"/>
+                    </a:solidFill>
+                  </a:endParaRPr>
+                </a:p>
+              </p:txBody>
+            </p:sp>
+            <p:sp>
+              <p:nvSpPr>
+                <p:cNvPr id="73" name="流程图: 决策 72"/>
+                <p:cNvSpPr/>
+                <p:nvPr/>
+              </p:nvSpPr>
+              <p:spPr>
+                <a:xfrm>
+                  <a:off x="4341293" y="4013504"/>
+                  <a:ext cx="1291908" cy="612648"/>
+                </a:xfrm>
+                <a:prstGeom prst="flowChartDecision">
+                  <a:avLst/>
+                </a:prstGeom>
+                <a:solidFill>
+                  <a:schemeClr val="bg1"/>
+                </a:solidFill>
+                <a:ln w="28575">
+                  <a:solidFill>
+                    <a:schemeClr val="tx1"/>
+                  </a:solidFill>
+                </a:ln>
+              </p:spPr>
+              <p:style>
+                <a:lnRef idx="2">
+                  <a:schemeClr val="accent1">
+                    <a:shade val="50000"/>
+                  </a:schemeClr>
+                </a:lnRef>
+                <a:fillRef idx="1">
+                  <a:schemeClr val="accent1"/>
+                </a:fillRef>
+                <a:effectRef idx="0">
+                  <a:schemeClr val="accent1"/>
+                </a:effectRef>
+                <a:fontRef idx="minor">
+                  <a:schemeClr val="lt1"/>
+                </a:fontRef>
+              </p:style>
+              <p:txBody>
+                <a:bodyPr rtlCol="0" anchor="ctr"/>
+                <a:lstStyle/>
+                <a:p>
+                  <a:pPr algn="ctr"/>
+                  <a:r>
+                    <a:rPr lang="zh-CN" altLang="en-US" sz="1400">
+                      <a:solidFill>
+                        <a:schemeClr val="tx1"/>
+                      </a:solidFill>
+                    </a:rPr>
+                    <a:t>是否老师</a:t>
+                  </a:r>
+                </a:p>
+              </p:txBody>
+            </p:sp>
+            <p:sp>
+              <p:nvSpPr>
+                <p:cNvPr id="74" name="流程图: 过程 73"/>
+                <p:cNvSpPr/>
+                <p:nvPr/>
+              </p:nvSpPr>
+              <p:spPr>
+                <a:xfrm>
+                  <a:off x="2499914" y="4032191"/>
+                  <a:ext cx="914400" cy="612648"/>
+                </a:xfrm>
+                <a:prstGeom prst="flowChartProcess">
+                  <a:avLst/>
+                </a:prstGeom>
+                <a:solidFill>
+                  <a:schemeClr val="bg1"/>
+                </a:solidFill>
+                <a:ln w="28575">
+                  <a:solidFill>
+                    <a:schemeClr val="tx1"/>
+                  </a:solidFill>
+                </a:ln>
+              </p:spPr>
+              <p:style>
+                <a:lnRef idx="2">
+                  <a:schemeClr val="accent1">
+                    <a:shade val="50000"/>
+                  </a:schemeClr>
+                </a:lnRef>
+                <a:fillRef idx="1">
+                  <a:schemeClr val="accent1"/>
+                </a:fillRef>
+                <a:effectRef idx="0">
+                  <a:schemeClr val="accent1"/>
+                </a:effectRef>
+                <a:fontRef idx="minor">
+                  <a:schemeClr val="lt1"/>
+                </a:fontRef>
+              </p:style>
+              <p:txBody>
+                <a:bodyPr rtlCol="0" anchor="ctr"/>
+                <a:lstStyle/>
+                <a:p>
+                  <a:pPr algn="ctr"/>
+                  <a:r>
+                    <a:rPr lang="zh-CN" altLang="en-US" sz="1400" smtClean="0">
+                      <a:solidFill>
+                        <a:schemeClr val="tx1"/>
+                      </a:solidFill>
+                    </a:rPr>
+                    <a:t>发布项目</a:t>
+                  </a:r>
+                  <a:endParaRPr lang="zh-CN" altLang="en-US" sz="1400">
+                    <a:solidFill>
+                      <a:schemeClr val="tx1"/>
+                    </a:solidFill>
+                  </a:endParaRPr>
+                </a:p>
+              </p:txBody>
+            </p:sp>
+            <p:sp>
+              <p:nvSpPr>
+                <p:cNvPr id="75" name="流程图: 过程 74"/>
+                <p:cNvSpPr/>
+                <p:nvPr/>
+              </p:nvSpPr>
+              <p:spPr>
+                <a:xfrm>
+                  <a:off x="4541601" y="5029326"/>
+                  <a:ext cx="914400" cy="612648"/>
+                </a:xfrm>
+                <a:prstGeom prst="flowChartProcess">
+                  <a:avLst/>
+                </a:prstGeom>
+                <a:solidFill>
+                  <a:schemeClr val="bg1"/>
+                </a:solidFill>
+                <a:ln w="28575">
+                  <a:solidFill>
+                    <a:schemeClr val="tx1"/>
+                  </a:solidFill>
+                </a:ln>
+              </p:spPr>
+              <p:style>
+                <a:lnRef idx="2">
+                  <a:schemeClr val="accent1">
+                    <a:shade val="50000"/>
+                  </a:schemeClr>
+                </a:lnRef>
+                <a:fillRef idx="1">
+                  <a:schemeClr val="accent1"/>
+                </a:fillRef>
+                <a:effectRef idx="0">
+                  <a:schemeClr val="accent1"/>
+                </a:effectRef>
+                <a:fontRef idx="minor">
+                  <a:schemeClr val="lt1"/>
+                </a:fontRef>
+              </p:style>
+              <p:txBody>
+                <a:bodyPr rtlCol="0" anchor="ctr"/>
+                <a:lstStyle/>
+                <a:p>
+                  <a:pPr algn="ctr"/>
+                  <a:r>
+                    <a:rPr lang="zh-CN" altLang="en-US" sz="1400" smtClean="0">
+                      <a:solidFill>
+                        <a:schemeClr val="tx1"/>
+                      </a:solidFill>
+                    </a:rPr>
+                    <a:t>项目列表</a:t>
+                  </a:r>
+                  <a:endParaRPr lang="zh-CN" altLang="en-US" sz="1400">
+                    <a:solidFill>
+                      <a:schemeClr val="tx1"/>
+                    </a:solidFill>
+                  </a:endParaRPr>
+                </a:p>
+              </p:txBody>
+            </p:sp>
+            <p:sp>
+              <p:nvSpPr>
+                <p:cNvPr id="76" name="流程图: 过程 75"/>
+                <p:cNvSpPr/>
+                <p:nvPr/>
+              </p:nvSpPr>
+              <p:spPr>
+                <a:xfrm>
+                  <a:off x="6156484" y="5029326"/>
+                  <a:ext cx="914400" cy="612648"/>
+                </a:xfrm>
+                <a:prstGeom prst="flowChartProcess">
+                  <a:avLst/>
+                </a:prstGeom>
+                <a:solidFill>
+                  <a:schemeClr val="bg1"/>
+                </a:solidFill>
+                <a:ln w="28575">
+                  <a:solidFill>
+                    <a:schemeClr val="tx1"/>
+                  </a:solidFill>
+                </a:ln>
+              </p:spPr>
+              <p:style>
+                <a:lnRef idx="2">
+                  <a:schemeClr val="accent1">
+                    <a:shade val="50000"/>
+                  </a:schemeClr>
+                </a:lnRef>
+                <a:fillRef idx="1">
+                  <a:schemeClr val="accent1"/>
+                </a:fillRef>
+                <a:effectRef idx="0">
+                  <a:schemeClr val="accent1"/>
+                </a:effectRef>
+                <a:fontRef idx="minor">
+                  <a:schemeClr val="lt1"/>
+                </a:fontRef>
+              </p:style>
+              <p:txBody>
+                <a:bodyPr rtlCol="0" anchor="ctr"/>
+                <a:lstStyle/>
+                <a:p>
+                  <a:pPr algn="ctr"/>
+                  <a:r>
+                    <a:rPr lang="zh-CN" altLang="en-US" sz="1400" smtClean="0">
+                      <a:solidFill>
+                        <a:schemeClr val="tx1"/>
+                      </a:solidFill>
+                    </a:rPr>
+                    <a:t>项目详情</a:t>
+                  </a:r>
+                  <a:endParaRPr lang="zh-CN" altLang="en-US" sz="1400">
+                    <a:solidFill>
+                      <a:schemeClr val="tx1"/>
+                    </a:solidFill>
+                  </a:endParaRPr>
+                </a:p>
+              </p:txBody>
+            </p:sp>
+            <p:sp>
+              <p:nvSpPr>
+                <p:cNvPr id="77" name="流程图: 可选过程 76"/>
+                <p:cNvSpPr/>
+                <p:nvPr/>
+              </p:nvSpPr>
+              <p:spPr>
+                <a:xfrm>
+                  <a:off x="9399880" y="1591245"/>
+                  <a:ext cx="914400" cy="612648"/>
+                </a:xfrm>
+                <a:prstGeom prst="flowChartAlternateProcess">
+                  <a:avLst/>
+                </a:prstGeom>
+                <a:solidFill>
+                  <a:schemeClr val="bg1"/>
+                </a:solidFill>
+                <a:ln w="28575">
+                  <a:solidFill>
+                    <a:schemeClr val="tx1"/>
+                  </a:solidFill>
+                </a:ln>
+              </p:spPr>
+              <p:style>
+                <a:lnRef idx="2">
+                  <a:schemeClr val="accent1">
+                    <a:shade val="50000"/>
+                  </a:schemeClr>
+                </a:lnRef>
+                <a:fillRef idx="1">
+                  <a:schemeClr val="accent1"/>
+                </a:fillRef>
+                <a:effectRef idx="0">
+                  <a:schemeClr val="accent1"/>
+                </a:effectRef>
+                <a:fontRef idx="minor">
+                  <a:schemeClr val="lt1"/>
+                </a:fontRef>
+              </p:style>
+              <p:txBody>
+                <a:bodyPr rtlCol="0" anchor="ctr"/>
+                <a:lstStyle/>
+                <a:p>
+                  <a:pPr algn="ctr"/>
+                  <a:r>
+                    <a:rPr lang="zh-CN" altLang="en-US" sz="1400" smtClean="0">
+                      <a:solidFill>
+                        <a:schemeClr val="tx1"/>
+                      </a:solidFill>
+                    </a:rPr>
+                    <a:t>结束</a:t>
+                  </a:r>
+                  <a:endParaRPr lang="zh-CN" altLang="en-US" sz="1400">
+                    <a:solidFill>
+                      <a:schemeClr val="tx1"/>
+                    </a:solidFill>
+                  </a:endParaRPr>
+                </a:p>
+              </p:txBody>
+            </p:sp>
+            <p:sp>
+              <p:nvSpPr>
+                <p:cNvPr id="79" name="流程图: 过程 78"/>
+                <p:cNvSpPr/>
+                <p:nvPr/>
+              </p:nvSpPr>
+              <p:spPr>
+                <a:xfrm>
+                  <a:off x="8244219" y="5029325"/>
+                  <a:ext cx="1270933" cy="612648"/>
+                </a:xfrm>
+                <a:prstGeom prst="flowChartProcess">
+                  <a:avLst/>
+                </a:prstGeom>
+                <a:solidFill>
+                  <a:schemeClr val="bg1"/>
+                </a:solidFill>
+                <a:ln w="28575">
+                  <a:solidFill>
+                    <a:schemeClr val="tx1"/>
+                  </a:solidFill>
+                </a:ln>
+              </p:spPr>
+              <p:style>
+                <a:lnRef idx="2">
+                  <a:schemeClr val="accent1">
+                    <a:shade val="50000"/>
+                  </a:schemeClr>
+                </a:lnRef>
+                <a:fillRef idx="1">
+                  <a:schemeClr val="accent1"/>
+                </a:fillRef>
+                <a:effectRef idx="0">
+                  <a:schemeClr val="accent1"/>
+                </a:effectRef>
+                <a:fontRef idx="minor">
+                  <a:schemeClr val="lt1"/>
+                </a:fontRef>
+              </p:style>
+              <p:txBody>
+                <a:bodyPr rtlCol="0" anchor="ctr"/>
+                <a:lstStyle/>
+                <a:p>
+                  <a:pPr algn="ctr"/>
+                  <a:r>
+                    <a:rPr lang="zh-CN" altLang="en-US" sz="1400" smtClean="0">
+                      <a:solidFill>
+                        <a:schemeClr val="tx1"/>
+                      </a:solidFill>
+                    </a:rPr>
+                    <a:t>更新项目状态</a:t>
+                  </a:r>
+                  <a:endParaRPr lang="zh-CN" altLang="en-US" sz="1400">
+                    <a:solidFill>
+                      <a:schemeClr val="tx1"/>
+                    </a:solidFill>
+                  </a:endParaRPr>
+                </a:p>
+              </p:txBody>
+            </p:sp>
+            <p:sp>
+              <p:nvSpPr>
+                <p:cNvPr id="80" name="流程图: 可选过程 79"/>
+                <p:cNvSpPr/>
+                <p:nvPr/>
+              </p:nvSpPr>
+              <p:spPr>
+                <a:xfrm>
+                  <a:off x="402671" y="1547140"/>
+                  <a:ext cx="1048623" cy="612648"/>
+                </a:xfrm>
+                <a:prstGeom prst="flowChartAlternateProcess">
+                  <a:avLst/>
+                </a:prstGeom>
+                <a:solidFill>
+                  <a:schemeClr val="bg1"/>
+                </a:solidFill>
+                <a:ln w="28575">
+                  <a:solidFill>
+                    <a:schemeClr val="tx1"/>
+                  </a:solidFill>
+                </a:ln>
+              </p:spPr>
+              <p:style>
+                <a:lnRef idx="2">
+                  <a:schemeClr val="accent1">
+                    <a:shade val="50000"/>
+                  </a:schemeClr>
+                </a:lnRef>
+                <a:fillRef idx="1">
+                  <a:schemeClr val="accent1"/>
+                </a:fillRef>
+                <a:effectRef idx="0">
+                  <a:schemeClr val="accent1"/>
+                </a:effectRef>
+                <a:fontRef idx="minor">
+                  <a:schemeClr val="lt1"/>
+                </a:fontRef>
+              </p:style>
+              <p:txBody>
+                <a:bodyPr rtlCol="0" anchor="ctr"/>
+                <a:lstStyle/>
+                <a:p>
+                  <a:pPr algn="ctr"/>
+                  <a:r>
+                    <a:rPr lang="zh-CN" altLang="en-US" sz="1400" smtClean="0">
+                      <a:solidFill>
+                        <a:schemeClr val="tx1"/>
+                      </a:solidFill>
+                    </a:rPr>
+                    <a:t>进入程序</a:t>
+                  </a:r>
+                  <a:endParaRPr lang="zh-CN" altLang="en-US" sz="1400">
+                    <a:solidFill>
+                      <a:schemeClr val="tx1"/>
+                    </a:solidFill>
+                  </a:endParaRPr>
+                </a:p>
+              </p:txBody>
+            </p:sp>
+            <p:cxnSp>
+              <p:nvCxnSpPr>
+                <p:cNvPr id="84" name="肘形连接符 83"/>
+                <p:cNvCxnSpPr>
+                  <a:stCxn id="80" idx="3"/>
+                  <a:endCxn id="69" idx="1"/>
+                </p:cNvCxnSpPr>
+                <p:nvPr/>
+              </p:nvCxnSpPr>
+              <p:spPr>
+                <a:xfrm>
+                  <a:off x="1451294" y="1853464"/>
+                  <a:ext cx="926979" cy="1226575"/>
+                </a:xfrm>
+                <a:prstGeom prst="bentConnector3">
+                  <a:avLst/>
+                </a:prstGeom>
+                <a:ln w="28575">
+                  <a:solidFill>
+                    <a:schemeClr val="tx1"/>
+                  </a:solidFill>
+                  <a:tailEnd type="triangle"/>
+                </a:ln>
+              </p:spPr>
+              <p:style>
+                <a:lnRef idx="1">
+                  <a:schemeClr val="accent1"/>
+                </a:lnRef>
+                <a:fillRef idx="0">
+                  <a:schemeClr val="accent1"/>
+                </a:fillRef>
+                <a:effectRef idx="0">
+                  <a:schemeClr val="accent1"/>
+                </a:effectRef>
+                <a:fontRef idx="minor">
+                  <a:schemeClr val="tx1"/>
+                </a:fontRef>
+              </p:style>
+            </p:cxnSp>
+            <p:cxnSp>
+              <p:nvCxnSpPr>
+                <p:cNvPr id="86" name="肘形连接符 85"/>
+                <p:cNvCxnSpPr>
+                  <a:stCxn id="80" idx="3"/>
+                  <a:endCxn id="66" idx="1"/>
+                </p:cNvCxnSpPr>
+                <p:nvPr/>
+              </p:nvCxnSpPr>
+              <p:spPr>
+                <a:xfrm flipV="1">
+                  <a:off x="1451294" y="821869"/>
+                  <a:ext cx="922789" cy="1031595"/>
+                </a:xfrm>
+                <a:prstGeom prst="bentConnector3">
+                  <a:avLst/>
+                </a:prstGeom>
+                <a:ln w="28575">
+                  <a:solidFill>
+                    <a:schemeClr val="tx1"/>
+                  </a:solidFill>
+                  <a:tailEnd type="triangle"/>
+                </a:ln>
+              </p:spPr>
+              <p:style>
+                <a:lnRef idx="1">
+                  <a:schemeClr val="accent1"/>
+                </a:lnRef>
+                <a:fillRef idx="0">
+                  <a:schemeClr val="accent1"/>
+                </a:fillRef>
+                <a:effectRef idx="0">
+                  <a:schemeClr val="accent1"/>
+                </a:effectRef>
+                <a:fontRef idx="minor">
+                  <a:schemeClr val="tx1"/>
+                </a:fontRef>
+              </p:style>
+            </p:cxnSp>
+            <p:cxnSp>
+              <p:nvCxnSpPr>
+                <p:cNvPr id="88" name="直接箭头连接符 87"/>
+                <p:cNvCxnSpPr>
+                  <a:stCxn id="66" idx="3"/>
+                  <a:endCxn id="67" idx="1"/>
+                </p:cNvCxnSpPr>
+                <p:nvPr/>
+              </p:nvCxnSpPr>
+              <p:spPr>
+                <a:xfrm>
+                  <a:off x="3514984" y="821869"/>
+                  <a:ext cx="943763" cy="0"/>
+                </a:xfrm>
+                <a:prstGeom prst="straightConnector1">
+                  <a:avLst/>
+                </a:prstGeom>
+                <a:ln w="28575">
+                  <a:solidFill>
+                    <a:schemeClr val="tx1"/>
+                  </a:solidFill>
+                  <a:tailEnd type="triangle"/>
+                </a:ln>
+              </p:spPr>
+              <p:style>
+                <a:lnRef idx="1">
+                  <a:schemeClr val="accent1"/>
+                </a:lnRef>
+                <a:fillRef idx="0">
+                  <a:schemeClr val="accent1"/>
+                </a:fillRef>
+                <a:effectRef idx="0">
+                  <a:schemeClr val="accent1"/>
+                </a:effectRef>
+                <a:fontRef idx="minor">
+                  <a:schemeClr val="tx1"/>
+                </a:fontRef>
+              </p:style>
+            </p:cxnSp>
+            <p:cxnSp>
+              <p:nvCxnSpPr>
+                <p:cNvPr id="90" name="直接箭头连接符 89"/>
+                <p:cNvCxnSpPr>
+                  <a:stCxn id="67" idx="3"/>
+                  <a:endCxn id="68" idx="1"/>
+                </p:cNvCxnSpPr>
+                <p:nvPr/>
+              </p:nvCxnSpPr>
+              <p:spPr>
+                <a:xfrm>
+                  <a:off x="5373147" y="821869"/>
+                  <a:ext cx="947957" cy="0"/>
+                </a:xfrm>
+                <a:prstGeom prst="straightConnector1">
+                  <a:avLst/>
+                </a:prstGeom>
+                <a:ln w="28575">
+                  <a:solidFill>
+                    <a:schemeClr val="tx1"/>
+                  </a:solidFill>
+                  <a:tailEnd type="triangle"/>
+                </a:ln>
+              </p:spPr>
+              <p:style>
+                <a:lnRef idx="1">
+                  <a:schemeClr val="accent1"/>
+                </a:lnRef>
+                <a:fillRef idx="0">
+                  <a:schemeClr val="accent1"/>
+                </a:fillRef>
+                <a:effectRef idx="0">
+                  <a:schemeClr val="accent1"/>
+                </a:effectRef>
+                <a:fontRef idx="minor">
+                  <a:schemeClr val="tx1"/>
+                </a:fontRef>
+              </p:style>
+            </p:cxnSp>
+            <p:cxnSp>
+              <p:nvCxnSpPr>
+                <p:cNvPr id="92" name="肘形连接符 91"/>
+                <p:cNvCxnSpPr>
+                  <a:stCxn id="68" idx="3"/>
+                  <a:endCxn id="77" idx="0"/>
+                </p:cNvCxnSpPr>
+                <p:nvPr/>
+              </p:nvCxnSpPr>
+              <p:spPr>
+                <a:xfrm>
+                  <a:off x="7621396" y="821869"/>
+                  <a:ext cx="2235684" cy="769376"/>
+                </a:xfrm>
+                <a:prstGeom prst="bentConnector2">
+                  <a:avLst/>
+                </a:prstGeom>
+                <a:ln w="28575">
+                  <a:solidFill>
+                    <a:schemeClr val="tx1"/>
+                  </a:solidFill>
+                  <a:tailEnd type="triangle"/>
+                </a:ln>
+              </p:spPr>
+              <p:style>
+                <a:lnRef idx="1">
+                  <a:schemeClr val="accent1"/>
+                </a:lnRef>
+                <a:fillRef idx="0">
+                  <a:schemeClr val="accent1"/>
+                </a:fillRef>
+                <a:effectRef idx="0">
+                  <a:schemeClr val="accent1"/>
+                </a:effectRef>
+                <a:fontRef idx="minor">
+                  <a:schemeClr val="tx1"/>
+                </a:fontRef>
+              </p:style>
+            </p:cxnSp>
+            <p:cxnSp>
+              <p:nvCxnSpPr>
+                <p:cNvPr id="96" name="肘形连接符 95"/>
+                <p:cNvCxnSpPr>
+                  <a:stCxn id="79" idx="3"/>
+                  <a:endCxn id="77" idx="2"/>
+                </p:cNvCxnSpPr>
+                <p:nvPr/>
+              </p:nvCxnSpPr>
+              <p:spPr>
+                <a:xfrm flipV="1">
+                  <a:off x="9515152" y="2203893"/>
+                  <a:ext cx="341928" cy="3131756"/>
+                </a:xfrm>
+                <a:prstGeom prst="bentConnector2">
+                  <a:avLst/>
+                </a:prstGeom>
+                <a:ln w="28575">
+                  <a:solidFill>
+                    <a:schemeClr val="tx1"/>
+                  </a:solidFill>
+                  <a:tailEnd type="triangle"/>
+                </a:ln>
+              </p:spPr>
+              <p:style>
+                <a:lnRef idx="1">
+                  <a:schemeClr val="accent1"/>
+                </a:lnRef>
+                <a:fillRef idx="0">
+                  <a:schemeClr val="accent1"/>
+                </a:fillRef>
+                <a:effectRef idx="0">
+                  <a:schemeClr val="accent1"/>
+                </a:effectRef>
+                <a:fontRef idx="minor">
+                  <a:schemeClr val="tx1"/>
+                </a:fontRef>
+              </p:style>
+            </p:cxnSp>
+            <p:sp>
+              <p:nvSpPr>
+                <p:cNvPr id="106" name="流程图: 过程 105"/>
+                <p:cNvSpPr/>
+                <p:nvPr/>
+              </p:nvSpPr>
+              <p:spPr>
+                <a:xfrm>
+                  <a:off x="2386664" y="1547140"/>
+                  <a:ext cx="1140901" cy="612648"/>
+                </a:xfrm>
+                <a:prstGeom prst="flowChartProcess">
+                  <a:avLst/>
+                </a:prstGeom>
+                <a:solidFill>
+                  <a:schemeClr val="bg1"/>
+                </a:solidFill>
+                <a:ln w="28575">
+                  <a:solidFill>
+                    <a:schemeClr val="tx1"/>
+                  </a:solidFill>
+                </a:ln>
+              </p:spPr>
+              <p:style>
+                <a:lnRef idx="2">
+                  <a:schemeClr val="accent1">
+                    <a:shade val="50000"/>
+                  </a:schemeClr>
+                </a:lnRef>
+                <a:fillRef idx="1">
+                  <a:schemeClr val="accent1"/>
+                </a:fillRef>
+                <a:effectRef idx="0">
+                  <a:schemeClr val="accent1"/>
+                </a:effectRef>
+                <a:fontRef idx="minor">
+                  <a:schemeClr val="lt1"/>
+                </a:fontRef>
+              </p:style>
+              <p:txBody>
+                <a:bodyPr rtlCol="0" anchor="ctr"/>
+                <a:lstStyle/>
+                <a:p>
+                  <a:pPr algn="ctr"/>
+                  <a:r>
+                    <a:rPr lang="zh-CN" altLang="en-US" sz="1400" smtClean="0">
+                      <a:solidFill>
+                        <a:schemeClr val="tx1"/>
+                      </a:solidFill>
+                    </a:rPr>
+                    <a:t>进入我的</a:t>
+                  </a:r>
+                  <a:endParaRPr lang="zh-CN" altLang="en-US" sz="1400">
+                    <a:solidFill>
+                      <a:schemeClr val="tx1"/>
+                    </a:solidFill>
+                  </a:endParaRPr>
+                </a:p>
+              </p:txBody>
+            </p:sp>
+            <p:sp>
+              <p:nvSpPr>
+                <p:cNvPr id="107" name="流程图: 过程 106"/>
+                <p:cNvSpPr/>
+                <p:nvPr/>
+              </p:nvSpPr>
+              <p:spPr>
+                <a:xfrm>
+                  <a:off x="6463722" y="1591245"/>
+                  <a:ext cx="1140901" cy="612648"/>
+                </a:xfrm>
+                <a:prstGeom prst="flowChartProcess">
+                  <a:avLst/>
+                </a:prstGeom>
+                <a:solidFill>
+                  <a:schemeClr val="bg1"/>
+                </a:solidFill>
+                <a:ln w="28575">
+                  <a:solidFill>
+                    <a:schemeClr val="tx1"/>
+                  </a:solidFill>
+                </a:ln>
+              </p:spPr>
+              <p:style>
+                <a:lnRef idx="2">
+                  <a:schemeClr val="accent1">
+                    <a:shade val="50000"/>
+                  </a:schemeClr>
+                </a:lnRef>
+                <a:fillRef idx="1">
+                  <a:schemeClr val="accent1"/>
+                </a:fillRef>
+                <a:effectRef idx="0">
+                  <a:schemeClr val="accent1"/>
+                </a:effectRef>
+                <a:fontRef idx="minor">
+                  <a:schemeClr val="lt1"/>
+                </a:fontRef>
+              </p:style>
+              <p:txBody>
+                <a:bodyPr rtlCol="0" anchor="ctr"/>
+                <a:lstStyle/>
+                <a:p>
+                  <a:pPr algn="ctr"/>
+                  <a:r>
+                    <a:rPr lang="zh-CN" altLang="en-US" sz="1400" smtClean="0">
+                      <a:solidFill>
+                        <a:schemeClr val="tx1"/>
+                      </a:solidFill>
+                    </a:rPr>
+                    <a:t>多彩主题</a:t>
+                  </a:r>
+                  <a:endParaRPr lang="zh-CN" altLang="en-US" sz="1400">
+                    <a:solidFill>
+                      <a:schemeClr val="tx1"/>
+                    </a:solidFill>
+                  </a:endParaRPr>
+                </a:p>
+              </p:txBody>
+            </p:sp>
+            <p:cxnSp>
+              <p:nvCxnSpPr>
+                <p:cNvPr id="111" name="直接箭头连接符 110"/>
+                <p:cNvCxnSpPr>
+                  <a:endCxn id="106" idx="1"/>
+                </p:cNvCxnSpPr>
+                <p:nvPr/>
+              </p:nvCxnSpPr>
+              <p:spPr>
+                <a:xfrm>
+                  <a:off x="1912688" y="1853464"/>
+                  <a:ext cx="473976" cy="0"/>
+                </a:xfrm>
+                <a:prstGeom prst="straightConnector1">
+                  <a:avLst/>
+                </a:prstGeom>
+                <a:ln w="28575">
+                  <a:solidFill>
+                    <a:schemeClr val="tx1"/>
+                  </a:solidFill>
+                  <a:tailEnd type="triangle"/>
+                </a:ln>
+              </p:spPr>
+              <p:style>
+                <a:lnRef idx="1">
+                  <a:schemeClr val="accent1"/>
+                </a:lnRef>
+                <a:fillRef idx="0">
+                  <a:schemeClr val="accent1"/>
+                </a:fillRef>
+                <a:effectRef idx="0">
+                  <a:schemeClr val="accent1"/>
+                </a:effectRef>
+                <a:fontRef idx="minor">
+                  <a:schemeClr val="tx1"/>
+                </a:fontRef>
+              </p:style>
+            </p:cxnSp>
+            <p:cxnSp>
+              <p:nvCxnSpPr>
+                <p:cNvPr id="113" name="肘形连接符 112"/>
+                <p:cNvCxnSpPr>
+                  <a:stCxn id="106" idx="3"/>
+                  <a:endCxn id="71" idx="1"/>
+                </p:cNvCxnSpPr>
+                <p:nvPr/>
+              </p:nvCxnSpPr>
+              <p:spPr>
+                <a:xfrm>
+                  <a:off x="3527565" y="1853464"/>
+                  <a:ext cx="828413" cy="1225296"/>
+                </a:xfrm>
+                <a:prstGeom prst="bentConnector3">
+                  <a:avLst/>
+                </a:prstGeom>
+                <a:ln w="28575">
+                  <a:solidFill>
+                    <a:schemeClr val="tx1"/>
+                  </a:solidFill>
+                  <a:tailEnd type="triangle"/>
+                </a:ln>
+              </p:spPr>
+              <p:style>
+                <a:lnRef idx="1">
+                  <a:schemeClr val="accent1"/>
+                </a:lnRef>
+                <a:fillRef idx="0">
+                  <a:schemeClr val="accent1"/>
+                </a:fillRef>
+                <a:effectRef idx="0">
+                  <a:schemeClr val="accent1"/>
+                </a:effectRef>
+                <a:fontRef idx="minor">
+                  <a:schemeClr val="tx1"/>
+                </a:fontRef>
+              </p:style>
+            </p:cxnSp>
+            <p:cxnSp>
+              <p:nvCxnSpPr>
+                <p:cNvPr id="115" name="直接连接符 114"/>
+                <p:cNvCxnSpPr>
+                  <a:stCxn id="69" idx="3"/>
+                </p:cNvCxnSpPr>
+                <p:nvPr/>
+              </p:nvCxnSpPr>
+              <p:spPr>
+                <a:xfrm flipV="1">
+                  <a:off x="3645012" y="3078760"/>
+                  <a:ext cx="348142" cy="1279"/>
+                </a:xfrm>
+                <a:prstGeom prst="line">
+                  <a:avLst/>
+                </a:prstGeom>
+                <a:ln w="28575">
+                  <a:solidFill>
+                    <a:schemeClr val="tx1"/>
+                  </a:solidFill>
+                </a:ln>
+              </p:spPr>
+              <p:style>
+                <a:lnRef idx="1">
+                  <a:schemeClr val="accent1"/>
+                </a:lnRef>
+                <a:fillRef idx="0">
+                  <a:schemeClr val="accent1"/>
+                </a:fillRef>
+                <a:effectRef idx="0">
+                  <a:schemeClr val="accent1"/>
+                </a:effectRef>
+                <a:fontRef idx="minor">
+                  <a:schemeClr val="tx1"/>
+                </a:fontRef>
+              </p:style>
+            </p:cxnSp>
+            <p:cxnSp>
+              <p:nvCxnSpPr>
+                <p:cNvPr id="133" name="直接箭头连接符 132"/>
+                <p:cNvCxnSpPr>
+                  <a:stCxn id="71" idx="3"/>
+                  <a:endCxn id="72" idx="1"/>
+                </p:cNvCxnSpPr>
+                <p:nvPr/>
+              </p:nvCxnSpPr>
+              <p:spPr>
+                <a:xfrm>
+                  <a:off x="5647886" y="3078760"/>
+                  <a:ext cx="832612" cy="0"/>
+                </a:xfrm>
+                <a:prstGeom prst="straightConnector1">
+                  <a:avLst/>
+                </a:prstGeom>
+                <a:ln w="28575">
+                  <a:solidFill>
+                    <a:schemeClr val="tx1"/>
+                  </a:solidFill>
+                  <a:tailEnd type="triangle"/>
+                </a:ln>
+              </p:spPr>
+              <p:style>
+                <a:lnRef idx="1">
+                  <a:schemeClr val="accent1"/>
+                </a:lnRef>
+                <a:fillRef idx="0">
+                  <a:schemeClr val="accent1"/>
+                </a:fillRef>
+                <a:effectRef idx="0">
+                  <a:schemeClr val="accent1"/>
+                </a:effectRef>
+                <a:fontRef idx="minor">
+                  <a:schemeClr val="tx1"/>
+                </a:fontRef>
+              </p:style>
+            </p:cxnSp>
+            <p:cxnSp>
+              <p:nvCxnSpPr>
+                <p:cNvPr id="135" name="直接箭头连接符 134"/>
+                <p:cNvCxnSpPr>
+                  <a:stCxn id="71" idx="2"/>
+                  <a:endCxn id="73" idx="0"/>
+                </p:cNvCxnSpPr>
+                <p:nvPr/>
+              </p:nvCxnSpPr>
+              <p:spPr>
+                <a:xfrm flipH="1">
+                  <a:off x="4987247" y="3385084"/>
+                  <a:ext cx="14685" cy="628420"/>
+                </a:xfrm>
+                <a:prstGeom prst="straightConnector1">
+                  <a:avLst/>
+                </a:prstGeom>
+                <a:ln w="28575">
+                  <a:solidFill>
+                    <a:schemeClr val="tx1"/>
+                  </a:solidFill>
+                  <a:tailEnd type="triangle"/>
+                </a:ln>
+              </p:spPr>
+              <p:style>
+                <a:lnRef idx="1">
+                  <a:schemeClr val="accent1"/>
+                </a:lnRef>
+                <a:fillRef idx="0">
+                  <a:schemeClr val="accent1"/>
+                </a:fillRef>
+                <a:effectRef idx="0">
+                  <a:schemeClr val="accent1"/>
+                </a:effectRef>
+                <a:fontRef idx="minor">
+                  <a:schemeClr val="tx1"/>
+                </a:fontRef>
+              </p:style>
+            </p:cxnSp>
+            <p:cxnSp>
+              <p:nvCxnSpPr>
+                <p:cNvPr id="139" name="肘形连接符 138"/>
+                <p:cNvCxnSpPr>
+                  <a:stCxn id="72" idx="2"/>
+                  <a:endCxn id="73" idx="3"/>
+                </p:cNvCxnSpPr>
+                <p:nvPr/>
+              </p:nvCxnSpPr>
+              <p:spPr>
+                <a:xfrm rot="5400000">
+                  <a:off x="5866315" y="3151971"/>
+                  <a:ext cx="934744" cy="1400971"/>
+                </a:xfrm>
+                <a:prstGeom prst="bentConnector2">
+                  <a:avLst/>
+                </a:prstGeom>
+                <a:ln w="28575">
+                  <a:solidFill>
+                    <a:schemeClr val="tx1"/>
+                  </a:solidFill>
+                  <a:tailEnd type="triangle"/>
+                </a:ln>
+              </p:spPr>
+              <p:style>
+                <a:lnRef idx="1">
+                  <a:schemeClr val="accent1"/>
+                </a:lnRef>
+                <a:fillRef idx="0">
+                  <a:schemeClr val="accent1"/>
+                </a:fillRef>
+                <a:effectRef idx="0">
+                  <a:schemeClr val="accent1"/>
+                </a:effectRef>
+                <a:fontRef idx="minor">
+                  <a:schemeClr val="tx1"/>
+                </a:fontRef>
+              </p:style>
+            </p:cxnSp>
+            <p:cxnSp>
+              <p:nvCxnSpPr>
+                <p:cNvPr id="141" name="肘形连接符 140"/>
+                <p:cNvCxnSpPr>
+                  <a:stCxn id="71" idx="0"/>
+                  <a:endCxn id="107" idx="1"/>
+                </p:cNvCxnSpPr>
+                <p:nvPr/>
+              </p:nvCxnSpPr>
+              <p:spPr>
+                <a:xfrm rot="5400000" flipH="1" flipV="1">
+                  <a:off x="5295394" y="1604108"/>
+                  <a:ext cx="874867" cy="1461790"/>
+                </a:xfrm>
+                <a:prstGeom prst="bentConnector2">
+                  <a:avLst/>
+                </a:prstGeom>
+                <a:ln w="28575">
+                  <a:solidFill>
+                    <a:schemeClr val="tx1"/>
+                  </a:solidFill>
+                  <a:tailEnd type="triangle"/>
+                </a:ln>
+              </p:spPr>
+              <p:style>
+                <a:lnRef idx="1">
+                  <a:schemeClr val="accent1"/>
+                </a:lnRef>
+                <a:fillRef idx="0">
+                  <a:schemeClr val="accent1"/>
+                </a:fillRef>
+                <a:effectRef idx="0">
+                  <a:schemeClr val="accent1"/>
+                </a:effectRef>
+                <a:fontRef idx="minor">
+                  <a:schemeClr val="tx1"/>
+                </a:fontRef>
+              </p:style>
+            </p:cxnSp>
+            <p:cxnSp>
+              <p:nvCxnSpPr>
+                <p:cNvPr id="143" name="肘形连接符 142"/>
+                <p:cNvCxnSpPr>
+                  <a:stCxn id="74" idx="2"/>
+                  <a:endCxn id="75" idx="1"/>
+                </p:cNvCxnSpPr>
+                <p:nvPr/>
+              </p:nvCxnSpPr>
+              <p:spPr>
+                <a:xfrm rot="16200000" flipH="1">
+                  <a:off x="3403952" y="4198000"/>
+                  <a:ext cx="690811" cy="1584487"/>
+                </a:xfrm>
+                <a:prstGeom prst="bentConnector2">
+                  <a:avLst/>
+                </a:prstGeom>
+                <a:ln w="28575">
+                  <a:solidFill>
+                    <a:schemeClr val="tx1"/>
+                  </a:solidFill>
+                  <a:tailEnd type="triangle"/>
+                </a:ln>
+              </p:spPr>
+              <p:style>
+                <a:lnRef idx="1">
+                  <a:schemeClr val="accent1"/>
+                </a:lnRef>
+                <a:fillRef idx="0">
+                  <a:schemeClr val="accent1"/>
+                </a:fillRef>
+                <a:effectRef idx="0">
+                  <a:schemeClr val="accent1"/>
+                </a:effectRef>
+                <a:fontRef idx="minor">
+                  <a:schemeClr val="tx1"/>
+                </a:fontRef>
+              </p:style>
+            </p:cxnSp>
+            <p:cxnSp>
+              <p:nvCxnSpPr>
+                <p:cNvPr id="145" name="直接箭头连接符 144"/>
+                <p:cNvCxnSpPr>
+                  <a:stCxn id="75" idx="3"/>
+                  <a:endCxn id="76" idx="1"/>
+                </p:cNvCxnSpPr>
+                <p:nvPr/>
+              </p:nvCxnSpPr>
+              <p:spPr>
+                <a:xfrm>
+                  <a:off x="5456001" y="5335650"/>
+                  <a:ext cx="700483" cy="0"/>
+                </a:xfrm>
+                <a:prstGeom prst="straightConnector1">
+                  <a:avLst/>
+                </a:prstGeom>
+                <a:ln w="28575">
+                  <a:solidFill>
+                    <a:schemeClr val="tx1"/>
+                  </a:solidFill>
+                  <a:tailEnd type="triangle"/>
+                </a:ln>
+              </p:spPr>
+              <p:style>
+                <a:lnRef idx="1">
+                  <a:schemeClr val="accent1"/>
+                </a:lnRef>
+                <a:fillRef idx="0">
+                  <a:schemeClr val="accent1"/>
+                </a:fillRef>
+                <a:effectRef idx="0">
+                  <a:schemeClr val="accent1"/>
+                </a:effectRef>
+                <a:fontRef idx="minor">
+                  <a:schemeClr val="tx1"/>
+                </a:fontRef>
+              </p:style>
+            </p:cxnSp>
+            <p:cxnSp>
+              <p:nvCxnSpPr>
+                <p:cNvPr id="147" name="直接箭头连接符 146"/>
+                <p:cNvCxnSpPr>
+                  <a:stCxn id="76" idx="3"/>
+                  <a:endCxn id="79" idx="1"/>
+                </p:cNvCxnSpPr>
+                <p:nvPr/>
+              </p:nvCxnSpPr>
+              <p:spPr>
+                <a:xfrm flipV="1">
+                  <a:off x="7070884" y="5335649"/>
+                  <a:ext cx="1173335" cy="1"/>
+                </a:xfrm>
+                <a:prstGeom prst="straightConnector1">
+                  <a:avLst/>
+                </a:prstGeom>
+                <a:ln w="28575">
+                  <a:solidFill>
+                    <a:schemeClr val="tx1"/>
+                  </a:solidFill>
+                  <a:tailEnd type="triangle"/>
+                </a:ln>
+              </p:spPr>
+              <p:style>
+                <a:lnRef idx="1">
+                  <a:schemeClr val="accent1"/>
+                </a:lnRef>
+                <a:fillRef idx="0">
+                  <a:schemeClr val="accent1"/>
+                </a:fillRef>
+                <a:effectRef idx="0">
+                  <a:schemeClr val="accent1"/>
+                </a:effectRef>
+                <a:fontRef idx="minor">
+                  <a:schemeClr val="tx1"/>
+                </a:fontRef>
+              </p:style>
+            </p:cxnSp>
+            <p:cxnSp>
+              <p:nvCxnSpPr>
+                <p:cNvPr id="151" name="直接箭头连接符 150"/>
+                <p:cNvCxnSpPr>
+                  <a:stCxn id="73" idx="1"/>
+                  <a:endCxn id="74" idx="3"/>
+                </p:cNvCxnSpPr>
+                <p:nvPr/>
+              </p:nvCxnSpPr>
+              <p:spPr>
+                <a:xfrm flipH="1">
+                  <a:off x="3414314" y="4319828"/>
+                  <a:ext cx="926979" cy="18687"/>
+                </a:xfrm>
+                <a:prstGeom prst="straightConnector1">
+                  <a:avLst/>
+                </a:prstGeom>
+                <a:ln w="28575">
+                  <a:solidFill>
+                    <a:schemeClr val="tx1"/>
+                  </a:solidFill>
+                  <a:tailEnd type="triangle"/>
+                </a:ln>
+              </p:spPr>
+              <p:style>
+                <a:lnRef idx="1">
+                  <a:schemeClr val="accent1"/>
+                </a:lnRef>
+                <a:fillRef idx="0">
+                  <a:schemeClr val="accent1"/>
+                </a:fillRef>
+                <a:effectRef idx="0">
+                  <a:schemeClr val="accent1"/>
+                </a:effectRef>
+                <a:fontRef idx="minor">
+                  <a:schemeClr val="tx1"/>
+                </a:fontRef>
+              </p:style>
+            </p:cxnSp>
+            <p:cxnSp>
+              <p:nvCxnSpPr>
+                <p:cNvPr id="155" name="直接箭头连接符 154"/>
+                <p:cNvCxnSpPr>
+                  <a:stCxn id="107" idx="3"/>
+                  <a:endCxn id="77" idx="1"/>
+                </p:cNvCxnSpPr>
+                <p:nvPr/>
+              </p:nvCxnSpPr>
+              <p:spPr>
+                <a:xfrm>
+                  <a:off x="7604623" y="1897569"/>
+                  <a:ext cx="1795257" cy="0"/>
+                </a:xfrm>
+                <a:prstGeom prst="straightConnector1">
+                  <a:avLst/>
+                </a:prstGeom>
+                <a:ln w="28575">
+                  <a:solidFill>
+                    <a:schemeClr val="tx1"/>
+                  </a:solidFill>
+                  <a:tailEnd type="triangle"/>
+                </a:ln>
+              </p:spPr>
+              <p:style>
+                <a:lnRef idx="1">
+                  <a:schemeClr val="accent1"/>
+                </a:lnRef>
+                <a:fillRef idx="0">
+                  <a:schemeClr val="accent1"/>
+                </a:fillRef>
+                <a:effectRef idx="0">
+                  <a:schemeClr val="accent1"/>
+                </a:effectRef>
+                <a:fontRef idx="minor">
+                  <a:schemeClr val="tx1"/>
+                </a:fontRef>
+              </p:style>
+            </p:cxnSp>
+          </p:grpSp>
           <p:sp>
             <p:nvSpPr>
-              <p:cNvPr id="66" name="流程图: 过程 65"/>
-              <p:cNvSpPr/>
+              <p:cNvPr id="166" name="文本框 165"/>
+              <p:cNvSpPr txBox="1"/>
               <p:nvPr/>
             </p:nvSpPr>
             <p:spPr>
               <a:xfrm>
-                <a:off x="2374083" y="515545"/>
-                <a:ext cx="1140901" cy="612648"/>
+                <a:off x="4798411" y="6179370"/>
+                <a:ext cx="1441420" cy="307777"/>
               </a:xfrm>
-              <a:prstGeom prst="flowChartProcess">
+              <a:prstGeom prst="rect">
                 <a:avLst/>
               </a:prstGeom>
-              <a:solidFill>
-                <a:schemeClr val="bg1"/>
-              </a:solidFill>
+              <a:noFill/>
               <a:ln w="28575">
-                <a:solidFill>
-                  <a:schemeClr val="tx1"/>
-                </a:solidFill>
+                <a:noFill/>
               </a:ln>
             </p:spPr>
-            <p:style>
-              <a:lnRef idx="2">
-                <a:schemeClr val="accent1">
-                  <a:shade val="50000"/>
-                </a:schemeClr>
-              </a:lnRef>
-              <a:fillRef idx="1">
-                <a:schemeClr val="accent1"/>
-              </a:fillRef>
-              <a:effectRef idx="0">
-                <a:schemeClr val="accent1"/>
-              </a:effectRef>
-              <a:fontRef idx="minor">
-                <a:schemeClr val="lt1"/>
-              </a:fontRef>
-            </p:style>
             <p:txBody>
-              <a:bodyPr rtlCol="0" anchor="ctr"/>
+              <a:bodyPr wrap="none" rtlCol="0">
+                <a:spAutoFit/>
+              </a:bodyPr>
               <a:lstStyle/>
               <a:p>
-                <a:pPr algn="ctr"/>
                 <a:r>
-                  <a:rPr lang="zh-CN" altLang="en-US" sz="1400" smtClean="0">
-                    <a:solidFill>
-                      <a:schemeClr val="tx1"/>
-                    </a:solidFill>
-                  </a:rPr>
-                  <a:t>搜索元器件</a:t>
+                  <a:rPr lang="zh-CN" altLang="en-US" sz="1400" smtClean="0"/>
+                  <a:t>程序的逻辑结构</a:t>
                 </a:r>
-                <a:endParaRPr lang="zh-CN" altLang="en-US" sz="1400">
-                  <a:solidFill>
-                    <a:schemeClr val="tx1"/>
-                  </a:solidFill>
-                </a:endParaRPr>
+                <a:endParaRPr lang="zh-CN" altLang="en-US" sz="1400"/>
               </a:p>
             </p:txBody>
           </p:sp>
           <p:sp>
             <p:nvSpPr>
-              <p:cNvPr id="67" name="流程图: 过程 66"/>
-              <p:cNvSpPr/>
+              <p:cNvPr id="171" name="文本框 170"/>
+              <p:cNvSpPr txBox="1"/>
               <p:nvPr/>
             </p:nvSpPr>
             <p:spPr>
               <a:xfrm>
-                <a:off x="4458747" y="515545"/>
-                <a:ext cx="914400" cy="612648"/>
+                <a:off x="5394481" y="2338115"/>
+                <a:ext cx="364202" cy="307777"/>
               </a:xfrm>
-              <a:prstGeom prst="flowChartProcess">
+              <a:prstGeom prst="rect">
                 <a:avLst/>
               </a:prstGeom>
-              <a:solidFill>
-                <a:schemeClr val="bg1"/>
-              </a:solidFill>
-              <a:ln w="28575">
-                <a:solidFill>
-                  <a:schemeClr val="tx1"/>
-                </a:solidFill>
-              </a:ln>
+              <a:noFill/>
             </p:spPr>
-            <p:style>
-              <a:lnRef idx="2">
-                <a:schemeClr val="accent1">
-                  <a:shade val="50000"/>
-                </a:schemeClr>
-              </a:lnRef>
-              <a:fillRef idx="1">
-                <a:schemeClr val="accent1"/>
-              </a:fillRef>
-              <a:effectRef idx="0">
-                <a:schemeClr val="accent1"/>
-              </a:effectRef>
-              <a:fontRef idx="minor">
-                <a:schemeClr val="lt1"/>
-              </a:fontRef>
-            </p:style>
             <p:txBody>
-              <a:bodyPr rtlCol="0" anchor="ctr"/>
+              <a:bodyPr wrap="none" rtlCol="0">
+                <a:spAutoFit/>
+              </a:bodyPr>
               <a:lstStyle/>
               <a:p>
-                <a:pPr algn="ctr"/>
                 <a:r>
-                  <a:rPr lang="zh-CN" altLang="en-US" sz="1400" smtClean="0">
-                    <a:solidFill>
-                      <a:schemeClr val="tx1"/>
-                    </a:solidFill>
-                  </a:rPr>
-                  <a:t>浏览列表</a:t>
-                </a:r>
-                <a:endParaRPr lang="zh-CN" altLang="en-US" sz="1400">
-                  <a:solidFill>
-                    <a:schemeClr val="tx1"/>
-                  </a:solidFill>
-                </a:endParaRPr>
-              </a:p>
-            </p:txBody>
-          </p:sp>
-          <p:sp>
-            <p:nvSpPr>
-              <p:cNvPr id="68" name="流程图: 过程 67"/>
-              <p:cNvSpPr/>
-              <p:nvPr/>
-            </p:nvSpPr>
-            <p:spPr>
-              <a:xfrm>
-                <a:off x="6321104" y="515545"/>
-                <a:ext cx="1300292" cy="612648"/>
-              </a:xfrm>
-              <a:prstGeom prst="flowChartProcess">
-                <a:avLst/>
-              </a:prstGeom>
-              <a:solidFill>
-                <a:schemeClr val="bg1"/>
-              </a:solidFill>
-              <a:ln w="28575">
-                <a:solidFill>
-                  <a:schemeClr val="tx1"/>
-                </a:solidFill>
-              </a:ln>
-            </p:spPr>
-            <p:style>
-              <a:lnRef idx="2">
-                <a:schemeClr val="accent1">
-                  <a:shade val="50000"/>
-                </a:schemeClr>
-              </a:lnRef>
-              <a:fillRef idx="1">
-                <a:schemeClr val="accent1"/>
-              </a:fillRef>
-              <a:effectRef idx="0">
-                <a:schemeClr val="accent1"/>
-              </a:effectRef>
-              <a:fontRef idx="minor">
-                <a:schemeClr val="lt1"/>
-              </a:fontRef>
-            </p:style>
-            <p:txBody>
-              <a:bodyPr rtlCol="0" anchor="ctr"/>
-              <a:lstStyle/>
-              <a:p>
-                <a:pPr algn="ctr"/>
-                <a:r>
-                  <a:rPr lang="zh-CN" altLang="en-US" sz="1400" smtClean="0">
-                    <a:solidFill>
-                      <a:schemeClr val="tx1"/>
-                    </a:solidFill>
-                  </a:rPr>
-                  <a:t>查看具体信息</a:t>
-                </a:r>
-                <a:endParaRPr lang="zh-CN" altLang="en-US" sz="1400">
-                  <a:solidFill>
-                    <a:schemeClr val="tx1"/>
-                  </a:solidFill>
-                </a:endParaRPr>
-              </a:p>
-            </p:txBody>
-          </p:sp>
-          <p:sp>
-            <p:nvSpPr>
-              <p:cNvPr id="69" name="流程图: 过程 68"/>
-              <p:cNvSpPr/>
-              <p:nvPr/>
-            </p:nvSpPr>
-            <p:spPr>
-              <a:xfrm>
-                <a:off x="2378273" y="2773715"/>
-                <a:ext cx="1266739" cy="612648"/>
-              </a:xfrm>
-              <a:prstGeom prst="flowChartProcess">
-                <a:avLst/>
-              </a:prstGeom>
-              <a:solidFill>
-                <a:schemeClr val="bg1"/>
-              </a:solidFill>
-              <a:ln w="28575">
-                <a:solidFill>
-                  <a:schemeClr val="tx1"/>
-                </a:solidFill>
-              </a:ln>
-            </p:spPr>
-            <p:style>
-              <a:lnRef idx="2">
-                <a:schemeClr val="accent1">
-                  <a:shade val="50000"/>
-                </a:schemeClr>
-              </a:lnRef>
-              <a:fillRef idx="1">
-                <a:schemeClr val="accent1"/>
-              </a:fillRef>
-              <a:effectRef idx="0">
-                <a:schemeClr val="accent1"/>
-              </a:effectRef>
-              <a:fontRef idx="minor">
-                <a:schemeClr val="lt1"/>
-              </a:fontRef>
-            </p:style>
-            <p:txBody>
-              <a:bodyPr rtlCol="0" anchor="ctr"/>
-              <a:lstStyle/>
-              <a:p>
-                <a:pPr algn="ctr"/>
-                <a:r>
-                  <a:rPr lang="zh-CN" altLang="en-US" sz="1400" smtClean="0">
-                    <a:solidFill>
-                      <a:schemeClr val="tx1"/>
-                    </a:solidFill>
-                  </a:rPr>
-                  <a:t>进入项目中心</a:t>
-                </a:r>
-                <a:endParaRPr lang="zh-CN" altLang="en-US" sz="1400">
-                  <a:solidFill>
-                    <a:schemeClr val="tx1"/>
-                  </a:solidFill>
-                </a:endParaRPr>
-              </a:p>
-            </p:txBody>
-          </p:sp>
-          <p:sp>
-            <p:nvSpPr>
-              <p:cNvPr id="71" name="流程图: 决策 70"/>
-              <p:cNvSpPr/>
-              <p:nvPr/>
-            </p:nvSpPr>
-            <p:spPr>
-              <a:xfrm>
-                <a:off x="4355978" y="2772436"/>
-                <a:ext cx="1291908" cy="612648"/>
-              </a:xfrm>
-              <a:prstGeom prst="flowChartDecision">
-                <a:avLst/>
-              </a:prstGeom>
-              <a:solidFill>
-                <a:schemeClr val="bg1"/>
-              </a:solidFill>
-              <a:ln w="28575">
-                <a:solidFill>
-                  <a:schemeClr val="tx1"/>
-                </a:solidFill>
-              </a:ln>
-            </p:spPr>
-            <p:style>
-              <a:lnRef idx="2">
-                <a:schemeClr val="accent1">
-                  <a:shade val="50000"/>
-                </a:schemeClr>
-              </a:lnRef>
-              <a:fillRef idx="1">
-                <a:schemeClr val="accent1"/>
-              </a:fillRef>
-              <a:effectRef idx="0">
-                <a:schemeClr val="accent1"/>
-              </a:effectRef>
-              <a:fontRef idx="minor">
-                <a:schemeClr val="lt1"/>
-              </a:fontRef>
-            </p:style>
-            <p:txBody>
-              <a:bodyPr rtlCol="0" anchor="ctr"/>
-              <a:lstStyle/>
-              <a:p>
-                <a:pPr algn="ctr"/>
-                <a:r>
-                  <a:rPr lang="zh-CN" altLang="en-US" sz="1400" smtClean="0">
-                    <a:solidFill>
-                      <a:schemeClr val="tx1"/>
-                    </a:solidFill>
-                  </a:rPr>
-                  <a:t>是否登录</a:t>
-                </a:r>
-                <a:endParaRPr lang="zh-CN" altLang="en-US" sz="1400">
-                  <a:solidFill>
-                    <a:schemeClr val="tx1"/>
-                  </a:solidFill>
-                </a:endParaRPr>
-              </a:p>
-            </p:txBody>
-          </p:sp>
-          <p:sp>
-            <p:nvSpPr>
-              <p:cNvPr id="72" name="流程图: 过程 71"/>
-              <p:cNvSpPr/>
-              <p:nvPr/>
-            </p:nvSpPr>
-            <p:spPr>
-              <a:xfrm>
-                <a:off x="6480498" y="2772436"/>
-                <a:ext cx="1107347" cy="612648"/>
-              </a:xfrm>
-              <a:prstGeom prst="flowChartProcess">
-                <a:avLst/>
-              </a:prstGeom>
-              <a:solidFill>
-                <a:schemeClr val="bg1"/>
-              </a:solidFill>
-              <a:ln w="28575">
-                <a:solidFill>
-                  <a:schemeClr val="tx1"/>
-                </a:solidFill>
-              </a:ln>
-            </p:spPr>
-            <p:style>
-              <a:lnRef idx="2">
-                <a:schemeClr val="accent1">
-                  <a:shade val="50000"/>
-                </a:schemeClr>
-              </a:lnRef>
-              <a:fillRef idx="1">
-                <a:schemeClr val="accent1"/>
-              </a:fillRef>
-              <a:effectRef idx="0">
-                <a:schemeClr val="accent1"/>
-              </a:effectRef>
-              <a:fontRef idx="minor">
-                <a:schemeClr val="lt1"/>
-              </a:fontRef>
-            </p:style>
-            <p:txBody>
-              <a:bodyPr rtlCol="0" anchor="ctr"/>
-              <a:lstStyle/>
-              <a:p>
-                <a:pPr algn="ctr"/>
-                <a:r>
-                  <a:rPr lang="zh-CN" altLang="en-US" sz="1400" smtClean="0">
-                    <a:solidFill>
-                      <a:schemeClr val="tx1"/>
-                    </a:solidFill>
-                  </a:rPr>
-                  <a:t>登录</a:t>
-                </a:r>
-                <a:r>
-                  <a:rPr lang="en-US" altLang="zh-CN" sz="1400" smtClean="0">
-                    <a:solidFill>
-                      <a:schemeClr val="tx1"/>
-                    </a:solidFill>
-                  </a:rPr>
-                  <a:t>/</a:t>
-                </a:r>
-                <a:r>
-                  <a:rPr lang="zh-CN" altLang="en-US" sz="1400" smtClean="0">
-                    <a:solidFill>
-                      <a:schemeClr val="tx1"/>
-                    </a:solidFill>
-                  </a:rPr>
-                  <a:t>注册</a:t>
-                </a:r>
-                <a:endParaRPr lang="zh-CN" altLang="en-US" sz="1400">
-                  <a:solidFill>
-                    <a:schemeClr val="tx1"/>
-                  </a:solidFill>
-                </a:endParaRPr>
-              </a:p>
-            </p:txBody>
-          </p:sp>
-          <p:sp>
-            <p:nvSpPr>
-              <p:cNvPr id="73" name="流程图: 决策 72"/>
-              <p:cNvSpPr/>
-              <p:nvPr/>
-            </p:nvSpPr>
-            <p:spPr>
-              <a:xfrm>
-                <a:off x="4341293" y="4013504"/>
-                <a:ext cx="1291908" cy="612648"/>
-              </a:xfrm>
-              <a:prstGeom prst="flowChartDecision">
-                <a:avLst/>
-              </a:prstGeom>
-              <a:solidFill>
-                <a:schemeClr val="bg1"/>
-              </a:solidFill>
-              <a:ln w="28575">
-                <a:solidFill>
-                  <a:schemeClr val="tx1"/>
-                </a:solidFill>
-              </a:ln>
-            </p:spPr>
-            <p:style>
-              <a:lnRef idx="2">
-                <a:schemeClr val="accent1">
-                  <a:shade val="50000"/>
-                </a:schemeClr>
-              </a:lnRef>
-              <a:fillRef idx="1">
-                <a:schemeClr val="accent1"/>
-              </a:fillRef>
-              <a:effectRef idx="0">
-                <a:schemeClr val="accent1"/>
-              </a:effectRef>
-              <a:fontRef idx="minor">
-                <a:schemeClr val="lt1"/>
-              </a:fontRef>
-            </p:style>
-            <p:txBody>
-              <a:bodyPr rtlCol="0" anchor="ctr"/>
-              <a:lstStyle/>
-              <a:p>
-                <a:pPr algn="ctr"/>
-                <a:r>
-                  <a:rPr lang="zh-CN" altLang="en-US" sz="1400">
-                    <a:solidFill>
-                      <a:schemeClr val="tx1"/>
-                    </a:solidFill>
-                  </a:rPr>
-                  <a:t>是否老师</a:t>
+                  <a:rPr lang="zh-CN" altLang="en-US" sz="1400"/>
+                  <a:t>是</a:t>
                 </a:r>
               </a:p>
             </p:txBody>
           </p:sp>
           <p:sp>
             <p:nvSpPr>
-              <p:cNvPr id="74" name="流程图: 过程 73"/>
-              <p:cNvSpPr/>
+              <p:cNvPr id="172" name="文本框 171"/>
+              <p:cNvSpPr txBox="1"/>
               <p:nvPr/>
             </p:nvSpPr>
             <p:spPr>
               <a:xfrm>
-                <a:off x="2499914" y="4032191"/>
-                <a:ext cx="914400" cy="612648"/>
+                <a:off x="5394481" y="3690051"/>
+                <a:ext cx="364202" cy="307777"/>
               </a:xfrm>
-              <a:prstGeom prst="flowChartProcess">
+              <a:prstGeom prst="rect">
                 <a:avLst/>
               </a:prstGeom>
-              <a:solidFill>
-                <a:schemeClr val="bg1"/>
-              </a:solidFill>
-              <a:ln w="28575">
-                <a:solidFill>
-                  <a:schemeClr val="tx1"/>
-                </a:solidFill>
-              </a:ln>
+              <a:noFill/>
             </p:spPr>
-            <p:style>
-              <a:lnRef idx="2">
-                <a:schemeClr val="accent1">
-                  <a:shade val="50000"/>
-                </a:schemeClr>
-              </a:lnRef>
-              <a:fillRef idx="1">
-                <a:schemeClr val="accent1"/>
-              </a:fillRef>
-              <a:effectRef idx="0">
-                <a:schemeClr val="accent1"/>
-              </a:effectRef>
-              <a:fontRef idx="minor">
-                <a:schemeClr val="lt1"/>
-              </a:fontRef>
-            </p:style>
             <p:txBody>
-              <a:bodyPr rtlCol="0" anchor="ctr"/>
+              <a:bodyPr wrap="none" rtlCol="0">
+                <a:spAutoFit/>
+              </a:bodyPr>
               <a:lstStyle/>
               <a:p>
-                <a:pPr algn="ctr"/>
                 <a:r>
-                  <a:rPr lang="zh-CN" altLang="en-US" sz="1400" smtClean="0">
-                    <a:solidFill>
-                      <a:schemeClr val="tx1"/>
-                    </a:solidFill>
-                  </a:rPr>
-                  <a:t>发布项目</a:t>
+                  <a:rPr lang="zh-CN" altLang="en-US" sz="1400"/>
+                  <a:t>是</a:t>
                 </a:r>
-                <a:endParaRPr lang="zh-CN" altLang="en-US" sz="1400">
-                  <a:solidFill>
-                    <a:schemeClr val="tx1"/>
-                  </a:solidFill>
-                </a:endParaRPr>
               </a:p>
             </p:txBody>
           </p:sp>
           <p:sp>
             <p:nvSpPr>
-              <p:cNvPr id="75" name="流程图: 过程 74"/>
-              <p:cNvSpPr/>
+              <p:cNvPr id="173" name="文本框 172"/>
+              <p:cNvSpPr txBox="1"/>
               <p:nvPr/>
             </p:nvSpPr>
             <p:spPr>
               <a:xfrm>
-                <a:off x="4541601" y="5029326"/>
-                <a:ext cx="914400" cy="612648"/>
+                <a:off x="6215910" y="2811891"/>
+                <a:ext cx="364202" cy="307777"/>
               </a:xfrm>
-              <a:prstGeom prst="flowChartProcess">
+              <a:prstGeom prst="rect">
                 <a:avLst/>
               </a:prstGeom>
-              <a:solidFill>
-                <a:schemeClr val="bg1"/>
-              </a:solidFill>
-              <a:ln w="28575">
-                <a:solidFill>
-                  <a:schemeClr val="tx1"/>
-                </a:solidFill>
-              </a:ln>
+              <a:noFill/>
             </p:spPr>
-            <p:style>
-              <a:lnRef idx="2">
-                <a:schemeClr val="accent1">
-                  <a:shade val="50000"/>
-                </a:schemeClr>
-              </a:lnRef>
-              <a:fillRef idx="1">
-                <a:schemeClr val="accent1"/>
-              </a:fillRef>
-              <a:effectRef idx="0">
-                <a:schemeClr val="accent1"/>
-              </a:effectRef>
-              <a:fontRef idx="minor">
-                <a:schemeClr val="lt1"/>
-              </a:fontRef>
-            </p:style>
             <p:txBody>
-              <a:bodyPr rtlCol="0" anchor="ctr"/>
+              <a:bodyPr wrap="none" rtlCol="0">
+                <a:spAutoFit/>
+              </a:bodyPr>
               <a:lstStyle/>
               <a:p>
-                <a:pPr algn="ctr"/>
                 <a:r>
-                  <a:rPr lang="zh-CN" altLang="en-US" sz="1400" smtClean="0">
-                    <a:solidFill>
-                      <a:schemeClr val="tx1"/>
-                    </a:solidFill>
-                  </a:rPr>
-                  <a:t>项目列表</a:t>
+                  <a:rPr lang="zh-CN" altLang="en-US" sz="1400" smtClean="0"/>
+                  <a:t>否</a:t>
                 </a:r>
-                <a:endParaRPr lang="zh-CN" altLang="en-US" sz="1400">
-                  <a:solidFill>
-                    <a:schemeClr val="tx1"/>
-                  </a:solidFill>
-                </a:endParaRPr>
+                <a:endParaRPr lang="zh-CN" altLang="en-US" sz="1400"/>
               </a:p>
             </p:txBody>
           </p:sp>
-          <p:sp>
-            <p:nvSpPr>
-              <p:cNvPr id="76" name="流程图: 过程 75"/>
-              <p:cNvSpPr/>
-              <p:nvPr/>
-            </p:nvSpPr>
-            <p:spPr>
-              <a:xfrm>
-                <a:off x="6156484" y="5029326"/>
-                <a:ext cx="914400" cy="612648"/>
-              </a:xfrm>
-              <a:prstGeom prst="flowChartProcess">
-                <a:avLst/>
-              </a:prstGeom>
-              <a:solidFill>
-                <a:schemeClr val="bg1"/>
-              </a:solidFill>
-              <a:ln w="28575">
-                <a:solidFill>
-                  <a:schemeClr val="tx1"/>
-                </a:solidFill>
-              </a:ln>
-            </p:spPr>
-            <p:style>
-              <a:lnRef idx="2">
-                <a:schemeClr val="accent1">
-                  <a:shade val="50000"/>
-                </a:schemeClr>
-              </a:lnRef>
-              <a:fillRef idx="1">
-                <a:schemeClr val="accent1"/>
-              </a:fillRef>
-              <a:effectRef idx="0">
-                <a:schemeClr val="accent1"/>
-              </a:effectRef>
-              <a:fontRef idx="minor">
-                <a:schemeClr val="lt1"/>
-              </a:fontRef>
-            </p:style>
-            <p:txBody>
-              <a:bodyPr rtlCol="0" anchor="ctr"/>
-              <a:lstStyle/>
-              <a:p>
-                <a:pPr algn="ctr"/>
-                <a:r>
-                  <a:rPr lang="zh-CN" altLang="en-US" sz="1400" smtClean="0">
-                    <a:solidFill>
-                      <a:schemeClr val="tx1"/>
-                    </a:solidFill>
-                  </a:rPr>
-                  <a:t>项目详情</a:t>
-                </a:r>
-                <a:endParaRPr lang="zh-CN" altLang="en-US" sz="1400">
-                  <a:solidFill>
-                    <a:schemeClr val="tx1"/>
-                  </a:solidFill>
-                </a:endParaRPr>
-              </a:p>
-            </p:txBody>
-          </p:sp>
-          <p:sp>
-            <p:nvSpPr>
-              <p:cNvPr id="77" name="流程图: 可选过程 76"/>
-              <p:cNvSpPr/>
-              <p:nvPr/>
-            </p:nvSpPr>
-            <p:spPr>
-              <a:xfrm>
-                <a:off x="8942680" y="1591245"/>
-                <a:ext cx="914400" cy="612648"/>
-              </a:xfrm>
-              <a:prstGeom prst="flowChartAlternateProcess">
-                <a:avLst/>
-              </a:prstGeom>
-              <a:solidFill>
-                <a:schemeClr val="bg1"/>
-              </a:solidFill>
-              <a:ln w="28575">
-                <a:solidFill>
-                  <a:schemeClr val="tx1"/>
-                </a:solidFill>
-              </a:ln>
-            </p:spPr>
-            <p:style>
-              <a:lnRef idx="2">
-                <a:schemeClr val="accent1">
-                  <a:shade val="50000"/>
-                </a:schemeClr>
-              </a:lnRef>
-              <a:fillRef idx="1">
-                <a:schemeClr val="accent1"/>
-              </a:fillRef>
-              <a:effectRef idx="0">
-                <a:schemeClr val="accent1"/>
-              </a:effectRef>
-              <a:fontRef idx="minor">
-                <a:schemeClr val="lt1"/>
-              </a:fontRef>
-            </p:style>
-            <p:txBody>
-              <a:bodyPr rtlCol="0" anchor="ctr"/>
-              <a:lstStyle/>
-              <a:p>
-                <a:pPr algn="ctr"/>
-                <a:r>
-                  <a:rPr lang="zh-CN" altLang="en-US" sz="1400" smtClean="0">
-                    <a:solidFill>
-                      <a:schemeClr val="tx1"/>
-                    </a:solidFill>
-                  </a:rPr>
-                  <a:t>结束</a:t>
-                </a:r>
-                <a:endParaRPr lang="zh-CN" altLang="en-US" sz="1400">
-                  <a:solidFill>
-                    <a:schemeClr val="tx1"/>
-                  </a:solidFill>
-                </a:endParaRPr>
-              </a:p>
-            </p:txBody>
-          </p:sp>
-          <p:sp>
-            <p:nvSpPr>
-              <p:cNvPr id="79" name="流程图: 过程 78"/>
-              <p:cNvSpPr/>
-              <p:nvPr/>
-            </p:nvSpPr>
-            <p:spPr>
-              <a:xfrm>
-                <a:off x="7671747" y="5029326"/>
-                <a:ext cx="1270933" cy="612648"/>
-              </a:xfrm>
-              <a:prstGeom prst="flowChartProcess">
-                <a:avLst/>
-              </a:prstGeom>
-              <a:solidFill>
-                <a:schemeClr val="bg1"/>
-              </a:solidFill>
-              <a:ln w="28575">
-                <a:solidFill>
-                  <a:schemeClr val="tx1"/>
-                </a:solidFill>
-              </a:ln>
-            </p:spPr>
-            <p:style>
-              <a:lnRef idx="2">
-                <a:schemeClr val="accent1">
-                  <a:shade val="50000"/>
-                </a:schemeClr>
-              </a:lnRef>
-              <a:fillRef idx="1">
-                <a:schemeClr val="accent1"/>
-              </a:fillRef>
-              <a:effectRef idx="0">
-                <a:schemeClr val="accent1"/>
-              </a:effectRef>
-              <a:fontRef idx="minor">
-                <a:schemeClr val="lt1"/>
-              </a:fontRef>
-            </p:style>
-            <p:txBody>
-              <a:bodyPr rtlCol="0" anchor="ctr"/>
-              <a:lstStyle/>
-              <a:p>
-                <a:pPr algn="ctr"/>
-                <a:r>
-                  <a:rPr lang="zh-CN" altLang="en-US" sz="1400" smtClean="0">
-                    <a:solidFill>
-                      <a:schemeClr val="tx1"/>
-                    </a:solidFill>
-                  </a:rPr>
-                  <a:t>更新项目状态</a:t>
-                </a:r>
-                <a:endParaRPr lang="zh-CN" altLang="en-US" sz="1400">
-                  <a:solidFill>
-                    <a:schemeClr val="tx1"/>
-                  </a:solidFill>
-                </a:endParaRPr>
-              </a:p>
-            </p:txBody>
-          </p:sp>
-          <p:sp>
-            <p:nvSpPr>
-              <p:cNvPr id="80" name="流程图: 可选过程 79"/>
-              <p:cNvSpPr/>
-              <p:nvPr/>
-            </p:nvSpPr>
-            <p:spPr>
-              <a:xfrm>
-                <a:off x="402671" y="1547140"/>
-                <a:ext cx="1048623" cy="612648"/>
-              </a:xfrm>
-              <a:prstGeom prst="flowChartAlternateProcess">
-                <a:avLst/>
-              </a:prstGeom>
-              <a:solidFill>
-                <a:schemeClr val="bg1"/>
-              </a:solidFill>
-              <a:ln w="28575">
-                <a:solidFill>
-                  <a:schemeClr val="tx1"/>
-                </a:solidFill>
-              </a:ln>
-            </p:spPr>
-            <p:style>
-              <a:lnRef idx="2">
-                <a:schemeClr val="accent1">
-                  <a:shade val="50000"/>
-                </a:schemeClr>
-              </a:lnRef>
-              <a:fillRef idx="1">
-                <a:schemeClr val="accent1"/>
-              </a:fillRef>
-              <a:effectRef idx="0">
-                <a:schemeClr val="accent1"/>
-              </a:effectRef>
-              <a:fontRef idx="minor">
-                <a:schemeClr val="lt1"/>
-              </a:fontRef>
-            </p:style>
-            <p:txBody>
-              <a:bodyPr rtlCol="0" anchor="ctr"/>
-              <a:lstStyle/>
-              <a:p>
-                <a:pPr algn="ctr"/>
-                <a:r>
-                  <a:rPr lang="zh-CN" altLang="en-US" sz="1400" smtClean="0">
-                    <a:solidFill>
-                      <a:schemeClr val="tx1"/>
-                    </a:solidFill>
-                  </a:rPr>
-                  <a:t>进入程序</a:t>
-                </a:r>
-                <a:endParaRPr lang="zh-CN" altLang="en-US" sz="1400">
-                  <a:solidFill>
-                    <a:schemeClr val="tx1"/>
-                  </a:solidFill>
-                </a:endParaRPr>
-              </a:p>
-            </p:txBody>
-          </p:sp>
-          <p:cxnSp>
-            <p:nvCxnSpPr>
-              <p:cNvPr id="84" name="肘形连接符 83"/>
-              <p:cNvCxnSpPr>
-                <a:stCxn id="80" idx="3"/>
-                <a:endCxn id="69" idx="1"/>
-              </p:cNvCxnSpPr>
-              <p:nvPr/>
-            </p:nvCxnSpPr>
-            <p:spPr>
-              <a:xfrm>
-                <a:off x="1451294" y="1853464"/>
-                <a:ext cx="926979" cy="1226575"/>
-              </a:xfrm>
-              <a:prstGeom prst="bentConnector3">
-                <a:avLst/>
-              </a:prstGeom>
-              <a:ln w="28575">
-                <a:solidFill>
-                  <a:schemeClr val="tx1"/>
-                </a:solidFill>
-                <a:tailEnd type="triangle"/>
-              </a:ln>
-            </p:spPr>
-            <p:style>
-              <a:lnRef idx="1">
-                <a:schemeClr val="accent1"/>
-              </a:lnRef>
-              <a:fillRef idx="0">
-                <a:schemeClr val="accent1"/>
-              </a:fillRef>
-              <a:effectRef idx="0">
-                <a:schemeClr val="accent1"/>
-              </a:effectRef>
-              <a:fontRef idx="minor">
-                <a:schemeClr val="tx1"/>
-              </a:fontRef>
-            </p:style>
-          </p:cxnSp>
-          <p:cxnSp>
-            <p:nvCxnSpPr>
-              <p:cNvPr id="86" name="肘形连接符 85"/>
-              <p:cNvCxnSpPr>
-                <a:stCxn id="80" idx="3"/>
-                <a:endCxn id="66" idx="1"/>
-              </p:cNvCxnSpPr>
-              <p:nvPr/>
-            </p:nvCxnSpPr>
-            <p:spPr>
-              <a:xfrm flipV="1">
-                <a:off x="1451294" y="821869"/>
-                <a:ext cx="922789" cy="1031595"/>
-              </a:xfrm>
-              <a:prstGeom prst="bentConnector3">
-                <a:avLst/>
-              </a:prstGeom>
-              <a:ln w="28575">
-                <a:solidFill>
-                  <a:schemeClr val="tx1"/>
-                </a:solidFill>
-                <a:tailEnd type="triangle"/>
-              </a:ln>
-            </p:spPr>
-            <p:style>
-              <a:lnRef idx="1">
-                <a:schemeClr val="accent1"/>
-              </a:lnRef>
-              <a:fillRef idx="0">
-                <a:schemeClr val="accent1"/>
-              </a:fillRef>
-              <a:effectRef idx="0">
-                <a:schemeClr val="accent1"/>
-              </a:effectRef>
-              <a:fontRef idx="minor">
-                <a:schemeClr val="tx1"/>
-              </a:fontRef>
-            </p:style>
-          </p:cxnSp>
-          <p:cxnSp>
-            <p:nvCxnSpPr>
-              <p:cNvPr id="88" name="直接箭头连接符 87"/>
-              <p:cNvCxnSpPr>
-                <a:stCxn id="66" idx="3"/>
-                <a:endCxn id="67" idx="1"/>
-              </p:cNvCxnSpPr>
-              <p:nvPr/>
-            </p:nvCxnSpPr>
-            <p:spPr>
-              <a:xfrm>
-                <a:off x="3514984" y="821869"/>
-                <a:ext cx="943763" cy="0"/>
-              </a:xfrm>
-              <a:prstGeom prst="straightConnector1">
-                <a:avLst/>
-              </a:prstGeom>
-              <a:ln w="28575">
-                <a:solidFill>
-                  <a:schemeClr val="tx1"/>
-                </a:solidFill>
-                <a:tailEnd type="triangle"/>
-              </a:ln>
-            </p:spPr>
-            <p:style>
-              <a:lnRef idx="1">
-                <a:schemeClr val="accent1"/>
-              </a:lnRef>
-              <a:fillRef idx="0">
-                <a:schemeClr val="accent1"/>
-              </a:fillRef>
-              <a:effectRef idx="0">
-                <a:schemeClr val="accent1"/>
-              </a:effectRef>
-              <a:fontRef idx="minor">
-                <a:schemeClr val="tx1"/>
-              </a:fontRef>
-            </p:style>
-          </p:cxnSp>
-          <p:cxnSp>
-            <p:nvCxnSpPr>
-              <p:cNvPr id="90" name="直接箭头连接符 89"/>
-              <p:cNvCxnSpPr>
-                <a:stCxn id="67" idx="3"/>
-                <a:endCxn id="68" idx="1"/>
-              </p:cNvCxnSpPr>
-              <p:nvPr/>
-            </p:nvCxnSpPr>
-            <p:spPr>
-              <a:xfrm>
-                <a:off x="5373147" y="821869"/>
-                <a:ext cx="947957" cy="0"/>
-              </a:xfrm>
-              <a:prstGeom prst="straightConnector1">
-                <a:avLst/>
-              </a:prstGeom>
-              <a:ln w="28575">
-                <a:solidFill>
-                  <a:schemeClr val="tx1"/>
-                </a:solidFill>
-                <a:tailEnd type="triangle"/>
-              </a:ln>
-            </p:spPr>
-            <p:style>
-              <a:lnRef idx="1">
-                <a:schemeClr val="accent1"/>
-              </a:lnRef>
-              <a:fillRef idx="0">
-                <a:schemeClr val="accent1"/>
-              </a:fillRef>
-              <a:effectRef idx="0">
-                <a:schemeClr val="accent1"/>
-              </a:effectRef>
-              <a:fontRef idx="minor">
-                <a:schemeClr val="tx1"/>
-              </a:fontRef>
-            </p:style>
-          </p:cxnSp>
-          <p:cxnSp>
-            <p:nvCxnSpPr>
-              <p:cNvPr id="92" name="肘形连接符 91"/>
-              <p:cNvCxnSpPr>
-                <a:stCxn id="68" idx="3"/>
-                <a:endCxn id="77" idx="0"/>
-              </p:cNvCxnSpPr>
-              <p:nvPr/>
-            </p:nvCxnSpPr>
-            <p:spPr>
-              <a:xfrm>
-                <a:off x="7621396" y="821869"/>
-                <a:ext cx="1778484" cy="769376"/>
-              </a:xfrm>
-              <a:prstGeom prst="bentConnector2">
-                <a:avLst/>
-              </a:prstGeom>
-              <a:ln w="28575">
-                <a:solidFill>
-                  <a:schemeClr val="tx1"/>
-                </a:solidFill>
-                <a:tailEnd type="triangle"/>
-              </a:ln>
-            </p:spPr>
-            <p:style>
-              <a:lnRef idx="1">
-                <a:schemeClr val="accent1"/>
-              </a:lnRef>
-              <a:fillRef idx="0">
-                <a:schemeClr val="accent1"/>
-              </a:fillRef>
-              <a:effectRef idx="0">
-                <a:schemeClr val="accent1"/>
-              </a:effectRef>
-              <a:fontRef idx="minor">
-                <a:schemeClr val="tx1"/>
-              </a:fontRef>
-            </p:style>
-          </p:cxnSp>
-          <p:cxnSp>
-            <p:nvCxnSpPr>
-              <p:cNvPr id="96" name="肘形连接符 95"/>
-              <p:cNvCxnSpPr>
-                <a:stCxn id="79" idx="3"/>
-                <a:endCxn id="77" idx="2"/>
-              </p:cNvCxnSpPr>
-              <p:nvPr/>
-            </p:nvCxnSpPr>
-            <p:spPr>
-              <a:xfrm flipV="1">
-                <a:off x="8942680" y="2203893"/>
-                <a:ext cx="457200" cy="3131757"/>
-              </a:xfrm>
-              <a:prstGeom prst="bentConnector2">
-                <a:avLst/>
-              </a:prstGeom>
-              <a:ln w="28575">
-                <a:solidFill>
-                  <a:schemeClr val="tx1"/>
-                </a:solidFill>
-                <a:tailEnd type="triangle"/>
-              </a:ln>
-            </p:spPr>
-            <p:style>
-              <a:lnRef idx="1">
-                <a:schemeClr val="accent1"/>
-              </a:lnRef>
-              <a:fillRef idx="0">
-                <a:schemeClr val="accent1"/>
-              </a:fillRef>
-              <a:effectRef idx="0">
-                <a:schemeClr val="accent1"/>
-              </a:effectRef>
-              <a:fontRef idx="minor">
-                <a:schemeClr val="tx1"/>
-              </a:fontRef>
-            </p:style>
-          </p:cxnSp>
-          <p:sp>
-            <p:nvSpPr>
-              <p:cNvPr id="106" name="流程图: 过程 105"/>
-              <p:cNvSpPr/>
-              <p:nvPr/>
-            </p:nvSpPr>
-            <p:spPr>
-              <a:xfrm>
-                <a:off x="2386664" y="1547140"/>
-                <a:ext cx="1140901" cy="612648"/>
-              </a:xfrm>
-              <a:prstGeom prst="flowChartProcess">
-                <a:avLst/>
-              </a:prstGeom>
-              <a:solidFill>
-                <a:schemeClr val="bg1"/>
-              </a:solidFill>
-              <a:ln w="28575">
-                <a:solidFill>
-                  <a:schemeClr val="tx1"/>
-                </a:solidFill>
-              </a:ln>
-            </p:spPr>
-            <p:style>
-              <a:lnRef idx="2">
-                <a:schemeClr val="accent1">
-                  <a:shade val="50000"/>
-                </a:schemeClr>
-              </a:lnRef>
-              <a:fillRef idx="1">
-                <a:schemeClr val="accent1"/>
-              </a:fillRef>
-              <a:effectRef idx="0">
-                <a:schemeClr val="accent1"/>
-              </a:effectRef>
-              <a:fontRef idx="minor">
-                <a:schemeClr val="lt1"/>
-              </a:fontRef>
-            </p:style>
-            <p:txBody>
-              <a:bodyPr rtlCol="0" anchor="ctr"/>
-              <a:lstStyle/>
-              <a:p>
-                <a:pPr algn="ctr"/>
-                <a:r>
-                  <a:rPr lang="zh-CN" altLang="en-US" sz="1400" smtClean="0">
-                    <a:solidFill>
-                      <a:schemeClr val="tx1"/>
-                    </a:solidFill>
-                  </a:rPr>
-                  <a:t>进入我的</a:t>
-                </a:r>
-                <a:endParaRPr lang="zh-CN" altLang="en-US" sz="1400">
-                  <a:solidFill>
-                    <a:schemeClr val="tx1"/>
-                  </a:solidFill>
-                </a:endParaRPr>
-              </a:p>
-            </p:txBody>
-          </p:sp>
-          <p:sp>
-            <p:nvSpPr>
-              <p:cNvPr id="107" name="流程图: 过程 106"/>
-              <p:cNvSpPr/>
-              <p:nvPr/>
-            </p:nvSpPr>
-            <p:spPr>
-              <a:xfrm>
-                <a:off x="6463722" y="1591245"/>
-                <a:ext cx="1140901" cy="612648"/>
-              </a:xfrm>
-              <a:prstGeom prst="flowChartProcess">
-                <a:avLst/>
-              </a:prstGeom>
-              <a:solidFill>
-                <a:schemeClr val="bg1"/>
-              </a:solidFill>
-              <a:ln w="28575">
-                <a:solidFill>
-                  <a:schemeClr val="tx1"/>
-                </a:solidFill>
-              </a:ln>
-            </p:spPr>
-            <p:style>
-              <a:lnRef idx="2">
-                <a:schemeClr val="accent1">
-                  <a:shade val="50000"/>
-                </a:schemeClr>
-              </a:lnRef>
-              <a:fillRef idx="1">
-                <a:schemeClr val="accent1"/>
-              </a:fillRef>
-              <a:effectRef idx="0">
-                <a:schemeClr val="accent1"/>
-              </a:effectRef>
-              <a:fontRef idx="minor">
-                <a:schemeClr val="lt1"/>
-              </a:fontRef>
-            </p:style>
-            <p:txBody>
-              <a:bodyPr rtlCol="0" anchor="ctr"/>
-              <a:lstStyle/>
-              <a:p>
-                <a:pPr algn="ctr"/>
-                <a:r>
-                  <a:rPr lang="zh-CN" altLang="en-US" sz="1400" smtClean="0">
-                    <a:solidFill>
-                      <a:schemeClr val="tx1"/>
-                    </a:solidFill>
-                  </a:rPr>
-                  <a:t>多彩主题</a:t>
-                </a:r>
-                <a:endParaRPr lang="zh-CN" altLang="en-US" sz="1400">
-                  <a:solidFill>
-                    <a:schemeClr val="tx1"/>
-                  </a:solidFill>
-                </a:endParaRPr>
-              </a:p>
-            </p:txBody>
-          </p:sp>
-          <p:cxnSp>
-            <p:nvCxnSpPr>
-              <p:cNvPr id="111" name="直接箭头连接符 110"/>
-              <p:cNvCxnSpPr>
-                <a:endCxn id="106" idx="1"/>
-              </p:cNvCxnSpPr>
-              <p:nvPr/>
-            </p:nvCxnSpPr>
-            <p:spPr>
-              <a:xfrm>
-                <a:off x="1912688" y="1853464"/>
-                <a:ext cx="473976" cy="0"/>
-              </a:xfrm>
-              <a:prstGeom prst="straightConnector1">
-                <a:avLst/>
-              </a:prstGeom>
-              <a:ln w="28575">
-                <a:solidFill>
-                  <a:schemeClr val="tx1"/>
-                </a:solidFill>
-                <a:tailEnd type="triangle"/>
-              </a:ln>
-            </p:spPr>
-            <p:style>
-              <a:lnRef idx="1">
-                <a:schemeClr val="accent1"/>
-              </a:lnRef>
-              <a:fillRef idx="0">
-                <a:schemeClr val="accent1"/>
-              </a:fillRef>
-              <a:effectRef idx="0">
-                <a:schemeClr val="accent1"/>
-              </a:effectRef>
-              <a:fontRef idx="minor">
-                <a:schemeClr val="tx1"/>
-              </a:fontRef>
-            </p:style>
-          </p:cxnSp>
-          <p:cxnSp>
-            <p:nvCxnSpPr>
-              <p:cNvPr id="113" name="肘形连接符 112"/>
-              <p:cNvCxnSpPr>
-                <a:stCxn id="106" idx="3"/>
-                <a:endCxn id="71" idx="1"/>
-              </p:cNvCxnSpPr>
-              <p:nvPr/>
-            </p:nvCxnSpPr>
-            <p:spPr>
-              <a:xfrm>
-                <a:off x="3527565" y="1853464"/>
-                <a:ext cx="828413" cy="1225296"/>
-              </a:xfrm>
-              <a:prstGeom prst="bentConnector3">
-                <a:avLst/>
-              </a:prstGeom>
-              <a:ln w="28575">
-                <a:solidFill>
-                  <a:schemeClr val="tx1"/>
-                </a:solidFill>
-                <a:tailEnd type="triangle"/>
-              </a:ln>
-            </p:spPr>
-            <p:style>
-              <a:lnRef idx="1">
-                <a:schemeClr val="accent1"/>
-              </a:lnRef>
-              <a:fillRef idx="0">
-                <a:schemeClr val="accent1"/>
-              </a:fillRef>
-              <a:effectRef idx="0">
-                <a:schemeClr val="accent1"/>
-              </a:effectRef>
-              <a:fontRef idx="minor">
-                <a:schemeClr val="tx1"/>
-              </a:fontRef>
-            </p:style>
-          </p:cxnSp>
-          <p:cxnSp>
-            <p:nvCxnSpPr>
-              <p:cNvPr id="115" name="直接连接符 114"/>
-              <p:cNvCxnSpPr>
-                <a:stCxn id="69" idx="3"/>
-              </p:cNvCxnSpPr>
-              <p:nvPr/>
-            </p:nvCxnSpPr>
-            <p:spPr>
-              <a:xfrm flipV="1">
-                <a:off x="3645012" y="3078760"/>
-                <a:ext cx="348142" cy="1279"/>
-              </a:xfrm>
-              <a:prstGeom prst="line">
-                <a:avLst/>
-              </a:prstGeom>
-              <a:ln w="28575">
-                <a:solidFill>
-                  <a:schemeClr val="tx1"/>
-                </a:solidFill>
-              </a:ln>
-            </p:spPr>
-            <p:style>
-              <a:lnRef idx="1">
-                <a:schemeClr val="accent1"/>
-              </a:lnRef>
-              <a:fillRef idx="0">
-                <a:schemeClr val="accent1"/>
-              </a:fillRef>
-              <a:effectRef idx="0">
-                <a:schemeClr val="accent1"/>
-              </a:effectRef>
-              <a:fontRef idx="minor">
-                <a:schemeClr val="tx1"/>
-              </a:fontRef>
-            </p:style>
-          </p:cxnSp>
-          <p:cxnSp>
-            <p:nvCxnSpPr>
-              <p:cNvPr id="133" name="直接箭头连接符 132"/>
-              <p:cNvCxnSpPr>
-                <a:stCxn id="71" idx="3"/>
-                <a:endCxn id="72" idx="1"/>
-              </p:cNvCxnSpPr>
-              <p:nvPr/>
-            </p:nvCxnSpPr>
-            <p:spPr>
-              <a:xfrm>
-                <a:off x="5647886" y="3078760"/>
-                <a:ext cx="832612" cy="0"/>
-              </a:xfrm>
-              <a:prstGeom prst="straightConnector1">
-                <a:avLst/>
-              </a:prstGeom>
-              <a:ln w="28575">
-                <a:solidFill>
-                  <a:schemeClr val="tx1"/>
-                </a:solidFill>
-                <a:tailEnd type="triangle"/>
-              </a:ln>
-            </p:spPr>
-            <p:style>
-              <a:lnRef idx="1">
-                <a:schemeClr val="accent1"/>
-              </a:lnRef>
-              <a:fillRef idx="0">
-                <a:schemeClr val="accent1"/>
-              </a:fillRef>
-              <a:effectRef idx="0">
-                <a:schemeClr val="accent1"/>
-              </a:effectRef>
-              <a:fontRef idx="minor">
-                <a:schemeClr val="tx1"/>
-              </a:fontRef>
-            </p:style>
-          </p:cxnSp>
-          <p:cxnSp>
-            <p:nvCxnSpPr>
-              <p:cNvPr id="135" name="直接箭头连接符 134"/>
-              <p:cNvCxnSpPr>
-                <a:stCxn id="71" idx="2"/>
-                <a:endCxn id="73" idx="0"/>
-              </p:cNvCxnSpPr>
-              <p:nvPr/>
-            </p:nvCxnSpPr>
-            <p:spPr>
-              <a:xfrm flipH="1">
-                <a:off x="4987247" y="3385084"/>
-                <a:ext cx="14685" cy="628420"/>
-              </a:xfrm>
-              <a:prstGeom prst="straightConnector1">
-                <a:avLst/>
-              </a:prstGeom>
-              <a:ln w="28575">
-                <a:solidFill>
-                  <a:schemeClr val="tx1"/>
-                </a:solidFill>
-                <a:tailEnd type="triangle"/>
-              </a:ln>
-            </p:spPr>
-            <p:style>
-              <a:lnRef idx="1">
-                <a:schemeClr val="accent1"/>
-              </a:lnRef>
-              <a:fillRef idx="0">
-                <a:schemeClr val="accent1"/>
-              </a:fillRef>
-              <a:effectRef idx="0">
-                <a:schemeClr val="accent1"/>
-              </a:effectRef>
-              <a:fontRef idx="minor">
-                <a:schemeClr val="tx1"/>
-              </a:fontRef>
-            </p:style>
-          </p:cxnSp>
-          <p:cxnSp>
-            <p:nvCxnSpPr>
-              <p:cNvPr id="139" name="肘形连接符 138"/>
-              <p:cNvCxnSpPr>
-                <a:stCxn id="72" idx="2"/>
-                <a:endCxn id="73" idx="3"/>
-              </p:cNvCxnSpPr>
-              <p:nvPr/>
-            </p:nvCxnSpPr>
-            <p:spPr>
-              <a:xfrm rot="5400000">
-                <a:off x="5866315" y="3151971"/>
-                <a:ext cx="934744" cy="1400971"/>
-              </a:xfrm>
-              <a:prstGeom prst="bentConnector2">
-                <a:avLst/>
-              </a:prstGeom>
-              <a:ln w="28575">
-                <a:solidFill>
-                  <a:schemeClr val="tx1"/>
-                </a:solidFill>
-                <a:tailEnd type="triangle"/>
-              </a:ln>
-            </p:spPr>
-            <p:style>
-              <a:lnRef idx="1">
-                <a:schemeClr val="accent1"/>
-              </a:lnRef>
-              <a:fillRef idx="0">
-                <a:schemeClr val="accent1"/>
-              </a:fillRef>
-              <a:effectRef idx="0">
-                <a:schemeClr val="accent1"/>
-              </a:effectRef>
-              <a:fontRef idx="minor">
-                <a:schemeClr val="tx1"/>
-              </a:fontRef>
-            </p:style>
-          </p:cxnSp>
-          <p:cxnSp>
-            <p:nvCxnSpPr>
-              <p:cNvPr id="141" name="肘形连接符 140"/>
-              <p:cNvCxnSpPr>
-                <a:stCxn id="71" idx="0"/>
-                <a:endCxn id="107" idx="1"/>
-              </p:cNvCxnSpPr>
-              <p:nvPr/>
-            </p:nvCxnSpPr>
-            <p:spPr>
-              <a:xfrm rot="5400000" flipH="1" flipV="1">
-                <a:off x="5295394" y="1604108"/>
-                <a:ext cx="874867" cy="1461790"/>
-              </a:xfrm>
-              <a:prstGeom prst="bentConnector2">
-                <a:avLst/>
-              </a:prstGeom>
-              <a:ln w="28575">
-                <a:solidFill>
-                  <a:schemeClr val="tx1"/>
-                </a:solidFill>
-                <a:tailEnd type="triangle"/>
-              </a:ln>
-            </p:spPr>
-            <p:style>
-              <a:lnRef idx="1">
-                <a:schemeClr val="accent1"/>
-              </a:lnRef>
-              <a:fillRef idx="0">
-                <a:schemeClr val="accent1"/>
-              </a:fillRef>
-              <a:effectRef idx="0">
-                <a:schemeClr val="accent1"/>
-              </a:effectRef>
-              <a:fontRef idx="minor">
-                <a:schemeClr val="tx1"/>
-              </a:fontRef>
-            </p:style>
-          </p:cxnSp>
-          <p:cxnSp>
-            <p:nvCxnSpPr>
-              <p:cNvPr id="143" name="肘形连接符 142"/>
-              <p:cNvCxnSpPr>
-                <a:stCxn id="74" idx="2"/>
-                <a:endCxn id="75" idx="1"/>
-              </p:cNvCxnSpPr>
-              <p:nvPr/>
-            </p:nvCxnSpPr>
-            <p:spPr>
-              <a:xfrm rot="16200000" flipH="1">
-                <a:off x="3403952" y="4198000"/>
-                <a:ext cx="690811" cy="1584487"/>
-              </a:xfrm>
-              <a:prstGeom prst="bentConnector2">
-                <a:avLst/>
-              </a:prstGeom>
-              <a:ln w="28575">
-                <a:solidFill>
-                  <a:schemeClr val="tx1"/>
-                </a:solidFill>
-                <a:tailEnd type="triangle"/>
-              </a:ln>
-            </p:spPr>
-            <p:style>
-              <a:lnRef idx="1">
-                <a:schemeClr val="accent1"/>
-              </a:lnRef>
-              <a:fillRef idx="0">
-                <a:schemeClr val="accent1"/>
-              </a:fillRef>
-              <a:effectRef idx="0">
-                <a:schemeClr val="accent1"/>
-              </a:effectRef>
-              <a:fontRef idx="minor">
-                <a:schemeClr val="tx1"/>
-              </a:fontRef>
-            </p:style>
-          </p:cxnSp>
-          <p:cxnSp>
-            <p:nvCxnSpPr>
-              <p:cNvPr id="145" name="直接箭头连接符 144"/>
-              <p:cNvCxnSpPr>
-                <a:stCxn id="75" idx="3"/>
-                <a:endCxn id="76" idx="1"/>
-              </p:cNvCxnSpPr>
-              <p:nvPr/>
-            </p:nvCxnSpPr>
-            <p:spPr>
-              <a:xfrm>
-                <a:off x="5456001" y="5335650"/>
-                <a:ext cx="700483" cy="0"/>
-              </a:xfrm>
-              <a:prstGeom prst="straightConnector1">
-                <a:avLst/>
-              </a:prstGeom>
-              <a:ln w="28575">
-                <a:solidFill>
-                  <a:schemeClr val="tx1"/>
-                </a:solidFill>
-                <a:tailEnd type="triangle"/>
-              </a:ln>
-            </p:spPr>
-            <p:style>
-              <a:lnRef idx="1">
-                <a:schemeClr val="accent1"/>
-              </a:lnRef>
-              <a:fillRef idx="0">
-                <a:schemeClr val="accent1"/>
-              </a:fillRef>
-              <a:effectRef idx="0">
-                <a:schemeClr val="accent1"/>
-              </a:effectRef>
-              <a:fontRef idx="minor">
-                <a:schemeClr val="tx1"/>
-              </a:fontRef>
-            </p:style>
-          </p:cxnSp>
-          <p:cxnSp>
-            <p:nvCxnSpPr>
-              <p:cNvPr id="147" name="直接箭头连接符 146"/>
-              <p:cNvCxnSpPr>
-                <a:stCxn id="76" idx="3"/>
-                <a:endCxn id="79" idx="1"/>
-              </p:cNvCxnSpPr>
-              <p:nvPr/>
-            </p:nvCxnSpPr>
-            <p:spPr>
-              <a:xfrm>
-                <a:off x="7070884" y="5335650"/>
-                <a:ext cx="600863" cy="0"/>
-              </a:xfrm>
-              <a:prstGeom prst="straightConnector1">
-                <a:avLst/>
-              </a:prstGeom>
-              <a:ln w="28575">
-                <a:solidFill>
-                  <a:schemeClr val="tx1"/>
-                </a:solidFill>
-                <a:tailEnd type="triangle"/>
-              </a:ln>
-            </p:spPr>
-            <p:style>
-              <a:lnRef idx="1">
-                <a:schemeClr val="accent1"/>
-              </a:lnRef>
-              <a:fillRef idx="0">
-                <a:schemeClr val="accent1"/>
-              </a:fillRef>
-              <a:effectRef idx="0">
-                <a:schemeClr val="accent1"/>
-              </a:effectRef>
-              <a:fontRef idx="minor">
-                <a:schemeClr val="tx1"/>
-              </a:fontRef>
-            </p:style>
-          </p:cxnSp>
-          <p:cxnSp>
-            <p:nvCxnSpPr>
-              <p:cNvPr id="151" name="直接箭头连接符 150"/>
-              <p:cNvCxnSpPr>
-                <a:stCxn id="73" idx="1"/>
-                <a:endCxn id="74" idx="3"/>
-              </p:cNvCxnSpPr>
-              <p:nvPr/>
-            </p:nvCxnSpPr>
-            <p:spPr>
-              <a:xfrm flipH="1">
-                <a:off x="3414314" y="4319828"/>
-                <a:ext cx="926979" cy="18687"/>
-              </a:xfrm>
-              <a:prstGeom prst="straightConnector1">
-                <a:avLst/>
-              </a:prstGeom>
-              <a:ln w="28575">
-                <a:solidFill>
-                  <a:schemeClr val="tx1"/>
-                </a:solidFill>
-                <a:tailEnd type="triangle"/>
-              </a:ln>
-            </p:spPr>
-            <p:style>
-              <a:lnRef idx="1">
-                <a:schemeClr val="accent1"/>
-              </a:lnRef>
-              <a:fillRef idx="0">
-                <a:schemeClr val="accent1"/>
-              </a:fillRef>
-              <a:effectRef idx="0">
-                <a:schemeClr val="accent1"/>
-              </a:effectRef>
-              <a:fontRef idx="minor">
-                <a:schemeClr val="tx1"/>
-              </a:fontRef>
-            </p:style>
-          </p:cxnSp>
-          <p:cxnSp>
-            <p:nvCxnSpPr>
-              <p:cNvPr id="155" name="直接箭头连接符 154"/>
-              <p:cNvCxnSpPr>
-                <a:stCxn id="107" idx="3"/>
-                <a:endCxn id="77" idx="1"/>
-              </p:cNvCxnSpPr>
-              <p:nvPr/>
-            </p:nvCxnSpPr>
-            <p:spPr>
-              <a:xfrm>
-                <a:off x="7604623" y="1897569"/>
-                <a:ext cx="1338057" cy="0"/>
-              </a:xfrm>
-              <a:prstGeom prst="straightConnector1">
-                <a:avLst/>
-              </a:prstGeom>
-              <a:ln w="28575">
-                <a:solidFill>
-                  <a:schemeClr val="tx1"/>
-                </a:solidFill>
-                <a:tailEnd type="triangle"/>
-              </a:ln>
-            </p:spPr>
-            <p:style>
-              <a:lnRef idx="1">
-                <a:schemeClr val="accent1"/>
-              </a:lnRef>
-              <a:fillRef idx="0">
-                <a:schemeClr val="accent1"/>
-              </a:fillRef>
-              <a:effectRef idx="0">
-                <a:schemeClr val="accent1"/>
-              </a:effectRef>
-              <a:fontRef idx="minor">
-                <a:schemeClr val="tx1"/>
-              </a:fontRef>
-            </p:style>
-          </p:cxnSp>
         </p:grpSp>
         <p:sp>
           <p:nvSpPr>
-            <p:cNvPr id="166" name="文本框 165"/>
+            <p:cNvPr id="2" name="文本框 1"/>
             <p:cNvSpPr txBox="1"/>
             <p:nvPr/>
           </p:nvSpPr>
           <p:spPr>
             <a:xfrm>
-              <a:off x="4798411" y="6179370"/>
-              <a:ext cx="1441420" cy="307777"/>
-            </a:xfrm>
-            <a:prstGeom prst="rect">
-              <a:avLst/>
-            </a:prstGeom>
-            <a:noFill/>
-            <a:ln w="28575">
-              <a:noFill/>
-            </a:ln>
-          </p:spPr>
-          <p:txBody>
-            <a:bodyPr wrap="none" rtlCol="0">
-              <a:spAutoFit/>
-            </a:bodyPr>
-            <a:lstStyle/>
-            <a:p>
-              <a:r>
-                <a:rPr lang="zh-CN" altLang="en-US" sz="1400" smtClean="0"/>
-                <a:t>程序的逻辑结构</a:t>
-              </a:r>
-              <a:endParaRPr lang="zh-CN" altLang="en-US" sz="1400"/>
-            </a:p>
-          </p:txBody>
-        </p:sp>
-        <p:sp>
-          <p:nvSpPr>
-            <p:cNvPr id="171" name="文本框 170"/>
-            <p:cNvSpPr txBox="1"/>
-            <p:nvPr/>
-          </p:nvSpPr>
-          <p:spPr>
-            <a:xfrm>
-              <a:off x="5394481" y="2338115"/>
-              <a:ext cx="364202" cy="307777"/>
+              <a:off x="7558484" y="5086604"/>
+              <a:ext cx="902811" cy="307777"/>
             </a:xfrm>
             <a:prstGeom prst="rect">
               <a:avLst/>
@@ -5385,50 +5738,26 @@
             <a:p>
               <a:r>
                 <a:rPr lang="zh-CN" altLang="en-US" sz="1400"/>
-                <a:t>是</a:t>
+                <a:t>添加</a:t>
               </a:r>
+              <a:r>
+                <a:rPr lang="zh-CN" altLang="en-US" sz="1400" smtClean="0"/>
+                <a:t>公告</a:t>
+              </a:r>
+              <a:endParaRPr lang="zh-CN" altLang="en-US" sz="1400"/>
             </a:p>
           </p:txBody>
         </p:sp>
         <p:sp>
           <p:nvSpPr>
-            <p:cNvPr id="172" name="文本框 171"/>
+            <p:cNvPr id="42" name="文本框 41"/>
             <p:cNvSpPr txBox="1"/>
             <p:nvPr/>
           </p:nvSpPr>
           <p:spPr>
             <a:xfrm>
-              <a:off x="5394481" y="3690051"/>
-              <a:ext cx="364202" cy="307777"/>
-            </a:xfrm>
-            <a:prstGeom prst="rect">
-              <a:avLst/>
-            </a:prstGeom>
-            <a:noFill/>
-          </p:spPr>
-          <p:txBody>
-            <a:bodyPr wrap="none" rtlCol="0">
-              <a:spAutoFit/>
-            </a:bodyPr>
-            <a:lstStyle/>
-            <a:p>
-              <a:r>
-                <a:rPr lang="zh-CN" altLang="en-US" sz="1400"/>
-                <a:t>是</a:t>
-              </a:r>
-            </a:p>
-          </p:txBody>
-        </p:sp>
-        <p:sp>
-          <p:nvSpPr>
-            <p:cNvPr id="173" name="文本框 172"/>
-            <p:cNvSpPr txBox="1"/>
-            <p:nvPr/>
-          </p:nvSpPr>
-          <p:spPr>
-            <a:xfrm>
-              <a:off x="6215910" y="2811891"/>
-              <a:ext cx="364202" cy="307777"/>
+              <a:off x="7558483" y="5622306"/>
+              <a:ext cx="902811" cy="307777"/>
             </a:xfrm>
             <a:prstGeom prst="rect">
               <a:avLst/>
@@ -5443,7 +5772,7 @@
             <a:p>
               <a:r>
                 <a:rPr lang="zh-CN" altLang="en-US" sz="1400" smtClean="0"/>
-                <a:t>否</a:t>
+                <a:t>编辑项目</a:t>
               </a:r>
               <a:endParaRPr lang="zh-CN" altLang="en-US" sz="1400"/>
             </a:p>
@@ -7876,8 +8205,8 @@
         </p:nvGrpSpPr>
         <p:grpSpPr>
           <a:xfrm>
-            <a:off x="2996942" y="375729"/>
-            <a:ext cx="5667006" cy="5041984"/>
+            <a:off x="832059" y="1197538"/>
+            <a:ext cx="4512199" cy="4014542"/>
             <a:chOff x="2996942" y="375729"/>
             <a:chExt cx="5667006" cy="5041984"/>
           </a:xfrm>
@@ -8019,6 +8348,156 @@
           </p:spPr>
         </p:pic>
       </p:grpSp>
+      <p:grpSp>
+        <p:nvGrpSpPr>
+          <p:cNvPr id="7" name="组合 6"/>
+          <p:cNvGrpSpPr/>
+          <p:nvPr/>
+        </p:nvGrpSpPr>
+        <p:grpSpPr>
+          <a:xfrm>
+            <a:off x="6008336" y="1197538"/>
+            <a:ext cx="4656726" cy="4014542"/>
+            <a:chOff x="2996942" y="532211"/>
+            <a:chExt cx="5667006" cy="4885501"/>
+          </a:xfrm>
+        </p:grpSpPr>
+        <p:pic>
+          <p:nvPicPr>
+            <p:cNvPr id="8" name="图片 7"/>
+            <p:cNvPicPr>
+              <a:picLocks noChangeAspect="1"/>
+            </p:cNvPicPr>
+            <p:nvPr/>
+          </p:nvPicPr>
+          <p:blipFill>
+            <a:blip r:embed="rId4"/>
+            <a:stretch>
+              <a:fillRect/>
+            </a:stretch>
+          </p:blipFill>
+          <p:spPr>
+            <a:xfrm>
+              <a:off x="2996942" y="532211"/>
+              <a:ext cx="2472454" cy="4391507"/>
+            </a:xfrm>
+            <a:prstGeom prst="rect">
+              <a:avLst/>
+            </a:prstGeom>
+            <a:ln>
+              <a:noFill/>
+            </a:ln>
+            <a:effectLst>
+              <a:outerShdw blurRad="292100" dist="139700" dir="2700000" algn="tl" rotWithShape="0">
+                <a:srgbClr val="333333">
+                  <a:alpha val="65000"/>
+                </a:srgbClr>
+              </a:outerShdw>
+            </a:effectLst>
+          </p:spPr>
+        </p:pic>
+        <p:pic>
+          <p:nvPicPr>
+            <p:cNvPr id="9" name="图片 8"/>
+            <p:cNvPicPr>
+              <a:picLocks noChangeAspect="1"/>
+            </p:cNvPicPr>
+            <p:nvPr/>
+          </p:nvPicPr>
+          <p:blipFill>
+            <a:blip r:embed="rId5"/>
+            <a:stretch>
+              <a:fillRect/>
+            </a:stretch>
+          </p:blipFill>
+          <p:spPr>
+            <a:xfrm>
+              <a:off x="6191494" y="532211"/>
+              <a:ext cx="2472454" cy="4391507"/>
+            </a:xfrm>
+            <a:prstGeom prst="rect">
+              <a:avLst/>
+            </a:prstGeom>
+            <a:ln>
+              <a:noFill/>
+            </a:ln>
+            <a:effectLst>
+              <a:outerShdw blurRad="292100" dist="139700" dir="2700000" algn="tl" rotWithShape="0">
+                <a:srgbClr val="333333">
+                  <a:alpha val="65000"/>
+                </a:srgbClr>
+              </a:outerShdw>
+            </a:effectLst>
+          </p:spPr>
+        </p:pic>
+        <p:sp>
+          <p:nvSpPr>
+            <p:cNvPr id="10" name="文本框 9"/>
+            <p:cNvSpPr txBox="1"/>
+            <p:nvPr/>
+          </p:nvSpPr>
+          <p:spPr>
+            <a:xfrm>
+              <a:off x="3781763" y="5109935"/>
+              <a:ext cx="902811" cy="307777"/>
+            </a:xfrm>
+            <a:prstGeom prst="rect">
+              <a:avLst/>
+            </a:prstGeom>
+            <a:noFill/>
+          </p:spPr>
+          <p:txBody>
+            <a:bodyPr wrap="none" rtlCol="0">
+              <a:spAutoFit/>
+            </a:bodyPr>
+            <a:lstStyle/>
+            <a:p>
+              <a:r>
+                <a:rPr lang="zh-CN" altLang="en-US" sz="1400" smtClean="0"/>
+                <a:t>参数</a:t>
+              </a:r>
+              <a:r>
+                <a:rPr lang="zh-CN" altLang="en-US" sz="1400"/>
+                <a:t>列表</a:t>
+              </a:r>
+            </a:p>
+          </p:txBody>
+        </p:sp>
+        <p:sp>
+          <p:nvSpPr>
+            <p:cNvPr id="11" name="文本框 10"/>
+            <p:cNvSpPr txBox="1"/>
+            <p:nvPr/>
+          </p:nvSpPr>
+          <p:spPr>
+            <a:xfrm>
+              <a:off x="7001963" y="5109935"/>
+              <a:ext cx="851515" cy="307777"/>
+            </a:xfrm>
+            <a:prstGeom prst="rect">
+              <a:avLst/>
+            </a:prstGeom>
+            <a:noFill/>
+          </p:spPr>
+          <p:txBody>
+            <a:bodyPr wrap="none" rtlCol="0">
+              <a:spAutoFit/>
+            </a:bodyPr>
+            <a:lstStyle/>
+            <a:p>
+              <a:r>
+                <a:rPr lang="zh-CN" altLang="en-US" sz="1400" smtClean="0"/>
+                <a:t>详情</a:t>
+              </a:r>
+              <a:r>
+                <a:rPr lang="en-US" altLang="zh-CN" sz="1400" smtClean="0"/>
+                <a:t>PDF</a:t>
+              </a:r>
+              <a:endParaRPr lang="zh-CN" altLang="en-US" sz="1400"/>
+            </a:p>
+          </p:txBody>
+        </p:sp>
+      </p:grpSp>
     </p:spTree>
     <p:extLst>
       <p:ext uri="{BB962C8B-B14F-4D97-AF65-F5344CB8AC3E}">
@@ -8058,95 +8537,208 @@
       </p:grpSpPr>
       <p:grpSp>
         <p:nvGrpSpPr>
-          <p:cNvPr id="9" name="组合 8"/>
+          <p:cNvPr id="18" name="组合 17"/>
           <p:cNvGrpSpPr/>
           <p:nvPr/>
         </p:nvGrpSpPr>
         <p:grpSpPr>
           <a:xfrm>
-            <a:off x="2996942" y="532211"/>
-            <a:ext cx="5667006" cy="4885501"/>
-            <a:chOff x="2996942" y="532211"/>
-            <a:chExt cx="5667006" cy="4885501"/>
+            <a:off x="3112668" y="1197538"/>
+            <a:ext cx="6540617" cy="4124199"/>
+            <a:chOff x="3112668" y="1197538"/>
+            <a:chExt cx="6540617" cy="4124199"/>
           </a:xfrm>
         </p:grpSpPr>
-        <p:pic>
-          <p:nvPicPr>
-            <p:cNvPr id="11" name="图片 10"/>
-            <p:cNvPicPr>
-              <a:picLocks noChangeAspect="1"/>
-            </p:cNvPicPr>
+        <p:grpSp>
+          <p:nvGrpSpPr>
+            <p:cNvPr id="16" name="组合 15"/>
+            <p:cNvGrpSpPr/>
             <p:nvPr/>
-          </p:nvPicPr>
-          <p:blipFill>
-            <a:blip r:embed="rId2"/>
-            <a:stretch>
-              <a:fillRect/>
-            </a:stretch>
-          </p:blipFill>
-          <p:spPr>
+          </p:nvGrpSpPr>
+          <p:grpSpPr>
             <a:xfrm>
-              <a:off x="2996942" y="532211"/>
-              <a:ext cx="2472454" cy="4391507"/>
+              <a:off x="3112668" y="1197538"/>
+              <a:ext cx="6540617" cy="3575559"/>
+              <a:chOff x="3112668" y="1197538"/>
+              <a:chExt cx="6540617" cy="3575559"/>
             </a:xfrm>
-            <a:prstGeom prst="rect">
-              <a:avLst/>
-            </a:prstGeom>
-            <a:ln>
+          </p:grpSpPr>
+          <p:pic>
+            <p:nvPicPr>
+              <p:cNvPr id="2" name="图片 1"/>
+              <p:cNvPicPr>
+                <a:picLocks noChangeAspect="1"/>
+              </p:cNvPicPr>
+              <p:nvPr/>
+            </p:nvPicPr>
+            <p:blipFill>
+              <a:blip r:embed="rId2"/>
+              <a:stretch>
+                <a:fillRect/>
+              </a:stretch>
+            </p:blipFill>
+            <p:spPr>
+              <a:xfrm>
+                <a:off x="3112668" y="1197538"/>
+                <a:ext cx="1753936" cy="3105797"/>
+              </a:xfrm>
+              <a:prstGeom prst="rect">
+                <a:avLst/>
+              </a:prstGeom>
+            </p:spPr>
+          </p:pic>
+          <p:pic>
+            <p:nvPicPr>
+              <p:cNvPr id="3" name="图片 2"/>
+              <p:cNvPicPr>
+                <a:picLocks noChangeAspect="1"/>
+              </p:cNvPicPr>
+              <p:nvPr/>
+            </p:nvPicPr>
+            <p:blipFill>
+              <a:blip r:embed="rId3"/>
+              <a:stretch>
+                <a:fillRect/>
+              </a:stretch>
+            </p:blipFill>
+            <p:spPr>
+              <a:xfrm>
+                <a:off x="5460405" y="1197538"/>
+                <a:ext cx="1799803" cy="3105797"/>
+              </a:xfrm>
+              <a:prstGeom prst="rect">
+                <a:avLst/>
+              </a:prstGeom>
+            </p:spPr>
+          </p:pic>
+          <p:pic>
+            <p:nvPicPr>
+              <p:cNvPr id="5" name="图片 4"/>
+              <p:cNvPicPr>
+                <a:picLocks noChangeAspect="1"/>
+              </p:cNvPicPr>
+              <p:nvPr/>
+            </p:nvPicPr>
+            <p:blipFill>
+              <a:blip r:embed="rId4"/>
+              <a:stretch>
+                <a:fillRect/>
+              </a:stretch>
+            </p:blipFill>
+            <p:spPr>
+              <a:xfrm>
+                <a:off x="7854009" y="1198448"/>
+                <a:ext cx="1799276" cy="3104887"/>
+              </a:xfrm>
+              <a:prstGeom prst="rect">
+                <a:avLst/>
+              </a:prstGeom>
+            </p:spPr>
+          </p:pic>
+          <p:sp>
+            <p:nvSpPr>
+              <p:cNvPr id="6" name="文本框 5"/>
+              <p:cNvSpPr txBox="1"/>
+              <p:nvPr/>
+            </p:nvSpPr>
+            <p:spPr>
+              <a:xfrm>
+                <a:off x="3515559" y="4465320"/>
+                <a:ext cx="902811" cy="307777"/>
+              </a:xfrm>
+              <a:prstGeom prst="rect">
+                <a:avLst/>
+              </a:prstGeom>
               <a:noFill/>
-            </a:ln>
-            <a:effectLst>
-              <a:outerShdw blurRad="292100" dist="139700" dir="2700000" algn="tl" rotWithShape="0">
-                <a:srgbClr val="333333">
-                  <a:alpha val="65000"/>
-                </a:srgbClr>
-              </a:outerShdw>
-            </a:effectLst>
-          </p:spPr>
-        </p:pic>
-        <p:pic>
-          <p:nvPicPr>
-            <p:cNvPr id="12" name="图片 11"/>
-            <p:cNvPicPr>
-              <a:picLocks noChangeAspect="1"/>
-            </p:cNvPicPr>
-            <p:nvPr/>
-          </p:nvPicPr>
-          <p:blipFill>
-            <a:blip r:embed="rId3"/>
-            <a:stretch>
-              <a:fillRect/>
-            </a:stretch>
-          </p:blipFill>
-          <p:spPr>
-            <a:xfrm>
-              <a:off x="6191494" y="532211"/>
-              <a:ext cx="2472454" cy="4391507"/>
-            </a:xfrm>
-            <a:prstGeom prst="rect">
-              <a:avLst/>
-            </a:prstGeom>
-            <a:ln>
+            </p:spPr>
+            <p:txBody>
+              <a:bodyPr wrap="none" rtlCol="0">
+                <a:spAutoFit/>
+              </a:bodyPr>
+              <a:lstStyle/>
+              <a:p>
+                <a:r>
+                  <a:rPr lang="zh-CN" altLang="en-US" sz="1400" smtClean="0"/>
+                  <a:t>项目选项</a:t>
+                </a:r>
+                <a:endParaRPr lang="zh-CN" altLang="en-US" sz="1400"/>
+              </a:p>
+            </p:txBody>
+          </p:sp>
+          <p:sp>
+            <p:nvSpPr>
+              <p:cNvPr id="14" name="文本框 13"/>
+              <p:cNvSpPr txBox="1"/>
+              <p:nvPr/>
+            </p:nvSpPr>
+            <p:spPr>
+              <a:xfrm>
+                <a:off x="5908900" y="4465320"/>
+                <a:ext cx="902811" cy="307777"/>
+              </a:xfrm>
+              <a:prstGeom prst="rect">
+                <a:avLst/>
+              </a:prstGeom>
               <a:noFill/>
-            </a:ln>
-            <a:effectLst>
-              <a:outerShdw blurRad="292100" dist="139700" dir="2700000" algn="tl" rotWithShape="0">
-                <a:srgbClr val="333333">
-                  <a:alpha val="65000"/>
-                </a:srgbClr>
-              </a:outerShdw>
-            </a:effectLst>
-          </p:spPr>
-        </p:pic>
+            </p:spPr>
+            <p:txBody>
+              <a:bodyPr wrap="none" rtlCol="0">
+                <a:spAutoFit/>
+              </a:bodyPr>
+              <a:lstStyle/>
+              <a:p>
+                <a:r>
+                  <a:rPr lang="zh-CN" altLang="en-US" sz="1400" smtClean="0"/>
+                  <a:t>学院选择</a:t>
+                </a:r>
+                <a:endParaRPr lang="zh-CN" altLang="en-US" sz="1400"/>
+              </a:p>
+            </p:txBody>
+          </p:sp>
+          <p:sp>
+            <p:nvSpPr>
+              <p:cNvPr id="15" name="文本框 14"/>
+              <p:cNvSpPr txBox="1"/>
+              <p:nvPr/>
+            </p:nvSpPr>
+            <p:spPr>
+              <a:xfrm>
+                <a:off x="8302241" y="4465320"/>
+                <a:ext cx="902811" cy="307777"/>
+              </a:xfrm>
+              <a:prstGeom prst="rect">
+                <a:avLst/>
+              </a:prstGeom>
+              <a:noFill/>
+            </p:spPr>
+            <p:txBody>
+              <a:bodyPr wrap="none" rtlCol="0">
+                <a:spAutoFit/>
+              </a:bodyPr>
+              <a:lstStyle/>
+              <a:p>
+                <a:r>
+                  <a:rPr lang="zh-CN" altLang="en-US" sz="1400"/>
+                  <a:t>日</a:t>
+                </a:r>
+                <a:r>
+                  <a:rPr lang="zh-CN" altLang="en-US" sz="1400" smtClean="0"/>
+                  <a:t>期选择</a:t>
+                </a:r>
+                <a:endParaRPr lang="zh-CN" altLang="en-US" sz="1400"/>
+              </a:p>
+            </p:txBody>
+          </p:sp>
+        </p:grpSp>
         <p:sp>
           <p:nvSpPr>
-            <p:cNvPr id="7" name="文本框 6"/>
+            <p:cNvPr id="17" name="文本框 16"/>
             <p:cNvSpPr txBox="1"/>
             <p:nvPr/>
           </p:nvSpPr>
           <p:spPr>
             <a:xfrm>
-              <a:off x="3781763" y="5109935"/>
+              <a:off x="5908900" y="5013960"/>
               <a:ext cx="902811" cy="307777"/>
             </a:xfrm>
             <a:prstGeom prst="rect">
@@ -8162,25 +8754,170 @@
             <a:p>
               <a:r>
                 <a:rPr lang="zh-CN" altLang="en-US" sz="1400" smtClean="0"/>
-                <a:t>参数</a:t>
+                <a:t>新建项目</a:t>
               </a:r>
-              <a:r>
-                <a:rPr lang="zh-CN" altLang="en-US" sz="1400"/>
-                <a:t>列表</a:t>
-              </a:r>
+              <a:endParaRPr lang="zh-CN" altLang="en-US" sz="1400"/>
             </a:p>
           </p:txBody>
         </p:sp>
+      </p:grpSp>
+    </p:spTree>
+    <p:extLst>
+      <p:ext uri="{BB962C8B-B14F-4D97-AF65-F5344CB8AC3E}">
+        <p14:creationId xmlns:p14="http://schemas.microsoft.com/office/powerpoint/2010/main" val="3667975101"/>
+      </p:ext>
+    </p:extLst>
+  </p:cSld>
+  <p:clrMapOvr>
+    <a:masterClrMapping/>
+  </p:clrMapOvr>
+  <p:timing>
+    <p:tnLst>
+      <p:par>
+        <p:cTn id="1" dur="indefinite" restart="never" nodeType="tmRoot"/>
+      </p:par>
+    </p:tnLst>
+  </p:timing>
+</p:sld>
+</file>
+
+<file path=ppt/slides/slide9.xml><?xml version="1.0" encoding="utf-8"?>
+<p:sld xmlns:a="http://schemas.openxmlformats.org/drawingml/2006/main" xmlns:r="http://schemas.openxmlformats.org/officeDocument/2006/relationships" xmlns:p="http://schemas.openxmlformats.org/presentationml/2006/main">
+  <p:cSld>
+    <p:spTree>
+      <p:nvGrpSpPr>
+        <p:cNvPr id="1" name=""/>
+        <p:cNvGrpSpPr/>
+        <p:nvPr/>
+      </p:nvGrpSpPr>
+      <p:grpSpPr>
+        <a:xfrm>
+          <a:off x="0" y="0"/>
+          <a:ext cx="0" cy="0"/>
+          <a:chOff x="0" y="0"/>
+          <a:chExt cx="0" cy="0"/>
+        </a:xfrm>
+      </p:grpSpPr>
+      <p:pic>
+        <p:nvPicPr>
+          <p:cNvPr id="3" name="图片 2"/>
+          <p:cNvPicPr>
+            <a:picLocks noChangeAspect="1"/>
+          </p:cNvPicPr>
+          <p:nvPr/>
+        </p:nvPicPr>
+        <p:blipFill>
+          <a:blip r:embed="rId2"/>
+          <a:stretch>
+            <a:fillRect/>
+          </a:stretch>
+        </p:blipFill>
+        <p:spPr>
+          <a:xfrm>
+            <a:off x="8333283" y="403589"/>
+            <a:ext cx="2723146" cy="4836778"/>
+          </a:xfrm>
+          <a:prstGeom prst="rect">
+            <a:avLst/>
+          </a:prstGeom>
+        </p:spPr>
+      </p:pic>
+      <p:grpSp>
+        <p:nvGrpSpPr>
+          <p:cNvPr id="17" name="组合 16"/>
+          <p:cNvGrpSpPr/>
+          <p:nvPr/>
+        </p:nvGrpSpPr>
+        <p:grpSpPr>
+          <a:xfrm>
+            <a:off x="914022" y="403589"/>
+            <a:ext cx="6406418" cy="4206944"/>
+            <a:chOff x="914022" y="403589"/>
+            <a:chExt cx="6406418" cy="4206944"/>
+          </a:xfrm>
+        </p:grpSpPr>
+        <p:pic>
+          <p:nvPicPr>
+            <p:cNvPr id="5" name="图片 4"/>
+            <p:cNvPicPr>
+              <a:picLocks noChangeAspect="1"/>
+            </p:cNvPicPr>
+            <p:nvPr/>
+          </p:nvPicPr>
+          <p:blipFill>
+            <a:blip r:embed="rId3"/>
+            <a:stretch>
+              <a:fillRect/>
+            </a:stretch>
+          </p:blipFill>
+          <p:spPr>
+            <a:xfrm>
+              <a:off x="914022" y="403589"/>
+              <a:ext cx="1750768" cy="3109667"/>
+            </a:xfrm>
+            <a:prstGeom prst="rect">
+              <a:avLst/>
+            </a:prstGeom>
+          </p:spPr>
+        </p:pic>
+        <p:pic>
+          <p:nvPicPr>
+            <p:cNvPr id="6" name="图片 5"/>
+            <p:cNvPicPr>
+              <a:picLocks noChangeAspect="1"/>
+            </p:cNvPicPr>
+            <p:nvPr/>
+          </p:nvPicPr>
+          <p:blipFill>
+            <a:blip r:embed="rId4"/>
+            <a:stretch>
+              <a:fillRect/>
+            </a:stretch>
+          </p:blipFill>
+          <p:spPr>
+            <a:xfrm>
+              <a:off x="3244026" y="407460"/>
+              <a:ext cx="1748589" cy="3105797"/>
+            </a:xfrm>
+            <a:prstGeom prst="rect">
+              <a:avLst/>
+            </a:prstGeom>
+          </p:spPr>
+        </p:pic>
+        <p:pic>
+          <p:nvPicPr>
+            <p:cNvPr id="7" name="图片 6"/>
+            <p:cNvPicPr>
+              <a:picLocks noChangeAspect="1"/>
+            </p:cNvPicPr>
+            <p:nvPr/>
+          </p:nvPicPr>
+          <p:blipFill>
+            <a:blip r:embed="rId5"/>
+            <a:stretch>
+              <a:fillRect/>
+            </a:stretch>
+          </p:blipFill>
+          <p:spPr>
+            <a:xfrm>
+              <a:off x="5571851" y="407459"/>
+              <a:ext cx="1748589" cy="3105797"/>
+            </a:xfrm>
+            <a:prstGeom prst="rect">
+              <a:avLst/>
+            </a:prstGeom>
+          </p:spPr>
+        </p:pic>
         <p:sp>
           <p:nvSpPr>
-            <p:cNvPr id="8" name="文本框 7"/>
+            <p:cNvPr id="14" name="文本框 13"/>
             <p:cNvSpPr txBox="1"/>
             <p:nvPr/>
           </p:nvSpPr>
           <p:spPr>
             <a:xfrm>
-              <a:off x="7001963" y="5109935"/>
-              <a:ext cx="851515" cy="307777"/>
+              <a:off x="1427768" y="3754119"/>
+              <a:ext cx="723275" cy="307777"/>
             </a:xfrm>
             <a:prstGeom prst="rect">
               <a:avLst/>
@@ -8195,11 +8932,97 @@
             <a:p>
               <a:r>
                 <a:rPr lang="zh-CN" altLang="en-US" sz="1400" smtClean="0"/>
-                <a:t>详情</a:t>
+                <a:t>未开始</a:t>
               </a:r>
+              <a:endParaRPr lang="zh-CN" altLang="en-US" sz="1400"/>
+            </a:p>
+          </p:txBody>
+        </p:sp>
+        <p:sp>
+          <p:nvSpPr>
+            <p:cNvPr id="15" name="文本框 14"/>
+            <p:cNvSpPr txBox="1"/>
+            <p:nvPr/>
+          </p:nvSpPr>
+          <p:spPr>
+            <a:xfrm>
+              <a:off x="3788896" y="3754118"/>
+              <a:ext cx="723275" cy="307777"/>
+            </a:xfrm>
+            <a:prstGeom prst="rect">
+              <a:avLst/>
+            </a:prstGeom>
+            <a:noFill/>
+          </p:spPr>
+          <p:txBody>
+            <a:bodyPr wrap="none" rtlCol="0">
+              <a:spAutoFit/>
+            </a:bodyPr>
+            <a:lstStyle/>
+            <a:p>
               <a:r>
-                <a:rPr lang="en-US" altLang="zh-CN" sz="1400" smtClean="0"/>
-                <a:t>PDF</a:t>
+                <a:rPr lang="zh-CN" altLang="en-US" sz="1400" smtClean="0"/>
+                <a:t>进行中</a:t>
+              </a:r>
+              <a:endParaRPr lang="zh-CN" altLang="en-US" sz="1400"/>
+            </a:p>
+          </p:txBody>
+        </p:sp>
+        <p:sp>
+          <p:nvSpPr>
+            <p:cNvPr id="16" name="文本框 15"/>
+            <p:cNvSpPr txBox="1"/>
+            <p:nvPr/>
+          </p:nvSpPr>
+          <p:spPr>
+            <a:xfrm>
+              <a:off x="6150024" y="3754117"/>
+              <a:ext cx="723275" cy="307777"/>
+            </a:xfrm>
+            <a:prstGeom prst="rect">
+              <a:avLst/>
+            </a:prstGeom>
+            <a:noFill/>
+          </p:spPr>
+          <p:txBody>
+            <a:bodyPr wrap="none" rtlCol="0">
+              <a:spAutoFit/>
+            </a:bodyPr>
+            <a:lstStyle/>
+            <a:p>
+              <a:r>
+                <a:rPr lang="zh-CN" altLang="en-US" sz="1400" smtClean="0"/>
+                <a:t>已完成</a:t>
+              </a:r>
+              <a:endParaRPr lang="zh-CN" altLang="en-US" sz="1400"/>
+            </a:p>
+          </p:txBody>
+        </p:sp>
+        <p:sp>
+          <p:nvSpPr>
+            <p:cNvPr id="10" name="文本框 9"/>
+            <p:cNvSpPr txBox="1"/>
+            <p:nvPr/>
+          </p:nvSpPr>
+          <p:spPr>
+            <a:xfrm>
+              <a:off x="3666914" y="4302756"/>
+              <a:ext cx="902811" cy="307777"/>
+            </a:xfrm>
+            <a:prstGeom prst="rect">
+              <a:avLst/>
+            </a:prstGeom>
+            <a:noFill/>
+          </p:spPr>
+          <p:txBody>
+            <a:bodyPr wrap="none" rtlCol="0">
+              <a:spAutoFit/>
+            </a:bodyPr>
+            <a:lstStyle/>
+            <a:p>
+              <a:r>
+                <a:rPr lang="zh-CN" altLang="en-US" sz="1400" smtClean="0"/>
+                <a:t>项目详情</a:t>
               </a:r>
               <a:endParaRPr lang="zh-CN" altLang="en-US" sz="1400"/>
             </a:p>
@@ -8209,7 +9032,7 @@
     </p:spTree>
     <p:extLst>
       <p:ext uri="{BB962C8B-B14F-4D97-AF65-F5344CB8AC3E}">
-        <p14:creationId xmlns:p14="http://schemas.microsoft.com/office/powerpoint/2010/main" val="3667975101"/>
+        <p14:creationId xmlns:p14="http://schemas.microsoft.com/office/powerpoint/2010/main" val="172711460"/>
       </p:ext>
     </p:extLst>
   </p:cSld>

--- a/Gooit自绘图标.pptx
+++ b/Gooit自绘图标.pptx
@@ -15,6 +15,8 @@
     <p:sldId id="266" r:id="rId9"/>
     <p:sldId id="267" r:id="rId10"/>
     <p:sldId id="268" r:id="rId11"/>
+    <p:sldId id="269" r:id="rId12"/>
+    <p:sldId id="270" r:id="rId13"/>
   </p:sldIdLst>
   <p:sldSz cx="12192000" cy="6858000"/>
   <p:notesSz cx="6858000" cy="9144000"/>
@@ -250,7 +252,7 @@
           <a:p>
             <a:fld id="{422CCFCB-3385-4999-8F10-4D582A939C16}" type="datetimeFigureOut">
               <a:rPr lang="zh-CN" altLang="en-US" smtClean="0"/>
-              <a:t>2019/4/13</a:t>
+              <a:t>2019/4/14</a:t>
             </a:fld>
             <a:endParaRPr lang="zh-CN" altLang="en-US"/>
           </a:p>
@@ -418,7 +420,7 @@
           <a:p>
             <a:fld id="{422CCFCB-3385-4999-8F10-4D582A939C16}" type="datetimeFigureOut">
               <a:rPr lang="zh-CN" altLang="en-US" smtClean="0"/>
-              <a:t>2019/4/13</a:t>
+              <a:t>2019/4/14</a:t>
             </a:fld>
             <a:endParaRPr lang="zh-CN" altLang="en-US"/>
           </a:p>
@@ -596,7 +598,7 @@
           <a:p>
             <a:fld id="{422CCFCB-3385-4999-8F10-4D582A939C16}" type="datetimeFigureOut">
               <a:rPr lang="zh-CN" altLang="en-US" smtClean="0"/>
-              <a:t>2019/4/13</a:t>
+              <a:t>2019/4/14</a:t>
             </a:fld>
             <a:endParaRPr lang="zh-CN" altLang="en-US"/>
           </a:p>
@@ -764,7 +766,7 @@
           <a:p>
             <a:fld id="{422CCFCB-3385-4999-8F10-4D582A939C16}" type="datetimeFigureOut">
               <a:rPr lang="zh-CN" altLang="en-US" smtClean="0"/>
-              <a:t>2019/4/13</a:t>
+              <a:t>2019/4/14</a:t>
             </a:fld>
             <a:endParaRPr lang="zh-CN" altLang="en-US"/>
           </a:p>
@@ -1009,7 +1011,7 @@
           <a:p>
             <a:fld id="{422CCFCB-3385-4999-8F10-4D582A939C16}" type="datetimeFigureOut">
               <a:rPr lang="zh-CN" altLang="en-US" smtClean="0"/>
-              <a:t>2019/4/13</a:t>
+              <a:t>2019/4/14</a:t>
             </a:fld>
             <a:endParaRPr lang="zh-CN" altLang="en-US"/>
           </a:p>
@@ -1238,7 +1240,7 @@
           <a:p>
             <a:fld id="{422CCFCB-3385-4999-8F10-4D582A939C16}" type="datetimeFigureOut">
               <a:rPr lang="zh-CN" altLang="en-US" smtClean="0"/>
-              <a:t>2019/4/13</a:t>
+              <a:t>2019/4/14</a:t>
             </a:fld>
             <a:endParaRPr lang="zh-CN" altLang="en-US"/>
           </a:p>
@@ -1602,7 +1604,7 @@
           <a:p>
             <a:fld id="{422CCFCB-3385-4999-8F10-4D582A939C16}" type="datetimeFigureOut">
               <a:rPr lang="zh-CN" altLang="en-US" smtClean="0"/>
-              <a:t>2019/4/13</a:t>
+              <a:t>2019/4/14</a:t>
             </a:fld>
             <a:endParaRPr lang="zh-CN" altLang="en-US"/>
           </a:p>
@@ -1719,7 +1721,7 @@
           <a:p>
             <a:fld id="{422CCFCB-3385-4999-8F10-4D582A939C16}" type="datetimeFigureOut">
               <a:rPr lang="zh-CN" altLang="en-US" smtClean="0"/>
-              <a:t>2019/4/13</a:t>
+              <a:t>2019/4/14</a:t>
             </a:fld>
             <a:endParaRPr lang="zh-CN" altLang="en-US"/>
           </a:p>
@@ -1814,7 +1816,7 @@
           <a:p>
             <a:fld id="{422CCFCB-3385-4999-8F10-4D582A939C16}" type="datetimeFigureOut">
               <a:rPr lang="zh-CN" altLang="en-US" smtClean="0"/>
-              <a:t>2019/4/13</a:t>
+              <a:t>2019/4/14</a:t>
             </a:fld>
             <a:endParaRPr lang="zh-CN" altLang="en-US"/>
           </a:p>
@@ -2089,7 +2091,7 @@
           <a:p>
             <a:fld id="{422CCFCB-3385-4999-8F10-4D582A939C16}" type="datetimeFigureOut">
               <a:rPr lang="zh-CN" altLang="en-US" smtClean="0"/>
-              <a:t>2019/4/13</a:t>
+              <a:t>2019/4/14</a:t>
             </a:fld>
             <a:endParaRPr lang="zh-CN" altLang="en-US"/>
           </a:p>
@@ -2341,7 +2343,7 @@
           <a:p>
             <a:fld id="{422CCFCB-3385-4999-8F10-4D582A939C16}" type="datetimeFigureOut">
               <a:rPr lang="zh-CN" altLang="en-US" smtClean="0"/>
-              <a:t>2019/4/13</a:t>
+              <a:t>2019/4/14</a:t>
             </a:fld>
             <a:endParaRPr lang="zh-CN" altLang="en-US"/>
           </a:p>
@@ -2552,7 +2554,7 @@
           <a:p>
             <a:fld id="{422CCFCB-3385-4999-8F10-4D582A939C16}" type="datetimeFigureOut">
               <a:rPr lang="zh-CN" altLang="en-US" smtClean="0"/>
-              <a:t>2019/4/13</a:t>
+              <a:t>2019/4/14</a:t>
             </a:fld>
             <a:endParaRPr lang="zh-CN" altLang="en-US"/>
           </a:p>
@@ -3727,6 +3729,16 @@
             <a:prstGeom prst="rect">
               <a:avLst/>
             </a:prstGeom>
+            <a:ln>
+              <a:noFill/>
+            </a:ln>
+            <a:effectLst>
+              <a:outerShdw blurRad="292100" dist="139700" dir="2700000" algn="tl" rotWithShape="0">
+                <a:srgbClr val="333333">
+                  <a:alpha val="65000"/>
+                </a:srgbClr>
+              </a:outerShdw>
+            </a:effectLst>
           </p:spPr>
         </p:pic>
         <p:pic>
@@ -3751,6 +3763,16 @@
             <a:prstGeom prst="rect">
               <a:avLst/>
             </a:prstGeom>
+            <a:ln>
+              <a:noFill/>
+            </a:ln>
+            <a:effectLst>
+              <a:outerShdw blurRad="292100" dist="139700" dir="2700000" algn="tl" rotWithShape="0">
+                <a:srgbClr val="333333">
+                  <a:alpha val="65000"/>
+                </a:srgbClr>
+              </a:outerShdw>
+            </a:effectLst>
           </p:spPr>
         </p:pic>
         <p:pic>
@@ -3775,6 +3797,16 @@
             <a:prstGeom prst="rect">
               <a:avLst/>
             </a:prstGeom>
+            <a:ln>
+              <a:noFill/>
+            </a:ln>
+            <a:effectLst>
+              <a:outerShdw blurRad="292100" dist="139700" dir="2700000" algn="tl" rotWithShape="0">
+                <a:srgbClr val="333333">
+                  <a:alpha val="65000"/>
+                </a:srgbClr>
+              </a:outerShdw>
+            </a:effectLst>
           </p:spPr>
         </p:pic>
         <p:sp>
@@ -3922,6 +3954,806 @@
 </p:sld>
 </file>
 
+<file path=ppt/slides/slide11.xml><?xml version="1.0" encoding="utf-8"?>
+<p:sld xmlns:a="http://schemas.openxmlformats.org/drawingml/2006/main" xmlns:r="http://schemas.openxmlformats.org/officeDocument/2006/relationships" xmlns:p="http://schemas.openxmlformats.org/presentationml/2006/main">
+  <p:cSld>
+    <p:spTree>
+      <p:nvGrpSpPr>
+        <p:cNvPr id="1" name=""/>
+        <p:cNvGrpSpPr/>
+        <p:nvPr/>
+      </p:nvGrpSpPr>
+      <p:grpSpPr>
+        <a:xfrm>
+          <a:off x="0" y="0"/>
+          <a:ext cx="0" cy="0"/>
+          <a:chOff x="0" y="0"/>
+          <a:chExt cx="0" cy="0"/>
+        </a:xfrm>
+      </p:grpSpPr>
+      <p:grpSp>
+        <p:nvGrpSpPr>
+          <p:cNvPr id="22" name="组合 21"/>
+          <p:cNvGrpSpPr/>
+          <p:nvPr/>
+        </p:nvGrpSpPr>
+        <p:grpSpPr>
+          <a:xfrm>
+            <a:off x="227408" y="1319488"/>
+            <a:ext cx="5081575" cy="4443137"/>
+            <a:chOff x="2064252" y="552449"/>
+            <a:chExt cx="6401613" cy="5597328"/>
+          </a:xfrm>
+        </p:grpSpPr>
+        <p:grpSp>
+          <p:nvGrpSpPr>
+            <p:cNvPr id="12" name="组合 11"/>
+            <p:cNvGrpSpPr/>
+            <p:nvPr/>
+          </p:nvGrpSpPr>
+          <p:grpSpPr>
+            <a:xfrm>
+              <a:off x="2064252" y="552449"/>
+              <a:ext cx="6401613" cy="5013128"/>
+              <a:chOff x="1784852" y="1263649"/>
+              <a:chExt cx="6401613" cy="5013128"/>
+            </a:xfrm>
+          </p:grpSpPr>
+          <p:pic>
+            <p:nvPicPr>
+              <p:cNvPr id="4" name="图片 3"/>
+              <p:cNvPicPr>
+                <a:picLocks noChangeAspect="1"/>
+              </p:cNvPicPr>
+              <p:nvPr/>
+            </p:nvPicPr>
+            <p:blipFill>
+              <a:blip r:embed="rId2"/>
+              <a:stretch>
+                <a:fillRect/>
+              </a:stretch>
+            </p:blipFill>
+            <p:spPr>
+              <a:xfrm>
+                <a:off x="5644567" y="1263649"/>
+                <a:ext cx="2541898" cy="4514851"/>
+              </a:xfrm>
+              <a:prstGeom prst="rect">
+                <a:avLst/>
+              </a:prstGeom>
+              <a:ln>
+                <a:noFill/>
+              </a:ln>
+              <a:effectLst>
+                <a:outerShdw blurRad="292100" dist="139700" dir="2700000" algn="tl" rotWithShape="0">
+                  <a:srgbClr val="333333">
+                    <a:alpha val="65000"/>
+                  </a:srgbClr>
+                </a:outerShdw>
+              </a:effectLst>
+            </p:spPr>
+          </p:pic>
+          <p:pic>
+            <p:nvPicPr>
+              <p:cNvPr id="9" name="图片 8"/>
+              <p:cNvPicPr>
+                <a:picLocks noChangeAspect="1"/>
+              </p:cNvPicPr>
+              <p:nvPr/>
+            </p:nvPicPr>
+            <p:blipFill rotWithShape="1">
+              <a:blip r:embed="rId3"/>
+              <a:srcRect t="5862" b="65821"/>
+              <a:stretch/>
+            </p:blipFill>
+            <p:spPr>
+              <a:xfrm>
+                <a:off x="1784852" y="2525704"/>
+                <a:ext cx="3099613" cy="1558941"/>
+              </a:xfrm>
+              <a:prstGeom prst="rect">
+                <a:avLst/>
+              </a:prstGeom>
+              <a:ln>
+                <a:noFill/>
+              </a:ln>
+              <a:effectLst>
+                <a:outerShdw blurRad="292100" dist="139700" dir="2700000" algn="tl" rotWithShape="0">
+                  <a:srgbClr val="333333">
+                    <a:alpha val="65000"/>
+                  </a:srgbClr>
+                </a:outerShdw>
+              </a:effectLst>
+            </p:spPr>
+          </p:pic>
+          <p:sp>
+            <p:nvSpPr>
+              <p:cNvPr id="11" name="文本框 10"/>
+              <p:cNvSpPr txBox="1"/>
+              <p:nvPr/>
+            </p:nvSpPr>
+            <p:spPr>
+              <a:xfrm>
+                <a:off x="2883252" y="4419600"/>
+                <a:ext cx="902811" cy="307777"/>
+              </a:xfrm>
+              <a:prstGeom prst="rect">
+                <a:avLst/>
+              </a:prstGeom>
+              <a:noFill/>
+            </p:spPr>
+            <p:txBody>
+              <a:bodyPr wrap="none" rtlCol="0">
+                <a:spAutoFit/>
+              </a:bodyPr>
+              <a:lstStyle/>
+              <a:p>
+                <a:r>
+                  <a:rPr lang="zh-CN" altLang="en-US" sz="1400"/>
+                  <a:t>轮播展示</a:t>
+                </a:r>
+              </a:p>
+            </p:txBody>
+          </p:sp>
+          <p:sp>
+            <p:nvSpPr>
+              <p:cNvPr id="24" name="文本框 23"/>
+              <p:cNvSpPr txBox="1"/>
+              <p:nvPr/>
+            </p:nvSpPr>
+            <p:spPr>
+              <a:xfrm>
+                <a:off x="6464110" y="5969000"/>
+                <a:ext cx="902811" cy="307777"/>
+              </a:xfrm>
+              <a:prstGeom prst="rect">
+                <a:avLst/>
+              </a:prstGeom>
+              <a:noFill/>
+            </p:spPr>
+            <p:txBody>
+              <a:bodyPr wrap="none" rtlCol="0">
+                <a:spAutoFit/>
+              </a:bodyPr>
+              <a:lstStyle/>
+              <a:p>
+                <a:r>
+                  <a:rPr lang="zh-CN" altLang="en-US" sz="1400" smtClean="0"/>
+                  <a:t>资讯详情</a:t>
+                </a:r>
+                <a:endParaRPr lang="zh-CN" altLang="en-US" sz="1400"/>
+              </a:p>
+            </p:txBody>
+          </p:sp>
+        </p:grpSp>
+        <p:sp>
+          <p:nvSpPr>
+            <p:cNvPr id="13" name="文本框 12"/>
+            <p:cNvSpPr txBox="1"/>
+            <p:nvPr/>
+          </p:nvSpPr>
+          <p:spPr>
+            <a:xfrm>
+              <a:off x="4862961" y="5842000"/>
+              <a:ext cx="902811" cy="307777"/>
+            </a:xfrm>
+            <a:prstGeom prst="rect">
+              <a:avLst/>
+            </a:prstGeom>
+            <a:noFill/>
+          </p:spPr>
+          <p:txBody>
+            <a:bodyPr wrap="none" rtlCol="0">
+              <a:spAutoFit/>
+            </a:bodyPr>
+            <a:lstStyle/>
+            <a:p>
+              <a:r>
+                <a:rPr lang="zh-CN" altLang="en-US" sz="1400" smtClean="0"/>
+                <a:t>行业资讯</a:t>
+              </a:r>
+              <a:endParaRPr lang="zh-CN" altLang="en-US" sz="1400"/>
+            </a:p>
+          </p:txBody>
+        </p:sp>
+      </p:grpSp>
+      <p:grpSp>
+        <p:nvGrpSpPr>
+          <p:cNvPr id="3" name="组合 2"/>
+          <p:cNvGrpSpPr/>
+          <p:nvPr/>
+        </p:nvGrpSpPr>
+        <p:grpSpPr>
+          <a:xfrm>
+            <a:off x="6316872" y="1148106"/>
+            <a:ext cx="5075908" cy="4614519"/>
+            <a:chOff x="6316872" y="1148106"/>
+            <a:chExt cx="5075908" cy="4614519"/>
+          </a:xfrm>
+        </p:grpSpPr>
+        <p:pic>
+          <p:nvPicPr>
+            <p:cNvPr id="23" name="图片 22"/>
+            <p:cNvPicPr>
+              <a:picLocks noChangeAspect="1"/>
+            </p:cNvPicPr>
+            <p:nvPr/>
+          </p:nvPicPr>
+          <p:blipFill>
+            <a:blip r:embed="rId4"/>
+            <a:stretch>
+              <a:fillRect/>
+            </a:stretch>
+          </p:blipFill>
+          <p:spPr>
+            <a:xfrm>
+              <a:off x="6316872" y="2321302"/>
+              <a:ext cx="2579976" cy="1106368"/>
+            </a:xfrm>
+            <a:prstGeom prst="rect">
+              <a:avLst/>
+            </a:prstGeom>
+            <a:ln>
+              <a:noFill/>
+            </a:ln>
+            <a:effectLst>
+              <a:outerShdw blurRad="292100" dist="139700" dir="2700000" algn="tl" rotWithShape="0">
+                <a:srgbClr val="333333">
+                  <a:alpha val="65000"/>
+                </a:srgbClr>
+              </a:outerShdw>
+            </a:effectLst>
+          </p:spPr>
+        </p:pic>
+        <p:sp>
+          <p:nvSpPr>
+            <p:cNvPr id="15" name="文本框 14"/>
+            <p:cNvSpPr txBox="1"/>
+            <p:nvPr/>
+          </p:nvSpPr>
+          <p:spPr>
+            <a:xfrm>
+              <a:off x="8446587" y="5454848"/>
+              <a:ext cx="1441420" cy="307777"/>
+            </a:xfrm>
+            <a:prstGeom prst="rect">
+              <a:avLst/>
+            </a:prstGeom>
+            <a:noFill/>
+          </p:spPr>
+          <p:txBody>
+            <a:bodyPr wrap="none" rtlCol="0">
+              <a:spAutoFit/>
+            </a:bodyPr>
+            <a:lstStyle/>
+            <a:p>
+              <a:r>
+                <a:rPr lang="zh-CN" altLang="en-US" sz="1400" smtClean="0"/>
+                <a:t>实验室用计算器</a:t>
+              </a:r>
+              <a:endParaRPr lang="zh-CN" altLang="en-US" sz="1400"/>
+            </a:p>
+          </p:txBody>
+        </p:sp>
+        <p:pic>
+          <p:nvPicPr>
+            <p:cNvPr id="2" name="图片 1"/>
+            <p:cNvPicPr>
+              <a:picLocks noChangeAspect="1"/>
+            </p:cNvPicPr>
+            <p:nvPr/>
+          </p:nvPicPr>
+          <p:blipFill>
+            <a:blip r:embed="rId5"/>
+            <a:stretch>
+              <a:fillRect/>
+            </a:stretch>
+          </p:blipFill>
+          <p:spPr>
+            <a:xfrm>
+              <a:off x="9380385" y="1148106"/>
+              <a:ext cx="2012395" cy="3583871"/>
+            </a:xfrm>
+            <a:prstGeom prst="rect">
+              <a:avLst/>
+            </a:prstGeom>
+            <a:ln>
+              <a:noFill/>
+            </a:ln>
+            <a:effectLst>
+              <a:outerShdw blurRad="292100" dist="139700" dir="2700000" algn="tl" rotWithShape="0">
+                <a:srgbClr val="333333">
+                  <a:alpha val="65000"/>
+                </a:srgbClr>
+              </a:outerShdw>
+            </a:effectLst>
+          </p:spPr>
+        </p:pic>
+        <p:sp>
+          <p:nvSpPr>
+            <p:cNvPr id="18" name="文本框 17"/>
+            <p:cNvSpPr txBox="1"/>
+            <p:nvPr/>
+          </p:nvSpPr>
+          <p:spPr>
+            <a:xfrm>
+              <a:off x="7245222" y="3761204"/>
+              <a:ext cx="723275" cy="307777"/>
+            </a:xfrm>
+            <a:prstGeom prst="rect">
+              <a:avLst/>
+            </a:prstGeom>
+            <a:noFill/>
+          </p:spPr>
+          <p:txBody>
+            <a:bodyPr wrap="none" rtlCol="0">
+              <a:spAutoFit/>
+            </a:bodyPr>
+            <a:lstStyle/>
+            <a:p>
+              <a:r>
+                <a:rPr lang="zh-CN" altLang="en-US" sz="1400"/>
+                <a:t>工具栏</a:t>
+              </a:r>
+            </a:p>
+          </p:txBody>
+        </p:sp>
+        <p:sp>
+          <p:nvSpPr>
+            <p:cNvPr id="19" name="文本框 18"/>
+            <p:cNvSpPr txBox="1"/>
+            <p:nvPr/>
+          </p:nvSpPr>
+          <p:spPr>
+            <a:xfrm>
+              <a:off x="10028259" y="4959327"/>
+              <a:ext cx="1082348" cy="307777"/>
+            </a:xfrm>
+            <a:prstGeom prst="rect">
+              <a:avLst/>
+            </a:prstGeom>
+            <a:noFill/>
+          </p:spPr>
+          <p:txBody>
+            <a:bodyPr wrap="none" rtlCol="0">
+              <a:spAutoFit/>
+            </a:bodyPr>
+            <a:lstStyle/>
+            <a:p>
+              <a:r>
+                <a:rPr lang="zh-CN" altLang="en-US" sz="1400" smtClean="0"/>
+                <a:t>电阻计算器</a:t>
+              </a:r>
+              <a:endParaRPr lang="zh-CN" altLang="en-US" sz="1400"/>
+            </a:p>
+          </p:txBody>
+        </p:sp>
+      </p:grpSp>
+    </p:spTree>
+    <p:extLst>
+      <p:ext uri="{BB962C8B-B14F-4D97-AF65-F5344CB8AC3E}">
+        <p14:creationId xmlns:p14="http://schemas.microsoft.com/office/powerpoint/2010/main" val="3389106728"/>
+      </p:ext>
+    </p:extLst>
+  </p:cSld>
+  <p:clrMapOvr>
+    <a:masterClrMapping/>
+  </p:clrMapOvr>
+  <p:timing>
+    <p:tnLst>
+      <p:par>
+        <p:cTn id="1" dur="indefinite" restart="never" nodeType="tmRoot"/>
+      </p:par>
+    </p:tnLst>
+  </p:timing>
+</p:sld>
+</file>
+
+<file path=ppt/slides/slide12.xml><?xml version="1.0" encoding="utf-8"?>
+<p:sld xmlns:a="http://schemas.openxmlformats.org/drawingml/2006/main" xmlns:r="http://schemas.openxmlformats.org/officeDocument/2006/relationships" xmlns:p="http://schemas.openxmlformats.org/presentationml/2006/main">
+  <p:cSld>
+    <p:spTree>
+      <p:nvGrpSpPr>
+        <p:cNvPr id="1" name=""/>
+        <p:cNvGrpSpPr/>
+        <p:nvPr/>
+      </p:nvGrpSpPr>
+      <p:grpSpPr>
+        <a:xfrm>
+          <a:off x="0" y="0"/>
+          <a:ext cx="0" cy="0"/>
+          <a:chOff x="0" y="0"/>
+          <a:chExt cx="0" cy="0"/>
+        </a:xfrm>
+      </p:grpSpPr>
+      <p:grpSp>
+        <p:nvGrpSpPr>
+          <p:cNvPr id="15" name="组合 14"/>
+          <p:cNvGrpSpPr/>
+          <p:nvPr/>
+        </p:nvGrpSpPr>
+        <p:grpSpPr>
+          <a:xfrm>
+            <a:off x="1294291" y="2116000"/>
+            <a:ext cx="8296153" cy="3592768"/>
+            <a:chOff x="1294291" y="2116000"/>
+            <a:chExt cx="8296153" cy="3592768"/>
+          </a:xfrm>
+        </p:grpSpPr>
+        <p:pic>
+          <p:nvPicPr>
+            <p:cNvPr id="6" name="图片 5"/>
+            <p:cNvPicPr>
+              <a:picLocks noChangeAspect="1"/>
+            </p:cNvPicPr>
+            <p:nvPr/>
+          </p:nvPicPr>
+          <p:blipFill>
+            <a:blip r:embed="rId2"/>
+            <a:stretch>
+              <a:fillRect/>
+            </a:stretch>
+          </p:blipFill>
+          <p:spPr>
+            <a:xfrm>
+              <a:off x="7839676" y="2116000"/>
+              <a:ext cx="1750768" cy="3109667"/>
+            </a:xfrm>
+            <a:prstGeom prst="rect">
+              <a:avLst/>
+            </a:prstGeom>
+            <a:ln>
+              <a:noFill/>
+            </a:ln>
+            <a:effectLst>
+              <a:outerShdw blurRad="292100" dist="139700" dir="2700000" algn="tl" rotWithShape="0">
+                <a:srgbClr val="333333">
+                  <a:alpha val="65000"/>
+                </a:srgbClr>
+              </a:outerShdw>
+            </a:effectLst>
+          </p:spPr>
+        </p:pic>
+        <p:grpSp>
+          <p:nvGrpSpPr>
+            <p:cNvPr id="13" name="组合 12"/>
+            <p:cNvGrpSpPr/>
+            <p:nvPr/>
+          </p:nvGrpSpPr>
+          <p:grpSpPr>
+            <a:xfrm>
+              <a:off x="1294291" y="2116000"/>
+              <a:ext cx="1750768" cy="3144901"/>
+              <a:chOff x="626142" y="2172201"/>
+              <a:chExt cx="1750768" cy="3144901"/>
+            </a:xfrm>
+          </p:grpSpPr>
+          <p:pic>
+            <p:nvPicPr>
+              <p:cNvPr id="2" name="图片 1"/>
+              <p:cNvPicPr>
+                <a:picLocks noChangeAspect="1"/>
+              </p:cNvPicPr>
+              <p:nvPr/>
+            </p:nvPicPr>
+            <p:blipFill rotWithShape="1">
+              <a:blip r:embed="rId3"/>
+              <a:srcRect b="75557"/>
+              <a:stretch/>
+            </p:blipFill>
+            <p:spPr>
+              <a:xfrm>
+                <a:off x="626142" y="2172201"/>
+                <a:ext cx="1750768" cy="760077"/>
+              </a:xfrm>
+              <a:prstGeom prst="rect">
+                <a:avLst/>
+              </a:prstGeom>
+              <a:ln>
+                <a:noFill/>
+              </a:ln>
+              <a:effectLst>
+                <a:outerShdw blurRad="292100" dist="139700" dir="2700000" algn="tl" rotWithShape="0">
+                  <a:srgbClr val="333333">
+                    <a:alpha val="65000"/>
+                  </a:srgbClr>
+                </a:outerShdw>
+              </a:effectLst>
+            </p:spPr>
+          </p:pic>
+          <p:pic>
+            <p:nvPicPr>
+              <p:cNvPr id="3" name="图片 2"/>
+              <p:cNvPicPr>
+                <a:picLocks noChangeAspect="1"/>
+              </p:cNvPicPr>
+              <p:nvPr/>
+            </p:nvPicPr>
+            <p:blipFill rotWithShape="1">
+              <a:blip r:embed="rId4"/>
+              <a:srcRect b="66981"/>
+              <a:stretch/>
+            </p:blipFill>
+            <p:spPr>
+              <a:xfrm>
+                <a:off x="626142" y="3664117"/>
+                <a:ext cx="1750768" cy="1026776"/>
+              </a:xfrm>
+              <a:prstGeom prst="rect">
+                <a:avLst/>
+              </a:prstGeom>
+              <a:ln>
+                <a:noFill/>
+              </a:ln>
+              <a:effectLst>
+                <a:outerShdw blurRad="292100" dist="139700" dir="2700000" algn="tl" rotWithShape="0">
+                  <a:srgbClr val="333333">
+                    <a:alpha val="65000"/>
+                  </a:srgbClr>
+                </a:outerShdw>
+              </a:effectLst>
+            </p:spPr>
+          </p:pic>
+          <p:sp>
+            <p:nvSpPr>
+              <p:cNvPr id="11" name="文本框 10"/>
+              <p:cNvSpPr txBox="1"/>
+              <p:nvPr/>
+            </p:nvSpPr>
+            <p:spPr>
+              <a:xfrm>
+                <a:off x="940505" y="3059345"/>
+                <a:ext cx="1042273" cy="307777"/>
+              </a:xfrm>
+              <a:prstGeom prst="rect">
+                <a:avLst/>
+              </a:prstGeom>
+              <a:noFill/>
+            </p:spPr>
+            <p:txBody>
+              <a:bodyPr wrap="none" rtlCol="0">
+                <a:spAutoFit/>
+              </a:bodyPr>
+              <a:lstStyle/>
+              <a:p>
+                <a:r>
+                  <a:rPr lang="zh-CN" altLang="en-US" sz="1400" smtClean="0"/>
+                  <a:t>项目 </a:t>
+                </a:r>
+                <a:r>
+                  <a:rPr lang="en-US" altLang="zh-CN" sz="1400" smtClean="0"/>
+                  <a:t>· </a:t>
+                </a:r>
+                <a:r>
+                  <a:rPr lang="zh-CN" altLang="en-US" sz="1400" smtClean="0"/>
+                  <a:t>提示</a:t>
+                </a:r>
+                <a:endParaRPr lang="zh-CN" altLang="en-US" sz="1400"/>
+              </a:p>
+            </p:txBody>
+          </p:sp>
+          <p:sp>
+            <p:nvSpPr>
+              <p:cNvPr id="12" name="文本框 11"/>
+              <p:cNvSpPr txBox="1"/>
+              <p:nvPr/>
+            </p:nvSpPr>
+            <p:spPr>
+              <a:xfrm>
+                <a:off x="980389" y="5009325"/>
+                <a:ext cx="1042273" cy="307777"/>
+              </a:xfrm>
+              <a:prstGeom prst="rect">
+                <a:avLst/>
+              </a:prstGeom>
+              <a:noFill/>
+            </p:spPr>
+            <p:txBody>
+              <a:bodyPr wrap="none" rtlCol="0">
+                <a:spAutoFit/>
+              </a:bodyPr>
+              <a:lstStyle/>
+              <a:p>
+                <a:r>
+                  <a:rPr lang="zh-CN" altLang="en-US" sz="1400"/>
+                  <a:t>我</a:t>
+                </a:r>
+                <a:r>
+                  <a:rPr lang="zh-CN" altLang="en-US" sz="1400" smtClean="0"/>
+                  <a:t>的 </a:t>
+                </a:r>
+                <a:r>
+                  <a:rPr lang="en-US" altLang="zh-CN" sz="1400" smtClean="0"/>
+                  <a:t>· </a:t>
+                </a:r>
+                <a:r>
+                  <a:rPr lang="zh-CN" altLang="en-US" sz="1400" smtClean="0"/>
+                  <a:t>提示</a:t>
+                </a:r>
+                <a:endParaRPr lang="zh-CN" altLang="en-US" sz="1400"/>
+              </a:p>
+            </p:txBody>
+          </p:sp>
+        </p:grpSp>
+        <p:grpSp>
+          <p:nvGrpSpPr>
+            <p:cNvPr id="8" name="组合 7"/>
+            <p:cNvGrpSpPr/>
+            <p:nvPr/>
+          </p:nvGrpSpPr>
+          <p:grpSpPr>
+            <a:xfrm>
+              <a:off x="3679016" y="2116000"/>
+              <a:ext cx="3501536" cy="3592768"/>
+              <a:chOff x="3733546" y="2032111"/>
+              <a:chExt cx="3501536" cy="3592768"/>
+            </a:xfrm>
+          </p:grpSpPr>
+          <p:grpSp>
+            <p:nvGrpSpPr>
+              <p:cNvPr id="10" name="组合 9"/>
+              <p:cNvGrpSpPr/>
+              <p:nvPr/>
+            </p:nvGrpSpPr>
+            <p:grpSpPr>
+              <a:xfrm>
+                <a:off x="3733546" y="2032111"/>
+                <a:ext cx="3501536" cy="3109667"/>
+                <a:chOff x="3733546" y="2032111"/>
+                <a:chExt cx="3501536" cy="3109667"/>
+              </a:xfrm>
+            </p:grpSpPr>
+            <p:pic>
+              <p:nvPicPr>
+                <p:cNvPr id="4" name="图片 3"/>
+                <p:cNvPicPr>
+                  <a:picLocks noChangeAspect="1"/>
+                </p:cNvPicPr>
+                <p:nvPr/>
+              </p:nvPicPr>
+              <p:blipFill>
+                <a:blip r:embed="rId5"/>
+                <a:stretch>
+                  <a:fillRect/>
+                </a:stretch>
+              </p:blipFill>
+              <p:spPr>
+                <a:xfrm>
+                  <a:off x="3733546" y="2032111"/>
+                  <a:ext cx="1750768" cy="3109667"/>
+                </a:xfrm>
+                <a:prstGeom prst="rect">
+                  <a:avLst/>
+                </a:prstGeom>
+                <a:ln>
+                  <a:noFill/>
+                </a:ln>
+                <a:effectLst>
+                  <a:outerShdw blurRad="292100" dist="139700" dir="2700000" algn="tl" rotWithShape="0">
+                    <a:srgbClr val="333333">
+                      <a:alpha val="65000"/>
+                    </a:srgbClr>
+                  </a:outerShdw>
+                </a:effectLst>
+              </p:spPr>
+            </p:pic>
+            <p:pic>
+              <p:nvPicPr>
+                <p:cNvPr id="5" name="图片 4"/>
+                <p:cNvPicPr>
+                  <a:picLocks noChangeAspect="1"/>
+                </p:cNvPicPr>
+                <p:nvPr/>
+              </p:nvPicPr>
+              <p:blipFill>
+                <a:blip r:embed="rId6"/>
+                <a:stretch>
+                  <a:fillRect/>
+                </a:stretch>
+              </p:blipFill>
+              <p:spPr>
+                <a:xfrm>
+                  <a:off x="5484314" y="2032111"/>
+                  <a:ext cx="1750768" cy="3109667"/>
+                </a:xfrm>
+                <a:prstGeom prst="rect">
+                  <a:avLst/>
+                </a:prstGeom>
+                <a:ln>
+                  <a:noFill/>
+                </a:ln>
+                <a:effectLst>
+                  <a:outerShdw blurRad="292100" dist="139700" dir="2700000" algn="tl" rotWithShape="0">
+                    <a:srgbClr val="333333">
+                      <a:alpha val="65000"/>
+                    </a:srgbClr>
+                  </a:outerShdw>
+                </a:effectLst>
+              </p:spPr>
+            </p:pic>
+          </p:grpSp>
+          <p:sp>
+            <p:nvSpPr>
+              <p:cNvPr id="7" name="文本框 6"/>
+              <p:cNvSpPr txBox="1"/>
+              <p:nvPr/>
+            </p:nvSpPr>
+            <p:spPr>
+              <a:xfrm>
+                <a:off x="4848836" y="5317102"/>
+                <a:ext cx="1441420" cy="307777"/>
+              </a:xfrm>
+              <a:prstGeom prst="rect">
+                <a:avLst/>
+              </a:prstGeom>
+              <a:noFill/>
+            </p:spPr>
+            <p:txBody>
+              <a:bodyPr wrap="none" rtlCol="0">
+                <a:spAutoFit/>
+              </a:bodyPr>
+              <a:lstStyle/>
+              <a:p>
+                <a:r>
+                  <a:rPr lang="zh-CN" altLang="en-US" sz="1400" smtClean="0"/>
+                  <a:t>用户登录与切换</a:t>
+                </a:r>
+                <a:endParaRPr lang="zh-CN" altLang="en-US" sz="1400"/>
+              </a:p>
+            </p:txBody>
+          </p:sp>
+        </p:grpSp>
+        <p:sp>
+          <p:nvSpPr>
+            <p:cNvPr id="14" name="文本框 13"/>
+            <p:cNvSpPr txBox="1"/>
+            <p:nvPr/>
+          </p:nvSpPr>
+          <p:spPr>
+            <a:xfrm>
+              <a:off x="8263654" y="5400991"/>
+              <a:ext cx="902811" cy="307777"/>
+            </a:xfrm>
+            <a:prstGeom prst="rect">
+              <a:avLst/>
+            </a:prstGeom>
+            <a:noFill/>
+          </p:spPr>
+          <p:txBody>
+            <a:bodyPr wrap="none" rtlCol="0">
+              <a:spAutoFit/>
+            </a:bodyPr>
+            <a:lstStyle/>
+            <a:p>
+              <a:r>
+                <a:rPr lang="zh-CN" altLang="en-US" sz="1400" smtClean="0"/>
+                <a:t>多彩主题</a:t>
+              </a:r>
+              <a:endParaRPr lang="zh-CN" altLang="en-US" sz="1400"/>
+            </a:p>
+          </p:txBody>
+        </p:sp>
+      </p:grpSp>
+    </p:spTree>
+    <p:extLst>
+      <p:ext uri="{BB962C8B-B14F-4D97-AF65-F5344CB8AC3E}">
+        <p14:creationId xmlns:p14="http://schemas.microsoft.com/office/powerpoint/2010/main" val="991742440"/>
+      </p:ext>
+    </p:extLst>
+  </p:cSld>
+  <p:clrMapOvr>
+    <a:masterClrMapping/>
+  </p:clrMapOvr>
+  <p:timing>
+    <p:tnLst>
+      <p:par>
+        <p:cTn id="1" dur="indefinite" restart="never" nodeType="tmRoot"/>
+      </p:par>
+    </p:tnLst>
+  </p:timing>
+</p:sld>
+</file>
+
 <file path=ppt/slides/slide2.xml><?xml version="1.0" encoding="utf-8"?>
 <p:sld xmlns:a="http://schemas.openxmlformats.org/drawingml/2006/main" xmlns:r="http://schemas.openxmlformats.org/officeDocument/2006/relationships" xmlns:p="http://schemas.openxmlformats.org/presentationml/2006/main">
   <p:cSld>
@@ -3941,1657 +4773,1663 @@
       </p:grpSpPr>
       <p:grpSp>
         <p:nvGrpSpPr>
-          <p:cNvPr id="10" name="组合 9"/>
+          <p:cNvPr id="93" name="组合 92"/>
           <p:cNvGrpSpPr/>
           <p:nvPr/>
         </p:nvGrpSpPr>
         <p:grpSpPr>
           <a:xfrm>
-            <a:off x="755009" y="649768"/>
-            <a:ext cx="9911609" cy="5837379"/>
-            <a:chOff x="755009" y="649768"/>
-            <a:chExt cx="9911609" cy="5837379"/>
+            <a:off x="2014799" y="267574"/>
+            <a:ext cx="7649056" cy="5514181"/>
+            <a:chOff x="1017870" y="-322064"/>
+            <a:chExt cx="9256409" cy="6816901"/>
           </a:xfrm>
         </p:grpSpPr>
+        <p:sp>
+          <p:nvSpPr>
+            <p:cNvPr id="85" name="流程图: 过程 84"/>
+            <p:cNvSpPr/>
+            <p:nvPr/>
+          </p:nvSpPr>
+          <p:spPr>
+            <a:xfrm>
+              <a:off x="4803170" y="-322064"/>
+              <a:ext cx="853954" cy="572149"/>
+            </a:xfrm>
+            <a:prstGeom prst="flowChartProcess">
+              <a:avLst/>
+            </a:prstGeom>
+            <a:solidFill>
+              <a:schemeClr val="bg1"/>
+            </a:solidFill>
+            <a:ln w="28575">
+              <a:solidFill>
+                <a:schemeClr val="tx1"/>
+              </a:solidFill>
+            </a:ln>
+          </p:spPr>
+          <p:style>
+            <a:lnRef idx="2">
+              <a:schemeClr val="accent1">
+                <a:shade val="50000"/>
+              </a:schemeClr>
+            </a:lnRef>
+            <a:fillRef idx="1">
+              <a:schemeClr val="accent1"/>
+            </a:fillRef>
+            <a:effectRef idx="0">
+              <a:schemeClr val="accent1"/>
+            </a:effectRef>
+            <a:fontRef idx="minor">
+              <a:schemeClr val="lt1"/>
+            </a:fontRef>
+          </p:style>
+          <p:txBody>
+            <a:bodyPr rtlCol="0" anchor="ctr"/>
+            <a:lstStyle/>
+            <a:p>
+              <a:pPr algn="ctr"/>
+              <a:r>
+                <a:rPr lang="zh-CN" altLang="en-US" sz="1100" smtClean="0">
+                  <a:solidFill>
+                    <a:schemeClr val="tx1"/>
+                  </a:solidFill>
+                </a:rPr>
+                <a:t>元器件查询</a:t>
+              </a:r>
+              <a:endParaRPr lang="zh-CN" altLang="en-US" sz="1100">
+                <a:solidFill>
+                  <a:schemeClr val="tx1"/>
+                </a:solidFill>
+              </a:endParaRPr>
+            </a:p>
+          </p:txBody>
+        </p:sp>
         <p:grpSp>
           <p:nvGrpSpPr>
-            <p:cNvPr id="174" name="组合 173"/>
+            <p:cNvPr id="70" name="组合 69"/>
             <p:cNvGrpSpPr/>
             <p:nvPr/>
           </p:nvGrpSpPr>
           <p:grpSpPr>
             <a:xfrm>
-              <a:off x="755009" y="649768"/>
-              <a:ext cx="9911609" cy="5837379"/>
-              <a:chOff x="755009" y="649768"/>
-              <a:chExt cx="9911609" cy="5837379"/>
+              <a:off x="1017870" y="-35989"/>
+              <a:ext cx="9256409" cy="6530826"/>
+              <a:chOff x="1017870" y="-35989"/>
+              <a:chExt cx="9256409" cy="6530826"/>
             </a:xfrm>
           </p:grpSpPr>
-          <p:grpSp>
-            <p:nvGrpSpPr>
-              <p:cNvPr id="167" name="组合 166"/>
-              <p:cNvGrpSpPr/>
+          <p:sp>
+            <p:nvSpPr>
+              <p:cNvPr id="66" name="流程图: 过程 65"/>
+              <p:cNvSpPr/>
               <p:nvPr/>
-            </p:nvGrpSpPr>
-            <p:grpSpPr>
+            </p:nvSpPr>
+            <p:spPr>
               <a:xfrm>
-                <a:off x="755009" y="649768"/>
-                <a:ext cx="9911609" cy="5126429"/>
-                <a:chOff x="402671" y="515545"/>
-                <a:chExt cx="9911609" cy="5126429"/>
+                <a:off x="2862876" y="523759"/>
+                <a:ext cx="1065483" cy="572149"/>
               </a:xfrm>
-            </p:grpSpPr>
-            <p:sp>
-              <p:nvSpPr>
-                <p:cNvPr id="66" name="流程图: 过程 65"/>
-                <p:cNvSpPr/>
-                <p:nvPr/>
-              </p:nvSpPr>
-              <p:spPr>
-                <a:xfrm>
-                  <a:off x="2374083" y="515545"/>
-                  <a:ext cx="1140901" cy="612648"/>
-                </a:xfrm>
-                <a:prstGeom prst="flowChartProcess">
-                  <a:avLst/>
-                </a:prstGeom>
+              <a:prstGeom prst="flowChartProcess">
+                <a:avLst/>
+              </a:prstGeom>
+              <a:solidFill>
+                <a:schemeClr val="bg1"/>
+              </a:solidFill>
+              <a:ln w="28575">
                 <a:solidFill>
-                  <a:schemeClr val="bg1"/>
+                  <a:schemeClr val="tx1"/>
                 </a:solidFill>
-                <a:ln w="28575">
+              </a:ln>
+            </p:spPr>
+            <p:style>
+              <a:lnRef idx="2">
+                <a:schemeClr val="accent1">
+                  <a:shade val="50000"/>
+                </a:schemeClr>
+              </a:lnRef>
+              <a:fillRef idx="1">
+                <a:schemeClr val="accent1"/>
+              </a:fillRef>
+              <a:effectRef idx="0">
+                <a:schemeClr val="accent1"/>
+              </a:effectRef>
+              <a:fontRef idx="minor">
+                <a:schemeClr val="lt1"/>
+              </a:fontRef>
+            </p:style>
+            <p:txBody>
+              <a:bodyPr rtlCol="0" anchor="ctr"/>
+              <a:lstStyle/>
+              <a:p>
+                <a:pPr algn="ctr"/>
+                <a:r>
+                  <a:rPr lang="zh-CN" altLang="en-US" sz="1100" smtClean="0">
+                    <a:solidFill>
+                      <a:schemeClr val="tx1"/>
+                    </a:solidFill>
+                  </a:rPr>
+                  <a:t>便捷学习</a:t>
+                </a:r>
+                <a:endParaRPr lang="zh-CN" altLang="en-US" sz="1100">
                   <a:solidFill>
                     <a:schemeClr val="tx1"/>
                   </a:solidFill>
-                </a:ln>
-              </p:spPr>
-              <p:style>
-                <a:lnRef idx="2">
-                  <a:schemeClr val="accent1">
-                    <a:shade val="50000"/>
-                  </a:schemeClr>
-                </a:lnRef>
-                <a:fillRef idx="1">
-                  <a:schemeClr val="accent1"/>
-                </a:fillRef>
-                <a:effectRef idx="0">
-                  <a:schemeClr val="accent1"/>
-                </a:effectRef>
-                <a:fontRef idx="minor">
-                  <a:schemeClr val="lt1"/>
-                </a:fontRef>
-              </p:style>
-              <p:txBody>
-                <a:bodyPr rtlCol="0" anchor="ctr"/>
-                <a:lstStyle/>
-                <a:p>
-                  <a:pPr algn="ctr"/>
-                  <a:r>
-                    <a:rPr lang="zh-CN" altLang="en-US" sz="1400" smtClean="0">
-                      <a:solidFill>
-                        <a:schemeClr val="tx1"/>
-                      </a:solidFill>
-                    </a:rPr>
-                    <a:t>搜索元器件</a:t>
-                  </a:r>
-                  <a:endParaRPr lang="zh-CN" altLang="en-US" sz="1400">
+                </a:endParaRPr>
+              </a:p>
+            </p:txBody>
+          </p:sp>
+          <p:sp>
+            <p:nvSpPr>
+              <p:cNvPr id="67" name="流程图: 过程 66"/>
+              <p:cNvSpPr/>
+              <p:nvPr/>
+            </p:nvSpPr>
+            <p:spPr>
+              <a:xfrm>
+                <a:off x="4803170" y="522930"/>
+                <a:ext cx="853954" cy="572149"/>
+              </a:xfrm>
+              <a:prstGeom prst="flowChartProcess">
+                <a:avLst/>
+              </a:prstGeom>
+              <a:solidFill>
+                <a:schemeClr val="bg1"/>
+              </a:solidFill>
+              <a:ln w="28575">
+                <a:solidFill>
+                  <a:schemeClr val="tx1"/>
+                </a:solidFill>
+              </a:ln>
+            </p:spPr>
+            <p:style>
+              <a:lnRef idx="2">
+                <a:schemeClr val="accent1">
+                  <a:shade val="50000"/>
+                </a:schemeClr>
+              </a:lnRef>
+              <a:fillRef idx="1">
+                <a:schemeClr val="accent1"/>
+              </a:fillRef>
+              <a:effectRef idx="0">
+                <a:schemeClr val="accent1"/>
+              </a:effectRef>
+              <a:fontRef idx="minor">
+                <a:schemeClr val="lt1"/>
+              </a:fontRef>
+            </p:style>
+            <p:txBody>
+              <a:bodyPr rtlCol="0" anchor="ctr"/>
+              <a:lstStyle/>
+              <a:p>
+                <a:pPr algn="ctr"/>
+                <a:r>
+                  <a:rPr lang="zh-CN" altLang="en-US" sz="1100" smtClean="0">
                     <a:solidFill>
                       <a:schemeClr val="tx1"/>
                     </a:solidFill>
-                  </a:endParaRPr>
-                </a:p>
-              </p:txBody>
-            </p:sp>
-            <p:sp>
-              <p:nvSpPr>
-                <p:cNvPr id="67" name="流程图: 过程 66"/>
-                <p:cNvSpPr/>
-                <p:nvPr/>
-              </p:nvSpPr>
-              <p:spPr>
-                <a:xfrm>
-                  <a:off x="4458747" y="515545"/>
-                  <a:ext cx="914400" cy="612648"/>
-                </a:xfrm>
-                <a:prstGeom prst="flowChartProcess">
-                  <a:avLst/>
-                </a:prstGeom>
-                <a:solidFill>
-                  <a:schemeClr val="bg1"/>
-                </a:solidFill>
-                <a:ln w="28575">
+                  </a:rPr>
+                  <a:t>行业资讯</a:t>
+                </a:r>
+                <a:endParaRPr lang="zh-CN" altLang="en-US" sz="1100">
                   <a:solidFill>
                     <a:schemeClr val="tx1"/>
                   </a:solidFill>
-                </a:ln>
-              </p:spPr>
-              <p:style>
-                <a:lnRef idx="2">
-                  <a:schemeClr val="accent1">
-                    <a:shade val="50000"/>
-                  </a:schemeClr>
-                </a:lnRef>
-                <a:fillRef idx="1">
-                  <a:schemeClr val="accent1"/>
-                </a:fillRef>
-                <a:effectRef idx="0">
-                  <a:schemeClr val="accent1"/>
-                </a:effectRef>
-                <a:fontRef idx="minor">
-                  <a:schemeClr val="lt1"/>
-                </a:fontRef>
-              </p:style>
-              <p:txBody>
-                <a:bodyPr rtlCol="0" anchor="ctr"/>
-                <a:lstStyle/>
-                <a:p>
-                  <a:pPr algn="ctr"/>
-                  <a:r>
-                    <a:rPr lang="zh-CN" altLang="en-US" sz="1400" smtClean="0">
-                      <a:solidFill>
-                        <a:schemeClr val="tx1"/>
-                      </a:solidFill>
-                    </a:rPr>
-                    <a:t>浏览列表</a:t>
-                  </a:r>
-                  <a:endParaRPr lang="zh-CN" altLang="en-US" sz="1400">
+                </a:endParaRPr>
+              </a:p>
+            </p:txBody>
+          </p:sp>
+          <p:sp>
+            <p:nvSpPr>
+              <p:cNvPr id="68" name="流程图: 过程 67"/>
+              <p:cNvSpPr/>
+              <p:nvPr/>
+            </p:nvSpPr>
+            <p:spPr>
+              <a:xfrm>
+                <a:off x="6603830" y="522930"/>
+                <a:ext cx="1214337" cy="572149"/>
+              </a:xfrm>
+              <a:prstGeom prst="flowChartProcess">
+                <a:avLst/>
+              </a:prstGeom>
+              <a:solidFill>
+                <a:schemeClr val="bg1"/>
+              </a:solidFill>
+              <a:ln w="28575">
+                <a:solidFill>
+                  <a:schemeClr val="tx1"/>
+                </a:solidFill>
+              </a:ln>
+            </p:spPr>
+            <p:style>
+              <a:lnRef idx="2">
+                <a:schemeClr val="accent1">
+                  <a:shade val="50000"/>
+                </a:schemeClr>
+              </a:lnRef>
+              <a:fillRef idx="1">
+                <a:schemeClr val="accent1"/>
+              </a:fillRef>
+              <a:effectRef idx="0">
+                <a:schemeClr val="accent1"/>
+              </a:effectRef>
+              <a:fontRef idx="minor">
+                <a:schemeClr val="lt1"/>
+              </a:fontRef>
+            </p:style>
+            <p:txBody>
+              <a:bodyPr rtlCol="0" anchor="ctr"/>
+              <a:lstStyle/>
+              <a:p>
+                <a:pPr algn="ctr"/>
+                <a:r>
+                  <a:rPr lang="zh-CN" altLang="en-US" sz="1100" smtClean="0">
                     <a:solidFill>
                       <a:schemeClr val="tx1"/>
                     </a:solidFill>
-                  </a:endParaRPr>
-                </a:p>
-              </p:txBody>
-            </p:sp>
-            <p:sp>
-              <p:nvSpPr>
-                <p:cNvPr id="68" name="流程图: 过程 67"/>
-                <p:cNvSpPr/>
-                <p:nvPr/>
-              </p:nvSpPr>
-              <p:spPr>
-                <a:xfrm>
-                  <a:off x="6321104" y="515545"/>
-                  <a:ext cx="1300292" cy="612648"/>
-                </a:xfrm>
-                <a:prstGeom prst="flowChartProcess">
-                  <a:avLst/>
-                </a:prstGeom>
-                <a:solidFill>
-                  <a:schemeClr val="bg1"/>
-                </a:solidFill>
-                <a:ln w="28575">
+                  </a:rPr>
+                  <a:t>查看具体信息</a:t>
+                </a:r>
+                <a:endParaRPr lang="zh-CN" altLang="en-US" sz="1100">
                   <a:solidFill>
                     <a:schemeClr val="tx1"/>
                   </a:solidFill>
-                </a:ln>
-              </p:spPr>
-              <p:style>
-                <a:lnRef idx="2">
-                  <a:schemeClr val="accent1">
-                    <a:shade val="50000"/>
-                  </a:schemeClr>
-                </a:lnRef>
-                <a:fillRef idx="1">
-                  <a:schemeClr val="accent1"/>
-                </a:fillRef>
-                <a:effectRef idx="0">
-                  <a:schemeClr val="accent1"/>
-                </a:effectRef>
-                <a:fontRef idx="minor">
-                  <a:schemeClr val="lt1"/>
-                </a:fontRef>
-              </p:style>
-              <p:txBody>
-                <a:bodyPr rtlCol="0" anchor="ctr"/>
-                <a:lstStyle/>
-                <a:p>
-                  <a:pPr algn="ctr"/>
-                  <a:r>
-                    <a:rPr lang="zh-CN" altLang="en-US" sz="1400" smtClean="0">
-                      <a:solidFill>
-                        <a:schemeClr val="tx1"/>
-                      </a:solidFill>
-                    </a:rPr>
-                    <a:t>查看具体信息</a:t>
-                  </a:r>
-                  <a:endParaRPr lang="zh-CN" altLang="en-US" sz="1400">
+                </a:endParaRPr>
+              </a:p>
+            </p:txBody>
+          </p:sp>
+          <p:sp>
+            <p:nvSpPr>
+              <p:cNvPr id="69" name="流程图: 过程 68"/>
+              <p:cNvSpPr/>
+              <p:nvPr/>
+            </p:nvSpPr>
+            <p:spPr>
+              <a:xfrm>
+                <a:off x="2862876" y="3116248"/>
+                <a:ext cx="1183002" cy="572149"/>
+              </a:xfrm>
+              <a:prstGeom prst="flowChartProcess">
+                <a:avLst/>
+              </a:prstGeom>
+              <a:solidFill>
+                <a:schemeClr val="bg1"/>
+              </a:solidFill>
+              <a:ln w="28575">
+                <a:solidFill>
+                  <a:schemeClr val="tx1"/>
+                </a:solidFill>
+              </a:ln>
+            </p:spPr>
+            <p:style>
+              <a:lnRef idx="2">
+                <a:schemeClr val="accent1">
+                  <a:shade val="50000"/>
+                </a:schemeClr>
+              </a:lnRef>
+              <a:fillRef idx="1">
+                <a:schemeClr val="accent1"/>
+              </a:fillRef>
+              <a:effectRef idx="0">
+                <a:schemeClr val="accent1"/>
+              </a:effectRef>
+              <a:fontRef idx="minor">
+                <a:schemeClr val="lt1"/>
+              </a:fontRef>
+            </p:style>
+            <p:txBody>
+              <a:bodyPr rtlCol="0" anchor="ctr"/>
+              <a:lstStyle/>
+              <a:p>
+                <a:pPr algn="ctr"/>
+                <a:r>
+                  <a:rPr lang="zh-CN" altLang="en-US" sz="1100" smtClean="0">
                     <a:solidFill>
                       <a:schemeClr val="tx1"/>
                     </a:solidFill>
-                  </a:endParaRPr>
-                </a:p>
-              </p:txBody>
-            </p:sp>
-            <p:sp>
-              <p:nvSpPr>
-                <p:cNvPr id="69" name="流程图: 过程 68"/>
-                <p:cNvSpPr/>
-                <p:nvPr/>
-              </p:nvSpPr>
-              <p:spPr>
-                <a:xfrm>
-                  <a:off x="2378273" y="2773715"/>
-                  <a:ext cx="1266739" cy="612648"/>
-                </a:xfrm>
-                <a:prstGeom prst="flowChartProcess">
-                  <a:avLst/>
-                </a:prstGeom>
-                <a:solidFill>
-                  <a:schemeClr val="bg1"/>
-                </a:solidFill>
-                <a:ln w="28575">
+                  </a:rPr>
+                  <a:t>进入项目中心</a:t>
+                </a:r>
+                <a:endParaRPr lang="zh-CN" altLang="en-US" sz="1100">
                   <a:solidFill>
                     <a:schemeClr val="tx1"/>
                   </a:solidFill>
-                </a:ln>
-              </p:spPr>
-              <p:style>
-                <a:lnRef idx="2">
-                  <a:schemeClr val="accent1">
-                    <a:shade val="50000"/>
-                  </a:schemeClr>
-                </a:lnRef>
-                <a:fillRef idx="1">
-                  <a:schemeClr val="accent1"/>
-                </a:fillRef>
-                <a:effectRef idx="0">
-                  <a:schemeClr val="accent1"/>
-                </a:effectRef>
-                <a:fontRef idx="minor">
-                  <a:schemeClr val="lt1"/>
-                </a:fontRef>
-              </p:style>
-              <p:txBody>
-                <a:bodyPr rtlCol="0" anchor="ctr"/>
-                <a:lstStyle/>
-                <a:p>
-                  <a:pPr algn="ctr"/>
-                  <a:r>
-                    <a:rPr lang="zh-CN" altLang="en-US" sz="1400" smtClean="0">
-                      <a:solidFill>
-                        <a:schemeClr val="tx1"/>
-                      </a:solidFill>
-                    </a:rPr>
-                    <a:t>进入项目中心</a:t>
-                  </a:r>
-                  <a:endParaRPr lang="zh-CN" altLang="en-US" sz="1400">
+                </a:endParaRPr>
+              </a:p>
+            </p:txBody>
+          </p:sp>
+          <p:sp>
+            <p:nvSpPr>
+              <p:cNvPr id="71" name="流程图: 决策 70"/>
+              <p:cNvSpPr/>
+              <p:nvPr/>
+            </p:nvSpPr>
+            <p:spPr>
+              <a:xfrm>
+                <a:off x="4709846" y="3115054"/>
+                <a:ext cx="1206507" cy="572149"/>
+              </a:xfrm>
+              <a:prstGeom prst="flowChartDecision">
+                <a:avLst/>
+              </a:prstGeom>
+              <a:solidFill>
+                <a:schemeClr val="bg1"/>
+              </a:solidFill>
+              <a:ln w="28575">
+                <a:solidFill>
+                  <a:schemeClr val="tx1"/>
+                </a:solidFill>
+              </a:ln>
+            </p:spPr>
+            <p:style>
+              <a:lnRef idx="2">
+                <a:schemeClr val="accent1">
+                  <a:shade val="50000"/>
+                </a:schemeClr>
+              </a:lnRef>
+              <a:fillRef idx="1">
+                <a:schemeClr val="accent1"/>
+              </a:fillRef>
+              <a:effectRef idx="0">
+                <a:schemeClr val="accent1"/>
+              </a:effectRef>
+              <a:fontRef idx="minor">
+                <a:schemeClr val="lt1"/>
+              </a:fontRef>
+            </p:style>
+            <p:txBody>
+              <a:bodyPr rtlCol="0" anchor="ctr"/>
+              <a:lstStyle/>
+              <a:p>
+                <a:pPr algn="ctr"/>
+                <a:r>
+                  <a:rPr lang="zh-CN" altLang="en-US" sz="1100" smtClean="0">
                     <a:solidFill>
                       <a:schemeClr val="tx1"/>
                     </a:solidFill>
-                  </a:endParaRPr>
-                </a:p>
-              </p:txBody>
-            </p:sp>
-            <p:sp>
-              <p:nvSpPr>
-                <p:cNvPr id="71" name="流程图: 决策 70"/>
-                <p:cNvSpPr/>
-                <p:nvPr/>
-              </p:nvSpPr>
-              <p:spPr>
-                <a:xfrm>
-                  <a:off x="4355978" y="2772436"/>
-                  <a:ext cx="1291908" cy="612648"/>
-                </a:xfrm>
-                <a:prstGeom prst="flowChartDecision">
-                  <a:avLst/>
-                </a:prstGeom>
-                <a:solidFill>
-                  <a:schemeClr val="bg1"/>
-                </a:solidFill>
-                <a:ln w="28575">
+                  </a:rPr>
+                  <a:t>是否登录</a:t>
+                </a:r>
+                <a:endParaRPr lang="zh-CN" altLang="en-US" sz="1100">
                   <a:solidFill>
                     <a:schemeClr val="tx1"/>
                   </a:solidFill>
-                </a:ln>
-              </p:spPr>
-              <p:style>
-                <a:lnRef idx="2">
-                  <a:schemeClr val="accent1">
-                    <a:shade val="50000"/>
-                  </a:schemeClr>
-                </a:lnRef>
-                <a:fillRef idx="1">
-                  <a:schemeClr val="accent1"/>
-                </a:fillRef>
-                <a:effectRef idx="0">
-                  <a:schemeClr val="accent1"/>
-                </a:effectRef>
-                <a:fontRef idx="minor">
-                  <a:schemeClr val="lt1"/>
-                </a:fontRef>
-              </p:style>
-              <p:txBody>
-                <a:bodyPr rtlCol="0" anchor="ctr"/>
-                <a:lstStyle/>
-                <a:p>
-                  <a:pPr algn="ctr"/>
-                  <a:r>
-                    <a:rPr lang="zh-CN" altLang="en-US" sz="1400" smtClean="0">
-                      <a:solidFill>
-                        <a:schemeClr val="tx1"/>
-                      </a:solidFill>
-                    </a:rPr>
-                    <a:t>是否登录</a:t>
-                  </a:r>
-                  <a:endParaRPr lang="zh-CN" altLang="en-US" sz="1400">
+                </a:endParaRPr>
+              </a:p>
+            </p:txBody>
+          </p:sp>
+          <p:sp>
+            <p:nvSpPr>
+              <p:cNvPr id="72" name="流程图: 过程 71"/>
+              <p:cNvSpPr/>
+              <p:nvPr/>
+            </p:nvSpPr>
+            <p:spPr>
+              <a:xfrm>
+                <a:off x="6693926" y="3115054"/>
+                <a:ext cx="1034147" cy="572149"/>
+              </a:xfrm>
+              <a:prstGeom prst="flowChartProcess">
+                <a:avLst/>
+              </a:prstGeom>
+              <a:solidFill>
+                <a:schemeClr val="bg1"/>
+              </a:solidFill>
+              <a:ln w="28575">
+                <a:solidFill>
+                  <a:schemeClr val="tx1"/>
+                </a:solidFill>
+              </a:ln>
+            </p:spPr>
+            <p:style>
+              <a:lnRef idx="2">
+                <a:schemeClr val="accent1">
+                  <a:shade val="50000"/>
+                </a:schemeClr>
+              </a:lnRef>
+              <a:fillRef idx="1">
+                <a:schemeClr val="accent1"/>
+              </a:fillRef>
+              <a:effectRef idx="0">
+                <a:schemeClr val="accent1"/>
+              </a:effectRef>
+              <a:fontRef idx="minor">
+                <a:schemeClr val="lt1"/>
+              </a:fontRef>
+            </p:style>
+            <p:txBody>
+              <a:bodyPr rtlCol="0" anchor="ctr"/>
+              <a:lstStyle/>
+              <a:p>
+                <a:pPr algn="ctr"/>
+                <a:r>
+                  <a:rPr lang="zh-CN" altLang="en-US" sz="1100" smtClean="0">
                     <a:solidFill>
                       <a:schemeClr val="tx1"/>
                     </a:solidFill>
-                  </a:endParaRPr>
-                </a:p>
-              </p:txBody>
-            </p:sp>
-            <p:sp>
-              <p:nvSpPr>
-                <p:cNvPr id="72" name="流程图: 过程 71"/>
-                <p:cNvSpPr/>
-                <p:nvPr/>
-              </p:nvSpPr>
-              <p:spPr>
-                <a:xfrm>
-                  <a:off x="6480498" y="2772436"/>
-                  <a:ext cx="1107347" cy="612648"/>
-                </a:xfrm>
-                <a:prstGeom prst="flowChartProcess">
-                  <a:avLst/>
-                </a:prstGeom>
-                <a:solidFill>
-                  <a:schemeClr val="bg1"/>
-                </a:solidFill>
-                <a:ln w="28575">
+                  </a:rPr>
+                  <a:t>登录</a:t>
+                </a:r>
+                <a:r>
+                  <a:rPr lang="en-US" altLang="zh-CN" sz="1100" smtClean="0">
+                    <a:solidFill>
+                      <a:schemeClr val="tx1"/>
+                    </a:solidFill>
+                  </a:rPr>
+                  <a:t>/</a:t>
+                </a:r>
+                <a:r>
+                  <a:rPr lang="zh-CN" altLang="en-US" sz="1100" smtClean="0">
+                    <a:solidFill>
+                      <a:schemeClr val="tx1"/>
+                    </a:solidFill>
+                  </a:rPr>
+                  <a:t>注册</a:t>
+                </a:r>
+                <a:endParaRPr lang="zh-CN" altLang="en-US" sz="1100">
                   <a:solidFill>
                     <a:schemeClr val="tx1"/>
                   </a:solidFill>
-                </a:ln>
-              </p:spPr>
-              <p:style>
-                <a:lnRef idx="2">
-                  <a:schemeClr val="accent1">
-                    <a:shade val="50000"/>
-                  </a:schemeClr>
-                </a:lnRef>
-                <a:fillRef idx="1">
-                  <a:schemeClr val="accent1"/>
-                </a:fillRef>
-                <a:effectRef idx="0">
-                  <a:schemeClr val="accent1"/>
-                </a:effectRef>
-                <a:fontRef idx="minor">
-                  <a:schemeClr val="lt1"/>
-                </a:fontRef>
-              </p:style>
-              <p:txBody>
-                <a:bodyPr rtlCol="0" anchor="ctr"/>
-                <a:lstStyle/>
-                <a:p>
-                  <a:pPr algn="ctr"/>
-                  <a:r>
-                    <a:rPr lang="zh-CN" altLang="en-US" sz="1400" smtClean="0">
-                      <a:solidFill>
-                        <a:schemeClr val="tx1"/>
-                      </a:solidFill>
-                    </a:rPr>
-                    <a:t>登录</a:t>
-                  </a:r>
-                  <a:r>
-                    <a:rPr lang="en-US" altLang="zh-CN" sz="1400" smtClean="0">
-                      <a:solidFill>
-                        <a:schemeClr val="tx1"/>
-                      </a:solidFill>
-                    </a:rPr>
-                    <a:t>/</a:t>
-                  </a:r>
-                  <a:r>
-                    <a:rPr lang="zh-CN" altLang="en-US" sz="1400" smtClean="0">
-                      <a:solidFill>
-                        <a:schemeClr val="tx1"/>
-                      </a:solidFill>
-                    </a:rPr>
-                    <a:t>注册</a:t>
-                  </a:r>
-                  <a:endParaRPr lang="zh-CN" altLang="en-US" sz="1400">
+                </a:endParaRPr>
+              </a:p>
+            </p:txBody>
+          </p:sp>
+          <p:sp>
+            <p:nvSpPr>
+              <p:cNvPr id="73" name="流程图: 决策 72"/>
+              <p:cNvSpPr/>
+              <p:nvPr/>
+            </p:nvSpPr>
+            <p:spPr>
+              <a:xfrm>
+                <a:off x="4696132" y="4274082"/>
+                <a:ext cx="1206507" cy="572149"/>
+              </a:xfrm>
+              <a:prstGeom prst="flowChartDecision">
+                <a:avLst/>
+              </a:prstGeom>
+              <a:solidFill>
+                <a:schemeClr val="bg1"/>
+              </a:solidFill>
+              <a:ln w="28575">
+                <a:solidFill>
+                  <a:schemeClr val="tx1"/>
+                </a:solidFill>
+              </a:ln>
+            </p:spPr>
+            <p:style>
+              <a:lnRef idx="2">
+                <a:schemeClr val="accent1">
+                  <a:shade val="50000"/>
+                </a:schemeClr>
+              </a:lnRef>
+              <a:fillRef idx="1">
+                <a:schemeClr val="accent1"/>
+              </a:fillRef>
+              <a:effectRef idx="0">
+                <a:schemeClr val="accent1"/>
+              </a:effectRef>
+              <a:fontRef idx="minor">
+                <a:schemeClr val="lt1"/>
+              </a:fontRef>
+            </p:style>
+            <p:txBody>
+              <a:bodyPr rtlCol="0" anchor="ctr"/>
+              <a:lstStyle/>
+              <a:p>
+                <a:pPr algn="ctr"/>
+                <a:r>
+                  <a:rPr lang="zh-CN" altLang="en-US" sz="1100">
                     <a:solidFill>
                       <a:schemeClr val="tx1"/>
                     </a:solidFill>
-                  </a:endParaRPr>
-                </a:p>
-              </p:txBody>
-            </p:sp>
-            <p:sp>
-              <p:nvSpPr>
-                <p:cNvPr id="73" name="流程图: 决策 72"/>
-                <p:cNvSpPr/>
-                <p:nvPr/>
-              </p:nvSpPr>
-              <p:spPr>
-                <a:xfrm>
-                  <a:off x="4341293" y="4013504"/>
-                  <a:ext cx="1291908" cy="612648"/>
-                </a:xfrm>
-                <a:prstGeom prst="flowChartDecision">
-                  <a:avLst/>
-                </a:prstGeom>
+                  </a:rPr>
+                  <a:t>是否老师</a:t>
+                </a:r>
+              </a:p>
+            </p:txBody>
+          </p:sp>
+          <p:sp>
+            <p:nvSpPr>
+              <p:cNvPr id="74" name="流程图: 过程 73"/>
+              <p:cNvSpPr/>
+              <p:nvPr/>
+            </p:nvSpPr>
+            <p:spPr>
+              <a:xfrm>
+                <a:off x="2976476" y="4291533"/>
+                <a:ext cx="853954" cy="572149"/>
+              </a:xfrm>
+              <a:prstGeom prst="flowChartProcess">
+                <a:avLst/>
+              </a:prstGeom>
+              <a:solidFill>
+                <a:schemeClr val="bg1"/>
+              </a:solidFill>
+              <a:ln w="28575">
                 <a:solidFill>
-                  <a:schemeClr val="bg1"/>
+                  <a:schemeClr val="tx1"/>
                 </a:solidFill>
-                <a:ln w="28575">
+              </a:ln>
+            </p:spPr>
+            <p:style>
+              <a:lnRef idx="2">
+                <a:schemeClr val="accent1">
+                  <a:shade val="50000"/>
+                </a:schemeClr>
+              </a:lnRef>
+              <a:fillRef idx="1">
+                <a:schemeClr val="accent1"/>
+              </a:fillRef>
+              <a:effectRef idx="0">
+                <a:schemeClr val="accent1"/>
+              </a:effectRef>
+              <a:fontRef idx="minor">
+                <a:schemeClr val="lt1"/>
+              </a:fontRef>
+            </p:style>
+            <p:txBody>
+              <a:bodyPr rtlCol="0" anchor="ctr"/>
+              <a:lstStyle/>
+              <a:p>
+                <a:pPr algn="ctr"/>
+                <a:r>
+                  <a:rPr lang="zh-CN" altLang="en-US" sz="1100" smtClean="0">
+                    <a:solidFill>
+                      <a:schemeClr val="tx1"/>
+                    </a:solidFill>
+                  </a:rPr>
+                  <a:t>发布项目</a:t>
+                </a:r>
+                <a:endParaRPr lang="zh-CN" altLang="en-US" sz="1100">
                   <a:solidFill>
                     <a:schemeClr val="tx1"/>
                   </a:solidFill>
-                </a:ln>
-              </p:spPr>
-              <p:style>
-                <a:lnRef idx="2">
-                  <a:schemeClr val="accent1">
-                    <a:shade val="50000"/>
-                  </a:schemeClr>
-                </a:lnRef>
-                <a:fillRef idx="1">
-                  <a:schemeClr val="accent1"/>
-                </a:fillRef>
-                <a:effectRef idx="0">
-                  <a:schemeClr val="accent1"/>
-                </a:effectRef>
-                <a:fontRef idx="minor">
-                  <a:schemeClr val="lt1"/>
-                </a:fontRef>
-              </p:style>
-              <p:txBody>
-                <a:bodyPr rtlCol="0" anchor="ctr"/>
-                <a:lstStyle/>
-                <a:p>
-                  <a:pPr algn="ctr"/>
-                  <a:r>
-                    <a:rPr lang="zh-CN" altLang="en-US" sz="1400">
-                      <a:solidFill>
-                        <a:schemeClr val="tx1"/>
-                      </a:solidFill>
-                    </a:rPr>
-                    <a:t>是否老师</a:t>
-                  </a:r>
-                </a:p>
-              </p:txBody>
-            </p:sp>
-            <p:sp>
-              <p:nvSpPr>
-                <p:cNvPr id="74" name="流程图: 过程 73"/>
-                <p:cNvSpPr/>
-                <p:nvPr/>
-              </p:nvSpPr>
-              <p:spPr>
-                <a:xfrm>
-                  <a:off x="2499914" y="4032191"/>
-                  <a:ext cx="914400" cy="612648"/>
-                </a:xfrm>
-                <a:prstGeom prst="flowChartProcess">
-                  <a:avLst/>
-                </a:prstGeom>
+                </a:endParaRPr>
+              </a:p>
+            </p:txBody>
+          </p:sp>
+          <p:sp>
+            <p:nvSpPr>
+              <p:cNvPr id="75" name="流程图: 过程 74"/>
+              <p:cNvSpPr/>
+              <p:nvPr/>
+            </p:nvSpPr>
+            <p:spPr>
+              <a:xfrm>
+                <a:off x="4883199" y="5222754"/>
+                <a:ext cx="853954" cy="572149"/>
+              </a:xfrm>
+              <a:prstGeom prst="flowChartProcess">
+                <a:avLst/>
+              </a:prstGeom>
+              <a:solidFill>
+                <a:schemeClr val="bg1"/>
+              </a:solidFill>
+              <a:ln w="28575">
                 <a:solidFill>
-                  <a:schemeClr val="bg1"/>
+                  <a:schemeClr val="tx1"/>
                 </a:solidFill>
-                <a:ln w="28575">
+              </a:ln>
+            </p:spPr>
+            <p:style>
+              <a:lnRef idx="2">
+                <a:schemeClr val="accent1">
+                  <a:shade val="50000"/>
+                </a:schemeClr>
+              </a:lnRef>
+              <a:fillRef idx="1">
+                <a:schemeClr val="accent1"/>
+              </a:fillRef>
+              <a:effectRef idx="0">
+                <a:schemeClr val="accent1"/>
+              </a:effectRef>
+              <a:fontRef idx="minor">
+                <a:schemeClr val="lt1"/>
+              </a:fontRef>
+            </p:style>
+            <p:txBody>
+              <a:bodyPr rtlCol="0" anchor="ctr"/>
+              <a:lstStyle/>
+              <a:p>
+                <a:pPr algn="ctr"/>
+                <a:r>
+                  <a:rPr lang="zh-CN" altLang="en-US" sz="1100" smtClean="0">
+                    <a:solidFill>
+                      <a:schemeClr val="tx1"/>
+                    </a:solidFill>
+                  </a:rPr>
+                  <a:t>项目列表</a:t>
+                </a:r>
+                <a:endParaRPr lang="zh-CN" altLang="en-US" sz="1100">
                   <a:solidFill>
                     <a:schemeClr val="tx1"/>
                   </a:solidFill>
-                </a:ln>
-              </p:spPr>
-              <p:style>
-                <a:lnRef idx="2">
-                  <a:schemeClr val="accent1">
-                    <a:shade val="50000"/>
-                  </a:schemeClr>
-                </a:lnRef>
-                <a:fillRef idx="1">
-                  <a:schemeClr val="accent1"/>
-                </a:fillRef>
-                <a:effectRef idx="0">
-                  <a:schemeClr val="accent1"/>
-                </a:effectRef>
-                <a:fontRef idx="minor">
-                  <a:schemeClr val="lt1"/>
-                </a:fontRef>
-              </p:style>
-              <p:txBody>
-                <a:bodyPr rtlCol="0" anchor="ctr"/>
-                <a:lstStyle/>
-                <a:p>
-                  <a:pPr algn="ctr"/>
-                  <a:r>
-                    <a:rPr lang="zh-CN" altLang="en-US" sz="1400" smtClean="0">
-                      <a:solidFill>
-                        <a:schemeClr val="tx1"/>
-                      </a:solidFill>
-                    </a:rPr>
-                    <a:t>发布项目</a:t>
-                  </a:r>
-                  <a:endParaRPr lang="zh-CN" altLang="en-US" sz="1400">
+                </a:endParaRPr>
+              </a:p>
+            </p:txBody>
+          </p:sp>
+          <p:sp>
+            <p:nvSpPr>
+              <p:cNvPr id="76" name="流程图: 过程 75"/>
+              <p:cNvSpPr/>
+              <p:nvPr/>
+            </p:nvSpPr>
+            <p:spPr>
+              <a:xfrm>
+                <a:off x="6391331" y="5222754"/>
+                <a:ext cx="853954" cy="572149"/>
+              </a:xfrm>
+              <a:prstGeom prst="flowChartProcess">
+                <a:avLst/>
+              </a:prstGeom>
+              <a:solidFill>
+                <a:schemeClr val="bg1"/>
+              </a:solidFill>
+              <a:ln w="28575">
+                <a:solidFill>
+                  <a:schemeClr val="tx1"/>
+                </a:solidFill>
+              </a:ln>
+            </p:spPr>
+            <p:style>
+              <a:lnRef idx="2">
+                <a:schemeClr val="accent1">
+                  <a:shade val="50000"/>
+                </a:schemeClr>
+              </a:lnRef>
+              <a:fillRef idx="1">
+                <a:schemeClr val="accent1"/>
+              </a:fillRef>
+              <a:effectRef idx="0">
+                <a:schemeClr val="accent1"/>
+              </a:effectRef>
+              <a:fontRef idx="minor">
+                <a:schemeClr val="lt1"/>
+              </a:fontRef>
+            </p:style>
+            <p:txBody>
+              <a:bodyPr rtlCol="0" anchor="ctr"/>
+              <a:lstStyle/>
+              <a:p>
+                <a:pPr algn="ctr"/>
+                <a:r>
+                  <a:rPr lang="zh-CN" altLang="en-US" sz="1100" smtClean="0">
                     <a:solidFill>
                       <a:schemeClr val="tx1"/>
                     </a:solidFill>
-                  </a:endParaRPr>
-                </a:p>
-              </p:txBody>
-            </p:sp>
-            <p:sp>
-              <p:nvSpPr>
-                <p:cNvPr id="75" name="流程图: 过程 74"/>
-                <p:cNvSpPr/>
-                <p:nvPr/>
-              </p:nvSpPr>
-              <p:spPr>
-                <a:xfrm>
-                  <a:off x="4541601" y="5029326"/>
-                  <a:ext cx="914400" cy="612648"/>
-                </a:xfrm>
-                <a:prstGeom prst="flowChartProcess">
-                  <a:avLst/>
-                </a:prstGeom>
-                <a:solidFill>
-                  <a:schemeClr val="bg1"/>
-                </a:solidFill>
-                <a:ln w="28575">
+                  </a:rPr>
+                  <a:t>项目详情</a:t>
+                </a:r>
+                <a:endParaRPr lang="zh-CN" altLang="en-US" sz="1100">
                   <a:solidFill>
                     <a:schemeClr val="tx1"/>
                   </a:solidFill>
-                </a:ln>
-              </p:spPr>
-              <p:style>
-                <a:lnRef idx="2">
-                  <a:schemeClr val="accent1">
-                    <a:shade val="50000"/>
-                  </a:schemeClr>
-                </a:lnRef>
-                <a:fillRef idx="1">
-                  <a:schemeClr val="accent1"/>
-                </a:fillRef>
-                <a:effectRef idx="0">
-                  <a:schemeClr val="accent1"/>
-                </a:effectRef>
-                <a:fontRef idx="minor">
-                  <a:schemeClr val="lt1"/>
-                </a:fontRef>
-              </p:style>
-              <p:txBody>
-                <a:bodyPr rtlCol="0" anchor="ctr"/>
-                <a:lstStyle/>
-                <a:p>
-                  <a:pPr algn="ctr"/>
-                  <a:r>
-                    <a:rPr lang="zh-CN" altLang="en-US" sz="1400" smtClean="0">
-                      <a:solidFill>
-                        <a:schemeClr val="tx1"/>
-                      </a:solidFill>
-                    </a:rPr>
-                    <a:t>项目列表</a:t>
-                  </a:r>
-                  <a:endParaRPr lang="zh-CN" altLang="en-US" sz="1400">
+                </a:endParaRPr>
+              </a:p>
+            </p:txBody>
+          </p:sp>
+          <p:sp>
+            <p:nvSpPr>
+              <p:cNvPr id="77" name="流程图: 可选过程 76"/>
+              <p:cNvSpPr/>
+              <p:nvPr/>
+            </p:nvSpPr>
+            <p:spPr>
+              <a:xfrm>
+                <a:off x="9420325" y="2011944"/>
+                <a:ext cx="853954" cy="572149"/>
+              </a:xfrm>
+              <a:prstGeom prst="flowChartAlternateProcess">
+                <a:avLst/>
+              </a:prstGeom>
+              <a:solidFill>
+                <a:schemeClr val="bg1"/>
+              </a:solidFill>
+              <a:ln w="28575">
+                <a:solidFill>
+                  <a:schemeClr val="tx1"/>
+                </a:solidFill>
+              </a:ln>
+            </p:spPr>
+            <p:style>
+              <a:lnRef idx="2">
+                <a:schemeClr val="accent1">
+                  <a:shade val="50000"/>
+                </a:schemeClr>
+              </a:lnRef>
+              <a:fillRef idx="1">
+                <a:schemeClr val="accent1"/>
+              </a:fillRef>
+              <a:effectRef idx="0">
+                <a:schemeClr val="accent1"/>
+              </a:effectRef>
+              <a:fontRef idx="minor">
+                <a:schemeClr val="lt1"/>
+              </a:fontRef>
+            </p:style>
+            <p:txBody>
+              <a:bodyPr rtlCol="0" anchor="ctr"/>
+              <a:lstStyle/>
+              <a:p>
+                <a:pPr algn="ctr"/>
+                <a:r>
+                  <a:rPr lang="zh-CN" altLang="en-US" sz="1100" smtClean="0">
                     <a:solidFill>
                       <a:schemeClr val="tx1"/>
                     </a:solidFill>
-                  </a:endParaRPr>
-                </a:p>
-              </p:txBody>
-            </p:sp>
-            <p:sp>
-              <p:nvSpPr>
-                <p:cNvPr id="76" name="流程图: 过程 75"/>
-                <p:cNvSpPr/>
-                <p:nvPr/>
-              </p:nvSpPr>
-              <p:spPr>
-                <a:xfrm>
-                  <a:off x="6156484" y="5029326"/>
-                  <a:ext cx="914400" cy="612648"/>
-                </a:xfrm>
-                <a:prstGeom prst="flowChartProcess">
-                  <a:avLst/>
-                </a:prstGeom>
-                <a:solidFill>
-                  <a:schemeClr val="bg1"/>
-                </a:solidFill>
-                <a:ln w="28575">
+                  </a:rPr>
+                  <a:t>结束</a:t>
+                </a:r>
+                <a:endParaRPr lang="zh-CN" altLang="en-US" sz="1100">
                   <a:solidFill>
                     <a:schemeClr val="tx1"/>
                   </a:solidFill>
-                </a:ln>
-              </p:spPr>
-              <p:style>
-                <a:lnRef idx="2">
-                  <a:schemeClr val="accent1">
-                    <a:shade val="50000"/>
-                  </a:schemeClr>
-                </a:lnRef>
-                <a:fillRef idx="1">
-                  <a:schemeClr val="accent1"/>
-                </a:fillRef>
-                <a:effectRef idx="0">
-                  <a:schemeClr val="accent1"/>
-                </a:effectRef>
-                <a:fontRef idx="minor">
-                  <a:schemeClr val="lt1"/>
-                </a:fontRef>
-              </p:style>
-              <p:txBody>
-                <a:bodyPr rtlCol="0" anchor="ctr"/>
-                <a:lstStyle/>
-                <a:p>
-                  <a:pPr algn="ctr"/>
-                  <a:r>
-                    <a:rPr lang="zh-CN" altLang="en-US" sz="1400" smtClean="0">
-                      <a:solidFill>
-                        <a:schemeClr val="tx1"/>
-                      </a:solidFill>
-                    </a:rPr>
-                    <a:t>项目详情</a:t>
-                  </a:r>
-                  <a:endParaRPr lang="zh-CN" altLang="en-US" sz="1400">
+                </a:endParaRPr>
+              </a:p>
+            </p:txBody>
+          </p:sp>
+          <p:sp>
+            <p:nvSpPr>
+              <p:cNvPr id="79" name="流程图: 过程 78"/>
+              <p:cNvSpPr/>
+              <p:nvPr/>
+            </p:nvSpPr>
+            <p:spPr>
+              <a:xfrm>
+                <a:off x="8341058" y="5222753"/>
+                <a:ext cx="1186919" cy="572149"/>
+              </a:xfrm>
+              <a:prstGeom prst="flowChartProcess">
+                <a:avLst/>
+              </a:prstGeom>
+              <a:solidFill>
+                <a:schemeClr val="bg1"/>
+              </a:solidFill>
+              <a:ln w="28575">
+                <a:solidFill>
+                  <a:schemeClr val="tx1"/>
+                </a:solidFill>
+              </a:ln>
+            </p:spPr>
+            <p:style>
+              <a:lnRef idx="2">
+                <a:schemeClr val="accent1">
+                  <a:shade val="50000"/>
+                </a:schemeClr>
+              </a:lnRef>
+              <a:fillRef idx="1">
+                <a:schemeClr val="accent1"/>
+              </a:fillRef>
+              <a:effectRef idx="0">
+                <a:schemeClr val="accent1"/>
+              </a:effectRef>
+              <a:fontRef idx="minor">
+                <a:schemeClr val="lt1"/>
+              </a:fontRef>
+            </p:style>
+            <p:txBody>
+              <a:bodyPr rtlCol="0" anchor="ctr"/>
+              <a:lstStyle/>
+              <a:p>
+                <a:pPr algn="ctr"/>
+                <a:r>
+                  <a:rPr lang="zh-CN" altLang="en-US" sz="1100" smtClean="0">
                     <a:solidFill>
                       <a:schemeClr val="tx1"/>
                     </a:solidFill>
-                  </a:endParaRPr>
-                </a:p>
-              </p:txBody>
-            </p:sp>
-            <p:sp>
-              <p:nvSpPr>
-                <p:cNvPr id="77" name="流程图: 可选过程 76"/>
-                <p:cNvSpPr/>
-                <p:nvPr/>
-              </p:nvSpPr>
-              <p:spPr>
-                <a:xfrm>
-                  <a:off x="9399880" y="1591245"/>
-                  <a:ext cx="914400" cy="612648"/>
-                </a:xfrm>
-                <a:prstGeom prst="flowChartAlternateProcess">
-                  <a:avLst/>
-                </a:prstGeom>
-                <a:solidFill>
-                  <a:schemeClr val="bg1"/>
-                </a:solidFill>
-                <a:ln w="28575">
+                  </a:rPr>
+                  <a:t>更新项目状态</a:t>
+                </a:r>
+                <a:endParaRPr lang="zh-CN" altLang="en-US" sz="1100">
                   <a:solidFill>
                     <a:schemeClr val="tx1"/>
                   </a:solidFill>
-                </a:ln>
-              </p:spPr>
-              <p:style>
-                <a:lnRef idx="2">
-                  <a:schemeClr val="accent1">
-                    <a:shade val="50000"/>
-                  </a:schemeClr>
-                </a:lnRef>
-                <a:fillRef idx="1">
-                  <a:schemeClr val="accent1"/>
-                </a:fillRef>
-                <a:effectRef idx="0">
-                  <a:schemeClr val="accent1"/>
-                </a:effectRef>
-                <a:fontRef idx="minor">
-                  <a:schemeClr val="lt1"/>
-                </a:fontRef>
-              </p:style>
-              <p:txBody>
-                <a:bodyPr rtlCol="0" anchor="ctr"/>
-                <a:lstStyle/>
-                <a:p>
-                  <a:pPr algn="ctr"/>
-                  <a:r>
-                    <a:rPr lang="zh-CN" altLang="en-US" sz="1400" smtClean="0">
-                      <a:solidFill>
-                        <a:schemeClr val="tx1"/>
-                      </a:solidFill>
-                    </a:rPr>
-                    <a:t>结束</a:t>
-                  </a:r>
-                  <a:endParaRPr lang="zh-CN" altLang="en-US" sz="1400">
+                </a:endParaRPr>
+              </a:p>
+            </p:txBody>
+          </p:sp>
+          <p:sp>
+            <p:nvSpPr>
+              <p:cNvPr id="80" name="流程图: 可选过程 79"/>
+              <p:cNvSpPr/>
+              <p:nvPr/>
+            </p:nvSpPr>
+            <p:spPr>
+              <a:xfrm>
+                <a:off x="1017870" y="1970755"/>
+                <a:ext cx="979305" cy="572149"/>
+              </a:xfrm>
+              <a:prstGeom prst="flowChartAlternateProcess">
+                <a:avLst/>
+              </a:prstGeom>
+              <a:solidFill>
+                <a:schemeClr val="bg1"/>
+              </a:solidFill>
+              <a:ln w="28575">
+                <a:solidFill>
+                  <a:schemeClr val="tx1"/>
+                </a:solidFill>
+              </a:ln>
+            </p:spPr>
+            <p:style>
+              <a:lnRef idx="2">
+                <a:schemeClr val="accent1">
+                  <a:shade val="50000"/>
+                </a:schemeClr>
+              </a:lnRef>
+              <a:fillRef idx="1">
+                <a:schemeClr val="accent1"/>
+              </a:fillRef>
+              <a:effectRef idx="0">
+                <a:schemeClr val="accent1"/>
+              </a:effectRef>
+              <a:fontRef idx="minor">
+                <a:schemeClr val="lt1"/>
+              </a:fontRef>
+            </p:style>
+            <p:txBody>
+              <a:bodyPr rtlCol="0" anchor="ctr"/>
+              <a:lstStyle/>
+              <a:p>
+                <a:pPr algn="ctr"/>
+                <a:r>
+                  <a:rPr lang="zh-CN" altLang="en-US" sz="1100" smtClean="0">
                     <a:solidFill>
                       <a:schemeClr val="tx1"/>
                     </a:solidFill>
-                  </a:endParaRPr>
-                </a:p>
-              </p:txBody>
-            </p:sp>
-            <p:sp>
-              <p:nvSpPr>
-                <p:cNvPr id="79" name="流程图: 过程 78"/>
-                <p:cNvSpPr/>
-                <p:nvPr/>
-              </p:nvSpPr>
-              <p:spPr>
-                <a:xfrm>
-                  <a:off x="8244219" y="5029325"/>
-                  <a:ext cx="1270933" cy="612648"/>
-                </a:xfrm>
-                <a:prstGeom prst="flowChartProcess">
-                  <a:avLst/>
-                </a:prstGeom>
-                <a:solidFill>
-                  <a:schemeClr val="bg1"/>
-                </a:solidFill>
-                <a:ln w="28575">
+                  </a:rPr>
+                  <a:t>进入程序</a:t>
+                </a:r>
+                <a:endParaRPr lang="zh-CN" altLang="en-US" sz="1100">
                   <a:solidFill>
                     <a:schemeClr val="tx1"/>
                   </a:solidFill>
-                </a:ln>
-              </p:spPr>
-              <p:style>
-                <a:lnRef idx="2">
-                  <a:schemeClr val="accent1">
-                    <a:shade val="50000"/>
-                  </a:schemeClr>
-                </a:lnRef>
-                <a:fillRef idx="1">
-                  <a:schemeClr val="accent1"/>
-                </a:fillRef>
-                <a:effectRef idx="0">
-                  <a:schemeClr val="accent1"/>
-                </a:effectRef>
-                <a:fontRef idx="minor">
-                  <a:schemeClr val="lt1"/>
-                </a:fontRef>
-              </p:style>
-              <p:txBody>
-                <a:bodyPr rtlCol="0" anchor="ctr"/>
-                <a:lstStyle/>
-                <a:p>
-                  <a:pPr algn="ctr"/>
-                  <a:r>
-                    <a:rPr lang="zh-CN" altLang="en-US" sz="1400" smtClean="0">
-                      <a:solidFill>
-                        <a:schemeClr val="tx1"/>
-                      </a:solidFill>
-                    </a:rPr>
-                    <a:t>更新项目状态</a:t>
-                  </a:r>
-                  <a:endParaRPr lang="zh-CN" altLang="en-US" sz="1400">
+                </a:endParaRPr>
+              </a:p>
+            </p:txBody>
+          </p:sp>
+          <p:cxnSp>
+            <p:nvCxnSpPr>
+              <p:cNvPr id="84" name="肘形连接符 83"/>
+              <p:cNvCxnSpPr>
+                <a:stCxn id="80" idx="3"/>
+                <a:endCxn id="69" idx="1"/>
+              </p:cNvCxnSpPr>
+              <p:nvPr/>
+            </p:nvCxnSpPr>
+            <p:spPr>
+              <a:xfrm>
+                <a:off x="1997175" y="2256830"/>
+                <a:ext cx="865702" cy="1145493"/>
+              </a:xfrm>
+              <a:prstGeom prst="bentConnector3">
+                <a:avLst/>
+              </a:prstGeom>
+              <a:ln w="28575">
+                <a:solidFill>
+                  <a:schemeClr val="tx1"/>
+                </a:solidFill>
+                <a:tailEnd type="triangle"/>
+              </a:ln>
+            </p:spPr>
+            <p:style>
+              <a:lnRef idx="1">
+                <a:schemeClr val="accent1"/>
+              </a:lnRef>
+              <a:fillRef idx="0">
+                <a:schemeClr val="accent1"/>
+              </a:fillRef>
+              <a:effectRef idx="0">
+                <a:schemeClr val="accent1"/>
+              </a:effectRef>
+              <a:fontRef idx="minor">
+                <a:schemeClr val="tx1"/>
+              </a:fontRef>
+            </p:style>
+          </p:cxnSp>
+          <p:cxnSp>
+            <p:nvCxnSpPr>
+              <p:cNvPr id="86" name="肘形连接符 85"/>
+              <p:cNvCxnSpPr>
+                <a:stCxn id="80" idx="3"/>
+                <a:endCxn id="66" idx="1"/>
+              </p:cNvCxnSpPr>
+              <p:nvPr/>
+            </p:nvCxnSpPr>
+            <p:spPr>
+              <a:xfrm flipV="1">
+                <a:off x="1997175" y="809834"/>
+                <a:ext cx="865701" cy="1446996"/>
+              </a:xfrm>
+              <a:prstGeom prst="bentConnector3">
+                <a:avLst/>
+              </a:prstGeom>
+              <a:ln w="28575">
+                <a:solidFill>
+                  <a:schemeClr val="tx1"/>
+                </a:solidFill>
+                <a:tailEnd type="triangle"/>
+              </a:ln>
+            </p:spPr>
+            <p:style>
+              <a:lnRef idx="1">
+                <a:schemeClr val="accent1"/>
+              </a:lnRef>
+              <a:fillRef idx="0">
+                <a:schemeClr val="accent1"/>
+              </a:fillRef>
+              <a:effectRef idx="0">
+                <a:schemeClr val="accent1"/>
+              </a:effectRef>
+              <a:fontRef idx="minor">
+                <a:schemeClr val="tx1"/>
+              </a:fontRef>
+            </p:style>
+          </p:cxnSp>
+          <p:cxnSp>
+            <p:nvCxnSpPr>
+              <p:cNvPr id="90" name="直接箭头连接符 89"/>
+              <p:cNvCxnSpPr>
+                <a:stCxn id="67" idx="3"/>
+                <a:endCxn id="68" idx="1"/>
+              </p:cNvCxnSpPr>
+              <p:nvPr/>
+            </p:nvCxnSpPr>
+            <p:spPr>
+              <a:xfrm>
+                <a:off x="5657124" y="809005"/>
+                <a:ext cx="946706" cy="0"/>
+              </a:xfrm>
+              <a:prstGeom prst="straightConnector1">
+                <a:avLst/>
+              </a:prstGeom>
+              <a:ln w="28575">
+                <a:solidFill>
+                  <a:schemeClr val="tx1"/>
+                </a:solidFill>
+                <a:tailEnd type="triangle"/>
+              </a:ln>
+            </p:spPr>
+            <p:style>
+              <a:lnRef idx="1">
+                <a:schemeClr val="accent1"/>
+              </a:lnRef>
+              <a:fillRef idx="0">
+                <a:schemeClr val="accent1"/>
+              </a:fillRef>
+              <a:effectRef idx="0">
+                <a:schemeClr val="accent1"/>
+              </a:effectRef>
+              <a:fontRef idx="minor">
+                <a:schemeClr val="tx1"/>
+              </a:fontRef>
+            </p:style>
+          </p:cxnSp>
+          <p:cxnSp>
+            <p:nvCxnSpPr>
+              <p:cNvPr id="92" name="肘形连接符 91"/>
+              <p:cNvCxnSpPr>
+                <a:stCxn id="68" idx="3"/>
+                <a:endCxn id="77" idx="0"/>
+              </p:cNvCxnSpPr>
+              <p:nvPr/>
+            </p:nvCxnSpPr>
+            <p:spPr>
+              <a:xfrm>
+                <a:off x="7818167" y="809005"/>
+                <a:ext cx="2029135" cy="1202939"/>
+              </a:xfrm>
+              <a:prstGeom prst="bentConnector2">
+                <a:avLst/>
+              </a:prstGeom>
+              <a:ln w="28575">
+                <a:solidFill>
+                  <a:schemeClr val="tx1"/>
+                </a:solidFill>
+                <a:tailEnd type="triangle"/>
+              </a:ln>
+            </p:spPr>
+            <p:style>
+              <a:lnRef idx="1">
+                <a:schemeClr val="accent1"/>
+              </a:lnRef>
+              <a:fillRef idx="0">
+                <a:schemeClr val="accent1"/>
+              </a:fillRef>
+              <a:effectRef idx="0">
+                <a:schemeClr val="accent1"/>
+              </a:effectRef>
+              <a:fontRef idx="minor">
+                <a:schemeClr val="tx1"/>
+              </a:fontRef>
+            </p:style>
+          </p:cxnSp>
+          <p:cxnSp>
+            <p:nvCxnSpPr>
+              <p:cNvPr id="96" name="肘形连接符 95"/>
+              <p:cNvCxnSpPr>
+                <a:stCxn id="79" idx="3"/>
+                <a:endCxn id="77" idx="2"/>
+              </p:cNvCxnSpPr>
+              <p:nvPr/>
+            </p:nvCxnSpPr>
+            <p:spPr>
+              <a:xfrm flipV="1">
+                <a:off x="9527977" y="2584094"/>
+                <a:ext cx="319325" cy="2924734"/>
+              </a:xfrm>
+              <a:prstGeom prst="bentConnector2">
+                <a:avLst/>
+              </a:prstGeom>
+              <a:ln w="28575">
+                <a:solidFill>
+                  <a:schemeClr val="tx1"/>
+                </a:solidFill>
+                <a:tailEnd type="triangle"/>
+              </a:ln>
+            </p:spPr>
+            <p:style>
+              <a:lnRef idx="1">
+                <a:schemeClr val="accent1"/>
+              </a:lnRef>
+              <a:fillRef idx="0">
+                <a:schemeClr val="accent1"/>
+              </a:fillRef>
+              <a:effectRef idx="0">
+                <a:schemeClr val="accent1"/>
+              </a:effectRef>
+              <a:fontRef idx="minor">
+                <a:schemeClr val="tx1"/>
+              </a:fontRef>
+            </p:style>
+          </p:cxnSp>
+          <p:sp>
+            <p:nvSpPr>
+              <p:cNvPr id="106" name="流程图: 过程 105"/>
+              <p:cNvSpPr/>
+              <p:nvPr/>
+            </p:nvSpPr>
+            <p:spPr>
+              <a:xfrm>
+                <a:off x="2870713" y="1970755"/>
+                <a:ext cx="1065483" cy="572149"/>
+              </a:xfrm>
+              <a:prstGeom prst="flowChartProcess">
+                <a:avLst/>
+              </a:prstGeom>
+              <a:solidFill>
+                <a:schemeClr val="bg1"/>
+              </a:solidFill>
+              <a:ln w="28575">
+                <a:solidFill>
+                  <a:schemeClr val="tx1"/>
+                </a:solidFill>
+              </a:ln>
+            </p:spPr>
+            <p:style>
+              <a:lnRef idx="2">
+                <a:schemeClr val="accent1">
+                  <a:shade val="50000"/>
+                </a:schemeClr>
+              </a:lnRef>
+              <a:fillRef idx="1">
+                <a:schemeClr val="accent1"/>
+              </a:fillRef>
+              <a:effectRef idx="0">
+                <a:schemeClr val="accent1"/>
+              </a:effectRef>
+              <a:fontRef idx="minor">
+                <a:schemeClr val="lt1"/>
+              </a:fontRef>
+            </p:style>
+            <p:txBody>
+              <a:bodyPr rtlCol="0" anchor="ctr"/>
+              <a:lstStyle/>
+              <a:p>
+                <a:pPr algn="ctr"/>
+                <a:r>
+                  <a:rPr lang="zh-CN" altLang="en-US" sz="1100" smtClean="0">
                     <a:solidFill>
                       <a:schemeClr val="tx1"/>
                     </a:solidFill>
-                  </a:endParaRPr>
-                </a:p>
-              </p:txBody>
-            </p:sp>
-            <p:sp>
-              <p:nvSpPr>
-                <p:cNvPr id="80" name="流程图: 可选过程 79"/>
-                <p:cNvSpPr/>
-                <p:nvPr/>
-              </p:nvSpPr>
-              <p:spPr>
-                <a:xfrm>
-                  <a:off x="402671" y="1547140"/>
-                  <a:ext cx="1048623" cy="612648"/>
-                </a:xfrm>
-                <a:prstGeom prst="flowChartAlternateProcess">
-                  <a:avLst/>
-                </a:prstGeom>
-                <a:solidFill>
-                  <a:schemeClr val="bg1"/>
-                </a:solidFill>
-                <a:ln w="28575">
+                  </a:rPr>
+                  <a:t>进入我的</a:t>
+                </a:r>
+                <a:endParaRPr lang="zh-CN" altLang="en-US" sz="1100">
                   <a:solidFill>
                     <a:schemeClr val="tx1"/>
                   </a:solidFill>
-                </a:ln>
-              </p:spPr>
-              <p:style>
-                <a:lnRef idx="2">
-                  <a:schemeClr val="accent1">
-                    <a:shade val="50000"/>
-                  </a:schemeClr>
-                </a:lnRef>
-                <a:fillRef idx="1">
-                  <a:schemeClr val="accent1"/>
-                </a:fillRef>
-                <a:effectRef idx="0">
-                  <a:schemeClr val="accent1"/>
-                </a:effectRef>
-                <a:fontRef idx="minor">
-                  <a:schemeClr val="lt1"/>
-                </a:fontRef>
-              </p:style>
-              <p:txBody>
-                <a:bodyPr rtlCol="0" anchor="ctr"/>
-                <a:lstStyle/>
-                <a:p>
-                  <a:pPr algn="ctr"/>
-                  <a:r>
-                    <a:rPr lang="zh-CN" altLang="en-US" sz="1400" smtClean="0">
-                      <a:solidFill>
-                        <a:schemeClr val="tx1"/>
-                      </a:solidFill>
-                    </a:rPr>
-                    <a:t>进入程序</a:t>
-                  </a:r>
-                  <a:endParaRPr lang="zh-CN" altLang="en-US" sz="1400">
+                </a:endParaRPr>
+              </a:p>
+            </p:txBody>
+          </p:sp>
+          <p:sp>
+            <p:nvSpPr>
+              <p:cNvPr id="107" name="流程图: 过程 106"/>
+              <p:cNvSpPr/>
+              <p:nvPr/>
+            </p:nvSpPr>
+            <p:spPr>
+              <a:xfrm>
+                <a:off x="6678259" y="2011944"/>
+                <a:ext cx="1065483" cy="572149"/>
+              </a:xfrm>
+              <a:prstGeom prst="flowChartProcess">
+                <a:avLst/>
+              </a:prstGeom>
+              <a:solidFill>
+                <a:schemeClr val="bg1"/>
+              </a:solidFill>
+              <a:ln w="28575">
+                <a:solidFill>
+                  <a:schemeClr val="tx1"/>
+                </a:solidFill>
+              </a:ln>
+            </p:spPr>
+            <p:style>
+              <a:lnRef idx="2">
+                <a:schemeClr val="accent1">
+                  <a:shade val="50000"/>
+                </a:schemeClr>
+              </a:lnRef>
+              <a:fillRef idx="1">
+                <a:schemeClr val="accent1"/>
+              </a:fillRef>
+              <a:effectRef idx="0">
+                <a:schemeClr val="accent1"/>
+              </a:effectRef>
+              <a:fontRef idx="minor">
+                <a:schemeClr val="lt1"/>
+              </a:fontRef>
+            </p:style>
+            <p:txBody>
+              <a:bodyPr rtlCol="0" anchor="ctr"/>
+              <a:lstStyle/>
+              <a:p>
+                <a:pPr algn="ctr"/>
+                <a:r>
+                  <a:rPr lang="zh-CN" altLang="en-US" sz="1100" smtClean="0">
                     <a:solidFill>
                       <a:schemeClr val="tx1"/>
                     </a:solidFill>
-                  </a:endParaRPr>
-                </a:p>
-              </p:txBody>
-            </p:sp>
-            <p:cxnSp>
-              <p:nvCxnSpPr>
-                <p:cNvPr id="84" name="肘形连接符 83"/>
-                <p:cNvCxnSpPr>
-                  <a:stCxn id="80" idx="3"/>
-                  <a:endCxn id="69" idx="1"/>
-                </p:cNvCxnSpPr>
-                <p:nvPr/>
-              </p:nvCxnSpPr>
-              <p:spPr>
-                <a:xfrm>
-                  <a:off x="1451294" y="1853464"/>
-                  <a:ext cx="926979" cy="1226575"/>
-                </a:xfrm>
-                <a:prstGeom prst="bentConnector3">
-                  <a:avLst/>
-                </a:prstGeom>
-                <a:ln w="28575">
+                  </a:rPr>
+                  <a:t>多彩主题</a:t>
+                </a:r>
+                <a:endParaRPr lang="zh-CN" altLang="en-US" sz="1100">
                   <a:solidFill>
                     <a:schemeClr val="tx1"/>
                   </a:solidFill>
-                  <a:tailEnd type="triangle"/>
-                </a:ln>
-              </p:spPr>
-              <p:style>
-                <a:lnRef idx="1">
-                  <a:schemeClr val="accent1"/>
-                </a:lnRef>
-                <a:fillRef idx="0">
-                  <a:schemeClr val="accent1"/>
-                </a:fillRef>
-                <a:effectRef idx="0">
-                  <a:schemeClr val="accent1"/>
-                </a:effectRef>
-                <a:fontRef idx="minor">
+                </a:endParaRPr>
+              </a:p>
+            </p:txBody>
+          </p:sp>
+          <p:cxnSp>
+            <p:nvCxnSpPr>
+              <p:cNvPr id="111" name="直接箭头连接符 110"/>
+              <p:cNvCxnSpPr>
+                <a:endCxn id="106" idx="1"/>
+              </p:cNvCxnSpPr>
+              <p:nvPr/>
+            </p:nvCxnSpPr>
+            <p:spPr>
+              <a:xfrm>
+                <a:off x="2428068" y="2256830"/>
+                <a:ext cx="442644" cy="0"/>
+              </a:xfrm>
+              <a:prstGeom prst="straightConnector1">
+                <a:avLst/>
+              </a:prstGeom>
+              <a:ln w="28575">
+                <a:solidFill>
                   <a:schemeClr val="tx1"/>
-                </a:fontRef>
-              </p:style>
-            </p:cxnSp>
-            <p:cxnSp>
-              <p:nvCxnSpPr>
-                <p:cNvPr id="86" name="肘形连接符 85"/>
-                <p:cNvCxnSpPr>
-                  <a:stCxn id="80" idx="3"/>
-                  <a:endCxn id="66" idx="1"/>
-                </p:cNvCxnSpPr>
-                <p:nvPr/>
-              </p:nvCxnSpPr>
-              <p:spPr>
-                <a:xfrm flipV="1">
-                  <a:off x="1451294" y="821869"/>
-                  <a:ext cx="922789" cy="1031595"/>
-                </a:xfrm>
-                <a:prstGeom prst="bentConnector3">
-                  <a:avLst/>
-                </a:prstGeom>
-                <a:ln w="28575">
-                  <a:solidFill>
-                    <a:schemeClr val="tx1"/>
-                  </a:solidFill>
-                  <a:tailEnd type="triangle"/>
-                </a:ln>
-              </p:spPr>
-              <p:style>
-                <a:lnRef idx="1">
-                  <a:schemeClr val="accent1"/>
-                </a:lnRef>
-                <a:fillRef idx="0">
-                  <a:schemeClr val="accent1"/>
-                </a:fillRef>
-                <a:effectRef idx="0">
-                  <a:schemeClr val="accent1"/>
-                </a:effectRef>
-                <a:fontRef idx="minor">
+                </a:solidFill>
+                <a:tailEnd type="triangle"/>
+              </a:ln>
+            </p:spPr>
+            <p:style>
+              <a:lnRef idx="1">
+                <a:schemeClr val="accent1"/>
+              </a:lnRef>
+              <a:fillRef idx="0">
+                <a:schemeClr val="accent1"/>
+              </a:fillRef>
+              <a:effectRef idx="0">
+                <a:schemeClr val="accent1"/>
+              </a:effectRef>
+              <a:fontRef idx="minor">
+                <a:schemeClr val="tx1"/>
+              </a:fontRef>
+            </p:style>
+          </p:cxnSp>
+          <p:cxnSp>
+            <p:nvCxnSpPr>
+              <p:cNvPr id="113" name="肘形连接符 112"/>
+              <p:cNvCxnSpPr>
+                <a:stCxn id="106" idx="3"/>
+                <a:endCxn id="71" idx="1"/>
+              </p:cNvCxnSpPr>
+              <p:nvPr/>
+            </p:nvCxnSpPr>
+            <p:spPr>
+              <a:xfrm>
+                <a:off x="3936195" y="2256830"/>
+                <a:ext cx="773651" cy="1144299"/>
+              </a:xfrm>
+              <a:prstGeom prst="bentConnector3">
+                <a:avLst/>
+              </a:prstGeom>
+              <a:ln w="28575">
+                <a:solidFill>
                   <a:schemeClr val="tx1"/>
-                </a:fontRef>
-              </p:style>
-            </p:cxnSp>
-            <p:cxnSp>
-              <p:nvCxnSpPr>
-                <p:cNvPr id="88" name="直接箭头连接符 87"/>
-                <p:cNvCxnSpPr>
-                  <a:stCxn id="66" idx="3"/>
-                  <a:endCxn id="67" idx="1"/>
-                </p:cNvCxnSpPr>
-                <p:nvPr/>
-              </p:nvCxnSpPr>
-              <p:spPr>
-                <a:xfrm>
-                  <a:off x="3514984" y="821869"/>
-                  <a:ext cx="943763" cy="0"/>
-                </a:xfrm>
-                <a:prstGeom prst="straightConnector1">
-                  <a:avLst/>
-                </a:prstGeom>
-                <a:ln w="28575">
-                  <a:solidFill>
-                    <a:schemeClr val="tx1"/>
-                  </a:solidFill>
-                  <a:tailEnd type="triangle"/>
-                </a:ln>
-              </p:spPr>
-              <p:style>
-                <a:lnRef idx="1">
-                  <a:schemeClr val="accent1"/>
-                </a:lnRef>
-                <a:fillRef idx="0">
-                  <a:schemeClr val="accent1"/>
-                </a:fillRef>
-                <a:effectRef idx="0">
-                  <a:schemeClr val="accent1"/>
-                </a:effectRef>
-                <a:fontRef idx="minor">
+                </a:solidFill>
+                <a:tailEnd type="triangle"/>
+              </a:ln>
+            </p:spPr>
+            <p:style>
+              <a:lnRef idx="1">
+                <a:schemeClr val="accent1"/>
+              </a:lnRef>
+              <a:fillRef idx="0">
+                <a:schemeClr val="accent1"/>
+              </a:fillRef>
+              <a:effectRef idx="0">
+                <a:schemeClr val="accent1"/>
+              </a:effectRef>
+              <a:fontRef idx="minor">
+                <a:schemeClr val="tx1"/>
+              </a:fontRef>
+            </p:style>
+          </p:cxnSp>
+          <p:cxnSp>
+            <p:nvCxnSpPr>
+              <p:cNvPr id="115" name="直接连接符 114"/>
+              <p:cNvCxnSpPr>
+                <a:stCxn id="69" idx="3"/>
+              </p:cNvCxnSpPr>
+              <p:nvPr/>
+            </p:nvCxnSpPr>
+            <p:spPr>
+              <a:xfrm flipV="1">
+                <a:off x="4045878" y="3401128"/>
+                <a:ext cx="325128" cy="1194"/>
+              </a:xfrm>
+              <a:prstGeom prst="line">
+                <a:avLst/>
+              </a:prstGeom>
+              <a:ln w="28575">
+                <a:solidFill>
                   <a:schemeClr val="tx1"/>
-                </a:fontRef>
-              </p:style>
-            </p:cxnSp>
-            <p:cxnSp>
-              <p:nvCxnSpPr>
-                <p:cNvPr id="90" name="直接箭头连接符 89"/>
-                <p:cNvCxnSpPr>
-                  <a:stCxn id="67" idx="3"/>
-                  <a:endCxn id="68" idx="1"/>
-                </p:cNvCxnSpPr>
-                <p:nvPr/>
-              </p:nvCxnSpPr>
-              <p:spPr>
-                <a:xfrm>
-                  <a:off x="5373147" y="821869"/>
-                  <a:ext cx="947957" cy="0"/>
-                </a:xfrm>
-                <a:prstGeom prst="straightConnector1">
-                  <a:avLst/>
-                </a:prstGeom>
-                <a:ln w="28575">
-                  <a:solidFill>
-                    <a:schemeClr val="tx1"/>
-                  </a:solidFill>
-                  <a:tailEnd type="triangle"/>
-                </a:ln>
-              </p:spPr>
-              <p:style>
-                <a:lnRef idx="1">
-                  <a:schemeClr val="accent1"/>
-                </a:lnRef>
-                <a:fillRef idx="0">
-                  <a:schemeClr val="accent1"/>
-                </a:fillRef>
-                <a:effectRef idx="0">
-                  <a:schemeClr val="accent1"/>
-                </a:effectRef>
-                <a:fontRef idx="minor">
+                </a:solidFill>
+              </a:ln>
+            </p:spPr>
+            <p:style>
+              <a:lnRef idx="1">
+                <a:schemeClr val="accent1"/>
+              </a:lnRef>
+              <a:fillRef idx="0">
+                <a:schemeClr val="accent1"/>
+              </a:fillRef>
+              <a:effectRef idx="0">
+                <a:schemeClr val="accent1"/>
+              </a:effectRef>
+              <a:fontRef idx="minor">
+                <a:schemeClr val="tx1"/>
+              </a:fontRef>
+            </p:style>
+          </p:cxnSp>
+          <p:cxnSp>
+            <p:nvCxnSpPr>
+              <p:cNvPr id="133" name="直接箭头连接符 132"/>
+              <p:cNvCxnSpPr>
+                <a:stCxn id="71" idx="3"/>
+                <a:endCxn id="72" idx="1"/>
+              </p:cNvCxnSpPr>
+              <p:nvPr/>
+            </p:nvCxnSpPr>
+            <p:spPr>
+              <a:xfrm>
+                <a:off x="5916354" y="3401128"/>
+                <a:ext cx="777573" cy="0"/>
+              </a:xfrm>
+              <a:prstGeom prst="straightConnector1">
+                <a:avLst/>
+              </a:prstGeom>
+              <a:ln w="28575">
+                <a:solidFill>
                   <a:schemeClr val="tx1"/>
-                </a:fontRef>
-              </p:style>
-            </p:cxnSp>
-            <p:cxnSp>
-              <p:nvCxnSpPr>
-                <p:cNvPr id="92" name="肘形连接符 91"/>
-                <p:cNvCxnSpPr>
-                  <a:stCxn id="68" idx="3"/>
-                  <a:endCxn id="77" idx="0"/>
-                </p:cNvCxnSpPr>
-                <p:nvPr/>
-              </p:nvCxnSpPr>
-              <p:spPr>
-                <a:xfrm>
-                  <a:off x="7621396" y="821869"/>
-                  <a:ext cx="2235684" cy="769376"/>
-                </a:xfrm>
-                <a:prstGeom prst="bentConnector2">
-                  <a:avLst/>
-                </a:prstGeom>
-                <a:ln w="28575">
-                  <a:solidFill>
-                    <a:schemeClr val="tx1"/>
-                  </a:solidFill>
-                  <a:tailEnd type="triangle"/>
-                </a:ln>
-              </p:spPr>
-              <p:style>
-                <a:lnRef idx="1">
-                  <a:schemeClr val="accent1"/>
-                </a:lnRef>
-                <a:fillRef idx="0">
-                  <a:schemeClr val="accent1"/>
-                </a:fillRef>
-                <a:effectRef idx="0">
-                  <a:schemeClr val="accent1"/>
-                </a:effectRef>
-                <a:fontRef idx="minor">
+                </a:solidFill>
+                <a:tailEnd type="triangle"/>
+              </a:ln>
+            </p:spPr>
+            <p:style>
+              <a:lnRef idx="1">
+                <a:schemeClr val="accent1"/>
+              </a:lnRef>
+              <a:fillRef idx="0">
+                <a:schemeClr val="accent1"/>
+              </a:fillRef>
+              <a:effectRef idx="0">
+                <a:schemeClr val="accent1"/>
+              </a:effectRef>
+              <a:fontRef idx="minor">
+                <a:schemeClr val="tx1"/>
+              </a:fontRef>
+            </p:style>
+          </p:cxnSp>
+          <p:cxnSp>
+            <p:nvCxnSpPr>
+              <p:cNvPr id="135" name="直接箭头连接符 134"/>
+              <p:cNvCxnSpPr>
+                <a:stCxn id="71" idx="2"/>
+                <a:endCxn id="73" idx="0"/>
+              </p:cNvCxnSpPr>
+              <p:nvPr/>
+            </p:nvCxnSpPr>
+            <p:spPr>
+              <a:xfrm flipH="1">
+                <a:off x="5299386" y="3687203"/>
+                <a:ext cx="13714" cy="586879"/>
+              </a:xfrm>
+              <a:prstGeom prst="straightConnector1">
+                <a:avLst/>
+              </a:prstGeom>
+              <a:ln w="28575">
+                <a:solidFill>
                   <a:schemeClr val="tx1"/>
-                </a:fontRef>
-              </p:style>
-            </p:cxnSp>
-            <p:cxnSp>
-              <p:nvCxnSpPr>
-                <p:cNvPr id="96" name="肘形连接符 95"/>
-                <p:cNvCxnSpPr>
-                  <a:stCxn id="79" idx="3"/>
-                  <a:endCxn id="77" idx="2"/>
-                </p:cNvCxnSpPr>
-                <p:nvPr/>
-              </p:nvCxnSpPr>
-              <p:spPr>
-                <a:xfrm flipV="1">
-                  <a:off x="9515152" y="2203893"/>
-                  <a:ext cx="341928" cy="3131756"/>
-                </a:xfrm>
-                <a:prstGeom prst="bentConnector2">
-                  <a:avLst/>
-                </a:prstGeom>
-                <a:ln w="28575">
-                  <a:solidFill>
-                    <a:schemeClr val="tx1"/>
-                  </a:solidFill>
-                  <a:tailEnd type="triangle"/>
-                </a:ln>
-              </p:spPr>
-              <p:style>
-                <a:lnRef idx="1">
-                  <a:schemeClr val="accent1"/>
-                </a:lnRef>
-                <a:fillRef idx="0">
-                  <a:schemeClr val="accent1"/>
-                </a:fillRef>
-                <a:effectRef idx="0">
-                  <a:schemeClr val="accent1"/>
-                </a:effectRef>
-                <a:fontRef idx="minor">
+                </a:solidFill>
+                <a:tailEnd type="triangle"/>
+              </a:ln>
+            </p:spPr>
+            <p:style>
+              <a:lnRef idx="1">
+                <a:schemeClr val="accent1"/>
+              </a:lnRef>
+              <a:fillRef idx="0">
+                <a:schemeClr val="accent1"/>
+              </a:fillRef>
+              <a:effectRef idx="0">
+                <a:schemeClr val="accent1"/>
+              </a:effectRef>
+              <a:fontRef idx="minor">
+                <a:schemeClr val="tx1"/>
+              </a:fontRef>
+            </p:style>
+          </p:cxnSp>
+          <p:cxnSp>
+            <p:nvCxnSpPr>
+              <p:cNvPr id="139" name="肘形连接符 138"/>
+              <p:cNvCxnSpPr>
+                <a:stCxn id="72" idx="2"/>
+                <a:endCxn id="73" idx="3"/>
+              </p:cNvCxnSpPr>
+              <p:nvPr/>
+            </p:nvCxnSpPr>
+            <p:spPr>
+              <a:xfrm rot="5400000">
+                <a:off x="6120344" y="3469500"/>
+                <a:ext cx="872953" cy="1308361"/>
+              </a:xfrm>
+              <a:prstGeom prst="bentConnector2">
+                <a:avLst/>
+              </a:prstGeom>
+              <a:ln w="28575">
+                <a:solidFill>
                   <a:schemeClr val="tx1"/>
-                </a:fontRef>
-              </p:style>
-            </p:cxnSp>
-            <p:sp>
-              <p:nvSpPr>
-                <p:cNvPr id="106" name="流程图: 过程 105"/>
-                <p:cNvSpPr/>
-                <p:nvPr/>
-              </p:nvSpPr>
-              <p:spPr>
-                <a:xfrm>
-                  <a:off x="2386664" y="1547140"/>
-                  <a:ext cx="1140901" cy="612648"/>
-                </a:xfrm>
-                <a:prstGeom prst="flowChartProcess">
-                  <a:avLst/>
-                </a:prstGeom>
+                </a:solidFill>
+                <a:tailEnd type="triangle"/>
+              </a:ln>
+            </p:spPr>
+            <p:style>
+              <a:lnRef idx="1">
+                <a:schemeClr val="accent1"/>
+              </a:lnRef>
+              <a:fillRef idx="0">
+                <a:schemeClr val="accent1"/>
+              </a:fillRef>
+              <a:effectRef idx="0">
+                <a:schemeClr val="accent1"/>
+              </a:effectRef>
+              <a:fontRef idx="minor">
+                <a:schemeClr val="tx1"/>
+              </a:fontRef>
+            </p:style>
+          </p:cxnSp>
+          <p:cxnSp>
+            <p:nvCxnSpPr>
+              <p:cNvPr id="141" name="肘形连接符 140"/>
+              <p:cNvCxnSpPr>
+                <a:stCxn id="71" idx="0"/>
+                <a:endCxn id="107" idx="1"/>
+              </p:cNvCxnSpPr>
+              <p:nvPr/>
+            </p:nvCxnSpPr>
+            <p:spPr>
+              <a:xfrm rot="5400000" flipH="1" flipV="1">
+                <a:off x="5587163" y="2023957"/>
+                <a:ext cx="817035" cy="1365159"/>
+              </a:xfrm>
+              <a:prstGeom prst="bentConnector2">
+                <a:avLst/>
+              </a:prstGeom>
+              <a:ln w="28575">
                 <a:solidFill>
-                  <a:schemeClr val="bg1"/>
+                  <a:schemeClr val="tx1"/>
                 </a:solidFill>
-                <a:ln w="28575">
-                  <a:solidFill>
-                    <a:schemeClr val="tx1"/>
-                  </a:solidFill>
-                </a:ln>
-              </p:spPr>
-              <p:style>
-                <a:lnRef idx="2">
-                  <a:schemeClr val="accent1">
-                    <a:shade val="50000"/>
-                  </a:schemeClr>
-                </a:lnRef>
-                <a:fillRef idx="1">
-                  <a:schemeClr val="accent1"/>
-                </a:fillRef>
-                <a:effectRef idx="0">
-                  <a:schemeClr val="accent1"/>
-                </a:effectRef>
-                <a:fontRef idx="minor">
-                  <a:schemeClr val="lt1"/>
-                </a:fontRef>
-              </p:style>
-              <p:txBody>
-                <a:bodyPr rtlCol="0" anchor="ctr"/>
-                <a:lstStyle/>
-                <a:p>
-                  <a:pPr algn="ctr"/>
-                  <a:r>
-                    <a:rPr lang="zh-CN" altLang="en-US" sz="1400" smtClean="0">
-                      <a:solidFill>
-                        <a:schemeClr val="tx1"/>
-                      </a:solidFill>
-                    </a:rPr>
-                    <a:t>进入我的</a:t>
-                  </a:r>
-                  <a:endParaRPr lang="zh-CN" altLang="en-US" sz="1400">
-                    <a:solidFill>
-                      <a:schemeClr val="tx1"/>
-                    </a:solidFill>
-                  </a:endParaRPr>
-                </a:p>
-              </p:txBody>
-            </p:sp>
-            <p:sp>
-              <p:nvSpPr>
-                <p:cNvPr id="107" name="流程图: 过程 106"/>
-                <p:cNvSpPr/>
-                <p:nvPr/>
-              </p:nvSpPr>
-              <p:spPr>
-                <a:xfrm>
-                  <a:off x="6463722" y="1591245"/>
-                  <a:ext cx="1140901" cy="612648"/>
-                </a:xfrm>
-                <a:prstGeom prst="flowChartProcess">
-                  <a:avLst/>
-                </a:prstGeom>
+                <a:tailEnd type="triangle"/>
+              </a:ln>
+            </p:spPr>
+            <p:style>
+              <a:lnRef idx="1">
+                <a:schemeClr val="accent1"/>
+              </a:lnRef>
+              <a:fillRef idx="0">
+                <a:schemeClr val="accent1"/>
+              </a:fillRef>
+              <a:effectRef idx="0">
+                <a:schemeClr val="accent1"/>
+              </a:effectRef>
+              <a:fontRef idx="minor">
+                <a:schemeClr val="tx1"/>
+              </a:fontRef>
+            </p:style>
+          </p:cxnSp>
+          <p:cxnSp>
+            <p:nvCxnSpPr>
+              <p:cNvPr id="143" name="肘形连接符 142"/>
+              <p:cNvCxnSpPr>
+                <a:stCxn id="74" idx="2"/>
+                <a:endCxn id="75" idx="1"/>
+              </p:cNvCxnSpPr>
+              <p:nvPr/>
+            </p:nvCxnSpPr>
+            <p:spPr>
+              <a:xfrm rot="16200000" flipH="1">
+                <a:off x="3820753" y="4446382"/>
+                <a:ext cx="645145" cy="1479746"/>
+              </a:xfrm>
+              <a:prstGeom prst="bentConnector2">
+                <a:avLst/>
+              </a:prstGeom>
+              <a:ln w="28575">
                 <a:solidFill>
-                  <a:schemeClr val="bg1"/>
+                  <a:schemeClr val="tx1"/>
                 </a:solidFill>
-                <a:ln w="28575">
-                  <a:solidFill>
-                    <a:schemeClr val="tx1"/>
-                  </a:solidFill>
-                </a:ln>
-              </p:spPr>
-              <p:style>
-                <a:lnRef idx="2">
-                  <a:schemeClr val="accent1">
-                    <a:shade val="50000"/>
-                  </a:schemeClr>
-                </a:lnRef>
-                <a:fillRef idx="1">
-                  <a:schemeClr val="accent1"/>
-                </a:fillRef>
-                <a:effectRef idx="0">
-                  <a:schemeClr val="accent1"/>
-                </a:effectRef>
-                <a:fontRef idx="minor">
-                  <a:schemeClr val="lt1"/>
-                </a:fontRef>
-              </p:style>
-              <p:txBody>
-                <a:bodyPr rtlCol="0" anchor="ctr"/>
-                <a:lstStyle/>
-                <a:p>
-                  <a:pPr algn="ctr"/>
-                  <a:r>
-                    <a:rPr lang="zh-CN" altLang="en-US" sz="1400" smtClean="0">
-                      <a:solidFill>
-                        <a:schemeClr val="tx1"/>
-                      </a:solidFill>
-                    </a:rPr>
-                    <a:t>多彩主题</a:t>
-                  </a:r>
-                  <a:endParaRPr lang="zh-CN" altLang="en-US" sz="1400">
-                    <a:solidFill>
-                      <a:schemeClr val="tx1"/>
-                    </a:solidFill>
-                  </a:endParaRPr>
-                </a:p>
-              </p:txBody>
-            </p:sp>
-            <p:cxnSp>
-              <p:nvCxnSpPr>
-                <p:cNvPr id="111" name="直接箭头连接符 110"/>
-                <p:cNvCxnSpPr>
-                  <a:endCxn id="106" idx="1"/>
-                </p:cNvCxnSpPr>
-                <p:nvPr/>
-              </p:nvCxnSpPr>
-              <p:spPr>
-                <a:xfrm>
-                  <a:off x="1912688" y="1853464"/>
-                  <a:ext cx="473976" cy="0"/>
-                </a:xfrm>
-                <a:prstGeom prst="straightConnector1">
-                  <a:avLst/>
-                </a:prstGeom>
-                <a:ln w="28575">
-                  <a:solidFill>
-                    <a:schemeClr val="tx1"/>
-                  </a:solidFill>
-                  <a:tailEnd type="triangle"/>
-                </a:ln>
-              </p:spPr>
-              <p:style>
-                <a:lnRef idx="1">
-                  <a:schemeClr val="accent1"/>
-                </a:lnRef>
-                <a:fillRef idx="0">
-                  <a:schemeClr val="accent1"/>
-                </a:fillRef>
-                <a:effectRef idx="0">
-                  <a:schemeClr val="accent1"/>
-                </a:effectRef>
-                <a:fontRef idx="minor">
+                <a:tailEnd type="triangle"/>
+              </a:ln>
+            </p:spPr>
+            <p:style>
+              <a:lnRef idx="1">
+                <a:schemeClr val="accent1"/>
+              </a:lnRef>
+              <a:fillRef idx="0">
+                <a:schemeClr val="accent1"/>
+              </a:fillRef>
+              <a:effectRef idx="0">
+                <a:schemeClr val="accent1"/>
+              </a:effectRef>
+              <a:fontRef idx="minor">
+                <a:schemeClr val="tx1"/>
+              </a:fontRef>
+            </p:style>
+          </p:cxnSp>
+          <p:cxnSp>
+            <p:nvCxnSpPr>
+              <p:cNvPr id="145" name="直接箭头连接符 144"/>
+              <p:cNvCxnSpPr>
+                <a:stCxn id="75" idx="3"/>
+                <a:endCxn id="76" idx="1"/>
+              </p:cNvCxnSpPr>
+              <p:nvPr/>
+            </p:nvCxnSpPr>
+            <p:spPr>
+              <a:xfrm>
+                <a:off x="5737153" y="5508828"/>
+                <a:ext cx="654178" cy="0"/>
+              </a:xfrm>
+              <a:prstGeom prst="straightConnector1">
+                <a:avLst/>
+              </a:prstGeom>
+              <a:ln w="28575">
+                <a:solidFill>
                   <a:schemeClr val="tx1"/>
-                </a:fontRef>
-              </p:style>
-            </p:cxnSp>
-            <p:cxnSp>
-              <p:nvCxnSpPr>
-                <p:cNvPr id="113" name="肘形连接符 112"/>
-                <p:cNvCxnSpPr>
-                  <a:stCxn id="106" idx="3"/>
-                  <a:endCxn id="71" idx="1"/>
-                </p:cNvCxnSpPr>
-                <p:nvPr/>
-              </p:nvCxnSpPr>
-              <p:spPr>
-                <a:xfrm>
-                  <a:off x="3527565" y="1853464"/>
-                  <a:ext cx="828413" cy="1225296"/>
-                </a:xfrm>
-                <a:prstGeom prst="bentConnector3">
-                  <a:avLst/>
-                </a:prstGeom>
-                <a:ln w="28575">
-                  <a:solidFill>
-                    <a:schemeClr val="tx1"/>
-                  </a:solidFill>
-                  <a:tailEnd type="triangle"/>
-                </a:ln>
-              </p:spPr>
-              <p:style>
-                <a:lnRef idx="1">
-                  <a:schemeClr val="accent1"/>
-                </a:lnRef>
-                <a:fillRef idx="0">
-                  <a:schemeClr val="accent1"/>
-                </a:fillRef>
-                <a:effectRef idx="0">
-                  <a:schemeClr val="accent1"/>
-                </a:effectRef>
-                <a:fontRef idx="minor">
+                </a:solidFill>
+                <a:tailEnd type="triangle"/>
+              </a:ln>
+            </p:spPr>
+            <p:style>
+              <a:lnRef idx="1">
+                <a:schemeClr val="accent1"/>
+              </a:lnRef>
+              <a:fillRef idx="0">
+                <a:schemeClr val="accent1"/>
+              </a:fillRef>
+              <a:effectRef idx="0">
+                <a:schemeClr val="accent1"/>
+              </a:effectRef>
+              <a:fontRef idx="minor">
+                <a:schemeClr val="tx1"/>
+              </a:fontRef>
+            </p:style>
+          </p:cxnSp>
+          <p:cxnSp>
+            <p:nvCxnSpPr>
+              <p:cNvPr id="147" name="直接箭头连接符 146"/>
+              <p:cNvCxnSpPr>
+                <a:stCxn id="76" idx="3"/>
+                <a:endCxn id="79" idx="1"/>
+              </p:cNvCxnSpPr>
+              <p:nvPr/>
+            </p:nvCxnSpPr>
+            <p:spPr>
+              <a:xfrm flipV="1">
+                <a:off x="7245285" y="5508827"/>
+                <a:ext cx="1095773" cy="1"/>
+              </a:xfrm>
+              <a:prstGeom prst="straightConnector1">
+                <a:avLst/>
+              </a:prstGeom>
+              <a:ln w="28575">
+                <a:solidFill>
                   <a:schemeClr val="tx1"/>
-                </a:fontRef>
-              </p:style>
-            </p:cxnSp>
-            <p:cxnSp>
-              <p:nvCxnSpPr>
-                <p:cNvPr id="115" name="直接连接符 114"/>
-                <p:cNvCxnSpPr>
-                  <a:stCxn id="69" idx="3"/>
-                </p:cNvCxnSpPr>
-                <p:nvPr/>
-              </p:nvCxnSpPr>
-              <p:spPr>
-                <a:xfrm flipV="1">
-                  <a:off x="3645012" y="3078760"/>
-                  <a:ext cx="348142" cy="1279"/>
-                </a:xfrm>
-                <a:prstGeom prst="line">
-                  <a:avLst/>
-                </a:prstGeom>
-                <a:ln w="28575">
-                  <a:solidFill>
-                    <a:schemeClr val="tx1"/>
-                  </a:solidFill>
-                </a:ln>
-              </p:spPr>
-              <p:style>
-                <a:lnRef idx="1">
-                  <a:schemeClr val="accent1"/>
-                </a:lnRef>
-                <a:fillRef idx="0">
-                  <a:schemeClr val="accent1"/>
-                </a:fillRef>
-                <a:effectRef idx="0">
-                  <a:schemeClr val="accent1"/>
-                </a:effectRef>
-                <a:fontRef idx="minor">
+                </a:solidFill>
+                <a:tailEnd type="triangle"/>
+              </a:ln>
+            </p:spPr>
+            <p:style>
+              <a:lnRef idx="1">
+                <a:schemeClr val="accent1"/>
+              </a:lnRef>
+              <a:fillRef idx="0">
+                <a:schemeClr val="accent1"/>
+              </a:fillRef>
+              <a:effectRef idx="0">
+                <a:schemeClr val="accent1"/>
+              </a:effectRef>
+              <a:fontRef idx="minor">
+                <a:schemeClr val="tx1"/>
+              </a:fontRef>
+            </p:style>
+          </p:cxnSp>
+          <p:cxnSp>
+            <p:nvCxnSpPr>
+              <p:cNvPr id="151" name="直接箭头连接符 150"/>
+              <p:cNvCxnSpPr>
+                <a:stCxn id="73" idx="1"/>
+                <a:endCxn id="74" idx="3"/>
+              </p:cNvCxnSpPr>
+              <p:nvPr/>
+            </p:nvCxnSpPr>
+            <p:spPr>
+              <a:xfrm flipH="1">
+                <a:off x="3830430" y="4560156"/>
+                <a:ext cx="865702" cy="17452"/>
+              </a:xfrm>
+              <a:prstGeom prst="straightConnector1">
+                <a:avLst/>
+              </a:prstGeom>
+              <a:ln w="28575">
+                <a:solidFill>
                   <a:schemeClr val="tx1"/>
-                </a:fontRef>
-              </p:style>
-            </p:cxnSp>
-            <p:cxnSp>
-              <p:nvCxnSpPr>
-                <p:cNvPr id="133" name="直接箭头连接符 132"/>
-                <p:cNvCxnSpPr>
-                  <a:stCxn id="71" idx="3"/>
-                  <a:endCxn id="72" idx="1"/>
-                </p:cNvCxnSpPr>
-                <p:nvPr/>
-              </p:nvCxnSpPr>
-              <p:spPr>
-                <a:xfrm>
-                  <a:off x="5647886" y="3078760"/>
-                  <a:ext cx="832612" cy="0"/>
-                </a:xfrm>
-                <a:prstGeom prst="straightConnector1">
-                  <a:avLst/>
-                </a:prstGeom>
-                <a:ln w="28575">
-                  <a:solidFill>
-                    <a:schemeClr val="tx1"/>
-                  </a:solidFill>
-                  <a:tailEnd type="triangle"/>
-                </a:ln>
-              </p:spPr>
-              <p:style>
-                <a:lnRef idx="1">
-                  <a:schemeClr val="accent1"/>
-                </a:lnRef>
-                <a:fillRef idx="0">
-                  <a:schemeClr val="accent1"/>
-                </a:fillRef>
-                <a:effectRef idx="0">
-                  <a:schemeClr val="accent1"/>
-                </a:effectRef>
-                <a:fontRef idx="minor">
+                </a:solidFill>
+                <a:tailEnd type="triangle"/>
+              </a:ln>
+            </p:spPr>
+            <p:style>
+              <a:lnRef idx="1">
+                <a:schemeClr val="accent1"/>
+              </a:lnRef>
+              <a:fillRef idx="0">
+                <a:schemeClr val="accent1"/>
+              </a:fillRef>
+              <a:effectRef idx="0">
+                <a:schemeClr val="accent1"/>
+              </a:effectRef>
+              <a:fontRef idx="minor">
+                <a:schemeClr val="tx1"/>
+              </a:fontRef>
+            </p:style>
+          </p:cxnSp>
+          <p:cxnSp>
+            <p:nvCxnSpPr>
+              <p:cNvPr id="155" name="直接箭头连接符 154"/>
+              <p:cNvCxnSpPr>
+                <a:stCxn id="107" idx="3"/>
+                <a:endCxn id="77" idx="1"/>
+              </p:cNvCxnSpPr>
+              <p:nvPr/>
+            </p:nvCxnSpPr>
+            <p:spPr>
+              <a:xfrm>
+                <a:off x="7743742" y="2298019"/>
+                <a:ext cx="1676583" cy="0"/>
+              </a:xfrm>
+              <a:prstGeom prst="straightConnector1">
+                <a:avLst/>
+              </a:prstGeom>
+              <a:ln w="28575">
+                <a:solidFill>
                   <a:schemeClr val="tx1"/>
-                </a:fontRef>
-              </p:style>
-            </p:cxnSp>
-            <p:cxnSp>
-              <p:nvCxnSpPr>
-                <p:cNvPr id="135" name="直接箭头连接符 134"/>
-                <p:cNvCxnSpPr>
-                  <a:stCxn id="71" idx="2"/>
-                  <a:endCxn id="73" idx="0"/>
-                </p:cNvCxnSpPr>
-                <p:nvPr/>
-              </p:nvCxnSpPr>
-              <p:spPr>
-                <a:xfrm flipH="1">
-                  <a:off x="4987247" y="3385084"/>
-                  <a:ext cx="14685" cy="628420"/>
-                </a:xfrm>
-                <a:prstGeom prst="straightConnector1">
-                  <a:avLst/>
-                </a:prstGeom>
-                <a:ln w="28575">
-                  <a:solidFill>
-                    <a:schemeClr val="tx1"/>
-                  </a:solidFill>
-                  <a:tailEnd type="triangle"/>
-                </a:ln>
-              </p:spPr>
-              <p:style>
-                <a:lnRef idx="1">
-                  <a:schemeClr val="accent1"/>
-                </a:lnRef>
-                <a:fillRef idx="0">
-                  <a:schemeClr val="accent1"/>
-                </a:fillRef>
-                <a:effectRef idx="0">
-                  <a:schemeClr val="accent1"/>
-                </a:effectRef>
-                <a:fontRef idx="minor">
-                  <a:schemeClr val="tx1"/>
-                </a:fontRef>
-              </p:style>
-            </p:cxnSp>
-            <p:cxnSp>
-              <p:nvCxnSpPr>
-                <p:cNvPr id="139" name="肘形连接符 138"/>
-                <p:cNvCxnSpPr>
-                  <a:stCxn id="72" idx="2"/>
-                  <a:endCxn id="73" idx="3"/>
-                </p:cNvCxnSpPr>
-                <p:nvPr/>
-              </p:nvCxnSpPr>
-              <p:spPr>
-                <a:xfrm rot="5400000">
-                  <a:off x="5866315" y="3151971"/>
-                  <a:ext cx="934744" cy="1400971"/>
-                </a:xfrm>
-                <a:prstGeom prst="bentConnector2">
-                  <a:avLst/>
-                </a:prstGeom>
-                <a:ln w="28575">
-                  <a:solidFill>
-                    <a:schemeClr val="tx1"/>
-                  </a:solidFill>
-                  <a:tailEnd type="triangle"/>
-                </a:ln>
-              </p:spPr>
-              <p:style>
-                <a:lnRef idx="1">
-                  <a:schemeClr val="accent1"/>
-                </a:lnRef>
-                <a:fillRef idx="0">
-                  <a:schemeClr val="accent1"/>
-                </a:fillRef>
-                <a:effectRef idx="0">
-                  <a:schemeClr val="accent1"/>
-                </a:effectRef>
-                <a:fontRef idx="minor">
-                  <a:schemeClr val="tx1"/>
-                </a:fontRef>
-              </p:style>
-            </p:cxnSp>
-            <p:cxnSp>
-              <p:nvCxnSpPr>
-                <p:cNvPr id="141" name="肘形连接符 140"/>
-                <p:cNvCxnSpPr>
-                  <a:stCxn id="71" idx="0"/>
-                  <a:endCxn id="107" idx="1"/>
-                </p:cNvCxnSpPr>
-                <p:nvPr/>
-              </p:nvCxnSpPr>
-              <p:spPr>
-                <a:xfrm rot="5400000" flipH="1" flipV="1">
-                  <a:off x="5295394" y="1604108"/>
-                  <a:ext cx="874867" cy="1461790"/>
-                </a:xfrm>
-                <a:prstGeom prst="bentConnector2">
-                  <a:avLst/>
-                </a:prstGeom>
-                <a:ln w="28575">
-                  <a:solidFill>
-                    <a:schemeClr val="tx1"/>
-                  </a:solidFill>
-                  <a:tailEnd type="triangle"/>
-                </a:ln>
-              </p:spPr>
-              <p:style>
-                <a:lnRef idx="1">
-                  <a:schemeClr val="accent1"/>
-                </a:lnRef>
-                <a:fillRef idx="0">
-                  <a:schemeClr val="accent1"/>
-                </a:fillRef>
-                <a:effectRef idx="0">
-                  <a:schemeClr val="accent1"/>
-                </a:effectRef>
-                <a:fontRef idx="minor">
-                  <a:schemeClr val="tx1"/>
-                </a:fontRef>
-              </p:style>
-            </p:cxnSp>
-            <p:cxnSp>
-              <p:nvCxnSpPr>
-                <p:cNvPr id="143" name="肘形连接符 142"/>
-                <p:cNvCxnSpPr>
-                  <a:stCxn id="74" idx="2"/>
-                  <a:endCxn id="75" idx="1"/>
-                </p:cNvCxnSpPr>
-                <p:nvPr/>
-              </p:nvCxnSpPr>
-              <p:spPr>
-                <a:xfrm rot="16200000" flipH="1">
-                  <a:off x="3403952" y="4198000"/>
-                  <a:ext cx="690811" cy="1584487"/>
-                </a:xfrm>
-                <a:prstGeom prst="bentConnector2">
-                  <a:avLst/>
-                </a:prstGeom>
-                <a:ln w="28575">
-                  <a:solidFill>
-                    <a:schemeClr val="tx1"/>
-                  </a:solidFill>
-                  <a:tailEnd type="triangle"/>
-                </a:ln>
-              </p:spPr>
-              <p:style>
-                <a:lnRef idx="1">
-                  <a:schemeClr val="accent1"/>
-                </a:lnRef>
-                <a:fillRef idx="0">
-                  <a:schemeClr val="accent1"/>
-                </a:fillRef>
-                <a:effectRef idx="0">
-                  <a:schemeClr val="accent1"/>
-                </a:effectRef>
-                <a:fontRef idx="minor">
-                  <a:schemeClr val="tx1"/>
-                </a:fontRef>
-              </p:style>
-            </p:cxnSp>
-            <p:cxnSp>
-              <p:nvCxnSpPr>
-                <p:cNvPr id="145" name="直接箭头连接符 144"/>
-                <p:cNvCxnSpPr>
-                  <a:stCxn id="75" idx="3"/>
-                  <a:endCxn id="76" idx="1"/>
-                </p:cNvCxnSpPr>
-                <p:nvPr/>
-              </p:nvCxnSpPr>
-              <p:spPr>
-                <a:xfrm>
-                  <a:off x="5456001" y="5335650"/>
-                  <a:ext cx="700483" cy="0"/>
-                </a:xfrm>
-                <a:prstGeom prst="straightConnector1">
-                  <a:avLst/>
-                </a:prstGeom>
-                <a:ln w="28575">
-                  <a:solidFill>
-                    <a:schemeClr val="tx1"/>
-                  </a:solidFill>
-                  <a:tailEnd type="triangle"/>
-                </a:ln>
-              </p:spPr>
-              <p:style>
-                <a:lnRef idx="1">
-                  <a:schemeClr val="accent1"/>
-                </a:lnRef>
-                <a:fillRef idx="0">
-                  <a:schemeClr val="accent1"/>
-                </a:fillRef>
-                <a:effectRef idx="0">
-                  <a:schemeClr val="accent1"/>
-                </a:effectRef>
-                <a:fontRef idx="minor">
-                  <a:schemeClr val="tx1"/>
-                </a:fontRef>
-              </p:style>
-            </p:cxnSp>
-            <p:cxnSp>
-              <p:nvCxnSpPr>
-                <p:cNvPr id="147" name="直接箭头连接符 146"/>
-                <p:cNvCxnSpPr>
-                  <a:stCxn id="76" idx="3"/>
-                  <a:endCxn id="79" idx="1"/>
-                </p:cNvCxnSpPr>
-                <p:nvPr/>
-              </p:nvCxnSpPr>
-              <p:spPr>
-                <a:xfrm flipV="1">
-                  <a:off x="7070884" y="5335649"/>
-                  <a:ext cx="1173335" cy="1"/>
-                </a:xfrm>
-                <a:prstGeom prst="straightConnector1">
-                  <a:avLst/>
-                </a:prstGeom>
-                <a:ln w="28575">
-                  <a:solidFill>
-                    <a:schemeClr val="tx1"/>
-                  </a:solidFill>
-                  <a:tailEnd type="triangle"/>
-                </a:ln>
-              </p:spPr>
-              <p:style>
-                <a:lnRef idx="1">
-                  <a:schemeClr val="accent1"/>
-                </a:lnRef>
-                <a:fillRef idx="0">
-                  <a:schemeClr val="accent1"/>
-                </a:fillRef>
-                <a:effectRef idx="0">
-                  <a:schemeClr val="accent1"/>
-                </a:effectRef>
-                <a:fontRef idx="minor">
-                  <a:schemeClr val="tx1"/>
-                </a:fontRef>
-              </p:style>
-            </p:cxnSp>
-            <p:cxnSp>
-              <p:nvCxnSpPr>
-                <p:cNvPr id="151" name="直接箭头连接符 150"/>
-                <p:cNvCxnSpPr>
-                  <a:stCxn id="73" idx="1"/>
-                  <a:endCxn id="74" idx="3"/>
-                </p:cNvCxnSpPr>
-                <p:nvPr/>
-              </p:nvCxnSpPr>
-              <p:spPr>
-                <a:xfrm flipH="1">
-                  <a:off x="3414314" y="4319828"/>
-                  <a:ext cx="926979" cy="18687"/>
-                </a:xfrm>
-                <a:prstGeom prst="straightConnector1">
-                  <a:avLst/>
-                </a:prstGeom>
-                <a:ln w="28575">
-                  <a:solidFill>
-                    <a:schemeClr val="tx1"/>
-                  </a:solidFill>
-                  <a:tailEnd type="triangle"/>
-                </a:ln>
-              </p:spPr>
-              <p:style>
-                <a:lnRef idx="1">
-                  <a:schemeClr val="accent1"/>
-                </a:lnRef>
-                <a:fillRef idx="0">
-                  <a:schemeClr val="accent1"/>
-                </a:fillRef>
-                <a:effectRef idx="0">
-                  <a:schemeClr val="accent1"/>
-                </a:effectRef>
-                <a:fontRef idx="minor">
-                  <a:schemeClr val="tx1"/>
-                </a:fontRef>
-              </p:style>
-            </p:cxnSp>
-            <p:cxnSp>
-              <p:nvCxnSpPr>
-                <p:cNvPr id="155" name="直接箭头连接符 154"/>
-                <p:cNvCxnSpPr>
-                  <a:stCxn id="107" idx="3"/>
-                  <a:endCxn id="77" idx="1"/>
-                </p:cNvCxnSpPr>
-                <p:nvPr/>
-              </p:nvCxnSpPr>
-              <p:spPr>
-                <a:xfrm>
-                  <a:off x="7604623" y="1897569"/>
-                  <a:ext cx="1795257" cy="0"/>
-                </a:xfrm>
-                <a:prstGeom prst="straightConnector1">
-                  <a:avLst/>
-                </a:prstGeom>
-                <a:ln w="28575">
-                  <a:solidFill>
-                    <a:schemeClr val="tx1"/>
-                  </a:solidFill>
-                  <a:tailEnd type="triangle"/>
-                </a:ln>
-              </p:spPr>
-              <p:style>
-                <a:lnRef idx="1">
-                  <a:schemeClr val="accent1"/>
-                </a:lnRef>
-                <a:fillRef idx="0">
-                  <a:schemeClr val="accent1"/>
-                </a:fillRef>
-                <a:effectRef idx="0">
-                  <a:schemeClr val="accent1"/>
-                </a:effectRef>
-                <a:fontRef idx="minor">
-                  <a:schemeClr val="tx1"/>
-                </a:fontRef>
-              </p:style>
-            </p:cxnSp>
-          </p:grpSp>
+                </a:solidFill>
+                <a:tailEnd type="triangle"/>
+              </a:ln>
+            </p:spPr>
+            <p:style>
+              <a:lnRef idx="1">
+                <a:schemeClr val="accent1"/>
+              </a:lnRef>
+              <a:fillRef idx="0">
+                <a:schemeClr val="accent1"/>
+              </a:fillRef>
+              <a:effectRef idx="0">
+                <a:schemeClr val="accent1"/>
+              </a:effectRef>
+              <a:fontRef idx="minor">
+                <a:schemeClr val="tx1"/>
+              </a:fontRef>
+            </p:style>
+          </p:cxnSp>
           <p:sp>
             <p:nvSpPr>
               <p:cNvPr id="166" name="文本框 165"/>
@@ -5600,8 +6438,8 @@
             </p:nvSpPr>
             <p:spPr>
               <a:xfrm>
-                <a:off x="4798411" y="6179370"/>
-                <a:ext cx="1441420" cy="307777"/>
+                <a:off x="4793986" y="6171422"/>
+                <a:ext cx="1418421" cy="323415"/>
               </a:xfrm>
               <a:prstGeom prst="rect">
                 <a:avLst/>
@@ -5618,10 +6456,10 @@
               <a:lstStyle/>
               <a:p>
                 <a:r>
-                  <a:rPr lang="zh-CN" altLang="en-US" sz="1400" smtClean="0"/>
+                  <a:rPr lang="zh-CN" altLang="en-US" sz="1100" smtClean="0"/>
                   <a:t>程序的逻辑结构</a:t>
                 </a:r>
-                <a:endParaRPr lang="zh-CN" altLang="en-US" sz="1400"/>
+                <a:endParaRPr lang="zh-CN" altLang="en-US" sz="1100"/>
               </a:p>
             </p:txBody>
           </p:sp>
@@ -5633,8 +6471,8 @@
             </p:nvSpPr>
             <p:spPr>
               <a:xfrm>
-                <a:off x="5394481" y="2338115"/>
-                <a:ext cx="364202" cy="307777"/>
+                <a:off x="5350653" y="2584094"/>
+                <a:ext cx="394178" cy="323415"/>
               </a:xfrm>
               <a:prstGeom prst="rect">
                 <a:avLst/>
@@ -5648,7 +6486,7 @@
               <a:lstStyle/>
               <a:p>
                 <a:r>
-                  <a:rPr lang="zh-CN" altLang="en-US" sz="1400"/>
+                  <a:rPr lang="zh-CN" altLang="en-US" sz="1100"/>
                   <a:t>是</a:t>
                 </a:r>
               </a:p>
@@ -5662,8 +6500,8 @@
             </p:nvSpPr>
             <p:spPr>
               <a:xfrm>
-                <a:off x="5394481" y="3690051"/>
-                <a:ext cx="364202" cy="307777"/>
+                <a:off x="5350653" y="3846660"/>
+                <a:ext cx="394178" cy="323415"/>
               </a:xfrm>
               <a:prstGeom prst="rect">
                 <a:avLst/>
@@ -5677,7 +6515,7 @@
               <a:lstStyle/>
               <a:p>
                 <a:r>
-                  <a:rPr lang="zh-CN" altLang="en-US" sz="1400"/>
+                  <a:rPr lang="zh-CN" altLang="en-US" sz="1100"/>
                   <a:t>是</a:t>
                 </a:r>
               </a:p>
@@ -5691,8 +6529,8 @@
             </p:nvSpPr>
             <p:spPr>
               <a:xfrm>
-                <a:off x="6215910" y="2811891"/>
-                <a:ext cx="364202" cy="307777"/>
+                <a:off x="6117782" y="3026550"/>
+                <a:ext cx="394178" cy="323415"/>
               </a:xfrm>
               <a:prstGeom prst="rect">
                 <a:avLst/>
@@ -5706,78 +6544,330 @@
               <a:lstStyle/>
               <a:p>
                 <a:r>
-                  <a:rPr lang="zh-CN" altLang="en-US" sz="1400" smtClean="0"/>
+                  <a:rPr lang="zh-CN" altLang="en-US" sz="1100" smtClean="0"/>
                   <a:t>否</a:t>
                 </a:r>
-                <a:endParaRPr lang="zh-CN" altLang="en-US" sz="1400"/>
+                <a:endParaRPr lang="zh-CN" altLang="en-US" sz="1100"/>
               </a:p>
             </p:txBody>
           </p:sp>
+          <p:sp>
+            <p:nvSpPr>
+              <p:cNvPr id="2" name="文本框 1"/>
+              <p:cNvSpPr txBox="1"/>
+              <p:nvPr/>
+            </p:nvSpPr>
+            <p:spPr>
+              <a:xfrm>
+                <a:off x="7371606" y="5150894"/>
+                <a:ext cx="906300" cy="323415"/>
+              </a:xfrm>
+              <a:prstGeom prst="rect">
+                <a:avLst/>
+              </a:prstGeom>
+              <a:noFill/>
+            </p:spPr>
+            <p:txBody>
+              <a:bodyPr wrap="none" rtlCol="0">
+                <a:spAutoFit/>
+              </a:bodyPr>
+              <a:lstStyle/>
+              <a:p>
+                <a:r>
+                  <a:rPr lang="zh-CN" altLang="en-US" sz="1100"/>
+                  <a:t>添加</a:t>
+                </a:r>
+                <a:r>
+                  <a:rPr lang="zh-CN" altLang="en-US" sz="1100" smtClean="0"/>
+                  <a:t>公告</a:t>
+                </a:r>
+                <a:endParaRPr lang="zh-CN" altLang="en-US" sz="1100"/>
+              </a:p>
+            </p:txBody>
+          </p:sp>
+          <p:sp>
+            <p:nvSpPr>
+              <p:cNvPr id="42" name="文本框 41"/>
+              <p:cNvSpPr txBox="1"/>
+              <p:nvPr/>
+            </p:nvSpPr>
+            <p:spPr>
+              <a:xfrm>
+                <a:off x="7371605" y="5651186"/>
+                <a:ext cx="906300" cy="323415"/>
+              </a:xfrm>
+              <a:prstGeom prst="rect">
+                <a:avLst/>
+              </a:prstGeom>
+              <a:noFill/>
+            </p:spPr>
+            <p:txBody>
+              <a:bodyPr wrap="none" rtlCol="0">
+                <a:spAutoFit/>
+              </a:bodyPr>
+              <a:lstStyle/>
+              <a:p>
+                <a:r>
+                  <a:rPr lang="zh-CN" altLang="en-US" sz="1100" smtClean="0"/>
+                  <a:t>编辑项目</a:t>
+                </a:r>
+                <a:endParaRPr lang="zh-CN" altLang="en-US" sz="1100"/>
+              </a:p>
+            </p:txBody>
+          </p:sp>
+          <p:cxnSp>
+            <p:nvCxnSpPr>
+              <p:cNvPr id="51" name="直接箭头连接符 50"/>
+              <p:cNvCxnSpPr>
+                <a:stCxn id="66" idx="3"/>
+                <a:endCxn id="67" idx="1"/>
+              </p:cNvCxnSpPr>
+              <p:nvPr/>
+            </p:nvCxnSpPr>
+            <p:spPr>
+              <a:xfrm flipV="1">
+                <a:off x="3928359" y="809005"/>
+                <a:ext cx="874811" cy="829"/>
+              </a:xfrm>
+              <a:prstGeom prst="straightConnector1">
+                <a:avLst/>
+              </a:prstGeom>
+              <a:ln w="28575">
+                <a:solidFill>
+                  <a:srgbClr val="000000"/>
+                </a:solidFill>
+                <a:tailEnd type="triangle"/>
+              </a:ln>
+            </p:spPr>
+            <p:style>
+              <a:lnRef idx="1">
+                <a:schemeClr val="accent1"/>
+              </a:lnRef>
+              <a:fillRef idx="0">
+                <a:schemeClr val="accent1"/>
+              </a:fillRef>
+              <a:effectRef idx="0">
+                <a:schemeClr val="accent1"/>
+              </a:effectRef>
+              <a:fontRef idx="minor">
+                <a:schemeClr val="tx1"/>
+              </a:fontRef>
+            </p:style>
+          </p:cxnSp>
+          <p:sp>
+            <p:nvSpPr>
+              <p:cNvPr id="101" name="流程图: 过程 100"/>
+              <p:cNvSpPr/>
+              <p:nvPr/>
+            </p:nvSpPr>
+            <p:spPr>
+              <a:xfrm>
+                <a:off x="4803170" y="1384690"/>
+                <a:ext cx="853954" cy="572149"/>
+              </a:xfrm>
+              <a:prstGeom prst="flowChartProcess">
+                <a:avLst/>
+              </a:prstGeom>
+              <a:solidFill>
+                <a:schemeClr val="bg1"/>
+              </a:solidFill>
+              <a:ln w="28575">
+                <a:solidFill>
+                  <a:schemeClr val="tx1"/>
+                </a:solidFill>
+              </a:ln>
+            </p:spPr>
+            <p:style>
+              <a:lnRef idx="2">
+                <a:schemeClr val="accent1">
+                  <a:shade val="50000"/>
+                </a:schemeClr>
+              </a:lnRef>
+              <a:fillRef idx="1">
+                <a:schemeClr val="accent1"/>
+              </a:fillRef>
+              <a:effectRef idx="0">
+                <a:schemeClr val="accent1"/>
+              </a:effectRef>
+              <a:fontRef idx="minor">
+                <a:schemeClr val="lt1"/>
+              </a:fontRef>
+            </p:style>
+            <p:txBody>
+              <a:bodyPr rtlCol="0" anchor="ctr"/>
+              <a:lstStyle/>
+              <a:p>
+                <a:pPr algn="ctr"/>
+                <a:r>
+                  <a:rPr lang="zh-CN" altLang="en-US" sz="1100" smtClean="0">
+                    <a:solidFill>
+                      <a:schemeClr val="tx1"/>
+                    </a:solidFill>
+                  </a:rPr>
+                  <a:t>实验室计算器</a:t>
+                </a:r>
+                <a:endParaRPr lang="zh-CN" altLang="en-US" sz="1100">
+                  <a:solidFill>
+                    <a:schemeClr val="tx1"/>
+                  </a:solidFill>
+                </a:endParaRPr>
+              </a:p>
+            </p:txBody>
+          </p:sp>
+          <p:cxnSp>
+            <p:nvCxnSpPr>
+              <p:cNvPr id="54" name="肘形连接符 53"/>
+              <p:cNvCxnSpPr/>
+              <p:nvPr/>
+            </p:nvCxnSpPr>
+            <p:spPr>
+              <a:xfrm>
+                <a:off x="3908564" y="811011"/>
+                <a:ext cx="914400" cy="914400"/>
+              </a:xfrm>
+              <a:prstGeom prst="bentConnector3">
+                <a:avLst/>
+              </a:prstGeom>
+              <a:ln w="28575">
+                <a:solidFill>
+                  <a:srgbClr val="000000"/>
+                </a:solidFill>
+                <a:tailEnd type="triangle"/>
+              </a:ln>
+            </p:spPr>
+            <p:style>
+              <a:lnRef idx="1">
+                <a:schemeClr val="accent1"/>
+              </a:lnRef>
+              <a:fillRef idx="0">
+                <a:schemeClr val="accent1"/>
+              </a:fillRef>
+              <a:effectRef idx="0">
+                <a:schemeClr val="accent1"/>
+              </a:effectRef>
+              <a:fontRef idx="minor">
+                <a:schemeClr val="tx1"/>
+              </a:fontRef>
+            </p:style>
+          </p:cxnSp>
+          <p:cxnSp>
+            <p:nvCxnSpPr>
+              <p:cNvPr id="56" name="肘形连接符 55"/>
+              <p:cNvCxnSpPr>
+                <a:stCxn id="66" idx="3"/>
+                <a:endCxn id="85" idx="1"/>
+              </p:cNvCxnSpPr>
+              <p:nvPr/>
+            </p:nvCxnSpPr>
+            <p:spPr>
+              <a:xfrm flipV="1">
+                <a:off x="3928359" y="-35989"/>
+                <a:ext cx="874811" cy="845823"/>
+              </a:xfrm>
+              <a:prstGeom prst="bentConnector3">
+                <a:avLst/>
+              </a:prstGeom>
+              <a:ln w="28575">
+                <a:solidFill>
+                  <a:srgbClr val="000000"/>
+                </a:solidFill>
+                <a:tailEnd type="triangle"/>
+              </a:ln>
+            </p:spPr>
+            <p:style>
+              <a:lnRef idx="1">
+                <a:schemeClr val="accent1"/>
+              </a:lnRef>
+              <a:fillRef idx="0">
+                <a:schemeClr val="accent1"/>
+              </a:fillRef>
+              <a:effectRef idx="0">
+                <a:schemeClr val="accent1"/>
+              </a:effectRef>
+              <a:fontRef idx="minor">
+                <a:schemeClr val="tx1"/>
+              </a:fontRef>
+            </p:style>
+          </p:cxnSp>
+          <p:cxnSp>
+            <p:nvCxnSpPr>
+              <p:cNvPr id="59" name="肘形连接符 58"/>
+              <p:cNvCxnSpPr>
+                <a:stCxn id="85" idx="3"/>
+                <a:endCxn id="68" idx="0"/>
+              </p:cNvCxnSpPr>
+              <p:nvPr/>
+            </p:nvCxnSpPr>
+            <p:spPr>
+              <a:xfrm>
+                <a:off x="5657124" y="-35989"/>
+                <a:ext cx="1553875" cy="558919"/>
+              </a:xfrm>
+              <a:prstGeom prst="bentConnector2">
+                <a:avLst/>
+              </a:prstGeom>
+              <a:ln w="28575">
+                <a:solidFill>
+                  <a:schemeClr val="tx1"/>
+                </a:solidFill>
+                <a:tailEnd type="triangle"/>
+              </a:ln>
+            </p:spPr>
+            <p:style>
+              <a:lnRef idx="1">
+                <a:schemeClr val="accent1"/>
+              </a:lnRef>
+              <a:fillRef idx="0">
+                <a:schemeClr val="accent1"/>
+              </a:fillRef>
+              <a:effectRef idx="0">
+                <a:schemeClr val="accent1"/>
+              </a:effectRef>
+              <a:fontRef idx="minor">
+                <a:schemeClr val="tx1"/>
+              </a:fontRef>
+            </p:style>
+          </p:cxnSp>
+          <p:cxnSp>
+            <p:nvCxnSpPr>
+              <p:cNvPr id="65" name="肘形连接符 64"/>
+              <p:cNvCxnSpPr>
+                <a:stCxn id="101" idx="3"/>
+                <a:endCxn id="68" idx="2"/>
+              </p:cNvCxnSpPr>
+              <p:nvPr/>
+            </p:nvCxnSpPr>
+            <p:spPr>
+              <a:xfrm flipV="1">
+                <a:off x="5657124" y="1095079"/>
+                <a:ext cx="1553875" cy="575686"/>
+              </a:xfrm>
+              <a:prstGeom prst="bentConnector2">
+                <a:avLst/>
+              </a:prstGeom>
+              <a:ln w="28575">
+                <a:solidFill>
+                  <a:schemeClr val="tx1"/>
+                </a:solidFill>
+                <a:tailEnd type="triangle"/>
+              </a:ln>
+            </p:spPr>
+            <p:style>
+              <a:lnRef idx="1">
+                <a:schemeClr val="accent1"/>
+              </a:lnRef>
+              <a:fillRef idx="0">
+                <a:schemeClr val="accent1"/>
+              </a:fillRef>
+              <a:effectRef idx="0">
+                <a:schemeClr val="accent1"/>
+              </a:effectRef>
+              <a:fontRef idx="minor">
+                <a:schemeClr val="tx1"/>
+              </a:fontRef>
+            </p:style>
+          </p:cxnSp>
         </p:grpSp>
-        <p:sp>
-          <p:nvSpPr>
-            <p:cNvPr id="2" name="文本框 1"/>
-            <p:cNvSpPr txBox="1"/>
-            <p:nvPr/>
-          </p:nvSpPr>
-          <p:spPr>
-            <a:xfrm>
-              <a:off x="7558484" y="5086604"/>
-              <a:ext cx="902811" cy="307777"/>
-            </a:xfrm>
-            <a:prstGeom prst="rect">
-              <a:avLst/>
-            </a:prstGeom>
-            <a:noFill/>
-          </p:spPr>
-          <p:txBody>
-            <a:bodyPr wrap="none" rtlCol="0">
-              <a:spAutoFit/>
-            </a:bodyPr>
-            <a:lstStyle/>
-            <a:p>
-              <a:r>
-                <a:rPr lang="zh-CN" altLang="en-US" sz="1400"/>
-                <a:t>添加</a:t>
-              </a:r>
-              <a:r>
-                <a:rPr lang="zh-CN" altLang="en-US" sz="1400" smtClean="0"/>
-                <a:t>公告</a:t>
-              </a:r>
-              <a:endParaRPr lang="zh-CN" altLang="en-US" sz="1400"/>
-            </a:p>
-          </p:txBody>
-        </p:sp>
-        <p:sp>
-          <p:nvSpPr>
-            <p:cNvPr id="42" name="文本框 41"/>
-            <p:cNvSpPr txBox="1"/>
-            <p:nvPr/>
-          </p:nvSpPr>
-          <p:spPr>
-            <a:xfrm>
-              <a:off x="7558483" y="5622306"/>
-              <a:ext cx="902811" cy="307777"/>
-            </a:xfrm>
-            <a:prstGeom prst="rect">
-              <a:avLst/>
-            </a:prstGeom>
-            <a:noFill/>
-          </p:spPr>
-          <p:txBody>
-            <a:bodyPr wrap="none" rtlCol="0">
-              <a:spAutoFit/>
-            </a:bodyPr>
-            <a:lstStyle/>
-            <a:p>
-              <a:r>
-                <a:rPr lang="zh-CN" altLang="en-US" sz="1400" smtClean="0"/>
-                <a:t>编辑项目</a:t>
-              </a:r>
-              <a:endParaRPr lang="zh-CN" altLang="en-US" sz="1400"/>
-            </a:p>
-          </p:txBody>
-        </p:sp>
       </p:grpSp>
     </p:spTree>
     <p:extLst>
@@ -7721,10 +8811,10 @@
         </p:nvGrpSpPr>
         <p:grpSpPr>
           <a:xfrm>
-            <a:off x="886923" y="751961"/>
-            <a:ext cx="9944197" cy="5104290"/>
+            <a:off x="2338551" y="1018661"/>
+            <a:ext cx="8060769" cy="4170432"/>
             <a:chOff x="886923" y="751961"/>
-            <a:chExt cx="9944197" cy="5104290"/>
+            <a:chExt cx="9944197" cy="5144868"/>
           </a:xfrm>
         </p:grpSpPr>
         <p:grpSp>
@@ -7736,9 +8826,9 @@
           <p:grpSpPr>
             <a:xfrm>
               <a:off x="886923" y="751961"/>
-              <a:ext cx="9944197" cy="4334850"/>
+              <a:ext cx="9944197" cy="4488737"/>
               <a:chOff x="886923" y="751961"/>
-              <a:chExt cx="9944197" cy="4334850"/>
+              <a:chExt cx="9944197" cy="4488737"/>
             </a:xfrm>
           </p:grpSpPr>
           <p:pic>
@@ -7768,6 +8858,16 @@
               <a:prstGeom prst="rect">
                 <a:avLst/>
               </a:prstGeom>
+              <a:ln>
+                <a:noFill/>
+              </a:ln>
+              <a:effectLst>
+                <a:outerShdw blurRad="292100" dist="139700" dir="2700000" algn="tl" rotWithShape="0">
+                  <a:srgbClr val="333333">
+                    <a:alpha val="65000"/>
+                  </a:srgbClr>
+                </a:outerShdw>
+              </a:effectLst>
             </p:spPr>
           </p:pic>
           <p:pic>
@@ -7797,6 +8897,16 @@
               <a:prstGeom prst="rect">
                 <a:avLst/>
               </a:prstGeom>
+              <a:ln>
+                <a:noFill/>
+              </a:ln>
+              <a:effectLst>
+                <a:outerShdw blurRad="292100" dist="139700" dir="2700000" algn="tl" rotWithShape="0">
+                  <a:srgbClr val="333333">
+                    <a:alpha val="65000"/>
+                  </a:srgbClr>
+                </a:outerShdw>
+              </a:effectLst>
             </p:spPr>
           </p:pic>
           <p:sp>
@@ -7807,7 +8917,7 @@
             </p:nvSpPr>
             <p:spPr>
               <a:xfrm>
-                <a:off x="2342236" y="4779033"/>
+                <a:off x="2342236" y="4932921"/>
                 <a:ext cx="1620957" cy="307777"/>
               </a:xfrm>
               <a:prstGeom prst="rect">
@@ -7837,7 +8947,7 @@
             </p:nvSpPr>
             <p:spPr>
               <a:xfrm>
-                <a:off x="7721289" y="4779034"/>
+                <a:off x="7721289" y="4932921"/>
                 <a:ext cx="1620957" cy="307777"/>
               </a:xfrm>
               <a:prstGeom prst="rect">
@@ -7868,8 +8978,8 @@
           </p:nvSpPr>
           <p:spPr>
             <a:xfrm>
-              <a:off x="4481931" y="5548474"/>
-              <a:ext cx="2720617" cy="307777"/>
+              <a:off x="4215586" y="5517139"/>
+              <a:ext cx="3505703" cy="379690"/>
             </a:xfrm>
             <a:prstGeom prst="rect">
               <a:avLst/>
@@ -7877,7 +8987,7 @@
             <a:noFill/>
           </p:spPr>
           <p:txBody>
-            <a:bodyPr wrap="none" rtlCol="0">
+            <a:bodyPr wrap="square" rtlCol="0">
               <a:spAutoFit/>
             </a:bodyPr>
             <a:lstStyle/>
@@ -8814,12 +9924,22 @@
         </p:blipFill>
         <p:spPr>
           <a:xfrm>
-            <a:off x="8333283" y="403589"/>
-            <a:ext cx="2723146" cy="4836778"/>
+            <a:off x="7818012" y="3055699"/>
+            <a:ext cx="1750768" cy="3109667"/>
           </a:xfrm>
           <a:prstGeom prst="rect">
             <a:avLst/>
           </a:prstGeom>
+          <a:ln>
+            <a:noFill/>
+          </a:ln>
+          <a:effectLst>
+            <a:outerShdw blurRad="292100" dist="139700" dir="2700000" algn="tl" rotWithShape="0">
+              <a:srgbClr val="333333">
+                <a:alpha val="65000"/>
+              </a:srgbClr>
+            </a:outerShdw>
+          </a:effectLst>
         </p:spPr>
       </p:pic>
       <p:grpSp>
@@ -8858,6 +9978,16 @@
             <a:prstGeom prst="rect">
               <a:avLst/>
             </a:prstGeom>
+            <a:ln>
+              <a:noFill/>
+            </a:ln>
+            <a:effectLst>
+              <a:outerShdw blurRad="292100" dist="139700" dir="2700000" algn="tl" rotWithShape="0">
+                <a:srgbClr val="333333">
+                  <a:alpha val="65000"/>
+                </a:srgbClr>
+              </a:outerShdw>
+            </a:effectLst>
           </p:spPr>
         </p:pic>
         <p:pic>
@@ -8882,6 +10012,16 @@
             <a:prstGeom prst="rect">
               <a:avLst/>
             </a:prstGeom>
+            <a:ln>
+              <a:noFill/>
+            </a:ln>
+            <a:effectLst>
+              <a:outerShdw blurRad="292100" dist="139700" dir="2700000" algn="tl" rotWithShape="0">
+                <a:srgbClr val="333333">
+                  <a:alpha val="65000"/>
+                </a:srgbClr>
+              </a:outerShdw>
+            </a:effectLst>
           </p:spPr>
         </p:pic>
         <p:pic>
@@ -8906,6 +10046,16 @@
             <a:prstGeom prst="rect">
               <a:avLst/>
             </a:prstGeom>
+            <a:ln>
+              <a:noFill/>
+            </a:ln>
+            <a:effectLst>
+              <a:outerShdw blurRad="292100" dist="139700" dir="2700000" algn="tl" rotWithShape="0">
+                <a:srgbClr val="333333">
+                  <a:alpha val="65000"/>
+                </a:srgbClr>
+              </a:outerShdw>
+            </a:effectLst>
           </p:spPr>
         </p:pic>
         <p:sp>
@@ -9029,6 +10179,46 @@
           </p:txBody>
         </p:sp>
       </p:grpSp>
+      <p:pic>
+        <p:nvPicPr>
+          <p:cNvPr id="11" name="图片 10"/>
+          <p:cNvPicPr>
+            <a:picLocks noChangeAspect="1"/>
+          </p:cNvPicPr>
+          <p:nvPr/>
+        </p:nvPicPr>
+        <p:blipFill>
+          <a:blip r:embed="rId6" cstate="print">
+            <a:extLst>
+              <a:ext uri="{28A0092B-C50C-407E-A947-70E740481C1C}">
+                <a14:useLocalDpi xmlns:a14="http://schemas.microsoft.com/office/drawing/2010/main" val="0"/>
+              </a:ext>
+            </a:extLst>
+          </a:blip>
+          <a:stretch>
+            <a:fillRect/>
+          </a:stretch>
+        </p:blipFill>
+        <p:spPr>
+          <a:xfrm>
+            <a:off x="10075877" y="3055699"/>
+            <a:ext cx="1750768" cy="3109667"/>
+          </a:xfrm>
+          <a:prstGeom prst="rect">
+            <a:avLst/>
+          </a:prstGeom>
+          <a:ln>
+            <a:noFill/>
+          </a:ln>
+          <a:effectLst>
+            <a:outerShdw blurRad="292100" dist="139700" dir="2700000" algn="tl" rotWithShape="0">
+              <a:srgbClr val="333333">
+                <a:alpha val="65000"/>
+              </a:srgbClr>
+            </a:outerShdw>
+          </a:effectLst>
+        </p:spPr>
+      </p:pic>
     </p:spTree>
     <p:extLst>
       <p:ext uri="{BB962C8B-B14F-4D97-AF65-F5344CB8AC3E}">

--- a/Gooit自绘图标.pptx
+++ b/Gooit自绘图标.pptx
@@ -252,7 +252,7 @@
           <a:p>
             <a:fld id="{422CCFCB-3385-4999-8F10-4D582A939C16}" type="datetimeFigureOut">
               <a:rPr lang="zh-CN" altLang="en-US" smtClean="0"/>
-              <a:t>2019/4/14</a:t>
+              <a:t>2019/4/15</a:t>
             </a:fld>
             <a:endParaRPr lang="zh-CN" altLang="en-US"/>
           </a:p>
@@ -420,7 +420,7 @@
           <a:p>
             <a:fld id="{422CCFCB-3385-4999-8F10-4D582A939C16}" type="datetimeFigureOut">
               <a:rPr lang="zh-CN" altLang="en-US" smtClean="0"/>
-              <a:t>2019/4/14</a:t>
+              <a:t>2019/4/15</a:t>
             </a:fld>
             <a:endParaRPr lang="zh-CN" altLang="en-US"/>
           </a:p>
@@ -598,7 +598,7 @@
           <a:p>
             <a:fld id="{422CCFCB-3385-4999-8F10-4D582A939C16}" type="datetimeFigureOut">
               <a:rPr lang="zh-CN" altLang="en-US" smtClean="0"/>
-              <a:t>2019/4/14</a:t>
+              <a:t>2019/4/15</a:t>
             </a:fld>
             <a:endParaRPr lang="zh-CN" altLang="en-US"/>
           </a:p>
@@ -766,7 +766,7 @@
           <a:p>
             <a:fld id="{422CCFCB-3385-4999-8F10-4D582A939C16}" type="datetimeFigureOut">
               <a:rPr lang="zh-CN" altLang="en-US" smtClean="0"/>
-              <a:t>2019/4/14</a:t>
+              <a:t>2019/4/15</a:t>
             </a:fld>
             <a:endParaRPr lang="zh-CN" altLang="en-US"/>
           </a:p>
@@ -1011,7 +1011,7 @@
           <a:p>
             <a:fld id="{422CCFCB-3385-4999-8F10-4D582A939C16}" type="datetimeFigureOut">
               <a:rPr lang="zh-CN" altLang="en-US" smtClean="0"/>
-              <a:t>2019/4/14</a:t>
+              <a:t>2019/4/15</a:t>
             </a:fld>
             <a:endParaRPr lang="zh-CN" altLang="en-US"/>
           </a:p>
@@ -1240,7 +1240,7 @@
           <a:p>
             <a:fld id="{422CCFCB-3385-4999-8F10-4D582A939C16}" type="datetimeFigureOut">
               <a:rPr lang="zh-CN" altLang="en-US" smtClean="0"/>
-              <a:t>2019/4/14</a:t>
+              <a:t>2019/4/15</a:t>
             </a:fld>
             <a:endParaRPr lang="zh-CN" altLang="en-US"/>
           </a:p>
@@ -1604,7 +1604,7 @@
           <a:p>
             <a:fld id="{422CCFCB-3385-4999-8F10-4D582A939C16}" type="datetimeFigureOut">
               <a:rPr lang="zh-CN" altLang="en-US" smtClean="0"/>
-              <a:t>2019/4/14</a:t>
+              <a:t>2019/4/15</a:t>
             </a:fld>
             <a:endParaRPr lang="zh-CN" altLang="en-US"/>
           </a:p>
@@ -1721,7 +1721,7 @@
           <a:p>
             <a:fld id="{422CCFCB-3385-4999-8F10-4D582A939C16}" type="datetimeFigureOut">
               <a:rPr lang="zh-CN" altLang="en-US" smtClean="0"/>
-              <a:t>2019/4/14</a:t>
+              <a:t>2019/4/15</a:t>
             </a:fld>
             <a:endParaRPr lang="zh-CN" altLang="en-US"/>
           </a:p>
@@ -1816,7 +1816,7 @@
           <a:p>
             <a:fld id="{422CCFCB-3385-4999-8F10-4D582A939C16}" type="datetimeFigureOut">
               <a:rPr lang="zh-CN" altLang="en-US" smtClean="0"/>
-              <a:t>2019/4/14</a:t>
+              <a:t>2019/4/15</a:t>
             </a:fld>
             <a:endParaRPr lang="zh-CN" altLang="en-US"/>
           </a:p>
@@ -2091,7 +2091,7 @@
           <a:p>
             <a:fld id="{422CCFCB-3385-4999-8F10-4D582A939C16}" type="datetimeFigureOut">
               <a:rPr lang="zh-CN" altLang="en-US" smtClean="0"/>
-              <a:t>2019/4/14</a:t>
+              <a:t>2019/4/15</a:t>
             </a:fld>
             <a:endParaRPr lang="zh-CN" altLang="en-US"/>
           </a:p>
@@ -2343,7 +2343,7 @@
           <a:p>
             <a:fld id="{422CCFCB-3385-4999-8F10-4D582A939C16}" type="datetimeFigureOut">
               <a:rPr lang="zh-CN" altLang="en-US" smtClean="0"/>
-              <a:t>2019/4/14</a:t>
+              <a:t>2019/4/15</a:t>
             </a:fld>
             <a:endParaRPr lang="zh-CN" altLang="en-US"/>
           </a:p>
@@ -2554,7 +2554,7 @@
           <a:p>
             <a:fld id="{422CCFCB-3385-4999-8F10-4D582A939C16}" type="datetimeFigureOut">
               <a:rPr lang="zh-CN" altLang="en-US" smtClean="0"/>
-              <a:t>2019/4/14</a:t>
+              <a:t>2019/4/15</a:t>
             </a:fld>
             <a:endParaRPr lang="zh-CN" altLang="en-US"/>
           </a:p>
@@ -3979,10 +3979,10 @@
         </p:nvGrpSpPr>
         <p:grpSpPr>
           <a:xfrm>
-            <a:off x="227408" y="1319488"/>
-            <a:ext cx="5081575" cy="4443137"/>
+            <a:off x="714549" y="2788742"/>
+            <a:ext cx="3477893" cy="3178179"/>
             <a:chOff x="2064252" y="552449"/>
-            <a:chExt cx="6401613" cy="5597328"/>
+            <a:chExt cx="6401613" cy="5849943"/>
           </a:xfrm>
         </p:grpSpPr>
         <p:grpSp>
@@ -3994,9 +3994,9 @@
           <p:grpSpPr>
             <a:xfrm>
               <a:off x="2064252" y="552449"/>
-              <a:ext cx="6401613" cy="5013128"/>
+              <a:ext cx="6401613" cy="5265743"/>
               <a:chOff x="1784852" y="1263649"/>
-              <a:chExt cx="6401613" cy="5013128"/>
+              <a:chExt cx="6401613" cy="5265743"/>
             </a:xfrm>
           </p:grpSpPr>
           <p:pic>
@@ -4075,7 +4075,7 @@
             <p:spPr>
               <a:xfrm>
                 <a:off x="2883252" y="4419600"/>
-                <a:ext cx="902811" cy="307777"/>
+                <a:ext cx="1604258" cy="560392"/>
               </a:xfrm>
               <a:prstGeom prst="rect">
                 <a:avLst/>
@@ -4089,7 +4089,7 @@
               <a:lstStyle/>
               <a:p>
                 <a:r>
-                  <a:rPr lang="zh-CN" altLang="en-US" sz="1400"/>
+                  <a:rPr lang="zh-CN" altLang="en-US" sz="1100"/>
                   <a:t>轮播展示</a:t>
                 </a:r>
               </a:p>
@@ -4103,8 +4103,8 @@
             </p:nvSpPr>
             <p:spPr>
               <a:xfrm>
-                <a:off x="6464110" y="5969000"/>
-                <a:ext cx="902811" cy="307777"/>
+                <a:off x="6464109" y="5969000"/>
+                <a:ext cx="1604258" cy="560392"/>
               </a:xfrm>
               <a:prstGeom prst="rect">
                 <a:avLst/>
@@ -4118,10 +4118,10 @@
               <a:lstStyle/>
               <a:p>
                 <a:r>
-                  <a:rPr lang="zh-CN" altLang="en-US" sz="1400" smtClean="0"/>
+                  <a:rPr lang="zh-CN" altLang="en-US" sz="1100" smtClean="0"/>
                   <a:t>资讯详情</a:t>
                 </a:r>
-                <a:endParaRPr lang="zh-CN" altLang="en-US" sz="1400"/>
+                <a:endParaRPr lang="zh-CN" altLang="en-US" sz="1100"/>
               </a:p>
             </p:txBody>
           </p:sp>
@@ -4134,8 +4134,8 @@
           </p:nvSpPr>
           <p:spPr>
             <a:xfrm>
-              <a:off x="4862961" y="5842000"/>
-              <a:ext cx="902811" cy="307777"/>
+              <a:off x="4862962" y="5842000"/>
+              <a:ext cx="1604258" cy="560392"/>
             </a:xfrm>
             <a:prstGeom prst="rect">
               <a:avLst/>
@@ -4149,10 +4149,10 @@
             <a:lstStyle/>
             <a:p>
               <a:r>
-                <a:rPr lang="zh-CN" altLang="en-US" sz="1400" smtClean="0"/>
+                <a:rPr lang="zh-CN" altLang="en-US" sz="1100" smtClean="0"/>
                 <a:t>行业资讯</a:t>
               </a:r>
-              <a:endParaRPr lang="zh-CN" altLang="en-US" sz="1400"/>
+              <a:endParaRPr lang="zh-CN" altLang="en-US" sz="1100"/>
             </a:p>
           </p:txBody>
         </p:sp>
@@ -4165,10 +4165,10 @@
         </p:nvGrpSpPr>
         <p:grpSpPr>
           <a:xfrm>
-            <a:off x="6316872" y="1148106"/>
-            <a:ext cx="5075908" cy="4614519"/>
+            <a:off x="4605393" y="2788741"/>
+            <a:ext cx="3430054" cy="3178179"/>
             <a:chOff x="6316872" y="1148106"/>
-            <a:chExt cx="5075908" cy="4614519"/>
+            <a:chExt cx="5075908" cy="4703175"/>
           </a:xfrm>
         </p:grpSpPr>
         <p:pic>
@@ -4214,7 +4214,7 @@
           <p:spPr>
             <a:xfrm>
               <a:off x="8446587" y="5454848"/>
-              <a:ext cx="1441420" cy="307777"/>
+              <a:ext cx="1776176" cy="396433"/>
             </a:xfrm>
             <a:prstGeom prst="rect">
               <a:avLst/>
@@ -4228,10 +4228,10 @@
             <a:lstStyle/>
             <a:p>
               <a:r>
-                <a:rPr lang="zh-CN" altLang="en-US" sz="1400" smtClean="0"/>
+                <a:rPr lang="zh-CN" altLang="en-US" sz="1100" smtClean="0"/>
                 <a:t>实验室用计算器</a:t>
               </a:r>
-              <a:endParaRPr lang="zh-CN" altLang="en-US" sz="1400"/>
+              <a:endParaRPr lang="zh-CN" altLang="en-US" sz="1100"/>
             </a:p>
           </p:txBody>
         </p:sp>
@@ -4277,8 +4277,8 @@
           </p:nvSpPr>
           <p:spPr>
             <a:xfrm>
-              <a:off x="7245222" y="3761204"/>
-              <a:ext cx="723275" cy="307777"/>
+              <a:off x="7245221" y="3761203"/>
+              <a:ext cx="921124" cy="396433"/>
             </a:xfrm>
             <a:prstGeom prst="rect">
               <a:avLst/>
@@ -4292,7 +4292,7 @@
             <a:lstStyle/>
             <a:p>
               <a:r>
-                <a:rPr lang="zh-CN" altLang="en-US" sz="1400"/>
+                <a:rPr lang="zh-CN" altLang="en-US" sz="1100"/>
                 <a:t>工具栏</a:t>
               </a:r>
             </a:p>
@@ -4307,7 +4307,7 @@
           <p:spPr>
             <a:xfrm>
               <a:off x="10028259" y="4959327"/>
-              <a:ext cx="1082348" cy="307777"/>
+              <a:ext cx="1348649" cy="396433"/>
             </a:xfrm>
             <a:prstGeom prst="rect">
               <a:avLst/>
@@ -4321,10 +4321,10 @@
             <a:lstStyle/>
             <a:p>
               <a:r>
-                <a:rPr lang="zh-CN" altLang="en-US" sz="1400" smtClean="0"/>
+                <a:rPr lang="zh-CN" altLang="en-US" sz="1100" smtClean="0"/>
                 <a:t>电阻计算器</a:t>
               </a:r>
-              <a:endParaRPr lang="zh-CN" altLang="en-US" sz="1400"/>
+              <a:endParaRPr lang="zh-CN" altLang="en-US" sz="1100"/>
             </a:p>
           </p:txBody>
         </p:sp>
@@ -4773,7 +4773,7 @@
       </p:grpSpPr>
       <p:grpSp>
         <p:nvGrpSpPr>
-          <p:cNvPr id="93" name="组合 92"/>
+          <p:cNvPr id="5" name="组合 4"/>
           <p:cNvGrpSpPr/>
           <p:nvPr/>
         </p:nvGrpSpPr>
@@ -4781,153 +4781,33 @@
           <a:xfrm>
             <a:off x="2014799" y="267574"/>
             <a:ext cx="7649056" cy="5514181"/>
-            <a:chOff x="1017870" y="-322064"/>
-            <a:chExt cx="9256409" cy="6816901"/>
+            <a:chOff x="2014799" y="267574"/>
+            <a:chExt cx="7649056" cy="5514181"/>
           </a:xfrm>
         </p:grpSpPr>
-        <p:sp>
-          <p:nvSpPr>
-            <p:cNvPr id="85" name="流程图: 过程 84"/>
-            <p:cNvSpPr/>
-            <p:nvPr/>
-          </p:nvSpPr>
-          <p:spPr>
-            <a:xfrm>
-              <a:off x="4803170" y="-322064"/>
-              <a:ext cx="853954" cy="572149"/>
-            </a:xfrm>
-            <a:prstGeom prst="flowChartProcess">
-              <a:avLst/>
-            </a:prstGeom>
-            <a:solidFill>
-              <a:schemeClr val="bg1"/>
-            </a:solidFill>
-            <a:ln w="28575">
-              <a:solidFill>
-                <a:schemeClr val="tx1"/>
-              </a:solidFill>
-            </a:ln>
-          </p:spPr>
-          <p:style>
-            <a:lnRef idx="2">
-              <a:schemeClr val="accent1">
-                <a:shade val="50000"/>
-              </a:schemeClr>
-            </a:lnRef>
-            <a:fillRef idx="1">
-              <a:schemeClr val="accent1"/>
-            </a:fillRef>
-            <a:effectRef idx="0">
-              <a:schemeClr val="accent1"/>
-            </a:effectRef>
-            <a:fontRef idx="minor">
-              <a:schemeClr val="lt1"/>
-            </a:fontRef>
-          </p:style>
-          <p:txBody>
-            <a:bodyPr rtlCol="0" anchor="ctr"/>
-            <a:lstStyle/>
-            <a:p>
-              <a:pPr algn="ctr"/>
-              <a:r>
-                <a:rPr lang="zh-CN" altLang="en-US" sz="1100" smtClean="0">
-                  <a:solidFill>
-                    <a:schemeClr val="tx1"/>
-                  </a:solidFill>
-                </a:rPr>
-                <a:t>元器件查询</a:t>
-              </a:r>
-              <a:endParaRPr lang="zh-CN" altLang="en-US" sz="1100">
-                <a:solidFill>
-                  <a:schemeClr val="tx1"/>
-                </a:solidFill>
-              </a:endParaRPr>
-            </a:p>
-          </p:txBody>
-        </p:sp>
         <p:grpSp>
           <p:nvGrpSpPr>
-            <p:cNvPr id="70" name="组合 69"/>
+            <p:cNvPr id="93" name="组合 92"/>
             <p:cNvGrpSpPr/>
             <p:nvPr/>
           </p:nvGrpSpPr>
           <p:grpSpPr>
             <a:xfrm>
-              <a:off x="1017870" y="-35989"/>
-              <a:ext cx="9256409" cy="6530826"/>
-              <a:chOff x="1017870" y="-35989"/>
-              <a:chExt cx="9256409" cy="6530826"/>
+              <a:off x="2014799" y="267574"/>
+              <a:ext cx="7649056" cy="5514181"/>
+              <a:chOff x="1017870" y="-322064"/>
+              <a:chExt cx="9256409" cy="6816901"/>
             </a:xfrm>
           </p:grpSpPr>
           <p:sp>
             <p:nvSpPr>
-              <p:cNvPr id="66" name="流程图: 过程 65"/>
+              <p:cNvPr id="85" name="流程图: 过程 84"/>
               <p:cNvSpPr/>
               <p:nvPr/>
             </p:nvSpPr>
             <p:spPr>
               <a:xfrm>
-                <a:off x="2862876" y="523759"/>
-                <a:ext cx="1065483" cy="572149"/>
-              </a:xfrm>
-              <a:prstGeom prst="flowChartProcess">
-                <a:avLst/>
-              </a:prstGeom>
-              <a:solidFill>
-                <a:schemeClr val="bg1"/>
-              </a:solidFill>
-              <a:ln w="28575">
-                <a:solidFill>
-                  <a:schemeClr val="tx1"/>
-                </a:solidFill>
-              </a:ln>
-            </p:spPr>
-            <p:style>
-              <a:lnRef idx="2">
-                <a:schemeClr val="accent1">
-                  <a:shade val="50000"/>
-                </a:schemeClr>
-              </a:lnRef>
-              <a:fillRef idx="1">
-                <a:schemeClr val="accent1"/>
-              </a:fillRef>
-              <a:effectRef idx="0">
-                <a:schemeClr val="accent1"/>
-              </a:effectRef>
-              <a:fontRef idx="minor">
-                <a:schemeClr val="lt1"/>
-              </a:fontRef>
-            </p:style>
-            <p:txBody>
-              <a:bodyPr rtlCol="0" anchor="ctr"/>
-              <a:lstStyle/>
-              <a:p>
-                <a:pPr algn="ctr"/>
-                <a:r>
-                  <a:rPr lang="zh-CN" altLang="en-US" sz="1100" smtClean="0">
-                    <a:solidFill>
-                      <a:schemeClr val="tx1"/>
-                    </a:solidFill>
-                  </a:rPr>
-                  <a:t>便捷学习</a:t>
-                </a:r>
-                <a:endParaRPr lang="zh-CN" altLang="en-US" sz="1100">
-                  <a:solidFill>
-                    <a:schemeClr val="tx1"/>
-                  </a:solidFill>
-                </a:endParaRPr>
-              </a:p>
-            </p:txBody>
-          </p:sp>
-          <p:sp>
-            <p:nvSpPr>
-              <p:cNvPr id="67" name="流程图: 过程 66"/>
-              <p:cNvSpPr/>
-              <p:nvPr/>
-            </p:nvSpPr>
-            <p:spPr>
-              <a:xfrm>
-                <a:off x="4803170" y="522930"/>
+                <a:off x="4803170" y="-322064"/>
                 <a:ext cx="853954" cy="572149"/>
               </a:xfrm>
               <a:prstGeom prst="flowChartProcess">
@@ -4969,7 +4849,7 @@
                       <a:schemeClr val="tx1"/>
                     </a:solidFill>
                   </a:rPr>
-                  <a:t>行业资讯</a:t>
+                  <a:t>元器件查询</a:t>
                 </a:r>
                 <a:endParaRPr lang="zh-CN" altLang="en-US" sz="1100">
                   <a:solidFill>
@@ -4979,1895 +4859,2136 @@
               </a:p>
             </p:txBody>
           </p:sp>
-          <p:sp>
-            <p:nvSpPr>
-              <p:cNvPr id="68" name="流程图: 过程 67"/>
-              <p:cNvSpPr/>
+          <p:grpSp>
+            <p:nvGrpSpPr>
+              <p:cNvPr id="70" name="组合 69"/>
+              <p:cNvGrpSpPr/>
               <p:nvPr/>
-            </p:nvSpPr>
-            <p:spPr>
+            </p:nvGrpSpPr>
+            <p:grpSpPr>
               <a:xfrm>
-                <a:off x="6603830" y="522930"/>
-                <a:ext cx="1214337" cy="572149"/>
+                <a:off x="1017870" y="-35989"/>
+                <a:ext cx="9256409" cy="6530826"/>
+                <a:chOff x="1017870" y="-35989"/>
+                <a:chExt cx="9256409" cy="6530826"/>
               </a:xfrm>
-              <a:prstGeom prst="flowChartProcess">
-                <a:avLst/>
-              </a:prstGeom>
-              <a:solidFill>
-                <a:schemeClr val="bg1"/>
-              </a:solidFill>
-              <a:ln w="28575">
+            </p:grpSpPr>
+            <p:sp>
+              <p:nvSpPr>
+                <p:cNvPr id="66" name="流程图: 过程 65"/>
+                <p:cNvSpPr/>
+                <p:nvPr/>
+              </p:nvSpPr>
+              <p:spPr>
+                <a:xfrm>
+                  <a:off x="2862876" y="523759"/>
+                  <a:ext cx="1065483" cy="572149"/>
+                </a:xfrm>
+                <a:prstGeom prst="flowChartProcess">
+                  <a:avLst/>
+                </a:prstGeom>
                 <a:solidFill>
-                  <a:schemeClr val="tx1"/>
+                  <a:schemeClr val="bg1"/>
                 </a:solidFill>
-              </a:ln>
-            </p:spPr>
-            <p:style>
-              <a:lnRef idx="2">
-                <a:schemeClr val="accent1">
-                  <a:shade val="50000"/>
-                </a:schemeClr>
-              </a:lnRef>
-              <a:fillRef idx="1">
-                <a:schemeClr val="accent1"/>
-              </a:fillRef>
-              <a:effectRef idx="0">
-                <a:schemeClr val="accent1"/>
-              </a:effectRef>
-              <a:fontRef idx="minor">
-                <a:schemeClr val="lt1"/>
-              </a:fontRef>
-            </p:style>
-            <p:txBody>
-              <a:bodyPr rtlCol="0" anchor="ctr"/>
-              <a:lstStyle/>
-              <a:p>
-                <a:pPr algn="ctr"/>
-                <a:r>
-                  <a:rPr lang="zh-CN" altLang="en-US" sz="1100" smtClean="0">
+                <a:ln w="28575">
+                  <a:solidFill>
+                    <a:schemeClr val="tx1"/>
+                  </a:solidFill>
+                </a:ln>
+              </p:spPr>
+              <p:style>
+                <a:lnRef idx="2">
+                  <a:schemeClr val="accent1">
+                    <a:shade val="50000"/>
+                  </a:schemeClr>
+                </a:lnRef>
+                <a:fillRef idx="1">
+                  <a:schemeClr val="accent1"/>
+                </a:fillRef>
+                <a:effectRef idx="0">
+                  <a:schemeClr val="accent1"/>
+                </a:effectRef>
+                <a:fontRef idx="minor">
+                  <a:schemeClr val="lt1"/>
+                </a:fontRef>
+              </p:style>
+              <p:txBody>
+                <a:bodyPr rtlCol="0" anchor="ctr"/>
+                <a:lstStyle/>
+                <a:p>
+                  <a:pPr algn="ctr"/>
+                  <a:r>
+                    <a:rPr lang="zh-CN" altLang="en-US" sz="1100" smtClean="0">
+                      <a:solidFill>
+                        <a:schemeClr val="tx1"/>
+                      </a:solidFill>
+                    </a:rPr>
+                    <a:t>进入首页便</a:t>
+                  </a:r>
+                  <a:r>
+                    <a:rPr lang="zh-CN" altLang="en-US" sz="1100" smtClean="0">
+                      <a:solidFill>
+                        <a:schemeClr val="tx1"/>
+                      </a:solidFill>
+                    </a:rPr>
+                    <a:t>捷学习</a:t>
+                  </a:r>
+                  <a:endParaRPr lang="zh-CN" altLang="en-US" sz="1100">
                     <a:solidFill>
                       <a:schemeClr val="tx1"/>
                     </a:solidFill>
-                  </a:rPr>
-                  <a:t>查看具体信息</a:t>
-                </a:r>
-                <a:endParaRPr lang="zh-CN" altLang="en-US" sz="1100">
+                  </a:endParaRPr>
+                </a:p>
+              </p:txBody>
+            </p:sp>
+            <p:sp>
+              <p:nvSpPr>
+                <p:cNvPr id="67" name="流程图: 过程 66"/>
+                <p:cNvSpPr/>
+                <p:nvPr/>
+              </p:nvSpPr>
+              <p:spPr>
+                <a:xfrm>
+                  <a:off x="4803170" y="522930"/>
+                  <a:ext cx="853954" cy="572149"/>
+                </a:xfrm>
+                <a:prstGeom prst="flowChartProcess">
+                  <a:avLst/>
+                </a:prstGeom>
+                <a:solidFill>
+                  <a:schemeClr val="bg1"/>
+                </a:solidFill>
+                <a:ln w="28575">
                   <a:solidFill>
                     <a:schemeClr val="tx1"/>
                   </a:solidFill>
-                </a:endParaRPr>
-              </a:p>
-            </p:txBody>
-          </p:sp>
-          <p:sp>
-            <p:nvSpPr>
-              <p:cNvPr id="69" name="流程图: 过程 68"/>
-              <p:cNvSpPr/>
-              <p:nvPr/>
-            </p:nvSpPr>
-            <p:spPr>
-              <a:xfrm>
-                <a:off x="2862876" y="3116248"/>
-                <a:ext cx="1183002" cy="572149"/>
-              </a:xfrm>
-              <a:prstGeom prst="flowChartProcess">
-                <a:avLst/>
-              </a:prstGeom>
-              <a:solidFill>
-                <a:schemeClr val="bg1"/>
-              </a:solidFill>
-              <a:ln w="28575">
-                <a:solidFill>
-                  <a:schemeClr val="tx1"/>
-                </a:solidFill>
-              </a:ln>
-            </p:spPr>
-            <p:style>
-              <a:lnRef idx="2">
-                <a:schemeClr val="accent1">
-                  <a:shade val="50000"/>
-                </a:schemeClr>
-              </a:lnRef>
-              <a:fillRef idx="1">
-                <a:schemeClr val="accent1"/>
-              </a:fillRef>
-              <a:effectRef idx="0">
-                <a:schemeClr val="accent1"/>
-              </a:effectRef>
-              <a:fontRef idx="minor">
-                <a:schemeClr val="lt1"/>
-              </a:fontRef>
-            </p:style>
-            <p:txBody>
-              <a:bodyPr rtlCol="0" anchor="ctr"/>
-              <a:lstStyle/>
-              <a:p>
-                <a:pPr algn="ctr"/>
-                <a:r>
-                  <a:rPr lang="zh-CN" altLang="en-US" sz="1100" smtClean="0">
+                </a:ln>
+              </p:spPr>
+              <p:style>
+                <a:lnRef idx="2">
+                  <a:schemeClr val="accent1">
+                    <a:shade val="50000"/>
+                  </a:schemeClr>
+                </a:lnRef>
+                <a:fillRef idx="1">
+                  <a:schemeClr val="accent1"/>
+                </a:fillRef>
+                <a:effectRef idx="0">
+                  <a:schemeClr val="accent1"/>
+                </a:effectRef>
+                <a:fontRef idx="minor">
+                  <a:schemeClr val="lt1"/>
+                </a:fontRef>
+              </p:style>
+              <p:txBody>
+                <a:bodyPr rtlCol="0" anchor="ctr"/>
+                <a:lstStyle/>
+                <a:p>
+                  <a:pPr algn="ctr"/>
+                  <a:r>
+                    <a:rPr lang="zh-CN" altLang="en-US" sz="1100" smtClean="0">
+                      <a:solidFill>
+                        <a:schemeClr val="tx1"/>
+                      </a:solidFill>
+                    </a:rPr>
+                    <a:t>行业资讯</a:t>
+                  </a:r>
+                  <a:endParaRPr lang="zh-CN" altLang="en-US" sz="1100">
                     <a:solidFill>
                       <a:schemeClr val="tx1"/>
                     </a:solidFill>
-                  </a:rPr>
-                  <a:t>进入项目中心</a:t>
-                </a:r>
-                <a:endParaRPr lang="zh-CN" altLang="en-US" sz="1100">
+                  </a:endParaRPr>
+                </a:p>
+              </p:txBody>
+            </p:sp>
+            <p:sp>
+              <p:nvSpPr>
+                <p:cNvPr id="68" name="流程图: 过程 67"/>
+                <p:cNvSpPr/>
+                <p:nvPr/>
+              </p:nvSpPr>
+              <p:spPr>
+                <a:xfrm>
+                  <a:off x="6603830" y="522930"/>
+                  <a:ext cx="1214337" cy="572149"/>
+                </a:xfrm>
+                <a:prstGeom prst="flowChartProcess">
+                  <a:avLst/>
+                </a:prstGeom>
+                <a:solidFill>
+                  <a:schemeClr val="bg1"/>
+                </a:solidFill>
+                <a:ln w="28575">
                   <a:solidFill>
                     <a:schemeClr val="tx1"/>
                   </a:solidFill>
-                </a:endParaRPr>
-              </a:p>
-            </p:txBody>
-          </p:sp>
-          <p:sp>
-            <p:nvSpPr>
-              <p:cNvPr id="71" name="流程图: 决策 70"/>
-              <p:cNvSpPr/>
-              <p:nvPr/>
-            </p:nvSpPr>
-            <p:spPr>
-              <a:xfrm>
-                <a:off x="4709846" y="3115054"/>
-                <a:ext cx="1206507" cy="572149"/>
-              </a:xfrm>
-              <a:prstGeom prst="flowChartDecision">
-                <a:avLst/>
-              </a:prstGeom>
-              <a:solidFill>
-                <a:schemeClr val="bg1"/>
-              </a:solidFill>
-              <a:ln w="28575">
-                <a:solidFill>
-                  <a:schemeClr val="tx1"/>
-                </a:solidFill>
-              </a:ln>
-            </p:spPr>
-            <p:style>
-              <a:lnRef idx="2">
-                <a:schemeClr val="accent1">
-                  <a:shade val="50000"/>
-                </a:schemeClr>
-              </a:lnRef>
-              <a:fillRef idx="1">
-                <a:schemeClr val="accent1"/>
-              </a:fillRef>
-              <a:effectRef idx="0">
-                <a:schemeClr val="accent1"/>
-              </a:effectRef>
-              <a:fontRef idx="minor">
-                <a:schemeClr val="lt1"/>
-              </a:fontRef>
-            </p:style>
-            <p:txBody>
-              <a:bodyPr rtlCol="0" anchor="ctr"/>
-              <a:lstStyle/>
-              <a:p>
-                <a:pPr algn="ctr"/>
-                <a:r>
-                  <a:rPr lang="zh-CN" altLang="en-US" sz="1100" smtClean="0">
+                </a:ln>
+              </p:spPr>
+              <p:style>
+                <a:lnRef idx="2">
+                  <a:schemeClr val="accent1">
+                    <a:shade val="50000"/>
+                  </a:schemeClr>
+                </a:lnRef>
+                <a:fillRef idx="1">
+                  <a:schemeClr val="accent1"/>
+                </a:fillRef>
+                <a:effectRef idx="0">
+                  <a:schemeClr val="accent1"/>
+                </a:effectRef>
+                <a:fontRef idx="minor">
+                  <a:schemeClr val="lt1"/>
+                </a:fontRef>
+              </p:style>
+              <p:txBody>
+                <a:bodyPr rtlCol="0" anchor="ctr"/>
+                <a:lstStyle/>
+                <a:p>
+                  <a:pPr algn="ctr"/>
+                  <a:r>
+                    <a:rPr lang="zh-CN" altLang="en-US" sz="1100" smtClean="0">
+                      <a:solidFill>
+                        <a:schemeClr val="tx1"/>
+                      </a:solidFill>
+                    </a:rPr>
+                    <a:t>查看具体信息</a:t>
+                  </a:r>
+                  <a:endParaRPr lang="zh-CN" altLang="en-US" sz="1100">
                     <a:solidFill>
                       <a:schemeClr val="tx1"/>
                     </a:solidFill>
-                  </a:rPr>
-                  <a:t>是否登录</a:t>
-                </a:r>
-                <a:endParaRPr lang="zh-CN" altLang="en-US" sz="1100">
+                  </a:endParaRPr>
+                </a:p>
+              </p:txBody>
+            </p:sp>
+            <p:sp>
+              <p:nvSpPr>
+                <p:cNvPr id="69" name="流程图: 过程 68"/>
+                <p:cNvSpPr/>
+                <p:nvPr/>
+              </p:nvSpPr>
+              <p:spPr>
+                <a:xfrm>
+                  <a:off x="2862876" y="3116248"/>
+                  <a:ext cx="1183002" cy="572149"/>
+                </a:xfrm>
+                <a:prstGeom prst="flowChartProcess">
+                  <a:avLst/>
+                </a:prstGeom>
+                <a:solidFill>
+                  <a:schemeClr val="bg1"/>
+                </a:solidFill>
+                <a:ln w="28575">
                   <a:solidFill>
                     <a:schemeClr val="tx1"/>
                   </a:solidFill>
-                </a:endParaRPr>
-              </a:p>
-            </p:txBody>
-          </p:sp>
-          <p:sp>
-            <p:nvSpPr>
-              <p:cNvPr id="72" name="流程图: 过程 71"/>
-              <p:cNvSpPr/>
-              <p:nvPr/>
-            </p:nvSpPr>
-            <p:spPr>
-              <a:xfrm>
-                <a:off x="6693926" y="3115054"/>
-                <a:ext cx="1034147" cy="572149"/>
-              </a:xfrm>
-              <a:prstGeom prst="flowChartProcess">
-                <a:avLst/>
-              </a:prstGeom>
-              <a:solidFill>
-                <a:schemeClr val="bg1"/>
-              </a:solidFill>
-              <a:ln w="28575">
-                <a:solidFill>
-                  <a:schemeClr val="tx1"/>
-                </a:solidFill>
-              </a:ln>
-            </p:spPr>
-            <p:style>
-              <a:lnRef idx="2">
-                <a:schemeClr val="accent1">
-                  <a:shade val="50000"/>
-                </a:schemeClr>
-              </a:lnRef>
-              <a:fillRef idx="1">
-                <a:schemeClr val="accent1"/>
-              </a:fillRef>
-              <a:effectRef idx="0">
-                <a:schemeClr val="accent1"/>
-              </a:effectRef>
-              <a:fontRef idx="minor">
-                <a:schemeClr val="lt1"/>
-              </a:fontRef>
-            </p:style>
-            <p:txBody>
-              <a:bodyPr rtlCol="0" anchor="ctr"/>
-              <a:lstStyle/>
-              <a:p>
-                <a:pPr algn="ctr"/>
-                <a:r>
-                  <a:rPr lang="zh-CN" altLang="en-US" sz="1100" smtClean="0">
+                </a:ln>
+              </p:spPr>
+              <p:style>
+                <a:lnRef idx="2">
+                  <a:schemeClr val="accent1">
+                    <a:shade val="50000"/>
+                  </a:schemeClr>
+                </a:lnRef>
+                <a:fillRef idx="1">
+                  <a:schemeClr val="accent1"/>
+                </a:fillRef>
+                <a:effectRef idx="0">
+                  <a:schemeClr val="accent1"/>
+                </a:effectRef>
+                <a:fontRef idx="minor">
+                  <a:schemeClr val="lt1"/>
+                </a:fontRef>
+              </p:style>
+              <p:txBody>
+                <a:bodyPr rtlCol="0" anchor="ctr"/>
+                <a:lstStyle/>
+                <a:p>
+                  <a:pPr algn="ctr"/>
+                  <a:r>
+                    <a:rPr lang="zh-CN" altLang="en-US" sz="1100" smtClean="0">
+                      <a:solidFill>
+                        <a:schemeClr val="tx1"/>
+                      </a:solidFill>
+                    </a:rPr>
+                    <a:t>进入项目中心</a:t>
+                  </a:r>
+                  <a:endParaRPr lang="zh-CN" altLang="en-US" sz="1100">
                     <a:solidFill>
                       <a:schemeClr val="tx1"/>
                     </a:solidFill>
-                  </a:rPr>
-                  <a:t>登录</a:t>
-                </a:r>
-                <a:r>
-                  <a:rPr lang="en-US" altLang="zh-CN" sz="1100" smtClean="0">
+                  </a:endParaRPr>
+                </a:p>
+              </p:txBody>
+            </p:sp>
+            <p:sp>
+              <p:nvSpPr>
+                <p:cNvPr id="71" name="流程图: 决策 70"/>
+                <p:cNvSpPr/>
+                <p:nvPr/>
+              </p:nvSpPr>
+              <p:spPr>
+                <a:xfrm>
+                  <a:off x="4709846" y="3115054"/>
+                  <a:ext cx="1206507" cy="572149"/>
+                </a:xfrm>
+                <a:prstGeom prst="flowChartDecision">
+                  <a:avLst/>
+                </a:prstGeom>
+                <a:solidFill>
+                  <a:schemeClr val="bg1"/>
+                </a:solidFill>
+                <a:ln w="28575">
+                  <a:solidFill>
+                    <a:schemeClr val="tx1"/>
+                  </a:solidFill>
+                </a:ln>
+              </p:spPr>
+              <p:style>
+                <a:lnRef idx="2">
+                  <a:schemeClr val="accent1">
+                    <a:shade val="50000"/>
+                  </a:schemeClr>
+                </a:lnRef>
+                <a:fillRef idx="1">
+                  <a:schemeClr val="accent1"/>
+                </a:fillRef>
+                <a:effectRef idx="0">
+                  <a:schemeClr val="accent1"/>
+                </a:effectRef>
+                <a:fontRef idx="minor">
+                  <a:schemeClr val="lt1"/>
+                </a:fontRef>
+              </p:style>
+              <p:txBody>
+                <a:bodyPr rtlCol="0" anchor="ctr"/>
+                <a:lstStyle/>
+                <a:p>
+                  <a:pPr algn="ctr"/>
+                  <a:r>
+                    <a:rPr lang="zh-CN" altLang="en-US" sz="1100" smtClean="0">
+                      <a:solidFill>
+                        <a:schemeClr val="tx1"/>
+                      </a:solidFill>
+                    </a:rPr>
+                    <a:t>是否登录</a:t>
+                  </a:r>
+                  <a:endParaRPr lang="zh-CN" altLang="en-US" sz="1100">
                     <a:solidFill>
                       <a:schemeClr val="tx1"/>
                     </a:solidFill>
-                  </a:rPr>
-                  <a:t>/</a:t>
-                </a:r>
-                <a:r>
-                  <a:rPr lang="zh-CN" altLang="en-US" sz="1100" smtClean="0">
+                  </a:endParaRPr>
+                </a:p>
+              </p:txBody>
+            </p:sp>
+            <p:sp>
+              <p:nvSpPr>
+                <p:cNvPr id="72" name="流程图: 过程 71"/>
+                <p:cNvSpPr/>
+                <p:nvPr/>
+              </p:nvSpPr>
+              <p:spPr>
+                <a:xfrm>
+                  <a:off x="6693926" y="3115054"/>
+                  <a:ext cx="1034147" cy="572149"/>
+                </a:xfrm>
+                <a:prstGeom prst="flowChartProcess">
+                  <a:avLst/>
+                </a:prstGeom>
+                <a:solidFill>
+                  <a:schemeClr val="bg1"/>
+                </a:solidFill>
+                <a:ln w="28575">
+                  <a:solidFill>
+                    <a:schemeClr val="tx1"/>
+                  </a:solidFill>
+                </a:ln>
+              </p:spPr>
+              <p:style>
+                <a:lnRef idx="2">
+                  <a:schemeClr val="accent1">
+                    <a:shade val="50000"/>
+                  </a:schemeClr>
+                </a:lnRef>
+                <a:fillRef idx="1">
+                  <a:schemeClr val="accent1"/>
+                </a:fillRef>
+                <a:effectRef idx="0">
+                  <a:schemeClr val="accent1"/>
+                </a:effectRef>
+                <a:fontRef idx="minor">
+                  <a:schemeClr val="lt1"/>
+                </a:fontRef>
+              </p:style>
+              <p:txBody>
+                <a:bodyPr rtlCol="0" anchor="ctr"/>
+                <a:lstStyle/>
+                <a:p>
+                  <a:pPr algn="ctr"/>
+                  <a:r>
+                    <a:rPr lang="zh-CN" altLang="en-US" sz="1100" smtClean="0">
+                      <a:solidFill>
+                        <a:schemeClr val="tx1"/>
+                      </a:solidFill>
+                    </a:rPr>
+                    <a:t>登录</a:t>
+                  </a:r>
+                  <a:r>
+                    <a:rPr lang="en-US" altLang="zh-CN" sz="1100" smtClean="0">
+                      <a:solidFill>
+                        <a:schemeClr val="tx1"/>
+                      </a:solidFill>
+                    </a:rPr>
+                    <a:t>/</a:t>
+                  </a:r>
+                  <a:r>
+                    <a:rPr lang="zh-CN" altLang="en-US" sz="1100" smtClean="0">
+                      <a:solidFill>
+                        <a:schemeClr val="tx1"/>
+                      </a:solidFill>
+                    </a:rPr>
+                    <a:t>注册</a:t>
+                  </a:r>
+                  <a:endParaRPr lang="zh-CN" altLang="en-US" sz="1100">
                     <a:solidFill>
                       <a:schemeClr val="tx1"/>
                     </a:solidFill>
-                  </a:rPr>
-                  <a:t>注册</a:t>
-                </a:r>
-                <a:endParaRPr lang="zh-CN" altLang="en-US" sz="1100">
+                  </a:endParaRPr>
+                </a:p>
+              </p:txBody>
+            </p:sp>
+            <p:sp>
+              <p:nvSpPr>
+                <p:cNvPr id="73" name="流程图: 决策 72"/>
+                <p:cNvSpPr/>
+                <p:nvPr/>
+              </p:nvSpPr>
+              <p:spPr>
+                <a:xfrm>
+                  <a:off x="4696132" y="4274082"/>
+                  <a:ext cx="1206507" cy="572149"/>
+                </a:xfrm>
+                <a:prstGeom prst="flowChartDecision">
+                  <a:avLst/>
+                </a:prstGeom>
+                <a:solidFill>
+                  <a:schemeClr val="bg1"/>
+                </a:solidFill>
+                <a:ln w="28575">
                   <a:solidFill>
                     <a:schemeClr val="tx1"/>
                   </a:solidFill>
-                </a:endParaRPr>
-              </a:p>
-            </p:txBody>
-          </p:sp>
-          <p:sp>
-            <p:nvSpPr>
-              <p:cNvPr id="73" name="流程图: 决策 72"/>
-              <p:cNvSpPr/>
-              <p:nvPr/>
-            </p:nvSpPr>
-            <p:spPr>
-              <a:xfrm>
-                <a:off x="4696132" y="4274082"/>
-                <a:ext cx="1206507" cy="572149"/>
-              </a:xfrm>
-              <a:prstGeom prst="flowChartDecision">
-                <a:avLst/>
-              </a:prstGeom>
-              <a:solidFill>
-                <a:schemeClr val="bg1"/>
-              </a:solidFill>
-              <a:ln w="28575">
+                </a:ln>
+              </p:spPr>
+              <p:style>
+                <a:lnRef idx="2">
+                  <a:schemeClr val="accent1">
+                    <a:shade val="50000"/>
+                  </a:schemeClr>
+                </a:lnRef>
+                <a:fillRef idx="1">
+                  <a:schemeClr val="accent1"/>
+                </a:fillRef>
+                <a:effectRef idx="0">
+                  <a:schemeClr val="accent1"/>
+                </a:effectRef>
+                <a:fontRef idx="minor">
+                  <a:schemeClr val="lt1"/>
+                </a:fontRef>
+              </p:style>
+              <p:txBody>
+                <a:bodyPr rtlCol="0" anchor="ctr"/>
+                <a:lstStyle/>
+                <a:p>
+                  <a:pPr algn="ctr"/>
+                  <a:r>
+                    <a:rPr lang="zh-CN" altLang="en-US" sz="1100">
+                      <a:solidFill>
+                        <a:schemeClr val="tx1"/>
+                      </a:solidFill>
+                    </a:rPr>
+                    <a:t>是否老师</a:t>
+                  </a:r>
+                </a:p>
+              </p:txBody>
+            </p:sp>
+            <p:sp>
+              <p:nvSpPr>
+                <p:cNvPr id="74" name="流程图: 过程 73"/>
+                <p:cNvSpPr/>
+                <p:nvPr/>
+              </p:nvSpPr>
+              <p:spPr>
+                <a:xfrm>
+                  <a:off x="2976476" y="4291533"/>
+                  <a:ext cx="853954" cy="572149"/>
+                </a:xfrm>
+                <a:prstGeom prst="flowChartProcess">
+                  <a:avLst/>
+                </a:prstGeom>
                 <a:solidFill>
-                  <a:schemeClr val="tx1"/>
+                  <a:schemeClr val="bg1"/>
                 </a:solidFill>
-              </a:ln>
-            </p:spPr>
-            <p:style>
-              <a:lnRef idx="2">
-                <a:schemeClr val="accent1">
-                  <a:shade val="50000"/>
-                </a:schemeClr>
-              </a:lnRef>
-              <a:fillRef idx="1">
-                <a:schemeClr val="accent1"/>
-              </a:fillRef>
-              <a:effectRef idx="0">
-                <a:schemeClr val="accent1"/>
-              </a:effectRef>
-              <a:fontRef idx="minor">
-                <a:schemeClr val="lt1"/>
-              </a:fontRef>
-            </p:style>
-            <p:txBody>
-              <a:bodyPr rtlCol="0" anchor="ctr"/>
-              <a:lstStyle/>
-              <a:p>
-                <a:pPr algn="ctr"/>
-                <a:r>
-                  <a:rPr lang="zh-CN" altLang="en-US" sz="1100">
+                <a:ln w="28575">
+                  <a:solidFill>
+                    <a:schemeClr val="tx1"/>
+                  </a:solidFill>
+                </a:ln>
+              </p:spPr>
+              <p:style>
+                <a:lnRef idx="2">
+                  <a:schemeClr val="accent1">
+                    <a:shade val="50000"/>
+                  </a:schemeClr>
+                </a:lnRef>
+                <a:fillRef idx="1">
+                  <a:schemeClr val="accent1"/>
+                </a:fillRef>
+                <a:effectRef idx="0">
+                  <a:schemeClr val="accent1"/>
+                </a:effectRef>
+                <a:fontRef idx="minor">
+                  <a:schemeClr val="lt1"/>
+                </a:fontRef>
+              </p:style>
+              <p:txBody>
+                <a:bodyPr rtlCol="0" anchor="ctr"/>
+                <a:lstStyle/>
+                <a:p>
+                  <a:pPr algn="ctr"/>
+                  <a:r>
+                    <a:rPr lang="zh-CN" altLang="en-US" sz="1100" smtClean="0">
+                      <a:solidFill>
+                        <a:schemeClr val="tx1"/>
+                      </a:solidFill>
+                    </a:rPr>
+                    <a:t>发布项目</a:t>
+                  </a:r>
+                  <a:endParaRPr lang="zh-CN" altLang="en-US" sz="1100">
                     <a:solidFill>
                       <a:schemeClr val="tx1"/>
                     </a:solidFill>
-                  </a:rPr>
-                  <a:t>是否老师</a:t>
-                </a:r>
-              </a:p>
-            </p:txBody>
-          </p:sp>
-          <p:sp>
-            <p:nvSpPr>
-              <p:cNvPr id="74" name="流程图: 过程 73"/>
-              <p:cNvSpPr/>
-              <p:nvPr/>
-            </p:nvSpPr>
-            <p:spPr>
-              <a:xfrm>
-                <a:off x="2976476" y="4291533"/>
-                <a:ext cx="853954" cy="572149"/>
-              </a:xfrm>
-              <a:prstGeom prst="flowChartProcess">
-                <a:avLst/>
-              </a:prstGeom>
-              <a:solidFill>
-                <a:schemeClr val="bg1"/>
-              </a:solidFill>
-              <a:ln w="28575">
+                  </a:endParaRPr>
+                </a:p>
+              </p:txBody>
+            </p:sp>
+            <p:sp>
+              <p:nvSpPr>
+                <p:cNvPr id="75" name="流程图: 过程 74"/>
+                <p:cNvSpPr/>
+                <p:nvPr/>
+              </p:nvSpPr>
+              <p:spPr>
+                <a:xfrm>
+                  <a:off x="4883199" y="5222754"/>
+                  <a:ext cx="853954" cy="572149"/>
+                </a:xfrm>
+                <a:prstGeom prst="flowChartProcess">
+                  <a:avLst/>
+                </a:prstGeom>
                 <a:solidFill>
-                  <a:schemeClr val="tx1"/>
+                  <a:schemeClr val="bg1"/>
                 </a:solidFill>
-              </a:ln>
-            </p:spPr>
-            <p:style>
-              <a:lnRef idx="2">
-                <a:schemeClr val="accent1">
-                  <a:shade val="50000"/>
-                </a:schemeClr>
-              </a:lnRef>
-              <a:fillRef idx="1">
-                <a:schemeClr val="accent1"/>
-              </a:fillRef>
-              <a:effectRef idx="0">
-                <a:schemeClr val="accent1"/>
-              </a:effectRef>
-              <a:fontRef idx="minor">
-                <a:schemeClr val="lt1"/>
-              </a:fontRef>
-            </p:style>
-            <p:txBody>
-              <a:bodyPr rtlCol="0" anchor="ctr"/>
-              <a:lstStyle/>
-              <a:p>
-                <a:pPr algn="ctr"/>
-                <a:r>
-                  <a:rPr lang="zh-CN" altLang="en-US" sz="1100" smtClean="0">
+                <a:ln w="28575">
+                  <a:solidFill>
+                    <a:schemeClr val="tx1"/>
+                  </a:solidFill>
+                </a:ln>
+              </p:spPr>
+              <p:style>
+                <a:lnRef idx="2">
+                  <a:schemeClr val="accent1">
+                    <a:shade val="50000"/>
+                  </a:schemeClr>
+                </a:lnRef>
+                <a:fillRef idx="1">
+                  <a:schemeClr val="accent1"/>
+                </a:fillRef>
+                <a:effectRef idx="0">
+                  <a:schemeClr val="accent1"/>
+                </a:effectRef>
+                <a:fontRef idx="minor">
+                  <a:schemeClr val="lt1"/>
+                </a:fontRef>
+              </p:style>
+              <p:txBody>
+                <a:bodyPr rtlCol="0" anchor="ctr"/>
+                <a:lstStyle/>
+                <a:p>
+                  <a:pPr algn="ctr"/>
+                  <a:r>
+                    <a:rPr lang="zh-CN" altLang="en-US" sz="1100" smtClean="0">
+                      <a:solidFill>
+                        <a:schemeClr val="tx1"/>
+                      </a:solidFill>
+                    </a:rPr>
+                    <a:t>项目列表</a:t>
+                  </a:r>
+                  <a:endParaRPr lang="zh-CN" altLang="en-US" sz="1100">
                     <a:solidFill>
                       <a:schemeClr val="tx1"/>
                     </a:solidFill>
-                  </a:rPr>
-                  <a:t>发布项目</a:t>
-                </a:r>
-                <a:endParaRPr lang="zh-CN" altLang="en-US" sz="1100">
+                  </a:endParaRPr>
+                </a:p>
+              </p:txBody>
+            </p:sp>
+            <p:sp>
+              <p:nvSpPr>
+                <p:cNvPr id="76" name="流程图: 过程 75"/>
+                <p:cNvSpPr/>
+                <p:nvPr/>
+              </p:nvSpPr>
+              <p:spPr>
+                <a:xfrm>
+                  <a:off x="6391331" y="5222754"/>
+                  <a:ext cx="853954" cy="572149"/>
+                </a:xfrm>
+                <a:prstGeom prst="flowChartProcess">
+                  <a:avLst/>
+                </a:prstGeom>
+                <a:solidFill>
+                  <a:schemeClr val="bg1"/>
+                </a:solidFill>
+                <a:ln w="28575">
                   <a:solidFill>
                     <a:schemeClr val="tx1"/>
                   </a:solidFill>
-                </a:endParaRPr>
-              </a:p>
-            </p:txBody>
-          </p:sp>
-          <p:sp>
-            <p:nvSpPr>
-              <p:cNvPr id="75" name="流程图: 过程 74"/>
-              <p:cNvSpPr/>
-              <p:nvPr/>
-            </p:nvSpPr>
-            <p:spPr>
-              <a:xfrm>
-                <a:off x="4883199" y="5222754"/>
-                <a:ext cx="853954" cy="572149"/>
-              </a:xfrm>
-              <a:prstGeom prst="flowChartProcess">
-                <a:avLst/>
-              </a:prstGeom>
-              <a:solidFill>
-                <a:schemeClr val="bg1"/>
-              </a:solidFill>
-              <a:ln w="28575">
-                <a:solidFill>
-                  <a:schemeClr val="tx1"/>
-                </a:solidFill>
-              </a:ln>
-            </p:spPr>
-            <p:style>
-              <a:lnRef idx="2">
-                <a:schemeClr val="accent1">
-                  <a:shade val="50000"/>
-                </a:schemeClr>
-              </a:lnRef>
-              <a:fillRef idx="1">
-                <a:schemeClr val="accent1"/>
-              </a:fillRef>
-              <a:effectRef idx="0">
-                <a:schemeClr val="accent1"/>
-              </a:effectRef>
-              <a:fontRef idx="minor">
-                <a:schemeClr val="lt1"/>
-              </a:fontRef>
-            </p:style>
-            <p:txBody>
-              <a:bodyPr rtlCol="0" anchor="ctr"/>
-              <a:lstStyle/>
-              <a:p>
-                <a:pPr algn="ctr"/>
-                <a:r>
-                  <a:rPr lang="zh-CN" altLang="en-US" sz="1100" smtClean="0">
+                </a:ln>
+              </p:spPr>
+              <p:style>
+                <a:lnRef idx="2">
+                  <a:schemeClr val="accent1">
+                    <a:shade val="50000"/>
+                  </a:schemeClr>
+                </a:lnRef>
+                <a:fillRef idx="1">
+                  <a:schemeClr val="accent1"/>
+                </a:fillRef>
+                <a:effectRef idx="0">
+                  <a:schemeClr val="accent1"/>
+                </a:effectRef>
+                <a:fontRef idx="minor">
+                  <a:schemeClr val="lt1"/>
+                </a:fontRef>
+              </p:style>
+              <p:txBody>
+                <a:bodyPr rtlCol="0" anchor="ctr"/>
+                <a:lstStyle/>
+                <a:p>
+                  <a:pPr algn="ctr"/>
+                  <a:r>
+                    <a:rPr lang="zh-CN" altLang="en-US" sz="1100" smtClean="0">
+                      <a:solidFill>
+                        <a:schemeClr val="tx1"/>
+                      </a:solidFill>
+                    </a:rPr>
+                    <a:t>项目详情</a:t>
+                  </a:r>
+                  <a:endParaRPr lang="zh-CN" altLang="en-US" sz="1100">
                     <a:solidFill>
                       <a:schemeClr val="tx1"/>
                     </a:solidFill>
-                  </a:rPr>
-                  <a:t>项目列表</a:t>
-                </a:r>
-                <a:endParaRPr lang="zh-CN" altLang="en-US" sz="1100">
+                  </a:endParaRPr>
+                </a:p>
+              </p:txBody>
+            </p:sp>
+            <p:sp>
+              <p:nvSpPr>
+                <p:cNvPr id="77" name="流程图: 可选过程 76"/>
+                <p:cNvSpPr/>
+                <p:nvPr/>
+              </p:nvSpPr>
+              <p:spPr>
+                <a:xfrm>
+                  <a:off x="9420325" y="2011944"/>
+                  <a:ext cx="853954" cy="572149"/>
+                </a:xfrm>
+                <a:prstGeom prst="flowChartAlternateProcess">
+                  <a:avLst/>
+                </a:prstGeom>
+                <a:solidFill>
+                  <a:schemeClr val="bg1"/>
+                </a:solidFill>
+                <a:ln w="28575">
                   <a:solidFill>
                     <a:schemeClr val="tx1"/>
                   </a:solidFill>
-                </a:endParaRPr>
-              </a:p>
-            </p:txBody>
-          </p:sp>
-          <p:sp>
-            <p:nvSpPr>
-              <p:cNvPr id="76" name="流程图: 过程 75"/>
-              <p:cNvSpPr/>
-              <p:nvPr/>
-            </p:nvSpPr>
-            <p:spPr>
-              <a:xfrm>
-                <a:off x="6391331" y="5222754"/>
-                <a:ext cx="853954" cy="572149"/>
-              </a:xfrm>
-              <a:prstGeom prst="flowChartProcess">
-                <a:avLst/>
-              </a:prstGeom>
-              <a:solidFill>
-                <a:schemeClr val="bg1"/>
-              </a:solidFill>
-              <a:ln w="28575">
-                <a:solidFill>
-                  <a:schemeClr val="tx1"/>
-                </a:solidFill>
-              </a:ln>
-            </p:spPr>
-            <p:style>
-              <a:lnRef idx="2">
-                <a:schemeClr val="accent1">
-                  <a:shade val="50000"/>
-                </a:schemeClr>
-              </a:lnRef>
-              <a:fillRef idx="1">
-                <a:schemeClr val="accent1"/>
-              </a:fillRef>
-              <a:effectRef idx="0">
-                <a:schemeClr val="accent1"/>
-              </a:effectRef>
-              <a:fontRef idx="minor">
-                <a:schemeClr val="lt1"/>
-              </a:fontRef>
-            </p:style>
-            <p:txBody>
-              <a:bodyPr rtlCol="0" anchor="ctr"/>
-              <a:lstStyle/>
-              <a:p>
-                <a:pPr algn="ctr"/>
-                <a:r>
-                  <a:rPr lang="zh-CN" altLang="en-US" sz="1100" smtClean="0">
+                </a:ln>
+              </p:spPr>
+              <p:style>
+                <a:lnRef idx="2">
+                  <a:schemeClr val="accent1">
+                    <a:shade val="50000"/>
+                  </a:schemeClr>
+                </a:lnRef>
+                <a:fillRef idx="1">
+                  <a:schemeClr val="accent1"/>
+                </a:fillRef>
+                <a:effectRef idx="0">
+                  <a:schemeClr val="accent1"/>
+                </a:effectRef>
+                <a:fontRef idx="minor">
+                  <a:schemeClr val="lt1"/>
+                </a:fontRef>
+              </p:style>
+              <p:txBody>
+                <a:bodyPr rtlCol="0" anchor="ctr"/>
+                <a:lstStyle/>
+                <a:p>
+                  <a:pPr algn="ctr"/>
+                  <a:r>
+                    <a:rPr lang="zh-CN" altLang="en-US" sz="1100" smtClean="0">
+                      <a:solidFill>
+                        <a:schemeClr val="tx1"/>
+                      </a:solidFill>
+                    </a:rPr>
+                    <a:t>结束</a:t>
+                  </a:r>
+                  <a:endParaRPr lang="zh-CN" altLang="en-US" sz="1100">
                     <a:solidFill>
                       <a:schemeClr val="tx1"/>
                     </a:solidFill>
-                  </a:rPr>
-                  <a:t>项目详情</a:t>
-                </a:r>
-                <a:endParaRPr lang="zh-CN" altLang="en-US" sz="1100">
+                  </a:endParaRPr>
+                </a:p>
+              </p:txBody>
+            </p:sp>
+            <p:sp>
+              <p:nvSpPr>
+                <p:cNvPr id="79" name="流程图: 过程 78"/>
+                <p:cNvSpPr/>
+                <p:nvPr/>
+              </p:nvSpPr>
+              <p:spPr>
+                <a:xfrm>
+                  <a:off x="8341058" y="5222753"/>
+                  <a:ext cx="1186919" cy="572149"/>
+                </a:xfrm>
+                <a:prstGeom prst="flowChartProcess">
+                  <a:avLst/>
+                </a:prstGeom>
+                <a:solidFill>
+                  <a:schemeClr val="bg1"/>
+                </a:solidFill>
+                <a:ln w="28575">
                   <a:solidFill>
                     <a:schemeClr val="tx1"/>
                   </a:solidFill>
-                </a:endParaRPr>
-              </a:p>
-            </p:txBody>
-          </p:sp>
-          <p:sp>
-            <p:nvSpPr>
-              <p:cNvPr id="77" name="流程图: 可选过程 76"/>
-              <p:cNvSpPr/>
-              <p:nvPr/>
-            </p:nvSpPr>
-            <p:spPr>
-              <a:xfrm>
-                <a:off x="9420325" y="2011944"/>
-                <a:ext cx="853954" cy="572149"/>
-              </a:xfrm>
-              <a:prstGeom prst="flowChartAlternateProcess">
-                <a:avLst/>
-              </a:prstGeom>
-              <a:solidFill>
-                <a:schemeClr val="bg1"/>
-              </a:solidFill>
-              <a:ln w="28575">
-                <a:solidFill>
-                  <a:schemeClr val="tx1"/>
-                </a:solidFill>
-              </a:ln>
-            </p:spPr>
-            <p:style>
-              <a:lnRef idx="2">
-                <a:schemeClr val="accent1">
-                  <a:shade val="50000"/>
-                </a:schemeClr>
-              </a:lnRef>
-              <a:fillRef idx="1">
-                <a:schemeClr val="accent1"/>
-              </a:fillRef>
-              <a:effectRef idx="0">
-                <a:schemeClr val="accent1"/>
-              </a:effectRef>
-              <a:fontRef idx="minor">
-                <a:schemeClr val="lt1"/>
-              </a:fontRef>
-            </p:style>
-            <p:txBody>
-              <a:bodyPr rtlCol="0" anchor="ctr"/>
-              <a:lstStyle/>
-              <a:p>
-                <a:pPr algn="ctr"/>
-                <a:r>
-                  <a:rPr lang="zh-CN" altLang="en-US" sz="1100" smtClean="0">
+                </a:ln>
+              </p:spPr>
+              <p:style>
+                <a:lnRef idx="2">
+                  <a:schemeClr val="accent1">
+                    <a:shade val="50000"/>
+                  </a:schemeClr>
+                </a:lnRef>
+                <a:fillRef idx="1">
+                  <a:schemeClr val="accent1"/>
+                </a:fillRef>
+                <a:effectRef idx="0">
+                  <a:schemeClr val="accent1"/>
+                </a:effectRef>
+                <a:fontRef idx="minor">
+                  <a:schemeClr val="lt1"/>
+                </a:fontRef>
+              </p:style>
+              <p:txBody>
+                <a:bodyPr rtlCol="0" anchor="ctr"/>
+                <a:lstStyle/>
+                <a:p>
+                  <a:pPr algn="ctr"/>
+                  <a:r>
+                    <a:rPr lang="zh-CN" altLang="en-US" sz="1100" smtClean="0">
+                      <a:solidFill>
+                        <a:schemeClr val="tx1"/>
+                      </a:solidFill>
+                    </a:rPr>
+                    <a:t>更新项目状态</a:t>
+                  </a:r>
+                  <a:endParaRPr lang="zh-CN" altLang="en-US" sz="1100">
                     <a:solidFill>
                       <a:schemeClr val="tx1"/>
                     </a:solidFill>
-                  </a:rPr>
-                  <a:t>结束</a:t>
-                </a:r>
-                <a:endParaRPr lang="zh-CN" altLang="en-US" sz="1100">
+                  </a:endParaRPr>
+                </a:p>
+              </p:txBody>
+            </p:sp>
+            <p:sp>
+              <p:nvSpPr>
+                <p:cNvPr id="80" name="流程图: 可选过程 79"/>
+                <p:cNvSpPr/>
+                <p:nvPr/>
+              </p:nvSpPr>
+              <p:spPr>
+                <a:xfrm>
+                  <a:off x="1017870" y="1970755"/>
+                  <a:ext cx="979305" cy="572149"/>
+                </a:xfrm>
+                <a:prstGeom prst="flowChartAlternateProcess">
+                  <a:avLst/>
+                </a:prstGeom>
+                <a:solidFill>
+                  <a:schemeClr val="bg1"/>
+                </a:solidFill>
+                <a:ln w="28575">
                   <a:solidFill>
                     <a:schemeClr val="tx1"/>
                   </a:solidFill>
-                </a:endParaRPr>
-              </a:p>
-            </p:txBody>
-          </p:sp>
-          <p:sp>
-            <p:nvSpPr>
-              <p:cNvPr id="79" name="流程图: 过程 78"/>
-              <p:cNvSpPr/>
-              <p:nvPr/>
-            </p:nvSpPr>
-            <p:spPr>
-              <a:xfrm>
-                <a:off x="8341058" y="5222753"/>
-                <a:ext cx="1186919" cy="572149"/>
-              </a:xfrm>
-              <a:prstGeom prst="flowChartProcess">
-                <a:avLst/>
-              </a:prstGeom>
-              <a:solidFill>
-                <a:schemeClr val="bg1"/>
-              </a:solidFill>
-              <a:ln w="28575">
-                <a:solidFill>
-                  <a:schemeClr val="tx1"/>
-                </a:solidFill>
-              </a:ln>
-            </p:spPr>
-            <p:style>
-              <a:lnRef idx="2">
-                <a:schemeClr val="accent1">
-                  <a:shade val="50000"/>
-                </a:schemeClr>
-              </a:lnRef>
-              <a:fillRef idx="1">
-                <a:schemeClr val="accent1"/>
-              </a:fillRef>
-              <a:effectRef idx="0">
-                <a:schemeClr val="accent1"/>
-              </a:effectRef>
-              <a:fontRef idx="minor">
-                <a:schemeClr val="lt1"/>
-              </a:fontRef>
-            </p:style>
-            <p:txBody>
-              <a:bodyPr rtlCol="0" anchor="ctr"/>
-              <a:lstStyle/>
-              <a:p>
-                <a:pPr algn="ctr"/>
-                <a:r>
-                  <a:rPr lang="zh-CN" altLang="en-US" sz="1100" smtClean="0">
+                </a:ln>
+              </p:spPr>
+              <p:style>
+                <a:lnRef idx="2">
+                  <a:schemeClr val="accent1">
+                    <a:shade val="50000"/>
+                  </a:schemeClr>
+                </a:lnRef>
+                <a:fillRef idx="1">
+                  <a:schemeClr val="accent1"/>
+                </a:fillRef>
+                <a:effectRef idx="0">
+                  <a:schemeClr val="accent1"/>
+                </a:effectRef>
+                <a:fontRef idx="minor">
+                  <a:schemeClr val="lt1"/>
+                </a:fontRef>
+              </p:style>
+              <p:txBody>
+                <a:bodyPr rtlCol="0" anchor="ctr"/>
+                <a:lstStyle/>
+                <a:p>
+                  <a:pPr algn="ctr"/>
+                  <a:r>
+                    <a:rPr lang="zh-CN" altLang="en-US" sz="1100" smtClean="0">
+                      <a:solidFill>
+                        <a:schemeClr val="tx1"/>
+                      </a:solidFill>
+                    </a:rPr>
+                    <a:t>进入程序</a:t>
+                  </a:r>
+                  <a:endParaRPr lang="zh-CN" altLang="en-US" sz="1100">
                     <a:solidFill>
                       <a:schemeClr val="tx1"/>
                     </a:solidFill>
-                  </a:rPr>
-                  <a:t>更新项目状态</a:t>
-                </a:r>
-                <a:endParaRPr lang="zh-CN" altLang="en-US" sz="1100">
+                  </a:endParaRPr>
+                </a:p>
+              </p:txBody>
+            </p:sp>
+            <p:cxnSp>
+              <p:nvCxnSpPr>
+                <p:cNvPr id="84" name="肘形连接符 83"/>
+                <p:cNvCxnSpPr>
+                  <a:stCxn id="80" idx="3"/>
+                  <a:endCxn id="69" idx="1"/>
+                </p:cNvCxnSpPr>
+                <p:nvPr/>
+              </p:nvCxnSpPr>
+              <p:spPr>
+                <a:xfrm>
+                  <a:off x="1997175" y="2256830"/>
+                  <a:ext cx="865702" cy="1145493"/>
+                </a:xfrm>
+                <a:prstGeom prst="bentConnector3">
+                  <a:avLst/>
+                </a:prstGeom>
+                <a:ln w="28575">
                   <a:solidFill>
                     <a:schemeClr val="tx1"/>
                   </a:solidFill>
-                </a:endParaRPr>
-              </a:p>
-            </p:txBody>
-          </p:sp>
-          <p:sp>
-            <p:nvSpPr>
-              <p:cNvPr id="80" name="流程图: 可选过程 79"/>
-              <p:cNvSpPr/>
-              <p:nvPr/>
-            </p:nvSpPr>
-            <p:spPr>
-              <a:xfrm>
-                <a:off x="1017870" y="1970755"/>
-                <a:ext cx="979305" cy="572149"/>
-              </a:xfrm>
-              <a:prstGeom prst="flowChartAlternateProcess">
-                <a:avLst/>
-              </a:prstGeom>
-              <a:solidFill>
-                <a:schemeClr val="bg1"/>
-              </a:solidFill>
-              <a:ln w="28575">
+                  <a:tailEnd type="triangle"/>
+                </a:ln>
+              </p:spPr>
+              <p:style>
+                <a:lnRef idx="1">
+                  <a:schemeClr val="accent1"/>
+                </a:lnRef>
+                <a:fillRef idx="0">
+                  <a:schemeClr val="accent1"/>
+                </a:fillRef>
+                <a:effectRef idx="0">
+                  <a:schemeClr val="accent1"/>
+                </a:effectRef>
+                <a:fontRef idx="minor">
+                  <a:schemeClr val="tx1"/>
+                </a:fontRef>
+              </p:style>
+            </p:cxnSp>
+            <p:cxnSp>
+              <p:nvCxnSpPr>
+                <p:cNvPr id="86" name="肘形连接符 85"/>
+                <p:cNvCxnSpPr>
+                  <a:stCxn id="80" idx="3"/>
+                  <a:endCxn id="66" idx="1"/>
+                </p:cNvCxnSpPr>
+                <p:nvPr/>
+              </p:nvCxnSpPr>
+              <p:spPr>
+                <a:xfrm flipV="1">
+                  <a:off x="1997175" y="809834"/>
+                  <a:ext cx="865701" cy="1446996"/>
+                </a:xfrm>
+                <a:prstGeom prst="bentConnector3">
+                  <a:avLst/>
+                </a:prstGeom>
+                <a:ln w="28575">
+                  <a:solidFill>
+                    <a:schemeClr val="tx1"/>
+                  </a:solidFill>
+                  <a:tailEnd type="triangle"/>
+                </a:ln>
+              </p:spPr>
+              <p:style>
+                <a:lnRef idx="1">
+                  <a:schemeClr val="accent1"/>
+                </a:lnRef>
+                <a:fillRef idx="0">
+                  <a:schemeClr val="accent1"/>
+                </a:fillRef>
+                <a:effectRef idx="0">
+                  <a:schemeClr val="accent1"/>
+                </a:effectRef>
+                <a:fontRef idx="minor">
+                  <a:schemeClr val="tx1"/>
+                </a:fontRef>
+              </p:style>
+            </p:cxnSp>
+            <p:cxnSp>
+              <p:nvCxnSpPr>
+                <p:cNvPr id="90" name="直接箭头连接符 89"/>
+                <p:cNvCxnSpPr>
+                  <a:stCxn id="67" idx="3"/>
+                  <a:endCxn id="68" idx="1"/>
+                </p:cNvCxnSpPr>
+                <p:nvPr/>
+              </p:nvCxnSpPr>
+              <p:spPr>
+                <a:xfrm>
+                  <a:off x="5657124" y="809005"/>
+                  <a:ext cx="946706" cy="0"/>
+                </a:xfrm>
+                <a:prstGeom prst="straightConnector1">
+                  <a:avLst/>
+                </a:prstGeom>
+                <a:ln w="28575">
+                  <a:solidFill>
+                    <a:schemeClr val="tx1"/>
+                  </a:solidFill>
+                  <a:tailEnd type="triangle"/>
+                </a:ln>
+              </p:spPr>
+              <p:style>
+                <a:lnRef idx="1">
+                  <a:schemeClr val="accent1"/>
+                </a:lnRef>
+                <a:fillRef idx="0">
+                  <a:schemeClr val="accent1"/>
+                </a:fillRef>
+                <a:effectRef idx="0">
+                  <a:schemeClr val="accent1"/>
+                </a:effectRef>
+                <a:fontRef idx="minor">
+                  <a:schemeClr val="tx1"/>
+                </a:fontRef>
+              </p:style>
+            </p:cxnSp>
+            <p:cxnSp>
+              <p:nvCxnSpPr>
+                <p:cNvPr id="92" name="肘形连接符 91"/>
+                <p:cNvCxnSpPr>
+                  <a:stCxn id="68" idx="3"/>
+                  <a:endCxn id="77" idx="0"/>
+                </p:cNvCxnSpPr>
+                <p:nvPr/>
+              </p:nvCxnSpPr>
+              <p:spPr>
+                <a:xfrm>
+                  <a:off x="7818167" y="809005"/>
+                  <a:ext cx="2029135" cy="1202939"/>
+                </a:xfrm>
+                <a:prstGeom prst="bentConnector2">
+                  <a:avLst/>
+                </a:prstGeom>
+                <a:ln w="28575">
+                  <a:solidFill>
+                    <a:schemeClr val="tx1"/>
+                  </a:solidFill>
+                  <a:tailEnd type="triangle"/>
+                </a:ln>
+              </p:spPr>
+              <p:style>
+                <a:lnRef idx="1">
+                  <a:schemeClr val="accent1"/>
+                </a:lnRef>
+                <a:fillRef idx="0">
+                  <a:schemeClr val="accent1"/>
+                </a:fillRef>
+                <a:effectRef idx="0">
+                  <a:schemeClr val="accent1"/>
+                </a:effectRef>
+                <a:fontRef idx="minor">
+                  <a:schemeClr val="tx1"/>
+                </a:fontRef>
+              </p:style>
+            </p:cxnSp>
+            <p:cxnSp>
+              <p:nvCxnSpPr>
+                <p:cNvPr id="96" name="肘形连接符 95"/>
+                <p:cNvCxnSpPr>
+                  <a:stCxn id="79" idx="3"/>
+                  <a:endCxn id="77" idx="2"/>
+                </p:cNvCxnSpPr>
+                <p:nvPr/>
+              </p:nvCxnSpPr>
+              <p:spPr>
+                <a:xfrm flipV="1">
+                  <a:off x="9527977" y="2584094"/>
+                  <a:ext cx="319325" cy="2924734"/>
+                </a:xfrm>
+                <a:prstGeom prst="bentConnector2">
+                  <a:avLst/>
+                </a:prstGeom>
+                <a:ln w="28575">
+                  <a:solidFill>
+                    <a:schemeClr val="tx1"/>
+                  </a:solidFill>
+                  <a:tailEnd type="triangle"/>
+                </a:ln>
+              </p:spPr>
+              <p:style>
+                <a:lnRef idx="1">
+                  <a:schemeClr val="accent1"/>
+                </a:lnRef>
+                <a:fillRef idx="0">
+                  <a:schemeClr val="accent1"/>
+                </a:fillRef>
+                <a:effectRef idx="0">
+                  <a:schemeClr val="accent1"/>
+                </a:effectRef>
+                <a:fontRef idx="minor">
+                  <a:schemeClr val="tx1"/>
+                </a:fontRef>
+              </p:style>
+            </p:cxnSp>
+            <p:sp>
+              <p:nvSpPr>
+                <p:cNvPr id="106" name="流程图: 过程 105"/>
+                <p:cNvSpPr/>
+                <p:nvPr/>
+              </p:nvSpPr>
+              <p:spPr>
+                <a:xfrm>
+                  <a:off x="2870713" y="1970755"/>
+                  <a:ext cx="1065483" cy="572149"/>
+                </a:xfrm>
+                <a:prstGeom prst="flowChartProcess">
+                  <a:avLst/>
+                </a:prstGeom>
                 <a:solidFill>
-                  <a:schemeClr val="tx1"/>
+                  <a:schemeClr val="bg1"/>
                 </a:solidFill>
-              </a:ln>
-            </p:spPr>
-            <p:style>
-              <a:lnRef idx="2">
-                <a:schemeClr val="accent1">
-                  <a:shade val="50000"/>
-                </a:schemeClr>
-              </a:lnRef>
-              <a:fillRef idx="1">
-                <a:schemeClr val="accent1"/>
-              </a:fillRef>
-              <a:effectRef idx="0">
-                <a:schemeClr val="accent1"/>
-              </a:effectRef>
-              <a:fontRef idx="minor">
-                <a:schemeClr val="lt1"/>
-              </a:fontRef>
-            </p:style>
-            <p:txBody>
-              <a:bodyPr rtlCol="0" anchor="ctr"/>
-              <a:lstStyle/>
-              <a:p>
-                <a:pPr algn="ctr"/>
-                <a:r>
-                  <a:rPr lang="zh-CN" altLang="en-US" sz="1100" smtClean="0">
+                <a:ln w="28575">
+                  <a:solidFill>
+                    <a:schemeClr val="tx1"/>
+                  </a:solidFill>
+                </a:ln>
+              </p:spPr>
+              <p:style>
+                <a:lnRef idx="2">
+                  <a:schemeClr val="accent1">
+                    <a:shade val="50000"/>
+                  </a:schemeClr>
+                </a:lnRef>
+                <a:fillRef idx="1">
+                  <a:schemeClr val="accent1"/>
+                </a:fillRef>
+                <a:effectRef idx="0">
+                  <a:schemeClr val="accent1"/>
+                </a:effectRef>
+                <a:fontRef idx="minor">
+                  <a:schemeClr val="lt1"/>
+                </a:fontRef>
+              </p:style>
+              <p:txBody>
+                <a:bodyPr rtlCol="0" anchor="ctr"/>
+                <a:lstStyle/>
+                <a:p>
+                  <a:pPr algn="ctr"/>
+                  <a:r>
+                    <a:rPr lang="zh-CN" altLang="en-US" sz="1100" smtClean="0">
+                      <a:solidFill>
+                        <a:schemeClr val="tx1"/>
+                      </a:solidFill>
+                    </a:rPr>
+                    <a:t>进入我的</a:t>
+                  </a:r>
+                  <a:endParaRPr lang="zh-CN" altLang="en-US" sz="1100">
                     <a:solidFill>
                       <a:schemeClr val="tx1"/>
                     </a:solidFill>
-                  </a:rPr>
-                  <a:t>进入程序</a:t>
-                </a:r>
-                <a:endParaRPr lang="zh-CN" altLang="en-US" sz="1100">
+                  </a:endParaRPr>
+                </a:p>
+              </p:txBody>
+            </p:sp>
+            <p:sp>
+              <p:nvSpPr>
+                <p:cNvPr id="107" name="流程图: 过程 106"/>
+                <p:cNvSpPr/>
+                <p:nvPr/>
+              </p:nvSpPr>
+              <p:spPr>
+                <a:xfrm>
+                  <a:off x="6678259" y="2011944"/>
+                  <a:ext cx="1065483" cy="572149"/>
+                </a:xfrm>
+                <a:prstGeom prst="flowChartProcess">
+                  <a:avLst/>
+                </a:prstGeom>
+                <a:solidFill>
+                  <a:schemeClr val="bg1"/>
+                </a:solidFill>
+                <a:ln w="28575">
                   <a:solidFill>
                     <a:schemeClr val="tx1"/>
                   </a:solidFill>
-                </a:endParaRPr>
-              </a:p>
-            </p:txBody>
-          </p:sp>
-          <p:cxnSp>
-            <p:nvCxnSpPr>
-              <p:cNvPr id="84" name="肘形连接符 83"/>
-              <p:cNvCxnSpPr>
-                <a:stCxn id="80" idx="3"/>
-                <a:endCxn id="69" idx="1"/>
-              </p:cNvCxnSpPr>
-              <p:nvPr/>
-            </p:nvCxnSpPr>
-            <p:spPr>
-              <a:xfrm>
-                <a:off x="1997175" y="2256830"/>
-                <a:ext cx="865702" cy="1145493"/>
-              </a:xfrm>
-              <a:prstGeom prst="bentConnector3">
-                <a:avLst/>
-              </a:prstGeom>
-              <a:ln w="28575">
-                <a:solidFill>
-                  <a:schemeClr val="tx1"/>
-                </a:solidFill>
-                <a:tailEnd type="triangle"/>
-              </a:ln>
-            </p:spPr>
-            <p:style>
-              <a:lnRef idx="1">
-                <a:schemeClr val="accent1"/>
-              </a:lnRef>
-              <a:fillRef idx="0">
-                <a:schemeClr val="accent1"/>
-              </a:fillRef>
-              <a:effectRef idx="0">
-                <a:schemeClr val="accent1"/>
-              </a:effectRef>
-              <a:fontRef idx="minor">
-                <a:schemeClr val="tx1"/>
-              </a:fontRef>
-            </p:style>
-          </p:cxnSp>
-          <p:cxnSp>
-            <p:nvCxnSpPr>
-              <p:cNvPr id="86" name="肘形连接符 85"/>
-              <p:cNvCxnSpPr>
-                <a:stCxn id="80" idx="3"/>
-                <a:endCxn id="66" idx="1"/>
-              </p:cNvCxnSpPr>
-              <p:nvPr/>
-            </p:nvCxnSpPr>
-            <p:spPr>
-              <a:xfrm flipV="1">
-                <a:off x="1997175" y="809834"/>
-                <a:ext cx="865701" cy="1446996"/>
-              </a:xfrm>
-              <a:prstGeom prst="bentConnector3">
-                <a:avLst/>
-              </a:prstGeom>
-              <a:ln w="28575">
-                <a:solidFill>
-                  <a:schemeClr val="tx1"/>
-                </a:solidFill>
-                <a:tailEnd type="triangle"/>
-              </a:ln>
-            </p:spPr>
-            <p:style>
-              <a:lnRef idx="1">
-                <a:schemeClr val="accent1"/>
-              </a:lnRef>
-              <a:fillRef idx="0">
-                <a:schemeClr val="accent1"/>
-              </a:fillRef>
-              <a:effectRef idx="0">
-                <a:schemeClr val="accent1"/>
-              </a:effectRef>
-              <a:fontRef idx="minor">
-                <a:schemeClr val="tx1"/>
-              </a:fontRef>
-            </p:style>
-          </p:cxnSp>
-          <p:cxnSp>
-            <p:nvCxnSpPr>
-              <p:cNvPr id="90" name="直接箭头连接符 89"/>
-              <p:cNvCxnSpPr>
-                <a:stCxn id="67" idx="3"/>
-                <a:endCxn id="68" idx="1"/>
-              </p:cNvCxnSpPr>
-              <p:nvPr/>
-            </p:nvCxnSpPr>
-            <p:spPr>
-              <a:xfrm>
-                <a:off x="5657124" y="809005"/>
-                <a:ext cx="946706" cy="0"/>
-              </a:xfrm>
-              <a:prstGeom prst="straightConnector1">
-                <a:avLst/>
-              </a:prstGeom>
-              <a:ln w="28575">
-                <a:solidFill>
-                  <a:schemeClr val="tx1"/>
-                </a:solidFill>
-                <a:tailEnd type="triangle"/>
-              </a:ln>
-            </p:spPr>
-            <p:style>
-              <a:lnRef idx="1">
-                <a:schemeClr val="accent1"/>
-              </a:lnRef>
-              <a:fillRef idx="0">
-                <a:schemeClr val="accent1"/>
-              </a:fillRef>
-              <a:effectRef idx="0">
-                <a:schemeClr val="accent1"/>
-              </a:effectRef>
-              <a:fontRef idx="minor">
-                <a:schemeClr val="tx1"/>
-              </a:fontRef>
-            </p:style>
-          </p:cxnSp>
-          <p:cxnSp>
-            <p:nvCxnSpPr>
-              <p:cNvPr id="92" name="肘形连接符 91"/>
-              <p:cNvCxnSpPr>
-                <a:stCxn id="68" idx="3"/>
-                <a:endCxn id="77" idx="0"/>
-              </p:cNvCxnSpPr>
-              <p:nvPr/>
-            </p:nvCxnSpPr>
-            <p:spPr>
-              <a:xfrm>
-                <a:off x="7818167" y="809005"/>
-                <a:ext cx="2029135" cy="1202939"/>
-              </a:xfrm>
-              <a:prstGeom prst="bentConnector2">
-                <a:avLst/>
-              </a:prstGeom>
-              <a:ln w="28575">
-                <a:solidFill>
-                  <a:schemeClr val="tx1"/>
-                </a:solidFill>
-                <a:tailEnd type="triangle"/>
-              </a:ln>
-            </p:spPr>
-            <p:style>
-              <a:lnRef idx="1">
-                <a:schemeClr val="accent1"/>
-              </a:lnRef>
-              <a:fillRef idx="0">
-                <a:schemeClr val="accent1"/>
-              </a:fillRef>
-              <a:effectRef idx="0">
-                <a:schemeClr val="accent1"/>
-              </a:effectRef>
-              <a:fontRef idx="minor">
-                <a:schemeClr val="tx1"/>
-              </a:fontRef>
-            </p:style>
-          </p:cxnSp>
-          <p:cxnSp>
-            <p:nvCxnSpPr>
-              <p:cNvPr id="96" name="肘形连接符 95"/>
-              <p:cNvCxnSpPr>
-                <a:stCxn id="79" idx="3"/>
-                <a:endCxn id="77" idx="2"/>
-              </p:cNvCxnSpPr>
-              <p:nvPr/>
-            </p:nvCxnSpPr>
-            <p:spPr>
-              <a:xfrm flipV="1">
-                <a:off x="9527977" y="2584094"/>
-                <a:ext cx="319325" cy="2924734"/>
-              </a:xfrm>
-              <a:prstGeom prst="bentConnector2">
-                <a:avLst/>
-              </a:prstGeom>
-              <a:ln w="28575">
-                <a:solidFill>
-                  <a:schemeClr val="tx1"/>
-                </a:solidFill>
-                <a:tailEnd type="triangle"/>
-              </a:ln>
-            </p:spPr>
-            <p:style>
-              <a:lnRef idx="1">
-                <a:schemeClr val="accent1"/>
-              </a:lnRef>
-              <a:fillRef idx="0">
-                <a:schemeClr val="accent1"/>
-              </a:fillRef>
-              <a:effectRef idx="0">
-                <a:schemeClr val="accent1"/>
-              </a:effectRef>
-              <a:fontRef idx="minor">
-                <a:schemeClr val="tx1"/>
-              </a:fontRef>
-            </p:style>
-          </p:cxnSp>
-          <p:sp>
-            <p:nvSpPr>
-              <p:cNvPr id="106" name="流程图: 过程 105"/>
-              <p:cNvSpPr/>
-              <p:nvPr/>
-            </p:nvSpPr>
-            <p:spPr>
-              <a:xfrm>
-                <a:off x="2870713" y="1970755"/>
-                <a:ext cx="1065483" cy="572149"/>
-              </a:xfrm>
-              <a:prstGeom prst="flowChartProcess">
-                <a:avLst/>
-              </a:prstGeom>
-              <a:solidFill>
-                <a:schemeClr val="bg1"/>
-              </a:solidFill>
-              <a:ln w="28575">
-                <a:solidFill>
-                  <a:schemeClr val="tx1"/>
-                </a:solidFill>
-              </a:ln>
-            </p:spPr>
-            <p:style>
-              <a:lnRef idx="2">
-                <a:schemeClr val="accent1">
-                  <a:shade val="50000"/>
-                </a:schemeClr>
-              </a:lnRef>
-              <a:fillRef idx="1">
-                <a:schemeClr val="accent1"/>
-              </a:fillRef>
-              <a:effectRef idx="0">
-                <a:schemeClr val="accent1"/>
-              </a:effectRef>
-              <a:fontRef idx="minor">
-                <a:schemeClr val="lt1"/>
-              </a:fontRef>
-            </p:style>
-            <p:txBody>
-              <a:bodyPr rtlCol="0" anchor="ctr"/>
-              <a:lstStyle/>
-              <a:p>
-                <a:pPr algn="ctr"/>
-                <a:r>
-                  <a:rPr lang="zh-CN" altLang="en-US" sz="1100" smtClean="0">
+                </a:ln>
+              </p:spPr>
+              <p:style>
+                <a:lnRef idx="2">
+                  <a:schemeClr val="accent1">
+                    <a:shade val="50000"/>
+                  </a:schemeClr>
+                </a:lnRef>
+                <a:fillRef idx="1">
+                  <a:schemeClr val="accent1"/>
+                </a:fillRef>
+                <a:effectRef idx="0">
+                  <a:schemeClr val="accent1"/>
+                </a:effectRef>
+                <a:fontRef idx="minor">
+                  <a:schemeClr val="lt1"/>
+                </a:fontRef>
+              </p:style>
+              <p:txBody>
+                <a:bodyPr rtlCol="0" anchor="ctr"/>
+                <a:lstStyle/>
+                <a:p>
+                  <a:pPr algn="ctr"/>
+                  <a:r>
+                    <a:rPr lang="zh-CN" altLang="en-US" sz="1100" smtClean="0">
+                      <a:solidFill>
+                        <a:schemeClr val="tx1"/>
+                      </a:solidFill>
+                    </a:rPr>
+                    <a:t>多彩主题</a:t>
+                  </a:r>
+                  <a:endParaRPr lang="zh-CN" altLang="en-US" sz="1100">
                     <a:solidFill>
                       <a:schemeClr val="tx1"/>
                     </a:solidFill>
-                  </a:rPr>
-                  <a:t>进入我的</a:t>
-                </a:r>
-                <a:endParaRPr lang="zh-CN" altLang="en-US" sz="1100">
+                  </a:endParaRPr>
+                </a:p>
+              </p:txBody>
+            </p:sp>
+            <p:cxnSp>
+              <p:nvCxnSpPr>
+                <p:cNvPr id="111" name="直接箭头连接符 110"/>
+                <p:cNvCxnSpPr>
+                  <a:endCxn id="106" idx="1"/>
+                </p:cNvCxnSpPr>
+                <p:nvPr/>
+              </p:nvCxnSpPr>
+              <p:spPr>
+                <a:xfrm>
+                  <a:off x="2428068" y="2256830"/>
+                  <a:ext cx="442644" cy="0"/>
+                </a:xfrm>
+                <a:prstGeom prst="straightConnector1">
+                  <a:avLst/>
+                </a:prstGeom>
+                <a:ln w="28575">
                   <a:solidFill>
                     <a:schemeClr val="tx1"/>
                   </a:solidFill>
-                </a:endParaRPr>
-              </a:p>
-            </p:txBody>
-          </p:sp>
-          <p:sp>
-            <p:nvSpPr>
-              <p:cNvPr id="107" name="流程图: 过程 106"/>
-              <p:cNvSpPr/>
-              <p:nvPr/>
-            </p:nvSpPr>
-            <p:spPr>
-              <a:xfrm>
-                <a:off x="6678259" y="2011944"/>
-                <a:ext cx="1065483" cy="572149"/>
-              </a:xfrm>
-              <a:prstGeom prst="flowChartProcess">
-                <a:avLst/>
-              </a:prstGeom>
-              <a:solidFill>
-                <a:schemeClr val="bg1"/>
-              </a:solidFill>
-              <a:ln w="28575">
+                  <a:tailEnd type="triangle"/>
+                </a:ln>
+              </p:spPr>
+              <p:style>
+                <a:lnRef idx="1">
+                  <a:schemeClr val="accent1"/>
+                </a:lnRef>
+                <a:fillRef idx="0">
+                  <a:schemeClr val="accent1"/>
+                </a:fillRef>
+                <a:effectRef idx="0">
+                  <a:schemeClr val="accent1"/>
+                </a:effectRef>
+                <a:fontRef idx="minor">
+                  <a:schemeClr val="tx1"/>
+                </a:fontRef>
+              </p:style>
+            </p:cxnSp>
+            <p:cxnSp>
+              <p:nvCxnSpPr>
+                <p:cNvPr id="113" name="肘形连接符 112"/>
+                <p:cNvCxnSpPr>
+                  <a:stCxn id="106" idx="3"/>
+                  <a:endCxn id="71" idx="1"/>
+                </p:cNvCxnSpPr>
+                <p:nvPr/>
+              </p:nvCxnSpPr>
+              <p:spPr>
+                <a:xfrm>
+                  <a:off x="3936195" y="2256830"/>
+                  <a:ext cx="773651" cy="1144299"/>
+                </a:xfrm>
+                <a:prstGeom prst="bentConnector3">
+                  <a:avLst/>
+                </a:prstGeom>
+                <a:ln w="28575">
+                  <a:solidFill>
+                    <a:schemeClr val="tx1"/>
+                  </a:solidFill>
+                  <a:tailEnd type="triangle"/>
+                </a:ln>
+              </p:spPr>
+              <p:style>
+                <a:lnRef idx="1">
+                  <a:schemeClr val="accent1"/>
+                </a:lnRef>
+                <a:fillRef idx="0">
+                  <a:schemeClr val="accent1"/>
+                </a:fillRef>
+                <a:effectRef idx="0">
+                  <a:schemeClr val="accent1"/>
+                </a:effectRef>
+                <a:fontRef idx="minor">
+                  <a:schemeClr val="tx1"/>
+                </a:fontRef>
+              </p:style>
+            </p:cxnSp>
+            <p:cxnSp>
+              <p:nvCxnSpPr>
+                <p:cNvPr id="115" name="直接连接符 114"/>
+                <p:cNvCxnSpPr>
+                  <a:stCxn id="69" idx="3"/>
+                </p:cNvCxnSpPr>
+                <p:nvPr/>
+              </p:nvCxnSpPr>
+              <p:spPr>
+                <a:xfrm flipV="1">
+                  <a:off x="4045878" y="3401128"/>
+                  <a:ext cx="325128" cy="1194"/>
+                </a:xfrm>
+                <a:prstGeom prst="line">
+                  <a:avLst/>
+                </a:prstGeom>
+                <a:ln w="28575">
+                  <a:solidFill>
+                    <a:schemeClr val="tx1"/>
+                  </a:solidFill>
+                </a:ln>
+              </p:spPr>
+              <p:style>
+                <a:lnRef idx="1">
+                  <a:schemeClr val="accent1"/>
+                </a:lnRef>
+                <a:fillRef idx="0">
+                  <a:schemeClr val="accent1"/>
+                </a:fillRef>
+                <a:effectRef idx="0">
+                  <a:schemeClr val="accent1"/>
+                </a:effectRef>
+                <a:fontRef idx="minor">
+                  <a:schemeClr val="tx1"/>
+                </a:fontRef>
+              </p:style>
+            </p:cxnSp>
+            <p:cxnSp>
+              <p:nvCxnSpPr>
+                <p:cNvPr id="133" name="直接箭头连接符 132"/>
+                <p:cNvCxnSpPr>
+                  <a:stCxn id="71" idx="3"/>
+                  <a:endCxn id="72" idx="1"/>
+                </p:cNvCxnSpPr>
+                <p:nvPr/>
+              </p:nvCxnSpPr>
+              <p:spPr>
+                <a:xfrm>
+                  <a:off x="5916354" y="3401128"/>
+                  <a:ext cx="777573" cy="0"/>
+                </a:xfrm>
+                <a:prstGeom prst="straightConnector1">
+                  <a:avLst/>
+                </a:prstGeom>
+                <a:ln w="28575">
+                  <a:solidFill>
+                    <a:schemeClr val="tx1"/>
+                  </a:solidFill>
+                  <a:tailEnd type="triangle"/>
+                </a:ln>
+              </p:spPr>
+              <p:style>
+                <a:lnRef idx="1">
+                  <a:schemeClr val="accent1"/>
+                </a:lnRef>
+                <a:fillRef idx="0">
+                  <a:schemeClr val="accent1"/>
+                </a:fillRef>
+                <a:effectRef idx="0">
+                  <a:schemeClr val="accent1"/>
+                </a:effectRef>
+                <a:fontRef idx="minor">
+                  <a:schemeClr val="tx1"/>
+                </a:fontRef>
+              </p:style>
+            </p:cxnSp>
+            <p:cxnSp>
+              <p:nvCxnSpPr>
+                <p:cNvPr id="135" name="直接箭头连接符 134"/>
+                <p:cNvCxnSpPr>
+                  <a:stCxn id="71" idx="2"/>
+                  <a:endCxn id="73" idx="0"/>
+                </p:cNvCxnSpPr>
+                <p:nvPr/>
+              </p:nvCxnSpPr>
+              <p:spPr>
+                <a:xfrm flipH="1">
+                  <a:off x="5299386" y="3687203"/>
+                  <a:ext cx="13714" cy="586879"/>
+                </a:xfrm>
+                <a:prstGeom prst="straightConnector1">
+                  <a:avLst/>
+                </a:prstGeom>
+                <a:ln w="28575">
+                  <a:solidFill>
+                    <a:schemeClr val="tx1"/>
+                  </a:solidFill>
+                  <a:tailEnd type="triangle"/>
+                </a:ln>
+              </p:spPr>
+              <p:style>
+                <a:lnRef idx="1">
+                  <a:schemeClr val="accent1"/>
+                </a:lnRef>
+                <a:fillRef idx="0">
+                  <a:schemeClr val="accent1"/>
+                </a:fillRef>
+                <a:effectRef idx="0">
+                  <a:schemeClr val="accent1"/>
+                </a:effectRef>
+                <a:fontRef idx="minor">
+                  <a:schemeClr val="tx1"/>
+                </a:fontRef>
+              </p:style>
+            </p:cxnSp>
+            <p:cxnSp>
+              <p:nvCxnSpPr>
+                <p:cNvPr id="139" name="肘形连接符 138"/>
+                <p:cNvCxnSpPr>
+                  <a:stCxn id="72" idx="2"/>
+                  <a:endCxn id="73" idx="3"/>
+                </p:cNvCxnSpPr>
+                <p:nvPr/>
+              </p:nvCxnSpPr>
+              <p:spPr>
+                <a:xfrm rot="5400000">
+                  <a:off x="6120344" y="3469500"/>
+                  <a:ext cx="872953" cy="1308361"/>
+                </a:xfrm>
+                <a:prstGeom prst="bentConnector2">
+                  <a:avLst/>
+                </a:prstGeom>
+                <a:ln w="28575">
+                  <a:solidFill>
+                    <a:schemeClr val="tx1"/>
+                  </a:solidFill>
+                  <a:tailEnd type="triangle"/>
+                </a:ln>
+              </p:spPr>
+              <p:style>
+                <a:lnRef idx="1">
+                  <a:schemeClr val="accent1"/>
+                </a:lnRef>
+                <a:fillRef idx="0">
+                  <a:schemeClr val="accent1"/>
+                </a:fillRef>
+                <a:effectRef idx="0">
+                  <a:schemeClr val="accent1"/>
+                </a:effectRef>
+                <a:fontRef idx="minor">
+                  <a:schemeClr val="tx1"/>
+                </a:fontRef>
+              </p:style>
+            </p:cxnSp>
+            <p:cxnSp>
+              <p:nvCxnSpPr>
+                <p:cNvPr id="141" name="肘形连接符 140"/>
+                <p:cNvCxnSpPr>
+                  <a:stCxn id="71" idx="0"/>
+                  <a:endCxn id="107" idx="1"/>
+                </p:cNvCxnSpPr>
+                <p:nvPr/>
+              </p:nvCxnSpPr>
+              <p:spPr>
+                <a:xfrm rot="5400000" flipH="1" flipV="1">
+                  <a:off x="5587163" y="2023957"/>
+                  <a:ext cx="817035" cy="1365159"/>
+                </a:xfrm>
+                <a:prstGeom prst="bentConnector2">
+                  <a:avLst/>
+                </a:prstGeom>
+                <a:ln w="28575">
+                  <a:solidFill>
+                    <a:schemeClr val="tx1"/>
+                  </a:solidFill>
+                  <a:tailEnd type="triangle"/>
+                </a:ln>
+              </p:spPr>
+              <p:style>
+                <a:lnRef idx="1">
+                  <a:schemeClr val="accent1"/>
+                </a:lnRef>
+                <a:fillRef idx="0">
+                  <a:schemeClr val="accent1"/>
+                </a:fillRef>
+                <a:effectRef idx="0">
+                  <a:schemeClr val="accent1"/>
+                </a:effectRef>
+                <a:fontRef idx="minor">
+                  <a:schemeClr val="tx1"/>
+                </a:fontRef>
+              </p:style>
+            </p:cxnSp>
+            <p:cxnSp>
+              <p:nvCxnSpPr>
+                <p:cNvPr id="143" name="肘形连接符 142"/>
+                <p:cNvCxnSpPr>
+                  <a:stCxn id="74" idx="2"/>
+                  <a:endCxn id="75" idx="1"/>
+                </p:cNvCxnSpPr>
+                <p:nvPr/>
+              </p:nvCxnSpPr>
+              <p:spPr>
+                <a:xfrm rot="16200000" flipH="1">
+                  <a:off x="3820753" y="4446382"/>
+                  <a:ext cx="645145" cy="1479746"/>
+                </a:xfrm>
+                <a:prstGeom prst="bentConnector2">
+                  <a:avLst/>
+                </a:prstGeom>
+                <a:ln w="28575">
+                  <a:solidFill>
+                    <a:schemeClr val="tx1"/>
+                  </a:solidFill>
+                  <a:tailEnd type="triangle"/>
+                </a:ln>
+              </p:spPr>
+              <p:style>
+                <a:lnRef idx="1">
+                  <a:schemeClr val="accent1"/>
+                </a:lnRef>
+                <a:fillRef idx="0">
+                  <a:schemeClr val="accent1"/>
+                </a:fillRef>
+                <a:effectRef idx="0">
+                  <a:schemeClr val="accent1"/>
+                </a:effectRef>
+                <a:fontRef idx="minor">
+                  <a:schemeClr val="tx1"/>
+                </a:fontRef>
+              </p:style>
+            </p:cxnSp>
+            <p:cxnSp>
+              <p:nvCxnSpPr>
+                <p:cNvPr id="145" name="直接箭头连接符 144"/>
+                <p:cNvCxnSpPr>
+                  <a:stCxn id="75" idx="3"/>
+                  <a:endCxn id="76" idx="1"/>
+                </p:cNvCxnSpPr>
+                <p:nvPr/>
+              </p:nvCxnSpPr>
+              <p:spPr>
+                <a:xfrm>
+                  <a:off x="5737153" y="5508828"/>
+                  <a:ext cx="654178" cy="0"/>
+                </a:xfrm>
+                <a:prstGeom prst="straightConnector1">
+                  <a:avLst/>
+                </a:prstGeom>
+                <a:ln w="28575">
+                  <a:solidFill>
+                    <a:schemeClr val="tx1"/>
+                  </a:solidFill>
+                  <a:tailEnd type="triangle"/>
+                </a:ln>
+              </p:spPr>
+              <p:style>
+                <a:lnRef idx="1">
+                  <a:schemeClr val="accent1"/>
+                </a:lnRef>
+                <a:fillRef idx="0">
+                  <a:schemeClr val="accent1"/>
+                </a:fillRef>
+                <a:effectRef idx="0">
+                  <a:schemeClr val="accent1"/>
+                </a:effectRef>
+                <a:fontRef idx="minor">
+                  <a:schemeClr val="tx1"/>
+                </a:fontRef>
+              </p:style>
+            </p:cxnSp>
+            <p:cxnSp>
+              <p:nvCxnSpPr>
+                <p:cNvPr id="147" name="直接箭头连接符 146"/>
+                <p:cNvCxnSpPr>
+                  <a:stCxn id="76" idx="3"/>
+                  <a:endCxn id="79" idx="1"/>
+                </p:cNvCxnSpPr>
+                <p:nvPr/>
+              </p:nvCxnSpPr>
+              <p:spPr>
+                <a:xfrm flipV="1">
+                  <a:off x="7245285" y="5508827"/>
+                  <a:ext cx="1095773" cy="1"/>
+                </a:xfrm>
+                <a:prstGeom prst="straightConnector1">
+                  <a:avLst/>
+                </a:prstGeom>
+                <a:ln w="28575">
+                  <a:solidFill>
+                    <a:schemeClr val="tx1"/>
+                  </a:solidFill>
+                  <a:tailEnd type="triangle"/>
+                </a:ln>
+              </p:spPr>
+              <p:style>
+                <a:lnRef idx="1">
+                  <a:schemeClr val="accent1"/>
+                </a:lnRef>
+                <a:fillRef idx="0">
+                  <a:schemeClr val="accent1"/>
+                </a:fillRef>
+                <a:effectRef idx="0">
+                  <a:schemeClr val="accent1"/>
+                </a:effectRef>
+                <a:fontRef idx="minor">
+                  <a:schemeClr val="tx1"/>
+                </a:fontRef>
+              </p:style>
+            </p:cxnSp>
+            <p:cxnSp>
+              <p:nvCxnSpPr>
+                <p:cNvPr id="151" name="直接箭头连接符 150"/>
+                <p:cNvCxnSpPr>
+                  <a:stCxn id="73" idx="1"/>
+                  <a:endCxn id="74" idx="3"/>
+                </p:cNvCxnSpPr>
+                <p:nvPr/>
+              </p:nvCxnSpPr>
+              <p:spPr>
+                <a:xfrm flipH="1">
+                  <a:off x="3830430" y="4560156"/>
+                  <a:ext cx="865702" cy="17452"/>
+                </a:xfrm>
+                <a:prstGeom prst="straightConnector1">
+                  <a:avLst/>
+                </a:prstGeom>
+                <a:ln w="28575">
+                  <a:solidFill>
+                    <a:schemeClr val="tx1"/>
+                  </a:solidFill>
+                  <a:tailEnd type="triangle"/>
+                </a:ln>
+              </p:spPr>
+              <p:style>
+                <a:lnRef idx="1">
+                  <a:schemeClr val="accent1"/>
+                </a:lnRef>
+                <a:fillRef idx="0">
+                  <a:schemeClr val="accent1"/>
+                </a:fillRef>
+                <a:effectRef idx="0">
+                  <a:schemeClr val="accent1"/>
+                </a:effectRef>
+                <a:fontRef idx="minor">
+                  <a:schemeClr val="tx1"/>
+                </a:fontRef>
+              </p:style>
+            </p:cxnSp>
+            <p:cxnSp>
+              <p:nvCxnSpPr>
+                <p:cNvPr id="155" name="直接箭头连接符 154"/>
+                <p:cNvCxnSpPr>
+                  <a:stCxn id="107" idx="3"/>
+                  <a:endCxn id="77" idx="1"/>
+                </p:cNvCxnSpPr>
+                <p:nvPr/>
+              </p:nvCxnSpPr>
+              <p:spPr>
+                <a:xfrm>
+                  <a:off x="7743742" y="2298019"/>
+                  <a:ext cx="1676583" cy="0"/>
+                </a:xfrm>
+                <a:prstGeom prst="straightConnector1">
+                  <a:avLst/>
+                </a:prstGeom>
+                <a:ln w="28575">
+                  <a:solidFill>
+                    <a:schemeClr val="tx1"/>
+                  </a:solidFill>
+                  <a:tailEnd type="triangle"/>
+                </a:ln>
+              </p:spPr>
+              <p:style>
+                <a:lnRef idx="1">
+                  <a:schemeClr val="accent1"/>
+                </a:lnRef>
+                <a:fillRef idx="0">
+                  <a:schemeClr val="accent1"/>
+                </a:fillRef>
+                <a:effectRef idx="0">
+                  <a:schemeClr val="accent1"/>
+                </a:effectRef>
+                <a:fontRef idx="minor">
+                  <a:schemeClr val="tx1"/>
+                </a:fontRef>
+              </p:style>
+            </p:cxnSp>
+            <p:sp>
+              <p:nvSpPr>
+                <p:cNvPr id="166" name="文本框 165"/>
+                <p:cNvSpPr txBox="1"/>
+                <p:nvPr/>
+              </p:nvSpPr>
+              <p:spPr>
+                <a:xfrm>
+                  <a:off x="4793986" y="6171422"/>
+                  <a:ext cx="1418421" cy="323415"/>
+                </a:xfrm>
+                <a:prstGeom prst="rect">
+                  <a:avLst/>
+                </a:prstGeom>
+                <a:noFill/>
+                <a:ln w="28575">
+                  <a:noFill/>
+                </a:ln>
+              </p:spPr>
+              <p:txBody>
+                <a:bodyPr wrap="none" rtlCol="0">
+                  <a:spAutoFit/>
+                </a:bodyPr>
+                <a:lstStyle/>
+                <a:p>
+                  <a:r>
+                    <a:rPr lang="zh-CN" altLang="en-US" sz="1100" smtClean="0"/>
+                    <a:t>程序的逻辑结构</a:t>
+                  </a:r>
+                  <a:endParaRPr lang="zh-CN" altLang="en-US" sz="1100"/>
+                </a:p>
+              </p:txBody>
+            </p:sp>
+            <p:sp>
+              <p:nvSpPr>
+                <p:cNvPr id="171" name="文本框 170"/>
+                <p:cNvSpPr txBox="1"/>
+                <p:nvPr/>
+              </p:nvSpPr>
+              <p:spPr>
+                <a:xfrm>
+                  <a:off x="5350653" y="2584094"/>
+                  <a:ext cx="394178" cy="323415"/>
+                </a:xfrm>
+                <a:prstGeom prst="rect">
+                  <a:avLst/>
+                </a:prstGeom>
+                <a:noFill/>
+              </p:spPr>
+              <p:txBody>
+                <a:bodyPr wrap="none" rtlCol="0">
+                  <a:spAutoFit/>
+                </a:bodyPr>
+                <a:lstStyle/>
+                <a:p>
+                  <a:r>
+                    <a:rPr lang="zh-CN" altLang="en-US" sz="1100"/>
+                    <a:t>是</a:t>
+                  </a:r>
+                </a:p>
+              </p:txBody>
+            </p:sp>
+            <p:sp>
+              <p:nvSpPr>
+                <p:cNvPr id="172" name="文本框 171"/>
+                <p:cNvSpPr txBox="1"/>
+                <p:nvPr/>
+              </p:nvSpPr>
+              <p:spPr>
+                <a:xfrm>
+                  <a:off x="5350653" y="3846660"/>
+                  <a:ext cx="394178" cy="323415"/>
+                </a:xfrm>
+                <a:prstGeom prst="rect">
+                  <a:avLst/>
+                </a:prstGeom>
+                <a:noFill/>
+              </p:spPr>
+              <p:txBody>
+                <a:bodyPr wrap="none" rtlCol="0">
+                  <a:spAutoFit/>
+                </a:bodyPr>
+                <a:lstStyle/>
+                <a:p>
+                  <a:r>
+                    <a:rPr lang="zh-CN" altLang="en-US" sz="1100"/>
+                    <a:t>是</a:t>
+                  </a:r>
+                </a:p>
+              </p:txBody>
+            </p:sp>
+            <p:sp>
+              <p:nvSpPr>
+                <p:cNvPr id="173" name="文本框 172"/>
+                <p:cNvSpPr txBox="1"/>
+                <p:nvPr/>
+              </p:nvSpPr>
+              <p:spPr>
+                <a:xfrm>
+                  <a:off x="6117782" y="3026550"/>
+                  <a:ext cx="394178" cy="323415"/>
+                </a:xfrm>
+                <a:prstGeom prst="rect">
+                  <a:avLst/>
+                </a:prstGeom>
+                <a:noFill/>
+              </p:spPr>
+              <p:txBody>
+                <a:bodyPr wrap="none" rtlCol="0">
+                  <a:spAutoFit/>
+                </a:bodyPr>
+                <a:lstStyle/>
+                <a:p>
+                  <a:r>
+                    <a:rPr lang="zh-CN" altLang="en-US" sz="1100" smtClean="0"/>
+                    <a:t>否</a:t>
+                  </a:r>
+                  <a:endParaRPr lang="zh-CN" altLang="en-US" sz="1100"/>
+                </a:p>
+              </p:txBody>
+            </p:sp>
+            <p:sp>
+              <p:nvSpPr>
+                <p:cNvPr id="2" name="文本框 1"/>
+                <p:cNvSpPr txBox="1"/>
+                <p:nvPr/>
+              </p:nvSpPr>
+              <p:spPr>
+                <a:xfrm>
+                  <a:off x="7371606" y="5150894"/>
+                  <a:ext cx="906300" cy="323415"/>
+                </a:xfrm>
+                <a:prstGeom prst="rect">
+                  <a:avLst/>
+                </a:prstGeom>
+                <a:noFill/>
+              </p:spPr>
+              <p:txBody>
+                <a:bodyPr wrap="none" rtlCol="0">
+                  <a:spAutoFit/>
+                </a:bodyPr>
+                <a:lstStyle/>
+                <a:p>
+                  <a:r>
+                    <a:rPr lang="zh-CN" altLang="en-US" sz="1100"/>
+                    <a:t>添加</a:t>
+                  </a:r>
+                  <a:r>
+                    <a:rPr lang="zh-CN" altLang="en-US" sz="1100" smtClean="0"/>
+                    <a:t>公告</a:t>
+                  </a:r>
+                  <a:endParaRPr lang="zh-CN" altLang="en-US" sz="1100"/>
+                </a:p>
+              </p:txBody>
+            </p:sp>
+            <p:sp>
+              <p:nvSpPr>
+                <p:cNvPr id="42" name="文本框 41"/>
+                <p:cNvSpPr txBox="1"/>
+                <p:nvPr/>
+              </p:nvSpPr>
+              <p:spPr>
+                <a:xfrm>
+                  <a:off x="7371605" y="5651186"/>
+                  <a:ext cx="906300" cy="323415"/>
+                </a:xfrm>
+                <a:prstGeom prst="rect">
+                  <a:avLst/>
+                </a:prstGeom>
+                <a:noFill/>
+              </p:spPr>
+              <p:txBody>
+                <a:bodyPr wrap="none" rtlCol="0">
+                  <a:spAutoFit/>
+                </a:bodyPr>
+                <a:lstStyle/>
+                <a:p>
+                  <a:r>
+                    <a:rPr lang="zh-CN" altLang="en-US" sz="1100" smtClean="0"/>
+                    <a:t>编辑项目</a:t>
+                  </a:r>
+                  <a:endParaRPr lang="zh-CN" altLang="en-US" sz="1100"/>
+                </a:p>
+              </p:txBody>
+            </p:sp>
+            <p:cxnSp>
+              <p:nvCxnSpPr>
+                <p:cNvPr id="51" name="直接箭头连接符 50"/>
+                <p:cNvCxnSpPr>
+                  <a:stCxn id="66" idx="3"/>
+                  <a:endCxn id="67" idx="1"/>
+                </p:cNvCxnSpPr>
+                <p:nvPr/>
+              </p:nvCxnSpPr>
+              <p:spPr>
+                <a:xfrm flipV="1">
+                  <a:off x="3928359" y="809005"/>
+                  <a:ext cx="874811" cy="829"/>
+                </a:xfrm>
+                <a:prstGeom prst="straightConnector1">
+                  <a:avLst/>
+                </a:prstGeom>
+                <a:ln w="28575">
+                  <a:solidFill>
+                    <a:srgbClr val="000000"/>
+                  </a:solidFill>
+                  <a:tailEnd type="triangle"/>
+                </a:ln>
+              </p:spPr>
+              <p:style>
+                <a:lnRef idx="1">
+                  <a:schemeClr val="accent1"/>
+                </a:lnRef>
+                <a:fillRef idx="0">
+                  <a:schemeClr val="accent1"/>
+                </a:fillRef>
+                <a:effectRef idx="0">
+                  <a:schemeClr val="accent1"/>
+                </a:effectRef>
+                <a:fontRef idx="minor">
+                  <a:schemeClr val="tx1"/>
+                </a:fontRef>
+              </p:style>
+            </p:cxnSp>
+            <p:sp>
+              <p:nvSpPr>
+                <p:cNvPr id="101" name="流程图: 过程 100"/>
+                <p:cNvSpPr/>
+                <p:nvPr/>
+              </p:nvSpPr>
+              <p:spPr>
+                <a:xfrm>
+                  <a:off x="4803170" y="1384690"/>
+                  <a:ext cx="853954" cy="572149"/>
+                </a:xfrm>
+                <a:prstGeom prst="flowChartProcess">
+                  <a:avLst/>
+                </a:prstGeom>
                 <a:solidFill>
-                  <a:schemeClr val="tx1"/>
+                  <a:schemeClr val="bg1"/>
                 </a:solidFill>
-              </a:ln>
-            </p:spPr>
-            <p:style>
-              <a:lnRef idx="2">
-                <a:schemeClr val="accent1">
-                  <a:shade val="50000"/>
-                </a:schemeClr>
-              </a:lnRef>
-              <a:fillRef idx="1">
-                <a:schemeClr val="accent1"/>
-              </a:fillRef>
-              <a:effectRef idx="0">
-                <a:schemeClr val="accent1"/>
-              </a:effectRef>
-              <a:fontRef idx="minor">
-                <a:schemeClr val="lt1"/>
-              </a:fontRef>
-            </p:style>
-            <p:txBody>
-              <a:bodyPr rtlCol="0" anchor="ctr"/>
-              <a:lstStyle/>
-              <a:p>
-                <a:pPr algn="ctr"/>
-                <a:r>
-                  <a:rPr lang="zh-CN" altLang="en-US" sz="1100" smtClean="0">
+                <a:ln w="28575">
+                  <a:solidFill>
+                    <a:schemeClr val="tx1"/>
+                  </a:solidFill>
+                </a:ln>
+              </p:spPr>
+              <p:style>
+                <a:lnRef idx="2">
+                  <a:schemeClr val="accent1">
+                    <a:shade val="50000"/>
+                  </a:schemeClr>
+                </a:lnRef>
+                <a:fillRef idx="1">
+                  <a:schemeClr val="accent1"/>
+                </a:fillRef>
+                <a:effectRef idx="0">
+                  <a:schemeClr val="accent1"/>
+                </a:effectRef>
+                <a:fontRef idx="minor">
+                  <a:schemeClr val="lt1"/>
+                </a:fontRef>
+              </p:style>
+              <p:txBody>
+                <a:bodyPr rtlCol="0" anchor="ctr"/>
+                <a:lstStyle/>
+                <a:p>
+                  <a:pPr algn="ctr"/>
+                  <a:r>
+                    <a:rPr lang="zh-CN" altLang="en-US" sz="1100" smtClean="0">
+                      <a:solidFill>
+                        <a:schemeClr val="tx1"/>
+                      </a:solidFill>
+                    </a:rPr>
+                    <a:t>实验室计算器</a:t>
+                  </a:r>
+                  <a:endParaRPr lang="zh-CN" altLang="en-US" sz="1100">
                     <a:solidFill>
                       <a:schemeClr val="tx1"/>
                     </a:solidFill>
-                  </a:rPr>
-                  <a:t>多彩主题</a:t>
-                </a:r>
-                <a:endParaRPr lang="zh-CN" altLang="en-US" sz="1100">
+                  </a:endParaRPr>
+                </a:p>
+              </p:txBody>
+            </p:sp>
+            <p:cxnSp>
+              <p:nvCxnSpPr>
+                <p:cNvPr id="54" name="肘形连接符 53"/>
+                <p:cNvCxnSpPr/>
+                <p:nvPr/>
+              </p:nvCxnSpPr>
+              <p:spPr>
+                <a:xfrm>
+                  <a:off x="3908564" y="811011"/>
+                  <a:ext cx="914400" cy="914400"/>
+                </a:xfrm>
+                <a:prstGeom prst="bentConnector3">
+                  <a:avLst/>
+                </a:prstGeom>
+                <a:ln w="28575">
+                  <a:solidFill>
+                    <a:srgbClr val="000000"/>
+                  </a:solidFill>
+                  <a:tailEnd type="triangle"/>
+                </a:ln>
+              </p:spPr>
+              <p:style>
+                <a:lnRef idx="1">
+                  <a:schemeClr val="accent1"/>
+                </a:lnRef>
+                <a:fillRef idx="0">
+                  <a:schemeClr val="accent1"/>
+                </a:fillRef>
+                <a:effectRef idx="0">
+                  <a:schemeClr val="accent1"/>
+                </a:effectRef>
+                <a:fontRef idx="minor">
+                  <a:schemeClr val="tx1"/>
+                </a:fontRef>
+              </p:style>
+            </p:cxnSp>
+            <p:cxnSp>
+              <p:nvCxnSpPr>
+                <p:cNvPr id="56" name="肘形连接符 55"/>
+                <p:cNvCxnSpPr>
+                  <a:stCxn id="66" idx="3"/>
+                  <a:endCxn id="85" idx="1"/>
+                </p:cNvCxnSpPr>
+                <p:nvPr/>
+              </p:nvCxnSpPr>
+              <p:spPr>
+                <a:xfrm flipV="1">
+                  <a:off x="3928359" y="-35989"/>
+                  <a:ext cx="874811" cy="845823"/>
+                </a:xfrm>
+                <a:prstGeom prst="bentConnector3">
+                  <a:avLst/>
+                </a:prstGeom>
+                <a:ln w="28575">
+                  <a:solidFill>
+                    <a:srgbClr val="000000"/>
+                  </a:solidFill>
+                  <a:tailEnd type="triangle"/>
+                </a:ln>
+              </p:spPr>
+              <p:style>
+                <a:lnRef idx="1">
+                  <a:schemeClr val="accent1"/>
+                </a:lnRef>
+                <a:fillRef idx="0">
+                  <a:schemeClr val="accent1"/>
+                </a:fillRef>
+                <a:effectRef idx="0">
+                  <a:schemeClr val="accent1"/>
+                </a:effectRef>
+                <a:fontRef idx="minor">
+                  <a:schemeClr val="tx1"/>
+                </a:fontRef>
+              </p:style>
+            </p:cxnSp>
+            <p:cxnSp>
+              <p:nvCxnSpPr>
+                <p:cNvPr id="59" name="肘形连接符 58"/>
+                <p:cNvCxnSpPr>
+                  <a:stCxn id="85" idx="3"/>
+                  <a:endCxn id="68" idx="0"/>
+                </p:cNvCxnSpPr>
+                <p:nvPr/>
+              </p:nvCxnSpPr>
+              <p:spPr>
+                <a:xfrm>
+                  <a:off x="5657124" y="-35989"/>
+                  <a:ext cx="1553875" cy="558919"/>
+                </a:xfrm>
+                <a:prstGeom prst="bentConnector2">
+                  <a:avLst/>
+                </a:prstGeom>
+                <a:ln w="28575">
                   <a:solidFill>
                     <a:schemeClr val="tx1"/>
                   </a:solidFill>
-                </a:endParaRPr>
-              </a:p>
-            </p:txBody>
-          </p:sp>
-          <p:cxnSp>
-            <p:nvCxnSpPr>
-              <p:cNvPr id="111" name="直接箭头连接符 110"/>
-              <p:cNvCxnSpPr>
-                <a:endCxn id="106" idx="1"/>
-              </p:cNvCxnSpPr>
-              <p:nvPr/>
-            </p:nvCxnSpPr>
-            <p:spPr>
-              <a:xfrm>
-                <a:off x="2428068" y="2256830"/>
-                <a:ext cx="442644" cy="0"/>
-              </a:xfrm>
-              <a:prstGeom prst="straightConnector1">
-                <a:avLst/>
-              </a:prstGeom>
-              <a:ln w="28575">
-                <a:solidFill>
+                  <a:tailEnd type="triangle"/>
+                </a:ln>
+              </p:spPr>
+              <p:style>
+                <a:lnRef idx="1">
+                  <a:schemeClr val="accent1"/>
+                </a:lnRef>
+                <a:fillRef idx="0">
+                  <a:schemeClr val="accent1"/>
+                </a:fillRef>
+                <a:effectRef idx="0">
+                  <a:schemeClr val="accent1"/>
+                </a:effectRef>
+                <a:fontRef idx="minor">
                   <a:schemeClr val="tx1"/>
-                </a:solidFill>
-                <a:tailEnd type="triangle"/>
-              </a:ln>
-            </p:spPr>
-            <p:style>
-              <a:lnRef idx="1">
-                <a:schemeClr val="accent1"/>
-              </a:lnRef>
-              <a:fillRef idx="0">
-                <a:schemeClr val="accent1"/>
-              </a:fillRef>
-              <a:effectRef idx="0">
-                <a:schemeClr val="accent1"/>
-              </a:effectRef>
-              <a:fontRef idx="minor">
-                <a:schemeClr val="tx1"/>
-              </a:fontRef>
-            </p:style>
-          </p:cxnSp>
-          <p:cxnSp>
-            <p:nvCxnSpPr>
-              <p:cNvPr id="113" name="肘形连接符 112"/>
-              <p:cNvCxnSpPr>
-                <a:stCxn id="106" idx="3"/>
-                <a:endCxn id="71" idx="1"/>
-              </p:cNvCxnSpPr>
-              <p:nvPr/>
-            </p:nvCxnSpPr>
-            <p:spPr>
-              <a:xfrm>
-                <a:off x="3936195" y="2256830"/>
-                <a:ext cx="773651" cy="1144299"/>
-              </a:xfrm>
-              <a:prstGeom prst="bentConnector3">
-                <a:avLst/>
-              </a:prstGeom>
-              <a:ln w="28575">
-                <a:solidFill>
-                  <a:schemeClr val="tx1"/>
-                </a:solidFill>
-                <a:tailEnd type="triangle"/>
-              </a:ln>
-            </p:spPr>
-            <p:style>
-              <a:lnRef idx="1">
-                <a:schemeClr val="accent1"/>
-              </a:lnRef>
-              <a:fillRef idx="0">
-                <a:schemeClr val="accent1"/>
-              </a:fillRef>
-              <a:effectRef idx="0">
-                <a:schemeClr val="accent1"/>
-              </a:effectRef>
-              <a:fontRef idx="minor">
-                <a:schemeClr val="tx1"/>
-              </a:fontRef>
-            </p:style>
-          </p:cxnSp>
-          <p:cxnSp>
-            <p:nvCxnSpPr>
-              <p:cNvPr id="115" name="直接连接符 114"/>
-              <p:cNvCxnSpPr>
-                <a:stCxn id="69" idx="3"/>
-              </p:cNvCxnSpPr>
-              <p:nvPr/>
-            </p:nvCxnSpPr>
-            <p:spPr>
-              <a:xfrm flipV="1">
-                <a:off x="4045878" y="3401128"/>
-                <a:ext cx="325128" cy="1194"/>
-              </a:xfrm>
-              <a:prstGeom prst="line">
-                <a:avLst/>
-              </a:prstGeom>
-              <a:ln w="28575">
-                <a:solidFill>
-                  <a:schemeClr val="tx1"/>
-                </a:solidFill>
-              </a:ln>
-            </p:spPr>
-            <p:style>
-              <a:lnRef idx="1">
-                <a:schemeClr val="accent1"/>
-              </a:lnRef>
-              <a:fillRef idx="0">
-                <a:schemeClr val="accent1"/>
-              </a:fillRef>
-              <a:effectRef idx="0">
-                <a:schemeClr val="accent1"/>
-              </a:effectRef>
-              <a:fontRef idx="minor">
-                <a:schemeClr val="tx1"/>
-              </a:fontRef>
-            </p:style>
-          </p:cxnSp>
-          <p:cxnSp>
-            <p:nvCxnSpPr>
-              <p:cNvPr id="133" name="直接箭头连接符 132"/>
-              <p:cNvCxnSpPr>
-                <a:stCxn id="71" idx="3"/>
-                <a:endCxn id="72" idx="1"/>
-              </p:cNvCxnSpPr>
-              <p:nvPr/>
-            </p:nvCxnSpPr>
-            <p:spPr>
-              <a:xfrm>
-                <a:off x="5916354" y="3401128"/>
-                <a:ext cx="777573" cy="0"/>
-              </a:xfrm>
-              <a:prstGeom prst="straightConnector1">
-                <a:avLst/>
-              </a:prstGeom>
-              <a:ln w="28575">
-                <a:solidFill>
-                  <a:schemeClr val="tx1"/>
-                </a:solidFill>
-                <a:tailEnd type="triangle"/>
-              </a:ln>
-            </p:spPr>
-            <p:style>
-              <a:lnRef idx="1">
-                <a:schemeClr val="accent1"/>
-              </a:lnRef>
-              <a:fillRef idx="0">
-                <a:schemeClr val="accent1"/>
-              </a:fillRef>
-              <a:effectRef idx="0">
-                <a:schemeClr val="accent1"/>
-              </a:effectRef>
-              <a:fontRef idx="minor">
-                <a:schemeClr val="tx1"/>
-              </a:fontRef>
-            </p:style>
-          </p:cxnSp>
-          <p:cxnSp>
-            <p:nvCxnSpPr>
-              <p:cNvPr id="135" name="直接箭头连接符 134"/>
-              <p:cNvCxnSpPr>
-                <a:stCxn id="71" idx="2"/>
-                <a:endCxn id="73" idx="0"/>
-              </p:cNvCxnSpPr>
-              <p:nvPr/>
-            </p:nvCxnSpPr>
-            <p:spPr>
-              <a:xfrm flipH="1">
-                <a:off x="5299386" y="3687203"/>
-                <a:ext cx="13714" cy="586879"/>
-              </a:xfrm>
-              <a:prstGeom prst="straightConnector1">
-                <a:avLst/>
-              </a:prstGeom>
-              <a:ln w="28575">
-                <a:solidFill>
-                  <a:schemeClr val="tx1"/>
-                </a:solidFill>
-                <a:tailEnd type="triangle"/>
-              </a:ln>
-            </p:spPr>
-            <p:style>
-              <a:lnRef idx="1">
-                <a:schemeClr val="accent1"/>
-              </a:lnRef>
-              <a:fillRef idx="0">
-                <a:schemeClr val="accent1"/>
-              </a:fillRef>
-              <a:effectRef idx="0">
-                <a:schemeClr val="accent1"/>
-              </a:effectRef>
-              <a:fontRef idx="minor">
-                <a:schemeClr val="tx1"/>
-              </a:fontRef>
-            </p:style>
-          </p:cxnSp>
-          <p:cxnSp>
-            <p:nvCxnSpPr>
-              <p:cNvPr id="139" name="肘形连接符 138"/>
-              <p:cNvCxnSpPr>
-                <a:stCxn id="72" idx="2"/>
-                <a:endCxn id="73" idx="3"/>
-              </p:cNvCxnSpPr>
-              <p:nvPr/>
-            </p:nvCxnSpPr>
-            <p:spPr>
-              <a:xfrm rot="5400000">
-                <a:off x="6120344" y="3469500"/>
-                <a:ext cx="872953" cy="1308361"/>
-              </a:xfrm>
-              <a:prstGeom prst="bentConnector2">
-                <a:avLst/>
-              </a:prstGeom>
-              <a:ln w="28575">
-                <a:solidFill>
-                  <a:schemeClr val="tx1"/>
-                </a:solidFill>
-                <a:tailEnd type="triangle"/>
-              </a:ln>
-            </p:spPr>
-            <p:style>
-              <a:lnRef idx="1">
-                <a:schemeClr val="accent1"/>
-              </a:lnRef>
-              <a:fillRef idx="0">
-                <a:schemeClr val="accent1"/>
-              </a:fillRef>
-              <a:effectRef idx="0">
-                <a:schemeClr val="accent1"/>
-              </a:effectRef>
-              <a:fontRef idx="minor">
-                <a:schemeClr val="tx1"/>
-              </a:fontRef>
-            </p:style>
-          </p:cxnSp>
-          <p:cxnSp>
-            <p:nvCxnSpPr>
-              <p:cNvPr id="141" name="肘形连接符 140"/>
-              <p:cNvCxnSpPr>
-                <a:stCxn id="71" idx="0"/>
-                <a:endCxn id="107" idx="1"/>
-              </p:cNvCxnSpPr>
-              <p:nvPr/>
-            </p:nvCxnSpPr>
-            <p:spPr>
-              <a:xfrm rot="5400000" flipH="1" flipV="1">
-                <a:off x="5587163" y="2023957"/>
-                <a:ext cx="817035" cy="1365159"/>
-              </a:xfrm>
-              <a:prstGeom prst="bentConnector2">
-                <a:avLst/>
-              </a:prstGeom>
-              <a:ln w="28575">
-                <a:solidFill>
-                  <a:schemeClr val="tx1"/>
-                </a:solidFill>
-                <a:tailEnd type="triangle"/>
-              </a:ln>
-            </p:spPr>
-            <p:style>
-              <a:lnRef idx="1">
-                <a:schemeClr val="accent1"/>
-              </a:lnRef>
-              <a:fillRef idx="0">
-                <a:schemeClr val="accent1"/>
-              </a:fillRef>
-              <a:effectRef idx="0">
-                <a:schemeClr val="accent1"/>
-              </a:effectRef>
-              <a:fontRef idx="minor">
-                <a:schemeClr val="tx1"/>
-              </a:fontRef>
-            </p:style>
-          </p:cxnSp>
-          <p:cxnSp>
-            <p:nvCxnSpPr>
-              <p:cNvPr id="143" name="肘形连接符 142"/>
-              <p:cNvCxnSpPr>
-                <a:stCxn id="74" idx="2"/>
-                <a:endCxn id="75" idx="1"/>
-              </p:cNvCxnSpPr>
-              <p:nvPr/>
-            </p:nvCxnSpPr>
-            <p:spPr>
-              <a:xfrm rot="16200000" flipH="1">
-                <a:off x="3820753" y="4446382"/>
-                <a:ext cx="645145" cy="1479746"/>
-              </a:xfrm>
-              <a:prstGeom prst="bentConnector2">
-                <a:avLst/>
-              </a:prstGeom>
-              <a:ln w="28575">
-                <a:solidFill>
-                  <a:schemeClr val="tx1"/>
-                </a:solidFill>
-                <a:tailEnd type="triangle"/>
-              </a:ln>
-            </p:spPr>
-            <p:style>
-              <a:lnRef idx="1">
-                <a:schemeClr val="accent1"/>
-              </a:lnRef>
-              <a:fillRef idx="0">
-                <a:schemeClr val="accent1"/>
-              </a:fillRef>
-              <a:effectRef idx="0">
-                <a:schemeClr val="accent1"/>
-              </a:effectRef>
-              <a:fontRef idx="minor">
-                <a:schemeClr val="tx1"/>
-              </a:fontRef>
-            </p:style>
-          </p:cxnSp>
-          <p:cxnSp>
-            <p:nvCxnSpPr>
-              <p:cNvPr id="145" name="直接箭头连接符 144"/>
-              <p:cNvCxnSpPr>
-                <a:stCxn id="75" idx="3"/>
-                <a:endCxn id="76" idx="1"/>
-              </p:cNvCxnSpPr>
-              <p:nvPr/>
-            </p:nvCxnSpPr>
-            <p:spPr>
-              <a:xfrm>
-                <a:off x="5737153" y="5508828"/>
-                <a:ext cx="654178" cy="0"/>
-              </a:xfrm>
-              <a:prstGeom prst="straightConnector1">
-                <a:avLst/>
-              </a:prstGeom>
-              <a:ln w="28575">
-                <a:solidFill>
-                  <a:schemeClr val="tx1"/>
-                </a:solidFill>
-                <a:tailEnd type="triangle"/>
-              </a:ln>
-            </p:spPr>
-            <p:style>
-              <a:lnRef idx="1">
-                <a:schemeClr val="accent1"/>
-              </a:lnRef>
-              <a:fillRef idx="0">
-                <a:schemeClr val="accent1"/>
-              </a:fillRef>
-              <a:effectRef idx="0">
-                <a:schemeClr val="accent1"/>
-              </a:effectRef>
-              <a:fontRef idx="minor">
-                <a:schemeClr val="tx1"/>
-              </a:fontRef>
-            </p:style>
-          </p:cxnSp>
-          <p:cxnSp>
-            <p:nvCxnSpPr>
-              <p:cNvPr id="147" name="直接箭头连接符 146"/>
-              <p:cNvCxnSpPr>
-                <a:stCxn id="76" idx="3"/>
-                <a:endCxn id="79" idx="1"/>
-              </p:cNvCxnSpPr>
-              <p:nvPr/>
-            </p:nvCxnSpPr>
-            <p:spPr>
-              <a:xfrm flipV="1">
-                <a:off x="7245285" y="5508827"/>
-                <a:ext cx="1095773" cy="1"/>
-              </a:xfrm>
-              <a:prstGeom prst="straightConnector1">
-                <a:avLst/>
-              </a:prstGeom>
-              <a:ln w="28575">
-                <a:solidFill>
-                  <a:schemeClr val="tx1"/>
-                </a:solidFill>
-                <a:tailEnd type="triangle"/>
-              </a:ln>
-            </p:spPr>
-            <p:style>
-              <a:lnRef idx="1">
-                <a:schemeClr val="accent1"/>
-              </a:lnRef>
-              <a:fillRef idx="0">
-                <a:schemeClr val="accent1"/>
-              </a:fillRef>
-              <a:effectRef idx="0">
-                <a:schemeClr val="accent1"/>
-              </a:effectRef>
-              <a:fontRef idx="minor">
-                <a:schemeClr val="tx1"/>
-              </a:fontRef>
-            </p:style>
-          </p:cxnSp>
-          <p:cxnSp>
-            <p:nvCxnSpPr>
-              <p:cNvPr id="151" name="直接箭头连接符 150"/>
-              <p:cNvCxnSpPr>
-                <a:stCxn id="73" idx="1"/>
-                <a:endCxn id="74" idx="3"/>
-              </p:cNvCxnSpPr>
-              <p:nvPr/>
-            </p:nvCxnSpPr>
-            <p:spPr>
-              <a:xfrm flipH="1">
-                <a:off x="3830430" y="4560156"/>
-                <a:ext cx="865702" cy="17452"/>
-              </a:xfrm>
-              <a:prstGeom prst="straightConnector1">
-                <a:avLst/>
-              </a:prstGeom>
-              <a:ln w="28575">
-                <a:solidFill>
-                  <a:schemeClr val="tx1"/>
-                </a:solidFill>
-                <a:tailEnd type="triangle"/>
-              </a:ln>
-            </p:spPr>
-            <p:style>
-              <a:lnRef idx="1">
-                <a:schemeClr val="accent1"/>
-              </a:lnRef>
-              <a:fillRef idx="0">
-                <a:schemeClr val="accent1"/>
-              </a:fillRef>
-              <a:effectRef idx="0">
-                <a:schemeClr val="accent1"/>
-              </a:effectRef>
-              <a:fontRef idx="minor">
-                <a:schemeClr val="tx1"/>
-              </a:fontRef>
-            </p:style>
-          </p:cxnSp>
-          <p:cxnSp>
-            <p:nvCxnSpPr>
-              <p:cNvPr id="155" name="直接箭头连接符 154"/>
-              <p:cNvCxnSpPr>
-                <a:stCxn id="107" idx="3"/>
-                <a:endCxn id="77" idx="1"/>
-              </p:cNvCxnSpPr>
-              <p:nvPr/>
-            </p:nvCxnSpPr>
-            <p:spPr>
-              <a:xfrm>
-                <a:off x="7743742" y="2298019"/>
-                <a:ext cx="1676583" cy="0"/>
-              </a:xfrm>
-              <a:prstGeom prst="straightConnector1">
-                <a:avLst/>
-              </a:prstGeom>
-              <a:ln w="28575">
-                <a:solidFill>
-                  <a:schemeClr val="tx1"/>
-                </a:solidFill>
-                <a:tailEnd type="triangle"/>
-              </a:ln>
-            </p:spPr>
-            <p:style>
-              <a:lnRef idx="1">
-                <a:schemeClr val="accent1"/>
-              </a:lnRef>
-              <a:fillRef idx="0">
-                <a:schemeClr val="accent1"/>
-              </a:fillRef>
-              <a:effectRef idx="0">
-                <a:schemeClr val="accent1"/>
-              </a:effectRef>
-              <a:fontRef idx="minor">
-                <a:schemeClr val="tx1"/>
-              </a:fontRef>
-            </p:style>
-          </p:cxnSp>
-          <p:sp>
-            <p:nvSpPr>
-              <p:cNvPr id="166" name="文本框 165"/>
-              <p:cNvSpPr txBox="1"/>
-              <p:nvPr/>
-            </p:nvSpPr>
-            <p:spPr>
-              <a:xfrm>
-                <a:off x="4793986" y="6171422"/>
-                <a:ext cx="1418421" cy="323415"/>
-              </a:xfrm>
-              <a:prstGeom prst="rect">
-                <a:avLst/>
-              </a:prstGeom>
-              <a:noFill/>
-              <a:ln w="28575">
-                <a:noFill/>
-              </a:ln>
-            </p:spPr>
-            <p:txBody>
-              <a:bodyPr wrap="none" rtlCol="0">
-                <a:spAutoFit/>
-              </a:bodyPr>
-              <a:lstStyle/>
-              <a:p>
-                <a:r>
-                  <a:rPr lang="zh-CN" altLang="en-US" sz="1100" smtClean="0"/>
-                  <a:t>程序的逻辑结构</a:t>
-                </a:r>
-                <a:endParaRPr lang="zh-CN" altLang="en-US" sz="1100"/>
-              </a:p>
-            </p:txBody>
-          </p:sp>
-          <p:sp>
-            <p:nvSpPr>
-              <p:cNvPr id="171" name="文本框 170"/>
-              <p:cNvSpPr txBox="1"/>
-              <p:nvPr/>
-            </p:nvSpPr>
-            <p:spPr>
-              <a:xfrm>
-                <a:off x="5350653" y="2584094"/>
-                <a:ext cx="394178" cy="323415"/>
-              </a:xfrm>
-              <a:prstGeom prst="rect">
-                <a:avLst/>
-              </a:prstGeom>
-              <a:noFill/>
-            </p:spPr>
-            <p:txBody>
-              <a:bodyPr wrap="none" rtlCol="0">
-                <a:spAutoFit/>
-              </a:bodyPr>
-              <a:lstStyle/>
-              <a:p>
-                <a:r>
-                  <a:rPr lang="zh-CN" altLang="en-US" sz="1100"/>
-                  <a:t>是</a:t>
-                </a:r>
-              </a:p>
-            </p:txBody>
-          </p:sp>
-          <p:sp>
-            <p:nvSpPr>
-              <p:cNvPr id="172" name="文本框 171"/>
-              <p:cNvSpPr txBox="1"/>
-              <p:nvPr/>
-            </p:nvSpPr>
-            <p:spPr>
-              <a:xfrm>
-                <a:off x="5350653" y="3846660"/>
-                <a:ext cx="394178" cy="323415"/>
-              </a:xfrm>
-              <a:prstGeom prst="rect">
-                <a:avLst/>
-              </a:prstGeom>
-              <a:noFill/>
-            </p:spPr>
-            <p:txBody>
-              <a:bodyPr wrap="none" rtlCol="0">
-                <a:spAutoFit/>
-              </a:bodyPr>
-              <a:lstStyle/>
-              <a:p>
-                <a:r>
-                  <a:rPr lang="zh-CN" altLang="en-US" sz="1100"/>
-                  <a:t>是</a:t>
-                </a:r>
-              </a:p>
-            </p:txBody>
-          </p:sp>
-          <p:sp>
-            <p:nvSpPr>
-              <p:cNvPr id="173" name="文本框 172"/>
-              <p:cNvSpPr txBox="1"/>
-              <p:nvPr/>
-            </p:nvSpPr>
-            <p:spPr>
-              <a:xfrm>
-                <a:off x="6117782" y="3026550"/>
-                <a:ext cx="394178" cy="323415"/>
-              </a:xfrm>
-              <a:prstGeom prst="rect">
-                <a:avLst/>
-              </a:prstGeom>
-              <a:noFill/>
-            </p:spPr>
-            <p:txBody>
-              <a:bodyPr wrap="none" rtlCol="0">
-                <a:spAutoFit/>
-              </a:bodyPr>
-              <a:lstStyle/>
-              <a:p>
-                <a:r>
-                  <a:rPr lang="zh-CN" altLang="en-US" sz="1100" smtClean="0"/>
-                  <a:t>否</a:t>
-                </a:r>
-                <a:endParaRPr lang="zh-CN" altLang="en-US" sz="1100"/>
-              </a:p>
-            </p:txBody>
-          </p:sp>
-          <p:sp>
-            <p:nvSpPr>
-              <p:cNvPr id="2" name="文本框 1"/>
-              <p:cNvSpPr txBox="1"/>
-              <p:nvPr/>
-            </p:nvSpPr>
-            <p:spPr>
-              <a:xfrm>
-                <a:off x="7371606" y="5150894"/>
-                <a:ext cx="906300" cy="323415"/>
-              </a:xfrm>
-              <a:prstGeom prst="rect">
-                <a:avLst/>
-              </a:prstGeom>
-              <a:noFill/>
-            </p:spPr>
-            <p:txBody>
-              <a:bodyPr wrap="none" rtlCol="0">
-                <a:spAutoFit/>
-              </a:bodyPr>
-              <a:lstStyle/>
-              <a:p>
-                <a:r>
-                  <a:rPr lang="zh-CN" altLang="en-US" sz="1100"/>
-                  <a:t>添加</a:t>
-                </a:r>
-                <a:r>
-                  <a:rPr lang="zh-CN" altLang="en-US" sz="1100" smtClean="0"/>
-                  <a:t>公告</a:t>
-                </a:r>
-                <a:endParaRPr lang="zh-CN" altLang="en-US" sz="1100"/>
-              </a:p>
-            </p:txBody>
-          </p:sp>
-          <p:sp>
-            <p:nvSpPr>
-              <p:cNvPr id="42" name="文本框 41"/>
-              <p:cNvSpPr txBox="1"/>
-              <p:nvPr/>
-            </p:nvSpPr>
-            <p:spPr>
-              <a:xfrm>
-                <a:off x="7371605" y="5651186"/>
-                <a:ext cx="906300" cy="323415"/>
-              </a:xfrm>
-              <a:prstGeom prst="rect">
-                <a:avLst/>
-              </a:prstGeom>
-              <a:noFill/>
-            </p:spPr>
-            <p:txBody>
-              <a:bodyPr wrap="none" rtlCol="0">
-                <a:spAutoFit/>
-              </a:bodyPr>
-              <a:lstStyle/>
-              <a:p>
-                <a:r>
-                  <a:rPr lang="zh-CN" altLang="en-US" sz="1100" smtClean="0"/>
-                  <a:t>编辑项目</a:t>
-                </a:r>
-                <a:endParaRPr lang="zh-CN" altLang="en-US" sz="1100"/>
-              </a:p>
-            </p:txBody>
-          </p:sp>
-          <p:cxnSp>
-            <p:nvCxnSpPr>
-              <p:cNvPr id="51" name="直接箭头连接符 50"/>
-              <p:cNvCxnSpPr>
-                <a:stCxn id="66" idx="3"/>
-                <a:endCxn id="67" idx="1"/>
-              </p:cNvCxnSpPr>
-              <p:nvPr/>
-            </p:nvCxnSpPr>
-            <p:spPr>
-              <a:xfrm flipV="1">
-                <a:off x="3928359" y="809005"/>
-                <a:ext cx="874811" cy="829"/>
-              </a:xfrm>
-              <a:prstGeom prst="straightConnector1">
-                <a:avLst/>
-              </a:prstGeom>
-              <a:ln w="28575">
-                <a:solidFill>
-                  <a:srgbClr val="000000"/>
-                </a:solidFill>
-                <a:tailEnd type="triangle"/>
-              </a:ln>
-            </p:spPr>
-            <p:style>
-              <a:lnRef idx="1">
-                <a:schemeClr val="accent1"/>
-              </a:lnRef>
-              <a:fillRef idx="0">
-                <a:schemeClr val="accent1"/>
-              </a:fillRef>
-              <a:effectRef idx="0">
-                <a:schemeClr val="accent1"/>
-              </a:effectRef>
-              <a:fontRef idx="minor">
-                <a:schemeClr val="tx1"/>
-              </a:fontRef>
-            </p:style>
-          </p:cxnSp>
-          <p:sp>
-            <p:nvSpPr>
-              <p:cNvPr id="101" name="流程图: 过程 100"/>
-              <p:cNvSpPr/>
-              <p:nvPr/>
-            </p:nvSpPr>
-            <p:spPr>
-              <a:xfrm>
-                <a:off x="4803170" y="1384690"/>
-                <a:ext cx="853954" cy="572149"/>
-              </a:xfrm>
-              <a:prstGeom prst="flowChartProcess">
-                <a:avLst/>
-              </a:prstGeom>
-              <a:solidFill>
-                <a:schemeClr val="bg1"/>
-              </a:solidFill>
-              <a:ln w="28575">
-                <a:solidFill>
-                  <a:schemeClr val="tx1"/>
-                </a:solidFill>
-              </a:ln>
-            </p:spPr>
-            <p:style>
-              <a:lnRef idx="2">
-                <a:schemeClr val="accent1">
-                  <a:shade val="50000"/>
-                </a:schemeClr>
-              </a:lnRef>
-              <a:fillRef idx="1">
-                <a:schemeClr val="accent1"/>
-              </a:fillRef>
-              <a:effectRef idx="0">
-                <a:schemeClr val="accent1"/>
-              </a:effectRef>
-              <a:fontRef idx="minor">
-                <a:schemeClr val="lt1"/>
-              </a:fontRef>
-            </p:style>
-            <p:txBody>
-              <a:bodyPr rtlCol="0" anchor="ctr"/>
-              <a:lstStyle/>
-              <a:p>
-                <a:pPr algn="ctr"/>
-                <a:r>
-                  <a:rPr lang="zh-CN" altLang="en-US" sz="1100" smtClean="0">
-                    <a:solidFill>
-                      <a:schemeClr val="tx1"/>
-                    </a:solidFill>
-                  </a:rPr>
-                  <a:t>实验室计算器</a:t>
-                </a:r>
-                <a:endParaRPr lang="zh-CN" altLang="en-US" sz="1100">
+                </a:fontRef>
+              </p:style>
+            </p:cxnSp>
+            <p:cxnSp>
+              <p:nvCxnSpPr>
+                <p:cNvPr id="65" name="肘形连接符 64"/>
+                <p:cNvCxnSpPr>
+                  <a:stCxn id="101" idx="3"/>
+                  <a:endCxn id="68" idx="2"/>
+                </p:cNvCxnSpPr>
+                <p:nvPr/>
+              </p:nvCxnSpPr>
+              <p:spPr>
+                <a:xfrm flipV="1">
+                  <a:off x="5657124" y="1095079"/>
+                  <a:ext cx="1553875" cy="575686"/>
+                </a:xfrm>
+                <a:prstGeom prst="bentConnector2">
+                  <a:avLst/>
+                </a:prstGeom>
+                <a:ln w="28575">
                   <a:solidFill>
                     <a:schemeClr val="tx1"/>
                   </a:solidFill>
-                </a:endParaRPr>
-              </a:p>
-            </p:txBody>
-          </p:sp>
-          <p:cxnSp>
-            <p:nvCxnSpPr>
-              <p:cNvPr id="54" name="肘形连接符 53"/>
-              <p:cNvCxnSpPr/>
-              <p:nvPr/>
-            </p:nvCxnSpPr>
-            <p:spPr>
-              <a:xfrm>
-                <a:off x="3908564" y="811011"/>
-                <a:ext cx="914400" cy="914400"/>
-              </a:xfrm>
-              <a:prstGeom prst="bentConnector3">
-                <a:avLst/>
-              </a:prstGeom>
-              <a:ln w="28575">
-                <a:solidFill>
-                  <a:srgbClr val="000000"/>
-                </a:solidFill>
-                <a:tailEnd type="triangle"/>
-              </a:ln>
-            </p:spPr>
-            <p:style>
-              <a:lnRef idx="1">
-                <a:schemeClr val="accent1"/>
-              </a:lnRef>
-              <a:fillRef idx="0">
-                <a:schemeClr val="accent1"/>
-              </a:fillRef>
-              <a:effectRef idx="0">
-                <a:schemeClr val="accent1"/>
-              </a:effectRef>
-              <a:fontRef idx="minor">
+                  <a:tailEnd type="triangle"/>
+                </a:ln>
+              </p:spPr>
+              <p:style>
+                <a:lnRef idx="1">
+                  <a:schemeClr val="accent1"/>
+                </a:lnRef>
+                <a:fillRef idx="0">
+                  <a:schemeClr val="accent1"/>
+                </a:fillRef>
+                <a:effectRef idx="0">
+                  <a:schemeClr val="accent1"/>
+                </a:effectRef>
+                <a:fontRef idx="minor">
+                  <a:schemeClr val="tx1"/>
+                </a:fontRef>
+              </p:style>
+            </p:cxnSp>
+            <p:sp>
+              <p:nvSpPr>
+                <p:cNvPr id="49" name="文本框 48"/>
+                <p:cNvSpPr txBox="1"/>
+                <p:nvPr/>
+              </p:nvSpPr>
+              <p:spPr>
+                <a:xfrm>
+                  <a:off x="4079901" y="4155109"/>
+                  <a:ext cx="394178" cy="323415"/>
+                </a:xfrm>
+                <a:prstGeom prst="rect">
+                  <a:avLst/>
+                </a:prstGeom>
+                <a:noFill/>
+              </p:spPr>
+              <p:txBody>
+                <a:bodyPr wrap="none" rtlCol="0">
+                  <a:spAutoFit/>
+                </a:bodyPr>
+                <a:lstStyle/>
+                <a:p>
+                  <a:r>
+                    <a:rPr lang="zh-CN" altLang="en-US" sz="1100"/>
+                    <a:t>是</a:t>
+                  </a:r>
+                </a:p>
+              </p:txBody>
+            </p:sp>
+            <p:sp>
+              <p:nvSpPr>
+                <p:cNvPr id="50" name="文本框 49"/>
+                <p:cNvSpPr txBox="1"/>
+                <p:nvPr/>
+              </p:nvSpPr>
+              <p:spPr>
+                <a:xfrm>
+                  <a:off x="5332034" y="4854114"/>
+                  <a:ext cx="394178" cy="323415"/>
+                </a:xfrm>
+                <a:prstGeom prst="rect">
+                  <a:avLst/>
+                </a:prstGeom>
+                <a:noFill/>
+              </p:spPr>
+              <p:txBody>
+                <a:bodyPr wrap="none" rtlCol="0">
+                  <a:spAutoFit/>
+                </a:bodyPr>
+                <a:lstStyle/>
+                <a:p>
+                  <a:r>
+                    <a:rPr lang="zh-CN" altLang="en-US" sz="1100" smtClean="0"/>
+                    <a:t>否</a:t>
+                  </a:r>
+                  <a:endParaRPr lang="zh-CN" altLang="en-US" sz="1100"/>
+                </a:p>
+              </p:txBody>
+            </p:sp>
+          </p:grpSp>
+        </p:grpSp>
+        <p:cxnSp>
+          <p:nvCxnSpPr>
+            <p:cNvPr id="4" name="直接箭头连接符 3"/>
+            <p:cNvCxnSpPr>
+              <a:stCxn id="73" idx="2"/>
+              <a:endCxn id="75" idx="0"/>
+            </p:cNvCxnSpPr>
+            <p:nvPr/>
+          </p:nvCxnSpPr>
+          <p:spPr>
+            <a:xfrm>
+              <a:off x="5552840" y="4448200"/>
+              <a:ext cx="8917" cy="304569"/>
+            </a:xfrm>
+            <a:prstGeom prst="straightConnector1">
+              <a:avLst/>
+            </a:prstGeom>
+            <a:ln w="28575">
+              <a:solidFill>
                 <a:schemeClr val="tx1"/>
-              </a:fontRef>
-            </p:style>
-          </p:cxnSp>
-          <p:cxnSp>
-            <p:nvCxnSpPr>
-              <p:cNvPr id="56" name="肘形连接符 55"/>
-              <p:cNvCxnSpPr>
-                <a:stCxn id="66" idx="3"/>
-                <a:endCxn id="85" idx="1"/>
-              </p:cNvCxnSpPr>
-              <p:nvPr/>
-            </p:nvCxnSpPr>
-            <p:spPr>
-              <a:xfrm flipV="1">
-                <a:off x="3928359" y="-35989"/>
-                <a:ext cx="874811" cy="845823"/>
-              </a:xfrm>
-              <a:prstGeom prst="bentConnector3">
-                <a:avLst/>
-              </a:prstGeom>
-              <a:ln w="28575">
-                <a:solidFill>
-                  <a:srgbClr val="000000"/>
-                </a:solidFill>
-                <a:tailEnd type="triangle"/>
-              </a:ln>
-            </p:spPr>
-            <p:style>
-              <a:lnRef idx="1">
-                <a:schemeClr val="accent1"/>
-              </a:lnRef>
-              <a:fillRef idx="0">
-                <a:schemeClr val="accent1"/>
-              </a:fillRef>
-              <a:effectRef idx="0">
-                <a:schemeClr val="accent1"/>
-              </a:effectRef>
-              <a:fontRef idx="minor">
-                <a:schemeClr val="tx1"/>
-              </a:fontRef>
-            </p:style>
-          </p:cxnSp>
-          <p:cxnSp>
-            <p:nvCxnSpPr>
-              <p:cNvPr id="59" name="肘形连接符 58"/>
-              <p:cNvCxnSpPr>
-                <a:stCxn id="85" idx="3"/>
-                <a:endCxn id="68" idx="0"/>
-              </p:cNvCxnSpPr>
-              <p:nvPr/>
-            </p:nvCxnSpPr>
-            <p:spPr>
-              <a:xfrm>
-                <a:off x="5657124" y="-35989"/>
-                <a:ext cx="1553875" cy="558919"/>
-              </a:xfrm>
-              <a:prstGeom prst="bentConnector2">
-                <a:avLst/>
-              </a:prstGeom>
-              <a:ln w="28575">
-                <a:solidFill>
-                  <a:schemeClr val="tx1"/>
-                </a:solidFill>
-                <a:tailEnd type="triangle"/>
-              </a:ln>
-            </p:spPr>
-            <p:style>
-              <a:lnRef idx="1">
-                <a:schemeClr val="accent1"/>
-              </a:lnRef>
-              <a:fillRef idx="0">
-                <a:schemeClr val="accent1"/>
-              </a:fillRef>
-              <a:effectRef idx="0">
-                <a:schemeClr val="accent1"/>
-              </a:effectRef>
-              <a:fontRef idx="minor">
-                <a:schemeClr val="tx1"/>
-              </a:fontRef>
-            </p:style>
-          </p:cxnSp>
-          <p:cxnSp>
-            <p:nvCxnSpPr>
-              <p:cNvPr id="65" name="肘形连接符 64"/>
-              <p:cNvCxnSpPr>
-                <a:stCxn id="101" idx="3"/>
-                <a:endCxn id="68" idx="2"/>
-              </p:cNvCxnSpPr>
-              <p:nvPr/>
-            </p:nvCxnSpPr>
-            <p:spPr>
-              <a:xfrm flipV="1">
-                <a:off x="5657124" y="1095079"/>
-                <a:ext cx="1553875" cy="575686"/>
-              </a:xfrm>
-              <a:prstGeom prst="bentConnector2">
-                <a:avLst/>
-              </a:prstGeom>
-              <a:ln w="28575">
-                <a:solidFill>
-                  <a:schemeClr val="tx1"/>
-                </a:solidFill>
-                <a:tailEnd type="triangle"/>
-              </a:ln>
-            </p:spPr>
-            <p:style>
-              <a:lnRef idx="1">
-                <a:schemeClr val="accent1"/>
-              </a:lnRef>
-              <a:fillRef idx="0">
-                <a:schemeClr val="accent1"/>
-              </a:fillRef>
-              <a:effectRef idx="0">
-                <a:schemeClr val="accent1"/>
-              </a:effectRef>
-              <a:fontRef idx="minor">
-                <a:schemeClr val="tx1"/>
-              </a:fontRef>
-            </p:style>
-          </p:cxnSp>
-        </p:grpSp>
+              </a:solidFill>
+              <a:tailEnd type="triangle"/>
+            </a:ln>
+          </p:spPr>
+          <p:style>
+            <a:lnRef idx="1">
+              <a:schemeClr val="accent1"/>
+            </a:lnRef>
+            <a:fillRef idx="0">
+              <a:schemeClr val="accent1"/>
+            </a:fillRef>
+            <a:effectRef idx="0">
+              <a:schemeClr val="accent1"/>
+            </a:effectRef>
+            <a:fontRef idx="minor">
+              <a:schemeClr val="tx1"/>
+            </a:fontRef>
+          </p:style>
+        </p:cxnSp>
       </p:grpSp>
     </p:spTree>
     <p:extLst>
@@ -6914,10 +7035,10 @@
         </p:nvGrpSpPr>
         <p:grpSpPr>
           <a:xfrm>
-            <a:off x="1191236" y="2122416"/>
-            <a:ext cx="2625756" cy="2043505"/>
+            <a:off x="1979934" y="2122416"/>
+            <a:ext cx="1837058" cy="1397398"/>
             <a:chOff x="2617365" y="2306973"/>
-            <a:chExt cx="2625756" cy="2043505"/>
+            <a:chExt cx="2625756" cy="1997338"/>
           </a:xfrm>
         </p:grpSpPr>
         <p:sp>
@@ -6964,7 +7085,7 @@
             <a:lstStyle/>
             <a:p>
               <a:pPr algn="ctr"/>
-              <a:endParaRPr lang="zh-CN" altLang="en-US"/>
+              <a:endParaRPr lang="zh-CN" altLang="en-US" sz="1400"/>
             </a:p>
           </p:txBody>
         </p:sp>
@@ -7013,14 +7134,14 @@
             <a:p>
               <a:pPr algn="ctr"/>
               <a:r>
-                <a:rPr lang="zh-CN" altLang="en-US" sz="1400" smtClean="0">
+                <a:rPr lang="zh-CN" altLang="en-US" sz="1100" smtClean="0">
                   <a:solidFill>
                     <a:schemeClr val="tx1"/>
                   </a:solidFill>
                 </a:rPr>
                 <a:t>页面显示与布局</a:t>
               </a:r>
-              <a:endParaRPr lang="zh-CN" altLang="en-US" sz="1400">
+              <a:endParaRPr lang="zh-CN" altLang="en-US" sz="1100">
                 <a:solidFill>
                   <a:schemeClr val="tx1"/>
                 </a:solidFill>
@@ -7073,7 +7194,7 @@
             <a:p>
               <a:pPr algn="ctr"/>
               <a:r>
-                <a:rPr lang="zh-CN" altLang="en-US" sz="1400">
+                <a:rPr lang="zh-CN" altLang="en-US" sz="1100">
                   <a:solidFill>
                     <a:schemeClr val="tx1"/>
                   </a:solidFill>
@@ -7128,14 +7249,14 @@
             <a:p>
               <a:pPr algn="ctr"/>
               <a:r>
-                <a:rPr lang="zh-CN" altLang="en-US" sz="1400" smtClean="0">
+                <a:rPr lang="zh-CN" altLang="en-US" sz="1100" smtClean="0">
                   <a:solidFill>
                     <a:schemeClr val="tx1"/>
                   </a:solidFill>
                 </a:rPr>
                 <a:t>逻辑控制</a:t>
               </a:r>
-              <a:endParaRPr lang="zh-CN" altLang="en-US" sz="1400">
+              <a:endParaRPr lang="zh-CN" altLang="en-US" sz="1100">
                 <a:solidFill>
                   <a:schemeClr val="tx1"/>
                 </a:solidFill>
@@ -7152,7 +7273,7 @@
           <p:spPr>
             <a:xfrm>
               <a:off x="3389068" y="4042701"/>
-              <a:ext cx="1441420" cy="307777"/>
+              <a:ext cx="1172116" cy="261610"/>
             </a:xfrm>
             <a:prstGeom prst="rect">
               <a:avLst/>
@@ -7169,10 +7290,10 @@
             <a:lstStyle/>
             <a:p>
               <a:r>
-                <a:rPr lang="zh-CN" altLang="en-US" sz="1400" smtClean="0"/>
+                <a:rPr lang="zh-CN" altLang="en-US" sz="1100" smtClean="0"/>
                 <a:t>程序的总体结构</a:t>
               </a:r>
-              <a:endParaRPr lang="zh-CN" altLang="en-US" sz="1400"/>
+              <a:endParaRPr lang="zh-CN" altLang="en-US" sz="1100"/>
             </a:p>
           </p:txBody>
         </p:sp>
@@ -7185,10 +7306,10 @@
         </p:nvGrpSpPr>
         <p:grpSpPr>
           <a:xfrm>
-            <a:off x="5194098" y="1993782"/>
-            <a:ext cx="4811085" cy="2172139"/>
+            <a:off x="5261659" y="1969808"/>
+            <a:ext cx="3599453" cy="1590564"/>
             <a:chOff x="5194098" y="2168596"/>
-            <a:chExt cx="4811085" cy="2172139"/>
+            <a:chExt cx="4811085" cy="2125972"/>
           </a:xfrm>
         </p:grpSpPr>
         <p:grpSp>
@@ -7200,9 +7321,9 @@
           <p:grpSpPr>
             <a:xfrm>
               <a:off x="5194098" y="2168596"/>
-              <a:ext cx="4811085" cy="1744822"/>
+              <a:ext cx="4811085" cy="1652489"/>
               <a:chOff x="5194098" y="2297578"/>
-              <a:chExt cx="4811085" cy="1744822"/>
+              <a:chExt cx="4811085" cy="1652489"/>
             </a:xfrm>
           </p:grpSpPr>
           <p:sp>
@@ -7250,14 +7371,22 @@
               <a:p>
                 <a:pPr algn="ctr"/>
                 <a:r>
-                  <a:rPr lang="zh-CN" altLang="en-US" sz="1400" smtClean="0">
+                  <a:rPr lang="zh-CN" altLang="en-US" sz="1100" smtClean="0">
                     <a:solidFill>
                       <a:schemeClr val="tx1"/>
                     </a:solidFill>
                   </a:rPr>
-                  <a:t>上一级页面</a:t>
+                  <a:t>父页</a:t>
                 </a:r>
-                <a:endParaRPr lang="zh-CN" altLang="en-US" sz="1400">
+                <a:r>
+                  <a:rPr lang="zh-CN" altLang="en-US" sz="1100" smtClean="0">
+                    <a:solidFill>
+                      <a:schemeClr val="tx1"/>
+                    </a:solidFill>
+                  </a:rPr>
+                  <a:t>面</a:t>
+                </a:r>
+                <a:endParaRPr lang="zh-CN" altLang="en-US" sz="1100">
                   <a:solidFill>
                     <a:schemeClr val="tx1"/>
                   </a:solidFill>
@@ -7310,14 +7439,22 @@
               <a:p>
                 <a:pPr algn="ctr"/>
                 <a:r>
-                  <a:rPr lang="zh-CN" altLang="en-US" sz="1400" smtClean="0">
+                  <a:rPr lang="zh-CN" altLang="en-US" sz="1100" smtClean="0">
                     <a:solidFill>
                       <a:schemeClr val="tx1"/>
                     </a:solidFill>
                   </a:rPr>
-                  <a:t>下一级页面</a:t>
+                  <a:t>子页</a:t>
                 </a:r>
-                <a:endParaRPr lang="zh-CN" altLang="en-US" sz="1400">
+                <a:r>
+                  <a:rPr lang="zh-CN" altLang="en-US" sz="1100" smtClean="0">
+                    <a:solidFill>
+                      <a:schemeClr val="tx1"/>
+                    </a:solidFill>
+                  </a:rPr>
+                  <a:t>面</a:t>
+                </a:r>
+                <a:endParaRPr lang="zh-CN" altLang="en-US" sz="1100">
                   <a:solidFill>
                     <a:schemeClr val="tx1"/>
                   </a:solidFill>
@@ -7405,8 +7542,8 @@
             </p:nvSpPr>
             <p:spPr>
               <a:xfrm>
-                <a:off x="7148235" y="2297578"/>
-                <a:ext cx="902811" cy="523220"/>
+                <a:off x="7225179" y="2297578"/>
+                <a:ext cx="748923" cy="430887"/>
               </a:xfrm>
               <a:prstGeom prst="rect">
                 <a:avLst/>
@@ -7424,26 +7561,26 @@
               <a:p>
                 <a:pPr algn="ctr"/>
                 <a:r>
-                  <a:rPr lang="zh-CN" altLang="en-US" sz="1400" smtClean="0"/>
+                  <a:rPr lang="zh-CN" altLang="en-US" sz="1100" smtClean="0"/>
                   <a:t>传递</a:t>
                 </a:r>
                 <a:r>
-                  <a:rPr lang="zh-CN" altLang="en-US" sz="1400"/>
+                  <a:rPr lang="zh-CN" altLang="en-US" sz="1100"/>
                   <a:t>数</a:t>
                 </a:r>
                 <a:r>
-                  <a:rPr lang="zh-CN" altLang="en-US" sz="1400" smtClean="0"/>
+                  <a:rPr lang="zh-CN" altLang="en-US" sz="1100" smtClean="0"/>
                   <a:t>据</a:t>
                 </a:r>
-                <a:endParaRPr lang="en-US" altLang="zh-CN" sz="1400" smtClean="0"/>
+                <a:endParaRPr lang="en-US" altLang="zh-CN" sz="1100" smtClean="0"/>
               </a:p>
               <a:p>
                 <a:pPr algn="ctr"/>
                 <a:r>
-                  <a:rPr lang="en-US" altLang="zh-CN" sz="1400" smtClean="0"/>
+                  <a:rPr lang="en-US" altLang="zh-CN" sz="1100" smtClean="0"/>
                   <a:t>props</a:t>
                 </a:r>
-                <a:endParaRPr lang="zh-CN" altLang="en-US" sz="1400"/>
+                <a:endParaRPr lang="zh-CN" altLang="en-US" sz="1100"/>
               </a:p>
             </p:txBody>
           </p:sp>
@@ -7455,8 +7592,8 @@
             </p:nvSpPr>
             <p:spPr>
               <a:xfrm>
-                <a:off x="7148235" y="3519180"/>
-                <a:ext cx="902811" cy="523220"/>
+                <a:off x="7225179" y="3519180"/>
+                <a:ext cx="748923" cy="430887"/>
               </a:xfrm>
               <a:prstGeom prst="rect">
                 <a:avLst/>
@@ -7474,18 +7611,18 @@
               <a:p>
                 <a:pPr algn="ctr"/>
                 <a:r>
-                  <a:rPr lang="zh-CN" altLang="en-US" sz="1400" smtClean="0"/>
+                  <a:rPr lang="zh-CN" altLang="en-US" sz="1100" smtClean="0"/>
                   <a:t>返回数据</a:t>
                 </a:r>
-                <a:endParaRPr lang="en-US" altLang="zh-CN" sz="1400" smtClean="0"/>
+                <a:endParaRPr lang="en-US" altLang="zh-CN" sz="1100" smtClean="0"/>
               </a:p>
               <a:p>
                 <a:pPr algn="ctr"/>
                 <a:r>
-                  <a:rPr lang="en-US" altLang="zh-CN" sz="1400"/>
+                  <a:rPr lang="en-US" altLang="zh-CN" sz="1100"/>
                   <a:t>callback</a:t>
                 </a:r>
-                <a:endParaRPr lang="zh-CN" altLang="en-US" sz="1400"/>
+                <a:endParaRPr lang="zh-CN" altLang="en-US" sz="1100"/>
               </a:p>
             </p:txBody>
           </p:sp>
@@ -7499,7 +7636,7 @@
           <p:spPr>
             <a:xfrm>
               <a:off x="6789161" y="4032958"/>
-              <a:ext cx="1441420" cy="307777"/>
+              <a:ext cx="1172116" cy="261610"/>
             </a:xfrm>
             <a:prstGeom prst="rect">
               <a:avLst/>
@@ -7516,10 +7653,10 @@
             <a:lstStyle/>
             <a:p>
               <a:r>
-                <a:rPr lang="zh-CN" altLang="en-US" sz="1400" smtClean="0"/>
+                <a:rPr lang="zh-CN" altLang="en-US" sz="1100" smtClean="0"/>
                 <a:t>程序页面间通信</a:t>
               </a:r>
-              <a:endParaRPr lang="zh-CN" altLang="en-US" sz="1400"/>
+              <a:endParaRPr lang="zh-CN" altLang="en-US" sz="1100"/>
             </a:p>
           </p:txBody>
         </p:sp>
@@ -7569,10 +7706,10 @@
         </p:nvGrpSpPr>
         <p:grpSpPr>
           <a:xfrm>
-            <a:off x="58722" y="2348916"/>
-            <a:ext cx="5301843" cy="2689731"/>
+            <a:off x="1429581" y="2348916"/>
+            <a:ext cx="3930984" cy="1960037"/>
             <a:chOff x="58722" y="2348916"/>
-            <a:chExt cx="5301843" cy="2689731"/>
+            <a:chExt cx="5301843" cy="2643564"/>
           </a:xfrm>
         </p:grpSpPr>
         <p:grpSp>
@@ -7584,9 +7721,9 @@
           <p:grpSpPr>
             <a:xfrm>
               <a:off x="58722" y="2348916"/>
-              <a:ext cx="5301843" cy="2209188"/>
+              <a:ext cx="5301843" cy="2163021"/>
               <a:chOff x="58722" y="2348916"/>
-              <a:chExt cx="5301843" cy="2209188"/>
+              <a:chExt cx="5301843" cy="2163021"/>
             </a:xfrm>
           </p:grpSpPr>
           <p:sp>
@@ -7633,7 +7770,7 @@
               <a:lstStyle/>
               <a:p>
                 <a:pPr algn="ctr"/>
-                <a:endParaRPr lang="zh-CN" altLang="en-US"/>
+                <a:endParaRPr lang="zh-CN" altLang="en-US" sz="1400"/>
               </a:p>
             </p:txBody>
           </p:sp>
@@ -7681,7 +7818,7 @@
               <a:lstStyle/>
               <a:p>
                 <a:pPr algn="ctr"/>
-                <a:endParaRPr lang="zh-CN" altLang="en-US"/>
+                <a:endParaRPr lang="zh-CN" altLang="en-US" sz="1400"/>
               </a:p>
             </p:txBody>
           </p:sp>
@@ -7730,7 +7867,7 @@
               <a:p>
                 <a:pPr algn="ctr"/>
                 <a:r>
-                  <a:rPr lang="zh-CN" altLang="en-US" sz="1400">
+                  <a:rPr lang="zh-CN" altLang="en-US" sz="1100">
                     <a:solidFill>
                       <a:schemeClr val="tx1"/>
                     </a:solidFill>
@@ -7738,14 +7875,14 @@
                   <a:t>页</a:t>
                 </a:r>
                 <a:r>
-                  <a:rPr lang="zh-CN" altLang="en-US" sz="1400" smtClean="0">
+                  <a:rPr lang="zh-CN" altLang="en-US" sz="1100" smtClean="0">
                     <a:solidFill>
                       <a:schemeClr val="tx1"/>
                     </a:solidFill>
                   </a:rPr>
                   <a:t>面显示与布局</a:t>
                 </a:r>
-                <a:endParaRPr lang="zh-CN" altLang="en-US" sz="1400">
+                <a:endParaRPr lang="zh-CN" altLang="en-US" sz="1100">
                   <a:solidFill>
                     <a:schemeClr val="tx1"/>
                   </a:solidFill>
@@ -7798,7 +7935,7 @@
               <a:p>
                 <a:pPr algn="ctr"/>
                 <a:r>
-                  <a:rPr lang="en-US" altLang="zh-CN" sz="1400">
+                  <a:rPr lang="en-US" altLang="zh-CN" sz="1100">
                     <a:solidFill>
                       <a:schemeClr val="tx1"/>
                     </a:solidFill>
@@ -7806,14 +7943,14 @@
                   <a:t>f</a:t>
                 </a:r>
                 <a:r>
-                  <a:rPr lang="en-US" altLang="zh-CN" sz="1400" smtClean="0">
+                  <a:rPr lang="en-US" altLang="zh-CN" sz="1100" smtClean="0">
                     <a:solidFill>
                       <a:schemeClr val="tx1"/>
                     </a:solidFill>
                   </a:rPr>
                   <a:t>etch API</a:t>
                 </a:r>
-                <a:endParaRPr lang="zh-CN" altLang="en-US" sz="1400">
+                <a:endParaRPr lang="zh-CN" altLang="en-US" sz="1100">
                   <a:solidFill>
                     <a:schemeClr val="tx1"/>
                   </a:solidFill>
@@ -7866,7 +8003,7 @@
               <a:p>
                 <a:pPr algn="ctr"/>
                 <a:r>
-                  <a:rPr lang="en-US" altLang="zh-CN" sz="1400" smtClean="0">
+                  <a:rPr lang="en-US" altLang="zh-CN" sz="1100" smtClean="0">
                     <a:solidFill>
                       <a:schemeClr val="tx1"/>
                     </a:solidFill>
@@ -7874,14 +8011,14 @@
                   <a:t>HTTP</a:t>
                 </a:r>
                 <a:r>
-                  <a:rPr lang="zh-CN" altLang="en-US" sz="1400" smtClean="0">
+                  <a:rPr lang="zh-CN" altLang="en-US" sz="1100" smtClean="0">
                     <a:solidFill>
                       <a:schemeClr val="tx1"/>
                     </a:solidFill>
                   </a:rPr>
                   <a:t>响应</a:t>
                 </a:r>
-                <a:endParaRPr lang="zh-CN" altLang="en-US" sz="1400">
+                <a:endParaRPr lang="zh-CN" altLang="en-US" sz="1100">
                   <a:solidFill>
                     <a:schemeClr val="tx1"/>
                   </a:solidFill>
@@ -7934,7 +8071,7 @@
               <a:p>
                 <a:pPr algn="ctr"/>
                 <a:r>
-                  <a:rPr lang="en-US" altLang="zh-CN" sz="1400" smtClean="0">
+                  <a:rPr lang="en-US" altLang="zh-CN" sz="1100" smtClean="0">
                     <a:solidFill>
                       <a:schemeClr val="tx1"/>
                     </a:solidFill>
@@ -7942,14 +8079,14 @@
                   <a:t>Node</a:t>
                 </a:r>
                 <a:r>
-                  <a:rPr lang="zh-CN" altLang="en-US" sz="1400" smtClean="0">
+                  <a:rPr lang="zh-CN" altLang="en-US" sz="1100" smtClean="0">
                     <a:solidFill>
                       <a:schemeClr val="tx1"/>
                     </a:solidFill>
                   </a:rPr>
                   <a:t>服务</a:t>
                 </a:r>
-                <a:endParaRPr lang="zh-CN" altLang="en-US" sz="1400">
+                <a:endParaRPr lang="zh-CN" altLang="en-US" sz="1100">
                   <a:solidFill>
                     <a:schemeClr val="tx1"/>
                   </a:solidFill>
@@ -8002,7 +8139,7 @@
               <a:p>
                 <a:pPr algn="ctr"/>
                 <a:r>
-                  <a:rPr lang="en-US" altLang="zh-CN" sz="1400" smtClean="0">
+                  <a:rPr lang="en-US" altLang="zh-CN" sz="1100" smtClean="0">
                     <a:solidFill>
                       <a:schemeClr val="tx1"/>
                     </a:solidFill>
@@ -8010,14 +8147,14 @@
                   <a:t>JSON </a:t>
                 </a:r>
                 <a:r>
-                  <a:rPr lang="zh-CN" altLang="en-US" sz="1400" smtClean="0">
+                  <a:rPr lang="zh-CN" altLang="en-US" sz="1100" smtClean="0">
                     <a:solidFill>
                       <a:schemeClr val="tx1"/>
                     </a:solidFill>
                   </a:rPr>
                   <a:t>数据</a:t>
                 </a:r>
-                <a:endParaRPr lang="zh-CN" altLang="en-US" sz="1400">
+                <a:endParaRPr lang="zh-CN" altLang="en-US" sz="1100">
                   <a:solidFill>
                     <a:schemeClr val="tx1"/>
                   </a:solidFill>
@@ -8106,7 +8243,7 @@
             <p:spPr>
               <a:xfrm>
                 <a:off x="2442739" y="2446172"/>
-                <a:ext cx="543739" cy="307777"/>
+                <a:ext cx="466794" cy="261610"/>
               </a:xfrm>
               <a:prstGeom prst="rect">
                 <a:avLst/>
@@ -8123,10 +8260,10 @@
               <a:lstStyle/>
               <a:p>
                 <a:r>
-                  <a:rPr lang="zh-CN" altLang="en-US" sz="1400" smtClean="0"/>
+                  <a:rPr lang="zh-CN" altLang="en-US" sz="1100" smtClean="0"/>
                   <a:t>请求</a:t>
                 </a:r>
-                <a:endParaRPr lang="zh-CN" altLang="en-US" sz="1400"/>
+                <a:endParaRPr lang="zh-CN" altLang="en-US" sz="1100"/>
               </a:p>
             </p:txBody>
           </p:sp>
@@ -8139,7 +8276,7 @@
             <p:spPr>
               <a:xfrm>
                 <a:off x="2442739" y="3168412"/>
-                <a:ext cx="543739" cy="307777"/>
+                <a:ext cx="466794" cy="261610"/>
               </a:xfrm>
               <a:prstGeom prst="rect">
                 <a:avLst/>
@@ -8156,10 +8293,10 @@
               <a:lstStyle/>
               <a:p>
                 <a:r>
-                  <a:rPr lang="zh-CN" altLang="en-US" sz="1400" smtClean="0"/>
+                  <a:rPr lang="zh-CN" altLang="en-US" sz="1100" smtClean="0"/>
                   <a:t>响应</a:t>
                 </a:r>
-                <a:endParaRPr lang="zh-CN" altLang="en-US" sz="1400"/>
+                <a:endParaRPr lang="zh-CN" altLang="en-US" sz="1100"/>
               </a:p>
             </p:txBody>
           </p:sp>
@@ -8172,7 +8309,7 @@
             <p:spPr>
               <a:xfrm>
                 <a:off x="330420" y="4250327"/>
-                <a:ext cx="1515158" cy="307777"/>
+                <a:ext cx="1226618" cy="261610"/>
               </a:xfrm>
               <a:prstGeom prst="rect">
                 <a:avLst/>
@@ -8189,14 +8326,14 @@
               <a:lstStyle/>
               <a:p>
                 <a:r>
-                  <a:rPr lang="en-US" altLang="zh-CN" sz="1400" smtClean="0"/>
+                  <a:rPr lang="en-US" altLang="zh-CN" sz="1100" smtClean="0"/>
                   <a:t>ReactNative </a:t>
                 </a:r>
                 <a:r>
-                  <a:rPr lang="zh-CN" altLang="en-US" sz="1400" smtClean="0"/>
+                  <a:rPr lang="zh-CN" altLang="en-US" sz="1100" smtClean="0"/>
                   <a:t>应用</a:t>
                 </a:r>
-                <a:endParaRPr lang="zh-CN" altLang="en-US" sz="1400"/>
+                <a:endParaRPr lang="zh-CN" altLang="en-US" sz="1100"/>
               </a:p>
             </p:txBody>
           </p:sp>
@@ -8209,7 +8346,7 @@
             <p:spPr>
               <a:xfrm>
                 <a:off x="3960854" y="4250327"/>
-                <a:ext cx="744114" cy="307777"/>
+                <a:ext cx="607859" cy="261610"/>
               </a:xfrm>
               <a:prstGeom prst="rect">
                 <a:avLst/>
@@ -8226,10 +8363,10 @@
               <a:lstStyle/>
               <a:p>
                 <a:r>
-                  <a:rPr lang="zh-CN" altLang="en-US" sz="1400" smtClean="0"/>
+                  <a:rPr lang="zh-CN" altLang="en-US" sz="1100" smtClean="0"/>
                   <a:t>服务器</a:t>
                 </a:r>
-                <a:endParaRPr lang="zh-CN" altLang="en-US" sz="1400"/>
+                <a:endParaRPr lang="zh-CN" altLang="en-US" sz="1100"/>
               </a:p>
             </p:txBody>
           </p:sp>
@@ -8243,7 +8380,7 @@
           <p:spPr>
             <a:xfrm>
               <a:off x="1988933" y="4730870"/>
-              <a:ext cx="1441420" cy="307777"/>
+              <a:ext cx="1172116" cy="261610"/>
             </a:xfrm>
             <a:prstGeom prst="rect">
               <a:avLst/>
@@ -8260,14 +8397,14 @@
             <a:lstStyle/>
             <a:p>
               <a:r>
-                <a:rPr lang="zh-CN" altLang="en-US" sz="1400"/>
+                <a:rPr lang="zh-CN" altLang="en-US" sz="1100"/>
                 <a:t>程序</a:t>
               </a:r>
               <a:r>
-                <a:rPr lang="zh-CN" altLang="en-US" sz="1400" smtClean="0"/>
+                <a:rPr lang="zh-CN" altLang="en-US" sz="1100" smtClean="0"/>
                 <a:t>的网络通信</a:t>
               </a:r>
-              <a:endParaRPr lang="zh-CN" altLang="en-US" sz="1400"/>
+              <a:endParaRPr lang="zh-CN" altLang="en-US" sz="1100"/>
             </a:p>
           </p:txBody>
         </p:sp>
@@ -8280,10 +8417,10 @@
         </p:nvGrpSpPr>
         <p:grpSpPr>
           <a:xfrm>
-            <a:off x="5834544" y="2365824"/>
-            <a:ext cx="5805181" cy="2500057"/>
+            <a:off x="7042854" y="2365824"/>
+            <a:ext cx="4596871" cy="1943129"/>
             <a:chOff x="5834544" y="2365824"/>
-            <a:chExt cx="5805181" cy="2500057"/>
+            <a:chExt cx="5805181" cy="2453890"/>
           </a:xfrm>
         </p:grpSpPr>
         <p:grpSp>
@@ -8345,7 +8482,7 @@
               <a:p>
                 <a:pPr algn="ctr"/>
                 <a:r>
-                  <a:rPr lang="zh-CN" altLang="en-US" sz="1400">
+                  <a:rPr lang="zh-CN" altLang="en-US" sz="1100">
                     <a:solidFill>
                       <a:schemeClr val="tx1"/>
                     </a:solidFill>
@@ -8353,14 +8490,14 @@
                   <a:t>读</a:t>
                 </a:r>
                 <a:r>
-                  <a:rPr lang="zh-CN" altLang="en-US" sz="1400" smtClean="0">
+                  <a:rPr lang="zh-CN" altLang="en-US" sz="1100" smtClean="0">
                     <a:solidFill>
                       <a:schemeClr val="tx1"/>
                     </a:solidFill>
                   </a:rPr>
                   <a:t>取本地数据</a:t>
                 </a:r>
-                <a:endParaRPr lang="zh-CN" altLang="en-US" sz="1400">
+                <a:endParaRPr lang="zh-CN" altLang="en-US" sz="1100">
                   <a:solidFill>
                     <a:schemeClr val="tx1"/>
                   </a:solidFill>
@@ -8523,14 +8660,14 @@
               <a:p>
                 <a:pPr algn="ctr"/>
                 <a:r>
-                  <a:rPr lang="zh-CN" altLang="en-US" sz="1400" smtClean="0">
+                  <a:rPr lang="zh-CN" altLang="en-US" sz="1100" smtClean="0">
                     <a:solidFill>
                       <a:schemeClr val="tx1"/>
                     </a:solidFill>
                   </a:rPr>
                   <a:t>请求网络数据</a:t>
                 </a:r>
-                <a:endParaRPr lang="zh-CN" altLang="en-US" sz="1400">
+                <a:endParaRPr lang="zh-CN" altLang="en-US" sz="1100">
                   <a:solidFill>
                     <a:schemeClr val="tx1"/>
                   </a:solidFill>
@@ -8583,14 +8720,14 @@
               <a:p>
                 <a:pPr algn="ctr"/>
                 <a:r>
-                  <a:rPr lang="zh-CN" altLang="en-US" sz="1400" smtClean="0">
+                  <a:rPr lang="zh-CN" altLang="en-US" sz="1100" smtClean="0">
                     <a:solidFill>
                       <a:schemeClr val="tx1"/>
                     </a:solidFill>
                   </a:rPr>
                   <a:t>存储到本地</a:t>
                 </a:r>
-                <a:endParaRPr lang="zh-CN" altLang="en-US" sz="1400">
+                <a:endParaRPr lang="zh-CN" altLang="en-US" sz="1100">
                   <a:solidFill>
                     <a:schemeClr val="tx1"/>
                   </a:solidFill>
@@ -8643,14 +8780,14 @@
               <a:p>
                 <a:pPr algn="ctr"/>
                 <a:r>
-                  <a:rPr lang="zh-CN" altLang="en-US" sz="1400" smtClean="0">
+                  <a:rPr lang="zh-CN" altLang="en-US" sz="1100" smtClean="0">
                     <a:solidFill>
                       <a:schemeClr val="tx1"/>
                     </a:solidFill>
                   </a:rPr>
                   <a:t>读取本地数据</a:t>
                 </a:r>
-                <a:endParaRPr lang="zh-CN" altLang="en-US" sz="1400">
+                <a:endParaRPr lang="zh-CN" altLang="en-US" sz="1100">
                   <a:solidFill>
                     <a:schemeClr val="tx1"/>
                   </a:solidFill>
@@ -8667,7 +8804,7 @@
             <p:spPr>
               <a:xfrm>
                 <a:off x="9493688" y="2573845"/>
-                <a:ext cx="543739" cy="307777"/>
+                <a:ext cx="466794" cy="261610"/>
               </a:xfrm>
               <a:prstGeom prst="rect">
                 <a:avLst/>
@@ -8684,10 +8821,10 @@
               <a:lstStyle/>
               <a:p>
                 <a:r>
-                  <a:rPr lang="zh-CN" altLang="en-US" sz="1400" smtClean="0"/>
+                  <a:rPr lang="zh-CN" altLang="en-US" sz="1100" smtClean="0"/>
                   <a:t>成功</a:t>
                 </a:r>
-                <a:endParaRPr lang="zh-CN" altLang="en-US" sz="1400"/>
+                <a:endParaRPr lang="zh-CN" altLang="en-US" sz="1100"/>
               </a:p>
             </p:txBody>
           </p:sp>
@@ -8700,7 +8837,7 @@
             <p:spPr>
               <a:xfrm>
                 <a:off x="9493688" y="3732960"/>
-                <a:ext cx="540533" cy="307777"/>
+                <a:ext cx="466794" cy="261610"/>
               </a:xfrm>
               <a:prstGeom prst="rect">
                 <a:avLst/>
@@ -8717,7 +8854,7 @@
               <a:lstStyle/>
               <a:p>
                 <a:r>
-                  <a:rPr lang="zh-CN" altLang="en-US" sz="1400"/>
+                  <a:rPr lang="zh-CN" altLang="en-US" sz="1100"/>
                   <a:t>失败</a:t>
                 </a:r>
               </a:p>
@@ -8733,7 +8870,7 @@
           <p:spPr>
             <a:xfrm>
               <a:off x="8103765" y="4558104"/>
-              <a:ext cx="1441420" cy="307777"/>
+              <a:ext cx="1172116" cy="261610"/>
             </a:xfrm>
             <a:prstGeom prst="rect">
               <a:avLst/>
@@ -8750,18 +8887,18 @@
             <a:lstStyle/>
             <a:p>
               <a:r>
-                <a:rPr lang="zh-CN" altLang="en-US" sz="1400" smtClean="0"/>
+                <a:rPr lang="zh-CN" altLang="en-US" sz="1100" smtClean="0"/>
                 <a:t>程序的</a:t>
               </a:r>
               <a:r>
-                <a:rPr lang="zh-CN" altLang="en-US" sz="1400"/>
+                <a:rPr lang="zh-CN" altLang="en-US" sz="1100"/>
                 <a:t>数据流</a:t>
               </a:r>
               <a:r>
-                <a:rPr lang="zh-CN" altLang="en-US" sz="1400" smtClean="0"/>
+                <a:rPr lang="zh-CN" altLang="en-US" sz="1100" smtClean="0"/>
                 <a:t>程</a:t>
               </a:r>
-              <a:endParaRPr lang="zh-CN" altLang="en-US" sz="1400"/>
+              <a:endParaRPr lang="zh-CN" altLang="en-US" sz="1100"/>
             </a:p>
           </p:txBody>
         </p:sp>
@@ -8812,9 +8949,9 @@
         <p:grpSpPr>
           <a:xfrm>
             <a:off x="2338551" y="1018661"/>
-            <a:ext cx="8060769" cy="4170432"/>
+            <a:ext cx="8060769" cy="4124265"/>
             <a:chOff x="886923" y="751961"/>
-            <a:chExt cx="9944197" cy="5144868"/>
+            <a:chExt cx="9944197" cy="5087914"/>
           </a:xfrm>
         </p:grpSpPr>
         <p:grpSp>
@@ -8826,9 +8963,9 @@
           <p:grpSpPr>
             <a:xfrm>
               <a:off x="886923" y="751961"/>
-              <a:ext cx="9944197" cy="4488737"/>
+              <a:ext cx="9944197" cy="4503696"/>
               <a:chOff x="886923" y="751961"/>
-              <a:chExt cx="9944197" cy="4488737"/>
+              <a:chExt cx="9944197" cy="4503696"/>
             </a:xfrm>
           </p:grpSpPr>
           <p:pic>
@@ -8918,7 +9055,7 @@
             <p:spPr>
               <a:xfrm>
                 <a:off x="2342236" y="4932921"/>
-                <a:ext cx="1620957" cy="307777"/>
+                <a:ext cx="1620009" cy="322736"/>
               </a:xfrm>
               <a:prstGeom prst="rect">
                 <a:avLst/>
@@ -8932,10 +9069,10 @@
               <a:lstStyle/>
               <a:p>
                 <a:r>
-                  <a:rPr lang="zh-CN" altLang="en-US" sz="1400" smtClean="0"/>
+                  <a:rPr lang="zh-CN" altLang="en-US" sz="1100" smtClean="0"/>
                   <a:t>注册成功返回信息</a:t>
                 </a:r>
-                <a:endParaRPr lang="zh-CN" altLang="en-US" sz="1400"/>
+                <a:endParaRPr lang="zh-CN" altLang="en-US" sz="1100"/>
               </a:p>
             </p:txBody>
           </p:sp>
@@ -8948,7 +9085,7 @@
             <p:spPr>
               <a:xfrm>
                 <a:off x="7721289" y="4932921"/>
-                <a:ext cx="1620957" cy="307777"/>
+                <a:ext cx="1620009" cy="322736"/>
               </a:xfrm>
               <a:prstGeom prst="rect">
                 <a:avLst/>
@@ -8962,10 +9099,10 @@
               <a:lstStyle/>
               <a:p>
                 <a:r>
-                  <a:rPr lang="zh-CN" altLang="en-US" sz="1400" smtClean="0"/>
+                  <a:rPr lang="zh-CN" altLang="en-US" sz="1100" smtClean="0"/>
                   <a:t>登录成功返回信息</a:t>
                 </a:r>
-                <a:endParaRPr lang="zh-CN" altLang="en-US" sz="1400"/>
+                <a:endParaRPr lang="zh-CN" altLang="en-US" sz="1100"/>
               </a:p>
             </p:txBody>
           </p:sp>
@@ -8979,7 +9116,7 @@
           <p:spPr>
             <a:xfrm>
               <a:off x="4215586" y="5517139"/>
-              <a:ext cx="3505703" cy="379690"/>
+              <a:ext cx="3505703" cy="322736"/>
             </a:xfrm>
             <a:prstGeom prst="rect">
               <a:avLst/>
@@ -8993,22 +9130,22 @@
             <a:lstStyle/>
             <a:p>
               <a:r>
-                <a:rPr lang="en-US" altLang="zh-CN" sz="1400" smtClean="0"/>
+                <a:rPr lang="en-US" altLang="zh-CN" sz="1100" smtClean="0"/>
                 <a:t>Postman</a:t>
               </a:r>
               <a:r>
-                <a:rPr lang="zh-CN" altLang="en-US" sz="1400" smtClean="0"/>
+                <a:rPr lang="zh-CN" altLang="en-US" sz="1100" smtClean="0"/>
                 <a:t>上的注册</a:t>
               </a:r>
               <a:r>
-                <a:rPr lang="en-US" altLang="zh-CN" sz="1400" smtClean="0"/>
+                <a:rPr lang="en-US" altLang="zh-CN" sz="1100" smtClean="0"/>
                 <a:t>/</a:t>
               </a:r>
               <a:r>
-                <a:rPr lang="zh-CN" altLang="en-US" sz="1400" smtClean="0"/>
+                <a:rPr lang="zh-CN" altLang="en-US" sz="1100" smtClean="0"/>
                 <a:t>登录返回信息</a:t>
               </a:r>
-              <a:endParaRPr lang="zh-CN" altLang="en-US" sz="1400"/>
+              <a:endParaRPr lang="zh-CN" altLang="en-US" sz="1100"/>
             </a:p>
           </p:txBody>
         </p:sp>
@@ -9052,62 +9189,248 @@
       </p:grpSpPr>
       <p:grpSp>
         <p:nvGrpSpPr>
-          <p:cNvPr id="10" name="组合 9"/>
+          <p:cNvPr id="4" name="组合 3"/>
           <p:cNvGrpSpPr/>
           <p:nvPr/>
         </p:nvGrpSpPr>
         <p:grpSpPr>
           <a:xfrm>
-            <a:off x="414338" y="190088"/>
-            <a:ext cx="11598684" cy="6503844"/>
-            <a:chOff x="414338" y="190088"/>
-            <a:chExt cx="11598684" cy="6503844"/>
+            <a:off x="2592888" y="1142067"/>
+            <a:ext cx="7002609" cy="4303099"/>
+            <a:chOff x="2592888" y="1142067"/>
+            <a:chExt cx="7002609" cy="4303099"/>
           </a:xfrm>
         </p:grpSpPr>
-        <p:pic>
-          <p:nvPicPr>
-            <p:cNvPr id="3" name="图片 2"/>
-            <p:cNvPicPr>
-              <a:picLocks noChangeAspect="1"/>
-            </p:cNvPicPr>
+        <p:grpSp>
+          <p:nvGrpSpPr>
+            <p:cNvPr id="10" name="组合 9"/>
+            <p:cNvGrpSpPr/>
             <p:nvPr/>
-          </p:nvPicPr>
-          <p:blipFill>
-            <a:blip r:embed="rId2"/>
-            <a:stretch>
-              <a:fillRect/>
-            </a:stretch>
-          </p:blipFill>
-          <p:spPr>
+          </p:nvGrpSpPr>
+          <p:grpSpPr>
             <a:xfrm>
-              <a:off x="4583318" y="190088"/>
-              <a:ext cx="3260724" cy="5791611"/>
+              <a:off x="2592888" y="1142067"/>
+              <a:ext cx="7002609" cy="3965270"/>
+              <a:chOff x="414338" y="190088"/>
+              <a:chExt cx="11598684" cy="6567826"/>
             </a:xfrm>
-            <a:prstGeom prst="rect">
-              <a:avLst/>
-            </a:prstGeom>
-            <a:ln>
+          </p:grpSpPr>
+          <p:pic>
+            <p:nvPicPr>
+              <p:cNvPr id="3" name="图片 2"/>
+              <p:cNvPicPr>
+                <a:picLocks noChangeAspect="1"/>
+              </p:cNvPicPr>
+              <p:nvPr/>
+            </p:nvPicPr>
+            <p:blipFill>
+              <a:blip r:embed="rId2"/>
+              <a:stretch>
+                <a:fillRect/>
+              </a:stretch>
+            </p:blipFill>
+            <p:spPr>
+              <a:xfrm>
+                <a:off x="4583318" y="190088"/>
+                <a:ext cx="3260724" cy="5791611"/>
+              </a:xfrm>
+              <a:prstGeom prst="rect">
+                <a:avLst/>
+              </a:prstGeom>
+              <a:ln>
+                <a:noFill/>
+              </a:ln>
+              <a:effectLst>
+                <a:outerShdw blurRad="190500" algn="tl" rotWithShape="0">
+                  <a:srgbClr val="000000">
+                    <a:alpha val="70000"/>
+                  </a:srgbClr>
+                </a:outerShdw>
+              </a:effectLst>
+            </p:spPr>
+          </p:pic>
+          <p:sp>
+            <p:nvSpPr>
+              <p:cNvPr id="5" name="文本框 4"/>
+              <p:cNvSpPr txBox="1"/>
+              <p:nvPr/>
+            </p:nvSpPr>
+            <p:spPr>
+              <a:xfrm>
+                <a:off x="1435101" y="6324600"/>
+                <a:ext cx="1219200" cy="433314"/>
+              </a:xfrm>
+              <a:prstGeom prst="rect">
+                <a:avLst/>
+              </a:prstGeom>
               <a:noFill/>
-            </a:ln>
-            <a:effectLst>
-              <a:outerShdw blurRad="190500" algn="tl" rotWithShape="0">
-                <a:srgbClr val="000000">
-                  <a:alpha val="70000"/>
-                </a:srgbClr>
-              </a:outerShdw>
-            </a:effectLst>
-          </p:spPr>
-        </p:pic>
+            </p:spPr>
+            <p:txBody>
+              <a:bodyPr wrap="square" rtlCol="0">
+                <a:spAutoFit/>
+              </a:bodyPr>
+              <a:lstStyle/>
+              <a:p>
+                <a:pPr algn="ctr"/>
+                <a:r>
+                  <a:rPr lang="zh-CN" altLang="en-US" sz="1100">
+                    <a:latin typeface="微软雅黑" panose="020B0503020204020204" pitchFamily="34" charset="-122"/>
+                    <a:ea typeface="微软雅黑" panose="020B0503020204020204" pitchFamily="34" charset="-122"/>
+                  </a:rPr>
+                  <a:t>首页</a:t>
+                </a:r>
+              </a:p>
+            </p:txBody>
+          </p:sp>
+          <p:sp>
+            <p:nvSpPr>
+              <p:cNvPr id="6" name="文本框 5"/>
+              <p:cNvSpPr txBox="1"/>
+              <p:nvPr/>
+            </p:nvSpPr>
+            <p:spPr>
+              <a:xfrm>
+                <a:off x="5604081" y="6324600"/>
+                <a:ext cx="1219200" cy="433314"/>
+              </a:xfrm>
+              <a:prstGeom prst="rect">
+                <a:avLst/>
+              </a:prstGeom>
+              <a:noFill/>
+            </p:spPr>
+            <p:txBody>
+              <a:bodyPr wrap="square" rtlCol="0">
+                <a:spAutoFit/>
+              </a:bodyPr>
+              <a:lstStyle/>
+              <a:p>
+                <a:pPr algn="ctr"/>
+                <a:r>
+                  <a:rPr lang="zh-CN" altLang="en-US" sz="1100">
+                    <a:latin typeface="微软雅黑" panose="020B0503020204020204" pitchFamily="34" charset="-122"/>
+                    <a:ea typeface="微软雅黑" panose="020B0503020204020204" pitchFamily="34" charset="-122"/>
+                  </a:rPr>
+                  <a:t>任务</a:t>
+                </a:r>
+              </a:p>
+            </p:txBody>
+          </p:sp>
+          <p:sp>
+            <p:nvSpPr>
+              <p:cNvPr id="7" name="文本框 6"/>
+              <p:cNvSpPr txBox="1"/>
+              <p:nvPr/>
+            </p:nvSpPr>
+            <p:spPr>
+              <a:xfrm>
+                <a:off x="9629980" y="6318768"/>
+                <a:ext cx="1219200" cy="433314"/>
+              </a:xfrm>
+              <a:prstGeom prst="rect">
+                <a:avLst/>
+              </a:prstGeom>
+              <a:noFill/>
+            </p:spPr>
+            <p:txBody>
+              <a:bodyPr wrap="square" rtlCol="0">
+                <a:spAutoFit/>
+              </a:bodyPr>
+              <a:lstStyle/>
+              <a:p>
+                <a:pPr algn="ctr"/>
+                <a:r>
+                  <a:rPr lang="zh-CN" altLang="en-US" sz="1100" smtClean="0">
+                    <a:latin typeface="微软雅黑" panose="020B0503020204020204" pitchFamily="34" charset="-122"/>
+                    <a:ea typeface="微软雅黑" panose="020B0503020204020204" pitchFamily="34" charset="-122"/>
+                  </a:rPr>
+                  <a:t>我的</a:t>
+                </a:r>
+                <a:endParaRPr lang="zh-CN" altLang="en-US" sz="1100">
+                  <a:latin typeface="微软雅黑" panose="020B0503020204020204" pitchFamily="34" charset="-122"/>
+                  <a:ea typeface="微软雅黑" panose="020B0503020204020204" pitchFamily="34" charset="-122"/>
+                </a:endParaRPr>
+              </a:p>
+            </p:txBody>
+          </p:sp>
+          <p:pic>
+            <p:nvPicPr>
+              <p:cNvPr id="8" name="图片 7"/>
+              <p:cNvPicPr>
+                <a:picLocks noChangeAspect="1"/>
+              </p:cNvPicPr>
+              <p:nvPr/>
+            </p:nvPicPr>
+            <p:blipFill>
+              <a:blip r:embed="rId3"/>
+              <a:stretch>
+                <a:fillRect/>
+              </a:stretch>
+            </p:blipFill>
+            <p:spPr>
+              <a:xfrm>
+                <a:off x="8752298" y="190088"/>
+                <a:ext cx="3260724" cy="5791611"/>
+              </a:xfrm>
+              <a:prstGeom prst="rect">
+                <a:avLst/>
+              </a:prstGeom>
+              <a:ln>
+                <a:noFill/>
+              </a:ln>
+              <a:effectLst>
+                <a:outerShdw blurRad="292100" dist="139700" dir="2700000" algn="tl" rotWithShape="0">
+                  <a:srgbClr val="333333">
+                    <a:alpha val="65000"/>
+                  </a:srgbClr>
+                </a:outerShdw>
+              </a:effectLst>
+            </p:spPr>
+          </p:pic>
+          <p:pic>
+            <p:nvPicPr>
+              <p:cNvPr id="9" name="图片 8"/>
+              <p:cNvPicPr>
+                <a:picLocks noChangeAspect="1"/>
+              </p:cNvPicPr>
+              <p:nvPr/>
+            </p:nvPicPr>
+            <p:blipFill>
+              <a:blip r:embed="rId4"/>
+              <a:stretch>
+                <a:fillRect/>
+              </a:stretch>
+            </p:blipFill>
+            <p:spPr>
+              <a:xfrm>
+                <a:off x="414338" y="190088"/>
+                <a:ext cx="3260723" cy="5791611"/>
+              </a:xfrm>
+              <a:prstGeom prst="rect">
+                <a:avLst/>
+              </a:prstGeom>
+              <a:ln>
+                <a:noFill/>
+              </a:ln>
+              <a:effectLst>
+                <a:outerShdw blurRad="292100" dist="139700" dir="2700000" algn="tl" rotWithShape="0">
+                  <a:srgbClr val="333333">
+                    <a:alpha val="65000"/>
+                  </a:srgbClr>
+                </a:outerShdw>
+              </a:effectLst>
+            </p:spPr>
+          </p:pic>
+        </p:grpSp>
         <p:sp>
           <p:nvSpPr>
-            <p:cNvPr id="5" name="文本框 4"/>
+            <p:cNvPr id="2" name="文本框 1"/>
             <p:cNvSpPr txBox="1"/>
             <p:nvPr/>
           </p:nvSpPr>
           <p:spPr>
             <a:xfrm>
-              <a:off x="1435100" y="6324600"/>
-              <a:ext cx="1219200" cy="369332"/>
+              <a:off x="5578666" y="5183556"/>
+              <a:ext cx="1031051" cy="261610"/>
             </a:xfrm>
             <a:prstGeom prst="rect">
               <a:avLst/>
@@ -9115,160 +9438,19 @@
             <a:noFill/>
           </p:spPr>
           <p:txBody>
-            <a:bodyPr wrap="square" rtlCol="0">
+            <a:bodyPr wrap="none" rtlCol="0">
               <a:spAutoFit/>
             </a:bodyPr>
             <a:lstStyle/>
             <a:p>
-              <a:pPr algn="ctr"/>
               <a:r>
-                <a:rPr lang="zh-CN" altLang="en-US">
-                  <a:latin typeface="微软雅黑" panose="020B0503020204020204" pitchFamily="34" charset="-122"/>
-                  <a:ea typeface="微软雅黑" panose="020B0503020204020204" pitchFamily="34" charset="-122"/>
-                </a:rPr>
-                <a:t>首页</a:t>
+                <a:rPr lang="zh-CN" altLang="en-US" sz="1100" smtClean="0"/>
+                <a:t>程序页面布局</a:t>
               </a:r>
+              <a:endParaRPr lang="zh-CN" altLang="en-US" sz="1100"/>
             </a:p>
           </p:txBody>
         </p:sp>
-        <p:sp>
-          <p:nvSpPr>
-            <p:cNvPr id="6" name="文本框 5"/>
-            <p:cNvSpPr txBox="1"/>
-            <p:nvPr/>
-          </p:nvSpPr>
-          <p:spPr>
-            <a:xfrm>
-              <a:off x="5604080" y="6324600"/>
-              <a:ext cx="1219200" cy="369332"/>
-            </a:xfrm>
-            <a:prstGeom prst="rect">
-              <a:avLst/>
-            </a:prstGeom>
-            <a:noFill/>
-          </p:spPr>
-          <p:txBody>
-            <a:bodyPr wrap="square" rtlCol="0">
-              <a:spAutoFit/>
-            </a:bodyPr>
-            <a:lstStyle/>
-            <a:p>
-              <a:pPr algn="ctr"/>
-              <a:r>
-                <a:rPr lang="zh-CN" altLang="en-US">
-                  <a:latin typeface="微软雅黑" panose="020B0503020204020204" pitchFamily="34" charset="-122"/>
-                  <a:ea typeface="微软雅黑" panose="020B0503020204020204" pitchFamily="34" charset="-122"/>
-                </a:rPr>
-                <a:t>任务</a:t>
-              </a:r>
-            </a:p>
-          </p:txBody>
-        </p:sp>
-        <p:sp>
-          <p:nvSpPr>
-            <p:cNvPr id="7" name="文本框 6"/>
-            <p:cNvSpPr txBox="1"/>
-            <p:nvPr/>
-          </p:nvSpPr>
-          <p:spPr>
-            <a:xfrm>
-              <a:off x="9629980" y="6318766"/>
-              <a:ext cx="1219200" cy="369332"/>
-            </a:xfrm>
-            <a:prstGeom prst="rect">
-              <a:avLst/>
-            </a:prstGeom>
-            <a:noFill/>
-          </p:spPr>
-          <p:txBody>
-            <a:bodyPr wrap="square" rtlCol="0">
-              <a:spAutoFit/>
-            </a:bodyPr>
-            <a:lstStyle/>
-            <a:p>
-              <a:pPr algn="ctr"/>
-              <a:r>
-                <a:rPr lang="zh-CN" altLang="en-US" smtClean="0">
-                  <a:latin typeface="微软雅黑" panose="020B0503020204020204" pitchFamily="34" charset="-122"/>
-                  <a:ea typeface="微软雅黑" panose="020B0503020204020204" pitchFamily="34" charset="-122"/>
-                </a:rPr>
-                <a:t>我的</a:t>
-              </a:r>
-              <a:endParaRPr lang="zh-CN" altLang="en-US">
-                <a:latin typeface="微软雅黑" panose="020B0503020204020204" pitchFamily="34" charset="-122"/>
-                <a:ea typeface="微软雅黑" panose="020B0503020204020204" pitchFamily="34" charset="-122"/>
-              </a:endParaRPr>
-            </a:p>
-          </p:txBody>
-        </p:sp>
-        <p:pic>
-          <p:nvPicPr>
-            <p:cNvPr id="8" name="图片 7"/>
-            <p:cNvPicPr>
-              <a:picLocks noChangeAspect="1"/>
-            </p:cNvPicPr>
-            <p:nvPr/>
-          </p:nvPicPr>
-          <p:blipFill>
-            <a:blip r:embed="rId3"/>
-            <a:stretch>
-              <a:fillRect/>
-            </a:stretch>
-          </p:blipFill>
-          <p:spPr>
-            <a:xfrm>
-              <a:off x="8752298" y="190088"/>
-              <a:ext cx="3260724" cy="5791611"/>
-            </a:xfrm>
-            <a:prstGeom prst="rect">
-              <a:avLst/>
-            </a:prstGeom>
-            <a:ln>
-              <a:noFill/>
-            </a:ln>
-            <a:effectLst>
-              <a:outerShdw blurRad="292100" dist="139700" dir="2700000" algn="tl" rotWithShape="0">
-                <a:srgbClr val="333333">
-                  <a:alpha val="65000"/>
-                </a:srgbClr>
-              </a:outerShdw>
-            </a:effectLst>
-          </p:spPr>
-        </p:pic>
-        <p:pic>
-          <p:nvPicPr>
-            <p:cNvPr id="9" name="图片 8"/>
-            <p:cNvPicPr>
-              <a:picLocks noChangeAspect="1"/>
-            </p:cNvPicPr>
-            <p:nvPr/>
-          </p:nvPicPr>
-          <p:blipFill>
-            <a:blip r:embed="rId4"/>
-            <a:stretch>
-              <a:fillRect/>
-            </a:stretch>
-          </p:blipFill>
-          <p:spPr>
-            <a:xfrm>
-              <a:off x="414338" y="190088"/>
-              <a:ext cx="3260724" cy="5791611"/>
-            </a:xfrm>
-            <a:prstGeom prst="rect">
-              <a:avLst/>
-            </a:prstGeom>
-            <a:ln>
-              <a:noFill/>
-            </a:ln>
-            <a:effectLst>
-              <a:outerShdw blurRad="292100" dist="139700" dir="2700000" algn="tl" rotWithShape="0">
-                <a:srgbClr val="333333">
-                  <a:alpha val="65000"/>
-                </a:srgbClr>
-              </a:outerShdw>
-            </a:effectLst>
-          </p:spPr>
-        </p:pic>
       </p:grpSp>
     </p:spTree>
     <p:extLst>
@@ -9316,9 +9498,9 @@
         <p:grpSpPr>
           <a:xfrm>
             <a:off x="832059" y="1197538"/>
-            <a:ext cx="4512199" cy="4014542"/>
+            <a:ext cx="4512199" cy="4031093"/>
             <a:chOff x="2996942" y="375729"/>
-            <a:chExt cx="5667006" cy="5041984"/>
+            <a:chExt cx="5667006" cy="5062771"/>
           </a:xfrm>
         </p:grpSpPr>
         <p:sp>
@@ -9329,8 +9511,8 @@
           </p:nvSpPr>
           <p:spPr>
             <a:xfrm>
-              <a:off x="3871532" y="5109936"/>
-              <a:ext cx="723275" cy="307777"/>
+              <a:off x="3871531" y="5109936"/>
+              <a:ext cx="763428" cy="328564"/>
             </a:xfrm>
             <a:prstGeom prst="rect">
               <a:avLst/>
@@ -9344,14 +9526,14 @@
             <a:lstStyle/>
             <a:p>
               <a:r>
-                <a:rPr lang="zh-CN" altLang="en-US" sz="1400"/>
+                <a:rPr lang="zh-CN" altLang="en-US" sz="1100"/>
                 <a:t>搜</a:t>
               </a:r>
               <a:r>
-                <a:rPr lang="zh-CN" altLang="en-US" sz="1400" smtClean="0"/>
+                <a:rPr lang="zh-CN" altLang="en-US" sz="1100" smtClean="0"/>
                 <a:t>索框</a:t>
               </a:r>
-              <a:endParaRPr lang="zh-CN" altLang="en-US" sz="1400"/>
+              <a:endParaRPr lang="zh-CN" altLang="en-US" sz="1100"/>
             </a:p>
           </p:txBody>
         </p:sp>
@@ -9364,7 +9546,7 @@
           <p:spPr>
             <a:xfrm>
               <a:off x="6976316" y="5109936"/>
-              <a:ext cx="902811" cy="307777"/>
+              <a:ext cx="940595" cy="328564"/>
             </a:xfrm>
             <a:prstGeom prst="rect">
               <a:avLst/>
@@ -9378,14 +9560,14 @@
             <a:lstStyle/>
             <a:p>
               <a:r>
-                <a:rPr lang="zh-CN" altLang="en-US" sz="1400"/>
+                <a:rPr lang="zh-CN" altLang="en-US" sz="1100"/>
                 <a:t>结果</a:t>
               </a:r>
               <a:r>
-                <a:rPr lang="zh-CN" altLang="en-US" sz="1400" smtClean="0"/>
+                <a:rPr lang="zh-CN" altLang="en-US" sz="1100" smtClean="0"/>
                 <a:t>列表</a:t>
               </a:r>
-              <a:endParaRPr lang="zh-CN" altLang="en-US" sz="1400"/>
+              <a:endParaRPr lang="zh-CN" altLang="en-US" sz="1100"/>
             </a:p>
           </p:txBody>
         </p:sp>
@@ -9467,9 +9649,9 @@
         <p:grpSpPr>
           <a:xfrm>
             <a:off x="6008336" y="1197538"/>
-            <a:ext cx="4656726" cy="4014542"/>
+            <a:ext cx="4656726" cy="4023245"/>
             <a:chOff x="2996942" y="532211"/>
-            <a:chExt cx="5667006" cy="4885501"/>
+            <a:chExt cx="5667006" cy="4896091"/>
           </a:xfrm>
         </p:grpSpPr>
         <p:pic>
@@ -9549,7 +9731,7 @@
           <p:spPr>
             <a:xfrm>
               <a:off x="3781763" y="5109935"/>
-              <a:ext cx="902811" cy="307777"/>
+              <a:ext cx="911402" cy="318367"/>
             </a:xfrm>
             <a:prstGeom prst="rect">
               <a:avLst/>
@@ -9563,11 +9745,11 @@
             <a:lstStyle/>
             <a:p>
               <a:r>
-                <a:rPr lang="zh-CN" altLang="en-US" sz="1400" smtClean="0"/>
+                <a:rPr lang="zh-CN" altLang="en-US" sz="1100" smtClean="0"/>
                 <a:t>参数</a:t>
               </a:r>
               <a:r>
-                <a:rPr lang="zh-CN" altLang="en-US" sz="1400"/>
+                <a:rPr lang="zh-CN" altLang="en-US" sz="1100"/>
                 <a:t>列表</a:t>
               </a:r>
             </a:p>
@@ -9582,7 +9764,7 @@
           <p:spPr>
             <a:xfrm>
               <a:off x="7001963" y="5109935"/>
-              <a:ext cx="851515" cy="307777"/>
+              <a:ext cx="864584" cy="318367"/>
             </a:xfrm>
             <a:prstGeom prst="rect">
               <a:avLst/>
@@ -9596,14 +9778,14 @@
             <a:lstStyle/>
             <a:p>
               <a:r>
-                <a:rPr lang="zh-CN" altLang="en-US" sz="1400" smtClean="0"/>
+                <a:rPr lang="zh-CN" altLang="en-US" sz="1100" smtClean="0"/>
                 <a:t>详情</a:t>
               </a:r>
               <a:r>
-                <a:rPr lang="en-US" altLang="zh-CN" sz="1400" smtClean="0"/>
+                <a:rPr lang="en-US" altLang="zh-CN" sz="1100" smtClean="0"/>
                 <a:t>PDF</a:t>
               </a:r>
-              <a:endParaRPr lang="zh-CN" altLang="en-US" sz="1400"/>
+              <a:endParaRPr lang="zh-CN" altLang="en-US" sz="1100"/>
             </a:p>
           </p:txBody>
         </p:sp>

--- a/Gooit自绘图标.pptx
+++ b/Gooit自绘图标.pptx
@@ -252,7 +252,7 @@
           <a:p>
             <a:fld id="{422CCFCB-3385-4999-8F10-4D582A939C16}" type="datetimeFigureOut">
               <a:rPr lang="zh-CN" altLang="en-US" smtClean="0"/>
-              <a:t>2019/4/15</a:t>
+              <a:t>2019/4/16</a:t>
             </a:fld>
             <a:endParaRPr lang="zh-CN" altLang="en-US"/>
           </a:p>
@@ -420,7 +420,7 @@
           <a:p>
             <a:fld id="{422CCFCB-3385-4999-8F10-4D582A939C16}" type="datetimeFigureOut">
               <a:rPr lang="zh-CN" altLang="en-US" smtClean="0"/>
-              <a:t>2019/4/15</a:t>
+              <a:t>2019/4/16</a:t>
             </a:fld>
             <a:endParaRPr lang="zh-CN" altLang="en-US"/>
           </a:p>
@@ -598,7 +598,7 @@
           <a:p>
             <a:fld id="{422CCFCB-3385-4999-8F10-4D582A939C16}" type="datetimeFigureOut">
               <a:rPr lang="zh-CN" altLang="en-US" smtClean="0"/>
-              <a:t>2019/4/15</a:t>
+              <a:t>2019/4/16</a:t>
             </a:fld>
             <a:endParaRPr lang="zh-CN" altLang="en-US"/>
           </a:p>
@@ -766,7 +766,7 @@
           <a:p>
             <a:fld id="{422CCFCB-3385-4999-8F10-4D582A939C16}" type="datetimeFigureOut">
               <a:rPr lang="zh-CN" altLang="en-US" smtClean="0"/>
-              <a:t>2019/4/15</a:t>
+              <a:t>2019/4/16</a:t>
             </a:fld>
             <a:endParaRPr lang="zh-CN" altLang="en-US"/>
           </a:p>
@@ -1011,7 +1011,7 @@
           <a:p>
             <a:fld id="{422CCFCB-3385-4999-8F10-4D582A939C16}" type="datetimeFigureOut">
               <a:rPr lang="zh-CN" altLang="en-US" smtClean="0"/>
-              <a:t>2019/4/15</a:t>
+              <a:t>2019/4/16</a:t>
             </a:fld>
             <a:endParaRPr lang="zh-CN" altLang="en-US"/>
           </a:p>
@@ -1240,7 +1240,7 @@
           <a:p>
             <a:fld id="{422CCFCB-3385-4999-8F10-4D582A939C16}" type="datetimeFigureOut">
               <a:rPr lang="zh-CN" altLang="en-US" smtClean="0"/>
-              <a:t>2019/4/15</a:t>
+              <a:t>2019/4/16</a:t>
             </a:fld>
             <a:endParaRPr lang="zh-CN" altLang="en-US"/>
           </a:p>
@@ -1604,7 +1604,7 @@
           <a:p>
             <a:fld id="{422CCFCB-3385-4999-8F10-4D582A939C16}" type="datetimeFigureOut">
               <a:rPr lang="zh-CN" altLang="en-US" smtClean="0"/>
-              <a:t>2019/4/15</a:t>
+              <a:t>2019/4/16</a:t>
             </a:fld>
             <a:endParaRPr lang="zh-CN" altLang="en-US"/>
           </a:p>
@@ -1721,7 +1721,7 @@
           <a:p>
             <a:fld id="{422CCFCB-3385-4999-8F10-4D582A939C16}" type="datetimeFigureOut">
               <a:rPr lang="zh-CN" altLang="en-US" smtClean="0"/>
-              <a:t>2019/4/15</a:t>
+              <a:t>2019/4/16</a:t>
             </a:fld>
             <a:endParaRPr lang="zh-CN" altLang="en-US"/>
           </a:p>
@@ -1816,7 +1816,7 @@
           <a:p>
             <a:fld id="{422CCFCB-3385-4999-8F10-4D582A939C16}" type="datetimeFigureOut">
               <a:rPr lang="zh-CN" altLang="en-US" smtClean="0"/>
-              <a:t>2019/4/15</a:t>
+              <a:t>2019/4/16</a:t>
             </a:fld>
             <a:endParaRPr lang="zh-CN" altLang="en-US"/>
           </a:p>
@@ -2091,7 +2091,7 @@
           <a:p>
             <a:fld id="{422CCFCB-3385-4999-8F10-4D582A939C16}" type="datetimeFigureOut">
               <a:rPr lang="zh-CN" altLang="en-US" smtClean="0"/>
-              <a:t>2019/4/15</a:t>
+              <a:t>2019/4/16</a:t>
             </a:fld>
             <a:endParaRPr lang="zh-CN" altLang="en-US"/>
           </a:p>
@@ -2343,7 +2343,7 @@
           <a:p>
             <a:fld id="{422CCFCB-3385-4999-8F10-4D582A939C16}" type="datetimeFigureOut">
               <a:rPr lang="zh-CN" altLang="en-US" smtClean="0"/>
-              <a:t>2019/4/15</a:t>
+              <a:t>2019/4/16</a:t>
             </a:fld>
             <a:endParaRPr lang="zh-CN" altLang="en-US"/>
           </a:p>
@@ -2554,7 +2554,7 @@
           <a:p>
             <a:fld id="{422CCFCB-3385-4999-8F10-4D582A939C16}" type="datetimeFigureOut">
               <a:rPr lang="zh-CN" altLang="en-US" smtClean="0"/>
-              <a:t>2019/4/15</a:t>
+              <a:t>2019/4/16</a:t>
             </a:fld>
             <a:endParaRPr lang="zh-CN" altLang="en-US"/>
           </a:p>
@@ -3702,9 +3702,9 @@
         <p:grpSpPr>
           <a:xfrm>
             <a:off x="2873450" y="1236693"/>
-            <a:ext cx="6652558" cy="4203691"/>
+            <a:ext cx="6652558" cy="3581360"/>
             <a:chOff x="2873450" y="1236693"/>
-            <a:chExt cx="6652558" cy="4203691"/>
+            <a:chExt cx="6652558" cy="3581360"/>
           </a:xfrm>
         </p:grpSpPr>
         <p:pic>
@@ -3817,8 +3817,8 @@
           </p:nvSpPr>
           <p:spPr>
             <a:xfrm>
-              <a:off x="3387196" y="4587223"/>
-              <a:ext cx="902811" cy="307777"/>
+              <a:off x="3425668" y="4587221"/>
+              <a:ext cx="646331" cy="230832"/>
             </a:xfrm>
             <a:prstGeom prst="rect">
               <a:avLst/>
@@ -3832,10 +3832,10 @@
             <a:lstStyle/>
             <a:p>
               <a:r>
-                <a:rPr lang="zh-CN" altLang="en-US" sz="1400" smtClean="0"/>
+                <a:rPr lang="zh-CN" altLang="en-US" sz="900" smtClean="0"/>
                 <a:t>查看限制</a:t>
               </a:r>
-              <a:endParaRPr lang="zh-CN" altLang="en-US" sz="1400"/>
+              <a:endParaRPr lang="zh-CN" altLang="en-US" sz="900"/>
             </a:p>
           </p:txBody>
         </p:sp>
@@ -3847,8 +3847,8 @@
           </p:nvSpPr>
           <p:spPr>
             <a:xfrm>
-              <a:off x="5748324" y="4587222"/>
-              <a:ext cx="902811" cy="307777"/>
+              <a:off x="5876563" y="4583392"/>
+              <a:ext cx="646331" cy="230832"/>
             </a:xfrm>
             <a:prstGeom prst="rect">
               <a:avLst/>
@@ -3862,10 +3862,10 @@
             <a:lstStyle/>
             <a:p>
               <a:r>
-                <a:rPr lang="zh-CN" altLang="en-US" sz="1400" smtClean="0"/>
+                <a:rPr lang="zh-CN" altLang="en-US" sz="900" smtClean="0"/>
                 <a:t>修改限制</a:t>
               </a:r>
-              <a:endParaRPr lang="zh-CN" altLang="en-US" sz="1400"/>
+              <a:endParaRPr lang="zh-CN" altLang="en-US" sz="900"/>
             </a:p>
           </p:txBody>
         </p:sp>
@@ -3877,8 +3877,8 @@
           </p:nvSpPr>
           <p:spPr>
             <a:xfrm>
-              <a:off x="8109452" y="4587221"/>
-              <a:ext cx="1082348" cy="307777"/>
+              <a:off x="8269750" y="4583392"/>
+              <a:ext cx="761747" cy="230832"/>
             </a:xfrm>
             <a:prstGeom prst="rect">
               <a:avLst/>
@@ -3892,44 +3892,10 @@
             <a:lstStyle/>
             <a:p>
               <a:r>
-                <a:rPr lang="zh-CN" altLang="en-US" sz="1400" smtClean="0"/>
+                <a:rPr lang="zh-CN" altLang="en-US" sz="900" smtClean="0"/>
                 <a:t>发布与删除</a:t>
               </a:r>
-              <a:endParaRPr lang="zh-CN" altLang="en-US" sz="1400"/>
-            </a:p>
-          </p:txBody>
-        </p:sp>
-        <p:sp>
-          <p:nvSpPr>
-            <p:cNvPr id="30" name="文本框 29"/>
-            <p:cNvSpPr txBox="1"/>
-            <p:nvPr/>
-          </p:nvSpPr>
-          <p:spPr>
-            <a:xfrm>
-              <a:off x="5748323" y="5132607"/>
-              <a:ext cx="902811" cy="307777"/>
-            </a:xfrm>
-            <a:prstGeom prst="rect">
-              <a:avLst/>
-            </a:prstGeom>
-            <a:noFill/>
-          </p:spPr>
-          <p:txBody>
-            <a:bodyPr wrap="none" rtlCol="0">
-              <a:spAutoFit/>
-            </a:bodyPr>
-            <a:lstStyle/>
-            <a:p>
-              <a:r>
-                <a:rPr lang="zh-CN" altLang="en-US" sz="1400"/>
-                <a:t>权</a:t>
-              </a:r>
-              <a:r>
-                <a:rPr lang="zh-CN" altLang="en-US" sz="1400" smtClean="0"/>
-                <a:t>限设置</a:t>
-              </a:r>
-              <a:endParaRPr lang="zh-CN" altLang="en-US" sz="1400"/>
+              <a:endParaRPr lang="zh-CN" altLang="en-US" sz="900"/>
             </a:p>
           </p:txBody>
         </p:sp>
@@ -3973,169 +3939,95 @@
       </p:grpSpPr>
       <p:grpSp>
         <p:nvGrpSpPr>
-          <p:cNvPr id="22" name="组合 21"/>
+          <p:cNvPr id="12" name="组合 11"/>
           <p:cNvGrpSpPr/>
           <p:nvPr/>
         </p:nvGrpSpPr>
         <p:grpSpPr>
           <a:xfrm>
-            <a:off x="714549" y="2788742"/>
-            <a:ext cx="3477893" cy="3178179"/>
-            <a:chOff x="2064252" y="552449"/>
-            <a:chExt cx="6401613" cy="5849943"/>
+            <a:off x="717305" y="2838237"/>
+            <a:ext cx="3477893" cy="2787173"/>
+            <a:chOff x="1784852" y="1263649"/>
+            <a:chExt cx="6401613" cy="5130234"/>
           </a:xfrm>
         </p:grpSpPr>
-        <p:grpSp>
-          <p:nvGrpSpPr>
-            <p:cNvPr id="12" name="组合 11"/>
-            <p:cNvGrpSpPr/>
+        <p:pic>
+          <p:nvPicPr>
+            <p:cNvPr id="4" name="图片 3"/>
+            <p:cNvPicPr>
+              <a:picLocks noChangeAspect="1"/>
+            </p:cNvPicPr>
             <p:nvPr/>
-          </p:nvGrpSpPr>
-          <p:grpSpPr>
+          </p:nvPicPr>
+          <p:blipFill>
+            <a:blip r:embed="rId2"/>
+            <a:stretch>
+              <a:fillRect/>
+            </a:stretch>
+          </p:blipFill>
+          <p:spPr>
             <a:xfrm>
-              <a:off x="2064252" y="552449"/>
-              <a:ext cx="6401613" cy="5265743"/>
-              <a:chOff x="1784852" y="1263649"/>
-              <a:chExt cx="6401613" cy="5265743"/>
+              <a:off x="5644567" y="1263649"/>
+              <a:ext cx="2541898" cy="4514851"/>
             </a:xfrm>
-          </p:grpSpPr>
-          <p:pic>
-            <p:nvPicPr>
-              <p:cNvPr id="4" name="图片 3"/>
-              <p:cNvPicPr>
-                <a:picLocks noChangeAspect="1"/>
-              </p:cNvPicPr>
-              <p:nvPr/>
-            </p:nvPicPr>
-            <p:blipFill>
-              <a:blip r:embed="rId2"/>
-              <a:stretch>
-                <a:fillRect/>
-              </a:stretch>
-            </p:blipFill>
-            <p:spPr>
-              <a:xfrm>
-                <a:off x="5644567" y="1263649"/>
-                <a:ext cx="2541898" cy="4514851"/>
-              </a:xfrm>
-              <a:prstGeom prst="rect">
-                <a:avLst/>
-              </a:prstGeom>
-              <a:ln>
-                <a:noFill/>
-              </a:ln>
-              <a:effectLst>
-                <a:outerShdw blurRad="292100" dist="139700" dir="2700000" algn="tl" rotWithShape="0">
-                  <a:srgbClr val="333333">
-                    <a:alpha val="65000"/>
-                  </a:srgbClr>
-                </a:outerShdw>
-              </a:effectLst>
-            </p:spPr>
-          </p:pic>
-          <p:pic>
-            <p:nvPicPr>
-              <p:cNvPr id="9" name="图片 8"/>
-              <p:cNvPicPr>
-                <a:picLocks noChangeAspect="1"/>
-              </p:cNvPicPr>
-              <p:nvPr/>
-            </p:nvPicPr>
-            <p:blipFill rotWithShape="1">
-              <a:blip r:embed="rId3"/>
-              <a:srcRect t="5862" b="65821"/>
-              <a:stretch/>
-            </p:blipFill>
-            <p:spPr>
-              <a:xfrm>
-                <a:off x="1784852" y="2525704"/>
-                <a:ext cx="3099613" cy="1558941"/>
-              </a:xfrm>
-              <a:prstGeom prst="rect">
-                <a:avLst/>
-              </a:prstGeom>
-              <a:ln>
-                <a:noFill/>
-              </a:ln>
-              <a:effectLst>
-                <a:outerShdw blurRad="292100" dist="139700" dir="2700000" algn="tl" rotWithShape="0">
-                  <a:srgbClr val="333333">
-                    <a:alpha val="65000"/>
-                  </a:srgbClr>
-                </a:outerShdw>
-              </a:effectLst>
-            </p:spPr>
-          </p:pic>
-          <p:sp>
-            <p:nvSpPr>
-              <p:cNvPr id="11" name="文本框 10"/>
-              <p:cNvSpPr txBox="1"/>
-              <p:nvPr/>
-            </p:nvSpPr>
-            <p:spPr>
-              <a:xfrm>
-                <a:off x="2883252" y="4419600"/>
-                <a:ext cx="1604258" cy="560392"/>
-              </a:xfrm>
-              <a:prstGeom prst="rect">
-                <a:avLst/>
-              </a:prstGeom>
+            <a:prstGeom prst="rect">
+              <a:avLst/>
+            </a:prstGeom>
+            <a:ln>
               <a:noFill/>
-            </p:spPr>
-            <p:txBody>
-              <a:bodyPr wrap="none" rtlCol="0">
-                <a:spAutoFit/>
-              </a:bodyPr>
-              <a:lstStyle/>
-              <a:p>
-                <a:r>
-                  <a:rPr lang="zh-CN" altLang="en-US" sz="1100"/>
-                  <a:t>轮播展示</a:t>
-                </a:r>
-              </a:p>
-            </p:txBody>
-          </p:sp>
-          <p:sp>
-            <p:nvSpPr>
-              <p:cNvPr id="24" name="文本框 23"/>
-              <p:cNvSpPr txBox="1"/>
-              <p:nvPr/>
-            </p:nvSpPr>
-            <p:spPr>
-              <a:xfrm>
-                <a:off x="6464109" y="5969000"/>
-                <a:ext cx="1604258" cy="560392"/>
-              </a:xfrm>
-              <a:prstGeom prst="rect">
-                <a:avLst/>
-              </a:prstGeom>
+            </a:ln>
+            <a:effectLst>
+              <a:outerShdw blurRad="292100" dist="139700" dir="2700000" algn="tl" rotWithShape="0">
+                <a:srgbClr val="333333">
+                  <a:alpha val="65000"/>
+                </a:srgbClr>
+              </a:outerShdw>
+            </a:effectLst>
+          </p:spPr>
+        </p:pic>
+        <p:pic>
+          <p:nvPicPr>
+            <p:cNvPr id="9" name="图片 8"/>
+            <p:cNvPicPr>
+              <a:picLocks noChangeAspect="1"/>
+            </p:cNvPicPr>
+            <p:nvPr/>
+          </p:nvPicPr>
+          <p:blipFill rotWithShape="1">
+            <a:blip r:embed="rId3"/>
+            <a:srcRect t="5862" b="65821"/>
+            <a:stretch/>
+          </p:blipFill>
+          <p:spPr>
+            <a:xfrm>
+              <a:off x="1784852" y="2525704"/>
+              <a:ext cx="3099613" cy="1558941"/>
+            </a:xfrm>
+            <a:prstGeom prst="rect">
+              <a:avLst/>
+            </a:prstGeom>
+            <a:ln>
               <a:noFill/>
-            </p:spPr>
-            <p:txBody>
-              <a:bodyPr wrap="none" rtlCol="0">
-                <a:spAutoFit/>
-              </a:bodyPr>
-              <a:lstStyle/>
-              <a:p>
-                <a:r>
-                  <a:rPr lang="zh-CN" altLang="en-US" sz="1100" smtClean="0"/>
-                  <a:t>资讯详情</a:t>
-                </a:r>
-                <a:endParaRPr lang="zh-CN" altLang="en-US" sz="1100"/>
-              </a:p>
-            </p:txBody>
-          </p:sp>
-        </p:grpSp>
+            </a:ln>
+            <a:effectLst>
+              <a:outerShdw blurRad="292100" dist="139700" dir="2700000" algn="tl" rotWithShape="0">
+                <a:srgbClr val="333333">
+                  <a:alpha val="65000"/>
+                </a:srgbClr>
+              </a:outerShdw>
+            </a:effectLst>
+          </p:spPr>
+        </p:pic>
         <p:sp>
           <p:nvSpPr>
-            <p:cNvPr id="13" name="文本框 12"/>
+            <p:cNvPr id="11" name="文本框 10"/>
             <p:cNvSpPr txBox="1"/>
             <p:nvPr/>
           </p:nvSpPr>
           <p:spPr>
             <a:xfrm>
-              <a:off x="4862962" y="5842000"/>
-              <a:ext cx="1604258" cy="560392"/>
+              <a:off x="2883252" y="4419600"/>
+              <a:ext cx="1189675" cy="424883"/>
             </a:xfrm>
             <a:prstGeom prst="rect">
               <a:avLst/>
@@ -4149,10 +4041,39 @@
             <a:lstStyle/>
             <a:p>
               <a:r>
-                <a:rPr lang="zh-CN" altLang="en-US" sz="1100" smtClean="0"/>
-                <a:t>行业资讯</a:t>
+                <a:rPr lang="zh-CN" altLang="en-US" sz="900"/>
+                <a:t>轮播展示</a:t>
               </a:r>
-              <a:endParaRPr lang="zh-CN" altLang="en-US" sz="1100"/>
+            </a:p>
+          </p:txBody>
+        </p:sp>
+        <p:sp>
+          <p:nvSpPr>
+            <p:cNvPr id="24" name="文本框 23"/>
+            <p:cNvSpPr txBox="1"/>
+            <p:nvPr/>
+          </p:nvSpPr>
+          <p:spPr>
+            <a:xfrm>
+              <a:off x="6464109" y="5969000"/>
+              <a:ext cx="1189675" cy="424883"/>
+            </a:xfrm>
+            <a:prstGeom prst="rect">
+              <a:avLst/>
+            </a:prstGeom>
+            <a:noFill/>
+          </p:spPr>
+          <p:txBody>
+            <a:bodyPr wrap="none" rtlCol="0">
+              <a:spAutoFit/>
+            </a:bodyPr>
+            <a:lstStyle/>
+            <a:p>
+              <a:r>
+                <a:rPr lang="zh-CN" altLang="en-US" sz="900" smtClean="0"/>
+                <a:t>资讯详情</a:t>
+              </a:r>
+              <a:endParaRPr lang="zh-CN" altLang="en-US" sz="900"/>
             </a:p>
           </p:txBody>
         </p:sp>
@@ -4165,10 +4086,10 @@
         </p:nvGrpSpPr>
         <p:grpSpPr>
           <a:xfrm>
-            <a:off x="4605393" y="2788741"/>
-            <a:ext cx="3430054" cy="3178179"/>
+            <a:off x="4608149" y="2781748"/>
+            <a:ext cx="3430054" cy="2843662"/>
             <a:chOff x="6316872" y="1148106"/>
-            <a:chExt cx="5075908" cy="4703175"/>
+            <a:chExt cx="5075908" cy="4208146"/>
           </a:xfrm>
         </p:grpSpPr>
         <p:pic>
@@ -4205,36 +4126,6 @@
             </a:effectLst>
           </p:spPr>
         </p:pic>
-        <p:sp>
-          <p:nvSpPr>
-            <p:cNvPr id="15" name="文本框 14"/>
-            <p:cNvSpPr txBox="1"/>
-            <p:nvPr/>
-          </p:nvSpPr>
-          <p:spPr>
-            <a:xfrm>
-              <a:off x="8446587" y="5454848"/>
-              <a:ext cx="1776176" cy="396433"/>
-            </a:xfrm>
-            <a:prstGeom prst="rect">
-              <a:avLst/>
-            </a:prstGeom>
-            <a:noFill/>
-          </p:spPr>
-          <p:txBody>
-            <a:bodyPr wrap="none" rtlCol="0">
-              <a:spAutoFit/>
-            </a:bodyPr>
-            <a:lstStyle/>
-            <a:p>
-              <a:r>
-                <a:rPr lang="zh-CN" altLang="en-US" sz="1100" smtClean="0"/>
-                <a:t>实验室用计算器</a:t>
-              </a:r>
-              <a:endParaRPr lang="zh-CN" altLang="en-US" sz="1100"/>
-            </a:p>
-          </p:txBody>
-        </p:sp>
         <p:pic>
           <p:nvPicPr>
             <p:cNvPr id="2" name="图片 1"/>
@@ -4306,7 +4197,7 @@
           </p:nvSpPr>
           <p:spPr>
             <a:xfrm>
-              <a:off x="10028259" y="4959327"/>
+              <a:off x="9712258" y="4959819"/>
               <a:ext cx="1348649" cy="396433"/>
             </a:xfrm>
             <a:prstGeom prst="rect">
@@ -4780,9 +4671,9 @@
         <p:grpSpPr>
           <a:xfrm>
             <a:off x="2014799" y="267574"/>
-            <a:ext cx="7649056" cy="5514181"/>
+            <a:ext cx="7649056" cy="4749043"/>
             <a:chOff x="2014799" y="267574"/>
-            <a:chExt cx="7649056" cy="5514181"/>
+            <a:chExt cx="7649056" cy="5093363"/>
           </a:xfrm>
         </p:grpSpPr>
         <p:grpSp>
@@ -4794,9 +4685,9 @@
           <p:grpSpPr>
             <a:xfrm>
               <a:off x="2014799" y="267574"/>
-              <a:ext cx="7649056" cy="5514181"/>
+              <a:ext cx="7649056" cy="5093363"/>
               <a:chOff x="1017870" y="-322064"/>
-              <a:chExt cx="9256409" cy="6816901"/>
+              <a:chExt cx="9256409" cy="6296665"/>
             </a:xfrm>
           </p:grpSpPr>
           <p:sp>
@@ -4868,9 +4759,9 @@
             <p:grpSpPr>
               <a:xfrm>
                 <a:off x="1017870" y="-35989"/>
-                <a:ext cx="9256409" cy="6530826"/>
+                <a:ext cx="9256409" cy="6010590"/>
                 <a:chOff x="1017870" y="-35989"/>
-                <a:chExt cx="9256409" cy="6530826"/>
+                <a:chExt cx="9256409" cy="6010590"/>
               </a:xfrm>
             </p:grpSpPr>
             <p:sp>
@@ -4923,15 +4814,7 @@
                         <a:schemeClr val="tx1"/>
                       </a:solidFill>
                     </a:rPr>
-                    <a:t>进入首页便</a:t>
-                  </a:r>
-                  <a:r>
-                    <a:rPr lang="zh-CN" altLang="en-US" sz="1100" smtClean="0">
-                      <a:solidFill>
-                        <a:schemeClr val="tx1"/>
-                      </a:solidFill>
-                    </a:rPr>
-                    <a:t>捷学习</a:t>
+                    <a:t>进入首页便捷学习</a:t>
                   </a:r>
                   <a:endParaRPr lang="zh-CN" altLang="en-US" sz="1100">
                     <a:solidFill>
@@ -6454,39 +6337,6 @@
             </p:cxnSp>
             <p:sp>
               <p:nvSpPr>
-                <p:cNvPr id="166" name="文本框 165"/>
-                <p:cNvSpPr txBox="1"/>
-                <p:nvPr/>
-              </p:nvSpPr>
-              <p:spPr>
-                <a:xfrm>
-                  <a:off x="4793986" y="6171422"/>
-                  <a:ext cx="1418421" cy="323415"/>
-                </a:xfrm>
-                <a:prstGeom prst="rect">
-                  <a:avLst/>
-                </a:prstGeom>
-                <a:noFill/>
-                <a:ln w="28575">
-                  <a:noFill/>
-                </a:ln>
-              </p:spPr>
-              <p:txBody>
-                <a:bodyPr wrap="none" rtlCol="0">
-                  <a:spAutoFit/>
-                </a:bodyPr>
-                <a:lstStyle/>
-                <a:p>
-                  <a:r>
-                    <a:rPr lang="zh-CN" altLang="en-US" sz="1100" smtClean="0"/>
-                    <a:t>程序的逻辑结构</a:t>
-                  </a:r>
-                  <a:endParaRPr lang="zh-CN" altLang="en-US" sz="1100"/>
-                </a:p>
-              </p:txBody>
-            </p:sp>
-            <p:sp>
-              <p:nvSpPr>
                 <p:cNvPr id="171" name="文本框 170"/>
                 <p:cNvSpPr txBox="1"/>
                 <p:nvPr/>
@@ -7035,10 +6885,10 @@
         </p:nvGrpSpPr>
         <p:grpSpPr>
           <a:xfrm>
-            <a:off x="1979934" y="2122416"/>
-            <a:ext cx="1837058" cy="1397398"/>
+            <a:off x="998422" y="2000083"/>
+            <a:ext cx="1837058" cy="1167969"/>
             <a:chOff x="2617365" y="2306973"/>
-            <a:chExt cx="2625756" cy="1997338"/>
+            <a:chExt cx="2625756" cy="1669408"/>
           </a:xfrm>
         </p:grpSpPr>
         <p:sp>
@@ -7085,7 +6935,10 @@
             <a:lstStyle/>
             <a:p>
               <a:pPr algn="ctr"/>
-              <a:endParaRPr lang="zh-CN" altLang="en-US" sz="1400"/>
+              <a:endParaRPr lang="zh-CN" altLang="en-US" sz="900">
+                <a:latin typeface="宋体" panose="02010600030101010101" pitchFamily="2" charset="-122"/>
+                <a:ea typeface="宋体" panose="02010600030101010101" pitchFamily="2" charset="-122"/>
+              </a:endParaRPr>
             </a:p>
           </p:txBody>
         </p:sp>
@@ -7134,17 +6987,21 @@
             <a:p>
               <a:pPr algn="ctr"/>
               <a:r>
-                <a:rPr lang="zh-CN" altLang="en-US" sz="1100" smtClean="0">
+                <a:rPr lang="zh-CN" altLang="en-US" sz="900" smtClean="0">
                   <a:solidFill>
                     <a:schemeClr val="tx1"/>
                   </a:solidFill>
+                  <a:latin typeface="宋体" panose="02010600030101010101" pitchFamily="2" charset="-122"/>
+                  <a:ea typeface="宋体" panose="02010600030101010101" pitchFamily="2" charset="-122"/>
                 </a:rPr>
                 <a:t>页面显示与布局</a:t>
               </a:r>
-              <a:endParaRPr lang="zh-CN" altLang="en-US" sz="1100">
+              <a:endParaRPr lang="zh-CN" altLang="en-US" sz="900">
                 <a:solidFill>
                   <a:schemeClr val="tx1"/>
                 </a:solidFill>
+                <a:latin typeface="宋体" panose="02010600030101010101" pitchFamily="2" charset="-122"/>
+                <a:ea typeface="宋体" panose="02010600030101010101" pitchFamily="2" charset="-122"/>
               </a:endParaRPr>
             </a:p>
           </p:txBody>
@@ -7194,10 +7051,12 @@
             <a:p>
               <a:pPr algn="ctr"/>
               <a:r>
-                <a:rPr lang="zh-CN" altLang="en-US" sz="1100">
+                <a:rPr lang="zh-CN" altLang="en-US" sz="900">
                   <a:solidFill>
                     <a:schemeClr val="tx1"/>
                   </a:solidFill>
+                  <a:latin typeface="宋体" panose="02010600030101010101" pitchFamily="2" charset="-122"/>
+                  <a:ea typeface="宋体" panose="02010600030101010101" pitchFamily="2" charset="-122"/>
                 </a:rPr>
                 <a:t>数据与网络</a:t>
               </a:r>
@@ -7249,14 +7108,93 @@
             <a:p>
               <a:pPr algn="ctr"/>
               <a:r>
-                <a:rPr lang="zh-CN" altLang="en-US" sz="1100" smtClean="0">
+                <a:rPr lang="zh-CN" altLang="en-US" sz="900" smtClean="0">
+                  <a:solidFill>
+                    <a:schemeClr val="tx1"/>
+                  </a:solidFill>
+                  <a:latin typeface="宋体" panose="02010600030101010101" pitchFamily="2" charset="-122"/>
+                  <a:ea typeface="宋体" panose="02010600030101010101" pitchFamily="2" charset="-122"/>
+                </a:rPr>
+                <a:t>逻辑控制</a:t>
+              </a:r>
+              <a:endParaRPr lang="zh-CN" altLang="en-US" sz="900">
+                <a:solidFill>
+                  <a:schemeClr val="tx1"/>
+                </a:solidFill>
+                <a:latin typeface="宋体" panose="02010600030101010101" pitchFamily="2" charset="-122"/>
+                <a:ea typeface="宋体" panose="02010600030101010101" pitchFamily="2" charset="-122"/>
+              </a:endParaRPr>
+            </a:p>
+          </p:txBody>
+        </p:sp>
+      </p:grpSp>
+      <p:grpSp>
+        <p:nvGrpSpPr>
+          <p:cNvPr id="17" name="组合 16"/>
+          <p:cNvGrpSpPr/>
+          <p:nvPr/>
+        </p:nvGrpSpPr>
+        <p:grpSpPr>
+          <a:xfrm>
+            <a:off x="5500183" y="1969809"/>
+            <a:ext cx="3360929" cy="1198244"/>
+            <a:chOff x="5194098" y="2297578"/>
+            <a:chExt cx="4811085" cy="1715256"/>
+          </a:xfrm>
+        </p:grpSpPr>
+        <p:sp>
+          <p:nvSpPr>
+            <p:cNvPr id="48" name="圆角矩形 47"/>
+            <p:cNvSpPr/>
+            <p:nvPr/>
+          </p:nvSpPr>
+          <p:spPr>
+            <a:xfrm>
+              <a:off x="5194098" y="2581711"/>
+              <a:ext cx="1749103" cy="1073791"/>
+            </a:xfrm>
+            <a:prstGeom prst="roundRect">
+              <a:avLst/>
+            </a:prstGeom>
+            <a:solidFill>
+              <a:schemeClr val="bg1"/>
+            </a:solidFill>
+            <a:ln w="28575">
+              <a:solidFill>
+                <a:schemeClr val="tx1"/>
+              </a:solidFill>
+            </a:ln>
+          </p:spPr>
+          <p:style>
+            <a:lnRef idx="2">
+              <a:schemeClr val="accent1">
+                <a:shade val="50000"/>
+              </a:schemeClr>
+            </a:lnRef>
+            <a:fillRef idx="1">
+              <a:schemeClr val="accent1"/>
+            </a:fillRef>
+            <a:effectRef idx="0">
+              <a:schemeClr val="accent1"/>
+            </a:effectRef>
+            <a:fontRef idx="minor">
+              <a:schemeClr val="lt1"/>
+            </a:fontRef>
+          </p:style>
+          <p:txBody>
+            <a:bodyPr rtlCol="0" anchor="ctr"/>
+            <a:lstStyle/>
+            <a:p>
+              <a:pPr algn="ctr"/>
+              <a:r>
+                <a:rPr lang="zh-CN" altLang="en-US" sz="900" smtClean="0">
                   <a:solidFill>
                     <a:schemeClr val="tx1"/>
                   </a:solidFill>
                 </a:rPr>
-                <a:t>逻辑控制</a:t>
+                <a:t>父（组件）页面</a:t>
               </a:r>
-              <a:endParaRPr lang="zh-CN" altLang="en-US" sz="1100">
+              <a:endParaRPr lang="zh-CN" altLang="en-US" sz="900">
                 <a:solidFill>
                   <a:schemeClr val="tx1"/>
                 </a:solidFill>
@@ -7266,14 +7204,146 @@
         </p:sp>
         <p:sp>
           <p:nvSpPr>
-            <p:cNvPr id="4" name="文本框 3"/>
+            <p:cNvPr id="49" name="圆角矩形 48"/>
+            <p:cNvSpPr/>
+            <p:nvPr/>
+          </p:nvSpPr>
+          <p:spPr>
+            <a:xfrm>
+              <a:off x="8256080" y="2581711"/>
+              <a:ext cx="1749103" cy="1073791"/>
+            </a:xfrm>
+            <a:prstGeom prst="roundRect">
+              <a:avLst/>
+            </a:prstGeom>
+            <a:solidFill>
+              <a:schemeClr val="bg1"/>
+            </a:solidFill>
+            <a:ln w="28575">
+              <a:solidFill>
+                <a:schemeClr val="tx1"/>
+              </a:solidFill>
+            </a:ln>
+          </p:spPr>
+          <p:style>
+            <a:lnRef idx="2">
+              <a:schemeClr val="accent1">
+                <a:shade val="50000"/>
+              </a:schemeClr>
+            </a:lnRef>
+            <a:fillRef idx="1">
+              <a:schemeClr val="accent1"/>
+            </a:fillRef>
+            <a:effectRef idx="0">
+              <a:schemeClr val="accent1"/>
+            </a:effectRef>
+            <a:fontRef idx="minor">
+              <a:schemeClr val="lt1"/>
+            </a:fontRef>
+          </p:style>
+          <p:txBody>
+            <a:bodyPr rtlCol="0" anchor="ctr"/>
+            <a:lstStyle/>
+            <a:p>
+              <a:pPr algn="ctr"/>
+              <a:r>
+                <a:rPr lang="zh-CN" altLang="en-US" sz="900" smtClean="0">
+                  <a:solidFill>
+                    <a:schemeClr val="tx1"/>
+                  </a:solidFill>
+                </a:rPr>
+                <a:t>子（组件）页面</a:t>
+              </a:r>
+              <a:endParaRPr lang="zh-CN" altLang="en-US" sz="900">
+                <a:solidFill>
+                  <a:schemeClr val="tx1"/>
+                </a:solidFill>
+              </a:endParaRPr>
+            </a:p>
+          </p:txBody>
+        </p:sp>
+        <p:cxnSp>
+          <p:nvCxnSpPr>
+            <p:cNvPr id="50" name="直接箭头连接符 49"/>
+            <p:cNvCxnSpPr/>
+            <p:nvPr/>
+          </p:nvCxnSpPr>
+          <p:spPr>
+            <a:xfrm flipV="1">
+              <a:off x="6943201" y="2833382"/>
+              <a:ext cx="1312879" cy="1"/>
+            </a:xfrm>
+            <a:prstGeom prst="straightConnector1">
+              <a:avLst/>
+            </a:prstGeom>
+            <a:ln w="28575">
+              <a:solidFill>
+                <a:schemeClr val="tx1"/>
+              </a:solidFill>
+              <a:tailEnd type="triangle"/>
+            </a:ln>
+          </p:spPr>
+          <p:style>
+            <a:lnRef idx="1">
+              <a:schemeClr val="accent1"/>
+            </a:lnRef>
+            <a:fillRef idx="0">
+              <a:schemeClr val="accent1"/>
+            </a:fillRef>
+            <a:effectRef idx="0">
+              <a:schemeClr val="accent1"/>
+            </a:effectRef>
+            <a:fontRef idx="minor">
+              <a:schemeClr val="tx1"/>
+            </a:fontRef>
+          </p:style>
+        </p:cxnSp>
+        <p:cxnSp>
+          <p:nvCxnSpPr>
+            <p:cNvPr id="51" name="直接箭头连接符 50"/>
+            <p:cNvCxnSpPr/>
+            <p:nvPr/>
+          </p:nvCxnSpPr>
+          <p:spPr>
+            <a:xfrm flipH="1" flipV="1">
+              <a:off x="6943201" y="3397541"/>
+              <a:ext cx="1312880" cy="2099"/>
+            </a:xfrm>
+            <a:prstGeom prst="straightConnector1">
+              <a:avLst/>
+            </a:prstGeom>
+            <a:ln w="28575">
+              <a:solidFill>
+                <a:schemeClr val="tx1"/>
+              </a:solidFill>
+              <a:tailEnd type="triangle"/>
+            </a:ln>
+          </p:spPr>
+          <p:style>
+            <a:lnRef idx="1">
+              <a:schemeClr val="accent1"/>
+            </a:lnRef>
+            <a:fillRef idx="0">
+              <a:schemeClr val="accent1"/>
+            </a:fillRef>
+            <a:effectRef idx="0">
+              <a:schemeClr val="accent1"/>
+            </a:effectRef>
+            <a:fontRef idx="minor">
+              <a:schemeClr val="tx1"/>
+            </a:fontRef>
+          </p:style>
+        </p:cxnSp>
+        <p:sp>
+          <p:nvSpPr>
+            <p:cNvPr id="10" name="文本框 9"/>
             <p:cNvSpPr txBox="1"/>
             <p:nvPr/>
           </p:nvSpPr>
           <p:spPr>
             <a:xfrm>
-              <a:off x="3389068" y="4042701"/>
-              <a:ext cx="1172116" cy="261610"/>
+              <a:off x="7167692" y="2297578"/>
+              <a:ext cx="863896" cy="493655"/>
             </a:xfrm>
             <a:prstGeom prst="rect">
               <a:avLst/>
@@ -7289,354 +7359,41 @@
             </a:bodyPr>
             <a:lstStyle/>
             <a:p>
+              <a:pPr algn="ctr"/>
               <a:r>
-                <a:rPr lang="zh-CN" altLang="en-US" sz="1100" smtClean="0"/>
-                <a:t>程序的总体结构</a:t>
+                <a:rPr lang="zh-CN" altLang="en-US" sz="900" smtClean="0"/>
+                <a:t>传递</a:t>
               </a:r>
-              <a:endParaRPr lang="zh-CN" altLang="en-US" sz="1100"/>
+              <a:r>
+                <a:rPr lang="zh-CN" altLang="en-US" sz="900"/>
+                <a:t>数</a:t>
+              </a:r>
+              <a:r>
+                <a:rPr lang="zh-CN" altLang="en-US" sz="900" smtClean="0"/>
+                <a:t>据</a:t>
+              </a:r>
+              <a:endParaRPr lang="en-US" altLang="zh-CN" sz="900" smtClean="0"/>
+            </a:p>
+            <a:p>
+              <a:pPr algn="ctr"/>
+              <a:r>
+                <a:rPr lang="en-US" altLang="zh-CN" sz="900" smtClean="0"/>
+                <a:t>props</a:t>
+              </a:r>
+              <a:endParaRPr lang="zh-CN" altLang="en-US" sz="900"/>
             </a:p>
           </p:txBody>
         </p:sp>
-      </p:grpSp>
-      <p:grpSp>
-        <p:nvGrpSpPr>
-          <p:cNvPr id="19" name="组合 18"/>
-          <p:cNvGrpSpPr/>
-          <p:nvPr/>
-        </p:nvGrpSpPr>
-        <p:grpSpPr>
-          <a:xfrm>
-            <a:off x="5261659" y="1969808"/>
-            <a:ext cx="3599453" cy="1590564"/>
-            <a:chOff x="5194098" y="2168596"/>
-            <a:chExt cx="4811085" cy="2125972"/>
-          </a:xfrm>
-        </p:grpSpPr>
-        <p:grpSp>
-          <p:nvGrpSpPr>
-            <p:cNvPr id="17" name="组合 16"/>
-            <p:cNvGrpSpPr/>
-            <p:nvPr/>
-          </p:nvGrpSpPr>
-          <p:grpSpPr>
-            <a:xfrm>
-              <a:off x="5194098" y="2168596"/>
-              <a:ext cx="4811085" cy="1652489"/>
-              <a:chOff x="5194098" y="2297578"/>
-              <a:chExt cx="4811085" cy="1652489"/>
-            </a:xfrm>
-          </p:grpSpPr>
-          <p:sp>
-            <p:nvSpPr>
-              <p:cNvPr id="48" name="圆角矩形 47"/>
-              <p:cNvSpPr/>
-              <p:nvPr/>
-            </p:nvSpPr>
-            <p:spPr>
-              <a:xfrm>
-                <a:off x="5194098" y="2581711"/>
-                <a:ext cx="1749103" cy="1073791"/>
-              </a:xfrm>
-              <a:prstGeom prst="roundRect">
-                <a:avLst/>
-              </a:prstGeom>
-              <a:solidFill>
-                <a:schemeClr val="bg1"/>
-              </a:solidFill>
-              <a:ln w="28575">
-                <a:solidFill>
-                  <a:schemeClr val="tx1"/>
-                </a:solidFill>
-              </a:ln>
-            </p:spPr>
-            <p:style>
-              <a:lnRef idx="2">
-                <a:schemeClr val="accent1">
-                  <a:shade val="50000"/>
-                </a:schemeClr>
-              </a:lnRef>
-              <a:fillRef idx="1">
-                <a:schemeClr val="accent1"/>
-              </a:fillRef>
-              <a:effectRef idx="0">
-                <a:schemeClr val="accent1"/>
-              </a:effectRef>
-              <a:fontRef idx="minor">
-                <a:schemeClr val="lt1"/>
-              </a:fontRef>
-            </p:style>
-            <p:txBody>
-              <a:bodyPr rtlCol="0" anchor="ctr"/>
-              <a:lstStyle/>
-              <a:p>
-                <a:pPr algn="ctr"/>
-                <a:r>
-                  <a:rPr lang="zh-CN" altLang="en-US" sz="1100" smtClean="0">
-                    <a:solidFill>
-                      <a:schemeClr val="tx1"/>
-                    </a:solidFill>
-                  </a:rPr>
-                  <a:t>父页</a:t>
-                </a:r>
-                <a:r>
-                  <a:rPr lang="zh-CN" altLang="en-US" sz="1100" smtClean="0">
-                    <a:solidFill>
-                      <a:schemeClr val="tx1"/>
-                    </a:solidFill>
-                  </a:rPr>
-                  <a:t>面</a:t>
-                </a:r>
-                <a:endParaRPr lang="zh-CN" altLang="en-US" sz="1100">
-                  <a:solidFill>
-                    <a:schemeClr val="tx1"/>
-                  </a:solidFill>
-                </a:endParaRPr>
-              </a:p>
-            </p:txBody>
-          </p:sp>
-          <p:sp>
-            <p:nvSpPr>
-              <p:cNvPr id="49" name="圆角矩形 48"/>
-              <p:cNvSpPr/>
-              <p:nvPr/>
-            </p:nvSpPr>
-            <p:spPr>
-              <a:xfrm>
-                <a:off x="8256080" y="2581711"/>
-                <a:ext cx="1749103" cy="1073791"/>
-              </a:xfrm>
-              <a:prstGeom prst="roundRect">
-                <a:avLst/>
-              </a:prstGeom>
-              <a:solidFill>
-                <a:schemeClr val="bg1"/>
-              </a:solidFill>
-              <a:ln w="28575">
-                <a:solidFill>
-                  <a:schemeClr val="tx1"/>
-                </a:solidFill>
-              </a:ln>
-            </p:spPr>
-            <p:style>
-              <a:lnRef idx="2">
-                <a:schemeClr val="accent1">
-                  <a:shade val="50000"/>
-                </a:schemeClr>
-              </a:lnRef>
-              <a:fillRef idx="1">
-                <a:schemeClr val="accent1"/>
-              </a:fillRef>
-              <a:effectRef idx="0">
-                <a:schemeClr val="accent1"/>
-              </a:effectRef>
-              <a:fontRef idx="minor">
-                <a:schemeClr val="lt1"/>
-              </a:fontRef>
-            </p:style>
-            <p:txBody>
-              <a:bodyPr rtlCol="0" anchor="ctr"/>
-              <a:lstStyle/>
-              <a:p>
-                <a:pPr algn="ctr"/>
-                <a:r>
-                  <a:rPr lang="zh-CN" altLang="en-US" sz="1100" smtClean="0">
-                    <a:solidFill>
-                      <a:schemeClr val="tx1"/>
-                    </a:solidFill>
-                  </a:rPr>
-                  <a:t>子页</a:t>
-                </a:r>
-                <a:r>
-                  <a:rPr lang="zh-CN" altLang="en-US" sz="1100" smtClean="0">
-                    <a:solidFill>
-                      <a:schemeClr val="tx1"/>
-                    </a:solidFill>
-                  </a:rPr>
-                  <a:t>面</a:t>
-                </a:r>
-                <a:endParaRPr lang="zh-CN" altLang="en-US" sz="1100">
-                  <a:solidFill>
-                    <a:schemeClr val="tx1"/>
-                  </a:solidFill>
-                </a:endParaRPr>
-              </a:p>
-            </p:txBody>
-          </p:sp>
-          <p:cxnSp>
-            <p:nvCxnSpPr>
-              <p:cNvPr id="50" name="直接箭头连接符 49"/>
-              <p:cNvCxnSpPr/>
-              <p:nvPr/>
-            </p:nvCxnSpPr>
-            <p:spPr>
-              <a:xfrm flipV="1">
-                <a:off x="6943201" y="2833382"/>
-                <a:ext cx="1312879" cy="1"/>
-              </a:xfrm>
-              <a:prstGeom prst="straightConnector1">
-                <a:avLst/>
-              </a:prstGeom>
-              <a:ln w="28575">
-                <a:solidFill>
-                  <a:schemeClr val="tx1"/>
-                </a:solidFill>
-                <a:tailEnd type="triangle"/>
-              </a:ln>
-            </p:spPr>
-            <p:style>
-              <a:lnRef idx="1">
-                <a:schemeClr val="accent1"/>
-              </a:lnRef>
-              <a:fillRef idx="0">
-                <a:schemeClr val="accent1"/>
-              </a:fillRef>
-              <a:effectRef idx="0">
-                <a:schemeClr val="accent1"/>
-              </a:effectRef>
-              <a:fontRef idx="minor">
-                <a:schemeClr val="tx1"/>
-              </a:fontRef>
-            </p:style>
-          </p:cxnSp>
-          <p:cxnSp>
-            <p:nvCxnSpPr>
-              <p:cNvPr id="51" name="直接箭头连接符 50"/>
-              <p:cNvCxnSpPr/>
-              <p:nvPr/>
-            </p:nvCxnSpPr>
-            <p:spPr>
-              <a:xfrm flipH="1" flipV="1">
-                <a:off x="6943201" y="3397541"/>
-                <a:ext cx="1312880" cy="2099"/>
-              </a:xfrm>
-              <a:prstGeom prst="straightConnector1">
-                <a:avLst/>
-              </a:prstGeom>
-              <a:ln w="28575">
-                <a:solidFill>
-                  <a:schemeClr val="tx1"/>
-                </a:solidFill>
-                <a:tailEnd type="triangle"/>
-              </a:ln>
-            </p:spPr>
-            <p:style>
-              <a:lnRef idx="1">
-                <a:schemeClr val="accent1"/>
-              </a:lnRef>
-              <a:fillRef idx="0">
-                <a:schemeClr val="accent1"/>
-              </a:fillRef>
-              <a:effectRef idx="0">
-                <a:schemeClr val="accent1"/>
-              </a:effectRef>
-              <a:fontRef idx="minor">
-                <a:schemeClr val="tx1"/>
-              </a:fontRef>
-            </p:style>
-          </p:cxnSp>
-          <p:sp>
-            <p:nvSpPr>
-              <p:cNvPr id="10" name="文本框 9"/>
-              <p:cNvSpPr txBox="1"/>
-              <p:nvPr/>
-            </p:nvSpPr>
-            <p:spPr>
-              <a:xfrm>
-                <a:off x="7225179" y="2297578"/>
-                <a:ext cx="748923" cy="430887"/>
-              </a:xfrm>
-              <a:prstGeom prst="rect">
-                <a:avLst/>
-              </a:prstGeom>
-              <a:noFill/>
-              <a:ln w="28575">
-                <a:noFill/>
-              </a:ln>
-            </p:spPr>
-            <p:txBody>
-              <a:bodyPr wrap="none" rtlCol="0">
-                <a:spAutoFit/>
-              </a:bodyPr>
-              <a:lstStyle/>
-              <a:p>
-                <a:pPr algn="ctr"/>
-                <a:r>
-                  <a:rPr lang="zh-CN" altLang="en-US" sz="1100" smtClean="0"/>
-                  <a:t>传递</a:t>
-                </a:r>
-                <a:r>
-                  <a:rPr lang="zh-CN" altLang="en-US" sz="1100"/>
-                  <a:t>数</a:t>
-                </a:r>
-                <a:r>
-                  <a:rPr lang="zh-CN" altLang="en-US" sz="1100" smtClean="0"/>
-                  <a:t>据</a:t>
-                </a:r>
-                <a:endParaRPr lang="en-US" altLang="zh-CN" sz="1100" smtClean="0"/>
-              </a:p>
-              <a:p>
-                <a:pPr algn="ctr"/>
-                <a:r>
-                  <a:rPr lang="en-US" altLang="zh-CN" sz="1100" smtClean="0"/>
-                  <a:t>props</a:t>
-                </a:r>
-                <a:endParaRPr lang="zh-CN" altLang="en-US" sz="1100"/>
-              </a:p>
-            </p:txBody>
-          </p:sp>
-          <p:sp>
-            <p:nvSpPr>
-              <p:cNvPr id="52" name="文本框 51"/>
-              <p:cNvSpPr txBox="1"/>
-              <p:nvPr/>
-            </p:nvSpPr>
-            <p:spPr>
-              <a:xfrm>
-                <a:off x="7225179" y="3519180"/>
-                <a:ext cx="748923" cy="430887"/>
-              </a:xfrm>
-              <a:prstGeom prst="rect">
-                <a:avLst/>
-              </a:prstGeom>
-              <a:noFill/>
-              <a:ln w="28575">
-                <a:noFill/>
-              </a:ln>
-            </p:spPr>
-            <p:txBody>
-              <a:bodyPr wrap="none" rtlCol="0">
-                <a:spAutoFit/>
-              </a:bodyPr>
-              <a:lstStyle/>
-              <a:p>
-                <a:pPr algn="ctr"/>
-                <a:r>
-                  <a:rPr lang="zh-CN" altLang="en-US" sz="1100" smtClean="0"/>
-                  <a:t>返回数据</a:t>
-                </a:r>
-                <a:endParaRPr lang="en-US" altLang="zh-CN" sz="1100" smtClean="0"/>
-              </a:p>
-              <a:p>
-                <a:pPr algn="ctr"/>
-                <a:r>
-                  <a:rPr lang="en-US" altLang="zh-CN" sz="1100"/>
-                  <a:t>callback</a:t>
-                </a:r>
-                <a:endParaRPr lang="zh-CN" altLang="en-US" sz="1100"/>
-              </a:p>
-            </p:txBody>
-          </p:sp>
-        </p:grpSp>
         <p:sp>
           <p:nvSpPr>
-            <p:cNvPr id="18" name="文本框 17"/>
+            <p:cNvPr id="52" name="文本框 51"/>
             <p:cNvSpPr txBox="1"/>
             <p:nvPr/>
           </p:nvSpPr>
           <p:spPr>
             <a:xfrm>
-              <a:off x="6789161" y="4032958"/>
-              <a:ext cx="1172116" cy="261610"/>
+              <a:off x="7167692" y="3519179"/>
+              <a:ext cx="863896" cy="493655"/>
             </a:xfrm>
             <a:prstGeom prst="rect">
               <a:avLst/>
@@ -7652,11 +7409,20 @@
             </a:bodyPr>
             <a:lstStyle/>
             <a:p>
+              <a:pPr algn="ctr"/>
               <a:r>
-                <a:rPr lang="zh-CN" altLang="en-US" sz="1100" smtClean="0"/>
-                <a:t>程序页面间通信</a:t>
+                <a:rPr lang="zh-CN" altLang="en-US" sz="900" smtClean="0"/>
+                <a:t>返回数据</a:t>
               </a:r>
-              <a:endParaRPr lang="zh-CN" altLang="en-US" sz="1100"/>
+              <a:endParaRPr lang="en-US" altLang="zh-CN" sz="900" smtClean="0"/>
+            </a:p>
+            <a:p>
+              <a:pPr algn="ctr"/>
+              <a:r>
+                <a:rPr lang="en-US" altLang="zh-CN" sz="900"/>
+                <a:t>callback</a:t>
+              </a:r>
+              <a:endParaRPr lang="zh-CN" altLang="en-US" sz="900"/>
             </a:p>
           </p:txBody>
         </p:sp>
@@ -7700,687 +7466,536 @@
       </p:grpSpPr>
       <p:grpSp>
         <p:nvGrpSpPr>
-          <p:cNvPr id="50" name="组合 49"/>
+          <p:cNvPr id="27" name="组合 26"/>
           <p:cNvGrpSpPr/>
           <p:nvPr/>
         </p:nvGrpSpPr>
         <p:grpSpPr>
           <a:xfrm>
             <a:off x="1429581" y="2348916"/>
-            <a:ext cx="3930984" cy="1960037"/>
+            <a:ext cx="3393879" cy="1625222"/>
             <a:chOff x="58722" y="2348916"/>
-            <a:chExt cx="5301843" cy="2643564"/>
+            <a:chExt cx="5301843" cy="2191988"/>
           </a:xfrm>
         </p:grpSpPr>
-        <p:grpSp>
-          <p:nvGrpSpPr>
-            <p:cNvPr id="27" name="组合 26"/>
-            <p:cNvGrpSpPr/>
+        <p:sp>
+          <p:nvSpPr>
+            <p:cNvPr id="7" name="圆角矩形 6"/>
+            <p:cNvSpPr/>
             <p:nvPr/>
-          </p:nvGrpSpPr>
-          <p:grpSpPr>
+          </p:nvSpPr>
+          <p:spPr>
             <a:xfrm>
               <a:off x="58722" y="2348916"/>
-              <a:ext cx="5301843" cy="2163021"/>
-              <a:chOff x="58722" y="2348916"/>
-              <a:chExt cx="5301843" cy="2163021"/>
+              <a:ext cx="2055303" cy="1795245"/>
             </a:xfrm>
-          </p:grpSpPr>
-          <p:sp>
-            <p:nvSpPr>
-              <p:cNvPr id="7" name="圆角矩形 6"/>
-              <p:cNvSpPr/>
-              <p:nvPr/>
-            </p:nvSpPr>
-            <p:spPr>
-              <a:xfrm>
-                <a:off x="58722" y="2348916"/>
-                <a:ext cx="2055303" cy="1795245"/>
-              </a:xfrm>
-              <a:prstGeom prst="roundRect">
-                <a:avLst/>
-              </a:prstGeom>
+            <a:prstGeom prst="roundRect">
+              <a:avLst/>
+            </a:prstGeom>
+            <a:solidFill>
+              <a:schemeClr val="bg1"/>
+            </a:solidFill>
+            <a:ln w="28575">
               <a:solidFill>
-                <a:schemeClr val="bg1"/>
+                <a:schemeClr val="tx1"/>
               </a:solidFill>
-              <a:ln w="28575">
+            </a:ln>
+          </p:spPr>
+          <p:style>
+            <a:lnRef idx="2">
+              <a:schemeClr val="accent1">
+                <a:shade val="50000"/>
+              </a:schemeClr>
+            </a:lnRef>
+            <a:fillRef idx="1">
+              <a:schemeClr val="accent1"/>
+            </a:fillRef>
+            <a:effectRef idx="0">
+              <a:schemeClr val="accent1"/>
+            </a:effectRef>
+            <a:fontRef idx="minor">
+              <a:schemeClr val="lt1"/>
+            </a:fontRef>
+          </p:style>
+          <p:txBody>
+            <a:bodyPr rtlCol="0" anchor="ctr"/>
+            <a:lstStyle/>
+            <a:p>
+              <a:pPr algn="ctr"/>
+              <a:endParaRPr lang="zh-CN" altLang="en-US" sz="1000"/>
+            </a:p>
+          </p:txBody>
+        </p:sp>
+        <p:sp>
+          <p:nvSpPr>
+            <p:cNvPr id="11" name="圆角矩形 10"/>
+            <p:cNvSpPr/>
+            <p:nvPr/>
+          </p:nvSpPr>
+          <p:spPr>
+            <a:xfrm>
+              <a:off x="3305262" y="2348916"/>
+              <a:ext cx="2055303" cy="1795245"/>
+            </a:xfrm>
+            <a:prstGeom prst="roundRect">
+              <a:avLst/>
+            </a:prstGeom>
+            <a:solidFill>
+              <a:schemeClr val="bg1"/>
+            </a:solidFill>
+            <a:ln w="28575">
+              <a:solidFill>
+                <a:schemeClr val="tx1"/>
+              </a:solidFill>
+            </a:ln>
+          </p:spPr>
+          <p:style>
+            <a:lnRef idx="2">
+              <a:schemeClr val="accent1">
+                <a:shade val="50000"/>
+              </a:schemeClr>
+            </a:lnRef>
+            <a:fillRef idx="1">
+              <a:schemeClr val="accent1"/>
+            </a:fillRef>
+            <a:effectRef idx="0">
+              <a:schemeClr val="accent1"/>
+            </a:effectRef>
+            <a:fontRef idx="minor">
+              <a:schemeClr val="lt1"/>
+            </a:fontRef>
+          </p:style>
+          <p:txBody>
+            <a:bodyPr rtlCol="0" anchor="ctr"/>
+            <a:lstStyle/>
+            <a:p>
+              <a:pPr algn="ctr"/>
+              <a:endParaRPr lang="zh-CN" altLang="en-US" sz="1000"/>
+            </a:p>
+          </p:txBody>
+        </p:sp>
+        <p:sp>
+          <p:nvSpPr>
+            <p:cNvPr id="12" name="圆角矩形 11"/>
+            <p:cNvSpPr/>
+            <p:nvPr/>
+          </p:nvSpPr>
+          <p:spPr>
+            <a:xfrm>
+              <a:off x="327171" y="2659310"/>
+              <a:ext cx="1518407" cy="478173"/>
+            </a:xfrm>
+            <a:prstGeom prst="roundRect">
+              <a:avLst/>
+            </a:prstGeom>
+            <a:solidFill>
+              <a:schemeClr val="bg1"/>
+            </a:solidFill>
+            <a:ln w="28575">
+              <a:solidFill>
+                <a:schemeClr val="tx1"/>
+              </a:solidFill>
+            </a:ln>
+          </p:spPr>
+          <p:style>
+            <a:lnRef idx="2">
+              <a:schemeClr val="accent1">
+                <a:shade val="50000"/>
+              </a:schemeClr>
+            </a:lnRef>
+            <a:fillRef idx="1">
+              <a:schemeClr val="accent1"/>
+            </a:fillRef>
+            <a:effectRef idx="0">
+              <a:schemeClr val="accent1"/>
+            </a:effectRef>
+            <a:fontRef idx="minor">
+              <a:schemeClr val="lt1"/>
+            </a:fontRef>
+          </p:style>
+          <p:txBody>
+            <a:bodyPr rtlCol="0" anchor="ctr"/>
+            <a:lstStyle/>
+            <a:p>
+              <a:pPr algn="ctr"/>
+              <a:r>
+                <a:rPr lang="zh-CN" altLang="en-US" sz="800">
+                  <a:solidFill>
+                    <a:schemeClr val="tx1"/>
+                  </a:solidFill>
+                </a:rPr>
+                <a:t>页</a:t>
+              </a:r>
+              <a:r>
+                <a:rPr lang="zh-CN" altLang="en-US" sz="800" smtClean="0">
+                  <a:solidFill>
+                    <a:schemeClr val="tx1"/>
+                  </a:solidFill>
+                </a:rPr>
+                <a:t>面显示与布局</a:t>
+              </a:r>
+              <a:endParaRPr lang="zh-CN" altLang="en-US" sz="800">
                 <a:solidFill>
                   <a:schemeClr val="tx1"/>
                 </a:solidFill>
-              </a:ln>
-            </p:spPr>
-            <p:style>
-              <a:lnRef idx="2">
-                <a:schemeClr val="accent1">
-                  <a:shade val="50000"/>
-                </a:schemeClr>
-              </a:lnRef>
-              <a:fillRef idx="1">
-                <a:schemeClr val="accent1"/>
-              </a:fillRef>
-              <a:effectRef idx="0">
-                <a:schemeClr val="accent1"/>
-              </a:effectRef>
-              <a:fontRef idx="minor">
-                <a:schemeClr val="lt1"/>
-              </a:fontRef>
-            </p:style>
-            <p:txBody>
-              <a:bodyPr rtlCol="0" anchor="ctr"/>
-              <a:lstStyle/>
-              <a:p>
-                <a:pPr algn="ctr"/>
-                <a:endParaRPr lang="zh-CN" altLang="en-US" sz="1400"/>
-              </a:p>
-            </p:txBody>
-          </p:sp>
-          <p:sp>
-            <p:nvSpPr>
-              <p:cNvPr id="11" name="圆角矩形 10"/>
-              <p:cNvSpPr/>
-              <p:nvPr/>
-            </p:nvSpPr>
-            <p:spPr>
-              <a:xfrm>
-                <a:off x="3305262" y="2348916"/>
-                <a:ext cx="2055303" cy="1795245"/>
-              </a:xfrm>
-              <a:prstGeom prst="roundRect">
-                <a:avLst/>
-              </a:prstGeom>
+              </a:endParaRPr>
+            </a:p>
+          </p:txBody>
+        </p:sp>
+        <p:sp>
+          <p:nvSpPr>
+            <p:cNvPr id="13" name="圆角矩形 12"/>
+            <p:cNvSpPr/>
+            <p:nvPr/>
+          </p:nvSpPr>
+          <p:spPr>
+            <a:xfrm>
+              <a:off x="327171" y="3447877"/>
+              <a:ext cx="1518407" cy="478173"/>
+            </a:xfrm>
+            <a:prstGeom prst="roundRect">
+              <a:avLst/>
+            </a:prstGeom>
+            <a:solidFill>
+              <a:schemeClr val="bg1"/>
+            </a:solidFill>
+            <a:ln w="28575">
               <a:solidFill>
-                <a:schemeClr val="bg1"/>
+                <a:schemeClr val="tx1"/>
               </a:solidFill>
-              <a:ln w="28575">
+            </a:ln>
+          </p:spPr>
+          <p:style>
+            <a:lnRef idx="2">
+              <a:schemeClr val="accent1">
+                <a:shade val="50000"/>
+              </a:schemeClr>
+            </a:lnRef>
+            <a:fillRef idx="1">
+              <a:schemeClr val="accent1"/>
+            </a:fillRef>
+            <a:effectRef idx="0">
+              <a:schemeClr val="accent1"/>
+            </a:effectRef>
+            <a:fontRef idx="minor">
+              <a:schemeClr val="lt1"/>
+            </a:fontRef>
+          </p:style>
+          <p:txBody>
+            <a:bodyPr rtlCol="0" anchor="ctr"/>
+            <a:lstStyle/>
+            <a:p>
+              <a:pPr algn="ctr"/>
+              <a:r>
+                <a:rPr lang="en-US" altLang="zh-CN" sz="800">
+                  <a:solidFill>
+                    <a:schemeClr val="tx1"/>
+                  </a:solidFill>
+                </a:rPr>
+                <a:t>f</a:t>
+              </a:r>
+              <a:r>
+                <a:rPr lang="en-US" altLang="zh-CN" sz="800" smtClean="0">
+                  <a:solidFill>
+                    <a:schemeClr val="tx1"/>
+                  </a:solidFill>
+                </a:rPr>
+                <a:t>etch API</a:t>
+              </a:r>
+              <a:endParaRPr lang="zh-CN" altLang="en-US" sz="800">
                 <a:solidFill>
                   <a:schemeClr val="tx1"/>
                 </a:solidFill>
-              </a:ln>
-            </p:spPr>
-            <p:style>
-              <a:lnRef idx="2">
-                <a:schemeClr val="accent1">
-                  <a:shade val="50000"/>
-                </a:schemeClr>
-              </a:lnRef>
-              <a:fillRef idx="1">
-                <a:schemeClr val="accent1"/>
-              </a:fillRef>
-              <a:effectRef idx="0">
-                <a:schemeClr val="accent1"/>
-              </a:effectRef>
-              <a:fontRef idx="minor">
-                <a:schemeClr val="lt1"/>
-              </a:fontRef>
-            </p:style>
-            <p:txBody>
-              <a:bodyPr rtlCol="0" anchor="ctr"/>
-              <a:lstStyle/>
-              <a:p>
-                <a:pPr algn="ctr"/>
-                <a:endParaRPr lang="zh-CN" altLang="en-US" sz="1400"/>
-              </a:p>
-            </p:txBody>
-          </p:sp>
-          <p:sp>
-            <p:nvSpPr>
-              <p:cNvPr id="12" name="圆角矩形 11"/>
-              <p:cNvSpPr/>
-              <p:nvPr/>
-            </p:nvSpPr>
-            <p:spPr>
-              <a:xfrm>
-                <a:off x="327171" y="2659310"/>
-                <a:ext cx="1518407" cy="478173"/>
-              </a:xfrm>
-              <a:prstGeom prst="roundRect">
-                <a:avLst/>
-              </a:prstGeom>
+              </a:endParaRPr>
+            </a:p>
+          </p:txBody>
+        </p:sp>
+        <p:sp>
+          <p:nvSpPr>
+            <p:cNvPr id="14" name="圆角矩形 13"/>
+            <p:cNvSpPr/>
+            <p:nvPr/>
+          </p:nvSpPr>
+          <p:spPr>
+            <a:xfrm>
+              <a:off x="3573709" y="2420223"/>
+              <a:ext cx="1518407" cy="478173"/>
+            </a:xfrm>
+            <a:prstGeom prst="roundRect">
+              <a:avLst/>
+            </a:prstGeom>
+            <a:solidFill>
+              <a:schemeClr val="bg1"/>
+            </a:solidFill>
+            <a:ln w="28575">
               <a:solidFill>
-                <a:schemeClr val="bg1"/>
+                <a:schemeClr val="tx1"/>
               </a:solidFill>
-              <a:ln w="28575">
+            </a:ln>
+          </p:spPr>
+          <p:style>
+            <a:lnRef idx="2">
+              <a:schemeClr val="accent1">
+                <a:shade val="50000"/>
+              </a:schemeClr>
+            </a:lnRef>
+            <a:fillRef idx="1">
+              <a:schemeClr val="accent1"/>
+            </a:fillRef>
+            <a:effectRef idx="0">
+              <a:schemeClr val="accent1"/>
+            </a:effectRef>
+            <a:fontRef idx="minor">
+              <a:schemeClr val="lt1"/>
+            </a:fontRef>
+          </p:style>
+          <p:txBody>
+            <a:bodyPr rtlCol="0" anchor="ctr"/>
+            <a:lstStyle/>
+            <a:p>
+              <a:pPr algn="ctr"/>
+              <a:r>
+                <a:rPr lang="en-US" altLang="zh-CN" sz="800" smtClean="0">
+                  <a:solidFill>
+                    <a:schemeClr val="tx1"/>
+                  </a:solidFill>
+                </a:rPr>
+                <a:t>HTTP</a:t>
+              </a:r>
+              <a:r>
+                <a:rPr lang="zh-CN" altLang="en-US" sz="800" smtClean="0">
+                  <a:solidFill>
+                    <a:schemeClr val="tx1"/>
+                  </a:solidFill>
+                </a:rPr>
+                <a:t>响应</a:t>
+              </a:r>
+              <a:endParaRPr lang="zh-CN" altLang="en-US" sz="800">
                 <a:solidFill>
                   <a:schemeClr val="tx1"/>
                 </a:solidFill>
-              </a:ln>
-            </p:spPr>
-            <p:style>
-              <a:lnRef idx="2">
-                <a:schemeClr val="accent1">
-                  <a:shade val="50000"/>
-                </a:schemeClr>
-              </a:lnRef>
-              <a:fillRef idx="1">
-                <a:schemeClr val="accent1"/>
-              </a:fillRef>
-              <a:effectRef idx="0">
-                <a:schemeClr val="accent1"/>
-              </a:effectRef>
-              <a:fontRef idx="minor">
-                <a:schemeClr val="lt1"/>
-              </a:fontRef>
-            </p:style>
-            <p:txBody>
-              <a:bodyPr rtlCol="0" anchor="ctr"/>
-              <a:lstStyle/>
-              <a:p>
-                <a:pPr algn="ctr"/>
-                <a:r>
-                  <a:rPr lang="zh-CN" altLang="en-US" sz="1100">
-                    <a:solidFill>
-                      <a:schemeClr val="tx1"/>
-                    </a:solidFill>
-                  </a:rPr>
-                  <a:t>页</a:t>
-                </a:r>
-                <a:r>
-                  <a:rPr lang="zh-CN" altLang="en-US" sz="1100" smtClean="0">
-                    <a:solidFill>
-                      <a:schemeClr val="tx1"/>
-                    </a:solidFill>
-                  </a:rPr>
-                  <a:t>面显示与布局</a:t>
-                </a:r>
-                <a:endParaRPr lang="zh-CN" altLang="en-US" sz="1100">
+              </a:endParaRPr>
+            </a:p>
+          </p:txBody>
+        </p:sp>
+        <p:sp>
+          <p:nvSpPr>
+            <p:cNvPr id="15" name="圆角矩形 14"/>
+            <p:cNvSpPr/>
+            <p:nvPr/>
+          </p:nvSpPr>
+          <p:spPr>
+            <a:xfrm>
+              <a:off x="3573708" y="2998016"/>
+              <a:ext cx="1518407" cy="478173"/>
+            </a:xfrm>
+            <a:prstGeom prst="roundRect">
+              <a:avLst/>
+            </a:prstGeom>
+            <a:solidFill>
+              <a:schemeClr val="bg1"/>
+            </a:solidFill>
+            <a:ln w="28575">
+              <a:solidFill>
+                <a:schemeClr val="tx1"/>
+              </a:solidFill>
+            </a:ln>
+          </p:spPr>
+          <p:style>
+            <a:lnRef idx="2">
+              <a:schemeClr val="accent1">
+                <a:shade val="50000"/>
+              </a:schemeClr>
+            </a:lnRef>
+            <a:fillRef idx="1">
+              <a:schemeClr val="accent1"/>
+            </a:fillRef>
+            <a:effectRef idx="0">
+              <a:schemeClr val="accent1"/>
+            </a:effectRef>
+            <a:fontRef idx="minor">
+              <a:schemeClr val="lt1"/>
+            </a:fontRef>
+          </p:style>
+          <p:txBody>
+            <a:bodyPr rtlCol="0" anchor="ctr"/>
+            <a:lstStyle/>
+            <a:p>
+              <a:pPr algn="ctr"/>
+              <a:r>
+                <a:rPr lang="en-US" altLang="zh-CN" sz="800" smtClean="0">
                   <a:solidFill>
                     <a:schemeClr val="tx1"/>
                   </a:solidFill>
-                </a:endParaRPr>
-              </a:p>
-            </p:txBody>
-          </p:sp>
-          <p:sp>
-            <p:nvSpPr>
-              <p:cNvPr id="13" name="圆角矩形 12"/>
-              <p:cNvSpPr/>
-              <p:nvPr/>
-            </p:nvSpPr>
-            <p:spPr>
-              <a:xfrm>
-                <a:off x="327171" y="3447877"/>
-                <a:ext cx="1518407" cy="478173"/>
-              </a:xfrm>
-              <a:prstGeom prst="roundRect">
-                <a:avLst/>
-              </a:prstGeom>
-              <a:solidFill>
-                <a:schemeClr val="bg1"/>
-              </a:solidFill>
-              <a:ln w="28575">
+                </a:rPr>
+                <a:t>Node</a:t>
+              </a:r>
+              <a:r>
+                <a:rPr lang="zh-CN" altLang="en-US" sz="800" smtClean="0">
+                  <a:solidFill>
+                    <a:schemeClr val="tx1"/>
+                  </a:solidFill>
+                </a:rPr>
+                <a:t>服务</a:t>
+              </a:r>
+              <a:endParaRPr lang="zh-CN" altLang="en-US" sz="800">
                 <a:solidFill>
                   <a:schemeClr val="tx1"/>
                 </a:solidFill>
-              </a:ln>
-            </p:spPr>
-            <p:style>
-              <a:lnRef idx="2">
-                <a:schemeClr val="accent1">
-                  <a:shade val="50000"/>
-                </a:schemeClr>
-              </a:lnRef>
-              <a:fillRef idx="1">
-                <a:schemeClr val="accent1"/>
-              </a:fillRef>
-              <a:effectRef idx="0">
-                <a:schemeClr val="accent1"/>
-              </a:effectRef>
-              <a:fontRef idx="minor">
-                <a:schemeClr val="lt1"/>
-              </a:fontRef>
-            </p:style>
-            <p:txBody>
-              <a:bodyPr rtlCol="0" anchor="ctr"/>
-              <a:lstStyle/>
-              <a:p>
-                <a:pPr algn="ctr"/>
-                <a:r>
-                  <a:rPr lang="en-US" altLang="zh-CN" sz="1100">
-                    <a:solidFill>
-                      <a:schemeClr val="tx1"/>
-                    </a:solidFill>
-                  </a:rPr>
-                  <a:t>f</a:t>
-                </a:r>
-                <a:r>
-                  <a:rPr lang="en-US" altLang="zh-CN" sz="1100" smtClean="0">
-                    <a:solidFill>
-                      <a:schemeClr val="tx1"/>
-                    </a:solidFill>
-                  </a:rPr>
-                  <a:t>etch API</a:t>
-                </a:r>
-                <a:endParaRPr lang="zh-CN" altLang="en-US" sz="1100">
+              </a:endParaRPr>
+            </a:p>
+          </p:txBody>
+        </p:sp>
+        <p:sp>
+          <p:nvSpPr>
+            <p:cNvPr id="16" name="圆角矩形 15"/>
+            <p:cNvSpPr/>
+            <p:nvPr/>
+          </p:nvSpPr>
+          <p:spPr>
+            <a:xfrm>
+              <a:off x="3573708" y="3575809"/>
+              <a:ext cx="1518407" cy="478173"/>
+            </a:xfrm>
+            <a:prstGeom prst="roundRect">
+              <a:avLst/>
+            </a:prstGeom>
+            <a:solidFill>
+              <a:schemeClr val="bg1"/>
+            </a:solidFill>
+            <a:ln w="28575">
+              <a:solidFill>
+                <a:schemeClr val="tx1"/>
+              </a:solidFill>
+            </a:ln>
+          </p:spPr>
+          <p:style>
+            <a:lnRef idx="2">
+              <a:schemeClr val="accent1">
+                <a:shade val="50000"/>
+              </a:schemeClr>
+            </a:lnRef>
+            <a:fillRef idx="1">
+              <a:schemeClr val="accent1"/>
+            </a:fillRef>
+            <a:effectRef idx="0">
+              <a:schemeClr val="accent1"/>
+            </a:effectRef>
+            <a:fontRef idx="minor">
+              <a:schemeClr val="lt1"/>
+            </a:fontRef>
+          </p:style>
+          <p:txBody>
+            <a:bodyPr rtlCol="0" anchor="ctr"/>
+            <a:lstStyle/>
+            <a:p>
+              <a:pPr algn="ctr"/>
+              <a:r>
+                <a:rPr lang="en-US" altLang="zh-CN" sz="800" smtClean="0">
                   <a:solidFill>
                     <a:schemeClr val="tx1"/>
                   </a:solidFill>
-                </a:endParaRPr>
-              </a:p>
-            </p:txBody>
-          </p:sp>
-          <p:sp>
-            <p:nvSpPr>
-              <p:cNvPr id="14" name="圆角矩形 13"/>
-              <p:cNvSpPr/>
-              <p:nvPr/>
-            </p:nvSpPr>
-            <p:spPr>
-              <a:xfrm>
-                <a:off x="3573709" y="2420223"/>
-                <a:ext cx="1518407" cy="478173"/>
-              </a:xfrm>
-              <a:prstGeom prst="roundRect">
-                <a:avLst/>
-              </a:prstGeom>
-              <a:solidFill>
-                <a:schemeClr val="bg1"/>
-              </a:solidFill>
-              <a:ln w="28575">
+                </a:rPr>
+                <a:t>JSON </a:t>
+              </a:r>
+              <a:r>
+                <a:rPr lang="zh-CN" altLang="en-US" sz="800" smtClean="0">
+                  <a:solidFill>
+                    <a:schemeClr val="tx1"/>
+                  </a:solidFill>
+                </a:rPr>
+                <a:t>数据</a:t>
+              </a:r>
+              <a:endParaRPr lang="zh-CN" altLang="en-US" sz="800">
                 <a:solidFill>
                   <a:schemeClr val="tx1"/>
                 </a:solidFill>
-              </a:ln>
-            </p:spPr>
-            <p:style>
-              <a:lnRef idx="2">
-                <a:schemeClr val="accent1">
-                  <a:shade val="50000"/>
-                </a:schemeClr>
-              </a:lnRef>
-              <a:fillRef idx="1">
-                <a:schemeClr val="accent1"/>
-              </a:fillRef>
-              <a:effectRef idx="0">
-                <a:schemeClr val="accent1"/>
-              </a:effectRef>
-              <a:fontRef idx="minor">
-                <a:schemeClr val="lt1"/>
-              </a:fontRef>
-            </p:style>
-            <p:txBody>
-              <a:bodyPr rtlCol="0" anchor="ctr"/>
-              <a:lstStyle/>
-              <a:p>
-                <a:pPr algn="ctr"/>
-                <a:r>
-                  <a:rPr lang="en-US" altLang="zh-CN" sz="1100" smtClean="0">
-                    <a:solidFill>
-                      <a:schemeClr val="tx1"/>
-                    </a:solidFill>
-                  </a:rPr>
-                  <a:t>HTTP</a:t>
-                </a:r>
-                <a:r>
-                  <a:rPr lang="zh-CN" altLang="en-US" sz="1100" smtClean="0">
-                    <a:solidFill>
-                      <a:schemeClr val="tx1"/>
-                    </a:solidFill>
-                  </a:rPr>
-                  <a:t>响应</a:t>
-                </a:r>
-                <a:endParaRPr lang="zh-CN" altLang="en-US" sz="1100">
-                  <a:solidFill>
-                    <a:schemeClr val="tx1"/>
-                  </a:solidFill>
-                </a:endParaRPr>
-              </a:p>
-            </p:txBody>
-          </p:sp>
-          <p:sp>
-            <p:nvSpPr>
-              <p:cNvPr id="15" name="圆角矩形 14"/>
-              <p:cNvSpPr/>
-              <p:nvPr/>
-            </p:nvSpPr>
-            <p:spPr>
-              <a:xfrm>
-                <a:off x="3573708" y="2998016"/>
-                <a:ext cx="1518407" cy="478173"/>
-              </a:xfrm>
-              <a:prstGeom prst="roundRect">
-                <a:avLst/>
-              </a:prstGeom>
+              </a:endParaRPr>
+            </a:p>
+          </p:txBody>
+        </p:sp>
+        <p:cxnSp>
+          <p:nvCxnSpPr>
+            <p:cNvPr id="20" name="直接箭头连接符 19"/>
+            <p:cNvCxnSpPr/>
+            <p:nvPr/>
+          </p:nvCxnSpPr>
+          <p:spPr>
+            <a:xfrm flipH="1">
+              <a:off x="2114025" y="3547230"/>
+              <a:ext cx="1191237" cy="0"/>
+            </a:xfrm>
+            <a:prstGeom prst="straightConnector1">
+              <a:avLst/>
+            </a:prstGeom>
+            <a:ln w="28575">
               <a:solidFill>
-                <a:schemeClr val="bg1"/>
+                <a:schemeClr val="tx1"/>
               </a:solidFill>
-              <a:ln w="28575">
-                <a:solidFill>
-                  <a:schemeClr val="tx1"/>
-                </a:solidFill>
-              </a:ln>
-            </p:spPr>
-            <p:style>
-              <a:lnRef idx="2">
-                <a:schemeClr val="accent1">
-                  <a:shade val="50000"/>
-                </a:schemeClr>
-              </a:lnRef>
-              <a:fillRef idx="1">
-                <a:schemeClr val="accent1"/>
-              </a:fillRef>
-              <a:effectRef idx="0">
-                <a:schemeClr val="accent1"/>
-              </a:effectRef>
-              <a:fontRef idx="minor">
-                <a:schemeClr val="lt1"/>
-              </a:fontRef>
-            </p:style>
-            <p:txBody>
-              <a:bodyPr rtlCol="0" anchor="ctr"/>
-              <a:lstStyle/>
-              <a:p>
-                <a:pPr algn="ctr"/>
-                <a:r>
-                  <a:rPr lang="en-US" altLang="zh-CN" sz="1100" smtClean="0">
-                    <a:solidFill>
-                      <a:schemeClr val="tx1"/>
-                    </a:solidFill>
-                  </a:rPr>
-                  <a:t>Node</a:t>
-                </a:r>
-                <a:r>
-                  <a:rPr lang="zh-CN" altLang="en-US" sz="1100" smtClean="0">
-                    <a:solidFill>
-                      <a:schemeClr val="tx1"/>
-                    </a:solidFill>
-                  </a:rPr>
-                  <a:t>服务</a:t>
-                </a:r>
-                <a:endParaRPr lang="zh-CN" altLang="en-US" sz="1100">
-                  <a:solidFill>
-                    <a:schemeClr val="tx1"/>
-                  </a:solidFill>
-                </a:endParaRPr>
-              </a:p>
-            </p:txBody>
-          </p:sp>
-          <p:sp>
-            <p:nvSpPr>
-              <p:cNvPr id="16" name="圆角矩形 15"/>
-              <p:cNvSpPr/>
-              <p:nvPr/>
-            </p:nvSpPr>
-            <p:spPr>
-              <a:xfrm>
-                <a:off x="3573708" y="3575809"/>
-                <a:ext cx="1518407" cy="478173"/>
-              </a:xfrm>
-              <a:prstGeom prst="roundRect">
-                <a:avLst/>
-              </a:prstGeom>
+              <a:tailEnd type="triangle"/>
+            </a:ln>
+          </p:spPr>
+          <p:style>
+            <a:lnRef idx="1">
+              <a:schemeClr val="accent1"/>
+            </a:lnRef>
+            <a:fillRef idx="0">
+              <a:schemeClr val="accent1"/>
+            </a:fillRef>
+            <a:effectRef idx="0">
+              <a:schemeClr val="accent1"/>
+            </a:effectRef>
+            <a:fontRef idx="minor">
+              <a:schemeClr val="tx1"/>
+            </a:fontRef>
+          </p:style>
+        </p:cxnSp>
+        <p:cxnSp>
+          <p:nvCxnSpPr>
+            <p:cNvPr id="22" name="直接箭头连接符 21"/>
+            <p:cNvCxnSpPr/>
+            <p:nvPr/>
+          </p:nvCxnSpPr>
+          <p:spPr>
+            <a:xfrm>
+              <a:off x="2114025" y="2835479"/>
+              <a:ext cx="1191237" cy="0"/>
+            </a:xfrm>
+            <a:prstGeom prst="straightConnector1">
+              <a:avLst/>
+            </a:prstGeom>
+            <a:ln w="28575">
               <a:solidFill>
-                <a:schemeClr val="bg1"/>
+                <a:schemeClr val="tx1"/>
               </a:solidFill>
-              <a:ln w="28575">
-                <a:solidFill>
-                  <a:schemeClr val="tx1"/>
-                </a:solidFill>
-              </a:ln>
-            </p:spPr>
-            <p:style>
-              <a:lnRef idx="2">
-                <a:schemeClr val="accent1">
-                  <a:shade val="50000"/>
-                </a:schemeClr>
-              </a:lnRef>
-              <a:fillRef idx="1">
-                <a:schemeClr val="accent1"/>
-              </a:fillRef>
-              <a:effectRef idx="0">
-                <a:schemeClr val="accent1"/>
-              </a:effectRef>
-              <a:fontRef idx="minor">
-                <a:schemeClr val="lt1"/>
-              </a:fontRef>
-            </p:style>
-            <p:txBody>
-              <a:bodyPr rtlCol="0" anchor="ctr"/>
-              <a:lstStyle/>
-              <a:p>
-                <a:pPr algn="ctr"/>
-                <a:r>
-                  <a:rPr lang="en-US" altLang="zh-CN" sz="1100" smtClean="0">
-                    <a:solidFill>
-                      <a:schemeClr val="tx1"/>
-                    </a:solidFill>
-                  </a:rPr>
-                  <a:t>JSON </a:t>
-                </a:r>
-                <a:r>
-                  <a:rPr lang="zh-CN" altLang="en-US" sz="1100" smtClean="0">
-                    <a:solidFill>
-                      <a:schemeClr val="tx1"/>
-                    </a:solidFill>
-                  </a:rPr>
-                  <a:t>数据</a:t>
-                </a:r>
-                <a:endParaRPr lang="zh-CN" altLang="en-US" sz="1100">
-                  <a:solidFill>
-                    <a:schemeClr val="tx1"/>
-                  </a:solidFill>
-                </a:endParaRPr>
-              </a:p>
-            </p:txBody>
-          </p:sp>
-          <p:cxnSp>
-            <p:nvCxnSpPr>
-              <p:cNvPr id="20" name="直接箭头连接符 19"/>
-              <p:cNvCxnSpPr/>
-              <p:nvPr/>
-            </p:nvCxnSpPr>
-            <p:spPr>
-              <a:xfrm flipH="1">
-                <a:off x="2114025" y="3547230"/>
-                <a:ext cx="1191237" cy="0"/>
-              </a:xfrm>
-              <a:prstGeom prst="straightConnector1">
-                <a:avLst/>
-              </a:prstGeom>
-              <a:ln w="28575">
-                <a:solidFill>
-                  <a:schemeClr val="tx1"/>
-                </a:solidFill>
-                <a:tailEnd type="triangle"/>
-              </a:ln>
-            </p:spPr>
-            <p:style>
-              <a:lnRef idx="1">
-                <a:schemeClr val="accent1"/>
-              </a:lnRef>
-              <a:fillRef idx="0">
-                <a:schemeClr val="accent1"/>
-              </a:fillRef>
-              <a:effectRef idx="0">
-                <a:schemeClr val="accent1"/>
-              </a:effectRef>
-              <a:fontRef idx="minor">
-                <a:schemeClr val="tx1"/>
-              </a:fontRef>
-            </p:style>
-          </p:cxnSp>
-          <p:cxnSp>
-            <p:nvCxnSpPr>
-              <p:cNvPr id="22" name="直接箭头连接符 21"/>
-              <p:cNvCxnSpPr/>
-              <p:nvPr/>
-            </p:nvCxnSpPr>
-            <p:spPr>
-              <a:xfrm>
-                <a:off x="2114025" y="2835479"/>
-                <a:ext cx="1191237" cy="0"/>
-              </a:xfrm>
-              <a:prstGeom prst="straightConnector1">
-                <a:avLst/>
-              </a:prstGeom>
-              <a:ln w="28575">
-                <a:solidFill>
-                  <a:schemeClr val="tx1"/>
-                </a:solidFill>
-                <a:tailEnd type="triangle"/>
-              </a:ln>
-            </p:spPr>
-            <p:style>
-              <a:lnRef idx="1">
-                <a:schemeClr val="accent1"/>
-              </a:lnRef>
-              <a:fillRef idx="0">
-                <a:schemeClr val="accent1"/>
-              </a:fillRef>
-              <a:effectRef idx="0">
-                <a:schemeClr val="accent1"/>
-              </a:effectRef>
-              <a:fontRef idx="minor">
-                <a:schemeClr val="tx1"/>
-              </a:fontRef>
-            </p:style>
-          </p:cxnSp>
-          <p:sp>
-            <p:nvSpPr>
-              <p:cNvPr id="23" name="文本框 22"/>
-              <p:cNvSpPr txBox="1"/>
-              <p:nvPr/>
-            </p:nvSpPr>
-            <p:spPr>
-              <a:xfrm>
-                <a:off x="2442739" y="2446172"/>
-                <a:ext cx="466794" cy="261610"/>
-              </a:xfrm>
-              <a:prstGeom prst="rect">
-                <a:avLst/>
-              </a:prstGeom>
-              <a:noFill/>
-              <a:ln w="28575">
-                <a:noFill/>
-              </a:ln>
-            </p:spPr>
-            <p:txBody>
-              <a:bodyPr wrap="none" rtlCol="0">
-                <a:spAutoFit/>
-              </a:bodyPr>
-              <a:lstStyle/>
-              <a:p>
-                <a:r>
-                  <a:rPr lang="zh-CN" altLang="en-US" sz="1100" smtClean="0"/>
-                  <a:t>请求</a:t>
-                </a:r>
-                <a:endParaRPr lang="zh-CN" altLang="en-US" sz="1100"/>
-              </a:p>
-            </p:txBody>
-          </p:sp>
-          <p:sp>
-            <p:nvSpPr>
-              <p:cNvPr id="24" name="文本框 23"/>
-              <p:cNvSpPr txBox="1"/>
-              <p:nvPr/>
-            </p:nvSpPr>
-            <p:spPr>
-              <a:xfrm>
-                <a:off x="2442739" y="3168412"/>
-                <a:ext cx="466794" cy="261610"/>
-              </a:xfrm>
-              <a:prstGeom prst="rect">
-                <a:avLst/>
-              </a:prstGeom>
-              <a:noFill/>
-              <a:ln w="28575">
-                <a:noFill/>
-              </a:ln>
-            </p:spPr>
-            <p:txBody>
-              <a:bodyPr wrap="none" rtlCol="0">
-                <a:spAutoFit/>
-              </a:bodyPr>
-              <a:lstStyle/>
-              <a:p>
-                <a:r>
-                  <a:rPr lang="zh-CN" altLang="en-US" sz="1100" smtClean="0"/>
-                  <a:t>响应</a:t>
-                </a:r>
-                <a:endParaRPr lang="zh-CN" altLang="en-US" sz="1100"/>
-              </a:p>
-            </p:txBody>
-          </p:sp>
-          <p:sp>
-            <p:nvSpPr>
-              <p:cNvPr id="25" name="文本框 24"/>
-              <p:cNvSpPr txBox="1"/>
-              <p:nvPr/>
-            </p:nvSpPr>
-            <p:spPr>
-              <a:xfrm>
-                <a:off x="330420" y="4250327"/>
-                <a:ext cx="1226618" cy="261610"/>
-              </a:xfrm>
-              <a:prstGeom prst="rect">
-                <a:avLst/>
-              </a:prstGeom>
-              <a:noFill/>
-              <a:ln w="28575">
-                <a:noFill/>
-              </a:ln>
-            </p:spPr>
-            <p:txBody>
-              <a:bodyPr wrap="none" rtlCol="0">
-                <a:spAutoFit/>
-              </a:bodyPr>
-              <a:lstStyle/>
-              <a:p>
-                <a:r>
-                  <a:rPr lang="en-US" altLang="zh-CN" sz="1100" smtClean="0"/>
-                  <a:t>ReactNative </a:t>
-                </a:r>
-                <a:r>
-                  <a:rPr lang="zh-CN" altLang="en-US" sz="1100" smtClean="0"/>
-                  <a:t>应用</a:t>
-                </a:r>
-                <a:endParaRPr lang="zh-CN" altLang="en-US" sz="1100"/>
-              </a:p>
-            </p:txBody>
-          </p:sp>
-          <p:sp>
-            <p:nvSpPr>
-              <p:cNvPr id="26" name="文本框 25"/>
-              <p:cNvSpPr txBox="1"/>
-              <p:nvPr/>
-            </p:nvSpPr>
-            <p:spPr>
-              <a:xfrm>
-                <a:off x="3960854" y="4250327"/>
-                <a:ext cx="607859" cy="261610"/>
-              </a:xfrm>
-              <a:prstGeom prst="rect">
-                <a:avLst/>
-              </a:prstGeom>
-              <a:noFill/>
-              <a:ln w="28575">
-                <a:noFill/>
-              </a:ln>
-            </p:spPr>
-            <p:txBody>
-              <a:bodyPr wrap="none" rtlCol="0">
-                <a:spAutoFit/>
-              </a:bodyPr>
-              <a:lstStyle/>
-              <a:p>
-                <a:r>
-                  <a:rPr lang="zh-CN" altLang="en-US" sz="1100" smtClean="0"/>
-                  <a:t>服务器</a:t>
-                </a:r>
-                <a:endParaRPr lang="zh-CN" altLang="en-US" sz="1100"/>
-              </a:p>
-            </p:txBody>
-          </p:sp>
-        </p:grpSp>
+              <a:tailEnd type="triangle"/>
+            </a:ln>
+          </p:spPr>
+          <p:style>
+            <a:lnRef idx="1">
+              <a:schemeClr val="accent1"/>
+            </a:lnRef>
+            <a:fillRef idx="0">
+              <a:schemeClr val="accent1"/>
+            </a:fillRef>
+            <a:effectRef idx="0">
+              <a:schemeClr val="accent1"/>
+            </a:effectRef>
+            <a:fontRef idx="minor">
+              <a:schemeClr val="tx1"/>
+            </a:fontRef>
+          </p:style>
+        </p:cxnSp>
         <p:sp>
           <p:nvSpPr>
-            <p:cNvPr id="47" name="文本框 46"/>
+            <p:cNvPr id="23" name="文本框 22"/>
             <p:cNvSpPr txBox="1"/>
             <p:nvPr/>
           </p:nvSpPr>
           <p:spPr>
             <a:xfrm>
-              <a:off x="1988933" y="4730870"/>
-              <a:ext cx="1172116" cy="261610"/>
+              <a:off x="2442739" y="2446172"/>
+              <a:ext cx="525803" cy="290576"/>
             </a:xfrm>
             <a:prstGeom prst="rect">
               <a:avLst/>
@@ -8397,480 +8012,23 @@
             <a:lstStyle/>
             <a:p>
               <a:r>
-                <a:rPr lang="zh-CN" altLang="en-US" sz="1100"/>
-                <a:t>程序</a:t>
+                <a:rPr lang="zh-CN" altLang="en-US" sz="800" smtClean="0"/>
+                <a:t>请求</a:t>
               </a:r>
-              <a:r>
-                <a:rPr lang="zh-CN" altLang="en-US" sz="1100" smtClean="0"/>
-                <a:t>的网络通信</a:t>
-              </a:r>
-              <a:endParaRPr lang="zh-CN" altLang="en-US" sz="1100"/>
+              <a:endParaRPr lang="zh-CN" altLang="en-US" sz="800"/>
             </a:p>
           </p:txBody>
         </p:sp>
-      </p:grpSp>
-      <p:grpSp>
-        <p:nvGrpSpPr>
-          <p:cNvPr id="51" name="组合 50"/>
-          <p:cNvGrpSpPr/>
-          <p:nvPr/>
-        </p:nvGrpSpPr>
-        <p:grpSpPr>
-          <a:xfrm>
-            <a:off x="7042854" y="2365824"/>
-            <a:ext cx="4596871" cy="1943129"/>
-            <a:chOff x="5834544" y="2365824"/>
-            <a:chExt cx="5805181" cy="2453890"/>
-          </a:xfrm>
-        </p:grpSpPr>
-        <p:grpSp>
-          <p:nvGrpSpPr>
-            <p:cNvPr id="45" name="组合 44"/>
-            <p:cNvGrpSpPr/>
-            <p:nvPr/>
-          </p:nvGrpSpPr>
-          <p:grpSpPr>
-            <a:xfrm>
-              <a:off x="5834544" y="2365824"/>
-              <a:ext cx="5805181" cy="1751595"/>
-              <a:chOff x="5834544" y="2365824"/>
-              <a:chExt cx="5805181" cy="1751595"/>
-            </a:xfrm>
-          </p:grpSpPr>
-          <p:sp>
-            <p:nvSpPr>
-              <p:cNvPr id="28" name="矩形 27"/>
-              <p:cNvSpPr/>
-              <p:nvPr/>
-            </p:nvSpPr>
-            <p:spPr>
-              <a:xfrm>
-                <a:off x="5834544" y="3097369"/>
-                <a:ext cx="1333849" cy="449861"/>
-              </a:xfrm>
-              <a:prstGeom prst="rect">
-                <a:avLst/>
-              </a:prstGeom>
-              <a:solidFill>
-                <a:schemeClr val="bg1"/>
-              </a:solidFill>
-              <a:ln w="28575">
-                <a:solidFill>
-                  <a:schemeClr val="tx1"/>
-                </a:solidFill>
-              </a:ln>
-            </p:spPr>
-            <p:style>
-              <a:lnRef idx="2">
-                <a:schemeClr val="accent1">
-                  <a:shade val="50000"/>
-                </a:schemeClr>
-              </a:lnRef>
-              <a:fillRef idx="1">
-                <a:schemeClr val="accent1"/>
-              </a:fillRef>
-              <a:effectRef idx="0">
-                <a:schemeClr val="accent1"/>
-              </a:effectRef>
-              <a:fontRef idx="minor">
-                <a:schemeClr val="lt1"/>
-              </a:fontRef>
-            </p:style>
-            <p:txBody>
-              <a:bodyPr rtlCol="0" anchor="ctr"/>
-              <a:lstStyle/>
-              <a:p>
-                <a:pPr algn="ctr"/>
-                <a:r>
-                  <a:rPr lang="zh-CN" altLang="en-US" sz="1100">
-                    <a:solidFill>
-                      <a:schemeClr val="tx1"/>
-                    </a:solidFill>
-                  </a:rPr>
-                  <a:t>读</a:t>
-                </a:r>
-                <a:r>
-                  <a:rPr lang="zh-CN" altLang="en-US" sz="1100" smtClean="0">
-                    <a:solidFill>
-                      <a:schemeClr val="tx1"/>
-                    </a:solidFill>
-                  </a:rPr>
-                  <a:t>取本地数据</a:t>
-                </a:r>
-                <a:endParaRPr lang="zh-CN" altLang="en-US" sz="1100">
-                  <a:solidFill>
-                    <a:schemeClr val="tx1"/>
-                  </a:solidFill>
-                </a:endParaRPr>
-              </a:p>
-            </p:txBody>
-          </p:sp>
-          <p:cxnSp>
-            <p:nvCxnSpPr>
-              <p:cNvPr id="33" name="直接箭头连接符 32"/>
-              <p:cNvCxnSpPr>
-                <a:stCxn id="28" idx="3"/>
-              </p:cNvCxnSpPr>
-              <p:nvPr/>
-            </p:nvCxnSpPr>
-            <p:spPr>
-              <a:xfrm flipV="1">
-                <a:off x="7168393" y="3322299"/>
-                <a:ext cx="947956" cy="1"/>
-              </a:xfrm>
-              <a:prstGeom prst="straightConnector1">
-                <a:avLst/>
-              </a:prstGeom>
-              <a:ln w="28575">
-                <a:solidFill>
-                  <a:schemeClr val="tx1"/>
-                </a:solidFill>
-                <a:tailEnd type="triangle"/>
-              </a:ln>
-            </p:spPr>
-            <p:style>
-              <a:lnRef idx="1">
-                <a:schemeClr val="accent1"/>
-              </a:lnRef>
-              <a:fillRef idx="0">
-                <a:schemeClr val="accent1"/>
-              </a:fillRef>
-              <a:effectRef idx="0">
-                <a:schemeClr val="accent1"/>
-              </a:effectRef>
-              <a:fontRef idx="minor">
-                <a:schemeClr val="tx1"/>
-              </a:fontRef>
-            </p:style>
-          </p:cxnSp>
-          <p:cxnSp>
-            <p:nvCxnSpPr>
-              <p:cNvPr id="35" name="直接箭头连接符 34"/>
-              <p:cNvCxnSpPr/>
-              <p:nvPr/>
-            </p:nvCxnSpPr>
-            <p:spPr>
-              <a:xfrm flipV="1">
-                <a:off x="9349531" y="2573847"/>
-                <a:ext cx="956345" cy="748452"/>
-              </a:xfrm>
-              <a:prstGeom prst="straightConnector1">
-                <a:avLst/>
-              </a:prstGeom>
-              <a:ln w="28575">
-                <a:solidFill>
-                  <a:schemeClr val="tx1"/>
-                </a:solidFill>
-                <a:tailEnd type="triangle"/>
-              </a:ln>
-            </p:spPr>
-            <p:style>
-              <a:lnRef idx="1">
-                <a:schemeClr val="accent1"/>
-              </a:lnRef>
-              <a:fillRef idx="0">
-                <a:schemeClr val="accent1"/>
-              </a:fillRef>
-              <a:effectRef idx="0">
-                <a:schemeClr val="accent1"/>
-              </a:effectRef>
-              <a:fontRef idx="minor">
-                <a:schemeClr val="tx1"/>
-              </a:fontRef>
-            </p:style>
-          </p:cxnSp>
-          <p:cxnSp>
-            <p:nvCxnSpPr>
-              <p:cNvPr id="37" name="直接箭头连接符 36"/>
-              <p:cNvCxnSpPr/>
-              <p:nvPr/>
-            </p:nvCxnSpPr>
-            <p:spPr>
-              <a:xfrm>
-                <a:off x="9349531" y="3322299"/>
-                <a:ext cx="956345" cy="595358"/>
-              </a:xfrm>
-              <a:prstGeom prst="straightConnector1">
-                <a:avLst/>
-              </a:prstGeom>
-              <a:ln w="28575">
-                <a:solidFill>
-                  <a:schemeClr val="tx1"/>
-                </a:solidFill>
-                <a:tailEnd type="triangle"/>
-              </a:ln>
-            </p:spPr>
-            <p:style>
-              <a:lnRef idx="1">
-                <a:schemeClr val="accent1"/>
-              </a:lnRef>
-              <a:fillRef idx="0">
-                <a:schemeClr val="accent1"/>
-              </a:fillRef>
-              <a:effectRef idx="0">
-                <a:schemeClr val="accent1"/>
-              </a:effectRef>
-              <a:fontRef idx="minor">
-                <a:schemeClr val="tx1"/>
-              </a:fontRef>
-            </p:style>
-          </p:cxnSp>
-          <p:sp>
-            <p:nvSpPr>
-              <p:cNvPr id="39" name="矩形 38"/>
-              <p:cNvSpPr/>
-              <p:nvPr/>
-            </p:nvSpPr>
-            <p:spPr>
-              <a:xfrm>
-                <a:off x="8103765" y="3097369"/>
-                <a:ext cx="1333849" cy="449861"/>
-              </a:xfrm>
-              <a:prstGeom prst="rect">
-                <a:avLst/>
-              </a:prstGeom>
-              <a:solidFill>
-                <a:schemeClr val="bg1"/>
-              </a:solidFill>
-              <a:ln w="28575">
-                <a:solidFill>
-                  <a:schemeClr val="tx1"/>
-                </a:solidFill>
-              </a:ln>
-            </p:spPr>
-            <p:style>
-              <a:lnRef idx="2">
-                <a:schemeClr val="accent1">
-                  <a:shade val="50000"/>
-                </a:schemeClr>
-              </a:lnRef>
-              <a:fillRef idx="1">
-                <a:schemeClr val="accent1"/>
-              </a:fillRef>
-              <a:effectRef idx="0">
-                <a:schemeClr val="accent1"/>
-              </a:effectRef>
-              <a:fontRef idx="minor">
-                <a:schemeClr val="lt1"/>
-              </a:fontRef>
-            </p:style>
-            <p:txBody>
-              <a:bodyPr rtlCol="0" anchor="ctr"/>
-              <a:lstStyle/>
-              <a:p>
-                <a:pPr algn="ctr"/>
-                <a:r>
-                  <a:rPr lang="zh-CN" altLang="en-US" sz="1100" smtClean="0">
-                    <a:solidFill>
-                      <a:schemeClr val="tx1"/>
-                    </a:solidFill>
-                  </a:rPr>
-                  <a:t>请求网络数据</a:t>
-                </a:r>
-                <a:endParaRPr lang="zh-CN" altLang="en-US" sz="1100">
-                  <a:solidFill>
-                    <a:schemeClr val="tx1"/>
-                  </a:solidFill>
-                </a:endParaRPr>
-              </a:p>
-            </p:txBody>
-          </p:sp>
-          <p:sp>
-            <p:nvSpPr>
-              <p:cNvPr id="40" name="矩形 39"/>
-              <p:cNvSpPr/>
-              <p:nvPr/>
-            </p:nvSpPr>
-            <p:spPr>
-              <a:xfrm>
-                <a:off x="10305876" y="2365824"/>
-                <a:ext cx="1333849" cy="449861"/>
-              </a:xfrm>
-              <a:prstGeom prst="rect">
-                <a:avLst/>
-              </a:prstGeom>
-              <a:solidFill>
-                <a:schemeClr val="bg1"/>
-              </a:solidFill>
-              <a:ln w="28575">
-                <a:solidFill>
-                  <a:schemeClr val="tx1"/>
-                </a:solidFill>
-              </a:ln>
-            </p:spPr>
-            <p:style>
-              <a:lnRef idx="2">
-                <a:schemeClr val="accent1">
-                  <a:shade val="50000"/>
-                </a:schemeClr>
-              </a:lnRef>
-              <a:fillRef idx="1">
-                <a:schemeClr val="accent1"/>
-              </a:fillRef>
-              <a:effectRef idx="0">
-                <a:schemeClr val="accent1"/>
-              </a:effectRef>
-              <a:fontRef idx="minor">
-                <a:schemeClr val="lt1"/>
-              </a:fontRef>
-            </p:style>
-            <p:txBody>
-              <a:bodyPr rtlCol="0" anchor="ctr"/>
-              <a:lstStyle/>
-              <a:p>
-                <a:pPr algn="ctr"/>
-                <a:r>
-                  <a:rPr lang="zh-CN" altLang="en-US" sz="1100" smtClean="0">
-                    <a:solidFill>
-                      <a:schemeClr val="tx1"/>
-                    </a:solidFill>
-                  </a:rPr>
-                  <a:t>存储到本地</a:t>
-                </a:r>
-                <a:endParaRPr lang="zh-CN" altLang="en-US" sz="1100">
-                  <a:solidFill>
-                    <a:schemeClr val="tx1"/>
-                  </a:solidFill>
-                </a:endParaRPr>
-              </a:p>
-            </p:txBody>
-          </p:sp>
-          <p:sp>
-            <p:nvSpPr>
-              <p:cNvPr id="41" name="矩形 40"/>
-              <p:cNvSpPr/>
-              <p:nvPr/>
-            </p:nvSpPr>
-            <p:spPr>
-              <a:xfrm>
-                <a:off x="10305875" y="3667558"/>
-                <a:ext cx="1333849" cy="449861"/>
-              </a:xfrm>
-              <a:prstGeom prst="rect">
-                <a:avLst/>
-              </a:prstGeom>
-              <a:solidFill>
-                <a:schemeClr val="bg1"/>
-              </a:solidFill>
-              <a:ln w="28575">
-                <a:solidFill>
-                  <a:schemeClr val="tx1"/>
-                </a:solidFill>
-              </a:ln>
-            </p:spPr>
-            <p:style>
-              <a:lnRef idx="2">
-                <a:schemeClr val="accent1">
-                  <a:shade val="50000"/>
-                </a:schemeClr>
-              </a:lnRef>
-              <a:fillRef idx="1">
-                <a:schemeClr val="accent1"/>
-              </a:fillRef>
-              <a:effectRef idx="0">
-                <a:schemeClr val="accent1"/>
-              </a:effectRef>
-              <a:fontRef idx="minor">
-                <a:schemeClr val="lt1"/>
-              </a:fontRef>
-            </p:style>
-            <p:txBody>
-              <a:bodyPr rtlCol="0" anchor="ctr"/>
-              <a:lstStyle/>
-              <a:p>
-                <a:pPr algn="ctr"/>
-                <a:r>
-                  <a:rPr lang="zh-CN" altLang="en-US" sz="1100" smtClean="0">
-                    <a:solidFill>
-                      <a:schemeClr val="tx1"/>
-                    </a:solidFill>
-                  </a:rPr>
-                  <a:t>读取本地数据</a:t>
-                </a:r>
-                <a:endParaRPr lang="zh-CN" altLang="en-US" sz="1100">
-                  <a:solidFill>
-                    <a:schemeClr val="tx1"/>
-                  </a:solidFill>
-                </a:endParaRPr>
-              </a:p>
-            </p:txBody>
-          </p:sp>
-          <p:sp>
-            <p:nvSpPr>
-              <p:cNvPr id="42" name="文本框 41"/>
-              <p:cNvSpPr txBox="1"/>
-              <p:nvPr/>
-            </p:nvSpPr>
-            <p:spPr>
-              <a:xfrm>
-                <a:off x="9493688" y="2573845"/>
-                <a:ext cx="466794" cy="261610"/>
-              </a:xfrm>
-              <a:prstGeom prst="rect">
-                <a:avLst/>
-              </a:prstGeom>
-              <a:noFill/>
-              <a:ln w="28575">
-                <a:noFill/>
-              </a:ln>
-            </p:spPr>
-            <p:txBody>
-              <a:bodyPr wrap="none" rtlCol="0">
-                <a:spAutoFit/>
-              </a:bodyPr>
-              <a:lstStyle/>
-              <a:p>
-                <a:r>
-                  <a:rPr lang="zh-CN" altLang="en-US" sz="1100" smtClean="0"/>
-                  <a:t>成功</a:t>
-                </a:r>
-                <a:endParaRPr lang="zh-CN" altLang="en-US" sz="1100"/>
-              </a:p>
-            </p:txBody>
-          </p:sp>
-          <p:sp>
-            <p:nvSpPr>
-              <p:cNvPr id="43" name="文本框 42"/>
-              <p:cNvSpPr txBox="1"/>
-              <p:nvPr/>
-            </p:nvSpPr>
-            <p:spPr>
-              <a:xfrm>
-                <a:off x="9493688" y="3732960"/>
-                <a:ext cx="466794" cy="261610"/>
-              </a:xfrm>
-              <a:prstGeom prst="rect">
-                <a:avLst/>
-              </a:prstGeom>
-              <a:noFill/>
-              <a:ln w="28575">
-                <a:noFill/>
-              </a:ln>
-            </p:spPr>
-            <p:txBody>
-              <a:bodyPr wrap="none" rtlCol="0">
-                <a:spAutoFit/>
-              </a:bodyPr>
-              <a:lstStyle/>
-              <a:p>
-                <a:r>
-                  <a:rPr lang="zh-CN" altLang="en-US" sz="1100"/>
-                  <a:t>失败</a:t>
-                </a:r>
-              </a:p>
-            </p:txBody>
-          </p:sp>
-        </p:grpSp>
         <p:sp>
           <p:nvSpPr>
-            <p:cNvPr id="49" name="文本框 48"/>
+            <p:cNvPr id="24" name="文本框 23"/>
             <p:cNvSpPr txBox="1"/>
             <p:nvPr/>
           </p:nvSpPr>
           <p:spPr>
             <a:xfrm>
-              <a:off x="8103765" y="4558104"/>
-              <a:ext cx="1172116" cy="261610"/>
+              <a:off x="2442739" y="3168412"/>
+              <a:ext cx="525803" cy="290576"/>
             </a:xfrm>
             <a:prstGeom prst="rect">
               <a:avLst/>
@@ -8887,18 +8045,518 @@
             <a:lstStyle/>
             <a:p>
               <a:r>
-                <a:rPr lang="zh-CN" altLang="en-US" sz="1100" smtClean="0"/>
-                <a:t>程序的</a:t>
+                <a:rPr lang="zh-CN" altLang="en-US" sz="800" smtClean="0"/>
+                <a:t>响应</a:t>
+              </a:r>
+              <a:endParaRPr lang="zh-CN" altLang="en-US" sz="800"/>
+            </a:p>
+          </p:txBody>
+        </p:sp>
+        <p:sp>
+          <p:nvSpPr>
+            <p:cNvPr id="25" name="文本框 24"/>
+            <p:cNvSpPr txBox="1"/>
+            <p:nvPr/>
+          </p:nvSpPr>
+          <p:spPr>
+            <a:xfrm>
+              <a:off x="330420" y="4250328"/>
+              <a:ext cx="1271702" cy="290576"/>
+            </a:xfrm>
+            <a:prstGeom prst="rect">
+              <a:avLst/>
+            </a:prstGeom>
+            <a:noFill/>
+            <a:ln w="28575">
+              <a:noFill/>
+            </a:ln>
+          </p:spPr>
+          <p:txBody>
+            <a:bodyPr wrap="none" rtlCol="0">
+              <a:spAutoFit/>
+            </a:bodyPr>
+            <a:lstStyle/>
+            <a:p>
+              <a:r>
+                <a:rPr lang="en-US" altLang="zh-CN" sz="800" smtClean="0"/>
+                <a:t>ReactNative </a:t>
               </a:r>
               <a:r>
-                <a:rPr lang="zh-CN" altLang="en-US" sz="1100"/>
-                <a:t>数据流</a:t>
+                <a:rPr lang="zh-CN" altLang="en-US" sz="800" smtClean="0"/>
+                <a:t>应用</a:t>
+              </a:r>
+              <a:endParaRPr lang="zh-CN" altLang="en-US" sz="800"/>
+            </a:p>
+          </p:txBody>
+        </p:sp>
+        <p:sp>
+          <p:nvSpPr>
+            <p:cNvPr id="26" name="文本框 25"/>
+            <p:cNvSpPr txBox="1"/>
+            <p:nvPr/>
+          </p:nvSpPr>
+          <p:spPr>
+            <a:xfrm>
+              <a:off x="3960854" y="4250328"/>
+              <a:ext cx="664174" cy="290576"/>
+            </a:xfrm>
+            <a:prstGeom prst="rect">
+              <a:avLst/>
+            </a:prstGeom>
+            <a:noFill/>
+            <a:ln w="28575">
+              <a:noFill/>
+            </a:ln>
+          </p:spPr>
+          <p:txBody>
+            <a:bodyPr wrap="none" rtlCol="0">
+              <a:spAutoFit/>
+            </a:bodyPr>
+            <a:lstStyle/>
+            <a:p>
+              <a:r>
+                <a:rPr lang="zh-CN" altLang="en-US" sz="800" smtClean="0"/>
+                <a:t>服务器</a:t>
+              </a:r>
+              <a:endParaRPr lang="zh-CN" altLang="en-US" sz="800"/>
+            </a:p>
+          </p:txBody>
+        </p:sp>
+      </p:grpSp>
+      <p:grpSp>
+        <p:nvGrpSpPr>
+          <p:cNvPr id="45" name="组合 44"/>
+          <p:cNvGrpSpPr/>
+          <p:nvPr/>
+        </p:nvGrpSpPr>
+        <p:grpSpPr>
+          <a:xfrm>
+            <a:off x="6333359" y="2007335"/>
+            <a:ext cx="3516805" cy="1387012"/>
+            <a:chOff x="5834544" y="2365824"/>
+            <a:chExt cx="5805181" cy="1751595"/>
+          </a:xfrm>
+        </p:grpSpPr>
+        <p:sp>
+          <p:nvSpPr>
+            <p:cNvPr id="28" name="矩形 27"/>
+            <p:cNvSpPr/>
+            <p:nvPr/>
+          </p:nvSpPr>
+          <p:spPr>
+            <a:xfrm>
+              <a:off x="5834544" y="3097369"/>
+              <a:ext cx="1333849" cy="449861"/>
+            </a:xfrm>
+            <a:prstGeom prst="rect">
+              <a:avLst/>
+            </a:prstGeom>
+            <a:solidFill>
+              <a:schemeClr val="bg1"/>
+            </a:solidFill>
+            <a:ln w="28575">
+              <a:solidFill>
+                <a:schemeClr val="tx1"/>
+              </a:solidFill>
+            </a:ln>
+          </p:spPr>
+          <p:style>
+            <a:lnRef idx="2">
+              <a:schemeClr val="accent1">
+                <a:shade val="50000"/>
+              </a:schemeClr>
+            </a:lnRef>
+            <a:fillRef idx="1">
+              <a:schemeClr val="accent1"/>
+            </a:fillRef>
+            <a:effectRef idx="0">
+              <a:schemeClr val="accent1"/>
+            </a:effectRef>
+            <a:fontRef idx="minor">
+              <a:schemeClr val="lt1"/>
+            </a:fontRef>
+          </p:style>
+          <p:txBody>
+            <a:bodyPr rtlCol="0" anchor="ctr"/>
+            <a:lstStyle/>
+            <a:p>
+              <a:pPr algn="ctr"/>
+              <a:r>
+                <a:rPr lang="zh-CN" altLang="en-US" sz="900">
+                  <a:solidFill>
+                    <a:schemeClr val="tx1"/>
+                  </a:solidFill>
+                </a:rPr>
+                <a:t>读</a:t>
               </a:r>
               <a:r>
-                <a:rPr lang="zh-CN" altLang="en-US" sz="1100" smtClean="0"/>
-                <a:t>程</a:t>
+                <a:rPr lang="zh-CN" altLang="en-US" sz="900" smtClean="0">
+                  <a:solidFill>
+                    <a:schemeClr val="tx1"/>
+                  </a:solidFill>
+                </a:rPr>
+                <a:t>取本地数据</a:t>
               </a:r>
-              <a:endParaRPr lang="zh-CN" altLang="en-US" sz="1100"/>
+              <a:endParaRPr lang="zh-CN" altLang="en-US" sz="900">
+                <a:solidFill>
+                  <a:schemeClr val="tx1"/>
+                </a:solidFill>
+              </a:endParaRPr>
+            </a:p>
+          </p:txBody>
+        </p:sp>
+        <p:cxnSp>
+          <p:nvCxnSpPr>
+            <p:cNvPr id="33" name="直接箭头连接符 32"/>
+            <p:cNvCxnSpPr>
+              <a:stCxn id="28" idx="3"/>
+            </p:cNvCxnSpPr>
+            <p:nvPr/>
+          </p:nvCxnSpPr>
+          <p:spPr>
+            <a:xfrm flipV="1">
+              <a:off x="7168393" y="3322299"/>
+              <a:ext cx="947956" cy="1"/>
+            </a:xfrm>
+            <a:prstGeom prst="straightConnector1">
+              <a:avLst/>
+            </a:prstGeom>
+            <a:ln w="28575">
+              <a:solidFill>
+                <a:schemeClr val="tx1"/>
+              </a:solidFill>
+              <a:tailEnd type="triangle"/>
+            </a:ln>
+          </p:spPr>
+          <p:style>
+            <a:lnRef idx="1">
+              <a:schemeClr val="accent1"/>
+            </a:lnRef>
+            <a:fillRef idx="0">
+              <a:schemeClr val="accent1"/>
+            </a:fillRef>
+            <a:effectRef idx="0">
+              <a:schemeClr val="accent1"/>
+            </a:effectRef>
+            <a:fontRef idx="minor">
+              <a:schemeClr val="tx1"/>
+            </a:fontRef>
+          </p:style>
+        </p:cxnSp>
+        <p:cxnSp>
+          <p:nvCxnSpPr>
+            <p:cNvPr id="35" name="直接箭头连接符 34"/>
+            <p:cNvCxnSpPr/>
+            <p:nvPr/>
+          </p:nvCxnSpPr>
+          <p:spPr>
+            <a:xfrm flipV="1">
+              <a:off x="9349531" y="2573847"/>
+              <a:ext cx="956345" cy="748452"/>
+            </a:xfrm>
+            <a:prstGeom prst="straightConnector1">
+              <a:avLst/>
+            </a:prstGeom>
+            <a:ln w="28575">
+              <a:solidFill>
+                <a:schemeClr val="tx1"/>
+              </a:solidFill>
+              <a:tailEnd type="triangle"/>
+            </a:ln>
+          </p:spPr>
+          <p:style>
+            <a:lnRef idx="1">
+              <a:schemeClr val="accent1"/>
+            </a:lnRef>
+            <a:fillRef idx="0">
+              <a:schemeClr val="accent1"/>
+            </a:fillRef>
+            <a:effectRef idx="0">
+              <a:schemeClr val="accent1"/>
+            </a:effectRef>
+            <a:fontRef idx="minor">
+              <a:schemeClr val="tx1"/>
+            </a:fontRef>
+          </p:style>
+        </p:cxnSp>
+        <p:cxnSp>
+          <p:nvCxnSpPr>
+            <p:cNvPr id="37" name="直接箭头连接符 36"/>
+            <p:cNvCxnSpPr/>
+            <p:nvPr/>
+          </p:nvCxnSpPr>
+          <p:spPr>
+            <a:xfrm>
+              <a:off x="9349531" y="3322299"/>
+              <a:ext cx="956345" cy="595358"/>
+            </a:xfrm>
+            <a:prstGeom prst="straightConnector1">
+              <a:avLst/>
+            </a:prstGeom>
+            <a:ln w="28575">
+              <a:solidFill>
+                <a:schemeClr val="tx1"/>
+              </a:solidFill>
+              <a:tailEnd type="triangle"/>
+            </a:ln>
+          </p:spPr>
+          <p:style>
+            <a:lnRef idx="1">
+              <a:schemeClr val="accent1"/>
+            </a:lnRef>
+            <a:fillRef idx="0">
+              <a:schemeClr val="accent1"/>
+            </a:fillRef>
+            <a:effectRef idx="0">
+              <a:schemeClr val="accent1"/>
+            </a:effectRef>
+            <a:fontRef idx="minor">
+              <a:schemeClr val="tx1"/>
+            </a:fontRef>
+          </p:style>
+        </p:cxnSp>
+        <p:sp>
+          <p:nvSpPr>
+            <p:cNvPr id="39" name="矩形 38"/>
+            <p:cNvSpPr/>
+            <p:nvPr/>
+          </p:nvSpPr>
+          <p:spPr>
+            <a:xfrm>
+              <a:off x="8103765" y="3097369"/>
+              <a:ext cx="1333849" cy="449861"/>
+            </a:xfrm>
+            <a:prstGeom prst="rect">
+              <a:avLst/>
+            </a:prstGeom>
+            <a:solidFill>
+              <a:schemeClr val="bg1"/>
+            </a:solidFill>
+            <a:ln w="28575">
+              <a:solidFill>
+                <a:schemeClr val="tx1"/>
+              </a:solidFill>
+            </a:ln>
+          </p:spPr>
+          <p:style>
+            <a:lnRef idx="2">
+              <a:schemeClr val="accent1">
+                <a:shade val="50000"/>
+              </a:schemeClr>
+            </a:lnRef>
+            <a:fillRef idx="1">
+              <a:schemeClr val="accent1"/>
+            </a:fillRef>
+            <a:effectRef idx="0">
+              <a:schemeClr val="accent1"/>
+            </a:effectRef>
+            <a:fontRef idx="minor">
+              <a:schemeClr val="lt1"/>
+            </a:fontRef>
+          </p:style>
+          <p:txBody>
+            <a:bodyPr rtlCol="0" anchor="ctr"/>
+            <a:lstStyle/>
+            <a:p>
+              <a:pPr algn="ctr"/>
+              <a:r>
+                <a:rPr lang="zh-CN" altLang="en-US" sz="900" smtClean="0">
+                  <a:solidFill>
+                    <a:schemeClr val="tx1"/>
+                  </a:solidFill>
+                </a:rPr>
+                <a:t>请求网络数据</a:t>
+              </a:r>
+              <a:endParaRPr lang="zh-CN" altLang="en-US" sz="900">
+                <a:solidFill>
+                  <a:schemeClr val="tx1"/>
+                </a:solidFill>
+              </a:endParaRPr>
+            </a:p>
+          </p:txBody>
+        </p:sp>
+        <p:sp>
+          <p:nvSpPr>
+            <p:cNvPr id="40" name="矩形 39"/>
+            <p:cNvSpPr/>
+            <p:nvPr/>
+          </p:nvSpPr>
+          <p:spPr>
+            <a:xfrm>
+              <a:off x="10305876" y="2365824"/>
+              <a:ext cx="1333849" cy="449861"/>
+            </a:xfrm>
+            <a:prstGeom prst="rect">
+              <a:avLst/>
+            </a:prstGeom>
+            <a:solidFill>
+              <a:schemeClr val="bg1"/>
+            </a:solidFill>
+            <a:ln w="28575">
+              <a:solidFill>
+                <a:schemeClr val="tx1"/>
+              </a:solidFill>
+            </a:ln>
+          </p:spPr>
+          <p:style>
+            <a:lnRef idx="2">
+              <a:schemeClr val="accent1">
+                <a:shade val="50000"/>
+              </a:schemeClr>
+            </a:lnRef>
+            <a:fillRef idx="1">
+              <a:schemeClr val="accent1"/>
+            </a:fillRef>
+            <a:effectRef idx="0">
+              <a:schemeClr val="accent1"/>
+            </a:effectRef>
+            <a:fontRef idx="minor">
+              <a:schemeClr val="lt1"/>
+            </a:fontRef>
+          </p:style>
+          <p:txBody>
+            <a:bodyPr rtlCol="0" anchor="ctr"/>
+            <a:lstStyle/>
+            <a:p>
+              <a:pPr algn="ctr"/>
+              <a:r>
+                <a:rPr lang="zh-CN" altLang="en-US" sz="900" smtClean="0">
+                  <a:solidFill>
+                    <a:schemeClr val="tx1"/>
+                  </a:solidFill>
+                </a:rPr>
+                <a:t>存储到本地</a:t>
+              </a:r>
+              <a:endParaRPr lang="zh-CN" altLang="en-US" sz="900">
+                <a:solidFill>
+                  <a:schemeClr val="tx1"/>
+                </a:solidFill>
+              </a:endParaRPr>
+            </a:p>
+          </p:txBody>
+        </p:sp>
+        <p:sp>
+          <p:nvSpPr>
+            <p:cNvPr id="41" name="矩形 40"/>
+            <p:cNvSpPr/>
+            <p:nvPr/>
+          </p:nvSpPr>
+          <p:spPr>
+            <a:xfrm>
+              <a:off x="10305875" y="3667558"/>
+              <a:ext cx="1333849" cy="449861"/>
+            </a:xfrm>
+            <a:prstGeom prst="rect">
+              <a:avLst/>
+            </a:prstGeom>
+            <a:solidFill>
+              <a:schemeClr val="bg1"/>
+            </a:solidFill>
+            <a:ln w="28575">
+              <a:solidFill>
+                <a:schemeClr val="tx1"/>
+              </a:solidFill>
+            </a:ln>
+          </p:spPr>
+          <p:style>
+            <a:lnRef idx="2">
+              <a:schemeClr val="accent1">
+                <a:shade val="50000"/>
+              </a:schemeClr>
+            </a:lnRef>
+            <a:fillRef idx="1">
+              <a:schemeClr val="accent1"/>
+            </a:fillRef>
+            <a:effectRef idx="0">
+              <a:schemeClr val="accent1"/>
+            </a:effectRef>
+            <a:fontRef idx="minor">
+              <a:schemeClr val="lt1"/>
+            </a:fontRef>
+          </p:style>
+          <p:txBody>
+            <a:bodyPr rtlCol="0" anchor="ctr"/>
+            <a:lstStyle/>
+            <a:p>
+              <a:pPr algn="ctr"/>
+              <a:r>
+                <a:rPr lang="zh-CN" altLang="en-US" sz="900" smtClean="0">
+                  <a:solidFill>
+                    <a:schemeClr val="tx1"/>
+                  </a:solidFill>
+                </a:rPr>
+                <a:t>读取本地数据</a:t>
+              </a:r>
+              <a:endParaRPr lang="zh-CN" altLang="en-US" sz="900">
+                <a:solidFill>
+                  <a:schemeClr val="tx1"/>
+                </a:solidFill>
+              </a:endParaRPr>
+            </a:p>
+          </p:txBody>
+        </p:sp>
+        <p:sp>
+          <p:nvSpPr>
+            <p:cNvPr id="42" name="文本框 41"/>
+            <p:cNvSpPr txBox="1"/>
+            <p:nvPr/>
+          </p:nvSpPr>
+          <p:spPr>
+            <a:xfrm>
+              <a:off x="9493687" y="2573845"/>
+              <a:ext cx="524714" cy="291507"/>
+            </a:xfrm>
+            <a:prstGeom prst="rect">
+              <a:avLst/>
+            </a:prstGeom>
+            <a:noFill/>
+            <a:ln w="28575">
+              <a:noFill/>
+            </a:ln>
+          </p:spPr>
+          <p:txBody>
+            <a:bodyPr wrap="none" rtlCol="0">
+              <a:spAutoFit/>
+            </a:bodyPr>
+            <a:lstStyle/>
+            <a:p>
+              <a:r>
+                <a:rPr lang="zh-CN" altLang="en-US" sz="900" smtClean="0"/>
+                <a:t>成功</a:t>
+              </a:r>
+              <a:endParaRPr lang="zh-CN" altLang="en-US" sz="900"/>
+            </a:p>
+          </p:txBody>
+        </p:sp>
+        <p:sp>
+          <p:nvSpPr>
+            <p:cNvPr id="43" name="文本框 42"/>
+            <p:cNvSpPr txBox="1"/>
+            <p:nvPr/>
+          </p:nvSpPr>
+          <p:spPr>
+            <a:xfrm>
+              <a:off x="9493687" y="3732960"/>
+              <a:ext cx="524714" cy="291507"/>
+            </a:xfrm>
+            <a:prstGeom prst="rect">
+              <a:avLst/>
+            </a:prstGeom>
+            <a:noFill/>
+            <a:ln w="28575">
+              <a:noFill/>
+            </a:ln>
+          </p:spPr>
+          <p:txBody>
+            <a:bodyPr wrap="none" rtlCol="0">
+              <a:spAutoFit/>
+            </a:bodyPr>
+            <a:lstStyle/>
+            <a:p>
+              <a:r>
+                <a:rPr lang="zh-CN" altLang="en-US" sz="900"/>
+                <a:t>失败</a:t>
+              </a:r>
             </a:p>
           </p:txBody>
         </p:sp>
@@ -8942,181 +8600,106 @@
       </p:grpSpPr>
       <p:grpSp>
         <p:nvGrpSpPr>
-          <p:cNvPr id="8" name="组合 7"/>
+          <p:cNvPr id="6" name="组合 5"/>
           <p:cNvGrpSpPr/>
           <p:nvPr/>
         </p:nvGrpSpPr>
         <p:grpSpPr>
           <a:xfrm>
-            <a:off x="2338551" y="1018661"/>
-            <a:ext cx="8060769" cy="4124265"/>
-            <a:chOff x="886923" y="751961"/>
-            <a:chExt cx="9944197" cy="5087914"/>
+            <a:off x="2658539" y="1018662"/>
+            <a:ext cx="7140706" cy="3396288"/>
+            <a:chOff x="1281677" y="751962"/>
+            <a:chExt cx="8809158" cy="4189842"/>
           </a:xfrm>
         </p:grpSpPr>
-        <p:grpSp>
-          <p:nvGrpSpPr>
-            <p:cNvPr id="6" name="组合 5"/>
-            <p:cNvGrpSpPr/>
+        <p:pic>
+          <p:nvPicPr>
+            <p:cNvPr id="2" name="图片 1"/>
+            <p:cNvPicPr>
+              <a:picLocks noChangeAspect="1"/>
+            </p:cNvPicPr>
             <p:nvPr/>
-          </p:nvGrpSpPr>
-          <p:grpSpPr>
+          </p:nvPicPr>
+          <p:blipFill rotWithShape="1">
+            <a:blip r:embed="rId2">
+              <a:extLst>
+                <a:ext uri="{28A0092B-C50C-407E-A947-70E740481C1C}">
+                  <a14:useLocalDpi xmlns:a14="http://schemas.microsoft.com/office/drawing/2010/main" val="0"/>
+                </a:ext>
+              </a:extLst>
+            </a:blip>
+            <a:srcRect r="37951" b="4575"/>
+            <a:stretch/>
+          </p:blipFill>
+          <p:spPr>
             <a:xfrm>
-              <a:off x="886923" y="751961"/>
-              <a:ext cx="9944197" cy="4503696"/>
-              <a:chOff x="886923" y="751961"/>
-              <a:chExt cx="9944197" cy="4503696"/>
+              <a:off x="6051143" y="751962"/>
+              <a:ext cx="4039692" cy="3537549"/>
             </a:xfrm>
-          </p:grpSpPr>
-          <p:pic>
-            <p:nvPicPr>
-              <p:cNvPr id="2" name="图片 1"/>
-              <p:cNvPicPr>
-                <a:picLocks noChangeAspect="1"/>
-              </p:cNvPicPr>
-              <p:nvPr/>
-            </p:nvPicPr>
-            <p:blipFill rotWithShape="1">
-              <a:blip r:embed="rId2">
-                <a:extLst>
-                  <a:ext uri="{28A0092B-C50C-407E-A947-70E740481C1C}">
-                    <a14:useLocalDpi xmlns:a14="http://schemas.microsoft.com/office/drawing/2010/main" val="0"/>
-                  </a:ext>
-                </a:extLst>
-              </a:blip>
-              <a:srcRect r="37951" b="4575"/>
-              <a:stretch/>
-            </p:blipFill>
-            <p:spPr>
-              <a:xfrm>
-                <a:off x="6232417" y="751961"/>
-                <a:ext cx="4598703" cy="4027073"/>
-              </a:xfrm>
-              <a:prstGeom prst="rect">
-                <a:avLst/>
-              </a:prstGeom>
-              <a:ln>
-                <a:noFill/>
-              </a:ln>
-              <a:effectLst>
-                <a:outerShdw blurRad="292100" dist="139700" dir="2700000" algn="tl" rotWithShape="0">
-                  <a:srgbClr val="333333">
-                    <a:alpha val="65000"/>
-                  </a:srgbClr>
-                </a:outerShdw>
-              </a:effectLst>
-            </p:spPr>
-          </p:pic>
-          <p:pic>
-            <p:nvPicPr>
-              <p:cNvPr id="3" name="图片 2"/>
-              <p:cNvPicPr>
-                <a:picLocks noChangeAspect="1"/>
-              </p:cNvPicPr>
-              <p:nvPr/>
-            </p:nvPicPr>
-            <p:blipFill rotWithShape="1">
-              <a:blip r:embed="rId3">
-                <a:extLst>
-                  <a:ext uri="{28A0092B-C50C-407E-A947-70E740481C1C}">
-                    <a14:useLocalDpi xmlns:a14="http://schemas.microsoft.com/office/drawing/2010/main" val="0"/>
-                  </a:ext>
-                </a:extLst>
-              </a:blip>
-              <a:srcRect r="36149" b="5222"/>
-              <a:stretch/>
-            </p:blipFill>
-            <p:spPr>
-              <a:xfrm>
-                <a:off x="886923" y="751961"/>
-                <a:ext cx="4531584" cy="3476090"/>
-              </a:xfrm>
-              <a:prstGeom prst="rect">
-                <a:avLst/>
-              </a:prstGeom>
-              <a:ln>
-                <a:noFill/>
-              </a:ln>
-              <a:effectLst>
-                <a:outerShdw blurRad="292100" dist="139700" dir="2700000" algn="tl" rotWithShape="0">
-                  <a:srgbClr val="333333">
-                    <a:alpha val="65000"/>
-                  </a:srgbClr>
-                </a:outerShdw>
-              </a:effectLst>
-            </p:spPr>
-          </p:pic>
-          <p:sp>
-            <p:nvSpPr>
-              <p:cNvPr id="4" name="文本框 3"/>
-              <p:cNvSpPr txBox="1"/>
-              <p:nvPr/>
-            </p:nvSpPr>
-            <p:spPr>
-              <a:xfrm>
-                <a:off x="2342236" y="4932921"/>
-                <a:ext cx="1620009" cy="322736"/>
-              </a:xfrm>
-              <a:prstGeom prst="rect">
-                <a:avLst/>
-              </a:prstGeom>
+            <a:prstGeom prst="rect">
+              <a:avLst/>
+            </a:prstGeom>
+            <a:ln>
               <a:noFill/>
-            </p:spPr>
-            <p:txBody>
-              <a:bodyPr wrap="none" rtlCol="0">
-                <a:spAutoFit/>
-              </a:bodyPr>
-              <a:lstStyle/>
-              <a:p>
-                <a:r>
-                  <a:rPr lang="zh-CN" altLang="en-US" sz="1100" smtClean="0"/>
-                  <a:t>注册成功返回信息</a:t>
-                </a:r>
-                <a:endParaRPr lang="zh-CN" altLang="en-US" sz="1100"/>
-              </a:p>
-            </p:txBody>
-          </p:sp>
-          <p:sp>
-            <p:nvSpPr>
-              <p:cNvPr id="34" name="文本框 33"/>
-              <p:cNvSpPr txBox="1"/>
-              <p:nvPr/>
-            </p:nvSpPr>
-            <p:spPr>
-              <a:xfrm>
-                <a:off x="7721289" y="4932921"/>
-                <a:ext cx="1620009" cy="322736"/>
-              </a:xfrm>
-              <a:prstGeom prst="rect">
-                <a:avLst/>
-              </a:prstGeom>
+            </a:ln>
+            <a:effectLst>
+              <a:outerShdw blurRad="292100" dist="139700" dir="2700000" algn="tl" rotWithShape="0">
+                <a:srgbClr val="333333">
+                  <a:alpha val="65000"/>
+                </a:srgbClr>
+              </a:outerShdw>
+            </a:effectLst>
+          </p:spPr>
+        </p:pic>
+        <p:pic>
+          <p:nvPicPr>
+            <p:cNvPr id="3" name="图片 2"/>
+            <p:cNvPicPr>
+              <a:picLocks noChangeAspect="1"/>
+            </p:cNvPicPr>
+            <p:nvPr/>
+          </p:nvPicPr>
+          <p:blipFill rotWithShape="1">
+            <a:blip r:embed="rId3">
+              <a:extLst>
+                <a:ext uri="{28A0092B-C50C-407E-A947-70E740481C1C}">
+                  <a14:useLocalDpi xmlns:a14="http://schemas.microsoft.com/office/drawing/2010/main" val="0"/>
+                </a:ext>
+              </a:extLst>
+            </a:blip>
+            <a:srcRect r="36149" b="5222"/>
+            <a:stretch/>
+          </p:blipFill>
+          <p:spPr>
+            <a:xfrm>
+              <a:off x="1281677" y="751962"/>
+              <a:ext cx="4136829" cy="3173282"/>
+            </a:xfrm>
+            <a:prstGeom prst="rect">
+              <a:avLst/>
+            </a:prstGeom>
+            <a:ln>
               <a:noFill/>
-            </p:spPr>
-            <p:txBody>
-              <a:bodyPr wrap="none" rtlCol="0">
-                <a:spAutoFit/>
-              </a:bodyPr>
-              <a:lstStyle/>
-              <a:p>
-                <a:r>
-                  <a:rPr lang="zh-CN" altLang="en-US" sz="1100" smtClean="0"/>
-                  <a:t>登录成功返回信息</a:t>
-                </a:r>
-                <a:endParaRPr lang="zh-CN" altLang="en-US" sz="1100"/>
-              </a:p>
-            </p:txBody>
-          </p:sp>
-        </p:grpSp>
+            </a:ln>
+            <a:effectLst>
+              <a:outerShdw blurRad="292100" dist="139700" dir="2700000" algn="tl" rotWithShape="0">
+                <a:srgbClr val="333333">
+                  <a:alpha val="65000"/>
+                </a:srgbClr>
+              </a:outerShdw>
+            </a:effectLst>
+          </p:spPr>
+        </p:pic>
         <p:sp>
           <p:nvSpPr>
-            <p:cNvPr id="36" name="文本框 35"/>
+            <p:cNvPr id="4" name="文本框 3"/>
             <p:cNvSpPr txBox="1"/>
             <p:nvPr/>
           </p:nvSpPr>
           <p:spPr>
             <a:xfrm>
-              <a:off x="4215586" y="5517139"/>
-              <a:ext cx="3505703" cy="322736"/>
+              <a:off x="2666649" y="4657037"/>
+              <a:ext cx="1366883" cy="284767"/>
             </a:xfrm>
             <a:prstGeom prst="rect">
               <a:avLst/>
@@ -9124,28 +8707,46 @@
             <a:noFill/>
           </p:spPr>
           <p:txBody>
-            <a:bodyPr wrap="square" rtlCol="0">
+            <a:bodyPr wrap="none" rtlCol="0">
               <a:spAutoFit/>
             </a:bodyPr>
             <a:lstStyle/>
             <a:p>
               <a:r>
-                <a:rPr lang="en-US" altLang="zh-CN" sz="1100" smtClean="0"/>
-                <a:t>Postman</a:t>
+                <a:rPr lang="zh-CN" altLang="en-US" sz="900" smtClean="0"/>
+                <a:t>注册成功返回信息</a:t>
               </a:r>
+              <a:endParaRPr lang="zh-CN" altLang="en-US" sz="900"/>
+            </a:p>
+          </p:txBody>
+        </p:sp>
+        <p:sp>
+          <p:nvSpPr>
+            <p:cNvPr id="34" name="文本框 33"/>
+            <p:cNvSpPr txBox="1"/>
+            <p:nvPr/>
+          </p:nvSpPr>
+          <p:spPr>
+            <a:xfrm>
+              <a:off x="7387547" y="4657037"/>
+              <a:ext cx="1366883" cy="284767"/>
+            </a:xfrm>
+            <a:prstGeom prst="rect">
+              <a:avLst/>
+            </a:prstGeom>
+            <a:noFill/>
+          </p:spPr>
+          <p:txBody>
+            <a:bodyPr wrap="none" rtlCol="0">
+              <a:spAutoFit/>
+            </a:bodyPr>
+            <a:lstStyle/>
+            <a:p>
               <a:r>
-                <a:rPr lang="zh-CN" altLang="en-US" sz="1100" smtClean="0"/>
-                <a:t>上的注册</a:t>
+                <a:rPr lang="zh-CN" altLang="en-US" sz="900" smtClean="0"/>
+                <a:t>登录成功返回信息</a:t>
               </a:r>
-              <a:r>
-                <a:rPr lang="en-US" altLang="zh-CN" sz="1100" smtClean="0"/>
-                <a:t>/</a:t>
-              </a:r>
-              <a:r>
-                <a:rPr lang="zh-CN" altLang="en-US" sz="1100" smtClean="0"/>
-                <a:t>登录返回信息</a:t>
-              </a:r>
-              <a:endParaRPr lang="zh-CN" altLang="en-US" sz="1100"/>
+              <a:endParaRPr lang="zh-CN" altLang="en-US" sz="900"/>
             </a:p>
           </p:txBody>
         </p:sp>
@@ -9189,248 +8790,62 @@
       </p:grpSpPr>
       <p:grpSp>
         <p:nvGrpSpPr>
-          <p:cNvPr id="4" name="组合 3"/>
+          <p:cNvPr id="10" name="组合 9"/>
           <p:cNvGrpSpPr/>
           <p:nvPr/>
         </p:nvGrpSpPr>
         <p:grpSpPr>
           <a:xfrm>
             <a:off x="2592888" y="1142067"/>
-            <a:ext cx="7002609" cy="4303099"/>
-            <a:chOff x="2592888" y="1142067"/>
-            <a:chExt cx="7002609" cy="4303099"/>
+            <a:ext cx="7002609" cy="3965270"/>
+            <a:chOff x="414338" y="190088"/>
+            <a:chExt cx="11598684" cy="6567826"/>
           </a:xfrm>
         </p:grpSpPr>
-        <p:grpSp>
-          <p:nvGrpSpPr>
-            <p:cNvPr id="10" name="组合 9"/>
-            <p:cNvGrpSpPr/>
+        <p:pic>
+          <p:nvPicPr>
+            <p:cNvPr id="3" name="图片 2"/>
+            <p:cNvPicPr>
+              <a:picLocks noChangeAspect="1"/>
+            </p:cNvPicPr>
             <p:nvPr/>
-          </p:nvGrpSpPr>
-          <p:grpSpPr>
+          </p:nvPicPr>
+          <p:blipFill>
+            <a:blip r:embed="rId2"/>
+            <a:stretch>
+              <a:fillRect/>
+            </a:stretch>
+          </p:blipFill>
+          <p:spPr>
             <a:xfrm>
-              <a:off x="2592888" y="1142067"/>
-              <a:ext cx="7002609" cy="3965270"/>
-              <a:chOff x="414338" y="190088"/>
-              <a:chExt cx="11598684" cy="6567826"/>
+              <a:off x="4583318" y="190088"/>
+              <a:ext cx="3260724" cy="5791611"/>
             </a:xfrm>
-          </p:grpSpPr>
-          <p:pic>
-            <p:nvPicPr>
-              <p:cNvPr id="3" name="图片 2"/>
-              <p:cNvPicPr>
-                <a:picLocks noChangeAspect="1"/>
-              </p:cNvPicPr>
-              <p:nvPr/>
-            </p:nvPicPr>
-            <p:blipFill>
-              <a:blip r:embed="rId2"/>
-              <a:stretch>
-                <a:fillRect/>
-              </a:stretch>
-            </p:blipFill>
-            <p:spPr>
-              <a:xfrm>
-                <a:off x="4583318" y="190088"/>
-                <a:ext cx="3260724" cy="5791611"/>
-              </a:xfrm>
-              <a:prstGeom prst="rect">
-                <a:avLst/>
-              </a:prstGeom>
-              <a:ln>
-                <a:noFill/>
-              </a:ln>
-              <a:effectLst>
-                <a:outerShdw blurRad="190500" algn="tl" rotWithShape="0">
-                  <a:srgbClr val="000000">
-                    <a:alpha val="70000"/>
-                  </a:srgbClr>
-                </a:outerShdw>
-              </a:effectLst>
-            </p:spPr>
-          </p:pic>
-          <p:sp>
-            <p:nvSpPr>
-              <p:cNvPr id="5" name="文本框 4"/>
-              <p:cNvSpPr txBox="1"/>
-              <p:nvPr/>
-            </p:nvSpPr>
-            <p:spPr>
-              <a:xfrm>
-                <a:off x="1435101" y="6324600"/>
-                <a:ext cx="1219200" cy="433314"/>
-              </a:xfrm>
-              <a:prstGeom prst="rect">
-                <a:avLst/>
-              </a:prstGeom>
+            <a:prstGeom prst="rect">
+              <a:avLst/>
+            </a:prstGeom>
+            <a:ln>
               <a:noFill/>
-            </p:spPr>
-            <p:txBody>
-              <a:bodyPr wrap="square" rtlCol="0">
-                <a:spAutoFit/>
-              </a:bodyPr>
-              <a:lstStyle/>
-              <a:p>
-                <a:pPr algn="ctr"/>
-                <a:r>
-                  <a:rPr lang="zh-CN" altLang="en-US" sz="1100">
-                    <a:latin typeface="微软雅黑" panose="020B0503020204020204" pitchFamily="34" charset="-122"/>
-                    <a:ea typeface="微软雅黑" panose="020B0503020204020204" pitchFamily="34" charset="-122"/>
-                  </a:rPr>
-                  <a:t>首页</a:t>
-                </a:r>
-              </a:p>
-            </p:txBody>
-          </p:sp>
-          <p:sp>
-            <p:nvSpPr>
-              <p:cNvPr id="6" name="文本框 5"/>
-              <p:cNvSpPr txBox="1"/>
-              <p:nvPr/>
-            </p:nvSpPr>
-            <p:spPr>
-              <a:xfrm>
-                <a:off x="5604081" y="6324600"/>
-                <a:ext cx="1219200" cy="433314"/>
-              </a:xfrm>
-              <a:prstGeom prst="rect">
-                <a:avLst/>
-              </a:prstGeom>
-              <a:noFill/>
-            </p:spPr>
-            <p:txBody>
-              <a:bodyPr wrap="square" rtlCol="0">
-                <a:spAutoFit/>
-              </a:bodyPr>
-              <a:lstStyle/>
-              <a:p>
-                <a:pPr algn="ctr"/>
-                <a:r>
-                  <a:rPr lang="zh-CN" altLang="en-US" sz="1100">
-                    <a:latin typeface="微软雅黑" panose="020B0503020204020204" pitchFamily="34" charset="-122"/>
-                    <a:ea typeface="微软雅黑" panose="020B0503020204020204" pitchFamily="34" charset="-122"/>
-                  </a:rPr>
-                  <a:t>任务</a:t>
-                </a:r>
-              </a:p>
-            </p:txBody>
-          </p:sp>
-          <p:sp>
-            <p:nvSpPr>
-              <p:cNvPr id="7" name="文本框 6"/>
-              <p:cNvSpPr txBox="1"/>
-              <p:nvPr/>
-            </p:nvSpPr>
-            <p:spPr>
-              <a:xfrm>
-                <a:off x="9629980" y="6318768"/>
-                <a:ext cx="1219200" cy="433314"/>
-              </a:xfrm>
-              <a:prstGeom prst="rect">
-                <a:avLst/>
-              </a:prstGeom>
-              <a:noFill/>
-            </p:spPr>
-            <p:txBody>
-              <a:bodyPr wrap="square" rtlCol="0">
-                <a:spAutoFit/>
-              </a:bodyPr>
-              <a:lstStyle/>
-              <a:p>
-                <a:pPr algn="ctr"/>
-                <a:r>
-                  <a:rPr lang="zh-CN" altLang="en-US" sz="1100" smtClean="0">
-                    <a:latin typeface="微软雅黑" panose="020B0503020204020204" pitchFamily="34" charset="-122"/>
-                    <a:ea typeface="微软雅黑" panose="020B0503020204020204" pitchFamily="34" charset="-122"/>
-                  </a:rPr>
-                  <a:t>我的</a:t>
-                </a:r>
-                <a:endParaRPr lang="zh-CN" altLang="en-US" sz="1100">
-                  <a:latin typeface="微软雅黑" panose="020B0503020204020204" pitchFamily="34" charset="-122"/>
-                  <a:ea typeface="微软雅黑" panose="020B0503020204020204" pitchFamily="34" charset="-122"/>
-                </a:endParaRPr>
-              </a:p>
-            </p:txBody>
-          </p:sp>
-          <p:pic>
-            <p:nvPicPr>
-              <p:cNvPr id="8" name="图片 7"/>
-              <p:cNvPicPr>
-                <a:picLocks noChangeAspect="1"/>
-              </p:cNvPicPr>
-              <p:nvPr/>
-            </p:nvPicPr>
-            <p:blipFill>
-              <a:blip r:embed="rId3"/>
-              <a:stretch>
-                <a:fillRect/>
-              </a:stretch>
-            </p:blipFill>
-            <p:spPr>
-              <a:xfrm>
-                <a:off x="8752298" y="190088"/>
-                <a:ext cx="3260724" cy="5791611"/>
-              </a:xfrm>
-              <a:prstGeom prst="rect">
-                <a:avLst/>
-              </a:prstGeom>
-              <a:ln>
-                <a:noFill/>
-              </a:ln>
-              <a:effectLst>
-                <a:outerShdw blurRad="292100" dist="139700" dir="2700000" algn="tl" rotWithShape="0">
-                  <a:srgbClr val="333333">
-                    <a:alpha val="65000"/>
-                  </a:srgbClr>
-                </a:outerShdw>
-              </a:effectLst>
-            </p:spPr>
-          </p:pic>
-          <p:pic>
-            <p:nvPicPr>
-              <p:cNvPr id="9" name="图片 8"/>
-              <p:cNvPicPr>
-                <a:picLocks noChangeAspect="1"/>
-              </p:cNvPicPr>
-              <p:nvPr/>
-            </p:nvPicPr>
-            <p:blipFill>
-              <a:blip r:embed="rId4"/>
-              <a:stretch>
-                <a:fillRect/>
-              </a:stretch>
-            </p:blipFill>
-            <p:spPr>
-              <a:xfrm>
-                <a:off x="414338" y="190088"/>
-                <a:ext cx="3260723" cy="5791611"/>
-              </a:xfrm>
-              <a:prstGeom prst="rect">
-                <a:avLst/>
-              </a:prstGeom>
-              <a:ln>
-                <a:noFill/>
-              </a:ln>
-              <a:effectLst>
-                <a:outerShdw blurRad="292100" dist="139700" dir="2700000" algn="tl" rotWithShape="0">
-                  <a:srgbClr val="333333">
-                    <a:alpha val="65000"/>
-                  </a:srgbClr>
-                </a:outerShdw>
-              </a:effectLst>
-            </p:spPr>
-          </p:pic>
-        </p:grpSp>
+            </a:ln>
+            <a:effectLst>
+              <a:outerShdw blurRad="190500" algn="tl" rotWithShape="0">
+                <a:srgbClr val="000000">
+                  <a:alpha val="70000"/>
+                </a:srgbClr>
+              </a:outerShdw>
+            </a:effectLst>
+          </p:spPr>
+        </p:pic>
         <p:sp>
           <p:nvSpPr>
-            <p:cNvPr id="2" name="文本框 1"/>
+            <p:cNvPr id="5" name="文本框 4"/>
             <p:cNvSpPr txBox="1"/>
             <p:nvPr/>
           </p:nvSpPr>
           <p:spPr>
             <a:xfrm>
-              <a:off x="5578666" y="5183556"/>
-              <a:ext cx="1031051" cy="261610"/>
+              <a:off x="1435101" y="6324600"/>
+              <a:ext cx="1219200" cy="433314"/>
             </a:xfrm>
             <a:prstGeom prst="rect">
               <a:avLst/>
@@ -9438,19 +8853,160 @@
             <a:noFill/>
           </p:spPr>
           <p:txBody>
-            <a:bodyPr wrap="none" rtlCol="0">
+            <a:bodyPr wrap="square" rtlCol="0">
               <a:spAutoFit/>
             </a:bodyPr>
             <a:lstStyle/>
             <a:p>
+              <a:pPr algn="ctr"/>
               <a:r>
-                <a:rPr lang="zh-CN" altLang="en-US" sz="1100" smtClean="0"/>
-                <a:t>程序页面布局</a:t>
+                <a:rPr lang="zh-CN" altLang="en-US" sz="1100">
+                  <a:latin typeface="微软雅黑" panose="020B0503020204020204" pitchFamily="34" charset="-122"/>
+                  <a:ea typeface="微软雅黑" panose="020B0503020204020204" pitchFamily="34" charset="-122"/>
+                </a:rPr>
+                <a:t>首页</a:t>
               </a:r>
-              <a:endParaRPr lang="zh-CN" altLang="en-US" sz="1100"/>
             </a:p>
           </p:txBody>
         </p:sp>
+        <p:sp>
+          <p:nvSpPr>
+            <p:cNvPr id="6" name="文本框 5"/>
+            <p:cNvSpPr txBox="1"/>
+            <p:nvPr/>
+          </p:nvSpPr>
+          <p:spPr>
+            <a:xfrm>
+              <a:off x="5604081" y="6324600"/>
+              <a:ext cx="1219200" cy="433314"/>
+            </a:xfrm>
+            <a:prstGeom prst="rect">
+              <a:avLst/>
+            </a:prstGeom>
+            <a:noFill/>
+          </p:spPr>
+          <p:txBody>
+            <a:bodyPr wrap="square" rtlCol="0">
+              <a:spAutoFit/>
+            </a:bodyPr>
+            <a:lstStyle/>
+            <a:p>
+              <a:pPr algn="ctr"/>
+              <a:r>
+                <a:rPr lang="zh-CN" altLang="en-US" sz="1100">
+                  <a:latin typeface="微软雅黑" panose="020B0503020204020204" pitchFamily="34" charset="-122"/>
+                  <a:ea typeface="微软雅黑" panose="020B0503020204020204" pitchFamily="34" charset="-122"/>
+                </a:rPr>
+                <a:t>任务</a:t>
+              </a:r>
+            </a:p>
+          </p:txBody>
+        </p:sp>
+        <p:sp>
+          <p:nvSpPr>
+            <p:cNvPr id="7" name="文本框 6"/>
+            <p:cNvSpPr txBox="1"/>
+            <p:nvPr/>
+          </p:nvSpPr>
+          <p:spPr>
+            <a:xfrm>
+              <a:off x="9629980" y="6318768"/>
+              <a:ext cx="1219200" cy="433314"/>
+            </a:xfrm>
+            <a:prstGeom prst="rect">
+              <a:avLst/>
+            </a:prstGeom>
+            <a:noFill/>
+          </p:spPr>
+          <p:txBody>
+            <a:bodyPr wrap="square" rtlCol="0">
+              <a:spAutoFit/>
+            </a:bodyPr>
+            <a:lstStyle/>
+            <a:p>
+              <a:pPr algn="ctr"/>
+              <a:r>
+                <a:rPr lang="zh-CN" altLang="en-US" sz="1100" smtClean="0">
+                  <a:latin typeface="微软雅黑" panose="020B0503020204020204" pitchFamily="34" charset="-122"/>
+                  <a:ea typeface="微软雅黑" panose="020B0503020204020204" pitchFamily="34" charset="-122"/>
+                </a:rPr>
+                <a:t>我的</a:t>
+              </a:r>
+              <a:endParaRPr lang="zh-CN" altLang="en-US" sz="1100">
+                <a:latin typeface="微软雅黑" panose="020B0503020204020204" pitchFamily="34" charset="-122"/>
+                <a:ea typeface="微软雅黑" panose="020B0503020204020204" pitchFamily="34" charset="-122"/>
+              </a:endParaRPr>
+            </a:p>
+          </p:txBody>
+        </p:sp>
+        <p:pic>
+          <p:nvPicPr>
+            <p:cNvPr id="8" name="图片 7"/>
+            <p:cNvPicPr>
+              <a:picLocks noChangeAspect="1"/>
+            </p:cNvPicPr>
+            <p:nvPr/>
+          </p:nvPicPr>
+          <p:blipFill>
+            <a:blip r:embed="rId3"/>
+            <a:stretch>
+              <a:fillRect/>
+            </a:stretch>
+          </p:blipFill>
+          <p:spPr>
+            <a:xfrm>
+              <a:off x="8752298" y="190088"/>
+              <a:ext cx="3260724" cy="5791611"/>
+            </a:xfrm>
+            <a:prstGeom prst="rect">
+              <a:avLst/>
+            </a:prstGeom>
+            <a:ln>
+              <a:noFill/>
+            </a:ln>
+            <a:effectLst>
+              <a:outerShdw blurRad="292100" dist="139700" dir="2700000" algn="tl" rotWithShape="0">
+                <a:srgbClr val="333333">
+                  <a:alpha val="65000"/>
+                </a:srgbClr>
+              </a:outerShdw>
+            </a:effectLst>
+          </p:spPr>
+        </p:pic>
+        <p:pic>
+          <p:nvPicPr>
+            <p:cNvPr id="9" name="图片 8"/>
+            <p:cNvPicPr>
+              <a:picLocks noChangeAspect="1"/>
+            </p:cNvPicPr>
+            <p:nvPr/>
+          </p:nvPicPr>
+          <p:blipFill>
+            <a:blip r:embed="rId4"/>
+            <a:stretch>
+              <a:fillRect/>
+            </a:stretch>
+          </p:blipFill>
+          <p:spPr>
+            <a:xfrm>
+              <a:off x="414338" y="190088"/>
+              <a:ext cx="3260723" cy="5791611"/>
+            </a:xfrm>
+            <a:prstGeom prst="rect">
+              <a:avLst/>
+            </a:prstGeom>
+            <a:ln>
+              <a:noFill/>
+            </a:ln>
+            <a:effectLst>
+              <a:outerShdw blurRad="292100" dist="139700" dir="2700000" algn="tl" rotWithShape="0">
+                <a:srgbClr val="333333">
+                  <a:alpha val="65000"/>
+                </a:srgbClr>
+              </a:outerShdw>
+            </a:effectLst>
+          </p:spPr>
+        </p:pic>
       </p:grpSp>
     </p:spTree>
     <p:extLst>
@@ -9491,16 +9047,16 @@
       </p:grpSpPr>
       <p:grpSp>
         <p:nvGrpSpPr>
-          <p:cNvPr id="19" name="组合 18"/>
+          <p:cNvPr id="5" name="组合 4"/>
           <p:cNvGrpSpPr/>
           <p:nvPr/>
         </p:nvGrpSpPr>
         <p:grpSpPr>
           <a:xfrm>
-            <a:off x="832059" y="1197538"/>
-            <a:ext cx="4512199" cy="4031093"/>
-            <a:chOff x="2996942" y="375729"/>
-            <a:chExt cx="5667006" cy="5062771"/>
+            <a:off x="1770038" y="1774674"/>
+            <a:ext cx="6915574" cy="3172413"/>
+            <a:chOff x="1770038" y="1774674"/>
+            <a:chExt cx="6915574" cy="3172413"/>
           </a:xfrm>
         </p:grpSpPr>
         <p:sp>
@@ -9511,8 +9067,8 @@
           </p:nvSpPr>
           <p:spPr>
             <a:xfrm>
-              <a:off x="3871531" y="5109936"/>
-              <a:ext cx="763428" cy="328564"/>
+              <a:off x="2335204" y="4763667"/>
+              <a:ext cx="421037" cy="183059"/>
             </a:xfrm>
             <a:prstGeom prst="rect">
               <a:avLst/>
@@ -9526,14 +9082,14 @@
             <a:lstStyle/>
             <a:p>
               <a:r>
-                <a:rPr lang="zh-CN" altLang="en-US" sz="1100"/>
+                <a:rPr lang="zh-CN" altLang="en-US" sz="900"/>
                 <a:t>搜</a:t>
               </a:r>
               <a:r>
-                <a:rPr lang="zh-CN" altLang="en-US" sz="1100" smtClean="0"/>
+                <a:rPr lang="zh-CN" altLang="en-US" sz="900" smtClean="0"/>
                 <a:t>索框</a:t>
               </a:r>
-              <a:endParaRPr lang="zh-CN" altLang="en-US" sz="1100"/>
+              <a:endParaRPr lang="zh-CN" altLang="en-US" sz="900"/>
             </a:p>
           </p:txBody>
         </p:sp>
@@ -9545,8 +9101,8 @@
           </p:nvSpPr>
           <p:spPr>
             <a:xfrm>
-              <a:off x="6976316" y="5109936"/>
-              <a:ext cx="940595" cy="328564"/>
+              <a:off x="4079947" y="4763667"/>
+              <a:ext cx="512566" cy="183059"/>
             </a:xfrm>
             <a:prstGeom prst="rect">
               <a:avLst/>
@@ -9560,14 +9116,14 @@
             <a:lstStyle/>
             <a:p>
               <a:r>
-                <a:rPr lang="zh-CN" altLang="en-US" sz="1100"/>
+                <a:rPr lang="zh-CN" altLang="en-US" sz="900"/>
                 <a:t>结果</a:t>
               </a:r>
               <a:r>
-                <a:rPr lang="zh-CN" altLang="en-US" sz="1100" smtClean="0"/>
+                <a:rPr lang="zh-CN" altLang="en-US" sz="900" smtClean="0"/>
                 <a:t>列表</a:t>
               </a:r>
-              <a:endParaRPr lang="zh-CN" altLang="en-US" sz="1100"/>
+              <a:endParaRPr lang="zh-CN" altLang="en-US" sz="900"/>
             </a:p>
           </p:txBody>
         </p:sp>
@@ -9587,8 +9143,8 @@
           </p:blipFill>
           <p:spPr>
             <a:xfrm>
-              <a:off x="6191494" y="375730"/>
-              <a:ext cx="2472454" cy="4391507"/>
+              <a:off x="3554830" y="1774677"/>
+              <a:ext cx="1561198" cy="2772958"/>
             </a:xfrm>
             <a:prstGeom prst="rect">
               <a:avLst/>
@@ -9621,8 +9177,8 @@
           </p:blipFill>
           <p:spPr>
             <a:xfrm>
-              <a:off x="2996942" y="375729"/>
-              <a:ext cx="2472454" cy="4391507"/>
+              <a:off x="1770038" y="1774675"/>
+              <a:ext cx="1561198" cy="2772958"/>
             </a:xfrm>
             <a:prstGeom prst="rect">
               <a:avLst/>
@@ -9639,21 +9195,6 @@
             </a:effectLst>
           </p:spPr>
         </p:pic>
-      </p:grpSp>
-      <p:grpSp>
-        <p:nvGrpSpPr>
-          <p:cNvPr id="7" name="组合 6"/>
-          <p:cNvGrpSpPr/>
-          <p:nvPr/>
-        </p:nvGrpSpPr>
-        <p:grpSpPr>
-          <a:xfrm>
-            <a:off x="6008336" y="1197538"/>
-            <a:ext cx="4656726" cy="4023245"/>
-            <a:chOff x="2996942" y="532211"/>
-            <a:chExt cx="5667006" cy="4896091"/>
-          </a:xfrm>
-        </p:grpSpPr>
         <p:pic>
           <p:nvPicPr>
             <p:cNvPr id="8" name="图片 7"/>
@@ -9670,8 +9211,8 @@
           </p:blipFill>
           <p:spPr>
             <a:xfrm>
-              <a:off x="2996942" y="532211"/>
-              <a:ext cx="2472454" cy="4391507"/>
+              <a:off x="5339622" y="1774675"/>
+              <a:ext cx="1561198" cy="2772959"/>
             </a:xfrm>
             <a:prstGeom prst="rect">
               <a:avLst/>
@@ -9704,8 +9245,8 @@
           </p:blipFill>
           <p:spPr>
             <a:xfrm>
-              <a:off x="6191494" y="532211"/>
-              <a:ext cx="2472454" cy="4391507"/>
+              <a:off x="7124414" y="1774674"/>
+              <a:ext cx="1561198" cy="2772959"/>
             </a:xfrm>
             <a:prstGeom prst="rect">
               <a:avLst/>
@@ -9730,8 +9271,8 @@
           </p:nvSpPr>
           <p:spPr>
             <a:xfrm>
-              <a:off x="3781763" y="5109935"/>
-              <a:ext cx="911402" cy="318367"/>
+              <a:off x="5863434" y="4763667"/>
+              <a:ext cx="513574" cy="183419"/>
             </a:xfrm>
             <a:prstGeom prst="rect">
               <a:avLst/>
@@ -9745,11 +9286,11 @@
             <a:lstStyle/>
             <a:p>
               <a:r>
-                <a:rPr lang="zh-CN" altLang="en-US" sz="1100" smtClean="0"/>
+                <a:rPr lang="zh-CN" altLang="en-US" sz="900" smtClean="0"/>
                 <a:t>参数</a:t>
               </a:r>
               <a:r>
-                <a:rPr lang="zh-CN" altLang="en-US" sz="1100"/>
+                <a:rPr lang="zh-CN" altLang="en-US" sz="900"/>
                 <a:t>列表</a:t>
               </a:r>
             </a:p>
@@ -9763,8 +9304,8 @@
           </p:nvSpPr>
           <p:spPr>
             <a:xfrm>
-              <a:off x="7001963" y="5109935"/>
-              <a:ext cx="864584" cy="318367"/>
+              <a:off x="7660963" y="4763668"/>
+              <a:ext cx="488099" cy="183419"/>
             </a:xfrm>
             <a:prstGeom prst="rect">
               <a:avLst/>
@@ -9778,14 +9319,14 @@
             <a:lstStyle/>
             <a:p>
               <a:r>
-                <a:rPr lang="zh-CN" altLang="en-US" sz="1100" smtClean="0"/>
+                <a:rPr lang="zh-CN" altLang="en-US" sz="900" smtClean="0"/>
                 <a:t>详情</a:t>
               </a:r>
               <a:r>
-                <a:rPr lang="en-US" altLang="zh-CN" sz="1100" smtClean="0"/>
+                <a:rPr lang="en-US" altLang="zh-CN" sz="900" smtClean="0"/>
                 <a:t>PDF</a:t>
               </a:r>
-              <a:endParaRPr lang="zh-CN" altLang="en-US" sz="1100"/>
+              <a:endParaRPr lang="zh-CN" altLang="en-US" sz="900"/>
             </a:p>
           </p:txBody>
         </p:sp>
@@ -9829,209 +9370,100 @@
       </p:grpSpPr>
       <p:grpSp>
         <p:nvGrpSpPr>
-          <p:cNvPr id="18" name="组合 17"/>
+          <p:cNvPr id="16" name="组合 15"/>
           <p:cNvGrpSpPr/>
           <p:nvPr/>
         </p:nvGrpSpPr>
         <p:grpSpPr>
           <a:xfrm>
             <a:off x="3112668" y="1197538"/>
-            <a:ext cx="6540617" cy="4124199"/>
+            <a:ext cx="6540617" cy="3498614"/>
             <a:chOff x="3112668" y="1197538"/>
-            <a:chExt cx="6540617" cy="4124199"/>
+            <a:chExt cx="6540617" cy="3498614"/>
           </a:xfrm>
         </p:grpSpPr>
-        <p:grpSp>
-          <p:nvGrpSpPr>
-            <p:cNvPr id="16" name="组合 15"/>
-            <p:cNvGrpSpPr/>
+        <p:pic>
+          <p:nvPicPr>
+            <p:cNvPr id="2" name="图片 1"/>
+            <p:cNvPicPr>
+              <a:picLocks noChangeAspect="1"/>
+            </p:cNvPicPr>
             <p:nvPr/>
-          </p:nvGrpSpPr>
-          <p:grpSpPr>
+          </p:nvPicPr>
+          <p:blipFill>
+            <a:blip r:embed="rId2"/>
+            <a:stretch>
+              <a:fillRect/>
+            </a:stretch>
+          </p:blipFill>
+          <p:spPr>
             <a:xfrm>
               <a:off x="3112668" y="1197538"/>
-              <a:ext cx="6540617" cy="3575559"/>
-              <a:chOff x="3112668" y="1197538"/>
-              <a:chExt cx="6540617" cy="3575559"/>
+              <a:ext cx="1753936" cy="3105797"/>
             </a:xfrm>
-          </p:grpSpPr>
-          <p:pic>
-            <p:nvPicPr>
-              <p:cNvPr id="2" name="图片 1"/>
-              <p:cNvPicPr>
-                <a:picLocks noChangeAspect="1"/>
-              </p:cNvPicPr>
-              <p:nvPr/>
-            </p:nvPicPr>
-            <p:blipFill>
-              <a:blip r:embed="rId2"/>
-              <a:stretch>
-                <a:fillRect/>
-              </a:stretch>
-            </p:blipFill>
-            <p:spPr>
-              <a:xfrm>
-                <a:off x="3112668" y="1197538"/>
-                <a:ext cx="1753936" cy="3105797"/>
-              </a:xfrm>
-              <a:prstGeom prst="rect">
-                <a:avLst/>
-              </a:prstGeom>
-            </p:spPr>
-          </p:pic>
-          <p:pic>
-            <p:nvPicPr>
-              <p:cNvPr id="3" name="图片 2"/>
-              <p:cNvPicPr>
-                <a:picLocks noChangeAspect="1"/>
-              </p:cNvPicPr>
-              <p:nvPr/>
-            </p:nvPicPr>
-            <p:blipFill>
-              <a:blip r:embed="rId3"/>
-              <a:stretch>
-                <a:fillRect/>
-              </a:stretch>
-            </p:blipFill>
-            <p:spPr>
-              <a:xfrm>
-                <a:off x="5460405" y="1197538"/>
-                <a:ext cx="1799803" cy="3105797"/>
-              </a:xfrm>
-              <a:prstGeom prst="rect">
-                <a:avLst/>
-              </a:prstGeom>
-            </p:spPr>
-          </p:pic>
-          <p:pic>
-            <p:nvPicPr>
-              <p:cNvPr id="5" name="图片 4"/>
-              <p:cNvPicPr>
-                <a:picLocks noChangeAspect="1"/>
-              </p:cNvPicPr>
-              <p:nvPr/>
-            </p:nvPicPr>
-            <p:blipFill>
-              <a:blip r:embed="rId4"/>
-              <a:stretch>
-                <a:fillRect/>
-              </a:stretch>
-            </p:blipFill>
-            <p:spPr>
-              <a:xfrm>
-                <a:off x="7854009" y="1198448"/>
-                <a:ext cx="1799276" cy="3104887"/>
-              </a:xfrm>
-              <a:prstGeom prst="rect">
-                <a:avLst/>
-              </a:prstGeom>
-            </p:spPr>
-          </p:pic>
-          <p:sp>
-            <p:nvSpPr>
-              <p:cNvPr id="6" name="文本框 5"/>
-              <p:cNvSpPr txBox="1"/>
-              <p:nvPr/>
-            </p:nvSpPr>
-            <p:spPr>
-              <a:xfrm>
-                <a:off x="3515559" y="4465320"/>
-                <a:ext cx="902811" cy="307777"/>
-              </a:xfrm>
-              <a:prstGeom prst="rect">
-                <a:avLst/>
-              </a:prstGeom>
-              <a:noFill/>
-            </p:spPr>
-            <p:txBody>
-              <a:bodyPr wrap="none" rtlCol="0">
-                <a:spAutoFit/>
-              </a:bodyPr>
-              <a:lstStyle/>
-              <a:p>
-                <a:r>
-                  <a:rPr lang="zh-CN" altLang="en-US" sz="1400" smtClean="0"/>
-                  <a:t>项目选项</a:t>
-                </a:r>
-                <a:endParaRPr lang="zh-CN" altLang="en-US" sz="1400"/>
-              </a:p>
-            </p:txBody>
-          </p:sp>
-          <p:sp>
-            <p:nvSpPr>
-              <p:cNvPr id="14" name="文本框 13"/>
-              <p:cNvSpPr txBox="1"/>
-              <p:nvPr/>
-            </p:nvSpPr>
-            <p:spPr>
-              <a:xfrm>
-                <a:off x="5908900" y="4465320"/>
-                <a:ext cx="902811" cy="307777"/>
-              </a:xfrm>
-              <a:prstGeom prst="rect">
-                <a:avLst/>
-              </a:prstGeom>
-              <a:noFill/>
-            </p:spPr>
-            <p:txBody>
-              <a:bodyPr wrap="none" rtlCol="0">
-                <a:spAutoFit/>
-              </a:bodyPr>
-              <a:lstStyle/>
-              <a:p>
-                <a:r>
-                  <a:rPr lang="zh-CN" altLang="en-US" sz="1400" smtClean="0"/>
-                  <a:t>学院选择</a:t>
-                </a:r>
-                <a:endParaRPr lang="zh-CN" altLang="en-US" sz="1400"/>
-              </a:p>
-            </p:txBody>
-          </p:sp>
-          <p:sp>
-            <p:nvSpPr>
-              <p:cNvPr id="15" name="文本框 14"/>
-              <p:cNvSpPr txBox="1"/>
-              <p:nvPr/>
-            </p:nvSpPr>
-            <p:spPr>
-              <a:xfrm>
-                <a:off x="8302241" y="4465320"/>
-                <a:ext cx="902811" cy="307777"/>
-              </a:xfrm>
-              <a:prstGeom prst="rect">
-                <a:avLst/>
-              </a:prstGeom>
-              <a:noFill/>
-            </p:spPr>
-            <p:txBody>
-              <a:bodyPr wrap="none" rtlCol="0">
-                <a:spAutoFit/>
-              </a:bodyPr>
-              <a:lstStyle/>
-              <a:p>
-                <a:r>
-                  <a:rPr lang="zh-CN" altLang="en-US" sz="1400"/>
-                  <a:t>日</a:t>
-                </a:r>
-                <a:r>
-                  <a:rPr lang="zh-CN" altLang="en-US" sz="1400" smtClean="0"/>
-                  <a:t>期选择</a:t>
-                </a:r>
-                <a:endParaRPr lang="zh-CN" altLang="en-US" sz="1400"/>
-              </a:p>
-            </p:txBody>
-          </p:sp>
-        </p:grpSp>
+            <a:prstGeom prst="rect">
+              <a:avLst/>
+            </a:prstGeom>
+          </p:spPr>
+        </p:pic>
+        <p:pic>
+          <p:nvPicPr>
+            <p:cNvPr id="3" name="图片 2"/>
+            <p:cNvPicPr>
+              <a:picLocks noChangeAspect="1"/>
+            </p:cNvPicPr>
+            <p:nvPr/>
+          </p:nvPicPr>
+          <p:blipFill>
+            <a:blip r:embed="rId3"/>
+            <a:stretch>
+              <a:fillRect/>
+            </a:stretch>
+          </p:blipFill>
+          <p:spPr>
+            <a:xfrm>
+              <a:off x="5460405" y="1197538"/>
+              <a:ext cx="1799803" cy="3105797"/>
+            </a:xfrm>
+            <a:prstGeom prst="rect">
+              <a:avLst/>
+            </a:prstGeom>
+          </p:spPr>
+        </p:pic>
+        <p:pic>
+          <p:nvPicPr>
+            <p:cNvPr id="5" name="图片 4"/>
+            <p:cNvPicPr>
+              <a:picLocks noChangeAspect="1"/>
+            </p:cNvPicPr>
+            <p:nvPr/>
+          </p:nvPicPr>
+          <p:blipFill>
+            <a:blip r:embed="rId4"/>
+            <a:stretch>
+              <a:fillRect/>
+            </a:stretch>
+          </p:blipFill>
+          <p:spPr>
+            <a:xfrm>
+              <a:off x="7854009" y="1198448"/>
+              <a:ext cx="1799276" cy="3104887"/>
+            </a:xfrm>
+            <a:prstGeom prst="rect">
+              <a:avLst/>
+            </a:prstGeom>
+          </p:spPr>
+        </p:pic>
         <p:sp>
           <p:nvSpPr>
-            <p:cNvPr id="17" name="文本框 16"/>
+            <p:cNvPr id="6" name="文本框 5"/>
             <p:cNvSpPr txBox="1"/>
             <p:nvPr/>
           </p:nvSpPr>
           <p:spPr>
             <a:xfrm>
-              <a:off x="5908900" y="5013960"/>
-              <a:ext cx="902811" cy="307777"/>
+              <a:off x="3666470" y="4465320"/>
+              <a:ext cx="646331" cy="230832"/>
             </a:xfrm>
             <a:prstGeom prst="rect">
               <a:avLst/>
@@ -10045,10 +9477,74 @@
             <a:lstStyle/>
             <a:p>
               <a:r>
-                <a:rPr lang="zh-CN" altLang="en-US" sz="1400" smtClean="0"/>
-                <a:t>新建项目</a:t>
+                <a:rPr lang="zh-CN" altLang="en-US" sz="900" smtClean="0"/>
+                <a:t>项目选项</a:t>
               </a:r>
-              <a:endParaRPr lang="zh-CN" altLang="en-US" sz="1400"/>
+              <a:endParaRPr lang="zh-CN" altLang="en-US" sz="900"/>
+            </a:p>
+          </p:txBody>
+        </p:sp>
+        <p:sp>
+          <p:nvSpPr>
+            <p:cNvPr id="14" name="文本框 13"/>
+            <p:cNvSpPr txBox="1"/>
+            <p:nvPr/>
+          </p:nvSpPr>
+          <p:spPr>
+            <a:xfrm>
+              <a:off x="5984355" y="4465320"/>
+              <a:ext cx="646331" cy="230832"/>
+            </a:xfrm>
+            <a:prstGeom prst="rect">
+              <a:avLst/>
+            </a:prstGeom>
+            <a:noFill/>
+          </p:spPr>
+          <p:txBody>
+            <a:bodyPr wrap="none" rtlCol="0">
+              <a:spAutoFit/>
+            </a:bodyPr>
+            <a:lstStyle/>
+            <a:p>
+              <a:r>
+                <a:rPr lang="zh-CN" altLang="en-US" sz="900" smtClean="0"/>
+                <a:t>学院选择</a:t>
+              </a:r>
+              <a:endParaRPr lang="zh-CN" altLang="en-US" sz="900"/>
+            </a:p>
+          </p:txBody>
+        </p:sp>
+        <p:sp>
+          <p:nvSpPr>
+            <p:cNvPr id="15" name="文本框 14"/>
+            <p:cNvSpPr txBox="1"/>
+            <p:nvPr/>
+          </p:nvSpPr>
+          <p:spPr>
+            <a:xfrm>
+              <a:off x="8430481" y="4465320"/>
+              <a:ext cx="646331" cy="230832"/>
+            </a:xfrm>
+            <a:prstGeom prst="rect">
+              <a:avLst/>
+            </a:prstGeom>
+            <a:noFill/>
+          </p:spPr>
+          <p:txBody>
+            <a:bodyPr wrap="none" rtlCol="0">
+              <a:spAutoFit/>
+            </a:bodyPr>
+            <a:lstStyle/>
+            <a:p>
+              <a:r>
+                <a:rPr lang="zh-CN" altLang="en-US" sz="900"/>
+                <a:t>日</a:t>
+              </a:r>
+              <a:r>
+                <a:rPr lang="zh-CN" altLang="en-US" sz="900" smtClean="0"/>
+                <a:t>期选择</a:t>
+              </a:r>
+              <a:endParaRPr lang="zh-CN" altLang="en-US" sz="900"/>
             </a:p>
           </p:txBody>
         </p:sp>
@@ -10106,7 +9602,7 @@
         </p:blipFill>
         <p:spPr>
           <a:xfrm>
-            <a:off x="7818012" y="3055699"/>
+            <a:off x="7599204" y="403589"/>
             <a:ext cx="1750768" cy="3109667"/>
           </a:xfrm>
           <a:prstGeom prst="rect">
@@ -10133,9 +9629,9 @@
         <p:grpSpPr>
           <a:xfrm>
             <a:off x="914022" y="403589"/>
-            <a:ext cx="6406418" cy="4206944"/>
+            <a:ext cx="6406418" cy="3658307"/>
             <a:chOff x="914022" y="403589"/>
-            <a:chExt cx="6406418" cy="4206944"/>
+            <a:chExt cx="6406418" cy="3658307"/>
           </a:xfrm>
         </p:grpSpPr>
         <p:pic>
@@ -10325,36 +9821,6 @@
               <a:r>
                 <a:rPr lang="zh-CN" altLang="en-US" sz="1400" smtClean="0"/>
                 <a:t>已完成</a:t>
-              </a:r>
-              <a:endParaRPr lang="zh-CN" altLang="en-US" sz="1400"/>
-            </a:p>
-          </p:txBody>
-        </p:sp>
-        <p:sp>
-          <p:nvSpPr>
-            <p:cNvPr id="10" name="文本框 9"/>
-            <p:cNvSpPr txBox="1"/>
-            <p:nvPr/>
-          </p:nvSpPr>
-          <p:spPr>
-            <a:xfrm>
-              <a:off x="3666914" y="4302756"/>
-              <a:ext cx="902811" cy="307777"/>
-            </a:xfrm>
-            <a:prstGeom prst="rect">
-              <a:avLst/>
-            </a:prstGeom>
-            <a:noFill/>
-          </p:spPr>
-          <p:txBody>
-            <a:bodyPr wrap="none" rtlCol="0">
-              <a:spAutoFit/>
-            </a:bodyPr>
-            <a:lstStyle/>
-            <a:p>
-              <a:r>
-                <a:rPr lang="zh-CN" altLang="en-US" sz="1400" smtClean="0"/>
-                <a:t>项目详情</a:t>
               </a:r>
               <a:endParaRPr lang="zh-CN" altLang="en-US" sz="1400"/>
             </a:p>
